--- a/sources/Deltares.Probabilistic.PWrapper.Examples/kratos/Prob Kratos DSD.pptx
+++ b/sources/Deltares.Probabilistic.PWrapper.Examples/kratos/Prob Kratos DSD.pptx
@@ -5,10 +5,10 @@
     <p:sldMasterId id="2147483648" r:id="rId4"/>
   </p:sldMasterIdLst>
   <p:notesMasterIdLst>
-    <p:notesMasterId r:id="rId23"/>
+    <p:notesMasterId r:id="rId25"/>
   </p:notesMasterIdLst>
   <p:handoutMasterIdLst>
-    <p:handoutMasterId r:id="rId24"/>
+    <p:handoutMasterId r:id="rId26"/>
   </p:handoutMasterIdLst>
   <p:sldIdLst>
     <p:sldId id="260" r:id="rId5"/>
@@ -28,7 +28,9 @@
     <p:sldId id="297" r:id="rId19"/>
     <p:sldId id="298" r:id="rId20"/>
     <p:sldId id="299" r:id="rId21"/>
-    <p:sldId id="300" r:id="rId22"/>
+    <p:sldId id="302" r:id="rId22"/>
+    <p:sldId id="303" r:id="rId23"/>
+    <p:sldId id="300" r:id="rId24"/>
   </p:sldIdLst>
   <p:sldSz cx="12192000" cy="6858000"/>
   <p:notesSz cx="6858000" cy="9144000"/>
@@ -15801,8 +15803,8 @@
           </a:p>
         </p:txBody>
       </p:sp>
-      <mc:AlternateContent xmlns:mc="http://schemas.openxmlformats.org/markup-compatibility/2006">
-        <mc:Choice xmlns:a14="http://schemas.microsoft.com/office/drawing/2010/main" Requires="a14">
+      <mc:AlternateContent xmlns:mc="http://schemas.openxmlformats.org/markup-compatibility/2006" xmlns:a14="http://schemas.microsoft.com/office/drawing/2010/main">
+        <mc:Choice Requires="a14">
           <p:sp>
             <p:nvSpPr>
               <p:cNvPr id="7" name="TextBox 6">
@@ -15831,6 +15833,7 @@
               </a:bodyPr>
               <a:lstStyle/>
               <a:p>
+                <a:pPr/>
                 <a14:m>
                   <m:oMathPara xmlns:m="http://schemas.openxmlformats.org/officeDocument/2006/math">
                     <m:oMathParaPr>
@@ -16015,7 +16018,7 @@
             </p:txBody>
           </p:sp>
         </mc:Choice>
-        <mc:Fallback>
+        <mc:Fallback xmlns="">
           <p:sp>
             <p:nvSpPr>
               <p:cNvPr id="7" name="TextBox 6">
@@ -16060,8 +16063,8 @@
           </p:sp>
         </mc:Fallback>
       </mc:AlternateContent>
-      <mc:AlternateContent xmlns:mc="http://schemas.openxmlformats.org/markup-compatibility/2006">
-        <mc:Choice xmlns:a14="http://schemas.microsoft.com/office/drawing/2010/main" Requires="a14">
+      <mc:AlternateContent xmlns:mc="http://schemas.openxmlformats.org/markup-compatibility/2006" xmlns:a14="http://schemas.microsoft.com/office/drawing/2010/main">
+        <mc:Choice Requires="a14">
           <p:sp>
             <p:nvSpPr>
               <p:cNvPr id="8" name="TextBox 7">
@@ -16090,6 +16093,7 @@
               </a:bodyPr>
               <a:lstStyle/>
               <a:p>
+                <a:pPr/>
                 <a14:m>
                   <m:oMathPara xmlns:m="http://schemas.openxmlformats.org/officeDocument/2006/math">
                     <m:oMathParaPr>
@@ -16298,7 +16302,7 @@
             </p:txBody>
           </p:sp>
         </mc:Choice>
-        <mc:Fallback>
+        <mc:Fallback xmlns="">
           <p:sp>
             <p:nvSpPr>
               <p:cNvPr id="8" name="TextBox 7">
@@ -16696,8 +16700,8 @@
           </a:p>
         </p:txBody>
       </p:sp>
-      <mc:AlternateContent xmlns:mc="http://schemas.openxmlformats.org/markup-compatibility/2006">
-        <mc:Choice xmlns:a14="http://schemas.microsoft.com/office/drawing/2010/main" Requires="a14">
+      <mc:AlternateContent xmlns:mc="http://schemas.openxmlformats.org/markup-compatibility/2006" xmlns:a14="http://schemas.microsoft.com/office/drawing/2010/main">
+        <mc:Choice Requires="a14">
           <p:sp>
             <p:nvSpPr>
               <p:cNvPr id="7" name="TextBox 6">
@@ -16726,6 +16730,7 @@
               </a:bodyPr>
               <a:lstStyle/>
               <a:p>
+                <a:pPr/>
                 <a14:m>
                   <m:oMathPara xmlns:m="http://schemas.openxmlformats.org/officeDocument/2006/math">
                     <m:oMathParaPr>
@@ -17006,7 +17011,7 @@
             </p:txBody>
           </p:sp>
         </mc:Choice>
-        <mc:Fallback>
+        <mc:Fallback xmlns="">
           <p:sp>
             <p:nvSpPr>
               <p:cNvPr id="7" name="TextBox 6">
@@ -17051,8 +17056,8 @@
           </p:sp>
         </mc:Fallback>
       </mc:AlternateContent>
-      <mc:AlternateContent xmlns:mc="http://schemas.openxmlformats.org/markup-compatibility/2006">
-        <mc:Choice xmlns:a14="http://schemas.microsoft.com/office/drawing/2010/main" Requires="a14">
+      <mc:AlternateContent xmlns:mc="http://schemas.openxmlformats.org/markup-compatibility/2006" xmlns:a14="http://schemas.microsoft.com/office/drawing/2010/main">
+        <mc:Choice Requires="a14">
           <p:sp>
             <p:nvSpPr>
               <p:cNvPr id="8" name="TextBox 7">
@@ -17081,6 +17086,7 @@
               </a:bodyPr>
               <a:lstStyle/>
               <a:p>
+                <a:pPr/>
                 <a14:m>
                   <m:oMathPara xmlns:m="http://schemas.openxmlformats.org/officeDocument/2006/math">
                     <m:oMathParaPr>
@@ -17349,7 +17355,7 @@
             </p:txBody>
           </p:sp>
         </mc:Choice>
-        <mc:Fallback>
+        <mc:Fallback xmlns="">
           <p:sp>
             <p:nvSpPr>
               <p:cNvPr id="8" name="TextBox 7">
@@ -17394,8 +17400,8 @@
           </p:sp>
         </mc:Fallback>
       </mc:AlternateContent>
-      <mc:AlternateContent xmlns:mc="http://schemas.openxmlformats.org/markup-compatibility/2006">
-        <mc:Choice xmlns:a14="http://schemas.microsoft.com/office/drawing/2010/main" Requires="a14">
+      <mc:AlternateContent xmlns:mc="http://schemas.openxmlformats.org/markup-compatibility/2006" xmlns:a14="http://schemas.microsoft.com/office/drawing/2010/main">
+        <mc:Choice Requires="a14">
           <p:sp>
             <p:nvSpPr>
               <p:cNvPr id="9" name="TextBox 8">
@@ -17424,6 +17430,7 @@
               </a:bodyPr>
               <a:lstStyle/>
               <a:p>
+                <a:pPr/>
                 <a14:m>
                   <m:oMathPara xmlns:m="http://schemas.openxmlformats.org/officeDocument/2006/math">
                     <m:oMathParaPr>
@@ -17639,7 +17646,7 @@
             </p:txBody>
           </p:sp>
         </mc:Choice>
-        <mc:Fallback>
+        <mc:Fallback xmlns="">
           <p:sp>
             <p:nvSpPr>
               <p:cNvPr id="9" name="TextBox 8">
@@ -17917,8 +17924,8 @@
           </a:p>
         </p:txBody>
       </p:sp>
-      <mc:AlternateContent xmlns:mc="http://schemas.openxmlformats.org/markup-compatibility/2006">
-        <mc:Choice xmlns:a14="http://schemas.microsoft.com/office/drawing/2010/main" Requires="a14">
+      <mc:AlternateContent xmlns:mc="http://schemas.openxmlformats.org/markup-compatibility/2006" xmlns:a14="http://schemas.microsoft.com/office/drawing/2010/main">
+        <mc:Choice Requires="a14">
           <p:sp>
             <p:nvSpPr>
               <p:cNvPr id="7" name="TextBox 6">
@@ -17947,6 +17954,7 @@
               </a:bodyPr>
               <a:lstStyle/>
               <a:p>
+                <a:pPr/>
                 <a14:m>
                   <m:oMathPara xmlns:m="http://schemas.openxmlformats.org/officeDocument/2006/math">
                     <m:oMathParaPr>
@@ -18206,7 +18214,7 @@
             </p:txBody>
           </p:sp>
         </mc:Choice>
-        <mc:Fallback>
+        <mc:Fallback xmlns="">
           <p:sp>
             <p:nvSpPr>
               <p:cNvPr id="7" name="TextBox 6">
@@ -19597,8 +19605,8 @@
           </a:p>
         </p:txBody>
       </p:sp>
-      <mc:AlternateContent xmlns:mc="http://schemas.openxmlformats.org/markup-compatibility/2006">
-        <mc:Choice xmlns:a14="http://schemas.microsoft.com/office/drawing/2010/main" Requires="a14">
+      <mc:AlternateContent xmlns:mc="http://schemas.openxmlformats.org/markup-compatibility/2006" xmlns:a14="http://schemas.microsoft.com/office/drawing/2010/main">
+        <mc:Choice Requires="a14">
           <p:sp>
             <p:nvSpPr>
               <p:cNvPr id="8" name="TextBox 7">
@@ -19627,6 +19635,7 @@
               </a:bodyPr>
               <a:lstStyle/>
               <a:p>
+                <a:pPr/>
                 <a14:m>
                   <m:oMathPara xmlns:m="http://schemas.openxmlformats.org/officeDocument/2006/math">
                     <m:oMathParaPr>
@@ -19895,7 +19904,7 @@
             </p:txBody>
           </p:sp>
         </mc:Choice>
-        <mc:Fallback>
+        <mc:Fallback xmlns="">
           <p:sp>
             <p:nvSpPr>
               <p:cNvPr id="8" name="TextBox 7">
@@ -21271,8 +21280,8 @@
           </a:p>
         </p:txBody>
       </p:sp>
-      <mc:AlternateContent xmlns:mc="http://schemas.openxmlformats.org/markup-compatibility/2006">
-        <mc:Choice xmlns:a14="http://schemas.microsoft.com/office/drawing/2010/main" Requires="a14">
+      <mc:AlternateContent xmlns:mc="http://schemas.openxmlformats.org/markup-compatibility/2006" xmlns:a14="http://schemas.microsoft.com/office/drawing/2010/main">
+        <mc:Choice Requires="a14">
           <p:sp>
             <p:nvSpPr>
               <p:cNvPr id="7" name="TextBox 6">
@@ -21301,6 +21310,7 @@
               </a:bodyPr>
               <a:lstStyle/>
               <a:p>
+                <a:pPr/>
                 <a14:m>
                   <m:oMathPara xmlns:m="http://schemas.openxmlformats.org/officeDocument/2006/math">
                     <m:oMathParaPr>
@@ -21516,7 +21526,7 @@
             </p:txBody>
           </p:sp>
         </mc:Choice>
-        <mc:Fallback>
+        <mc:Fallback xmlns="">
           <p:sp>
             <p:nvSpPr>
               <p:cNvPr id="7" name="TextBox 6">
@@ -21561,8 +21571,8 @@
           </p:sp>
         </mc:Fallback>
       </mc:AlternateContent>
-      <mc:AlternateContent xmlns:mc="http://schemas.openxmlformats.org/markup-compatibility/2006">
-        <mc:Choice xmlns:a14="http://schemas.microsoft.com/office/drawing/2010/main" Requires="a14">
+      <mc:AlternateContent xmlns:mc="http://schemas.openxmlformats.org/markup-compatibility/2006" xmlns:a14="http://schemas.microsoft.com/office/drawing/2010/main">
+        <mc:Choice Requires="a14">
           <p:graphicFrame>
             <p:nvGraphicFramePr>
               <p:cNvPr id="8" name="Table 7">
@@ -22030,7 +22040,7 @@
             </a:graphic>
           </p:graphicFrame>
         </mc:Choice>
-        <mc:Fallback>
+        <mc:Fallback xmlns="">
           <p:graphicFrame>
             <p:nvGraphicFramePr>
               <p:cNvPr id="8" name="Table 7">
@@ -22414,7 +22424,272 @@
           <a:bodyPr/>
           <a:lstStyle/>
           <a:p>
-            <a:endParaRPr lang="nl-NL"/>
+            <a:r>
+              <a:rPr lang="nl-NL" dirty="0"/>
+              <a:t>The </a:t>
+            </a:r>
+            <a:r>
+              <a:rPr lang="nl-NL" dirty="0" err="1"/>
+              <a:t>thickness</a:t>
+            </a:r>
+            <a:r>
+              <a:rPr lang="nl-NL" dirty="0"/>
+              <a:t> of </a:t>
+            </a:r>
+            <a:r>
+              <a:rPr lang="nl-NL" dirty="0" err="1"/>
+              <a:t>the</a:t>
+            </a:r>
+            <a:r>
+              <a:rPr lang="nl-NL" dirty="0"/>
+              <a:t> sheet </a:t>
+            </a:r>
+            <a:r>
+              <a:rPr lang="nl-NL" dirty="0" err="1"/>
+              <a:t>pile</a:t>
+            </a:r>
+            <a:r>
+              <a:rPr lang="nl-NL" dirty="0"/>
+              <a:t> </a:t>
+            </a:r>
+            <a:r>
+              <a:rPr lang="nl-NL" dirty="0" err="1"/>
+              <a:t>deteriorates</a:t>
+            </a:r>
+            <a:r>
+              <a:rPr lang="nl-NL" dirty="0"/>
+              <a:t> in time</a:t>
+            </a:r>
+          </a:p>
+          <a:p>
+            <a:endParaRPr lang="nl-NL" dirty="0"/>
+          </a:p>
+          <a:p>
+            <a:r>
+              <a:rPr lang="nl-NL" b="1" dirty="0" err="1"/>
+              <a:t>Assume</a:t>
+            </a:r>
+            <a:r>
+              <a:rPr lang="nl-NL" b="1" dirty="0"/>
+              <a:t>: </a:t>
+            </a:r>
+          </a:p>
+          <a:p>
+            <a:pPr lvl="1"/>
+            <a:r>
+              <a:rPr lang="nl-NL" dirty="0" err="1"/>
+              <a:t>Thickness</a:t>
+            </a:r>
+            <a:r>
+              <a:rPr lang="nl-NL" dirty="0"/>
+              <a:t> in 2025 = 0.025 m</a:t>
+            </a:r>
+          </a:p>
+          <a:p>
+            <a:pPr lvl="1"/>
+            <a:r>
+              <a:rPr lang="nl-NL" dirty="0" err="1"/>
+              <a:t>Expected</a:t>
+            </a:r>
+            <a:r>
+              <a:rPr lang="nl-NL" dirty="0"/>
+              <a:t> </a:t>
+            </a:r>
+            <a:r>
+              <a:rPr lang="nl-NL" dirty="0" err="1"/>
+              <a:t>thickness</a:t>
+            </a:r>
+            <a:r>
+              <a:rPr lang="nl-NL" dirty="0"/>
+              <a:t> in 2075 = 0.015 m</a:t>
+            </a:r>
+          </a:p>
+          <a:p>
+            <a:pPr lvl="1"/>
+            <a:endParaRPr lang="nl-NL" dirty="0"/>
+          </a:p>
+          <a:p>
+            <a:r>
+              <a:rPr lang="nl-NL" b="1" dirty="0"/>
+              <a:t>Proven </a:t>
+            </a:r>
+            <a:r>
+              <a:rPr lang="nl-NL" b="1" dirty="0" err="1"/>
+              <a:t>strength</a:t>
+            </a:r>
+            <a:r>
+              <a:rPr lang="nl-NL" b="1" dirty="0"/>
+              <a:t>:</a:t>
+            </a:r>
+            <a:r>
+              <a:rPr lang="nl-NL" dirty="0"/>
+              <a:t> we </a:t>
+            </a:r>
+            <a:r>
+              <a:rPr lang="nl-NL" dirty="0" err="1"/>
+              <a:t>know</a:t>
+            </a:r>
+            <a:r>
+              <a:rPr lang="nl-NL" dirty="0"/>
+              <a:t> </a:t>
+            </a:r>
+            <a:r>
+              <a:rPr lang="nl-NL" dirty="0" err="1"/>
+              <a:t>that</a:t>
+            </a:r>
+            <a:r>
+              <a:rPr lang="nl-NL" dirty="0"/>
+              <a:t> in 2025, </a:t>
+            </a:r>
+            <a:r>
+              <a:rPr lang="nl-NL" dirty="0" err="1"/>
+              <a:t>the</a:t>
+            </a:r>
+            <a:r>
+              <a:rPr lang="nl-NL" dirty="0"/>
+              <a:t> </a:t>
+            </a:r>
+            <a:r>
+              <a:rPr lang="nl-NL" dirty="0" err="1"/>
+              <a:t>displcament</a:t>
+            </a:r>
+            <a:r>
+              <a:rPr lang="nl-NL" dirty="0"/>
+              <a:t> of </a:t>
+            </a:r>
+            <a:r>
+              <a:rPr lang="nl-NL" dirty="0" err="1"/>
+              <a:t>the</a:t>
+            </a:r>
+            <a:r>
+              <a:rPr lang="nl-NL" dirty="0"/>
+              <a:t> sheet </a:t>
+            </a:r>
+            <a:r>
+              <a:rPr lang="nl-NL" dirty="0" err="1"/>
+              <a:t>pile</a:t>
+            </a:r>
+            <a:r>
+              <a:rPr lang="nl-NL" dirty="0"/>
+              <a:t> does </a:t>
+            </a:r>
+            <a:r>
+              <a:rPr lang="nl-NL" dirty="0" err="1"/>
+              <a:t>not</a:t>
+            </a:r>
+            <a:r>
+              <a:rPr lang="nl-NL" dirty="0"/>
+              <a:t> </a:t>
+            </a:r>
+            <a:r>
+              <a:rPr lang="nl-NL" dirty="0" err="1"/>
+              <a:t>exceed</a:t>
+            </a:r>
+            <a:r>
+              <a:rPr lang="nl-NL" dirty="0"/>
+              <a:t> </a:t>
+            </a:r>
+            <a:r>
+              <a:rPr lang="nl-NL" dirty="0" err="1"/>
+              <a:t>the</a:t>
+            </a:r>
+            <a:r>
+              <a:rPr lang="nl-NL" dirty="0"/>
+              <a:t> </a:t>
+            </a:r>
+            <a:r>
+              <a:rPr lang="nl-NL" dirty="0" err="1"/>
+              <a:t>critical</a:t>
+            </a:r>
+            <a:r>
+              <a:rPr lang="nl-NL" dirty="0"/>
+              <a:t> </a:t>
+            </a:r>
+            <a:r>
+              <a:rPr lang="nl-NL" dirty="0" err="1"/>
+              <a:t>value</a:t>
+            </a:r>
+            <a:r>
+              <a:rPr lang="nl-NL" dirty="0"/>
+              <a:t> of -0.17 m</a:t>
+            </a:r>
+          </a:p>
+          <a:p>
+            <a:endParaRPr lang="nl-NL" dirty="0"/>
+          </a:p>
+          <a:p>
+            <a:r>
+              <a:rPr lang="nl-NL" b="1" dirty="0"/>
+              <a:t>Question:</a:t>
+            </a:r>
+            <a:r>
+              <a:rPr lang="nl-NL" dirty="0"/>
+              <a:t> </a:t>
+            </a:r>
+            <a:r>
+              <a:rPr lang="nl-NL" dirty="0" err="1"/>
+              <a:t>what</a:t>
+            </a:r>
+            <a:r>
+              <a:rPr lang="nl-NL" dirty="0"/>
+              <a:t> is </a:t>
+            </a:r>
+            <a:r>
+              <a:rPr lang="nl-NL" dirty="0" err="1"/>
+              <a:t>the</a:t>
+            </a:r>
+            <a:r>
+              <a:rPr lang="nl-NL" dirty="0"/>
+              <a:t> </a:t>
+            </a:r>
+            <a:r>
+              <a:rPr lang="nl-NL" dirty="0" err="1"/>
+              <a:t>probability</a:t>
+            </a:r>
+            <a:r>
+              <a:rPr lang="nl-NL" dirty="0"/>
+              <a:t> of failure in 2075, </a:t>
+            </a:r>
+            <a:r>
+              <a:rPr lang="nl-NL" dirty="0" err="1"/>
+              <a:t>given</a:t>
+            </a:r>
+            <a:r>
+              <a:rPr lang="nl-NL" dirty="0"/>
+              <a:t> </a:t>
+            </a:r>
+            <a:r>
+              <a:rPr lang="nl-NL" dirty="0" err="1"/>
+              <a:t>that</a:t>
+            </a:r>
+            <a:r>
+              <a:rPr lang="nl-NL" dirty="0"/>
+              <a:t> </a:t>
+            </a:r>
+            <a:r>
+              <a:rPr lang="nl-NL" dirty="0" err="1"/>
+              <a:t>the</a:t>
+            </a:r>
+            <a:r>
+              <a:rPr lang="nl-NL" dirty="0"/>
+              <a:t> sheet </a:t>
+            </a:r>
+            <a:r>
+              <a:rPr lang="nl-NL" dirty="0" err="1"/>
+              <a:t>pile</a:t>
+            </a:r>
+            <a:r>
+              <a:rPr lang="nl-NL" dirty="0"/>
+              <a:t> is </a:t>
+            </a:r>
+            <a:r>
+              <a:rPr lang="nl-NL" dirty="0" err="1"/>
+              <a:t>stable</a:t>
+            </a:r>
+            <a:r>
+              <a:rPr lang="nl-NL" dirty="0"/>
+              <a:t> in 2025?</a:t>
+            </a:r>
           </a:p>
         </p:txBody>
       </p:sp>
@@ -22521,7 +22796,13 @@
   <p:cSld>
     <p:spTree>
       <p:nvGrpSpPr>
-        <p:cNvPr id="1" name=""/>
+        <p:cNvPr id="1" name="">
+          <a:extLst>
+            <a:ext uri="{FF2B5EF4-FFF2-40B4-BE49-F238E27FC236}">
+              <a16:creationId xmlns:a16="http://schemas.microsoft.com/office/drawing/2014/main" id="{0D69EB0D-6A4A-6598-CB10-0AEEFACE90CA}"/>
+            </a:ext>
+          </a:extLst>
+        </p:cNvPr>
         <p:cNvGrpSpPr/>
         <p:nvPr/>
       </p:nvGrpSpPr>
@@ -22538,7 +22819,7 @@
           <p:cNvPr id="2" name="Title 1">
             <a:extLst>
               <a:ext uri="{FF2B5EF4-FFF2-40B4-BE49-F238E27FC236}">
-                <a16:creationId xmlns:a16="http://schemas.microsoft.com/office/drawing/2014/main" id="{93C964CC-5AEA-357F-FA8A-67BD41ECFD3A}"/>
+                <a16:creationId xmlns:a16="http://schemas.microsoft.com/office/drawing/2014/main" id="{39A29A1E-FED5-0207-5439-5C4B2AD44BD5}"/>
               </a:ext>
             </a:extLst>
           </p:cNvPr>
@@ -22556,7 +22837,7 @@
           <a:p>
             <a:r>
               <a:rPr lang="nl-NL" dirty="0" err="1"/>
-              <a:t>Join</a:t>
+              <a:t>Probabilistic</a:t>
             </a:r>
             <a:r>
               <a:rPr lang="nl-NL" dirty="0"/>
@@ -22564,15 +22845,15 @@
             </a:r>
             <a:r>
               <a:rPr lang="nl-NL" dirty="0" err="1"/>
-              <a:t>the</a:t>
+              <a:t>calculations</a:t>
             </a:r>
             <a:r>
               <a:rPr lang="nl-NL" dirty="0"/>
-              <a:t> workshop at 15:00 </a:t>
+              <a:t>: proven </a:t>
             </a:r>
             <a:r>
               <a:rPr lang="nl-NL" dirty="0" err="1"/>
-              <a:t>o’clock</a:t>
+              <a:t>strength</a:t>
             </a:r>
             <a:endParaRPr lang="nl-NL" dirty="0"/>
           </a:p>
@@ -22583,7 +22864,7 @@
           <p:cNvPr id="3" name="Content Placeholder 2">
             <a:extLst>
               <a:ext uri="{FF2B5EF4-FFF2-40B4-BE49-F238E27FC236}">
-                <a16:creationId xmlns:a16="http://schemas.microsoft.com/office/drawing/2014/main" id="{ED3025C5-E00C-8F6E-E0CD-5FA237B8990A}"/>
+                <a16:creationId xmlns:a16="http://schemas.microsoft.com/office/drawing/2014/main" id="{A3FC3904-ED0A-03E9-A36E-E6D56EC64572}"/>
               </a:ext>
             </a:extLst>
           </p:cNvPr>
@@ -22600,8 +22881,67 @@
           <a:lstStyle/>
           <a:p>
             <a:r>
+              <a:rPr lang="nl-NL" u="sng" dirty="0"/>
+              <a:t>A priori</a:t>
+            </a:r>
+            <a:r>
+              <a:rPr lang="nl-NL" dirty="0"/>
+              <a:t> failure </a:t>
+            </a:r>
+            <a:r>
               <a:rPr lang="nl-NL" dirty="0" err="1"/>
-              <a:t>Learn</a:t>
+              <a:t>probability</a:t>
+            </a:r>
+            <a:r>
+              <a:rPr lang="nl-NL" dirty="0"/>
+              <a:t> in 2075, no information </a:t>
+            </a:r>
+            <a:r>
+              <a:rPr lang="nl-NL" dirty="0" err="1"/>
+              <a:t>added</a:t>
+            </a:r>
+            <a:r>
+              <a:rPr lang="nl-NL" dirty="0"/>
+              <a:t>:</a:t>
+            </a:r>
+          </a:p>
+          <a:p>
+            <a:endParaRPr lang="nl-NL" dirty="0"/>
+          </a:p>
+          <a:p>
+            <a:endParaRPr lang="nl-NL" dirty="0"/>
+          </a:p>
+          <a:p>
+            <a:endParaRPr lang="nl-NL" dirty="0"/>
+          </a:p>
+          <a:p>
+            <a:r>
+              <a:rPr lang="nl-NL" u="sng" dirty="0"/>
+              <a:t>A posteriori</a:t>
+            </a:r>
+            <a:r>
+              <a:rPr lang="nl-NL" dirty="0"/>
+              <a:t> failure </a:t>
+            </a:r>
+            <a:r>
+              <a:rPr lang="nl-NL" dirty="0" err="1"/>
+              <a:t>probability</a:t>
+            </a:r>
+            <a:r>
+              <a:rPr lang="nl-NL" dirty="0"/>
+              <a:t> in 2075, </a:t>
+            </a:r>
+            <a:r>
+              <a:rPr lang="nl-NL" dirty="0" err="1"/>
+              <a:t>including</a:t>
+            </a:r>
+            <a:r>
+              <a:rPr lang="nl-NL" dirty="0"/>
+              <a:t> information </a:t>
+            </a:r>
+            <a:r>
+              <a:rPr lang="nl-NL" dirty="0" err="1"/>
+              <a:t>about</a:t>
             </a:r>
             <a:r>
               <a:rPr lang="nl-NL" dirty="0"/>
@@ -22609,7 +22949,7 @@
             </a:r>
             <a:r>
               <a:rPr lang="nl-NL" dirty="0" err="1"/>
-              <a:t>how</a:t>
+              <a:t>the</a:t>
             </a:r>
             <a:r>
               <a:rPr lang="nl-NL" dirty="0"/>
@@ -22617,119 +22957,22 @@
             </a:r>
             <a:r>
               <a:rPr lang="nl-NL" dirty="0" err="1"/>
-              <a:t>to</a:t>
+              <a:t>survived</a:t>
             </a:r>
             <a:r>
               <a:rPr lang="nl-NL" dirty="0"/>
-              <a:t> </a:t>
-            </a:r>
-            <a:r>
-              <a:rPr lang="nl-NL" dirty="0" err="1"/>
-              <a:t>use</a:t>
-            </a:r>
-            <a:r>
-              <a:rPr lang="nl-NL" dirty="0"/>
-              <a:t> </a:t>
-            </a:r>
-            <a:r>
-              <a:rPr lang="nl-NL" dirty="0" err="1"/>
-              <a:t>the</a:t>
-            </a:r>
-            <a:r>
-              <a:rPr lang="nl-NL" dirty="0"/>
-              <a:t> </a:t>
-            </a:r>
-            <a:r>
-              <a:rPr lang="nl-NL" dirty="0" err="1"/>
-              <a:t>probabilistic</a:t>
-            </a:r>
-            <a:r>
-              <a:rPr lang="nl-NL" dirty="0"/>
-              <a:t> </a:t>
-            </a:r>
-            <a:r>
-              <a:rPr lang="nl-NL" dirty="0" err="1"/>
-              <a:t>library</a:t>
-            </a:r>
-            <a:r>
-              <a:rPr lang="nl-NL" dirty="0"/>
-              <a:t> </a:t>
-            </a:r>
-            <a:r>
-              <a:rPr lang="nl-NL" dirty="0" err="1"/>
-              <a:t>from</a:t>
-            </a:r>
-            <a:r>
-              <a:rPr lang="nl-NL" dirty="0"/>
-              <a:t> Python</a:t>
+              <a:t> event:</a:t>
             </a:r>
           </a:p>
           <a:p>
             <a:endParaRPr lang="nl-NL" dirty="0"/>
           </a:p>
           <a:p>
-            <a:r>
-              <a:rPr lang="nl-NL" dirty="0" err="1"/>
-              <a:t>Learn</a:t>
-            </a:r>
-            <a:r>
-              <a:rPr lang="nl-NL" dirty="0"/>
-              <a:t> </a:t>
-            </a:r>
-            <a:r>
-              <a:rPr lang="nl-NL" dirty="0" err="1"/>
-              <a:t>about</a:t>
-            </a:r>
-            <a:r>
-              <a:rPr lang="nl-NL" dirty="0"/>
-              <a:t> </a:t>
-            </a:r>
-            <a:r>
-              <a:rPr lang="nl-NL" dirty="0" err="1"/>
-              <a:t>the</a:t>
-            </a:r>
-            <a:r>
-              <a:rPr lang="nl-NL" dirty="0"/>
-              <a:t> details of </a:t>
-            </a:r>
-            <a:r>
-              <a:rPr lang="nl-NL" dirty="0" err="1"/>
-              <a:t>the</a:t>
-            </a:r>
-            <a:r>
-              <a:rPr lang="nl-NL" dirty="0"/>
-              <a:t> </a:t>
-            </a:r>
-            <a:r>
-              <a:rPr lang="nl-NL" dirty="0" err="1"/>
-              <a:t>probabilistic</a:t>
-            </a:r>
-            <a:r>
-              <a:rPr lang="nl-NL" dirty="0"/>
-              <a:t> </a:t>
-            </a:r>
-            <a:r>
-              <a:rPr lang="nl-NL" dirty="0" err="1"/>
-              <a:t>calculations</a:t>
-            </a:r>
-            <a:r>
-              <a:rPr lang="nl-NL" dirty="0"/>
-              <a:t> </a:t>
-            </a:r>
-            <a:r>
-              <a:rPr lang="nl-NL" dirty="0" err="1"/>
-              <a:t>with</a:t>
-            </a:r>
-            <a:r>
-              <a:rPr lang="nl-NL" dirty="0"/>
-              <a:t> </a:t>
-            </a:r>
-            <a:r>
-              <a:rPr lang="nl-NL" dirty="0" err="1"/>
-              <a:t>Kratos</a:t>
-            </a:r>
             <a:endParaRPr lang="nl-NL" dirty="0"/>
           </a:p>
+          <a:p>
+            <a:endParaRPr lang="nl-NL" dirty="0"/>
+          </a:p>
         </p:txBody>
       </p:sp>
       <p:sp>
@@ -22737,7 +22980,7 @@
           <p:cNvPr id="4" name="Date Placeholder 3">
             <a:extLst>
               <a:ext uri="{FF2B5EF4-FFF2-40B4-BE49-F238E27FC236}">
-                <a16:creationId xmlns:a16="http://schemas.microsoft.com/office/drawing/2014/main" id="{C6E027C9-2D11-1D7C-8086-D3D0329B77CA}"/>
+                <a16:creationId xmlns:a16="http://schemas.microsoft.com/office/drawing/2014/main" id="{F6876C7A-DA7C-F595-5200-79E455DEE595}"/>
               </a:ext>
             </a:extLst>
           </p:cNvPr>
@@ -22765,7 +23008,7 @@
           <p:cNvPr id="5" name="Footer Placeholder 4">
             <a:extLst>
               <a:ext uri="{FF2B5EF4-FFF2-40B4-BE49-F238E27FC236}">
-                <a16:creationId xmlns:a16="http://schemas.microsoft.com/office/drawing/2014/main" id="{83114149-D769-B831-C838-8D04E4E01E31}"/>
+                <a16:creationId xmlns:a16="http://schemas.microsoft.com/office/drawing/2014/main" id="{461FCAB7-233B-6577-B002-336AFFF727AC}"/>
               </a:ext>
             </a:extLst>
           </p:cNvPr>
@@ -22793,7 +23036,7 @@
           <p:cNvPr id="6" name="Slide Number Placeholder 5">
             <a:extLst>
               <a:ext uri="{FF2B5EF4-FFF2-40B4-BE49-F238E27FC236}">
-                <a16:creationId xmlns:a16="http://schemas.microsoft.com/office/drawing/2014/main" id="{A79236BF-7CE7-3A2C-D6BD-E3C83F26752A}"/>
+                <a16:creationId xmlns:a16="http://schemas.microsoft.com/office/drawing/2014/main" id="{709238F8-5AB9-33A7-80BD-184EE1935D44}"/>
               </a:ext>
             </a:extLst>
           </p:cNvPr>
@@ -22817,10 +23060,1245 @@
           </a:p>
         </p:txBody>
       </p:sp>
+      <mc:AlternateContent xmlns:mc="http://schemas.openxmlformats.org/markup-compatibility/2006">
+        <mc:Choice xmlns:a14="http://schemas.microsoft.com/office/drawing/2010/main" Requires="a14">
+          <p:sp>
+            <p:nvSpPr>
+              <p:cNvPr id="7" name="TextBox 6">
+                <a:extLst>
+                  <a:ext uri="{FF2B5EF4-FFF2-40B4-BE49-F238E27FC236}">
+                    <a16:creationId xmlns:a16="http://schemas.microsoft.com/office/drawing/2014/main" id="{89A9B65B-075B-3609-69AB-3AFBFDBD7A1E}"/>
+                  </a:ext>
+                </a:extLst>
+              </p:cNvPr>
+              <p:cNvSpPr txBox="1"/>
+              <p:nvPr/>
+            </p:nvSpPr>
+            <p:spPr>
+              <a:xfrm>
+                <a:off x="995437" y="2205799"/>
+                <a:ext cx="2931187" cy="298415"/>
+              </a:xfrm>
+              <a:prstGeom prst="rect">
+                <a:avLst/>
+              </a:prstGeom>
+              <a:noFill/>
+            </p:spPr>
+            <p:txBody>
+              <a:bodyPr wrap="none" lIns="0" tIns="0" rIns="0" bIns="0" rtlCol="0">
+                <a:spAutoFit/>
+              </a:bodyPr>
+              <a:lstStyle/>
+              <a:p>
+                <a:pPr/>
+                <a14:m>
+                  <m:oMathPara xmlns:m="http://schemas.openxmlformats.org/officeDocument/2006/math">
+                    <m:oMathParaPr>
+                      <m:jc m:val="centerGroup"/>
+                    </m:oMathParaPr>
+                    <m:oMath xmlns:m="http://schemas.openxmlformats.org/officeDocument/2006/math">
+                      <m:sSub>
+                        <m:sSubPr>
+                          <m:ctrlPr>
+                            <a:rPr lang="nl-NL" i="1" smtClean="0">
+                              <a:solidFill>
+                                <a:schemeClr val="tx2">
+                                  <a:lumMod val="60000"/>
+                                  <a:lumOff val="40000"/>
+                                </a:schemeClr>
+                              </a:solidFill>
+                              <a:latin typeface="Cambria Math" panose="02040503050406030204" pitchFamily="18" charset="0"/>
+                            </a:rPr>
+                          </m:ctrlPr>
+                        </m:sSubPr>
+                        <m:e>
+                          <m:r>
+                            <a:rPr lang="nl-NL" b="0" i="1" smtClean="0">
+                              <a:solidFill>
+                                <a:schemeClr val="tx2">
+                                  <a:lumMod val="60000"/>
+                                  <a:lumOff val="40000"/>
+                                </a:schemeClr>
+                              </a:solidFill>
+                              <a:latin typeface="Cambria Math" panose="02040503050406030204" pitchFamily="18" charset="0"/>
+                            </a:rPr>
+                            <m:t>𝑃</m:t>
+                          </m:r>
+                          <m:r>
+                            <a:rPr lang="nl-NL" b="0" i="1" smtClean="0">
+                              <a:solidFill>
+                                <a:schemeClr val="tx2">
+                                  <a:lumMod val="60000"/>
+                                  <a:lumOff val="40000"/>
+                                </a:schemeClr>
+                              </a:solidFill>
+                              <a:latin typeface="Cambria Math" panose="02040503050406030204" pitchFamily="18" charset="0"/>
+                            </a:rPr>
+                            <m:t>(</m:t>
+                          </m:r>
+                          <m:r>
+                            <a:rPr lang="nl-NL" i="1">
+                              <a:solidFill>
+                                <a:schemeClr val="tx2">
+                                  <a:lumMod val="60000"/>
+                                  <a:lumOff val="40000"/>
+                                </a:schemeClr>
+                              </a:solidFill>
+                              <a:latin typeface="Cambria Math" panose="02040503050406030204" pitchFamily="18" charset="0"/>
+                            </a:rPr>
+                            <m:t>𝑍</m:t>
+                          </m:r>
+                        </m:e>
+                        <m:sub>
+                          <m:r>
+                            <a:rPr lang="nl-NL" i="1">
+                              <a:solidFill>
+                                <a:schemeClr val="tx2">
+                                  <a:lumMod val="60000"/>
+                                  <a:lumOff val="40000"/>
+                                </a:schemeClr>
+                              </a:solidFill>
+                              <a:latin typeface="Cambria Math" panose="02040503050406030204" pitchFamily="18" charset="0"/>
+                            </a:rPr>
+                            <m:t>𝑑𝑖</m:t>
+                          </m:r>
+                          <m:r>
+                            <a:rPr lang="nl-NL" b="0" i="1" smtClean="0">
+                              <a:solidFill>
+                                <a:schemeClr val="tx2">
+                                  <a:lumMod val="60000"/>
+                                  <a:lumOff val="40000"/>
+                                </a:schemeClr>
+                              </a:solidFill>
+                              <a:latin typeface="Cambria Math" panose="02040503050406030204" pitchFamily="18" charset="0"/>
+                            </a:rPr>
+                            <m:t>𝑠</m:t>
+                          </m:r>
+                          <m:r>
+                            <a:rPr lang="nl-NL" i="1">
+                              <a:solidFill>
+                                <a:schemeClr val="tx2">
+                                  <a:lumMod val="60000"/>
+                                  <a:lumOff val="40000"/>
+                                </a:schemeClr>
+                              </a:solidFill>
+                              <a:latin typeface="Cambria Math" panose="02040503050406030204" pitchFamily="18" charset="0"/>
+                            </a:rPr>
+                            <m:t>𝑝𝑙𝑎𝑐𝑒𝑚𝑒𝑛𝑡</m:t>
+                          </m:r>
+                        </m:sub>
+                      </m:sSub>
+                      <m:r>
+                        <a:rPr lang="nl-NL" b="0" i="1" smtClean="0">
+                          <a:solidFill>
+                            <a:schemeClr val="tx2">
+                              <a:lumMod val="60000"/>
+                              <a:lumOff val="40000"/>
+                            </a:schemeClr>
+                          </a:solidFill>
+                          <a:latin typeface="Cambria Math" panose="02040503050406030204" pitchFamily="18" charset="0"/>
+                        </a:rPr>
+                        <m:t> </m:t>
+                      </m:r>
+                      <m:r>
+                        <a:rPr lang="nl-NL" b="0" i="1" smtClean="0">
+                          <a:solidFill>
+                            <a:schemeClr val="tx2">
+                              <a:lumMod val="60000"/>
+                              <a:lumOff val="40000"/>
+                            </a:schemeClr>
+                          </a:solidFill>
+                          <a:latin typeface="Cambria Math" panose="02040503050406030204" pitchFamily="18" charset="0"/>
+                        </a:rPr>
+                        <m:t>𝑖𝑛</m:t>
+                      </m:r>
+                      <m:r>
+                        <a:rPr lang="nl-NL" b="0" i="1" smtClean="0">
+                          <a:solidFill>
+                            <a:schemeClr val="tx2">
+                              <a:lumMod val="60000"/>
+                              <a:lumOff val="40000"/>
+                            </a:schemeClr>
+                          </a:solidFill>
+                          <a:latin typeface="Cambria Math" panose="02040503050406030204" pitchFamily="18" charset="0"/>
+                        </a:rPr>
+                        <m:t> 2075&lt;0)</m:t>
+                      </m:r>
+                    </m:oMath>
+                  </m:oMathPara>
+                </a14:m>
+                <a:endParaRPr lang="nl-NL" dirty="0">
+                  <a:solidFill>
+                    <a:schemeClr val="tx2">
+                      <a:lumMod val="60000"/>
+                      <a:lumOff val="40000"/>
+                    </a:schemeClr>
+                  </a:solidFill>
+                </a:endParaRPr>
+              </a:p>
+            </p:txBody>
+          </p:sp>
+        </mc:Choice>
+        <mc:Fallback>
+          <p:sp>
+            <p:nvSpPr>
+              <p:cNvPr id="7" name="TextBox 6">
+                <a:extLst>
+                  <a:ext uri="{FF2B5EF4-FFF2-40B4-BE49-F238E27FC236}">
+                    <a16:creationId xmlns:a16="http://schemas.microsoft.com/office/drawing/2014/main" id="{89A9B65B-075B-3609-69AB-3AFBFDBD7A1E}"/>
+                  </a:ext>
+                </a:extLst>
+              </p:cNvPr>
+              <p:cNvSpPr txBox="1">
+                <a:spLocks noRot="1" noChangeAspect="1" noMove="1" noResize="1" noEditPoints="1" noAdjustHandles="1" noChangeArrowheads="1" noChangeShapeType="1" noTextEdit="1"/>
+              </p:cNvSpPr>
+              <p:nvPr/>
+            </p:nvSpPr>
+            <p:spPr>
+              <a:xfrm>
+                <a:off x="995437" y="2205799"/>
+                <a:ext cx="2931187" cy="298415"/>
+              </a:xfrm>
+              <a:prstGeom prst="rect">
+                <a:avLst/>
+              </a:prstGeom>
+              <a:blipFill>
+                <a:blip r:embed="rId2"/>
+                <a:stretch>
+                  <a:fillRect l="-1247" r="-2287" b="-26531"/>
+                </a:stretch>
+              </a:blipFill>
+            </p:spPr>
+            <p:txBody>
+              <a:bodyPr/>
+              <a:lstStyle/>
+              <a:p>
+                <a:r>
+                  <a:rPr lang="nl-NL">
+                    <a:noFill/>
+                  </a:rPr>
+                  <a:t> </a:t>
+                </a:r>
+              </a:p>
+            </p:txBody>
+          </p:sp>
+        </mc:Fallback>
+      </mc:AlternateContent>
+      <mc:AlternateContent xmlns:mc="http://schemas.openxmlformats.org/markup-compatibility/2006">
+        <mc:Choice xmlns:a14="http://schemas.microsoft.com/office/drawing/2010/main" Requires="a14">
+          <p:sp>
+            <p:nvSpPr>
+              <p:cNvPr id="8" name="TextBox 7">
+                <a:extLst>
+                  <a:ext uri="{FF2B5EF4-FFF2-40B4-BE49-F238E27FC236}">
+                    <a16:creationId xmlns:a16="http://schemas.microsoft.com/office/drawing/2014/main" id="{8F002F35-1EB6-05C1-4B51-D8F33E37C003}"/>
+                  </a:ext>
+                </a:extLst>
+              </p:cNvPr>
+              <p:cNvSpPr txBox="1"/>
+              <p:nvPr/>
+            </p:nvSpPr>
+            <p:spPr>
+              <a:xfrm>
+                <a:off x="995437" y="3779555"/>
+                <a:ext cx="5531322" cy="298415"/>
+              </a:xfrm>
+              <a:prstGeom prst="rect">
+                <a:avLst/>
+              </a:prstGeom>
+              <a:noFill/>
+            </p:spPr>
+            <p:txBody>
+              <a:bodyPr wrap="none" lIns="0" tIns="0" rIns="0" bIns="0" rtlCol="0">
+                <a:spAutoFit/>
+              </a:bodyPr>
+              <a:lstStyle/>
+              <a:p>
+                <a:pPr/>
+                <a14:m>
+                  <m:oMathPara xmlns:m="http://schemas.openxmlformats.org/officeDocument/2006/math">
+                    <m:oMathParaPr>
+                      <m:jc m:val="centerGroup"/>
+                    </m:oMathParaPr>
+                    <m:oMath xmlns:m="http://schemas.openxmlformats.org/officeDocument/2006/math">
+                      <m:sSub>
+                        <m:sSubPr>
+                          <m:ctrlPr>
+                            <a:rPr lang="nl-NL" i="1" smtClean="0">
+                              <a:solidFill>
+                                <a:schemeClr val="tx2">
+                                  <a:lumMod val="60000"/>
+                                  <a:lumOff val="40000"/>
+                                </a:schemeClr>
+                              </a:solidFill>
+                              <a:latin typeface="Cambria Math" panose="02040503050406030204" pitchFamily="18" charset="0"/>
+                            </a:rPr>
+                          </m:ctrlPr>
+                        </m:sSubPr>
+                        <m:e>
+                          <m:r>
+                            <a:rPr lang="nl-NL" b="0" i="1" smtClean="0">
+                              <a:solidFill>
+                                <a:schemeClr val="tx2">
+                                  <a:lumMod val="60000"/>
+                                  <a:lumOff val="40000"/>
+                                </a:schemeClr>
+                              </a:solidFill>
+                              <a:latin typeface="Cambria Math" panose="02040503050406030204" pitchFamily="18" charset="0"/>
+                            </a:rPr>
+                            <m:t>𝑃</m:t>
+                          </m:r>
+                          <m:r>
+                            <a:rPr lang="nl-NL" b="0" i="1" smtClean="0">
+                              <a:solidFill>
+                                <a:schemeClr val="tx2">
+                                  <a:lumMod val="60000"/>
+                                  <a:lumOff val="40000"/>
+                                </a:schemeClr>
+                              </a:solidFill>
+                              <a:latin typeface="Cambria Math" panose="02040503050406030204" pitchFamily="18" charset="0"/>
+                            </a:rPr>
+                            <m:t>(</m:t>
+                          </m:r>
+                          <m:r>
+                            <a:rPr lang="nl-NL" i="1">
+                              <a:solidFill>
+                                <a:schemeClr val="tx2">
+                                  <a:lumMod val="60000"/>
+                                  <a:lumOff val="40000"/>
+                                </a:schemeClr>
+                              </a:solidFill>
+                              <a:latin typeface="Cambria Math" panose="02040503050406030204" pitchFamily="18" charset="0"/>
+                            </a:rPr>
+                            <m:t>𝑍</m:t>
+                          </m:r>
+                        </m:e>
+                        <m:sub>
+                          <m:r>
+                            <a:rPr lang="nl-NL" i="1">
+                              <a:solidFill>
+                                <a:schemeClr val="tx2">
+                                  <a:lumMod val="60000"/>
+                                  <a:lumOff val="40000"/>
+                                </a:schemeClr>
+                              </a:solidFill>
+                              <a:latin typeface="Cambria Math" panose="02040503050406030204" pitchFamily="18" charset="0"/>
+                            </a:rPr>
+                            <m:t>𝑑𝑖</m:t>
+                          </m:r>
+                          <m:r>
+                            <a:rPr lang="nl-NL" b="0" i="1" smtClean="0">
+                              <a:solidFill>
+                                <a:schemeClr val="tx2">
+                                  <a:lumMod val="60000"/>
+                                  <a:lumOff val="40000"/>
+                                </a:schemeClr>
+                              </a:solidFill>
+                              <a:latin typeface="Cambria Math" panose="02040503050406030204" pitchFamily="18" charset="0"/>
+                            </a:rPr>
+                            <m:t>𝑠</m:t>
+                          </m:r>
+                          <m:r>
+                            <a:rPr lang="nl-NL" i="1">
+                              <a:solidFill>
+                                <a:schemeClr val="tx2">
+                                  <a:lumMod val="60000"/>
+                                  <a:lumOff val="40000"/>
+                                </a:schemeClr>
+                              </a:solidFill>
+                              <a:latin typeface="Cambria Math" panose="02040503050406030204" pitchFamily="18" charset="0"/>
+                            </a:rPr>
+                            <m:t>𝑝𝑙𝑎𝑐𝑒𝑚𝑒𝑛𝑡</m:t>
+                          </m:r>
+                        </m:sub>
+                      </m:sSub>
+                      <m:r>
+                        <a:rPr lang="nl-NL" b="0" i="1" smtClean="0">
+                          <a:solidFill>
+                            <a:schemeClr val="tx2">
+                              <a:lumMod val="60000"/>
+                              <a:lumOff val="40000"/>
+                            </a:schemeClr>
+                          </a:solidFill>
+                          <a:latin typeface="Cambria Math" panose="02040503050406030204" pitchFamily="18" charset="0"/>
+                        </a:rPr>
+                        <m:t> </m:t>
+                      </m:r>
+                      <m:r>
+                        <a:rPr lang="nl-NL" b="0" i="1" smtClean="0">
+                          <a:solidFill>
+                            <a:schemeClr val="tx2">
+                              <a:lumMod val="60000"/>
+                              <a:lumOff val="40000"/>
+                            </a:schemeClr>
+                          </a:solidFill>
+                          <a:latin typeface="Cambria Math" panose="02040503050406030204" pitchFamily="18" charset="0"/>
+                        </a:rPr>
+                        <m:t>𝑖𝑛</m:t>
+                      </m:r>
+                      <m:r>
+                        <a:rPr lang="nl-NL" b="0" i="1" smtClean="0">
+                          <a:solidFill>
+                            <a:schemeClr val="tx2">
+                              <a:lumMod val="60000"/>
+                              <a:lumOff val="40000"/>
+                            </a:schemeClr>
+                          </a:solidFill>
+                          <a:latin typeface="Cambria Math" panose="02040503050406030204" pitchFamily="18" charset="0"/>
+                        </a:rPr>
+                        <m:t> 2075&lt;0|</m:t>
+                      </m:r>
+                      <m:sSub>
+                        <m:sSubPr>
+                          <m:ctrlPr>
+                            <a:rPr lang="nl-NL" b="0" i="1" smtClean="0">
+                              <a:solidFill>
+                                <a:schemeClr val="tx2">
+                                  <a:lumMod val="60000"/>
+                                  <a:lumOff val="40000"/>
+                                </a:schemeClr>
+                              </a:solidFill>
+                              <a:latin typeface="Cambria Math" panose="02040503050406030204" pitchFamily="18" charset="0"/>
+                            </a:rPr>
+                          </m:ctrlPr>
+                        </m:sSubPr>
+                        <m:e>
+                          <m:r>
+                            <a:rPr lang="nl-NL" b="0" i="1" smtClean="0">
+                              <a:solidFill>
+                                <a:schemeClr val="tx2">
+                                  <a:lumMod val="60000"/>
+                                  <a:lumOff val="40000"/>
+                                </a:schemeClr>
+                              </a:solidFill>
+                              <a:latin typeface="Cambria Math" panose="02040503050406030204" pitchFamily="18" charset="0"/>
+                            </a:rPr>
+                            <m:t>𝑍</m:t>
+                          </m:r>
+                        </m:e>
+                        <m:sub>
+                          <m:r>
+                            <a:rPr lang="nl-NL" b="0" i="1" smtClean="0">
+                              <a:solidFill>
+                                <a:schemeClr val="tx2">
+                                  <a:lumMod val="60000"/>
+                                  <a:lumOff val="40000"/>
+                                </a:schemeClr>
+                              </a:solidFill>
+                              <a:latin typeface="Cambria Math" panose="02040503050406030204" pitchFamily="18" charset="0"/>
+                            </a:rPr>
+                            <m:t>𝑑𝑖𝑠𝑝𝑙𝑎𝑐𝑒𝑚𝑒𝑛𝑡</m:t>
+                          </m:r>
+                        </m:sub>
+                      </m:sSub>
+                      <m:r>
+                        <a:rPr lang="nl-NL" b="0" i="1" smtClean="0">
+                          <a:solidFill>
+                            <a:schemeClr val="tx2">
+                              <a:lumMod val="60000"/>
+                              <a:lumOff val="40000"/>
+                            </a:schemeClr>
+                          </a:solidFill>
+                          <a:latin typeface="Cambria Math" panose="02040503050406030204" pitchFamily="18" charset="0"/>
+                        </a:rPr>
+                        <m:t> </m:t>
+                      </m:r>
+                      <m:r>
+                        <a:rPr lang="nl-NL" b="0" i="1" smtClean="0">
+                          <a:solidFill>
+                            <a:schemeClr val="tx2">
+                              <a:lumMod val="60000"/>
+                              <a:lumOff val="40000"/>
+                            </a:schemeClr>
+                          </a:solidFill>
+                          <a:latin typeface="Cambria Math" panose="02040503050406030204" pitchFamily="18" charset="0"/>
+                        </a:rPr>
+                        <m:t>𝑖𝑛</m:t>
+                      </m:r>
+                      <m:r>
+                        <a:rPr lang="nl-NL" b="0" i="1" smtClean="0">
+                          <a:solidFill>
+                            <a:schemeClr val="tx2">
+                              <a:lumMod val="60000"/>
+                              <a:lumOff val="40000"/>
+                            </a:schemeClr>
+                          </a:solidFill>
+                          <a:latin typeface="Cambria Math" panose="02040503050406030204" pitchFamily="18" charset="0"/>
+                        </a:rPr>
+                        <m:t> 2025&gt;0)</m:t>
+                      </m:r>
+                    </m:oMath>
+                  </m:oMathPara>
+                </a14:m>
+                <a:endParaRPr lang="nl-NL" dirty="0">
+                  <a:solidFill>
+                    <a:schemeClr val="tx2">
+                      <a:lumMod val="60000"/>
+                      <a:lumOff val="40000"/>
+                    </a:schemeClr>
+                  </a:solidFill>
+                </a:endParaRPr>
+              </a:p>
+            </p:txBody>
+          </p:sp>
+        </mc:Choice>
+        <mc:Fallback>
+          <p:sp>
+            <p:nvSpPr>
+              <p:cNvPr id="8" name="TextBox 7">
+                <a:extLst>
+                  <a:ext uri="{FF2B5EF4-FFF2-40B4-BE49-F238E27FC236}">
+                    <a16:creationId xmlns:a16="http://schemas.microsoft.com/office/drawing/2014/main" id="{8F002F35-1EB6-05C1-4B51-D8F33E37C003}"/>
+                  </a:ext>
+                </a:extLst>
+              </p:cNvPr>
+              <p:cNvSpPr txBox="1">
+                <a:spLocks noRot="1" noChangeAspect="1" noMove="1" noResize="1" noEditPoints="1" noAdjustHandles="1" noChangeArrowheads="1" noChangeShapeType="1" noTextEdit="1"/>
+              </p:cNvSpPr>
+              <p:nvPr/>
+            </p:nvSpPr>
+            <p:spPr>
+              <a:xfrm>
+                <a:off x="995437" y="3779555"/>
+                <a:ext cx="5531322" cy="298415"/>
+              </a:xfrm>
+              <a:prstGeom prst="rect">
+                <a:avLst/>
+              </a:prstGeom>
+              <a:blipFill>
+                <a:blip r:embed="rId3"/>
+                <a:stretch>
+                  <a:fillRect l="-330" r="-881" b="-26531"/>
+                </a:stretch>
+              </a:blipFill>
+            </p:spPr>
+            <p:txBody>
+              <a:bodyPr/>
+              <a:lstStyle/>
+              <a:p>
+                <a:r>
+                  <a:rPr lang="nl-NL">
+                    <a:noFill/>
+                  </a:rPr>
+                  <a:t> </a:t>
+                </a:r>
+              </a:p>
+            </p:txBody>
+          </p:sp>
+        </mc:Fallback>
+      </mc:AlternateContent>
     </p:spTree>
     <p:extLst>
       <p:ext uri="{BB962C8B-B14F-4D97-AF65-F5344CB8AC3E}">
-        <p14:creationId xmlns:p14="http://schemas.microsoft.com/office/powerpoint/2010/main" val="1218110497"/>
+        <p14:creationId xmlns:p14="http://schemas.microsoft.com/office/powerpoint/2010/main" val="2056727717"/>
+      </p:ext>
+    </p:extLst>
+  </p:cSld>
+  <p:clrMapOvr>
+    <a:masterClrMapping/>
+  </p:clrMapOvr>
+</p:sld>
+</file>
+
+<file path=ppt/slides/slide19.xml><?xml version="1.0" encoding="utf-8"?>
+<p:sld xmlns:a="http://schemas.openxmlformats.org/drawingml/2006/main" xmlns:r="http://schemas.openxmlformats.org/officeDocument/2006/relationships" xmlns:p="http://schemas.openxmlformats.org/presentationml/2006/main">
+  <p:cSld>
+    <p:spTree>
+      <p:nvGrpSpPr>
+        <p:cNvPr id="1" name="">
+          <a:extLst>
+            <a:ext uri="{FF2B5EF4-FFF2-40B4-BE49-F238E27FC236}">
+              <a16:creationId xmlns:a16="http://schemas.microsoft.com/office/drawing/2014/main" id="{E31A87E3-11E8-6DBC-6049-EA9F057C7932}"/>
+            </a:ext>
+          </a:extLst>
+        </p:cNvPr>
+        <p:cNvGrpSpPr/>
+        <p:nvPr/>
+      </p:nvGrpSpPr>
+      <p:grpSpPr>
+        <a:xfrm>
+          <a:off x="0" y="0"/>
+          <a:ext cx="0" cy="0"/>
+          <a:chOff x="0" y="0"/>
+          <a:chExt cx="0" cy="0"/>
+        </a:xfrm>
+      </p:grpSpPr>
+      <p:sp>
+        <p:nvSpPr>
+          <p:cNvPr id="2" name="Title 1">
+            <a:extLst>
+              <a:ext uri="{FF2B5EF4-FFF2-40B4-BE49-F238E27FC236}">
+                <a16:creationId xmlns:a16="http://schemas.microsoft.com/office/drawing/2014/main" id="{2019276F-8C43-B875-1E94-6EF608F0B8A7}"/>
+              </a:ext>
+            </a:extLst>
+          </p:cNvPr>
+          <p:cNvSpPr>
+            <a:spLocks noGrp="1"/>
+          </p:cNvSpPr>
+          <p:nvPr>
+            <p:ph type="title"/>
+          </p:nvPr>
+        </p:nvSpPr>
+        <p:spPr/>
+        <p:txBody>
+          <a:bodyPr/>
+          <a:lstStyle/>
+          <a:p>
+            <a:r>
+              <a:rPr lang="nl-NL" dirty="0" err="1"/>
+              <a:t>Probabilistic</a:t>
+            </a:r>
+            <a:r>
+              <a:rPr lang="nl-NL" dirty="0"/>
+              <a:t> </a:t>
+            </a:r>
+            <a:r>
+              <a:rPr lang="nl-NL" dirty="0" err="1"/>
+              <a:t>calculations</a:t>
+            </a:r>
+            <a:r>
+              <a:rPr lang="nl-NL" dirty="0"/>
+              <a:t>: proven </a:t>
+            </a:r>
+            <a:r>
+              <a:rPr lang="nl-NL" dirty="0" err="1"/>
+              <a:t>strength</a:t>
+            </a:r>
+            <a:endParaRPr lang="nl-NL" dirty="0"/>
+          </a:p>
+        </p:txBody>
+      </p:sp>
+      <p:sp>
+        <p:nvSpPr>
+          <p:cNvPr id="4" name="Date Placeholder 3">
+            <a:extLst>
+              <a:ext uri="{FF2B5EF4-FFF2-40B4-BE49-F238E27FC236}">
+                <a16:creationId xmlns:a16="http://schemas.microsoft.com/office/drawing/2014/main" id="{4B7CFECD-80B4-BFEB-87E3-72BCC76D2D9B}"/>
+              </a:ext>
+            </a:extLst>
+          </p:cNvPr>
+          <p:cNvSpPr>
+            <a:spLocks noGrp="1"/>
+          </p:cNvSpPr>
+          <p:nvPr>
+            <p:ph type="dt" sz="half" idx="10"/>
+          </p:nvPr>
+        </p:nvSpPr>
+        <p:spPr/>
+        <p:txBody>
+          <a:bodyPr/>
+          <a:lstStyle/>
+          <a:p>
+            <a:r>
+              <a:rPr lang="nl-NL"/>
+              <a:t> 28 november 2019</a:t>
+            </a:r>
+          </a:p>
+        </p:txBody>
+      </p:sp>
+      <p:sp>
+        <p:nvSpPr>
+          <p:cNvPr id="5" name="Footer Placeholder 4">
+            <a:extLst>
+              <a:ext uri="{FF2B5EF4-FFF2-40B4-BE49-F238E27FC236}">
+                <a16:creationId xmlns:a16="http://schemas.microsoft.com/office/drawing/2014/main" id="{6B37CDF5-CF4A-F508-1EB2-BEE54E18BF45}"/>
+              </a:ext>
+            </a:extLst>
+          </p:cNvPr>
+          <p:cNvSpPr>
+            <a:spLocks noGrp="1"/>
+          </p:cNvSpPr>
+          <p:nvPr>
+            <p:ph type="ftr" sz="quarter" idx="11"/>
+          </p:nvPr>
+        </p:nvSpPr>
+        <p:spPr/>
+        <p:txBody>
+          <a:bodyPr/>
+          <a:lstStyle/>
+          <a:p>
+            <a:r>
+              <a:rPr lang="nl-NL"/>
+              <a:t>Voettekst van de presentatie</a:t>
+            </a:r>
+          </a:p>
+        </p:txBody>
+      </p:sp>
+      <p:sp>
+        <p:nvSpPr>
+          <p:cNvPr id="6" name="Slide Number Placeholder 5">
+            <a:extLst>
+              <a:ext uri="{FF2B5EF4-FFF2-40B4-BE49-F238E27FC236}">
+                <a16:creationId xmlns:a16="http://schemas.microsoft.com/office/drawing/2014/main" id="{FC7EB910-E0D0-94D5-90A7-A2201096C4C9}"/>
+              </a:ext>
+            </a:extLst>
+          </p:cNvPr>
+          <p:cNvSpPr>
+            <a:spLocks noGrp="1"/>
+          </p:cNvSpPr>
+          <p:nvPr>
+            <p:ph type="sldNum" sz="quarter" idx="12"/>
+          </p:nvPr>
+        </p:nvSpPr>
+        <p:spPr/>
+        <p:txBody>
+          <a:bodyPr/>
+          <a:lstStyle/>
+          <a:p>
+            <a:fld id="{F42B3F14-D836-496B-80A2-23BE75BD68CB}" type="slidenum">
+              <a:rPr lang="nl-NL" smtClean="0"/>
+              <a:t>19</a:t>
+            </a:fld>
+            <a:endParaRPr lang="nl-NL"/>
+          </a:p>
+        </p:txBody>
+      </p:sp>
+      <p:graphicFrame>
+        <p:nvGraphicFramePr>
+          <p:cNvPr id="11" name="Table 10">
+            <a:extLst>
+              <a:ext uri="{FF2B5EF4-FFF2-40B4-BE49-F238E27FC236}">
+                <a16:creationId xmlns:a16="http://schemas.microsoft.com/office/drawing/2014/main" id="{C89DEB28-7B77-78D1-1F35-405BED9331A0}"/>
+              </a:ext>
+            </a:extLst>
+          </p:cNvPr>
+          <p:cNvGraphicFramePr>
+            <a:graphicFrameLocks noGrp="1"/>
+          </p:cNvGraphicFramePr>
+          <p:nvPr>
+            <p:extLst>
+              <p:ext uri="{D42A27DB-BD31-4B8C-83A1-F6EECF244321}">
+                <p14:modId xmlns:p14="http://schemas.microsoft.com/office/powerpoint/2010/main" val="895699488"/>
+              </p:ext>
+            </p:extLst>
+          </p:nvPr>
+        </p:nvGraphicFramePr>
+        <p:xfrm>
+          <a:off x="416459" y="2050525"/>
+          <a:ext cx="10905905" cy="1854200"/>
+        </p:xfrm>
+        <a:graphic>
+          <a:graphicData uri="http://schemas.openxmlformats.org/drawingml/2006/table">
+            <a:tbl>
+              <a:tblPr firstRow="1" bandRow="1">
+                <a:tableStyleId>{5C22544A-7EE6-4342-B048-85BDC9FD1C3A}</a:tableStyleId>
+              </a:tblPr>
+              <a:tblGrid>
+                <a:gridCol w="4925086">
+                  <a:extLst>
+                    <a:ext uri="{9D8B030D-6E8A-4147-A177-3AD203B41FA5}">
+                      <a16:colId xmlns:a16="http://schemas.microsoft.com/office/drawing/2014/main" val="2528922257"/>
+                    </a:ext>
+                  </a:extLst>
+                </a:gridCol>
+                <a:gridCol w="2961780">
+                  <a:extLst>
+                    <a:ext uri="{9D8B030D-6E8A-4147-A177-3AD203B41FA5}">
+                      <a16:colId xmlns:a16="http://schemas.microsoft.com/office/drawing/2014/main" val="4123471549"/>
+                    </a:ext>
+                  </a:extLst>
+                </a:gridCol>
+                <a:gridCol w="3019039">
+                  <a:extLst>
+                    <a:ext uri="{9D8B030D-6E8A-4147-A177-3AD203B41FA5}">
+                      <a16:colId xmlns:a16="http://schemas.microsoft.com/office/drawing/2014/main" val="916703281"/>
+                    </a:ext>
+                  </a:extLst>
+                </a:gridCol>
+              </a:tblGrid>
+              <a:tr h="370840">
+                <a:tc>
+                  <a:txBody>
+                    <a:bodyPr/>
+                    <a:lstStyle/>
+                    <a:p>
+                      <a:endParaRPr lang="nl-NL"/>
+                    </a:p>
+                  </a:txBody>
+                  <a:tcPr/>
+                </a:tc>
+                <a:tc>
+                  <a:txBody>
+                    <a:bodyPr/>
+                    <a:lstStyle/>
+                    <a:p>
+                      <a:pPr algn="ctr"/>
+                      <a:r>
+                        <a:rPr lang="nl-NL" dirty="0"/>
+                        <a:t>Failure </a:t>
+                      </a:r>
+                      <a:r>
+                        <a:rPr lang="nl-NL" dirty="0" err="1"/>
+                        <a:t>probability</a:t>
+                      </a:r>
+                      <a:endParaRPr lang="nl-NL" dirty="0"/>
+                    </a:p>
+                  </a:txBody>
+                  <a:tcPr/>
+                </a:tc>
+                <a:tc>
+                  <a:txBody>
+                    <a:bodyPr/>
+                    <a:lstStyle/>
+                    <a:p>
+                      <a:pPr algn="ctr"/>
+                      <a:r>
+                        <a:rPr lang="nl-NL" dirty="0" err="1"/>
+                        <a:t>Reliability</a:t>
+                      </a:r>
+                      <a:r>
+                        <a:rPr lang="nl-NL" dirty="0"/>
+                        <a:t> index</a:t>
+                      </a:r>
+                    </a:p>
+                  </a:txBody>
+                  <a:tcPr/>
+                </a:tc>
+                <a:extLst>
+                  <a:ext uri="{0D108BD9-81ED-4DB2-BD59-A6C34878D82A}">
+                    <a16:rowId xmlns:a16="http://schemas.microsoft.com/office/drawing/2014/main" val="2627539439"/>
+                  </a:ext>
+                </a:extLst>
+              </a:tr>
+              <a:tr h="370840">
+                <a:tc>
+                  <a:txBody>
+                    <a:bodyPr/>
+                    <a:lstStyle/>
+                    <a:p>
+                      <a:r>
+                        <a:rPr lang="nl-NL" dirty="0"/>
+                        <a:t>A priori failure </a:t>
+                      </a:r>
+                      <a:r>
+                        <a:rPr lang="nl-NL" dirty="0" err="1"/>
+                        <a:t>probability</a:t>
+                      </a:r>
+                      <a:r>
+                        <a:rPr lang="nl-NL" dirty="0"/>
+                        <a:t> in 2075</a:t>
+                      </a:r>
+                    </a:p>
+                  </a:txBody>
+                  <a:tcPr/>
+                </a:tc>
+                <a:tc>
+                  <a:txBody>
+                    <a:bodyPr/>
+                    <a:lstStyle/>
+                    <a:p>
+                      <a:pPr algn="ctr"/>
+                      <a:r>
+                        <a:rPr lang="nl-NL" dirty="0"/>
+                        <a:t>0.215</a:t>
+                      </a:r>
+                    </a:p>
+                  </a:txBody>
+                  <a:tcPr/>
+                </a:tc>
+                <a:tc>
+                  <a:txBody>
+                    <a:bodyPr/>
+                    <a:lstStyle/>
+                    <a:p>
+                      <a:pPr algn="ctr"/>
+                      <a:r>
+                        <a:rPr lang="nl-NL" dirty="0"/>
+                        <a:t>0.78</a:t>
+                      </a:r>
+                    </a:p>
+                  </a:txBody>
+                  <a:tcPr/>
+                </a:tc>
+                <a:extLst>
+                  <a:ext uri="{0D108BD9-81ED-4DB2-BD59-A6C34878D82A}">
+                    <a16:rowId xmlns:a16="http://schemas.microsoft.com/office/drawing/2014/main" val="3607683743"/>
+                  </a:ext>
+                </a:extLst>
+              </a:tr>
+              <a:tr h="370840">
+                <a:tc>
+                  <a:txBody>
+                    <a:bodyPr/>
+                    <a:lstStyle/>
+                    <a:p>
+                      <a:r>
+                        <a:rPr lang="nl-NL" dirty="0" err="1"/>
+                        <a:t>Probability</a:t>
+                      </a:r>
+                      <a:r>
+                        <a:rPr lang="nl-NL" dirty="0"/>
+                        <a:t> of </a:t>
+                      </a:r>
+                      <a:r>
+                        <a:rPr lang="nl-NL" dirty="0" err="1"/>
+                        <a:t>the</a:t>
+                      </a:r>
+                      <a:r>
+                        <a:rPr lang="nl-NL" dirty="0"/>
+                        <a:t> </a:t>
+                      </a:r>
+                      <a:r>
+                        <a:rPr lang="nl-NL" dirty="0" err="1"/>
+                        <a:t>survived</a:t>
+                      </a:r>
+                      <a:r>
+                        <a:rPr lang="nl-NL" dirty="0"/>
+                        <a:t> event</a:t>
+                      </a:r>
+                    </a:p>
+                  </a:txBody>
+                  <a:tcPr/>
+                </a:tc>
+                <a:tc>
+                  <a:txBody>
+                    <a:bodyPr/>
+                    <a:lstStyle/>
+                    <a:p>
+                      <a:pPr algn="ctr"/>
+                      <a:r>
+                        <a:rPr lang="nl-NL" dirty="0"/>
+                        <a:t>0.75</a:t>
+                      </a:r>
+                    </a:p>
+                  </a:txBody>
+                  <a:tcPr/>
+                </a:tc>
+                <a:tc>
+                  <a:txBody>
+                    <a:bodyPr/>
+                    <a:lstStyle/>
+                    <a:p>
+                      <a:pPr algn="ctr"/>
+                      <a:r>
+                        <a:rPr lang="nl-NL" dirty="0"/>
+                        <a:t>-0.68</a:t>
+                      </a:r>
+                    </a:p>
+                  </a:txBody>
+                  <a:tcPr/>
+                </a:tc>
+                <a:extLst>
+                  <a:ext uri="{0D108BD9-81ED-4DB2-BD59-A6C34878D82A}">
+                    <a16:rowId xmlns:a16="http://schemas.microsoft.com/office/drawing/2014/main" val="2102244749"/>
+                  </a:ext>
+                </a:extLst>
+              </a:tr>
+              <a:tr h="370840">
+                <a:tc>
+                  <a:txBody>
+                    <a:bodyPr/>
+                    <a:lstStyle/>
+                    <a:p>
+                      <a:r>
+                        <a:rPr lang="nl-NL" dirty="0" err="1"/>
+                        <a:t>Combined</a:t>
+                      </a:r>
+                      <a:r>
+                        <a:rPr lang="nl-NL" dirty="0"/>
+                        <a:t> </a:t>
+                      </a:r>
+                      <a:r>
+                        <a:rPr lang="nl-NL" dirty="0" err="1"/>
+                        <a:t>probability</a:t>
+                      </a:r>
+                      <a:r>
+                        <a:rPr lang="nl-NL" dirty="0"/>
+                        <a:t> (a priori </a:t>
+                      </a:r>
+                      <a:r>
+                        <a:rPr lang="nl-NL" dirty="0" err="1"/>
+                        <a:t>and</a:t>
+                      </a:r>
+                      <a:r>
+                        <a:rPr lang="nl-NL" dirty="0"/>
+                        <a:t> </a:t>
+                      </a:r>
+                      <a:r>
+                        <a:rPr lang="nl-NL" dirty="0" err="1"/>
+                        <a:t>survived</a:t>
+                      </a:r>
+                      <a:r>
+                        <a:rPr lang="nl-NL" dirty="0"/>
+                        <a:t>)</a:t>
+                      </a:r>
+                    </a:p>
+                  </a:txBody>
+                  <a:tcPr/>
+                </a:tc>
+                <a:tc>
+                  <a:txBody>
+                    <a:bodyPr/>
+                    <a:lstStyle/>
+                    <a:p>
+                      <a:pPr algn="ctr"/>
+                      <a:r>
+                        <a:rPr lang="nl-NL" dirty="0"/>
+                        <a:t>0.00167</a:t>
+                      </a:r>
+                    </a:p>
+                  </a:txBody>
+                  <a:tcPr/>
+                </a:tc>
+                <a:tc>
+                  <a:txBody>
+                    <a:bodyPr/>
+                    <a:lstStyle/>
+                    <a:p>
+                      <a:pPr algn="ctr"/>
+                      <a:r>
+                        <a:rPr lang="nl-NL" dirty="0"/>
+                        <a:t>2.934</a:t>
+                      </a:r>
+                    </a:p>
+                  </a:txBody>
+                  <a:tcPr/>
+                </a:tc>
+                <a:extLst>
+                  <a:ext uri="{0D108BD9-81ED-4DB2-BD59-A6C34878D82A}">
+                    <a16:rowId xmlns:a16="http://schemas.microsoft.com/office/drawing/2014/main" val="439311233"/>
+                  </a:ext>
+                </a:extLst>
+              </a:tr>
+              <a:tr h="370840">
+                <a:tc>
+                  <a:txBody>
+                    <a:bodyPr/>
+                    <a:lstStyle/>
+                    <a:p>
+                      <a:r>
+                        <a:rPr lang="nl-NL" dirty="0"/>
+                        <a:t>A posteriori failure </a:t>
+                      </a:r>
+                      <a:r>
+                        <a:rPr lang="nl-NL" dirty="0" err="1"/>
+                        <a:t>probability</a:t>
+                      </a:r>
+                      <a:r>
+                        <a:rPr lang="nl-NL" dirty="0"/>
+                        <a:t> in 2075</a:t>
+                      </a:r>
+                    </a:p>
+                  </a:txBody>
+                  <a:tcPr/>
+                </a:tc>
+                <a:tc>
+                  <a:txBody>
+                    <a:bodyPr/>
+                    <a:lstStyle/>
+                    <a:p>
+                      <a:pPr algn="ctr"/>
+                      <a:r>
+                        <a:rPr lang="nl-NL" dirty="0"/>
+                        <a:t>0.0022</a:t>
+                      </a:r>
+                    </a:p>
+                  </a:txBody>
+                  <a:tcPr/>
+                </a:tc>
+                <a:tc>
+                  <a:txBody>
+                    <a:bodyPr/>
+                    <a:lstStyle/>
+                    <a:p>
+                      <a:pPr algn="ctr"/>
+                      <a:r>
+                        <a:rPr lang="nl-NL" dirty="0"/>
+                        <a:t>2.84</a:t>
+                      </a:r>
+                    </a:p>
+                  </a:txBody>
+                  <a:tcPr/>
+                </a:tc>
+                <a:extLst>
+                  <a:ext uri="{0D108BD9-81ED-4DB2-BD59-A6C34878D82A}">
+                    <a16:rowId xmlns:a16="http://schemas.microsoft.com/office/drawing/2014/main" val="1927111870"/>
+                  </a:ext>
+                </a:extLst>
+              </a:tr>
+            </a:tbl>
+          </a:graphicData>
+        </a:graphic>
+      </p:graphicFrame>
+      <p:sp>
+        <p:nvSpPr>
+          <p:cNvPr id="13" name="TextBox 12">
+            <a:extLst>
+              <a:ext uri="{FF2B5EF4-FFF2-40B4-BE49-F238E27FC236}">
+                <a16:creationId xmlns:a16="http://schemas.microsoft.com/office/drawing/2014/main" id="{C1B30C64-86E7-4519-3B3F-64749B4B14C4}"/>
+              </a:ext>
+            </a:extLst>
+          </p:cNvPr>
+          <p:cNvSpPr txBox="1"/>
+          <p:nvPr/>
+        </p:nvSpPr>
+        <p:spPr>
+          <a:xfrm>
+            <a:off x="416459" y="4531284"/>
+            <a:ext cx="10557366" cy="369332"/>
+          </a:xfrm>
+          <a:prstGeom prst="rect">
+            <a:avLst/>
+          </a:prstGeom>
+          <a:noFill/>
+        </p:spPr>
+        <p:txBody>
+          <a:bodyPr wrap="square">
+            <a:spAutoFit/>
+          </a:bodyPr>
+          <a:lstStyle/>
+          <a:p>
+            <a:r>
+              <a:rPr lang="nl-NL" dirty="0" err="1">
+                <a:solidFill>
+                  <a:srgbClr val="0D38E0"/>
+                </a:solidFill>
+              </a:rPr>
+              <a:t>Taking</a:t>
+            </a:r>
+            <a:r>
+              <a:rPr lang="nl-NL" dirty="0">
+                <a:solidFill>
+                  <a:srgbClr val="0D38E0"/>
+                </a:solidFill>
+              </a:rPr>
+              <a:t> </a:t>
+            </a:r>
+            <a:r>
+              <a:rPr lang="nl-NL" dirty="0" err="1">
+                <a:solidFill>
+                  <a:srgbClr val="0D38E0"/>
+                </a:solidFill>
+              </a:rPr>
+              <a:t>into</a:t>
+            </a:r>
+            <a:r>
+              <a:rPr lang="nl-NL" dirty="0">
+                <a:solidFill>
+                  <a:srgbClr val="0D38E0"/>
+                </a:solidFill>
+              </a:rPr>
+              <a:t> account </a:t>
+            </a:r>
+            <a:r>
+              <a:rPr lang="nl-NL" dirty="0" err="1">
+                <a:solidFill>
+                  <a:srgbClr val="0D38E0"/>
+                </a:solidFill>
+              </a:rPr>
+              <a:t>the</a:t>
+            </a:r>
+            <a:r>
+              <a:rPr lang="nl-NL" dirty="0">
+                <a:solidFill>
+                  <a:srgbClr val="0D38E0"/>
+                </a:solidFill>
+              </a:rPr>
+              <a:t> </a:t>
+            </a:r>
+            <a:r>
+              <a:rPr lang="nl-NL" dirty="0" err="1">
+                <a:solidFill>
+                  <a:srgbClr val="0D38E0"/>
+                </a:solidFill>
+              </a:rPr>
+              <a:t>survived</a:t>
+            </a:r>
+            <a:r>
+              <a:rPr lang="nl-NL" dirty="0">
+                <a:solidFill>
+                  <a:srgbClr val="0D38E0"/>
+                </a:solidFill>
+              </a:rPr>
+              <a:t> event has </a:t>
+            </a:r>
+            <a:r>
+              <a:rPr lang="nl-NL" dirty="0" err="1">
+                <a:solidFill>
+                  <a:srgbClr val="0D38E0"/>
+                </a:solidFill>
+              </a:rPr>
+              <a:t>reduced</a:t>
+            </a:r>
+            <a:r>
+              <a:rPr lang="nl-NL" dirty="0">
+                <a:solidFill>
+                  <a:srgbClr val="0D38E0"/>
+                </a:solidFill>
+              </a:rPr>
+              <a:t> </a:t>
+            </a:r>
+            <a:r>
+              <a:rPr lang="nl-NL" dirty="0" err="1">
+                <a:solidFill>
+                  <a:srgbClr val="0D38E0"/>
+                </a:solidFill>
+              </a:rPr>
+              <a:t>the</a:t>
+            </a:r>
+            <a:r>
+              <a:rPr lang="nl-NL" dirty="0">
+                <a:solidFill>
+                  <a:srgbClr val="0D38E0"/>
+                </a:solidFill>
+              </a:rPr>
+              <a:t> failure </a:t>
+            </a:r>
+            <a:r>
+              <a:rPr lang="nl-NL" dirty="0" err="1">
+                <a:solidFill>
+                  <a:srgbClr val="0D38E0"/>
+                </a:solidFill>
+              </a:rPr>
+              <a:t>probability</a:t>
+            </a:r>
+            <a:r>
+              <a:rPr lang="nl-NL" dirty="0">
+                <a:solidFill>
+                  <a:srgbClr val="0D38E0"/>
+                </a:solidFill>
+              </a:rPr>
+              <a:t> in 2075 </a:t>
+            </a:r>
+            <a:r>
+              <a:rPr lang="nl-NL" dirty="0" err="1">
+                <a:solidFill>
+                  <a:srgbClr val="0D38E0"/>
+                </a:solidFill>
+              </a:rPr>
+              <a:t>from</a:t>
+            </a:r>
+            <a:r>
+              <a:rPr lang="nl-NL" dirty="0">
+                <a:solidFill>
+                  <a:srgbClr val="0D38E0"/>
+                </a:solidFill>
+              </a:rPr>
+              <a:t> 0.215 </a:t>
+            </a:r>
+            <a:r>
+              <a:rPr lang="nl-NL" dirty="0" err="1">
+                <a:solidFill>
+                  <a:srgbClr val="0D38E0"/>
+                </a:solidFill>
+              </a:rPr>
+              <a:t>to</a:t>
+            </a:r>
+            <a:r>
+              <a:rPr lang="nl-NL" dirty="0">
+                <a:solidFill>
+                  <a:srgbClr val="0D38E0"/>
+                </a:solidFill>
+              </a:rPr>
+              <a:t> 0.0022</a:t>
+            </a:r>
+          </a:p>
+        </p:txBody>
+      </p:sp>
+    </p:spTree>
+    <p:extLst>
+      <p:ext uri="{BB962C8B-B14F-4D97-AF65-F5344CB8AC3E}">
+        <p14:creationId xmlns:p14="http://schemas.microsoft.com/office/powerpoint/2010/main" val="980719990"/>
       </p:ext>
     </p:extLst>
   </p:cSld>
@@ -23130,6 +24608,326 @@
     <p:extLst>
       <p:ext uri="{BB962C8B-B14F-4D97-AF65-F5344CB8AC3E}">
         <p14:creationId xmlns:p14="http://schemas.microsoft.com/office/powerpoint/2010/main" val="3477334814"/>
+      </p:ext>
+    </p:extLst>
+  </p:cSld>
+  <p:clrMapOvr>
+    <a:masterClrMapping/>
+  </p:clrMapOvr>
+</p:sld>
+</file>
+
+<file path=ppt/slides/slide20.xml><?xml version="1.0" encoding="utf-8"?>
+<p:sld xmlns:a="http://schemas.openxmlformats.org/drawingml/2006/main" xmlns:r="http://schemas.openxmlformats.org/officeDocument/2006/relationships" xmlns:p="http://schemas.openxmlformats.org/presentationml/2006/main">
+  <p:cSld>
+    <p:spTree>
+      <p:nvGrpSpPr>
+        <p:cNvPr id="1" name=""/>
+        <p:cNvGrpSpPr/>
+        <p:nvPr/>
+      </p:nvGrpSpPr>
+      <p:grpSpPr>
+        <a:xfrm>
+          <a:off x="0" y="0"/>
+          <a:ext cx="0" cy="0"/>
+          <a:chOff x="0" y="0"/>
+          <a:chExt cx="0" cy="0"/>
+        </a:xfrm>
+      </p:grpSpPr>
+      <p:sp>
+        <p:nvSpPr>
+          <p:cNvPr id="2" name="Title 1">
+            <a:extLst>
+              <a:ext uri="{FF2B5EF4-FFF2-40B4-BE49-F238E27FC236}">
+                <a16:creationId xmlns:a16="http://schemas.microsoft.com/office/drawing/2014/main" id="{93C964CC-5AEA-357F-FA8A-67BD41ECFD3A}"/>
+              </a:ext>
+            </a:extLst>
+          </p:cNvPr>
+          <p:cNvSpPr>
+            <a:spLocks noGrp="1"/>
+          </p:cNvSpPr>
+          <p:nvPr>
+            <p:ph type="title"/>
+          </p:nvPr>
+        </p:nvSpPr>
+        <p:spPr/>
+        <p:txBody>
+          <a:bodyPr/>
+          <a:lstStyle/>
+          <a:p>
+            <a:r>
+              <a:rPr lang="nl-NL" dirty="0" err="1"/>
+              <a:t>Join</a:t>
+            </a:r>
+            <a:r>
+              <a:rPr lang="nl-NL" dirty="0"/>
+              <a:t> </a:t>
+            </a:r>
+            <a:r>
+              <a:rPr lang="nl-NL" dirty="0" err="1"/>
+              <a:t>the</a:t>
+            </a:r>
+            <a:r>
+              <a:rPr lang="nl-NL" dirty="0"/>
+              <a:t> workshop at 14:15 (Option 1)</a:t>
+            </a:r>
+          </a:p>
+        </p:txBody>
+      </p:sp>
+      <p:sp>
+        <p:nvSpPr>
+          <p:cNvPr id="3" name="Content Placeholder 2">
+            <a:extLst>
+              <a:ext uri="{FF2B5EF4-FFF2-40B4-BE49-F238E27FC236}">
+                <a16:creationId xmlns:a16="http://schemas.microsoft.com/office/drawing/2014/main" id="{ED3025C5-E00C-8F6E-E0CD-5FA237B8990A}"/>
+              </a:ext>
+            </a:extLst>
+          </p:cNvPr>
+          <p:cNvSpPr>
+            <a:spLocks noGrp="1"/>
+          </p:cNvSpPr>
+          <p:nvPr>
+            <p:ph idx="1"/>
+          </p:nvPr>
+        </p:nvSpPr>
+        <p:spPr/>
+        <p:txBody>
+          <a:bodyPr/>
+          <a:lstStyle/>
+          <a:p>
+            <a:r>
+              <a:rPr lang="nl-NL" dirty="0" err="1"/>
+              <a:t>Learn</a:t>
+            </a:r>
+            <a:r>
+              <a:rPr lang="nl-NL" dirty="0"/>
+              <a:t> </a:t>
+            </a:r>
+            <a:r>
+              <a:rPr lang="nl-NL" dirty="0" err="1"/>
+              <a:t>how</a:t>
+            </a:r>
+            <a:r>
+              <a:rPr lang="nl-NL" dirty="0"/>
+              <a:t> </a:t>
+            </a:r>
+            <a:r>
+              <a:rPr lang="nl-NL" dirty="0" err="1"/>
+              <a:t>to</a:t>
+            </a:r>
+            <a:r>
+              <a:rPr lang="nl-NL" dirty="0"/>
+              <a:t> </a:t>
+            </a:r>
+            <a:r>
+              <a:rPr lang="nl-NL" dirty="0" err="1"/>
+              <a:t>use</a:t>
+            </a:r>
+            <a:r>
+              <a:rPr lang="nl-NL" dirty="0"/>
+              <a:t> </a:t>
+            </a:r>
+            <a:r>
+              <a:rPr lang="nl-NL" dirty="0" err="1"/>
+              <a:t>the</a:t>
+            </a:r>
+            <a:r>
+              <a:rPr lang="nl-NL" dirty="0"/>
+              <a:t> </a:t>
+            </a:r>
+            <a:r>
+              <a:rPr lang="nl-NL" dirty="0" err="1"/>
+              <a:t>probabilistic</a:t>
+            </a:r>
+            <a:r>
+              <a:rPr lang="nl-NL" dirty="0"/>
+              <a:t> </a:t>
+            </a:r>
+            <a:r>
+              <a:rPr lang="nl-NL" dirty="0" err="1"/>
+              <a:t>library</a:t>
+            </a:r>
+            <a:r>
+              <a:rPr lang="nl-NL" dirty="0"/>
+              <a:t> </a:t>
+            </a:r>
+            <a:r>
+              <a:rPr lang="nl-NL" dirty="0" err="1"/>
+              <a:t>from</a:t>
+            </a:r>
+            <a:r>
+              <a:rPr lang="nl-NL" dirty="0"/>
+              <a:t> Python</a:t>
+            </a:r>
+          </a:p>
+          <a:p>
+            <a:endParaRPr lang="nl-NL" dirty="0"/>
+          </a:p>
+          <a:p>
+            <a:r>
+              <a:rPr lang="nl-NL" dirty="0" err="1"/>
+              <a:t>Learn</a:t>
+            </a:r>
+            <a:r>
+              <a:rPr lang="nl-NL" dirty="0"/>
+              <a:t> </a:t>
+            </a:r>
+            <a:r>
+              <a:rPr lang="nl-NL" dirty="0" err="1"/>
+              <a:t>about</a:t>
+            </a:r>
+            <a:r>
+              <a:rPr lang="nl-NL" dirty="0"/>
+              <a:t> </a:t>
+            </a:r>
+            <a:r>
+              <a:rPr lang="nl-NL" dirty="0" err="1"/>
+              <a:t>the</a:t>
+            </a:r>
+            <a:r>
+              <a:rPr lang="nl-NL" dirty="0"/>
+              <a:t> details of </a:t>
+            </a:r>
+            <a:r>
+              <a:rPr lang="nl-NL" dirty="0" err="1"/>
+              <a:t>the</a:t>
+            </a:r>
+            <a:r>
+              <a:rPr lang="nl-NL" dirty="0"/>
+              <a:t> </a:t>
+            </a:r>
+            <a:r>
+              <a:rPr lang="nl-NL" dirty="0" err="1"/>
+              <a:t>probabilistic</a:t>
+            </a:r>
+            <a:r>
+              <a:rPr lang="nl-NL" dirty="0"/>
+              <a:t> </a:t>
+            </a:r>
+            <a:r>
+              <a:rPr lang="nl-NL" dirty="0" err="1"/>
+              <a:t>calculations</a:t>
+            </a:r>
+            <a:r>
+              <a:rPr lang="nl-NL" dirty="0"/>
+              <a:t> </a:t>
+            </a:r>
+            <a:r>
+              <a:rPr lang="nl-NL" dirty="0" err="1"/>
+              <a:t>with</a:t>
+            </a:r>
+            <a:r>
+              <a:rPr lang="nl-NL" dirty="0"/>
+              <a:t> </a:t>
+            </a:r>
+            <a:r>
+              <a:rPr lang="nl-NL" dirty="0" err="1"/>
+              <a:t>Kratos</a:t>
+            </a:r>
+            <a:r>
+              <a:rPr lang="nl-NL" dirty="0"/>
+              <a:t> (sheet </a:t>
+            </a:r>
+            <a:r>
+              <a:rPr lang="nl-NL" dirty="0" err="1"/>
+              <a:t>pile</a:t>
+            </a:r>
+            <a:r>
+              <a:rPr lang="nl-NL" dirty="0"/>
+              <a:t>)</a:t>
+            </a:r>
+          </a:p>
+        </p:txBody>
+      </p:sp>
+      <p:sp>
+        <p:nvSpPr>
+          <p:cNvPr id="4" name="Date Placeholder 3">
+            <a:extLst>
+              <a:ext uri="{FF2B5EF4-FFF2-40B4-BE49-F238E27FC236}">
+                <a16:creationId xmlns:a16="http://schemas.microsoft.com/office/drawing/2014/main" id="{C6E027C9-2D11-1D7C-8086-D3D0329B77CA}"/>
+              </a:ext>
+            </a:extLst>
+          </p:cNvPr>
+          <p:cNvSpPr>
+            <a:spLocks noGrp="1"/>
+          </p:cNvSpPr>
+          <p:nvPr>
+            <p:ph type="dt" sz="half" idx="10"/>
+          </p:nvPr>
+        </p:nvSpPr>
+        <p:spPr/>
+        <p:txBody>
+          <a:bodyPr/>
+          <a:lstStyle/>
+          <a:p>
+            <a:r>
+              <a:rPr lang="nl-NL"/>
+              <a:t> 28 november 2019</a:t>
+            </a:r>
+          </a:p>
+        </p:txBody>
+      </p:sp>
+      <p:sp>
+        <p:nvSpPr>
+          <p:cNvPr id="5" name="Footer Placeholder 4">
+            <a:extLst>
+              <a:ext uri="{FF2B5EF4-FFF2-40B4-BE49-F238E27FC236}">
+                <a16:creationId xmlns:a16="http://schemas.microsoft.com/office/drawing/2014/main" id="{83114149-D769-B831-C838-8D04E4E01E31}"/>
+              </a:ext>
+            </a:extLst>
+          </p:cNvPr>
+          <p:cNvSpPr>
+            <a:spLocks noGrp="1"/>
+          </p:cNvSpPr>
+          <p:nvPr>
+            <p:ph type="ftr" sz="quarter" idx="11"/>
+          </p:nvPr>
+        </p:nvSpPr>
+        <p:spPr/>
+        <p:txBody>
+          <a:bodyPr/>
+          <a:lstStyle/>
+          <a:p>
+            <a:r>
+              <a:rPr lang="nl-NL"/>
+              <a:t>Voettekst van de presentatie</a:t>
+            </a:r>
+          </a:p>
+        </p:txBody>
+      </p:sp>
+      <p:sp>
+        <p:nvSpPr>
+          <p:cNvPr id="6" name="Slide Number Placeholder 5">
+            <a:extLst>
+              <a:ext uri="{FF2B5EF4-FFF2-40B4-BE49-F238E27FC236}">
+                <a16:creationId xmlns:a16="http://schemas.microsoft.com/office/drawing/2014/main" id="{A79236BF-7CE7-3A2C-D6BD-E3C83F26752A}"/>
+              </a:ext>
+            </a:extLst>
+          </p:cNvPr>
+          <p:cNvSpPr>
+            <a:spLocks noGrp="1"/>
+          </p:cNvSpPr>
+          <p:nvPr>
+            <p:ph type="sldNum" sz="quarter" idx="12"/>
+          </p:nvPr>
+        </p:nvSpPr>
+        <p:spPr/>
+        <p:txBody>
+          <a:bodyPr/>
+          <a:lstStyle/>
+          <a:p>
+            <a:fld id="{F42B3F14-D836-496B-80A2-23BE75BD68CB}" type="slidenum">
+              <a:rPr lang="nl-NL" smtClean="0"/>
+              <a:t>20</a:t>
+            </a:fld>
+            <a:endParaRPr lang="nl-NL"/>
+          </a:p>
+        </p:txBody>
+      </p:sp>
+    </p:spTree>
+    <p:extLst>
+      <p:ext uri="{BB962C8B-B14F-4D97-AF65-F5344CB8AC3E}">
+        <p14:creationId xmlns:p14="http://schemas.microsoft.com/office/powerpoint/2010/main" val="1218110497"/>
       </p:ext>
     </p:extLst>
   </p:cSld>
@@ -23661,7 +25459,12 @@
             <p:ph idx="1"/>
           </p:nvPr>
         </p:nvSpPr>
-        <p:spPr/>
+        <p:spPr>
+          <a:xfrm>
+            <a:off x="755650" y="1768763"/>
+            <a:ext cx="6932043" cy="4320000"/>
+          </a:xfrm>
+        </p:spPr>
         <p:txBody>
           <a:bodyPr/>
           <a:lstStyle/>
@@ -23688,6 +25491,9 @@
               <a:rPr lang="en-GB" noProof="0" dirty="0"/>
               <a:t>Stage 3: added anker</a:t>
             </a:r>
+          </a:p>
+          <a:p>
+            <a:endParaRPr lang="en-GB" dirty="0"/>
           </a:p>
           <a:p>
             <a:endParaRPr lang="en-GB" dirty="0"/>
@@ -23801,7 +25607,7 @@
         </p:blipFill>
         <p:spPr>
           <a:xfrm>
-            <a:off x="6491074" y="1292089"/>
+            <a:off x="7660086" y="1477695"/>
             <a:ext cx="3612677" cy="3601079"/>
           </a:xfrm>
           <a:prstGeom prst="rect">
@@ -23823,7 +25629,7 @@
         </p:nvSpPr>
         <p:spPr>
           <a:xfrm>
-            <a:off x="7949579" y="4318000"/>
+            <a:off x="9118591" y="4503606"/>
             <a:ext cx="723275" cy="369332"/>
           </a:xfrm>
           <a:prstGeom prst="rect">
@@ -23858,7 +25664,7 @@
         </p:nvSpPr>
         <p:spPr>
           <a:xfrm>
-            <a:off x="7006803" y="3448441"/>
+            <a:off x="8175815" y="3634047"/>
             <a:ext cx="723275" cy="369332"/>
           </a:xfrm>
           <a:prstGeom prst="rect">
@@ -23893,7 +25699,7 @@
         </p:nvSpPr>
         <p:spPr>
           <a:xfrm>
-            <a:off x="8792424" y="3448441"/>
+            <a:off x="9961436" y="3634047"/>
             <a:ext cx="723275" cy="369332"/>
           </a:xfrm>
           <a:prstGeom prst="rect">
@@ -23928,7 +25734,7 @@
         </p:nvSpPr>
         <p:spPr>
           <a:xfrm>
-            <a:off x="7024909" y="2603627"/>
+            <a:off x="8193921" y="2789233"/>
             <a:ext cx="646331" cy="369332"/>
           </a:xfrm>
           <a:prstGeom prst="rect">
@@ -23964,7 +25770,7 @@
         </p:nvSpPr>
         <p:spPr>
           <a:xfrm>
-            <a:off x="8783371" y="2581864"/>
+            <a:off x="9952383" y="2767470"/>
             <a:ext cx="646331" cy="369332"/>
           </a:xfrm>
           <a:prstGeom prst="rect">
@@ -24000,7 +25806,7 @@
         </p:nvSpPr>
         <p:spPr>
           <a:xfrm>
-            <a:off x="8792424" y="1921464"/>
+            <a:off x="9961436" y="2107070"/>
             <a:ext cx="646331" cy="369332"/>
           </a:xfrm>
           <a:prstGeom prst="rect">
@@ -24198,160 +26004,14 @@
           </a:p>
           <a:p>
             <a:r>
-              <a:rPr lang="nl-NL" dirty="0"/>
-              <a:t>We want </a:t>
-            </a:r>
-            <a:r>
-              <a:rPr lang="nl-NL" dirty="0" err="1"/>
-              <a:t>to</a:t>
-            </a:r>
-            <a:r>
-              <a:rPr lang="nl-NL" dirty="0"/>
-              <a:t> </a:t>
-            </a:r>
-            <a:r>
-              <a:rPr lang="nl-NL" dirty="0" err="1"/>
-              <a:t>calculate</a:t>
-            </a:r>
-            <a:r>
-              <a:rPr lang="nl-NL" dirty="0"/>
-              <a:t>:</a:t>
-            </a:r>
-          </a:p>
-          <a:p>
-            <a:pPr lvl="1"/>
-            <a:r>
-              <a:rPr lang="nl-NL" dirty="0"/>
-              <a:t>The </a:t>
-            </a:r>
-            <a:r>
-              <a:rPr lang="nl-NL" dirty="0" err="1"/>
-              <a:t>probability</a:t>
-            </a:r>
-            <a:r>
-              <a:rPr lang="nl-NL" dirty="0"/>
-              <a:t> </a:t>
-            </a:r>
-            <a:r>
-              <a:rPr lang="nl-NL" dirty="0" err="1"/>
-              <a:t>that</a:t>
-            </a:r>
-            <a:r>
-              <a:rPr lang="nl-NL" dirty="0"/>
-              <a:t> </a:t>
-            </a:r>
-            <a:r>
-              <a:rPr lang="nl-NL" dirty="0" err="1"/>
-              <a:t>the</a:t>
-            </a:r>
-            <a:r>
-              <a:rPr lang="nl-NL" dirty="0"/>
-              <a:t> </a:t>
-            </a:r>
-            <a:r>
-              <a:rPr lang="nl-NL" dirty="0" err="1"/>
-              <a:t>total</a:t>
-            </a:r>
-            <a:r>
-              <a:rPr lang="nl-NL" dirty="0"/>
-              <a:t> displacement in </a:t>
-            </a:r>
-            <a:r>
-              <a:rPr lang="nl-NL" dirty="0" err="1"/>
-              <a:t>the</a:t>
-            </a:r>
-            <a:r>
-              <a:rPr lang="nl-NL" dirty="0"/>
-              <a:t> x-</a:t>
-            </a:r>
-            <a:r>
-              <a:rPr lang="nl-NL" dirty="0" err="1"/>
-              <a:t>direction</a:t>
-            </a:r>
-            <a:r>
-              <a:rPr lang="nl-NL" dirty="0"/>
-              <a:t> </a:t>
-            </a:r>
-            <a:r>
-              <a:rPr lang="nl-NL" dirty="0" err="1"/>
-              <a:t>exceeds</a:t>
-            </a:r>
-            <a:r>
-              <a:rPr lang="nl-NL" dirty="0"/>
-              <a:t> a </a:t>
-            </a:r>
-            <a:r>
-              <a:rPr lang="nl-NL" dirty="0" err="1"/>
-              <a:t>critical</a:t>
-            </a:r>
-            <a:r>
-              <a:rPr lang="nl-NL" dirty="0"/>
-              <a:t> </a:t>
-            </a:r>
-            <a:r>
-              <a:rPr lang="nl-NL" dirty="0" err="1"/>
-              <a:t>value</a:t>
-            </a:r>
-            <a:endParaRPr lang="nl-NL" dirty="0"/>
-          </a:p>
-          <a:p>
-            <a:pPr lvl="1"/>
-            <a:r>
-              <a:rPr lang="nl-NL" dirty="0"/>
-              <a:t>The </a:t>
-            </a:r>
-            <a:r>
-              <a:rPr lang="nl-NL" dirty="0" err="1"/>
-              <a:t>probability</a:t>
-            </a:r>
-            <a:r>
-              <a:rPr lang="nl-NL" dirty="0"/>
-              <a:t> </a:t>
-            </a:r>
-            <a:r>
-              <a:rPr lang="nl-NL" dirty="0" err="1"/>
-              <a:t>that</a:t>
-            </a:r>
-            <a:r>
-              <a:rPr lang="nl-NL" dirty="0"/>
-              <a:t> </a:t>
-            </a:r>
-            <a:r>
-              <a:rPr lang="nl-NL" dirty="0" err="1"/>
-              <a:t>the</a:t>
-            </a:r>
-            <a:r>
-              <a:rPr lang="nl-NL" dirty="0"/>
-              <a:t> maximum </a:t>
-            </a:r>
-            <a:r>
-              <a:rPr lang="nl-NL" dirty="0" err="1"/>
-              <a:t>bending</a:t>
-            </a:r>
-            <a:r>
-              <a:rPr lang="nl-NL" dirty="0"/>
-              <a:t> moment </a:t>
-            </a:r>
-            <a:r>
-              <a:rPr lang="nl-NL" dirty="0" err="1"/>
-              <a:t>exceeds</a:t>
-            </a:r>
-            <a:r>
-              <a:rPr lang="nl-NL" dirty="0"/>
-              <a:t> a </a:t>
-            </a:r>
-            <a:r>
-              <a:rPr lang="nl-NL" dirty="0" err="1"/>
-              <a:t>critical</a:t>
-            </a:r>
-            <a:r>
-              <a:rPr lang="nl-NL" dirty="0"/>
-              <a:t> </a:t>
-            </a:r>
-            <a:r>
-              <a:rPr lang="nl-NL" dirty="0" err="1"/>
-              <a:t>value</a:t>
-            </a:r>
+              <a:rPr lang="en-GB" noProof="0" dirty="0"/>
+              <a:t>Python wrapper around Kratos + Python wrapper of the probabilistic library </a:t>
+            </a:r>
+          </a:p>
+          <a:p>
+            <a:pPr marL="0" indent="0">
+              <a:buNone/>
+            </a:pPr>
             <a:endParaRPr lang="nl-NL" dirty="0"/>
           </a:p>
         </p:txBody>
@@ -26643,6 +28303,15 @@
 </file>
 
 <file path=customXml/item1.xml><?xml version="1.0" encoding="utf-8"?>
+<?mso-contentType ?>
+<FormTemplates xmlns="http://schemas.microsoft.com/sharepoint/v3/contenttype/forms">
+  <Display>DocumentLibraryForm</Display>
+  <Edit>DocumentLibraryForm</Edit>
+  <New>DocumentLibraryForm</New>
+</FormTemplates>
+</file>
+
+<file path=customXml/item2.xml><?xml version="1.0" encoding="utf-8"?>
 <ct:contentTypeSchema xmlns:ct="http://schemas.microsoft.com/office/2006/metadata/contentType" xmlns:ma="http://schemas.microsoft.com/office/2006/metadata/properties/metaAttributes" ct:_="" ma:_="" ma:contentTypeName="Document" ma:contentTypeID="0x0101000B31082E7F932F4895FF772473B30116" ma:contentTypeVersion="11" ma:contentTypeDescription="Create a new document." ma:contentTypeScope="" ma:versionID="c30b5a7ebc79a8ae4b5672261524501a">
   <xsd:schema xmlns:xsd="http://www.w3.org/2001/XMLSchema" xmlns:xs="http://www.w3.org/2001/XMLSchema" xmlns:p="http://schemas.microsoft.com/office/2006/metadata/properties" xmlns:ns2="edd774d5-6d8f-4b83-b098-255576e86aac" xmlns:ns3="dead17b3-d09a-4d17-9633-982b423f4fbc" targetNamespace="http://schemas.microsoft.com/office/2006/metadata/properties" ma:root="true" ma:fieldsID="d0c78e411dc013314e83d6c65decba18" ns2:_="" ns3:_="">
     <xsd:import namespace="edd774d5-6d8f-4b83-b098-255576e86aac"/>
@@ -26853,15 +28522,6 @@
 </ct:contentTypeSchema>
 </file>
 
-<file path=customXml/item2.xml><?xml version="1.0" encoding="utf-8"?>
-<?mso-contentType ?>
-<FormTemplates xmlns="http://schemas.microsoft.com/sharepoint/v3/contenttype/forms">
-  <Display>DocumentLibraryForm</Display>
-  <Edit>DocumentLibraryForm</Edit>
-  <New>DocumentLibraryForm</New>
-</FormTemplates>
-</file>
-
 <file path=customXml/item3.xml><?xml version="1.0" encoding="utf-8"?>
 <p:properties xmlns:p="http://schemas.microsoft.com/office/2006/metadata/properties" xmlns:xsi="http://www.w3.org/2001/XMLSchema-instance" xmlns:pc="http://schemas.microsoft.com/office/infopath/2007/PartnerControls">
   <documentManagement>
@@ -26874,6 +28534,14 @@
 </file>
 
 <file path=customXml/itemProps1.xml><?xml version="1.0" encoding="utf-8"?>
+<ds:datastoreItem xmlns:ds="http://schemas.openxmlformats.org/officeDocument/2006/customXml" ds:itemID="{5636F5E9-25BB-4734-86C2-FD32BCBA5CBD}">
+  <ds:schemaRefs>
+    <ds:schemaRef ds:uri="http://schemas.microsoft.com/sharepoint/v3/contenttype/forms"/>
+  </ds:schemaRefs>
+</ds:datastoreItem>
+</file>
+
+<file path=customXml/itemProps2.xml><?xml version="1.0" encoding="utf-8"?>
 <ds:datastoreItem xmlns:ds="http://schemas.openxmlformats.org/officeDocument/2006/customXml" ds:itemID="{7B44D4F2-36BF-49E2-8330-5C01CEA3FA8E}">
   <ds:schemaRefs>
     <ds:schemaRef ds:uri="http://schemas.microsoft.com/office/2006/metadata/contentType"/>
@@ -26892,14 +28560,6 @@
 </ds:datastoreItem>
 </file>
 
-<file path=customXml/itemProps2.xml><?xml version="1.0" encoding="utf-8"?>
-<ds:datastoreItem xmlns:ds="http://schemas.openxmlformats.org/officeDocument/2006/customXml" ds:itemID="{5636F5E9-25BB-4734-86C2-FD32BCBA5CBD}">
-  <ds:schemaRefs>
-    <ds:schemaRef ds:uri="http://schemas.microsoft.com/sharepoint/v3/contenttype/forms"/>
-  </ds:schemaRefs>
-</ds:datastoreItem>
-</file>
-
 <file path=customXml/itemProps3.xml><?xml version="1.0" encoding="utf-8"?>
 <ds:datastoreItem xmlns:ds="http://schemas.openxmlformats.org/officeDocument/2006/customXml" ds:itemID="{84338BAD-8BA4-4C42-A850-147A5D210631}">
   <ds:schemaRefs>

--- a/sources/Deltares.Probabilistic.PWrapper.Examples/kratos/Prob Kratos DSD.pptx
+++ b/sources/Deltares.Probabilistic.PWrapper.Examples/kratos/Prob Kratos DSD.pptx
@@ -15545,28 +15545,8 @@
           <a:lstStyle/>
           <a:p>
             <a:r>
-              <a:rPr lang="nl-NL" dirty="0" err="1"/>
-              <a:t>Probabilistic</a:t>
-            </a:r>
-            <a:r>
               <a:rPr lang="nl-NL" dirty="0"/>
-              <a:t> </a:t>
-            </a:r>
-            <a:r>
-              <a:rPr lang="nl-NL" dirty="0" err="1"/>
-              <a:t>calculations</a:t>
-            </a:r>
-            <a:r>
-              <a:rPr lang="nl-NL" dirty="0"/>
-              <a:t>: </a:t>
-            </a:r>
-            <a:r>
-              <a:rPr lang="nl-NL" dirty="0" err="1"/>
-              <a:t>reliability</a:t>
-            </a:r>
-            <a:r>
-              <a:rPr lang="nl-NL" dirty="0"/>
-              <a:t> analysis</a:t>
+              <a:t>Betrouwbaarheidsanalyse</a:t>
             </a:r>
           </a:p>
         </p:txBody>
@@ -15598,122 +15578,34 @@
           <a:lstStyle/>
           <a:p>
             <a:r>
+              <a:rPr lang="nl-NL" dirty="0" err="1"/>
+              <a:t>Grenstoetsfunctie</a:t>
+            </a:r>
+            <a:r>
               <a:rPr lang="nl-NL" dirty="0"/>
-              <a:t>Limit state </a:t>
-            </a:r>
+              <a:t> voor de totale verplaatsing in x-richting (maaiveld):</a:t>
+            </a:r>
+          </a:p>
+          <a:p>
+            <a:endParaRPr lang="nl-NL" dirty="0"/>
+          </a:p>
+          <a:p>
+            <a:endParaRPr lang="nl-NL" dirty="0"/>
+          </a:p>
+          <a:p>
+            <a:endParaRPr lang="nl-NL" dirty="0"/>
+          </a:p>
+          <a:p>
+            <a:endParaRPr lang="nl-NL" dirty="0"/>
+          </a:p>
+          <a:p>
             <a:r>
               <a:rPr lang="nl-NL" dirty="0" err="1"/>
-              <a:t>function</a:t>
+              <a:t>Grenstoetsfunctie</a:t>
             </a:r>
             <a:r>
               <a:rPr lang="nl-NL" dirty="0"/>
-              <a:t> </a:t>
-            </a:r>
-            <a:r>
-              <a:rPr lang="nl-NL" dirty="0" err="1"/>
-              <a:t>for</a:t>
-            </a:r>
-            <a:r>
-              <a:rPr lang="nl-NL" dirty="0"/>
-              <a:t> </a:t>
-            </a:r>
-            <a:r>
-              <a:rPr lang="nl-NL" dirty="0" err="1"/>
-              <a:t>the</a:t>
-            </a:r>
-            <a:r>
-              <a:rPr lang="nl-NL" dirty="0"/>
-              <a:t> </a:t>
-            </a:r>
-            <a:r>
-              <a:rPr lang="nl-NL" dirty="0" err="1"/>
-              <a:t>total</a:t>
-            </a:r>
-            <a:r>
-              <a:rPr lang="nl-NL" dirty="0"/>
-              <a:t> displacement in </a:t>
-            </a:r>
-            <a:r>
-              <a:rPr lang="nl-NL" dirty="0" err="1"/>
-              <a:t>the</a:t>
-            </a:r>
-            <a:r>
-              <a:rPr lang="nl-NL" dirty="0"/>
-              <a:t> x-</a:t>
-            </a:r>
-            <a:r>
-              <a:rPr lang="nl-NL" dirty="0" err="1"/>
-              <a:t>direction</a:t>
-            </a:r>
-            <a:r>
-              <a:rPr lang="nl-NL" dirty="0"/>
-              <a:t> (</a:t>
-            </a:r>
-            <a:r>
-              <a:rPr lang="nl-NL" dirty="0" err="1"/>
-              <a:t>surface</a:t>
-            </a:r>
-            <a:r>
-              <a:rPr lang="nl-NL" dirty="0"/>
-              <a:t> level): </a:t>
-            </a:r>
-          </a:p>
-          <a:p>
-            <a:endParaRPr lang="nl-NL" dirty="0"/>
-          </a:p>
-          <a:p>
-            <a:endParaRPr lang="nl-NL" dirty="0"/>
-          </a:p>
-          <a:p>
-            <a:endParaRPr lang="nl-NL" dirty="0"/>
-          </a:p>
-          <a:p>
-            <a:endParaRPr lang="nl-NL" dirty="0"/>
-          </a:p>
-          <a:p>
-            <a:r>
-              <a:rPr lang="nl-NL" dirty="0"/>
-              <a:t>Limit state </a:t>
-            </a:r>
-            <a:r>
-              <a:rPr lang="nl-NL" dirty="0" err="1"/>
-              <a:t>function</a:t>
-            </a:r>
-            <a:r>
-              <a:rPr lang="nl-NL" dirty="0"/>
-              <a:t> </a:t>
-            </a:r>
-            <a:r>
-              <a:rPr lang="nl-NL" dirty="0" err="1"/>
-              <a:t>for</a:t>
-            </a:r>
-            <a:r>
-              <a:rPr lang="nl-NL" dirty="0"/>
-              <a:t> </a:t>
-            </a:r>
-            <a:r>
-              <a:rPr lang="nl-NL" dirty="0" err="1"/>
-              <a:t>the</a:t>
-            </a:r>
-            <a:r>
-              <a:rPr lang="nl-NL" dirty="0"/>
-              <a:t> </a:t>
-            </a:r>
-            <a:r>
-              <a:rPr lang="nl-NL" dirty="0" err="1"/>
-              <a:t>maximal</a:t>
-            </a:r>
-            <a:r>
-              <a:rPr lang="nl-NL" dirty="0"/>
-              <a:t> </a:t>
-            </a:r>
-            <a:r>
-              <a:rPr lang="nl-NL" dirty="0" err="1"/>
-              <a:t>bending</a:t>
-            </a:r>
-            <a:r>
-              <a:rPr lang="nl-NL" dirty="0"/>
-              <a:t> moment:</a:t>
+              <a:t> voor het maximale buigmoment:</a:t>
             </a:r>
           </a:p>
         </p:txBody>
@@ -16405,28 +16297,8 @@
           <a:lstStyle/>
           <a:p>
             <a:r>
-              <a:rPr lang="nl-NL" dirty="0" err="1"/>
-              <a:t>Probabilistic</a:t>
-            </a:r>
-            <a:r>
               <a:rPr lang="nl-NL" dirty="0"/>
-              <a:t> </a:t>
-            </a:r>
-            <a:r>
-              <a:rPr lang="nl-NL" dirty="0" err="1"/>
-              <a:t>calculations</a:t>
-            </a:r>
-            <a:r>
-              <a:rPr lang="nl-NL" dirty="0"/>
-              <a:t>: </a:t>
-            </a:r>
-            <a:r>
-              <a:rPr lang="nl-NL" dirty="0" err="1"/>
-              <a:t>reliability</a:t>
-            </a:r>
-            <a:r>
-              <a:rPr lang="nl-NL" dirty="0"/>
-              <a:t> analysis</a:t>
+              <a:t>Betrouwbaarheidsanalyse</a:t>
             </a:r>
           </a:p>
         </p:txBody>
@@ -16463,31 +16335,7 @@
             </a:pPr>
             <a:r>
               <a:rPr lang="nl-NL" dirty="0"/>
-              <a:t>Failure </a:t>
-            </a:r>
-            <a:r>
-              <a:rPr lang="nl-NL" dirty="0" err="1"/>
-              <a:t>probability</a:t>
-            </a:r>
-            <a:r>
-              <a:rPr lang="nl-NL" dirty="0"/>
-              <a:t> </a:t>
-            </a:r>
-            <a:r>
-              <a:rPr lang="nl-NL" dirty="0" err="1"/>
-              <a:t>for</a:t>
-            </a:r>
-            <a:r>
-              <a:rPr lang="nl-NL" dirty="0"/>
-              <a:t> </a:t>
-            </a:r>
-            <a:r>
-              <a:rPr lang="nl-NL" dirty="0" err="1"/>
-              <a:t>the</a:t>
-            </a:r>
-            <a:r>
-              <a:rPr lang="nl-NL" dirty="0"/>
-              <a:t> displacement: </a:t>
+              <a:t>Faalkans voor de verplaatsing:</a:t>
             </a:r>
           </a:p>
           <a:p>
@@ -16518,47 +16366,7 @@
             </a:pPr>
             <a:r>
               <a:rPr lang="nl-NL" dirty="0"/>
-              <a:t>Failure </a:t>
-            </a:r>
-            <a:r>
-              <a:rPr lang="nl-NL" dirty="0" err="1"/>
-              <a:t>probability</a:t>
-            </a:r>
-            <a:r>
-              <a:rPr lang="nl-NL" dirty="0"/>
-              <a:t> </a:t>
-            </a:r>
-            <a:r>
-              <a:rPr lang="nl-NL" dirty="0" err="1"/>
-              <a:t>for</a:t>
-            </a:r>
-            <a:r>
-              <a:rPr lang="nl-NL" dirty="0"/>
-              <a:t> </a:t>
-            </a:r>
-            <a:r>
-              <a:rPr lang="nl-NL" dirty="0" err="1"/>
-              <a:t>the</a:t>
-            </a:r>
-            <a:r>
-              <a:rPr lang="nl-NL" dirty="0"/>
-              <a:t> </a:t>
-            </a:r>
-            <a:r>
-              <a:rPr lang="nl-NL" dirty="0" err="1"/>
-              <a:t>maximal</a:t>
-            </a:r>
-            <a:r>
-              <a:rPr lang="nl-NL" dirty="0"/>
-              <a:t> </a:t>
-            </a:r>
-            <a:r>
-              <a:rPr lang="nl-NL" dirty="0" err="1"/>
-              <a:t>bending</a:t>
-            </a:r>
-            <a:r>
-              <a:rPr lang="nl-NL" dirty="0"/>
-              <a:t> moment:</a:t>
+              <a:t>Faalkans voor het maximale buigmoment:</a:t>
             </a:r>
           </a:p>
           <a:p>
@@ -16588,20 +16396,8 @@
               <a:buAutoNum type="arabicPeriod"/>
             </a:pPr>
             <a:r>
-              <a:rPr lang="nl-NL" dirty="0" err="1"/>
-              <a:t>Combined</a:t>
-            </a:r>
-            <a:r>
               <a:rPr lang="nl-NL" dirty="0"/>
-              <a:t> </a:t>
-            </a:r>
-            <a:r>
-              <a:rPr lang="nl-NL" dirty="0" err="1"/>
-              <a:t>probability</a:t>
-            </a:r>
-            <a:r>
-              <a:rPr lang="nl-NL" dirty="0"/>
-              <a:t>:</a:t>
+              <a:t>Gecombineerde kans:</a:t>
             </a:r>
           </a:p>
           <a:p>
@@ -17749,28 +17545,8 @@
           <a:lstStyle/>
           <a:p>
             <a:r>
-              <a:rPr lang="nl-NL" dirty="0" err="1"/>
-              <a:t>Probabilistic</a:t>
-            </a:r>
-            <a:r>
               <a:rPr lang="nl-NL" dirty="0"/>
-              <a:t> </a:t>
-            </a:r>
-            <a:r>
-              <a:rPr lang="nl-NL" dirty="0" err="1"/>
-              <a:t>calculations</a:t>
-            </a:r>
-            <a:r>
-              <a:rPr lang="nl-NL" dirty="0"/>
-              <a:t>: </a:t>
-            </a:r>
-            <a:r>
-              <a:rPr lang="nl-NL" dirty="0" err="1"/>
-              <a:t>reliability</a:t>
-            </a:r>
-            <a:r>
-              <a:rPr lang="nl-NL" dirty="0"/>
-              <a:t> analysis</a:t>
+              <a:t>Betrouwbaarheidsanalyse</a:t>
             </a:r>
           </a:p>
         </p:txBody>
@@ -17803,31 +17579,7 @@
           <a:p>
             <a:r>
               <a:rPr lang="nl-NL" dirty="0"/>
-              <a:t>Failure </a:t>
-            </a:r>
-            <a:r>
-              <a:rPr lang="nl-NL" dirty="0" err="1"/>
-              <a:t>probability</a:t>
-            </a:r>
-            <a:r>
-              <a:rPr lang="nl-NL" dirty="0"/>
-              <a:t> </a:t>
-            </a:r>
-            <a:r>
-              <a:rPr lang="nl-NL" dirty="0" err="1"/>
-              <a:t>for</a:t>
-            </a:r>
-            <a:r>
-              <a:rPr lang="nl-NL" dirty="0"/>
-              <a:t> </a:t>
-            </a:r>
-            <a:r>
-              <a:rPr lang="nl-NL" dirty="0" err="1"/>
-              <a:t>the</a:t>
-            </a:r>
-            <a:r>
-              <a:rPr lang="nl-NL" dirty="0"/>
-              <a:t> displacement, FORM:</a:t>
+              <a:t>Faalkans voor de verplaatsing, FORM:</a:t>
             </a:r>
           </a:p>
           <a:p>
@@ -18274,14 +18026,14 @@
           <p:nvPr>
             <p:extLst>
               <p:ext uri="{D42A27DB-BD31-4B8C-83A1-F6EECF244321}">
-                <p14:modId xmlns:p14="http://schemas.microsoft.com/office/powerpoint/2010/main" val="3253360844"/>
+                <p14:modId xmlns:p14="http://schemas.microsoft.com/office/powerpoint/2010/main" val="227736681"/>
               </p:ext>
             </p:extLst>
           </p:nvPr>
         </p:nvGraphicFramePr>
         <p:xfrm>
           <a:off x="1117600" y="3158508"/>
-          <a:ext cx="8127999" cy="1854200"/>
+          <a:ext cx="8614875" cy="1854200"/>
         </p:xfrm>
         <a:graphic>
           <a:graphicData uri="http://schemas.openxmlformats.org/drawingml/2006/table">
@@ -18290,21 +18042,21 @@
                 <a:tableStyleId>{5C22544A-7EE6-4342-B048-85BDC9FD1C3A}</a:tableStyleId>
               </a:tblPr>
               <a:tblGrid>
-                <a:gridCol w="3063875">
+                <a:gridCol w="3247404">
                   <a:extLst>
                     <a:ext uri="{9D8B030D-6E8A-4147-A177-3AD203B41FA5}">
                       <a16:colId xmlns:a16="http://schemas.microsoft.com/office/drawing/2014/main" val="2781947665"/>
                     </a:ext>
                   </a:extLst>
                 </a:gridCol>
-                <a:gridCol w="2354791">
+                <a:gridCol w="2495846">
                   <a:extLst>
                     <a:ext uri="{9D8B030D-6E8A-4147-A177-3AD203B41FA5}">
                       <a16:colId xmlns:a16="http://schemas.microsoft.com/office/drawing/2014/main" val="1422021900"/>
                     </a:ext>
                   </a:extLst>
                 </a:gridCol>
-                <a:gridCol w="2709333">
+                <a:gridCol w="2871625">
                   <a:extLst>
                     <a:ext uri="{9D8B030D-6E8A-4147-A177-3AD203B41FA5}">
                       <a16:colId xmlns:a16="http://schemas.microsoft.com/office/drawing/2014/main" val="1774012867"/>
@@ -18321,7 +18073,7 @@
                       <a:pPr algn="ctr"/>
                       <a:r>
                         <a:rPr lang="nl-NL" dirty="0"/>
-                        <a:t>Critical displacement [m]</a:t>
+                        <a:t>Kritieke verplaatsing [m]</a:t>
                       </a:r>
                     </a:p>
                   </a:txBody>
@@ -18335,13 +18087,8 @@
                       <a:pPr algn="ctr"/>
                       <a:r>
                         <a:rPr lang="nl-NL" dirty="0"/>
-                        <a:t>Failure </a:t>
+                        <a:t>Faalkans</a:t>
                       </a:r>
-                      <a:r>
-                        <a:rPr lang="nl-NL" dirty="0" err="1"/>
-                        <a:t>probability</a:t>
-                      </a:r>
-                      <a:endParaRPr lang="nl-NL" dirty="0"/>
                     </a:p>
                   </a:txBody>
                   <a:tcPr/>
@@ -18353,12 +18100,8 @@
                     <a:p>
                       <a:pPr algn="ctr"/>
                       <a:r>
-                        <a:rPr lang="nl-NL" dirty="0" err="1"/>
-                        <a:t>Reliability</a:t>
-                      </a:r>
-                      <a:r>
                         <a:rPr lang="nl-NL" dirty="0"/>
-                        <a:t> index</a:t>
+                        <a:t>Betrouwbaarheidsindex</a:t>
                       </a:r>
                     </a:p>
                   </a:txBody>
@@ -18621,77 +18364,81 @@
         <p:spPr>
           <a:xfrm>
             <a:off x="1117600" y="3543300"/>
-            <a:ext cx="8127999" cy="304800"/>
+            <a:ext cx="8614875" cy="304800"/>
           </a:xfrm>
           <a:custGeom>
             <a:avLst/>
             <a:gdLst>
-              <a:gd name="connsiteX0" fmla="*/ 0 w 8127999"/>
+              <a:gd name="connsiteX0" fmla="*/ 0 w 8614875"/>
               <a:gd name="connsiteY0" fmla="*/ 0 h 304800"/>
-              <a:gd name="connsiteX1" fmla="*/ 499291 w 8127999"/>
+              <a:gd name="connsiteX1" fmla="*/ 488176 w 8614875"/>
               <a:gd name="connsiteY1" fmla="*/ 0 h 304800"/>
-              <a:gd name="connsiteX2" fmla="*/ 917303 w 8127999"/>
+              <a:gd name="connsiteX2" fmla="*/ 890204 w 8614875"/>
               <a:gd name="connsiteY2" fmla="*/ 0 h 304800"/>
-              <a:gd name="connsiteX3" fmla="*/ 1497874 w 8127999"/>
+              <a:gd name="connsiteX3" fmla="*/ 1464529 w 8614875"/>
               <a:gd name="connsiteY3" fmla="*/ 0 h 304800"/>
-              <a:gd name="connsiteX4" fmla="*/ 1834605 w 8127999"/>
+              <a:gd name="connsiteX4" fmla="*/ 1780408 w 8614875"/>
               <a:gd name="connsiteY4" fmla="*/ 0 h 304800"/>
-              <a:gd name="connsiteX5" fmla="*/ 2252617 w 8127999"/>
+              <a:gd name="connsiteX5" fmla="*/ 2182435 w 8614875"/>
               <a:gd name="connsiteY5" fmla="*/ 0 h 304800"/>
-              <a:gd name="connsiteX6" fmla="*/ 2995748 w 8127999"/>
+              <a:gd name="connsiteX6" fmla="*/ 2929057 w 8614875"/>
               <a:gd name="connsiteY6" fmla="*/ 0 h 304800"/>
-              <a:gd name="connsiteX7" fmla="*/ 3576320 w 8127999"/>
+              <a:gd name="connsiteX7" fmla="*/ 3503382 w 8614875"/>
               <a:gd name="connsiteY7" fmla="*/ 0 h 304800"/>
-              <a:gd name="connsiteX8" fmla="*/ 3994331 w 8127999"/>
+              <a:gd name="connsiteX8" fmla="*/ 3905410 w 8614875"/>
               <a:gd name="connsiteY8" fmla="*/ 0 h 304800"/>
-              <a:gd name="connsiteX9" fmla="*/ 4331062 w 8127999"/>
+              <a:gd name="connsiteX9" fmla="*/ 4221289 w 8614875"/>
               <a:gd name="connsiteY9" fmla="*/ 0 h 304800"/>
-              <a:gd name="connsiteX10" fmla="*/ 4830354 w 8127999"/>
+              <a:gd name="connsiteX10" fmla="*/ 4709465 w 8614875"/>
               <a:gd name="connsiteY10" fmla="*/ 0 h 304800"/>
-              <a:gd name="connsiteX11" fmla="*/ 5410925 w 8127999"/>
+              <a:gd name="connsiteX11" fmla="*/ 5283790 w 8614875"/>
               <a:gd name="connsiteY11" fmla="*/ 0 h 304800"/>
-              <a:gd name="connsiteX12" fmla="*/ 5828936 w 8127999"/>
+              <a:gd name="connsiteX12" fmla="*/ 5685817 w 8614875"/>
               <a:gd name="connsiteY12" fmla="*/ 0 h 304800"/>
-              <a:gd name="connsiteX13" fmla="*/ 6572068 w 8127999"/>
+              <a:gd name="connsiteX13" fmla="*/ 6432440 w 8614875"/>
               <a:gd name="connsiteY13" fmla="*/ 0 h 304800"/>
-              <a:gd name="connsiteX14" fmla="*/ 7071359 w 8127999"/>
+              <a:gd name="connsiteX14" fmla="*/ 6920616 w 8614875"/>
               <a:gd name="connsiteY14" fmla="*/ 0 h 304800"/>
-              <a:gd name="connsiteX15" fmla="*/ 7570650 w 8127999"/>
+              <a:gd name="connsiteX15" fmla="*/ 7408792 w 8614875"/>
               <a:gd name="connsiteY15" fmla="*/ 0 h 304800"/>
-              <a:gd name="connsiteX16" fmla="*/ 8127999 w 8127999"/>
+              <a:gd name="connsiteX16" fmla="*/ 7896969 w 8614875"/>
               <a:gd name="connsiteY16" fmla="*/ 0 h 304800"/>
-              <a:gd name="connsiteX17" fmla="*/ 8127999 w 8127999"/>
-              <a:gd name="connsiteY17" fmla="*/ 304800 h 304800"/>
-              <a:gd name="connsiteX18" fmla="*/ 7547428 w 8127999"/>
+              <a:gd name="connsiteX17" fmla="*/ 8614875 w 8614875"/>
+              <a:gd name="connsiteY17" fmla="*/ 0 h 304800"/>
+              <a:gd name="connsiteX18" fmla="*/ 8614875 w 8614875"/>
               <a:gd name="connsiteY18" fmla="*/ 304800 h 304800"/>
-              <a:gd name="connsiteX19" fmla="*/ 7210696 w 8127999"/>
+              <a:gd name="connsiteX19" fmla="*/ 8040550 w 8614875"/>
               <a:gd name="connsiteY19" fmla="*/ 304800 h 304800"/>
-              <a:gd name="connsiteX20" fmla="*/ 6467565 w 8127999"/>
+              <a:gd name="connsiteX20" fmla="*/ 7293928 w 8614875"/>
               <a:gd name="connsiteY20" fmla="*/ 304800 h 304800"/>
-              <a:gd name="connsiteX21" fmla="*/ 6049554 w 8127999"/>
+              <a:gd name="connsiteX21" fmla="*/ 6891900 w 8614875"/>
               <a:gd name="connsiteY21" fmla="*/ 304800 h 304800"/>
-              <a:gd name="connsiteX22" fmla="*/ 5387702 w 8127999"/>
+              <a:gd name="connsiteX22" fmla="*/ 6231426 w 8614875"/>
               <a:gd name="connsiteY22" fmla="*/ 304800 h 304800"/>
-              <a:gd name="connsiteX23" fmla="*/ 4807131 w 8127999"/>
+              <a:gd name="connsiteX23" fmla="*/ 5657101 w 8614875"/>
               <a:gd name="connsiteY23" fmla="*/ 304800 h 304800"/>
-              <a:gd name="connsiteX24" fmla="*/ 4064000 w 8127999"/>
+              <a:gd name="connsiteX24" fmla="*/ 4910479 w 8614875"/>
               <a:gd name="connsiteY24" fmla="*/ 304800 h 304800"/>
-              <a:gd name="connsiteX25" fmla="*/ 3645988 w 8127999"/>
+              <a:gd name="connsiteX25" fmla="*/ 4508451 w 8614875"/>
               <a:gd name="connsiteY25" fmla="*/ 304800 h 304800"/>
-              <a:gd name="connsiteX26" fmla="*/ 2902857 w 8127999"/>
+              <a:gd name="connsiteX26" fmla="*/ 3761829 w 8614875"/>
               <a:gd name="connsiteY26" fmla="*/ 304800 h 304800"/>
-              <a:gd name="connsiteX27" fmla="*/ 2566125 w 8127999"/>
+              <a:gd name="connsiteX27" fmla="*/ 3445950 w 8614875"/>
               <a:gd name="connsiteY27" fmla="*/ 304800 h 304800"/>
-              <a:gd name="connsiteX28" fmla="*/ 1822994 w 8127999"/>
+              <a:gd name="connsiteX28" fmla="*/ 2699328 w 8614875"/>
               <a:gd name="connsiteY28" fmla="*/ 304800 h 304800"/>
-              <a:gd name="connsiteX29" fmla="*/ 1079863 w 8127999"/>
+              <a:gd name="connsiteX29" fmla="*/ 1952705 w 8614875"/>
               <a:gd name="connsiteY29" fmla="*/ 304800 h 304800"/>
-              <a:gd name="connsiteX30" fmla="*/ 499291 w 8127999"/>
+              <a:gd name="connsiteX30" fmla="*/ 1378380 w 8614875"/>
               <a:gd name="connsiteY30" fmla="*/ 304800 h 304800"/>
-              <a:gd name="connsiteX31" fmla="*/ 0 w 8127999"/>
+              <a:gd name="connsiteX31" fmla="*/ 976353 w 8614875"/>
               <a:gd name="connsiteY31" fmla="*/ 304800 h 304800"/>
-              <a:gd name="connsiteX32" fmla="*/ 0 w 8127999"/>
-              <a:gd name="connsiteY32" fmla="*/ 0 h 304800"/>
+              <a:gd name="connsiteX32" fmla="*/ 488176 w 8614875"/>
+              <a:gd name="connsiteY32" fmla="*/ 304800 h 304800"/>
+              <a:gd name="connsiteX33" fmla="*/ 0 w 8614875"/>
+              <a:gd name="connsiteY33" fmla="*/ 304800 h 304800"/>
+              <a:gd name="connsiteX34" fmla="*/ 0 w 8614875"/>
+              <a:gd name="connsiteY34" fmla="*/ 0 h 304800"/>
             </a:gdLst>
             <a:ahLst/>
             <a:cxnLst>
@@ -18794,171 +18541,187 @@
               <a:cxn ang="0">
                 <a:pos x="connsiteX32" y="connsiteY32"/>
               </a:cxn>
+              <a:cxn ang="0">
+                <a:pos x="connsiteX33" y="connsiteY33"/>
+              </a:cxn>
+              <a:cxn ang="0">
+                <a:pos x="connsiteX34" y="connsiteY34"/>
+              </a:cxn>
             </a:cxnLst>
             <a:rect l="l" t="t" r="r" b="b"/>
             <a:pathLst>
-              <a:path w="8127999" h="304800" extrusionOk="0">
+              <a:path w="8614875" h="304800" extrusionOk="0">
                 <a:moveTo>
                   <a:pt x="0" y="0"/>
                 </a:moveTo>
                 <a:cubicBezTo>
-                  <a:pt x="217148" y="-10341"/>
-                  <a:pt x="252830" y="2650"/>
-                  <a:pt x="499291" y="0"/>
+                  <a:pt x="144277" y="-6644"/>
+                  <a:pt x="352376" y="54271"/>
+                  <a:pt x="488176" y="0"/>
                 </a:cubicBezTo>
                 <a:cubicBezTo>
-                  <a:pt x="745752" y="-2650"/>
-                  <a:pt x="819572" y="46559"/>
-                  <a:pt x="917303" y="0"/>
+                  <a:pt x="623976" y="-54271"/>
+                  <a:pt x="716988" y="40241"/>
+                  <a:pt x="890204" y="0"/>
                 </a:cubicBezTo>
                 <a:cubicBezTo>
-                  <a:pt x="1015034" y="-46559"/>
-                  <a:pt x="1285951" y="20114"/>
-                  <a:pt x="1497874" y="0"/>
+                  <a:pt x="1063420" y="-40241"/>
+                  <a:pt x="1328977" y="3905"/>
+                  <a:pt x="1464529" y="0"/>
                 </a:cubicBezTo>
                 <a:cubicBezTo>
-                  <a:pt x="1709797" y="-20114"/>
-                  <a:pt x="1765743" y="7446"/>
-                  <a:pt x="1834605" y="0"/>
+                  <a:pt x="1600082" y="-3905"/>
+                  <a:pt x="1676960" y="26526"/>
+                  <a:pt x="1780408" y="0"/>
                 </a:cubicBezTo>
                 <a:cubicBezTo>
-                  <a:pt x="1903467" y="-7446"/>
-                  <a:pt x="2134761" y="48348"/>
-                  <a:pt x="2252617" y="0"/>
+                  <a:pt x="1883856" y="-26526"/>
+                  <a:pt x="2053939" y="9150"/>
+                  <a:pt x="2182435" y="0"/>
                 </a:cubicBezTo>
                 <a:cubicBezTo>
-                  <a:pt x="2370473" y="-48348"/>
-                  <a:pt x="2777431" y="86519"/>
-                  <a:pt x="2995748" y="0"/>
+                  <a:pt x="2310931" y="-9150"/>
+                  <a:pt x="2623881" y="68367"/>
+                  <a:pt x="2929057" y="0"/>
                 </a:cubicBezTo>
                 <a:cubicBezTo>
-                  <a:pt x="3214065" y="-86519"/>
-                  <a:pt x="3307484" y="1790"/>
-                  <a:pt x="3576320" y="0"/>
+                  <a:pt x="3234233" y="-68367"/>
+                  <a:pt x="3376348" y="14315"/>
+                  <a:pt x="3503382" y="0"/>
                 </a:cubicBezTo>
                 <a:cubicBezTo>
-                  <a:pt x="3845156" y="-1790"/>
-                  <a:pt x="3894630" y="24370"/>
-                  <a:pt x="3994331" y="0"/>
+                  <a:pt x="3630416" y="-14315"/>
+                  <a:pt x="3708577" y="42212"/>
+                  <a:pt x="3905410" y="0"/>
                 </a:cubicBezTo>
                 <a:cubicBezTo>
-                  <a:pt x="4094032" y="-24370"/>
-                  <a:pt x="4256424" y="38520"/>
-                  <a:pt x="4331062" y="0"/>
+                  <a:pt x="4102243" y="-42212"/>
+                  <a:pt x="4068091" y="438"/>
+                  <a:pt x="4221289" y="0"/>
                 </a:cubicBezTo>
                 <a:cubicBezTo>
-                  <a:pt x="4405700" y="-38520"/>
-                  <a:pt x="4688993" y="37019"/>
-                  <a:pt x="4830354" y="0"/>
+                  <a:pt x="4374487" y="-438"/>
+                  <a:pt x="4521307" y="27959"/>
+                  <a:pt x="4709465" y="0"/>
                 </a:cubicBezTo>
                 <a:cubicBezTo>
-                  <a:pt x="4971715" y="-37019"/>
-                  <a:pt x="5184742" y="67323"/>
-                  <a:pt x="5410925" y="0"/>
+                  <a:pt x="4897623" y="-27959"/>
+                  <a:pt x="5140746" y="20408"/>
+                  <a:pt x="5283790" y="0"/>
                 </a:cubicBezTo>
                 <a:cubicBezTo>
-                  <a:pt x="5637108" y="-67323"/>
-                  <a:pt x="5659046" y="40693"/>
-                  <a:pt x="5828936" y="0"/>
+                  <a:pt x="5426834" y="-20408"/>
+                  <a:pt x="5595505" y="24633"/>
+                  <a:pt x="5685817" y="0"/>
                 </a:cubicBezTo>
                 <a:cubicBezTo>
-                  <a:pt x="5998826" y="-40693"/>
-                  <a:pt x="6314176" y="82990"/>
-                  <a:pt x="6572068" y="0"/>
+                  <a:pt x="5776129" y="-24633"/>
+                  <a:pt x="6085257" y="55229"/>
+                  <a:pt x="6432440" y="0"/>
                 </a:cubicBezTo>
                 <a:cubicBezTo>
-                  <a:pt x="6829960" y="-82990"/>
-                  <a:pt x="6862528" y="9129"/>
-                  <a:pt x="7071359" y="0"/>
+                  <a:pt x="6779623" y="-55229"/>
+                  <a:pt x="6735777" y="26512"/>
+                  <a:pt x="6920616" y="0"/>
                 </a:cubicBezTo>
                 <a:cubicBezTo>
-                  <a:pt x="7280190" y="-9129"/>
-                  <a:pt x="7400533" y="52603"/>
-                  <a:pt x="7570650" y="0"/>
+                  <a:pt x="7105455" y="-26512"/>
+                  <a:pt x="7183624" y="13401"/>
+                  <a:pt x="7408792" y="0"/>
                 </a:cubicBezTo>
                 <a:cubicBezTo>
-                  <a:pt x="7740767" y="-52603"/>
-                  <a:pt x="7891776" y="20023"/>
-                  <a:pt x="8127999" y="0"/>
+                  <a:pt x="7633960" y="-13401"/>
+                  <a:pt x="7720563" y="30215"/>
+                  <a:pt x="7896969" y="0"/>
                 </a:cubicBezTo>
                 <a:cubicBezTo>
-                  <a:pt x="8131393" y="136568"/>
-                  <a:pt x="8123855" y="167094"/>
-                  <a:pt x="8127999" y="304800"/>
+                  <a:pt x="8073375" y="-30215"/>
+                  <a:pt x="8348543" y="84464"/>
+                  <a:pt x="8614875" y="0"/>
                 </a:cubicBezTo>
                 <a:cubicBezTo>
-                  <a:pt x="7858116" y="341724"/>
-                  <a:pt x="7815644" y="251190"/>
-                  <a:pt x="7547428" y="304800"/>
+                  <a:pt x="8630610" y="78841"/>
+                  <a:pt x="8605101" y="172418"/>
+                  <a:pt x="8614875" y="304800"/>
                 </a:cubicBezTo>
                 <a:cubicBezTo>
-                  <a:pt x="7279212" y="358410"/>
-                  <a:pt x="7341747" y="285918"/>
-                  <a:pt x="7210696" y="304800"/>
+                  <a:pt x="8478088" y="367983"/>
+                  <a:pt x="8313452" y="252003"/>
+                  <a:pt x="8040550" y="304800"/>
                 </a:cubicBezTo>
                 <a:cubicBezTo>
-                  <a:pt x="7079645" y="323682"/>
-                  <a:pt x="6777863" y="250629"/>
-                  <a:pt x="6467565" y="304800"/>
+                  <a:pt x="7767649" y="357597"/>
+                  <a:pt x="7506175" y="215367"/>
+                  <a:pt x="7293928" y="304800"/>
                 </a:cubicBezTo>
                 <a:cubicBezTo>
-                  <a:pt x="6157267" y="358971"/>
-                  <a:pt x="6230609" y="255097"/>
-                  <a:pt x="6049554" y="304800"/>
+                  <a:pt x="7081681" y="394233"/>
+                  <a:pt x="6978039" y="292650"/>
+                  <a:pt x="6891900" y="304800"/>
                 </a:cubicBezTo>
                 <a:cubicBezTo>
-                  <a:pt x="5868499" y="354503"/>
-                  <a:pt x="5661387" y="238819"/>
-                  <a:pt x="5387702" y="304800"/>
+                  <a:pt x="6805761" y="316950"/>
+                  <a:pt x="6531894" y="282119"/>
+                  <a:pt x="6231426" y="304800"/>
                 </a:cubicBezTo>
                 <a:cubicBezTo>
-                  <a:pt x="5114017" y="370781"/>
-                  <a:pt x="4934569" y="239921"/>
-                  <a:pt x="4807131" y="304800"/>
+                  <a:pt x="5930958" y="327481"/>
+                  <a:pt x="5792527" y="249345"/>
+                  <a:pt x="5657101" y="304800"/>
                 </a:cubicBezTo>
                 <a:cubicBezTo>
-                  <a:pt x="4679693" y="369679"/>
-                  <a:pt x="4343672" y="296409"/>
-                  <a:pt x="4064000" y="304800"/>
+                  <a:pt x="5521676" y="360255"/>
+                  <a:pt x="5201890" y="287167"/>
+                  <a:pt x="4910479" y="304800"/>
                 </a:cubicBezTo>
                 <a:cubicBezTo>
-                  <a:pt x="3784328" y="313191"/>
-                  <a:pt x="3762521" y="280010"/>
-                  <a:pt x="3645988" y="304800"/>
+                  <a:pt x="4619068" y="322433"/>
+                  <a:pt x="4660452" y="264769"/>
+                  <a:pt x="4508451" y="304800"/>
                 </a:cubicBezTo>
                 <a:cubicBezTo>
-                  <a:pt x="3529455" y="329590"/>
-                  <a:pt x="3209413" y="237209"/>
-                  <a:pt x="2902857" y="304800"/>
+                  <a:pt x="4356450" y="344831"/>
+                  <a:pt x="4119813" y="237483"/>
+                  <a:pt x="3761829" y="304800"/>
                 </a:cubicBezTo>
                 <a:cubicBezTo>
-                  <a:pt x="2596301" y="372391"/>
-                  <a:pt x="2655008" y="303546"/>
-                  <a:pt x="2566125" y="304800"/>
+                  <a:pt x="3403845" y="372117"/>
+                  <a:pt x="3569663" y="293088"/>
+                  <a:pt x="3445950" y="304800"/>
                 </a:cubicBezTo>
                 <a:cubicBezTo>
-                  <a:pt x="2477242" y="306054"/>
-                  <a:pt x="1988433" y="304557"/>
-                  <a:pt x="1822994" y="304800"/>
+                  <a:pt x="3322237" y="316512"/>
+                  <a:pt x="3059662" y="276256"/>
+                  <a:pt x="2699328" y="304800"/>
                 </a:cubicBezTo>
                 <a:cubicBezTo>
-                  <a:pt x="1657555" y="305043"/>
-                  <a:pt x="1260806" y="245390"/>
-                  <a:pt x="1079863" y="304800"/>
+                  <a:pt x="2338994" y="333344"/>
+                  <a:pt x="2293979" y="263047"/>
+                  <a:pt x="1952705" y="304800"/>
                 </a:cubicBezTo>
                 <a:cubicBezTo>
-                  <a:pt x="898920" y="364210"/>
-                  <a:pt x="784156" y="259210"/>
-                  <a:pt x="499291" y="304800"/>
+                  <a:pt x="1611431" y="346553"/>
+                  <a:pt x="1509612" y="251757"/>
+                  <a:pt x="1378380" y="304800"/>
                 </a:cubicBezTo>
                 <a:cubicBezTo>
-                  <a:pt x="214426" y="350390"/>
-                  <a:pt x="188663" y="247242"/>
+                  <a:pt x="1247149" y="357843"/>
+                  <a:pt x="1142319" y="288662"/>
+                  <a:pt x="976353" y="304800"/>
+                </a:cubicBezTo>
+                <a:cubicBezTo>
+                  <a:pt x="810387" y="320938"/>
+                  <a:pt x="716184" y="282934"/>
+                  <a:pt x="488176" y="304800"/>
+                </a:cubicBezTo>
+                <a:cubicBezTo>
+                  <a:pt x="260168" y="326666"/>
+                  <a:pt x="145214" y="263156"/>
                   <a:pt x="0" y="304800"/>
                 </a:cubicBezTo>
                 <a:cubicBezTo>
-                  <a:pt x="-25768" y="181401"/>
-                  <a:pt x="26998" y="86422"/>
+                  <a:pt x="-6435" y="236675"/>
+                  <a:pt x="15890" y="96382"/>
                   <a:pt x="0" y="0"/>
                 </a:cubicBezTo>
                 <a:close/>
@@ -19145,28 +18908,8 @@
           <a:lstStyle/>
           <a:p>
             <a:r>
-              <a:rPr lang="nl-NL" dirty="0" err="1"/>
-              <a:t>Probabilistic</a:t>
-            </a:r>
-            <a:r>
               <a:rPr lang="nl-NL" dirty="0"/>
-              <a:t> </a:t>
-            </a:r>
-            <a:r>
-              <a:rPr lang="nl-NL" dirty="0" err="1"/>
-              <a:t>calculations</a:t>
-            </a:r>
-            <a:r>
-              <a:rPr lang="nl-NL" dirty="0"/>
-              <a:t>: </a:t>
-            </a:r>
-            <a:r>
-              <a:rPr lang="nl-NL" dirty="0" err="1"/>
-              <a:t>reliability</a:t>
-            </a:r>
-            <a:r>
-              <a:rPr lang="nl-NL" dirty="0"/>
-              <a:t> analysis</a:t>
+              <a:t>Betrouwbaarheidsanalyse</a:t>
             </a:r>
           </a:p>
         </p:txBody>
@@ -19199,15 +18942,8 @@
           <a:p>
             <a:r>
               <a:rPr lang="nl-NL" dirty="0"/>
-              <a:t>Critical displacement = -0.19 m: </a:t>
-            </a:r>
-          </a:p>
-          <a:p>
-            <a:pPr marL="342900" indent="-342900">
-              <a:buFont typeface="+mj-lt"/>
-              <a:buAutoNum type="arabicPeriod"/>
-            </a:pPr>
-            <a:endParaRPr lang="nl-NL" dirty="0"/>
+              <a:t>Kritieke verplaatsing = -0,19 m:</a:t>
+            </a:r>
           </a:p>
         </p:txBody>
       </p:sp>
@@ -19414,28 +19150,8 @@
           <a:lstStyle/>
           <a:p>
             <a:r>
-              <a:rPr lang="nl-NL" dirty="0" err="1"/>
-              <a:t>Probabilistic</a:t>
-            </a:r>
-            <a:r>
               <a:rPr lang="nl-NL" dirty="0"/>
-              <a:t> </a:t>
-            </a:r>
-            <a:r>
-              <a:rPr lang="nl-NL" dirty="0" err="1"/>
-              <a:t>calculations</a:t>
-            </a:r>
-            <a:r>
-              <a:rPr lang="nl-NL" dirty="0"/>
-              <a:t>: </a:t>
-            </a:r>
-            <a:r>
-              <a:rPr lang="nl-NL" dirty="0" err="1"/>
-              <a:t>reliability</a:t>
-            </a:r>
-            <a:r>
-              <a:rPr lang="nl-NL" dirty="0"/>
-              <a:t> analysis</a:t>
+              <a:t>Betrouwbaarheidsanalyse</a:t>
             </a:r>
           </a:p>
         </p:txBody>
@@ -19468,47 +19184,7 @@
           <a:p>
             <a:r>
               <a:rPr lang="nl-NL" dirty="0"/>
-              <a:t>Failure </a:t>
-            </a:r>
-            <a:r>
-              <a:rPr lang="nl-NL" dirty="0" err="1"/>
-              <a:t>probability</a:t>
-            </a:r>
-            <a:r>
-              <a:rPr lang="nl-NL" dirty="0"/>
-              <a:t> </a:t>
-            </a:r>
-            <a:r>
-              <a:rPr lang="nl-NL" dirty="0" err="1"/>
-              <a:t>for</a:t>
-            </a:r>
-            <a:r>
-              <a:rPr lang="nl-NL" dirty="0"/>
-              <a:t> </a:t>
-            </a:r>
-            <a:r>
-              <a:rPr lang="nl-NL" dirty="0" err="1"/>
-              <a:t>the</a:t>
-            </a:r>
-            <a:r>
-              <a:rPr lang="nl-NL" dirty="0"/>
-              <a:t> </a:t>
-            </a:r>
-            <a:r>
-              <a:rPr lang="nl-NL" dirty="0" err="1"/>
-              <a:t>maximal</a:t>
-            </a:r>
-            <a:r>
-              <a:rPr lang="nl-NL" dirty="0"/>
-              <a:t> </a:t>
-            </a:r>
-            <a:r>
-              <a:rPr lang="nl-NL" dirty="0" err="1"/>
-              <a:t>bending</a:t>
-            </a:r>
-            <a:r>
-              <a:rPr lang="nl-NL" dirty="0"/>
-              <a:t> moment, FORM: </a:t>
+              <a:t>Faalkans voor het maximale buigmoment, FORM:</a:t>
             </a:r>
           </a:p>
           <a:p>
@@ -19964,7 +19640,7 @@
           <p:nvPr>
             <p:extLst>
               <p:ext uri="{D42A27DB-BD31-4B8C-83A1-F6EECF244321}">
-                <p14:modId xmlns:p14="http://schemas.microsoft.com/office/powerpoint/2010/main" val="1379311989"/>
+                <p14:modId xmlns:p14="http://schemas.microsoft.com/office/powerpoint/2010/main" val="3275110240"/>
               </p:ext>
             </p:extLst>
           </p:nvPr>
@@ -20011,15 +19687,7 @@
                       <a:pPr algn="ctr"/>
                       <a:r>
                         <a:rPr lang="nl-NL" dirty="0"/>
-                        <a:t>Critical </a:t>
-                      </a:r>
-                      <a:r>
-                        <a:rPr lang="nl-NL" dirty="0" err="1"/>
-                        <a:t>bending</a:t>
-                      </a:r>
-                      <a:r>
-                        <a:rPr lang="nl-NL" dirty="0"/>
-                        <a:t> moment [Nm]</a:t>
+                        <a:t>Kritiek buigmoment [Nm]</a:t>
                       </a:r>
                     </a:p>
                   </a:txBody>
@@ -20033,13 +19701,8 @@
                       <a:pPr algn="ctr"/>
                       <a:r>
                         <a:rPr lang="nl-NL" dirty="0"/>
-                        <a:t>Failure </a:t>
+                        <a:t>Faalkans</a:t>
                       </a:r>
-                      <a:r>
-                        <a:rPr lang="nl-NL" dirty="0" err="1"/>
-                        <a:t>probability</a:t>
-                      </a:r>
-                      <a:endParaRPr lang="nl-NL" dirty="0"/>
                     </a:p>
                   </a:txBody>
                   <a:tcPr/>
@@ -20051,12 +19714,8 @@
                     <a:p>
                       <a:pPr algn="ctr"/>
                       <a:r>
-                        <a:rPr lang="nl-NL" dirty="0" err="1"/>
-                        <a:t>Reliability</a:t>
-                      </a:r>
-                      <a:r>
                         <a:rPr lang="nl-NL" dirty="0"/>
-                        <a:t> index</a:t>
+                        <a:t>Betrouwbaarheidsindex</a:t>
                       </a:r>
                     </a:p>
                   </a:txBody>
@@ -20833,28 +20492,8 @@
           <a:lstStyle/>
           <a:p>
             <a:r>
-              <a:rPr lang="nl-NL" dirty="0" err="1"/>
-              <a:t>Probabilistic</a:t>
-            </a:r>
-            <a:r>
               <a:rPr lang="nl-NL" dirty="0"/>
-              <a:t> </a:t>
-            </a:r>
-            <a:r>
-              <a:rPr lang="nl-NL" dirty="0" err="1"/>
-              <a:t>calculations</a:t>
-            </a:r>
-            <a:r>
-              <a:rPr lang="nl-NL" dirty="0"/>
-              <a:t>: </a:t>
-            </a:r>
-            <a:r>
-              <a:rPr lang="nl-NL" dirty="0" err="1"/>
-              <a:t>reliability</a:t>
-            </a:r>
-            <a:r>
-              <a:rPr lang="nl-NL" dirty="0"/>
-              <a:t> analysis</a:t>
+              <a:t>Betrouwbaarheidsanalyse</a:t>
             </a:r>
           </a:p>
         </p:txBody>
@@ -20887,15 +20526,7 @@
           <a:p>
             <a:r>
               <a:rPr lang="nl-NL" dirty="0"/>
-              <a:t>Critical </a:t>
-            </a:r>
-            <a:r>
-              <a:rPr lang="nl-NL" dirty="0" err="1"/>
-              <a:t>bending</a:t>
-            </a:r>
-            <a:r>
-              <a:rPr lang="nl-NL" dirty="0"/>
-              <a:t> moment = 40,000 Nm </a:t>
+              <a:t>Kritiek buigmoment = 40,000 Nm </a:t>
             </a:r>
           </a:p>
           <a:p>
@@ -21104,28 +20735,8 @@
           <a:lstStyle/>
           <a:p>
             <a:r>
-              <a:rPr lang="nl-NL" dirty="0" err="1"/>
-              <a:t>Probabilistic</a:t>
-            </a:r>
-            <a:r>
               <a:rPr lang="nl-NL" dirty="0"/>
-              <a:t> </a:t>
-            </a:r>
-            <a:r>
-              <a:rPr lang="nl-NL" dirty="0" err="1"/>
-              <a:t>calculations</a:t>
-            </a:r>
-            <a:r>
-              <a:rPr lang="nl-NL" dirty="0"/>
-              <a:t>: </a:t>
-            </a:r>
-            <a:r>
-              <a:rPr lang="nl-NL" dirty="0" err="1"/>
-              <a:t>reliability</a:t>
-            </a:r>
-            <a:r>
-              <a:rPr lang="nl-NL" dirty="0"/>
-              <a:t> analysis</a:t>
+              <a:t>Betrouwbaarheidsanalyse</a:t>
             </a:r>
           </a:p>
         </p:txBody>
@@ -21152,45 +20763,17 @@
           <a:lstStyle/>
           <a:p>
             <a:r>
-              <a:rPr lang="nl-NL" dirty="0" err="1"/>
-              <a:t>Combined</a:t>
-            </a:r>
-            <a:r>
               <a:rPr lang="nl-NL" dirty="0"/>
-              <a:t> </a:t>
-            </a:r>
-            <a:r>
-              <a:rPr lang="nl-NL" dirty="0" err="1"/>
-              <a:t>probability</a:t>
-            </a:r>
+              <a:t>Gecombineerde kans:</a:t>
+            </a:r>
+          </a:p>
+          <a:p>
+            <a:endParaRPr lang="nl-NL" dirty="0"/>
+          </a:p>
+          <a:p>
             <a:r>
               <a:rPr lang="nl-NL" dirty="0"/>
-              <a:t>:</a:t>
-            </a:r>
-          </a:p>
-          <a:p>
-            <a:endParaRPr lang="nl-NL" dirty="0"/>
-          </a:p>
-          <a:p>
-            <a:r>
-              <a:rPr lang="nl-NL" dirty="0"/>
-              <a:t>Critical displacement = -0.20 m, </a:t>
-            </a:r>
-            <a:r>
-              <a:rPr lang="nl-NL" dirty="0" err="1"/>
-              <a:t>critical</a:t>
-            </a:r>
-            <a:r>
-              <a:rPr lang="nl-NL" dirty="0"/>
-              <a:t> </a:t>
-            </a:r>
-            <a:r>
-              <a:rPr lang="nl-NL" dirty="0" err="1"/>
-              <a:t>bending</a:t>
-            </a:r>
-            <a:r>
-              <a:rPr lang="nl-NL" dirty="0"/>
-              <a:t> moment = 40,000 Nm</a:t>
+              <a:t>Kritieke verplaatsing = -0.19 m, kritiek buigmoment = 40,000 Nm</a:t>
             </a:r>
           </a:p>
         </p:txBody>
@@ -21588,14 +21171,14 @@
               <p:nvPr>
                 <p:extLst>
                   <p:ext uri="{D42A27DB-BD31-4B8C-83A1-F6EECF244321}">
-                    <p14:modId xmlns:p14="http://schemas.microsoft.com/office/powerpoint/2010/main" val="846094278"/>
+                    <p14:modId xmlns:p14="http://schemas.microsoft.com/office/powerpoint/2010/main" val="3151633705"/>
                   </p:ext>
                 </p:extLst>
               </p:nvPr>
             </p:nvGraphicFramePr>
             <p:xfrm>
               <a:off x="1041400" y="3301383"/>
-              <a:ext cx="10121824" cy="1534033"/>
+              <a:ext cx="10394950" cy="1534033"/>
             </p:xfrm>
             <a:graphic>
               <a:graphicData uri="http://schemas.openxmlformats.org/drawingml/2006/table">
@@ -21604,21 +21187,21 @@
                     <a:tableStyleId>{5C22544A-7EE6-4342-B048-85BDC9FD1C3A}</a:tableStyleId>
                   </a:tblPr>
                   <a:tblGrid>
-                    <a:gridCol w="3986187">
+                    <a:gridCol w="4093750">
                       <a:extLst>
                         <a:ext uri="{9D8B030D-6E8A-4147-A177-3AD203B41FA5}">
                           <a16:colId xmlns:a16="http://schemas.microsoft.com/office/drawing/2014/main" val="2781947665"/>
                         </a:ext>
                       </a:extLst>
                     </a:gridCol>
-                    <a:gridCol w="3407489">
+                    <a:gridCol w="3499436">
                       <a:extLst>
                         <a:ext uri="{9D8B030D-6E8A-4147-A177-3AD203B41FA5}">
                           <a16:colId xmlns:a16="http://schemas.microsoft.com/office/drawing/2014/main" val="1422021900"/>
                         </a:ext>
                       </a:extLst>
                     </a:gridCol>
-                    <a:gridCol w="2728148">
+                    <a:gridCol w="2801764">
                       <a:extLst>
                         <a:ext uri="{9D8B030D-6E8A-4147-A177-3AD203B41FA5}">
                           <a16:colId xmlns:a16="http://schemas.microsoft.com/office/drawing/2014/main" val="1774012867"/>
@@ -21645,13 +21228,8 @@
                           <a:pPr algn="ctr"/>
                           <a:r>
                             <a:rPr lang="nl-NL" dirty="0"/>
-                            <a:t>Failure </a:t>
+                            <a:t>Faalkans</a:t>
                           </a:r>
-                          <a:r>
-                            <a:rPr lang="nl-NL" dirty="0" err="1"/>
-                            <a:t>probability</a:t>
-                          </a:r>
-                          <a:endParaRPr lang="nl-NL" dirty="0"/>
                         </a:p>
                       </a:txBody>
                       <a:tcPr/>
@@ -21663,12 +21241,8 @@
                         <a:p>
                           <a:pPr algn="ctr"/>
                           <a:r>
-                            <a:rPr lang="nl-NL" dirty="0" err="1"/>
-                            <a:t>Reliability</a:t>
-                          </a:r>
-                          <a:r>
                             <a:rPr lang="nl-NL" dirty="0"/>
-                            <a:t> index</a:t>
+                            <a:t>Betrouwbaarheidsindex</a:t>
                           </a:r>
                         </a:p>
                       </a:txBody>
@@ -22056,14 +21630,14 @@
               <p:nvPr>
                 <p:extLst>
                   <p:ext uri="{D42A27DB-BD31-4B8C-83A1-F6EECF244321}">
-                    <p14:modId xmlns:p14="http://schemas.microsoft.com/office/powerpoint/2010/main" val="846094278"/>
+                    <p14:modId xmlns:p14="http://schemas.microsoft.com/office/powerpoint/2010/main" val="3151633705"/>
                   </p:ext>
                 </p:extLst>
               </p:nvPr>
             </p:nvGraphicFramePr>
             <p:xfrm>
               <a:off x="1041400" y="3301383"/>
-              <a:ext cx="10121824" cy="1534033"/>
+              <a:ext cx="10394950" cy="1534033"/>
             </p:xfrm>
             <a:graphic>
               <a:graphicData uri="http://schemas.openxmlformats.org/drawingml/2006/table">
@@ -22072,21 +21646,21 @@
                     <a:tableStyleId>{5C22544A-7EE6-4342-B048-85BDC9FD1C3A}</a:tableStyleId>
                   </a:tblPr>
                   <a:tblGrid>
-                    <a:gridCol w="3986187">
+                    <a:gridCol w="4093750">
                       <a:extLst>
                         <a:ext uri="{9D8B030D-6E8A-4147-A177-3AD203B41FA5}">
                           <a16:colId xmlns:a16="http://schemas.microsoft.com/office/drawing/2014/main" val="2781947665"/>
                         </a:ext>
                       </a:extLst>
                     </a:gridCol>
-                    <a:gridCol w="3407489">
+                    <a:gridCol w="3499436">
                       <a:extLst>
                         <a:ext uri="{9D8B030D-6E8A-4147-A177-3AD203B41FA5}">
                           <a16:colId xmlns:a16="http://schemas.microsoft.com/office/drawing/2014/main" val="1422021900"/>
                         </a:ext>
                       </a:extLst>
                     </a:gridCol>
-                    <a:gridCol w="2728148">
+                    <a:gridCol w="2801764">
                       <a:extLst>
                         <a:ext uri="{9D8B030D-6E8A-4147-A177-3AD203B41FA5}">
                           <a16:colId xmlns:a16="http://schemas.microsoft.com/office/drawing/2014/main" val="1774012867"/>
@@ -22113,13 +21687,8 @@
                           <a:pPr algn="ctr"/>
                           <a:r>
                             <a:rPr lang="nl-NL" dirty="0"/>
-                            <a:t>Failure </a:t>
+                            <a:t>Faalkans</a:t>
                           </a:r>
-                          <a:r>
-                            <a:rPr lang="nl-NL" dirty="0" err="1"/>
-                            <a:t>probability</a:t>
-                          </a:r>
-                          <a:endParaRPr lang="nl-NL" dirty="0"/>
                         </a:p>
                       </a:txBody>
                       <a:tcPr/>
@@ -22131,12 +21700,8 @@
                         <a:p>
                           <a:pPr algn="ctr"/>
                           <a:r>
-                            <a:rPr lang="nl-NL" dirty="0" err="1"/>
-                            <a:t>Reliability</a:t>
-                          </a:r>
-                          <a:r>
                             <a:rPr lang="nl-NL" dirty="0"/>
-                            <a:t> index</a:t>
+                            <a:t>Betrouwbaarheidsindex</a:t>
                           </a:r>
                         </a:p>
                       </a:txBody>
@@ -22161,7 +21726,7 @@
                         <a:blipFill>
                           <a:blip r:embed="rId3"/>
                           <a:stretch>
-                            <a:fillRect l="-153" t="-103125" r="-154351" b="-218750"/>
+                            <a:fillRect l="-149" t="-103125" r="-154613" b="-218750"/>
                           </a:stretch>
                         </a:blipFill>
                       </a:tcPr>
@@ -22213,7 +21778,7 @@
                         <a:blipFill>
                           <a:blip r:embed="rId3"/>
                           <a:stretch>
-                            <a:fillRect l="-153" t="-203125" r="-154351" b="-118750"/>
+                            <a:fillRect l="-149" t="-203125" r="-154613" b="-118750"/>
                           </a:stretch>
                         </a:blipFill>
                       </a:tcPr>
@@ -22283,7 +21848,7 @@
                         <a:blipFill>
                           <a:blip r:embed="rId3"/>
                           <a:stretch>
-                            <a:fillRect l="-153" t="-303125" r="-154351" b="-18750"/>
+                            <a:fillRect l="-149" t="-303125" r="-154613" b="-18750"/>
                           </a:stretch>
                         </a:blipFill>
                       </a:tcPr>
@@ -22380,26 +21945,9 @@
           <a:lstStyle/>
           <a:p>
             <a:r>
-              <a:rPr lang="nl-NL" dirty="0" err="1"/>
-              <a:t>Probabilistic</a:t>
-            </a:r>
-            <a:r>
               <a:rPr lang="nl-NL" dirty="0"/>
-              <a:t> </a:t>
-            </a:r>
-            <a:r>
-              <a:rPr lang="nl-NL" dirty="0" err="1"/>
-              <a:t>calculations</a:t>
-            </a:r>
-            <a:r>
-              <a:rPr lang="nl-NL" dirty="0"/>
-              <a:t>: proven </a:t>
-            </a:r>
-            <a:r>
-              <a:rPr lang="nl-NL" dirty="0" err="1"/>
-              <a:t>strength</a:t>
-            </a:r>
-            <a:endParaRPr lang="nl-NL" dirty="0"/>
+              <a:t>Bewezen sterkte</a:t>
+            </a:r>
           </a:p>
         </p:txBody>
       </p:sp>
@@ -22426,82 +21974,30 @@
           <a:p>
             <a:r>
               <a:rPr lang="nl-NL" dirty="0"/>
-              <a:t>The </a:t>
-            </a:r>
-            <a:r>
-              <a:rPr lang="nl-NL" dirty="0" err="1"/>
-              <a:t>thickness</a:t>
-            </a:r>
+              <a:t>De dikte van de damwand neemt in de loop van de tijd af</a:t>
+            </a:r>
+          </a:p>
+          <a:p>
+            <a:endParaRPr lang="nl-NL" dirty="0"/>
+          </a:p>
+          <a:p>
+            <a:r>
+              <a:rPr lang="nl-NL" b="1" dirty="0"/>
+              <a:t>Neem aan dat: </a:t>
+            </a:r>
+          </a:p>
+          <a:p>
+            <a:pPr lvl="1"/>
             <a:r>
               <a:rPr lang="nl-NL" dirty="0"/>
-              <a:t> of </a:t>
-            </a:r>
-            <a:r>
-              <a:rPr lang="nl-NL" dirty="0" err="1"/>
-              <a:t>the</a:t>
-            </a:r>
+              <a:t>Dikte in 2025 = 0.025 m</a:t>
+            </a:r>
+          </a:p>
+          <a:p>
+            <a:pPr lvl="1"/>
             <a:r>
               <a:rPr lang="nl-NL" dirty="0"/>
-              <a:t> sheet </a:t>
-            </a:r>
-            <a:r>
-              <a:rPr lang="nl-NL" dirty="0" err="1"/>
-              <a:t>pile</a:t>
-            </a:r>
-            <a:r>
-              <a:rPr lang="nl-NL" dirty="0"/>
-              <a:t> </a:t>
-            </a:r>
-            <a:r>
-              <a:rPr lang="nl-NL" dirty="0" err="1"/>
-              <a:t>deteriorates</a:t>
-            </a:r>
-            <a:r>
-              <a:rPr lang="nl-NL" dirty="0"/>
-              <a:t> in time</a:t>
-            </a:r>
-          </a:p>
-          <a:p>
-            <a:endParaRPr lang="nl-NL" dirty="0"/>
-          </a:p>
-          <a:p>
-            <a:r>
-              <a:rPr lang="nl-NL" b="1" dirty="0" err="1"/>
-              <a:t>Assume</a:t>
-            </a:r>
-            <a:r>
-              <a:rPr lang="nl-NL" b="1" dirty="0"/>
-              <a:t>: </a:t>
-            </a:r>
-          </a:p>
-          <a:p>
-            <a:pPr lvl="1"/>
-            <a:r>
-              <a:rPr lang="nl-NL" dirty="0" err="1"/>
-              <a:t>Thickness</a:t>
-            </a:r>
-            <a:r>
-              <a:rPr lang="nl-NL" dirty="0"/>
-              <a:t> in 2025 = 0.025 m</a:t>
-            </a:r>
-          </a:p>
-          <a:p>
-            <a:pPr lvl="1"/>
-            <a:r>
-              <a:rPr lang="nl-NL" dirty="0" err="1"/>
-              <a:t>Expected</a:t>
-            </a:r>
-            <a:r>
-              <a:rPr lang="nl-NL" dirty="0"/>
-              <a:t> </a:t>
-            </a:r>
-            <a:r>
-              <a:rPr lang="nl-NL" dirty="0" err="1"/>
-              <a:t>thickness</a:t>
-            </a:r>
-            <a:r>
-              <a:rPr lang="nl-NL" dirty="0"/>
-              <a:t> in 2075 = 0.015 m</a:t>
+              <a:t>Verwachte dikte in 2075 = 0.015 m</a:t>
             </a:r>
           </a:p>
           <a:p>
@@ -22511,184 +22007,24 @@
           <a:p>
             <a:r>
               <a:rPr lang="nl-NL" b="1" dirty="0"/>
-              <a:t>Proven </a:t>
-            </a:r>
-            <a:r>
-              <a:rPr lang="nl-NL" b="1" dirty="0" err="1"/>
-              <a:t>strength</a:t>
-            </a:r>
+              <a:t>Bewezen sterkte:</a:t>
+            </a:r>
+            <a:r>
+              <a:rPr lang="nl-NL" dirty="0"/>
+              <a:t> we weten dat in 2025 de verplaatsing van de damwand de kritieke waarde van -0.17 m niet overschrijdt.</a:t>
+            </a:r>
+          </a:p>
+          <a:p>
+            <a:endParaRPr lang="nl-NL" dirty="0"/>
+          </a:p>
+          <a:p>
             <a:r>
               <a:rPr lang="nl-NL" b="1" dirty="0"/>
-              <a:t>:</a:t>
+              <a:t>Vraag:</a:t>
             </a:r>
             <a:r>
               <a:rPr lang="nl-NL" dirty="0"/>
-              <a:t> we </a:t>
-            </a:r>
-            <a:r>
-              <a:rPr lang="nl-NL" dirty="0" err="1"/>
-              <a:t>know</a:t>
-            </a:r>
-            <a:r>
-              <a:rPr lang="nl-NL" dirty="0"/>
-              <a:t> </a:t>
-            </a:r>
-            <a:r>
-              <a:rPr lang="nl-NL" dirty="0" err="1"/>
-              <a:t>that</a:t>
-            </a:r>
-            <a:r>
-              <a:rPr lang="nl-NL" dirty="0"/>
-              <a:t> in 2025, </a:t>
-            </a:r>
-            <a:r>
-              <a:rPr lang="nl-NL" dirty="0" err="1"/>
-              <a:t>the</a:t>
-            </a:r>
-            <a:r>
-              <a:rPr lang="nl-NL" dirty="0"/>
-              <a:t> </a:t>
-            </a:r>
-            <a:r>
-              <a:rPr lang="nl-NL" dirty="0" err="1"/>
-              <a:t>displcament</a:t>
-            </a:r>
-            <a:r>
-              <a:rPr lang="nl-NL" dirty="0"/>
-              <a:t> of </a:t>
-            </a:r>
-            <a:r>
-              <a:rPr lang="nl-NL" dirty="0" err="1"/>
-              <a:t>the</a:t>
-            </a:r>
-            <a:r>
-              <a:rPr lang="nl-NL" dirty="0"/>
-              <a:t> sheet </a:t>
-            </a:r>
-            <a:r>
-              <a:rPr lang="nl-NL" dirty="0" err="1"/>
-              <a:t>pile</a:t>
-            </a:r>
-            <a:r>
-              <a:rPr lang="nl-NL" dirty="0"/>
-              <a:t> does </a:t>
-            </a:r>
-            <a:r>
-              <a:rPr lang="nl-NL" dirty="0" err="1"/>
-              <a:t>not</a:t>
-            </a:r>
-            <a:r>
-              <a:rPr lang="nl-NL" dirty="0"/>
-              <a:t> </a:t>
-            </a:r>
-            <a:r>
-              <a:rPr lang="nl-NL" dirty="0" err="1"/>
-              <a:t>exceed</a:t>
-            </a:r>
-            <a:r>
-              <a:rPr lang="nl-NL" dirty="0"/>
-              <a:t> </a:t>
-            </a:r>
-            <a:r>
-              <a:rPr lang="nl-NL" dirty="0" err="1"/>
-              <a:t>the</a:t>
-            </a:r>
-            <a:r>
-              <a:rPr lang="nl-NL" dirty="0"/>
-              <a:t> </a:t>
-            </a:r>
-            <a:r>
-              <a:rPr lang="nl-NL" dirty="0" err="1"/>
-              <a:t>critical</a:t>
-            </a:r>
-            <a:r>
-              <a:rPr lang="nl-NL" dirty="0"/>
-              <a:t> </a:t>
-            </a:r>
-            <a:r>
-              <a:rPr lang="nl-NL" dirty="0" err="1"/>
-              <a:t>value</a:t>
-            </a:r>
-            <a:r>
-              <a:rPr lang="nl-NL" dirty="0"/>
-              <a:t> of -0.17 m</a:t>
-            </a:r>
-          </a:p>
-          <a:p>
-            <a:endParaRPr lang="nl-NL" dirty="0"/>
-          </a:p>
-          <a:p>
-            <a:r>
-              <a:rPr lang="nl-NL" b="1" dirty="0"/>
-              <a:t>Question:</a:t>
-            </a:r>
-            <a:r>
-              <a:rPr lang="nl-NL" dirty="0"/>
-              <a:t> </a:t>
-            </a:r>
-            <a:r>
-              <a:rPr lang="nl-NL" dirty="0" err="1"/>
-              <a:t>what</a:t>
-            </a:r>
-            <a:r>
-              <a:rPr lang="nl-NL" dirty="0"/>
-              <a:t> is </a:t>
-            </a:r>
-            <a:r>
-              <a:rPr lang="nl-NL" dirty="0" err="1"/>
-              <a:t>the</a:t>
-            </a:r>
-            <a:r>
-              <a:rPr lang="nl-NL" dirty="0"/>
-              <a:t> </a:t>
-            </a:r>
-            <a:r>
-              <a:rPr lang="nl-NL" dirty="0" err="1"/>
-              <a:t>probability</a:t>
-            </a:r>
-            <a:r>
-              <a:rPr lang="nl-NL" dirty="0"/>
-              <a:t> of failure in 2075, </a:t>
-            </a:r>
-            <a:r>
-              <a:rPr lang="nl-NL" dirty="0" err="1"/>
-              <a:t>given</a:t>
-            </a:r>
-            <a:r>
-              <a:rPr lang="nl-NL" dirty="0"/>
-              <a:t> </a:t>
-            </a:r>
-            <a:r>
-              <a:rPr lang="nl-NL" dirty="0" err="1"/>
-              <a:t>that</a:t>
-            </a:r>
-            <a:r>
-              <a:rPr lang="nl-NL" dirty="0"/>
-              <a:t> </a:t>
-            </a:r>
-            <a:r>
-              <a:rPr lang="nl-NL" dirty="0" err="1"/>
-              <a:t>the</a:t>
-            </a:r>
-            <a:r>
-              <a:rPr lang="nl-NL" dirty="0"/>
-              <a:t> sheet </a:t>
-            </a:r>
-            <a:r>
-              <a:rPr lang="nl-NL" dirty="0" err="1"/>
-              <a:t>pile</a:t>
-            </a:r>
-            <a:r>
-              <a:rPr lang="nl-NL" dirty="0"/>
-              <a:t> is </a:t>
-            </a:r>
-            <a:r>
-              <a:rPr lang="nl-NL" dirty="0" err="1"/>
-              <a:t>stable</a:t>
-            </a:r>
-            <a:r>
-              <a:rPr lang="nl-NL" dirty="0"/>
-              <a:t> in 2025?</a:t>
+              <a:t> wat is de faalkans in 2075, gegeven dat de damwand in 2025 stabiel is?</a:t>
             </a:r>
           </a:p>
         </p:txBody>
@@ -22836,26 +22172,9 @@
           <a:lstStyle/>
           <a:p>
             <a:r>
-              <a:rPr lang="nl-NL" dirty="0" err="1"/>
-              <a:t>Probabilistic</a:t>
-            </a:r>
-            <a:r>
               <a:rPr lang="nl-NL" dirty="0"/>
-              <a:t> </a:t>
-            </a:r>
-            <a:r>
-              <a:rPr lang="nl-NL" dirty="0" err="1"/>
-              <a:t>calculations</a:t>
-            </a:r>
-            <a:r>
-              <a:rPr lang="nl-NL" dirty="0"/>
-              <a:t>: proven </a:t>
-            </a:r>
-            <a:r>
-              <a:rPr lang="nl-NL" dirty="0" err="1"/>
-              <a:t>strength</a:t>
-            </a:r>
-            <a:endParaRPr lang="nl-NL" dirty="0"/>
+              <a:t>Bewezen sterkte</a:t>
+            </a:r>
           </a:p>
         </p:txBody>
       </p:sp>
@@ -22886,23 +22205,7 @@
             </a:r>
             <a:r>
               <a:rPr lang="nl-NL" dirty="0"/>
-              <a:t> failure </a:t>
-            </a:r>
-            <a:r>
-              <a:rPr lang="nl-NL" dirty="0" err="1"/>
-              <a:t>probability</a:t>
-            </a:r>
-            <a:r>
-              <a:rPr lang="nl-NL" dirty="0"/>
-              <a:t> in 2075, no information </a:t>
-            </a:r>
-            <a:r>
-              <a:rPr lang="nl-NL" dirty="0" err="1"/>
-              <a:t>added</a:t>
-            </a:r>
-            <a:r>
-              <a:rPr lang="nl-NL" dirty="0"/>
-              <a:t>:</a:t>
+              <a:t> faalkans in 2075, zonder aanvullende informatie</a:t>
             </a:r>
           </a:p>
           <a:p>
@@ -22921,47 +22224,7 @@
             </a:r>
             <a:r>
               <a:rPr lang="nl-NL" dirty="0"/>
-              <a:t> failure </a:t>
-            </a:r>
-            <a:r>
-              <a:rPr lang="nl-NL" dirty="0" err="1"/>
-              <a:t>probability</a:t>
-            </a:r>
-            <a:r>
-              <a:rPr lang="nl-NL" dirty="0"/>
-              <a:t> in 2075, </a:t>
-            </a:r>
-            <a:r>
-              <a:rPr lang="nl-NL" dirty="0" err="1"/>
-              <a:t>including</a:t>
-            </a:r>
-            <a:r>
-              <a:rPr lang="nl-NL" dirty="0"/>
-              <a:t> information </a:t>
-            </a:r>
-            <a:r>
-              <a:rPr lang="nl-NL" dirty="0" err="1"/>
-              <a:t>about</a:t>
-            </a:r>
-            <a:r>
-              <a:rPr lang="nl-NL" dirty="0"/>
-              <a:t> </a:t>
-            </a:r>
-            <a:r>
-              <a:rPr lang="nl-NL" dirty="0" err="1"/>
-              <a:t>the</a:t>
-            </a:r>
-            <a:r>
-              <a:rPr lang="nl-NL" dirty="0"/>
-              <a:t> </a:t>
-            </a:r>
-            <a:r>
-              <a:rPr lang="nl-NL" dirty="0" err="1"/>
-              <a:t>survived</a:t>
-            </a:r>
-            <a:r>
-              <a:rPr lang="nl-NL" dirty="0"/>
-              <a:t> event:</a:t>
+              <a:t> faalkans in 2075, inclusief bewezen sterkte:</a:t>
             </a:r>
           </a:p>
           <a:p>
@@ -23060,8 +22323,8 @@
           </a:p>
         </p:txBody>
       </p:sp>
-      <mc:AlternateContent xmlns:mc="http://schemas.openxmlformats.org/markup-compatibility/2006">
-        <mc:Choice xmlns:a14="http://schemas.microsoft.com/office/drawing/2010/main" Requires="a14">
+      <mc:AlternateContent xmlns:mc="http://schemas.openxmlformats.org/markup-compatibility/2006" xmlns:a14="http://schemas.microsoft.com/office/drawing/2010/main">
+        <mc:Choice Requires="a14">
           <p:sp>
             <p:nvSpPr>
               <p:cNvPr id="7" name="TextBox 6">
@@ -23239,7 +22502,7 @@
             </p:txBody>
           </p:sp>
         </mc:Choice>
-        <mc:Fallback>
+        <mc:Fallback xmlns="">
           <p:sp>
             <p:nvSpPr>
               <p:cNvPr id="7" name="TextBox 6">
@@ -23284,8 +22547,8 @@
           </p:sp>
         </mc:Fallback>
       </mc:AlternateContent>
-      <mc:AlternateContent xmlns:mc="http://schemas.openxmlformats.org/markup-compatibility/2006">
-        <mc:Choice xmlns:a14="http://schemas.microsoft.com/office/drawing/2010/main" Requires="a14">
+      <mc:AlternateContent xmlns:mc="http://schemas.openxmlformats.org/markup-compatibility/2006" xmlns:a14="http://schemas.microsoft.com/office/drawing/2010/main">
+        <mc:Choice Requires="a14">
           <p:sp>
             <p:nvSpPr>
               <p:cNvPr id="8" name="TextBox 7">
@@ -23542,7 +22805,7 @@
             </p:txBody>
           </p:sp>
         </mc:Choice>
-        <mc:Fallback>
+        <mc:Fallback xmlns="">
           <p:sp>
             <p:nvSpPr>
               <p:cNvPr id="8" name="TextBox 7">
@@ -23645,26 +22908,9 @@
           <a:lstStyle/>
           <a:p>
             <a:r>
-              <a:rPr lang="nl-NL" dirty="0" err="1"/>
-              <a:t>Probabilistic</a:t>
-            </a:r>
-            <a:r>
               <a:rPr lang="nl-NL" dirty="0"/>
-              <a:t> </a:t>
-            </a:r>
-            <a:r>
-              <a:rPr lang="nl-NL" dirty="0" err="1"/>
-              <a:t>calculations</a:t>
-            </a:r>
-            <a:r>
-              <a:rPr lang="nl-NL" dirty="0"/>
-              <a:t>: proven </a:t>
-            </a:r>
-            <a:r>
-              <a:rPr lang="nl-NL" dirty="0" err="1"/>
-              <a:t>strength</a:t>
-            </a:r>
-            <a:endParaRPr lang="nl-NL" dirty="0"/>
+              <a:t>Bewezen sterkte</a:t>
+            </a:r>
           </a:p>
         </p:txBody>
       </p:sp>
@@ -23768,14 +23014,14 @@
           <p:nvPr>
             <p:extLst>
               <p:ext uri="{D42A27DB-BD31-4B8C-83A1-F6EECF244321}">
-                <p14:modId xmlns:p14="http://schemas.microsoft.com/office/powerpoint/2010/main" val="895699488"/>
+                <p14:modId xmlns:p14="http://schemas.microsoft.com/office/powerpoint/2010/main" val="1592688489"/>
               </p:ext>
             </p:extLst>
           </p:nvPr>
         </p:nvGraphicFramePr>
         <p:xfrm>
-          <a:off x="416459" y="2050525"/>
-          <a:ext cx="10905905" cy="1854200"/>
+          <a:off x="398352" y="2050525"/>
+          <a:ext cx="10924012" cy="1854200"/>
         </p:xfrm>
         <a:graphic>
           <a:graphicData uri="http://schemas.openxmlformats.org/drawingml/2006/table">
@@ -23784,14 +23030,14 @@
                 <a:tableStyleId>{5C22544A-7EE6-4342-B048-85BDC9FD1C3A}</a:tableStyleId>
               </a:tblPr>
               <a:tblGrid>
-                <a:gridCol w="4925086">
+                <a:gridCol w="5432080">
                   <a:extLst>
                     <a:ext uri="{9D8B030D-6E8A-4147-A177-3AD203B41FA5}">
                       <a16:colId xmlns:a16="http://schemas.microsoft.com/office/drawing/2014/main" val="2528922257"/>
                     </a:ext>
                   </a:extLst>
                 </a:gridCol>
-                <a:gridCol w="2961780">
+                <a:gridCol w="2472893">
                   <a:extLst>
                     <a:ext uri="{9D8B030D-6E8A-4147-A177-3AD203B41FA5}">
                       <a16:colId xmlns:a16="http://schemas.microsoft.com/office/drawing/2014/main" val="4123471549"/>
@@ -23825,13 +23071,8 @@
                       <a:pPr algn="ctr"/>
                       <a:r>
                         <a:rPr lang="nl-NL" dirty="0"/>
-                        <a:t>Failure </a:t>
+                        <a:t>Faalkans</a:t>
                       </a:r>
-                      <a:r>
-                        <a:rPr lang="nl-NL" dirty="0" err="1"/>
-                        <a:t>probability</a:t>
-                      </a:r>
-                      <a:endParaRPr lang="nl-NL" dirty="0"/>
                     </a:p>
                   </a:txBody>
                   <a:tcPr/>
@@ -23843,12 +23084,8 @@
                     <a:p>
                       <a:pPr algn="ctr"/>
                       <a:r>
-                        <a:rPr lang="nl-NL" dirty="0" err="1"/>
-                        <a:t>Reliability</a:t>
-                      </a:r>
-                      <a:r>
                         <a:rPr lang="nl-NL" dirty="0"/>
-                        <a:t> index</a:t>
+                        <a:t>Betrouwbaarheidsindex</a:t>
                       </a:r>
                     </a:p>
                   </a:txBody>
@@ -23867,17 +23104,18 @@
                     <a:lstStyle/>
                     <a:p>
                       <a:r>
-                        <a:rPr lang="nl-NL" dirty="0"/>
-                        <a:t>A priori failure </a:t>
+                        <a:rPr lang="it-IT" dirty="0"/>
+                        <a:t>A priori </a:t>
                       </a:r>
                       <a:r>
-                        <a:rPr lang="nl-NL" dirty="0" err="1"/>
-                        <a:t>probability</a:t>
+                        <a:rPr lang="it-IT" dirty="0" err="1"/>
+                        <a:t>faalkans</a:t>
                       </a:r>
                       <a:r>
-                        <a:rPr lang="nl-NL" dirty="0"/>
+                        <a:rPr lang="it-IT" dirty="0"/>
                         <a:t> in 2075</a:t>
                       </a:r>
+                      <a:endParaRPr lang="nl-NL" dirty="0"/>
                     </a:p>
                   </a:txBody>
                   <a:tcPr/>
@@ -23923,28 +23161,8 @@
                     <a:lstStyle/>
                     <a:p>
                       <a:r>
-                        <a:rPr lang="nl-NL" dirty="0" err="1"/>
-                        <a:t>Probability</a:t>
-                      </a:r>
-                      <a:r>
                         <a:rPr lang="nl-NL" dirty="0"/>
-                        <a:t> of </a:t>
-                      </a:r>
-                      <a:r>
-                        <a:rPr lang="nl-NL" dirty="0" err="1"/>
-                        <a:t>the</a:t>
-                      </a:r>
-                      <a:r>
-                        <a:rPr lang="nl-NL" dirty="0"/>
-                        <a:t> </a:t>
-                      </a:r>
-                      <a:r>
-                        <a:rPr lang="nl-NL" dirty="0" err="1"/>
-                        <a:t>survived</a:t>
-                      </a:r>
-                      <a:r>
-                        <a:rPr lang="nl-NL" dirty="0"/>
-                        <a:t> event</a:t>
+                        <a:t>Kans, bewezen sterkte</a:t>
                       </a:r>
                     </a:p>
                   </a:txBody>
@@ -23991,36 +23209,8 @@
                     <a:lstStyle/>
                     <a:p>
                       <a:r>
-                        <a:rPr lang="nl-NL" dirty="0" err="1"/>
-                        <a:t>Combined</a:t>
-                      </a:r>
-                      <a:r>
                         <a:rPr lang="nl-NL" dirty="0"/>
-                        <a:t> </a:t>
-                      </a:r>
-                      <a:r>
-                        <a:rPr lang="nl-NL" dirty="0" err="1"/>
-                        <a:t>probability</a:t>
-                      </a:r>
-                      <a:r>
-                        <a:rPr lang="nl-NL" dirty="0"/>
-                        <a:t> (a priori </a:t>
-                      </a:r>
-                      <a:r>
-                        <a:rPr lang="nl-NL" dirty="0" err="1"/>
-                        <a:t>and</a:t>
-                      </a:r>
-                      <a:r>
-                        <a:rPr lang="nl-NL" dirty="0"/>
-                        <a:t> </a:t>
-                      </a:r>
-                      <a:r>
-                        <a:rPr lang="nl-NL" dirty="0" err="1"/>
-                        <a:t>survived</a:t>
-                      </a:r>
-                      <a:r>
-                        <a:rPr lang="nl-NL" dirty="0"/>
-                        <a:t>)</a:t>
+                        <a:t>Gecombineerde kans (a priori en bewezen sterkte)</a:t>
                       </a:r>
                     </a:p>
                   </a:txBody>
@@ -24067,17 +23257,18 @@
                     <a:lstStyle/>
                     <a:p>
                       <a:r>
-                        <a:rPr lang="nl-NL" dirty="0"/>
-                        <a:t>A posteriori failure </a:t>
+                        <a:rPr lang="it-IT" dirty="0"/>
+                        <a:t>A posteriori </a:t>
                       </a:r>
                       <a:r>
-                        <a:rPr lang="nl-NL" dirty="0" err="1"/>
-                        <a:t>probability</a:t>
+                        <a:rPr lang="it-IT" dirty="0" err="1"/>
+                        <a:t>faalkans</a:t>
                       </a:r>
                       <a:r>
-                        <a:rPr lang="nl-NL" dirty="0"/>
+                        <a:rPr lang="it-IT" dirty="0"/>
                         <a:t> in 2075</a:t>
                       </a:r>
+                      <a:endParaRPr lang="nl-NL" dirty="0"/>
                     </a:p>
                   </a:txBody>
                   <a:tcPr/>
@@ -24149,148 +23340,12 @@
           <a:lstStyle/>
           <a:p>
             <a:r>
-              <a:rPr lang="nl-NL" dirty="0" err="1">
-                <a:solidFill>
-                  <a:srgbClr val="0D38E0"/>
-                </a:solidFill>
-              </a:rPr>
-              <a:t>Taking</a:t>
-            </a:r>
-            <a:r>
               <a:rPr lang="nl-NL" dirty="0">
                 <a:solidFill>
                   <a:srgbClr val="0D38E0"/>
                 </a:solidFill>
               </a:rPr>
-              <a:t> </a:t>
-            </a:r>
-            <a:r>
-              <a:rPr lang="nl-NL" dirty="0" err="1">
-                <a:solidFill>
-                  <a:srgbClr val="0D38E0"/>
-                </a:solidFill>
-              </a:rPr>
-              <a:t>into</a:t>
-            </a:r>
-            <a:r>
-              <a:rPr lang="nl-NL" dirty="0">
-                <a:solidFill>
-                  <a:srgbClr val="0D38E0"/>
-                </a:solidFill>
-              </a:rPr>
-              <a:t> account </a:t>
-            </a:r>
-            <a:r>
-              <a:rPr lang="nl-NL" dirty="0" err="1">
-                <a:solidFill>
-                  <a:srgbClr val="0D38E0"/>
-                </a:solidFill>
-              </a:rPr>
-              <a:t>the</a:t>
-            </a:r>
-            <a:r>
-              <a:rPr lang="nl-NL" dirty="0">
-                <a:solidFill>
-                  <a:srgbClr val="0D38E0"/>
-                </a:solidFill>
-              </a:rPr>
-              <a:t> </a:t>
-            </a:r>
-            <a:r>
-              <a:rPr lang="nl-NL" dirty="0" err="1">
-                <a:solidFill>
-                  <a:srgbClr val="0D38E0"/>
-                </a:solidFill>
-              </a:rPr>
-              <a:t>survived</a:t>
-            </a:r>
-            <a:r>
-              <a:rPr lang="nl-NL" dirty="0">
-                <a:solidFill>
-                  <a:srgbClr val="0D38E0"/>
-                </a:solidFill>
-              </a:rPr>
-              <a:t> event has </a:t>
-            </a:r>
-            <a:r>
-              <a:rPr lang="nl-NL" dirty="0" err="1">
-                <a:solidFill>
-                  <a:srgbClr val="0D38E0"/>
-                </a:solidFill>
-              </a:rPr>
-              <a:t>reduced</a:t>
-            </a:r>
-            <a:r>
-              <a:rPr lang="nl-NL" dirty="0">
-                <a:solidFill>
-                  <a:srgbClr val="0D38E0"/>
-                </a:solidFill>
-              </a:rPr>
-              <a:t> </a:t>
-            </a:r>
-            <a:r>
-              <a:rPr lang="nl-NL" dirty="0" err="1">
-                <a:solidFill>
-                  <a:srgbClr val="0D38E0"/>
-                </a:solidFill>
-              </a:rPr>
-              <a:t>the</a:t>
-            </a:r>
-            <a:r>
-              <a:rPr lang="nl-NL" dirty="0">
-                <a:solidFill>
-                  <a:srgbClr val="0D38E0"/>
-                </a:solidFill>
-              </a:rPr>
-              <a:t> failure </a:t>
-            </a:r>
-            <a:r>
-              <a:rPr lang="nl-NL" dirty="0" err="1">
-                <a:solidFill>
-                  <a:srgbClr val="0D38E0"/>
-                </a:solidFill>
-              </a:rPr>
-              <a:t>probability</a:t>
-            </a:r>
-            <a:r>
-              <a:rPr lang="nl-NL" dirty="0">
-                <a:solidFill>
-                  <a:srgbClr val="0D38E0"/>
-                </a:solidFill>
-              </a:rPr>
-              <a:t> in 2075 </a:t>
-            </a:r>
-            <a:r>
-              <a:rPr lang="nl-NL" dirty="0" err="1">
-                <a:solidFill>
-                  <a:srgbClr val="0D38E0"/>
-                </a:solidFill>
-              </a:rPr>
-              <a:t>from</a:t>
-            </a:r>
-            <a:r>
-              <a:rPr lang="nl-NL" dirty="0">
-                <a:solidFill>
-                  <a:srgbClr val="0D38E0"/>
-                </a:solidFill>
-              </a:rPr>
-              <a:t> 0.215 </a:t>
-            </a:r>
-            <a:r>
-              <a:rPr lang="nl-NL" dirty="0" err="1">
-                <a:solidFill>
-                  <a:srgbClr val="0D38E0"/>
-                </a:solidFill>
-              </a:rPr>
-              <a:t>to</a:t>
-            </a:r>
-            <a:r>
-              <a:rPr lang="nl-NL" dirty="0">
-                <a:solidFill>
-                  <a:srgbClr val="0D38E0"/>
-                </a:solidFill>
-              </a:rPr>
-              <a:t> 0.0022</a:t>
+              <a:t>Rekening houdend met de bewezen sterkte is de faalkans in 2075 gedaald van 0.215 naar 0.0022</a:t>
             </a:r>
           </a:p>
         </p:txBody>
@@ -24376,28 +23431,8 @@
           <a:lstStyle/>
           <a:p>
             <a:r>
-              <a:rPr lang="nl-NL" dirty="0" err="1"/>
-              <a:t>Probabilistic</a:t>
-            </a:r>
-            <a:r>
               <a:rPr lang="nl-NL" dirty="0"/>
-              <a:t> </a:t>
-            </a:r>
-            <a:r>
-              <a:rPr lang="nl-NL" dirty="0" err="1"/>
-              <a:t>library</a:t>
-            </a:r>
-            <a:r>
-              <a:rPr lang="nl-NL" dirty="0"/>
-              <a:t> </a:t>
-            </a:r>
-            <a:r>
-              <a:rPr lang="nl-NL" dirty="0" err="1"/>
-              <a:t>and</a:t>
-            </a:r>
-            <a:r>
-              <a:rPr lang="nl-NL" dirty="0"/>
-              <a:t> </a:t>
+              <a:t>Probabilistische bibliotheek en </a:t>
             </a:r>
             <a:r>
               <a:rPr lang="nl-NL" dirty="0" err="1"/>
@@ -24411,44 +23446,16 @@
           <a:p>
             <a:r>
               <a:rPr lang="nl-NL" dirty="0"/>
-              <a:t>Sheet </a:t>
-            </a:r>
-            <a:r>
-              <a:rPr lang="nl-NL" dirty="0" err="1"/>
-              <a:t>pile</a:t>
-            </a:r>
+              <a:t>Damwand model</a:t>
+            </a:r>
+          </a:p>
+          <a:p>
+            <a:endParaRPr lang="nl-NL" dirty="0"/>
+          </a:p>
+          <a:p>
             <a:r>
               <a:rPr lang="nl-NL" dirty="0"/>
-              <a:t> model</a:t>
-            </a:r>
-          </a:p>
-          <a:p>
-            <a:endParaRPr lang="nl-NL" dirty="0"/>
-          </a:p>
-          <a:p>
-            <a:r>
-              <a:rPr lang="nl-NL" dirty="0" err="1"/>
-              <a:t>Probabilistic</a:t>
-            </a:r>
-            <a:r>
-              <a:rPr lang="nl-NL" dirty="0"/>
-              <a:t> </a:t>
-            </a:r>
-            <a:r>
-              <a:rPr lang="nl-NL" dirty="0" err="1"/>
-              <a:t>calculations</a:t>
-            </a:r>
-            <a:r>
-              <a:rPr lang="nl-NL" dirty="0"/>
-              <a:t> </a:t>
-            </a:r>
-            <a:r>
-              <a:rPr lang="nl-NL" dirty="0" err="1"/>
-              <a:t>with</a:t>
-            </a:r>
-            <a:r>
-              <a:rPr lang="nl-NL" dirty="0"/>
-              <a:t> </a:t>
+              <a:t>Probabilistische berekeningen met </a:t>
             </a:r>
             <a:r>
               <a:rPr lang="nl-NL" dirty="0" err="1"/>
@@ -24463,42 +23470,29 @@
             <a:pPr lvl="1"/>
             <a:r>
               <a:rPr lang="nl-NL" dirty="0"/>
-              <a:t>Variables</a:t>
+              <a:t>Input en output parameters</a:t>
             </a:r>
           </a:p>
           <a:p>
             <a:pPr lvl="1"/>
             <a:r>
-              <a:rPr lang="nl-NL" dirty="0" err="1"/>
-              <a:t>Uncertainty</a:t>
-            </a:r>
-            <a:r>
               <a:rPr lang="nl-NL" dirty="0"/>
-              <a:t> analysis</a:t>
+              <a:t>Onzekerheidsanalyse</a:t>
             </a:r>
           </a:p>
           <a:p>
             <a:pPr lvl="1"/>
             <a:r>
-              <a:rPr lang="nl-NL" dirty="0" err="1"/>
-              <a:t>Reliability</a:t>
-            </a:r>
-            <a:r>
               <a:rPr lang="nl-NL" dirty="0"/>
-              <a:t> analysis</a:t>
+              <a:t>Betrouwbaarheidsanalyse</a:t>
             </a:r>
           </a:p>
           <a:p>
             <a:pPr lvl="1"/>
             <a:r>
               <a:rPr lang="nl-NL" dirty="0"/>
-              <a:t>Proven </a:t>
-            </a:r>
-            <a:r>
-              <a:rPr lang="nl-NL" dirty="0" err="1"/>
-              <a:t>strength</a:t>
-            </a:r>
-            <a:endParaRPr lang="nl-NL" dirty="0"/>
+              <a:t>Bewezen sterkte</a:t>
+            </a:r>
           </a:p>
           <a:p>
             <a:pPr lvl="1"/>
@@ -24656,20 +23650,8 @@
           <a:lstStyle/>
           <a:p>
             <a:r>
-              <a:rPr lang="nl-NL" dirty="0" err="1"/>
-              <a:t>Join</a:t>
-            </a:r>
-            <a:r>
               <a:rPr lang="nl-NL" dirty="0"/>
-              <a:t> </a:t>
-            </a:r>
-            <a:r>
-              <a:rPr lang="nl-NL" dirty="0" err="1"/>
-              <a:t>the</a:t>
-            </a:r>
-            <a:r>
-              <a:rPr lang="nl-NL" dirty="0"/>
-              <a:t> workshop at 14:15 (Option 1)</a:t>
+              <a:t>Doe mee aan de workshop om 14:15 uur</a:t>
             </a:r>
           </a:p>
         </p:txBody>
@@ -24696,129 +23678,17 @@
           <a:lstStyle/>
           <a:p>
             <a:r>
-              <a:rPr lang="nl-NL" dirty="0" err="1"/>
-              <a:t>Learn</a:t>
-            </a:r>
-            <a:r>
               <a:rPr lang="nl-NL" dirty="0"/>
-              <a:t> </a:t>
-            </a:r>
-            <a:r>
-              <a:rPr lang="nl-NL" dirty="0" err="1"/>
-              <a:t>how</a:t>
-            </a:r>
+              <a:t>Leer hoe je de probabilistische bibliotheek vanuit Python gebruikt</a:t>
+            </a:r>
+          </a:p>
+          <a:p>
+            <a:endParaRPr lang="nl-NL" dirty="0"/>
+          </a:p>
+          <a:p>
             <a:r>
               <a:rPr lang="nl-NL" dirty="0"/>
-              <a:t> </a:t>
-            </a:r>
-            <a:r>
-              <a:rPr lang="nl-NL" dirty="0" err="1"/>
-              <a:t>to</a:t>
-            </a:r>
-            <a:r>
-              <a:rPr lang="nl-NL" dirty="0"/>
-              <a:t> </a:t>
-            </a:r>
-            <a:r>
-              <a:rPr lang="nl-NL" dirty="0" err="1"/>
-              <a:t>use</a:t>
-            </a:r>
-            <a:r>
-              <a:rPr lang="nl-NL" dirty="0"/>
-              <a:t> </a:t>
-            </a:r>
-            <a:r>
-              <a:rPr lang="nl-NL" dirty="0" err="1"/>
-              <a:t>the</a:t>
-            </a:r>
-            <a:r>
-              <a:rPr lang="nl-NL" dirty="0"/>
-              <a:t> </a:t>
-            </a:r>
-            <a:r>
-              <a:rPr lang="nl-NL" dirty="0" err="1"/>
-              <a:t>probabilistic</a:t>
-            </a:r>
-            <a:r>
-              <a:rPr lang="nl-NL" dirty="0"/>
-              <a:t> </a:t>
-            </a:r>
-            <a:r>
-              <a:rPr lang="nl-NL" dirty="0" err="1"/>
-              <a:t>library</a:t>
-            </a:r>
-            <a:r>
-              <a:rPr lang="nl-NL" dirty="0"/>
-              <a:t> </a:t>
-            </a:r>
-            <a:r>
-              <a:rPr lang="nl-NL" dirty="0" err="1"/>
-              <a:t>from</a:t>
-            </a:r>
-            <a:r>
-              <a:rPr lang="nl-NL" dirty="0"/>
-              <a:t> Python</a:t>
-            </a:r>
-          </a:p>
-          <a:p>
-            <a:endParaRPr lang="nl-NL" dirty="0"/>
-          </a:p>
-          <a:p>
-            <a:r>
-              <a:rPr lang="nl-NL" dirty="0" err="1"/>
-              <a:t>Learn</a:t>
-            </a:r>
-            <a:r>
-              <a:rPr lang="nl-NL" dirty="0"/>
-              <a:t> </a:t>
-            </a:r>
-            <a:r>
-              <a:rPr lang="nl-NL" dirty="0" err="1"/>
-              <a:t>about</a:t>
-            </a:r>
-            <a:r>
-              <a:rPr lang="nl-NL" dirty="0"/>
-              <a:t> </a:t>
-            </a:r>
-            <a:r>
-              <a:rPr lang="nl-NL" dirty="0" err="1"/>
-              <a:t>the</a:t>
-            </a:r>
-            <a:r>
-              <a:rPr lang="nl-NL" dirty="0"/>
-              <a:t> details of </a:t>
-            </a:r>
-            <a:r>
-              <a:rPr lang="nl-NL" dirty="0" err="1"/>
-              <a:t>the</a:t>
-            </a:r>
-            <a:r>
-              <a:rPr lang="nl-NL" dirty="0"/>
-              <a:t> </a:t>
-            </a:r>
-            <a:r>
-              <a:rPr lang="nl-NL" dirty="0" err="1"/>
-              <a:t>probabilistic</a:t>
-            </a:r>
-            <a:r>
-              <a:rPr lang="nl-NL" dirty="0"/>
-              <a:t> </a:t>
-            </a:r>
-            <a:r>
-              <a:rPr lang="nl-NL" dirty="0" err="1"/>
-              <a:t>calculations</a:t>
-            </a:r>
-            <a:r>
-              <a:rPr lang="nl-NL" dirty="0"/>
-              <a:t> </a:t>
-            </a:r>
-            <a:r>
-              <a:rPr lang="nl-NL" dirty="0" err="1"/>
-              <a:t>with</a:t>
-            </a:r>
-            <a:r>
-              <a:rPr lang="nl-NL" dirty="0"/>
-              <a:t> </a:t>
+              <a:t>Leer over de details van de probabilistische berekeningen met </a:t>
             </a:r>
             <a:r>
               <a:rPr lang="nl-NL" dirty="0" err="1"/>
@@ -24826,15 +23696,7 @@
             </a:r>
             <a:r>
               <a:rPr lang="nl-NL" dirty="0"/>
-              <a:t> (sheet </a:t>
-            </a:r>
-            <a:r>
-              <a:rPr lang="nl-NL" dirty="0" err="1"/>
-              <a:t>pile</a:t>
-            </a:r>
-            <a:r>
-              <a:rPr lang="nl-NL" dirty="0"/>
-              <a:t>)</a:t>
+              <a:t> (damwand)</a:t>
             </a:r>
           </a:p>
         </p:txBody>
@@ -24976,100 +23838,87 @@
           <a:lstStyle/>
           <a:p>
             <a:r>
+              <a:rPr lang="nl-NL" dirty="0"/>
+              <a:t>Probabilistische bibliotheek</a:t>
+            </a:r>
+          </a:p>
+        </p:txBody>
+      </p:sp>
+      <p:sp>
+        <p:nvSpPr>
+          <p:cNvPr id="3" name="Content Placeholder 2">
+            <a:extLst>
+              <a:ext uri="{FF2B5EF4-FFF2-40B4-BE49-F238E27FC236}">
+                <a16:creationId xmlns:a16="http://schemas.microsoft.com/office/drawing/2014/main" id="{F5486151-B450-AFC7-44A9-21DD82DC6AD0}"/>
+              </a:ext>
+            </a:extLst>
+          </p:cNvPr>
+          <p:cNvSpPr>
+            <a:spLocks noGrp="1"/>
+          </p:cNvSpPr>
+          <p:nvPr>
+            <p:ph idx="1"/>
+          </p:nvPr>
+        </p:nvSpPr>
+        <p:spPr/>
+        <p:txBody>
+          <a:bodyPr/>
+          <a:lstStyle/>
+          <a:p>
+            <a:r>
+              <a:rPr lang="nl-NL" dirty="0"/>
+              <a:t>Geschreven in C++.</a:t>
+            </a:r>
+          </a:p>
+          <a:p>
+            <a:endParaRPr lang="nl-NL" dirty="0"/>
+          </a:p>
+          <a:p>
+            <a:r>
+              <a:rPr lang="nl-NL" dirty="0"/>
+              <a:t>Een Python-</a:t>
+            </a:r>
+            <a:r>
+              <a:rPr lang="nl-NL" dirty="0" err="1"/>
+              <a:t>wrapper</a:t>
+            </a:r>
+            <a:r>
+              <a:rPr lang="nl-NL" dirty="0"/>
+              <a:t> en een .Net-</a:t>
+            </a:r>
+            <a:r>
+              <a:rPr lang="nl-NL" dirty="0" err="1"/>
+              <a:t>wrapper</a:t>
+            </a:r>
+            <a:r>
+              <a:rPr lang="nl-NL" dirty="0"/>
+              <a:t> zijn beschikbaar.</a:t>
+            </a:r>
+          </a:p>
+          <a:p>
+            <a:endParaRPr lang="nl-NL" dirty="0"/>
+          </a:p>
+          <a:p>
+            <a:r>
+              <a:rPr lang="nl-NL" dirty="0"/>
+              <a:t>De bibliotheek is grondig gevalideerd. De algoritmen worden gebruikt voor de veiligheidsbeoordeling van primaire waterkeringen in Nederland en binnen de </a:t>
+            </a:r>
+            <a:r>
               <a:rPr lang="nl-NL" dirty="0" err="1"/>
               <a:t>Probabilistic</a:t>
             </a:r>
             <a:r>
               <a:rPr lang="nl-NL" dirty="0"/>
-              <a:t> </a:t>
-            </a:r>
-            <a:r>
-              <a:rPr lang="nl-NL" dirty="0" err="1"/>
-              <a:t>library</a:t>
-            </a:r>
+              <a:t> Toolkit.</a:t>
+            </a:r>
+          </a:p>
+          <a:p>
             <a:endParaRPr lang="nl-NL" dirty="0"/>
           </a:p>
-        </p:txBody>
-      </p:sp>
-      <p:sp>
-        <p:nvSpPr>
-          <p:cNvPr id="3" name="Content Placeholder 2">
-            <a:extLst>
-              <a:ext uri="{FF2B5EF4-FFF2-40B4-BE49-F238E27FC236}">
-                <a16:creationId xmlns:a16="http://schemas.microsoft.com/office/drawing/2014/main" id="{F5486151-B450-AFC7-44A9-21DD82DC6AD0}"/>
-              </a:ext>
-            </a:extLst>
-          </p:cNvPr>
-          <p:cNvSpPr>
-            <a:spLocks noGrp="1"/>
-          </p:cNvSpPr>
-          <p:nvPr>
-            <p:ph idx="1"/>
-          </p:nvPr>
-        </p:nvSpPr>
-        <p:spPr/>
-        <p:txBody>
-          <a:bodyPr/>
-          <a:lstStyle/>
           <a:p>
             <a:r>
               <a:rPr lang="nl-NL" dirty="0"/>
-              <a:t>It is </a:t>
-            </a:r>
-            <a:r>
-              <a:rPr lang="nl-NL" dirty="0" err="1"/>
-              <a:t>written</a:t>
-            </a:r>
-            <a:r>
-              <a:rPr lang="nl-NL" dirty="0"/>
-              <a:t> in C++</a:t>
-            </a:r>
-          </a:p>
-          <a:p>
-            <a:endParaRPr lang="nl-NL" dirty="0"/>
-          </a:p>
-          <a:p>
-            <a:r>
-              <a:rPr lang="en-GB" dirty="0">
-                <a:latin typeface="Arial"/>
-                <a:cs typeface="Arial"/>
-              </a:rPr>
-              <a:t>A Python wrapper and </a:t>
-            </a:r>
-            <a:r>
-              <a:rPr lang="en-GB" dirty="0" err="1">
-                <a:latin typeface="Arial"/>
-                <a:cs typeface="Arial"/>
-              </a:rPr>
-              <a:t>.Net</a:t>
-            </a:r>
-            <a:r>
-              <a:rPr lang="en-GB" dirty="0">
-                <a:latin typeface="Arial"/>
-                <a:cs typeface="Arial"/>
-              </a:rPr>
-              <a:t> wrapper are available</a:t>
-            </a:r>
-          </a:p>
-          <a:p>
-            <a:endParaRPr lang="en-GB" dirty="0">
-              <a:latin typeface="Arial"/>
-              <a:cs typeface="Arial"/>
-            </a:endParaRPr>
-          </a:p>
-          <a:p>
-            <a:r>
-              <a:rPr lang="en-GB" dirty="0"/>
-              <a:t>The library is thoroughly validated. Its algorithms are used for the safety assessment of primary flood defences in the Netherlands and within the Probabilistic Toolkit</a:t>
-            </a:r>
-          </a:p>
-          <a:p>
-            <a:endParaRPr lang="en-GB" dirty="0"/>
-          </a:p>
-          <a:p>
-            <a:r>
-              <a:rPr lang="en-GB" dirty="0"/>
-              <a:t>Functionality: distribution functions, reliability analysis, uncertainty analysis</a:t>
+              <a:t>Functionaliteit: verdelingsfuncties, correlaties, betrouwbaarheidsanalyse, onzekerheidsanalyse, gevoeligheidsanalyse, aansluiten van modellen.</a:t>
             </a:r>
           </a:p>
           <a:p>
@@ -25254,40 +24103,102 @@
           <a:lstStyle/>
           <a:p>
             <a:r>
-              <a:rPr lang="en-GB" dirty="0"/>
-              <a:t>Kratos is an Open-Source framework for the implementation of numerical methods for the solution of engineering problems</a:t>
-            </a:r>
-          </a:p>
-          <a:p>
-            <a:endParaRPr lang="en-GB" dirty="0"/>
-          </a:p>
-          <a:p>
-            <a:r>
-              <a:rPr lang="en-GB" dirty="0"/>
-              <a:t>It is written in C++</a:t>
-            </a:r>
-          </a:p>
-          <a:p>
-            <a:endParaRPr lang="en-GB" dirty="0"/>
-          </a:p>
-          <a:p>
-            <a:r>
-              <a:rPr lang="en-GB" dirty="0"/>
-              <a:t>The Kratos features a "core" and "applications" approach where "standard tools" (databases, linear algebra, search structures, etc...) come as a part of the core and are available as building blocks in the development of "applications" which focus on the solution of the problems of interest.</a:t>
-            </a:r>
-          </a:p>
-          <a:p>
-            <a:endParaRPr lang="en-GB" dirty="0"/>
-          </a:p>
-          <a:p>
-            <a:r>
-              <a:rPr lang="en-GB" dirty="0"/>
-              <a:t>In Deltares we have successfully implemented a several numerical geotechnical kernels using this Finite Element Framework, culminating in the </a:t>
-            </a:r>
-            <a:r>
-              <a:rPr lang="en-GB" u="sng" dirty="0"/>
-              <a:t>Geo-Mechanics Application</a:t>
-            </a:r>
+              <a:rPr lang="nl-NL" dirty="0" err="1"/>
+              <a:t>Kratos</a:t>
+            </a:r>
+            <a:r>
+              <a:rPr lang="nl-NL" dirty="0"/>
+              <a:t> is een open-source </a:t>
+            </a:r>
+            <a:r>
+              <a:rPr lang="nl-NL" dirty="0" err="1"/>
+              <a:t>framework</a:t>
+            </a:r>
+            <a:r>
+              <a:rPr lang="nl-NL" dirty="0"/>
+              <a:t> voor de implementatie van numerieke methoden voor het oplossen van technische vraagstukken.</a:t>
+            </a:r>
+          </a:p>
+          <a:p>
+            <a:endParaRPr lang="nl-NL" dirty="0"/>
+          </a:p>
+          <a:p>
+            <a:r>
+              <a:rPr lang="nl-NL" dirty="0"/>
+              <a:t>Het is geschreven in C++.</a:t>
+            </a:r>
+          </a:p>
+          <a:p>
+            <a:endParaRPr lang="nl-NL" dirty="0"/>
+          </a:p>
+          <a:p>
+            <a:r>
+              <a:rPr lang="nl-NL" dirty="0" err="1"/>
+              <a:t>Kratos</a:t>
+            </a:r>
+            <a:r>
+              <a:rPr lang="nl-NL" dirty="0"/>
+              <a:t> maakt gebruik van een "</a:t>
+            </a:r>
+            <a:r>
+              <a:rPr lang="nl-NL" dirty="0" err="1"/>
+              <a:t>core</a:t>
+            </a:r>
+            <a:r>
+              <a:rPr lang="nl-NL" dirty="0"/>
+              <a:t> </a:t>
+            </a:r>
+            <a:r>
+              <a:rPr lang="nl-NL" dirty="0" err="1"/>
+              <a:t>and</a:t>
+            </a:r>
+            <a:r>
+              <a:rPr lang="nl-NL" dirty="0"/>
+              <a:t> </a:t>
+            </a:r>
+            <a:r>
+              <a:rPr lang="nl-NL" dirty="0" err="1"/>
+              <a:t>applications</a:t>
+            </a:r>
+            <a:r>
+              <a:rPr lang="nl-NL" dirty="0"/>
+              <a:t>"-benadering, waarbij "standaardtools" (databases, lineaire algebra, zoekstructuren, etc.) deel uitmaken van de kern en beschikbaar zijn als bouwstenen bij de ontwikkeling van "applicaties" die zich richten op het oplossen van specifieke vraagstukken.</a:t>
+            </a:r>
+          </a:p>
+          <a:p>
+            <a:endParaRPr lang="nl-NL" dirty="0"/>
+          </a:p>
+          <a:p>
+            <a:r>
+              <a:rPr lang="nl-NL" dirty="0"/>
+              <a:t>Bij Deltares hebben we met succes meerdere numerieke geotechnische </a:t>
+            </a:r>
+            <a:r>
+              <a:rPr lang="nl-NL" dirty="0" err="1"/>
+              <a:t>kernels</a:t>
+            </a:r>
+            <a:r>
+              <a:rPr lang="nl-NL" dirty="0"/>
+              <a:t> geïmplementeerd met behulp van dit eindige-</a:t>
+            </a:r>
+            <a:r>
+              <a:rPr lang="nl-NL" dirty="0" err="1"/>
+              <a:t>elementenframework</a:t>
+            </a:r>
+            <a:r>
+              <a:rPr lang="nl-NL" dirty="0"/>
+              <a:t>, wat heeft geresulteerd in de </a:t>
+            </a:r>
+            <a:r>
+              <a:rPr lang="nl-NL" dirty="0" err="1"/>
+              <a:t>Geo-Mechanics</a:t>
+            </a:r>
+            <a:r>
+              <a:rPr lang="nl-NL" dirty="0"/>
+              <a:t> Application.</a:t>
+            </a:r>
+          </a:p>
+          <a:p>
             <a:endParaRPr lang="nl-NL" u="sng" dirty="0"/>
           </a:p>
         </p:txBody>
@@ -25430,15 +24341,7 @@
           <a:p>
             <a:r>
               <a:rPr lang="nl-NL" dirty="0"/>
-              <a:t>Sheet </a:t>
-            </a:r>
-            <a:r>
-              <a:rPr lang="nl-NL" dirty="0" err="1"/>
-              <a:t>pile</a:t>
-            </a:r>
-            <a:r>
-              <a:rPr lang="nl-NL" dirty="0"/>
-              <a:t> model</a:t>
+              <a:t>Damwand model</a:t>
             </a:r>
           </a:p>
         </p:txBody>
@@ -25461,8 +24364,8 @@
         </p:nvSpPr>
         <p:spPr>
           <a:xfrm>
-            <a:off x="755650" y="1768763"/>
-            <a:ext cx="6932043" cy="4320000"/>
+            <a:off x="755651" y="1768763"/>
+            <a:ext cx="4839392" cy="4320000"/>
           </a:xfrm>
         </p:spPr>
         <p:txBody>
@@ -25470,30 +24373,64 @@
           <a:lstStyle/>
           <a:p>
             <a:r>
-              <a:rPr lang="en-GB" noProof="0" dirty="0"/>
-              <a:t>Stage 0: initial situation</a:t>
-            </a:r>
-          </a:p>
-          <a:p>
-            <a:r>
-              <a:rPr lang="en-GB" noProof="0" dirty="0"/>
-              <a:t>Stage 1: added sheet pile</a:t>
-            </a:r>
-          </a:p>
-          <a:p>
-            <a:r>
-              <a:rPr lang="en-GB" noProof="0" dirty="0"/>
-              <a:t>Stage 2: excavation</a:t>
-            </a:r>
-          </a:p>
-          <a:p>
-            <a:r>
-              <a:rPr lang="en-GB" noProof="0" dirty="0"/>
-              <a:t>Stage 3: added anker</a:t>
-            </a:r>
-          </a:p>
-          <a:p>
-            <a:endParaRPr lang="en-GB" dirty="0"/>
+              <a:rPr lang="nl-NL" dirty="0"/>
+              <a:t>Fase 0: beginsituatie</a:t>
+            </a:r>
+          </a:p>
+          <a:p>
+            <a:r>
+              <a:rPr lang="nl-NL" dirty="0"/>
+              <a:t>Fase 1: damwand</a:t>
+            </a:r>
+          </a:p>
+          <a:p>
+            <a:r>
+              <a:rPr lang="nl-NL" dirty="0"/>
+              <a:t>Fase 2: ontgraving</a:t>
+            </a:r>
+          </a:p>
+          <a:p>
+            <a:r>
+              <a:rPr lang="nl-NL" dirty="0"/>
+              <a:t>Fase 3: met anker</a:t>
+            </a:r>
+          </a:p>
+          <a:p>
+            <a:endParaRPr lang="nl-NL" dirty="0"/>
+          </a:p>
+          <a:p>
+            <a:endParaRPr lang="nl-NL" dirty="0"/>
+          </a:p>
+          <a:p>
+            <a:endParaRPr lang="nl-NL" dirty="0"/>
+          </a:p>
+          <a:p>
+            <a:r>
+              <a:rPr lang="nl-NL" dirty="0"/>
+              <a:t>Het model is geïmplementeerd in het </a:t>
+            </a:r>
+            <a:r>
+              <a:rPr lang="nl-NL" dirty="0" err="1"/>
+              <a:t>Kratos</a:t>
+            </a:r>
+            <a:r>
+              <a:rPr lang="nl-NL" dirty="0"/>
+              <a:t> </a:t>
+            </a:r>
+            <a:r>
+              <a:rPr lang="nl-NL" dirty="0" err="1"/>
+              <a:t>framwork</a:t>
+            </a:r>
+            <a:r>
+              <a:rPr lang="nl-NL" dirty="0"/>
+              <a:t> (lineair).</a:t>
+            </a:r>
+          </a:p>
+          <a:p>
+            <a:r>
+              <a:rPr lang="nl-NL" dirty="0"/>
+              <a:t>Op basis van de invoer kunnen we de totale verplaatsing in x-richting (maaiveld) en het maximale buigmoment berekenen.</a:t>
+            </a:r>
           </a:p>
           <a:p>
             <a:endParaRPr lang="en-GB" dirty="0"/>
@@ -25607,7 +24544,7 @@
         </p:blipFill>
         <p:spPr>
           <a:xfrm>
-            <a:off x="7660086" y="1477695"/>
+            <a:off x="6935869" y="1477695"/>
             <a:ext cx="3612677" cy="3601079"/>
           </a:xfrm>
           <a:prstGeom prst="rect">
@@ -25629,7 +24566,7 @@
         </p:nvSpPr>
         <p:spPr>
           <a:xfrm>
-            <a:off x="9118591" y="4503606"/>
+            <a:off x="8394374" y="4503606"/>
             <a:ext cx="723275" cy="369332"/>
           </a:xfrm>
           <a:prstGeom prst="rect">
@@ -25664,7 +24601,7 @@
         </p:nvSpPr>
         <p:spPr>
           <a:xfrm>
-            <a:off x="8175815" y="3634047"/>
+            <a:off x="7451598" y="3634047"/>
             <a:ext cx="723275" cy="369332"/>
           </a:xfrm>
           <a:prstGeom prst="rect">
@@ -25699,7 +24636,7 @@
         </p:nvSpPr>
         <p:spPr>
           <a:xfrm>
-            <a:off x="9961436" y="3634047"/>
+            <a:off x="9237219" y="3634047"/>
             <a:ext cx="723275" cy="369332"/>
           </a:xfrm>
           <a:prstGeom prst="rect">
@@ -25734,7 +24671,7 @@
         </p:nvSpPr>
         <p:spPr>
           <a:xfrm>
-            <a:off x="8193921" y="2789233"/>
+            <a:off x="7469704" y="2789233"/>
             <a:ext cx="646331" cy="369332"/>
           </a:xfrm>
           <a:prstGeom prst="rect">
@@ -25770,7 +24707,7 @@
         </p:nvSpPr>
         <p:spPr>
           <a:xfrm>
-            <a:off x="9952383" y="2767470"/>
+            <a:off x="9228166" y="2767470"/>
             <a:ext cx="646331" cy="369332"/>
           </a:xfrm>
           <a:prstGeom prst="rect">
@@ -25806,7 +24743,7 @@
         </p:nvSpPr>
         <p:spPr>
           <a:xfrm>
-            <a:off x="9961436" y="2107070"/>
+            <a:off x="9237219" y="2107070"/>
             <a:ext cx="646331" cy="369332"/>
           </a:xfrm>
           <a:prstGeom prst="rect">
@@ -25881,15 +24818,7 @@
           <a:p>
             <a:r>
               <a:rPr lang="nl-NL" dirty="0"/>
-              <a:t>Sheet </a:t>
-            </a:r>
-            <a:r>
-              <a:rPr lang="nl-NL" dirty="0" err="1"/>
-              <a:t>pile</a:t>
-            </a:r>
-            <a:r>
-              <a:rPr lang="nl-NL" dirty="0"/>
-              <a:t> model</a:t>
+              <a:t>Damwand model</a:t>
             </a:r>
           </a:p>
         </p:txBody>
@@ -25916,96 +24845,32 @@
           <a:lstStyle/>
           <a:p>
             <a:r>
-              <a:rPr lang="en-GB" noProof="0" dirty="0"/>
-              <a:t>The model is implemented in Kratos (linear)</a:t>
-            </a:r>
-          </a:p>
-          <a:p>
-            <a:endParaRPr lang="en-GB" dirty="0"/>
-          </a:p>
-          <a:p>
-            <a:r>
-              <a:rPr lang="en-GB" noProof="0" dirty="0"/>
-              <a:t>Given input we can calculate the total displacement in the x-direction (maaiveld) and the maximum bending moment</a:t>
-            </a:r>
-          </a:p>
-          <a:p>
-            <a:endParaRPr lang="nl-NL" dirty="0"/>
-          </a:p>
-          <a:p>
-            <a:r>
               <a:rPr lang="nl-NL" dirty="0"/>
-              <a:t>Parameters </a:t>
+              <a:t>Python-</a:t>
             </a:r>
             <a:r>
               <a:rPr lang="nl-NL" dirty="0" err="1"/>
-              <a:t>that</a:t>
+              <a:t>wrapper</a:t>
             </a:r>
             <a:r>
               <a:rPr lang="nl-NL" dirty="0"/>
-              <a:t> </a:t>
+              <a:t> rondom </a:t>
             </a:r>
             <a:r>
               <a:rPr lang="nl-NL" dirty="0" err="1"/>
-              <a:t>describe</a:t>
+              <a:t>Kratos</a:t>
             </a:r>
             <a:r>
               <a:rPr lang="nl-NL" dirty="0"/>
-              <a:t> </a:t>
+              <a:t> en Python-</a:t>
             </a:r>
             <a:r>
               <a:rPr lang="nl-NL" dirty="0" err="1"/>
-              <a:t>the</a:t>
+              <a:t>wrapper</a:t>
             </a:r>
             <a:r>
               <a:rPr lang="nl-NL" dirty="0"/>
-              <a:t> </a:t>
-            </a:r>
-            <a:r>
-              <a:rPr lang="nl-NL" dirty="0" err="1"/>
-              <a:t>soil</a:t>
-            </a:r>
-            <a:r>
-              <a:rPr lang="nl-NL" dirty="0"/>
-              <a:t> </a:t>
-            </a:r>
-            <a:r>
-              <a:rPr lang="nl-NL" dirty="0" err="1"/>
-              <a:t>properties</a:t>
-            </a:r>
-            <a:r>
-              <a:rPr lang="nl-NL" dirty="0"/>
-              <a:t> </a:t>
-            </a:r>
-            <a:r>
-              <a:rPr lang="nl-NL" dirty="0" err="1"/>
-              <a:t>and</a:t>
-            </a:r>
-            <a:r>
-              <a:rPr lang="nl-NL" dirty="0"/>
-              <a:t> sheet </a:t>
-            </a:r>
-            <a:r>
-              <a:rPr lang="nl-NL" dirty="0" err="1"/>
-              <a:t>pile</a:t>
-            </a:r>
-            <a:r>
-              <a:rPr lang="nl-NL" dirty="0"/>
-              <a:t> are </a:t>
-            </a:r>
-            <a:r>
-              <a:rPr lang="nl-NL" dirty="0" err="1"/>
-              <a:t>uncertain</a:t>
-            </a:r>
-            <a:endParaRPr lang="nl-NL" dirty="0"/>
-          </a:p>
-          <a:p>
-            <a:endParaRPr lang="nl-NL" dirty="0"/>
-          </a:p>
-          <a:p>
-            <a:r>
-              <a:rPr lang="en-GB" noProof="0" dirty="0"/>
-              <a:t>Python wrapper around Kratos + Python wrapper of the probabilistic library </a:t>
+              <a:t> van de probabilistische bibliotheek.</a:t>
             </a:r>
           </a:p>
           <a:p>
@@ -26101,6 +24966,168 @@
           </a:p>
         </p:txBody>
       </p:sp>
+      <p:sp>
+        <p:nvSpPr>
+          <p:cNvPr id="7" name="Rectangle 6">
+            <a:extLst>
+              <a:ext uri="{FF2B5EF4-FFF2-40B4-BE49-F238E27FC236}">
+                <a16:creationId xmlns:a16="http://schemas.microsoft.com/office/drawing/2014/main" id="{5F73EDE8-7A77-ED79-AE90-4D164D8D9E16}"/>
+              </a:ext>
+            </a:extLst>
+          </p:cNvPr>
+          <p:cNvSpPr/>
+          <p:nvPr/>
+        </p:nvSpPr>
+        <p:spPr>
+          <a:xfrm>
+            <a:off x="2831268" y="3476090"/>
+            <a:ext cx="2163779" cy="905346"/>
+          </a:xfrm>
+          <a:prstGeom prst="rect">
+            <a:avLst/>
+          </a:prstGeom>
+        </p:spPr>
+        <p:style>
+          <a:lnRef idx="2">
+            <a:schemeClr val="accent1">
+              <a:shade val="15000"/>
+            </a:schemeClr>
+          </a:lnRef>
+          <a:fillRef idx="1">
+            <a:schemeClr val="accent1"/>
+          </a:fillRef>
+          <a:effectRef idx="0">
+            <a:schemeClr val="accent1"/>
+          </a:effectRef>
+          <a:fontRef idx="minor">
+            <a:schemeClr val="lt1"/>
+          </a:fontRef>
+        </p:style>
+        <p:txBody>
+          <a:bodyPr rtlCol="0" anchor="ctr"/>
+          <a:lstStyle/>
+          <a:p>
+            <a:pPr algn="ctr"/>
+            <a:r>
+              <a:rPr lang="nl-NL" dirty="0" err="1"/>
+              <a:t>Prob</a:t>
+            </a:r>
+            <a:r>
+              <a:rPr lang="nl-NL" dirty="0"/>
+              <a:t> </a:t>
+            </a:r>
+            <a:r>
+              <a:rPr lang="nl-NL" dirty="0" err="1"/>
+              <a:t>lib</a:t>
+            </a:r>
+            <a:r>
+              <a:rPr lang="nl-NL" dirty="0"/>
+              <a:t> </a:t>
+            </a:r>
+          </a:p>
+        </p:txBody>
+      </p:sp>
+      <p:sp>
+        <p:nvSpPr>
+          <p:cNvPr id="8" name="Rectangle 7">
+            <a:extLst>
+              <a:ext uri="{FF2B5EF4-FFF2-40B4-BE49-F238E27FC236}">
+                <a16:creationId xmlns:a16="http://schemas.microsoft.com/office/drawing/2014/main" id="{D439FC98-33B6-3C22-51D5-5AFED4A5A8B9}"/>
+              </a:ext>
+            </a:extLst>
+          </p:cNvPr>
+          <p:cNvSpPr/>
+          <p:nvPr/>
+        </p:nvSpPr>
+        <p:spPr>
+          <a:xfrm>
+            <a:off x="6366097" y="3475649"/>
+            <a:ext cx="2163779" cy="905346"/>
+          </a:xfrm>
+          <a:prstGeom prst="rect">
+            <a:avLst/>
+          </a:prstGeom>
+        </p:spPr>
+        <p:style>
+          <a:lnRef idx="2">
+            <a:schemeClr val="accent1">
+              <a:shade val="15000"/>
+            </a:schemeClr>
+          </a:lnRef>
+          <a:fillRef idx="1">
+            <a:schemeClr val="accent1"/>
+          </a:fillRef>
+          <a:effectRef idx="0">
+            <a:schemeClr val="accent1"/>
+          </a:effectRef>
+          <a:fontRef idx="minor">
+            <a:schemeClr val="lt1"/>
+          </a:fontRef>
+        </p:style>
+        <p:txBody>
+          <a:bodyPr rtlCol="0" anchor="ctr"/>
+          <a:lstStyle/>
+          <a:p>
+            <a:pPr algn="ctr"/>
+            <a:r>
+              <a:rPr lang="nl-NL" dirty="0"/>
+              <a:t>Damwand model (</a:t>
+            </a:r>
+            <a:r>
+              <a:rPr lang="nl-NL" dirty="0" err="1"/>
+              <a:t>Kratos</a:t>
+            </a:r>
+            <a:r>
+              <a:rPr lang="nl-NL" dirty="0"/>
+              <a:t>)</a:t>
+            </a:r>
+          </a:p>
+        </p:txBody>
+      </p:sp>
+      <p:cxnSp>
+        <p:nvCxnSpPr>
+          <p:cNvPr id="10" name="Connector: Elbow 9">
+            <a:extLst>
+              <a:ext uri="{FF2B5EF4-FFF2-40B4-BE49-F238E27FC236}">
+                <a16:creationId xmlns:a16="http://schemas.microsoft.com/office/drawing/2014/main" id="{C0531733-6F2E-A968-5FB0-1EA68EF01DD5}"/>
+              </a:ext>
+            </a:extLst>
+          </p:cNvPr>
+          <p:cNvCxnSpPr>
+            <a:cxnSpLocks/>
+            <a:stCxn id="7" idx="3"/>
+            <a:endCxn id="8" idx="1"/>
+          </p:cNvCxnSpPr>
+          <p:nvPr/>
+        </p:nvCxnSpPr>
+        <p:spPr>
+          <a:xfrm flipV="1">
+            <a:off x="4995047" y="3928322"/>
+            <a:ext cx="1371050" cy="441"/>
+          </a:xfrm>
+          <a:prstGeom prst="bentConnector3">
+            <a:avLst/>
+          </a:prstGeom>
+          <a:ln>
+            <a:headEnd type="triangle"/>
+            <a:tailEnd type="triangle"/>
+          </a:ln>
+        </p:spPr>
+        <p:style>
+          <a:lnRef idx="1">
+            <a:schemeClr val="accent1"/>
+          </a:lnRef>
+          <a:fillRef idx="0">
+            <a:schemeClr val="accent1"/>
+          </a:fillRef>
+          <a:effectRef idx="0">
+            <a:schemeClr val="accent1"/>
+          </a:effectRef>
+          <a:fontRef idx="minor">
+            <a:schemeClr val="tx1"/>
+          </a:fontRef>
+        </p:style>
+      </p:cxnSp>
     </p:spTree>
     <p:extLst>
       <p:ext uri="{BB962C8B-B14F-4D97-AF65-F5344CB8AC3E}">
@@ -26153,10 +25180,9 @@
           <a:lstStyle/>
           <a:p>
             <a:r>
-              <a:rPr lang="en-GB" dirty="0"/>
-              <a:t>Probabilistic calculations: variables</a:t>
-            </a:r>
-            <a:endParaRPr lang="nl-NL" dirty="0"/>
+              <a:rPr lang="nl-NL" noProof="0" dirty="0"/>
+              <a:t>Probabilistische berekeningen: input en output</a:t>
+            </a:r>
           </a:p>
         </p:txBody>
       </p:sp>
@@ -26182,7 +25208,7 @@
           <a:lstStyle/>
           <a:p>
             <a:r>
-              <a:rPr lang="nl-NL"/>
+              <a:rPr lang="nl-NL" noProof="0" dirty="0"/>
               <a:t> 28 november 2019</a:t>
             </a:r>
           </a:p>
@@ -26210,7 +25236,7 @@
           <a:lstStyle/>
           <a:p>
             <a:r>
-              <a:rPr lang="nl-NL"/>
+              <a:rPr lang="nl-NL" noProof="0" dirty="0"/>
               <a:t>Voettekst van de presentatie</a:t>
             </a:r>
           </a:p>
@@ -26238,10 +25264,10 @@
           <a:lstStyle/>
           <a:p>
             <a:fld id="{F42B3F14-D836-496B-80A2-23BE75BD68CB}" type="slidenum">
-              <a:rPr lang="nl-NL" smtClean="0"/>
+              <a:rPr lang="nl-NL" noProof="0" smtClean="0"/>
               <a:t>7</a:t>
             </a:fld>
-            <a:endParaRPr lang="nl-NL"/>
+            <a:endParaRPr lang="nl-NL" noProof="0" dirty="0"/>
           </a:p>
         </p:txBody>
       </p:sp>
@@ -26260,7 +25286,7 @@
           <p:nvPr>
             <p:extLst>
               <p:ext uri="{D42A27DB-BD31-4B8C-83A1-F6EECF244321}">
-                <p14:modId xmlns:p14="http://schemas.microsoft.com/office/powerpoint/2010/main" val="4135962745"/>
+                <p14:modId xmlns:p14="http://schemas.microsoft.com/office/powerpoint/2010/main" val="2304114087"/>
               </p:ext>
             </p:extLst>
           </p:nvPr>
@@ -26305,10 +25331,9 @@
                     <a:lstStyle/>
                     <a:p>
                       <a:r>
-                        <a:rPr lang="en-GB" dirty="0"/>
-                        <a:t>Variable</a:t>
+                        <a:rPr lang="nl-NL" noProof="0" dirty="0"/>
+                        <a:t>Variabel</a:t>
                       </a:r>
-                      <a:endParaRPr lang="nl-NL" dirty="0"/>
                     </a:p>
                   </a:txBody>
                   <a:tcPr/>
@@ -26319,10 +25344,9 @@
                     <a:lstStyle/>
                     <a:p>
                       <a:r>
-                        <a:rPr lang="en-GB" dirty="0"/>
-                        <a:t>Distribution type</a:t>
+                        <a:rPr lang="nl-NL" noProof="0" dirty="0"/>
+                        <a:t>Verdeling</a:t>
                       </a:r>
-                      <a:endParaRPr lang="nl-NL" dirty="0"/>
                     </a:p>
                   </a:txBody>
                   <a:tcPr/>
@@ -26333,10 +25357,9 @@
                     <a:lstStyle/>
                     <a:p>
                       <a:r>
-                        <a:rPr lang="en-GB" dirty="0"/>
-                        <a:t>Parameters</a:t>
+                        <a:rPr lang="nl-NL" noProof="0" dirty="0"/>
+                        <a:t>Waarden</a:t>
                       </a:r>
-                      <a:endParaRPr lang="nl-NL" dirty="0"/>
                     </a:p>
                   </a:txBody>
                   <a:tcPr/>
@@ -26354,10 +25377,9 @@
                     <a:lstStyle/>
                     <a:p>
                       <a:r>
-                        <a:rPr lang="en-GB" dirty="0"/>
-                        <a:t>Young modulus (clay)</a:t>
+                        <a:rPr lang="nl-NL" noProof="0" dirty="0"/>
+                        <a:t>Young modulus (klei)</a:t>
                       </a:r>
-                      <a:endParaRPr lang="nl-NL" dirty="0"/>
                     </a:p>
                   </a:txBody>
                   <a:tcPr/>
@@ -26368,10 +25390,9 @@
                     <a:lstStyle/>
                     <a:p>
                       <a:r>
-                        <a:rPr lang="en-GB" dirty="0"/>
+                        <a:rPr lang="nl-NL" noProof="0" dirty="0"/>
                         <a:t>Uniform</a:t>
                       </a:r>
-                      <a:endParaRPr lang="nl-NL" dirty="0"/>
                     </a:p>
                   </a:txBody>
                   <a:tcPr/>
@@ -26382,22 +25403,21 @@
                     <a:lstStyle/>
                     <a:p>
                       <a:r>
-                        <a:rPr lang="en-GB" dirty="0"/>
+                        <a:rPr lang="nl-NL" noProof="0" dirty="0"/>
                         <a:t>5x10</a:t>
                       </a:r>
                       <a:r>
-                        <a:rPr lang="en-GB" baseline="30000" dirty="0"/>
+                        <a:rPr lang="nl-NL" baseline="30000" noProof="0" dirty="0"/>
                         <a:t>6</a:t>
                       </a:r>
                       <a:r>
-                        <a:rPr lang="en-GB" dirty="0"/>
+                        <a:rPr lang="nl-NL" noProof="0" dirty="0"/>
                         <a:t> – 8x10</a:t>
                       </a:r>
                       <a:r>
-                        <a:rPr lang="en-GB" baseline="30000" dirty="0"/>
+                        <a:rPr lang="nl-NL" baseline="30000" noProof="0" dirty="0"/>
                         <a:t>6</a:t>
                       </a:r>
-                      <a:endParaRPr lang="nl-NL" baseline="30000" dirty="0"/>
                     </a:p>
                   </a:txBody>
                   <a:tcPr/>
@@ -26415,10 +25435,9 @@
                     <a:lstStyle/>
                     <a:p>
                       <a:r>
-                        <a:rPr lang="en-GB" dirty="0"/>
-                        <a:t>Young modulus (sand)</a:t>
+                        <a:rPr lang="nl-NL" noProof="0" dirty="0"/>
+                        <a:t>Young modulus (zand)</a:t>
                       </a:r>
-                      <a:endParaRPr lang="nl-NL" dirty="0"/>
                     </a:p>
                   </a:txBody>
                   <a:tcPr/>
@@ -26429,10 +25448,9 @@
                     <a:lstStyle/>
                     <a:p>
                       <a:r>
-                        <a:rPr lang="en-GB" dirty="0"/>
+                        <a:rPr lang="nl-NL" noProof="0" dirty="0"/>
                         <a:t>Uniform</a:t>
                       </a:r>
-                      <a:endParaRPr lang="nl-NL" dirty="0"/>
                     </a:p>
                   </a:txBody>
                   <a:tcPr/>
@@ -26443,22 +25461,21 @@
                     <a:lstStyle/>
                     <a:p>
                       <a:r>
-                        <a:rPr lang="en-GB" dirty="0"/>
+                        <a:rPr lang="nl-NL" noProof="0" dirty="0"/>
                         <a:t>30x10</a:t>
                       </a:r>
                       <a:r>
-                        <a:rPr lang="en-GB" baseline="30000" dirty="0"/>
+                        <a:rPr lang="nl-NL" baseline="30000" noProof="0" dirty="0"/>
                         <a:t>6</a:t>
                       </a:r>
                       <a:r>
-                        <a:rPr lang="en-GB" dirty="0"/>
+                        <a:rPr lang="nl-NL" noProof="0" dirty="0"/>
                         <a:t> – 50x10</a:t>
                       </a:r>
                       <a:r>
-                        <a:rPr lang="en-GB" baseline="30000" dirty="0"/>
+                        <a:rPr lang="nl-NL" baseline="30000" noProof="0" dirty="0"/>
                         <a:t>6</a:t>
                       </a:r>
-                      <a:endParaRPr lang="nl-NL" baseline="30000" dirty="0"/>
                     </a:p>
                   </a:txBody>
                   <a:tcPr/>
@@ -26476,26 +25493,8 @@
                     <a:lstStyle/>
                     <a:p>
                       <a:r>
-                        <a:rPr lang="nl-NL" dirty="0"/>
-                        <a:t>Interface </a:t>
-                      </a:r>
-                      <a:r>
-                        <a:rPr lang="en-GB" noProof="0" dirty="0"/>
-                        <a:t>stiffness</a:t>
-                      </a:r>
-                      <a:endParaRPr lang="nl-NL" dirty="0"/>
-                    </a:p>
-                  </a:txBody>
-                  <a:tcPr/>
-                </a:tc>
-                <a:tc>
-                  <a:txBody>
-                    <a:bodyPr/>
-                    <a:lstStyle/>
-                    <a:p>
-                      <a:r>
-                        <a:rPr lang="nl-NL" dirty="0"/>
-                        <a:t>Deterministic</a:t>
+                        <a:rPr lang="nl-NL" noProof="0" dirty="0"/>
+                        <a:t>Interface stijfheid</a:t>
                       </a:r>
                     </a:p>
                   </a:txBody>
@@ -26507,11 +25506,24 @@
                     <a:lstStyle/>
                     <a:p>
                       <a:r>
-                        <a:rPr lang="nl-NL" dirty="0"/>
+                        <a:rPr lang="nl-NL" noProof="0" dirty="0"/>
+                        <a:t>Deterministisch</a:t>
+                      </a:r>
+                    </a:p>
+                  </a:txBody>
+                  <a:tcPr/>
+                </a:tc>
+                <a:tc>
+                  <a:txBody>
+                    <a:bodyPr/>
+                    <a:lstStyle/>
+                    <a:p>
+                      <a:r>
+                        <a:rPr lang="nl-NL" noProof="0" dirty="0"/>
                         <a:t>10</a:t>
                       </a:r>
                       <a:r>
-                        <a:rPr lang="nl-NL" baseline="30000" dirty="0"/>
+                        <a:rPr lang="nl-NL" baseline="30000" noProof="0" dirty="0"/>
                         <a:t>11</a:t>
                       </a:r>
                     </a:p>
@@ -26531,10 +25543,9 @@
                     <a:lstStyle/>
                     <a:p>
                       <a:r>
-                        <a:rPr lang="en-GB" dirty="0"/>
-                        <a:t>Sheet pile: Young modulus</a:t>
+                        <a:rPr lang="nl-NL" noProof="0" dirty="0"/>
+                        <a:t>Damwand: Young modulus</a:t>
                       </a:r>
-                      <a:endParaRPr lang="nl-NL" dirty="0"/>
                     </a:p>
                   </a:txBody>
                   <a:tcPr/>
@@ -26545,10 +25556,9 @@
                     <a:lstStyle/>
                     <a:p>
                       <a:r>
-                        <a:rPr lang="en-GB" dirty="0"/>
-                        <a:t>Deterministic</a:t>
+                        <a:rPr lang="nl-NL" noProof="0" dirty="0"/>
+                        <a:t>Deterministisch</a:t>
                       </a:r>
-                      <a:endParaRPr lang="nl-NL" dirty="0"/>
                     </a:p>
                   </a:txBody>
                   <a:tcPr/>
@@ -26559,14 +25569,13 @@
                     <a:lstStyle/>
                     <a:p>
                       <a:r>
-                        <a:rPr lang="en-GB" dirty="0"/>
+                        <a:rPr lang="nl-NL" noProof="0" dirty="0"/>
                         <a:t>200x10</a:t>
                       </a:r>
                       <a:r>
-                        <a:rPr lang="en-GB" baseline="30000" dirty="0"/>
+                        <a:rPr lang="nl-NL" baseline="30000" noProof="0" dirty="0"/>
                         <a:t>9</a:t>
                       </a:r>
-                      <a:endParaRPr lang="nl-NL" baseline="30000" dirty="0"/>
                     </a:p>
                   </a:txBody>
                   <a:tcPr/>
@@ -26584,10 +25593,17 @@
                     <a:lstStyle/>
                     <a:p>
                       <a:r>
-                        <a:rPr lang="en-GB" dirty="0"/>
-                        <a:t>Sheet pile: Poisson ratio</a:t>
+                        <a:rPr lang="nl-NL" noProof="0" dirty="0"/>
+                        <a:t>Damwand: </a:t>
                       </a:r>
-                      <a:endParaRPr lang="nl-NL" dirty="0"/>
+                      <a:r>
+                        <a:rPr lang="nl-NL" noProof="0" dirty="0" err="1"/>
+                        <a:t>Poisson</a:t>
+                      </a:r>
+                      <a:r>
+                        <a:rPr lang="nl-NL" noProof="0" dirty="0"/>
+                        <a:t> ratio</a:t>
+                      </a:r>
                     </a:p>
                   </a:txBody>
                   <a:tcPr/>
@@ -26598,10 +25614,9 @@
                     <a:lstStyle/>
                     <a:p>
                       <a:r>
-                        <a:rPr lang="en-GB" dirty="0"/>
-                        <a:t>Deterministic</a:t>
+                        <a:rPr lang="nl-NL" noProof="0" dirty="0"/>
+                        <a:t>Deterministisch</a:t>
                       </a:r>
-                      <a:endParaRPr lang="nl-NL" dirty="0"/>
                     </a:p>
                   </a:txBody>
                   <a:tcPr/>
@@ -26612,10 +25627,9 @@
                     <a:lstStyle/>
                     <a:p>
                       <a:r>
-                        <a:rPr lang="en-GB" dirty="0"/>
+                        <a:rPr lang="nl-NL" noProof="0" dirty="0"/>
                         <a:t>0</a:t>
                       </a:r>
-                      <a:endParaRPr lang="nl-NL" dirty="0"/>
                     </a:p>
                   </a:txBody>
                   <a:tcPr/>
@@ -26633,10 +25647,9 @@
                     <a:lstStyle/>
                     <a:p>
                       <a:r>
-                        <a:rPr lang="en-GB" dirty="0"/>
-                        <a:t>Sheet pile: thickness</a:t>
+                        <a:rPr lang="nl-NL" noProof="0" dirty="0"/>
+                        <a:t>Damwand: dikte</a:t>
                       </a:r>
-                      <a:endParaRPr lang="nl-NL" dirty="0"/>
                     </a:p>
                   </a:txBody>
                   <a:tcPr/>
@@ -26647,10 +25660,9 @@
                     <a:lstStyle/>
                     <a:p>
                       <a:r>
-                        <a:rPr lang="en-GB" dirty="0"/>
-                        <a:t>Deterministic</a:t>
+                        <a:rPr lang="nl-NL" noProof="0" dirty="0"/>
+                        <a:t>Deterministisch</a:t>
                       </a:r>
-                      <a:endParaRPr lang="nl-NL" dirty="0"/>
                     </a:p>
                   </a:txBody>
                   <a:tcPr/>
@@ -26661,10 +25673,9 @@
                     <a:lstStyle/>
                     <a:p>
                       <a:r>
-                        <a:rPr lang="en-GB" dirty="0"/>
+                        <a:rPr lang="nl-NL" noProof="0" dirty="0"/>
                         <a:t>0.02159</a:t>
                       </a:r>
-                      <a:endParaRPr lang="nl-NL" dirty="0"/>
                     </a:p>
                   </a:txBody>
                   <a:tcPr/>
@@ -26694,7 +25705,7 @@
         <p:spPr>
           <a:xfrm>
             <a:off x="679010" y="1359570"/>
-            <a:ext cx="825867" cy="369332"/>
+            <a:ext cx="954107" cy="369332"/>
           </a:xfrm>
           <a:prstGeom prst="rect">
             <a:avLst/>
@@ -26708,10 +25719,9 @@
           <a:lstStyle/>
           <a:p>
             <a:r>
-              <a:rPr lang="en-GB" b="1" dirty="0"/>
-              <a:t>Input:</a:t>
-            </a:r>
-            <a:endParaRPr lang="nl-NL" b="1" dirty="0"/>
+              <a:rPr lang="nl-NL" b="1" noProof="0" dirty="0"/>
+              <a:t>Invoer:</a:t>
+            </a:r>
           </a:p>
         </p:txBody>
       </p:sp>
@@ -26730,7 +25740,7 @@
         <p:spPr>
           <a:xfrm>
             <a:off x="679010" y="5078403"/>
-            <a:ext cx="6930102" cy="369332"/>
+            <a:ext cx="7827784" cy="369332"/>
           </a:xfrm>
           <a:prstGeom prst="rect">
             <a:avLst/>
@@ -26744,22 +25754,13 @@
           <a:lstStyle/>
           <a:p>
             <a:r>
-              <a:rPr lang="en-GB" b="1" dirty="0"/>
-              <a:t>Output:</a:t>
-            </a:r>
-            <a:r>
-              <a:rPr lang="en-GB" dirty="0"/>
-              <a:t> total displacement x </a:t>
-            </a:r>
-            <a:r>
-              <a:rPr lang="en-GB" u="sng" dirty="0"/>
-              <a:t>(surface level)</a:t>
-            </a:r>
-            <a:r>
-              <a:rPr lang="en-GB" dirty="0"/>
-              <a:t>, max bending moment</a:t>
-            </a:r>
-            <a:endParaRPr lang="nl-NL" dirty="0"/>
+              <a:rPr lang="nl-NL" b="1" noProof="0" dirty="0"/>
+              <a:t>Uitvoer:</a:t>
+            </a:r>
+            <a:r>
+              <a:rPr lang="nl-NL" noProof="0" dirty="0"/>
+              <a:t> totale verplaatsing in x-richting (maaiveld), maximaal buigmoment</a:t>
+            </a:r>
           </a:p>
         </p:txBody>
       </p:sp>
@@ -26815,29 +25816,14 @@
           <a:lstStyle/>
           <a:p>
             <a:r>
+              <a:rPr lang="nl-NL" noProof="0" dirty="0"/>
+              <a:t>O</a:t>
+            </a:r>
+            <a:r>
               <a:rPr lang="nl-NL" dirty="0" err="1"/>
-              <a:t>Probabilistic</a:t>
-            </a:r>
-            <a:r>
-              <a:rPr lang="nl-NL" dirty="0"/>
-              <a:t> </a:t>
-            </a:r>
-            <a:r>
-              <a:rPr lang="nl-NL" dirty="0" err="1"/>
-              <a:t>calculations</a:t>
-            </a:r>
-            <a:r>
-              <a:rPr lang="nl-NL" dirty="0"/>
-              <a:t>: </a:t>
-            </a:r>
-            <a:r>
-              <a:rPr lang="nl-NL" dirty="0" err="1"/>
-              <a:t>uncertainty</a:t>
-            </a:r>
-            <a:r>
-              <a:rPr lang="nl-NL" dirty="0"/>
-              <a:t> analysis</a:t>
-            </a:r>
+              <a:t>nzekerheidsanalyse</a:t>
+            </a:r>
+            <a:endParaRPr lang="nl-NL" dirty="0"/>
           </a:p>
         </p:txBody>
       </p:sp>
@@ -26869,31 +25855,7 @@
           <a:p>
             <a:r>
               <a:rPr lang="nl-NL" dirty="0"/>
-              <a:t>Total displacement in </a:t>
-            </a:r>
-            <a:r>
-              <a:rPr lang="nl-NL" dirty="0" err="1"/>
-              <a:t>the</a:t>
-            </a:r>
-            <a:r>
-              <a:rPr lang="nl-NL" dirty="0"/>
-              <a:t> x-</a:t>
-            </a:r>
-            <a:r>
-              <a:rPr lang="nl-NL" dirty="0" err="1"/>
-              <a:t>direction</a:t>
-            </a:r>
-            <a:r>
-              <a:rPr lang="nl-NL" dirty="0"/>
-              <a:t> (</a:t>
-            </a:r>
-            <a:r>
-              <a:rPr lang="nl-NL" dirty="0" err="1"/>
-              <a:t>surface</a:t>
-            </a:r>
-            <a:r>
-              <a:rPr lang="nl-NL" dirty="0"/>
-              <a:t> level)</a:t>
+              <a:t>Totale verplaatsing in x-richting (maaiveld)</a:t>
             </a:r>
           </a:p>
           <a:p>
@@ -26903,15 +25865,7 @@
             </a:r>
             <a:r>
               <a:rPr lang="nl-NL" dirty="0"/>
-              <a:t> Monte Carlo </a:t>
-            </a:r>
-            <a:r>
-              <a:rPr lang="nl-NL" dirty="0" err="1"/>
-              <a:t>with</a:t>
-            </a:r>
-            <a:r>
-              <a:rPr lang="nl-NL" dirty="0"/>
-              <a:t> 1000 samples</a:t>
+              <a:t> Monte Carlo met 1000 trekkingen</a:t>
             </a:r>
           </a:p>
         </p:txBody>
@@ -27001,12 +25955,82 @@
           </a:p>
         </p:txBody>
       </p:sp>
+      <p:sp>
+        <p:nvSpPr>
+          <p:cNvPr id="11" name="TextBox 10">
+            <a:extLst>
+              <a:ext uri="{FF2B5EF4-FFF2-40B4-BE49-F238E27FC236}">
+                <a16:creationId xmlns:a16="http://schemas.microsoft.com/office/drawing/2014/main" id="{437EC6C9-2F13-5E57-6ADC-70CD05F316AA}"/>
+              </a:ext>
+            </a:extLst>
+          </p:cNvPr>
+          <p:cNvSpPr txBox="1"/>
+          <p:nvPr/>
+        </p:nvSpPr>
+        <p:spPr>
+          <a:xfrm>
+            <a:off x="2077558" y="2521685"/>
+            <a:ext cx="2313454" cy="369332"/>
+          </a:xfrm>
+          <a:prstGeom prst="rect">
+            <a:avLst/>
+          </a:prstGeom>
+          <a:noFill/>
+        </p:spPr>
+        <p:txBody>
+          <a:bodyPr wrap="none" rtlCol="0">
+            <a:spAutoFit/>
+          </a:bodyPr>
+          <a:lstStyle/>
+          <a:p>
+            <a:r>
+              <a:rPr lang="nl-NL" b="1" dirty="0"/>
+              <a:t>Fase 2 (ontgraving)</a:t>
+            </a:r>
+          </a:p>
+        </p:txBody>
+      </p:sp>
+      <p:sp>
+        <p:nvSpPr>
+          <p:cNvPr id="12" name="TextBox 11">
+            <a:extLst>
+              <a:ext uri="{FF2B5EF4-FFF2-40B4-BE49-F238E27FC236}">
+                <a16:creationId xmlns:a16="http://schemas.microsoft.com/office/drawing/2014/main" id="{C92871AE-57A8-9B57-ADCC-8EE5A66E8E3C}"/>
+              </a:ext>
+            </a:extLst>
+          </p:cNvPr>
+          <p:cNvSpPr txBox="1"/>
+          <p:nvPr/>
+        </p:nvSpPr>
+        <p:spPr>
+          <a:xfrm>
+            <a:off x="7637711" y="2574585"/>
+            <a:ext cx="1736373" cy="369332"/>
+          </a:xfrm>
+          <a:prstGeom prst="rect">
+            <a:avLst/>
+          </a:prstGeom>
+          <a:noFill/>
+        </p:spPr>
+        <p:txBody>
+          <a:bodyPr wrap="none" rtlCol="0">
+            <a:spAutoFit/>
+          </a:bodyPr>
+          <a:lstStyle/>
+          <a:p>
+            <a:r>
+              <a:rPr lang="nl-NL" b="1" dirty="0"/>
+              <a:t>Fase 3 (anker)</a:t>
+            </a:r>
+          </a:p>
+        </p:txBody>
+      </p:sp>
       <p:pic>
         <p:nvPicPr>
-          <p:cNvPr id="8" name="Picture 7">
-            <a:extLst>
-              <a:ext uri="{FF2B5EF4-FFF2-40B4-BE49-F238E27FC236}">
-                <a16:creationId xmlns:a16="http://schemas.microsoft.com/office/drawing/2014/main" id="{99087F52-7949-A6BA-C02B-16B89F46FBBE}"/>
+          <p:cNvPr id="9" name="Picture 8">
+            <a:extLst>
+              <a:ext uri="{FF2B5EF4-FFF2-40B4-BE49-F238E27FC236}">
+                <a16:creationId xmlns:a16="http://schemas.microsoft.com/office/drawing/2014/main" id="{8AF7F711-25C0-9DC5-A8D1-FA1836405DA3}"/>
               </a:ext>
             </a:extLst>
           </p:cNvPr>
@@ -27023,8 +26047,8 @@
         </p:blipFill>
         <p:spPr>
           <a:xfrm>
-            <a:off x="898525" y="2959431"/>
-            <a:ext cx="4702086" cy="3281732"/>
+            <a:off x="924001" y="3092629"/>
+            <a:ext cx="4620568" cy="3192508"/>
           </a:xfrm>
           <a:prstGeom prst="rect">
             <a:avLst/>
@@ -27033,10 +26057,10 @@
       </p:pic>
       <p:pic>
         <p:nvPicPr>
-          <p:cNvPr id="10" name="Picture 9">
-            <a:extLst>
-              <a:ext uri="{FF2B5EF4-FFF2-40B4-BE49-F238E27FC236}">
-                <a16:creationId xmlns:a16="http://schemas.microsoft.com/office/drawing/2014/main" id="{1876A59C-0F6A-41E8-F8BF-69C12F1A3C27}"/>
+          <p:cNvPr id="14" name="Picture 13">
+            <a:extLst>
+              <a:ext uri="{FF2B5EF4-FFF2-40B4-BE49-F238E27FC236}">
+                <a16:creationId xmlns:a16="http://schemas.microsoft.com/office/drawing/2014/main" id="{E923AED5-622A-0F28-8ECF-2EF5E7D348AA}"/>
               </a:ext>
             </a:extLst>
           </p:cNvPr>
@@ -27053,92 +26077,14 @@
         </p:blipFill>
         <p:spPr>
           <a:xfrm>
-            <a:off x="6067425" y="2949906"/>
-            <a:ext cx="4702086" cy="3285638"/>
+            <a:off x="6215495" y="3092628"/>
+            <a:ext cx="4620567" cy="3249137"/>
           </a:xfrm>
           <a:prstGeom prst="rect">
             <a:avLst/>
           </a:prstGeom>
         </p:spPr>
       </p:pic>
-      <p:sp>
-        <p:nvSpPr>
-          <p:cNvPr id="11" name="TextBox 10">
-            <a:extLst>
-              <a:ext uri="{FF2B5EF4-FFF2-40B4-BE49-F238E27FC236}">
-                <a16:creationId xmlns:a16="http://schemas.microsoft.com/office/drawing/2014/main" id="{437EC6C9-2F13-5E57-6ADC-70CD05F316AA}"/>
-              </a:ext>
-            </a:extLst>
-          </p:cNvPr>
-          <p:cNvSpPr txBox="1"/>
-          <p:nvPr/>
-        </p:nvSpPr>
-        <p:spPr>
-          <a:xfrm>
-            <a:off x="2099253" y="2483697"/>
-            <a:ext cx="2416046" cy="369332"/>
-          </a:xfrm>
-          <a:prstGeom prst="rect">
-            <a:avLst/>
-          </a:prstGeom>
-          <a:noFill/>
-        </p:spPr>
-        <p:txBody>
-          <a:bodyPr wrap="none" rtlCol="0">
-            <a:spAutoFit/>
-          </a:bodyPr>
-          <a:lstStyle/>
-          <a:p>
-            <a:r>
-              <a:rPr lang="nl-NL" b="1" dirty="0"/>
-              <a:t>Stage 2 (</a:t>
-            </a:r>
-            <a:r>
-              <a:rPr lang="nl-NL" b="1" dirty="0" err="1"/>
-              <a:t>excavation</a:t>
-            </a:r>
-            <a:r>
-              <a:rPr lang="nl-NL" b="1" dirty="0"/>
-              <a:t>)</a:t>
-            </a:r>
-          </a:p>
-        </p:txBody>
-      </p:sp>
-      <p:sp>
-        <p:nvSpPr>
-          <p:cNvPr id="12" name="TextBox 11">
-            <a:extLst>
-              <a:ext uri="{FF2B5EF4-FFF2-40B4-BE49-F238E27FC236}">
-                <a16:creationId xmlns:a16="http://schemas.microsoft.com/office/drawing/2014/main" id="{C92871AE-57A8-9B57-ADCC-8EE5A66E8E3C}"/>
-              </a:ext>
-            </a:extLst>
-          </p:cNvPr>
-          <p:cNvSpPr txBox="1"/>
-          <p:nvPr/>
-        </p:nvSpPr>
-        <p:spPr>
-          <a:xfrm>
-            <a:off x="7357053" y="2512603"/>
-            <a:ext cx="1838965" cy="369332"/>
-          </a:xfrm>
-          <a:prstGeom prst="rect">
-            <a:avLst/>
-          </a:prstGeom>
-          <a:noFill/>
-        </p:spPr>
-        <p:txBody>
-          <a:bodyPr wrap="none" rtlCol="0">
-            <a:spAutoFit/>
-          </a:bodyPr>
-          <a:lstStyle/>
-          <a:p>
-            <a:r>
-              <a:rPr lang="nl-NL" b="1" dirty="0"/>
-              <a:t>Stage 3 (anker)</a:t>
-            </a:r>
-          </a:p>
-        </p:txBody>
-      </p:sp>
     </p:spTree>
     <p:extLst>
       <p:ext uri="{BB962C8B-B14F-4D97-AF65-F5344CB8AC3E}">
@@ -27191,29 +26137,14 @@
           <a:lstStyle/>
           <a:p>
             <a:r>
+              <a:rPr lang="nl-NL" noProof="0" dirty="0"/>
+              <a:t>O</a:t>
+            </a:r>
+            <a:r>
               <a:rPr lang="nl-NL" dirty="0" err="1"/>
-              <a:t>Probabilistic</a:t>
-            </a:r>
-            <a:r>
-              <a:rPr lang="nl-NL" dirty="0"/>
-              <a:t> </a:t>
-            </a:r>
-            <a:r>
-              <a:rPr lang="nl-NL" dirty="0" err="1"/>
-              <a:t>calculations</a:t>
-            </a:r>
-            <a:r>
-              <a:rPr lang="nl-NL" dirty="0"/>
-              <a:t>: </a:t>
-            </a:r>
-            <a:r>
-              <a:rPr lang="nl-NL" dirty="0" err="1"/>
-              <a:t>uncertainty</a:t>
-            </a:r>
-            <a:r>
-              <a:rPr lang="nl-NL" dirty="0"/>
-              <a:t> analysis</a:t>
-            </a:r>
+              <a:t>nzekerheidsanalyse</a:t>
+            </a:r>
+            <a:endParaRPr lang="nl-NL" dirty="0"/>
           </a:p>
         </p:txBody>
       </p:sp>
@@ -27244,20 +26175,8 @@
           <a:lstStyle/>
           <a:p>
             <a:r>
-              <a:rPr lang="nl-NL" dirty="0" err="1"/>
-              <a:t>Maximal</a:t>
-            </a:r>
-            <a:r>
               <a:rPr lang="nl-NL" dirty="0"/>
-              <a:t> </a:t>
-            </a:r>
-            <a:r>
-              <a:rPr lang="nl-NL" dirty="0" err="1"/>
-              <a:t>bending</a:t>
-            </a:r>
-            <a:r>
-              <a:rPr lang="nl-NL" dirty="0"/>
-              <a:t> moment</a:t>
+              <a:t>Maximaal buigmoment </a:t>
             </a:r>
           </a:p>
           <a:p>
@@ -27267,15 +26186,7 @@
             </a:r>
             <a:r>
               <a:rPr lang="nl-NL" dirty="0"/>
-              <a:t> Monte Carlo </a:t>
-            </a:r>
-            <a:r>
-              <a:rPr lang="nl-NL" dirty="0" err="1"/>
-              <a:t>with</a:t>
-            </a:r>
-            <a:r>
-              <a:rPr lang="nl-NL" dirty="0"/>
-              <a:t> 1000 samples</a:t>
+              <a:t> Monte Carlo met 1000 trekkingen</a:t>
             </a:r>
           </a:p>
           <a:p>
@@ -27443,7 +26354,7 @@
         <p:spPr>
           <a:xfrm>
             <a:off x="2099253" y="2378922"/>
-            <a:ext cx="2416046" cy="369332"/>
+            <a:ext cx="2313454" cy="369332"/>
           </a:xfrm>
           <a:prstGeom prst="rect">
             <a:avLst/>
@@ -27458,15 +26369,7 @@
           <a:p>
             <a:r>
               <a:rPr lang="nl-NL" b="1" dirty="0"/>
-              <a:t>Stage 2 (</a:t>
-            </a:r>
-            <a:r>
-              <a:rPr lang="nl-NL" b="1" dirty="0" err="1"/>
-              <a:t>excavation</a:t>
-            </a:r>
-            <a:r>
-              <a:rPr lang="nl-NL" b="1" dirty="0"/>
-              <a:t>)</a:t>
+              <a:t>Fase 2 (ontgraving)</a:t>
             </a:r>
           </a:p>
         </p:txBody>
@@ -27486,7 +26389,7 @@
         <p:spPr>
           <a:xfrm>
             <a:off x="8100003" y="2407828"/>
-            <a:ext cx="1838965" cy="369332"/>
+            <a:ext cx="1736373" cy="369332"/>
           </a:xfrm>
           <a:prstGeom prst="rect">
             <a:avLst/>
@@ -27501,7 +26404,7 @@
           <a:p>
             <a:r>
               <a:rPr lang="nl-NL" b="1" dirty="0"/>
-              <a:t>Stage 3 (anker)</a:t>
+              <a:t>Fase 3 (anker)</a:t>
             </a:r>
           </a:p>
         </p:txBody>

--- a/sources/Deltares.Probabilistic.PWrapper.Examples/kratos/Prob Kratos DSD.pptx
+++ b/sources/Deltares.Probabilistic.PWrapper.Examples/kratos/Prob Kratos DSD.pptx
@@ -15138,64 +15138,6 @@
       </p:pic>
       <p:sp>
         <p:nvSpPr>
-          <p:cNvPr id="7" name="Ondertitel 6">
-            <a:extLst>
-              <a:ext uri="{FF2B5EF4-FFF2-40B4-BE49-F238E27FC236}">
-                <a16:creationId xmlns:a16="http://schemas.microsoft.com/office/drawing/2014/main" id="{838C8FD7-55FC-4DBD-825A-309E45D66332}"/>
-              </a:ext>
-            </a:extLst>
-          </p:cNvPr>
-          <p:cNvSpPr>
-            <a:spLocks noGrp="1"/>
-          </p:cNvSpPr>
-          <p:nvPr>
-            <p:ph type="subTitle" idx="1"/>
-          </p:nvPr>
-        </p:nvSpPr>
-        <p:spPr>
-          <a:xfrm>
-            <a:off x="5694002" y="3854640"/>
-            <a:ext cx="6002228" cy="676275"/>
-          </a:xfrm>
-        </p:spPr>
-        <p:txBody>
-          <a:bodyPr/>
-          <a:lstStyle/>
-          <a:p>
-            <a:r>
-              <a:rPr lang="nl-NL" dirty="0" err="1"/>
-              <a:t>Probabilistic</a:t>
-            </a:r>
-            <a:r>
-              <a:rPr lang="nl-NL" dirty="0"/>
-              <a:t> </a:t>
-            </a:r>
-            <a:r>
-              <a:rPr lang="nl-NL" dirty="0" err="1"/>
-              <a:t>calculations</a:t>
-            </a:r>
-            <a:r>
-              <a:rPr lang="nl-NL" dirty="0"/>
-              <a:t> </a:t>
-            </a:r>
-            <a:r>
-              <a:rPr lang="nl-NL" dirty="0" err="1"/>
-              <a:t>with</a:t>
-            </a:r>
-            <a:r>
-              <a:rPr lang="nl-NL" dirty="0"/>
-              <a:t> </a:t>
-            </a:r>
-            <a:r>
-              <a:rPr lang="nl-NL" dirty="0" err="1"/>
-              <a:t>Kratos</a:t>
-            </a:r>
-            <a:endParaRPr lang="nl-NL" dirty="0"/>
-          </a:p>
-        </p:txBody>
-      </p:sp>
-      <p:sp>
-        <p:nvSpPr>
           <p:cNvPr id="14" name="Tijdelijke aanduiding voor datum 13">
             <a:extLst>
               <a:ext uri="{FF2B5EF4-FFF2-40B4-BE49-F238E27FC236}">
@@ -15313,11 +15255,11 @@
           <a:p>
             <a:r>
               <a:rPr lang="nl-NL" dirty="0"/>
-              <a:t>Sheet </a:t>
+              <a:t>Probabilistische damwand-analyse met </a:t>
             </a:r>
             <a:r>
               <a:rPr lang="nl-NL" dirty="0" err="1"/>
-              <a:t>pile</a:t>
+              <a:t>Kratos</a:t>
             </a:r>
             <a:endParaRPr lang="nl-NL" dirty="0"/>
           </a:p>
@@ -22178,317 +22120,536 @@
           </a:p>
         </p:txBody>
       </p:sp>
-      <p:sp>
-        <p:nvSpPr>
-          <p:cNvPr id="3" name="Content Placeholder 2">
-            <a:extLst>
-              <a:ext uri="{FF2B5EF4-FFF2-40B4-BE49-F238E27FC236}">
-                <a16:creationId xmlns:a16="http://schemas.microsoft.com/office/drawing/2014/main" id="{A3FC3904-ED0A-03E9-A36E-E6D56EC64572}"/>
-              </a:ext>
-            </a:extLst>
-          </p:cNvPr>
-          <p:cNvSpPr>
-            <a:spLocks noGrp="1"/>
-          </p:cNvSpPr>
-          <p:nvPr>
-            <p:ph idx="1"/>
-          </p:nvPr>
-        </p:nvSpPr>
-        <p:spPr/>
-        <p:txBody>
-          <a:bodyPr/>
-          <a:lstStyle/>
-          <a:p>
-            <a:r>
-              <a:rPr lang="nl-NL" u="sng" dirty="0"/>
-              <a:t>A priori</a:t>
-            </a:r>
-            <a:r>
-              <a:rPr lang="nl-NL" dirty="0"/>
-              <a:t> faalkans in 2075, zonder aanvullende informatie</a:t>
-            </a:r>
-          </a:p>
-          <a:p>
-            <a:endParaRPr lang="nl-NL" dirty="0"/>
-          </a:p>
-          <a:p>
-            <a:endParaRPr lang="nl-NL" dirty="0"/>
-          </a:p>
-          <a:p>
-            <a:endParaRPr lang="nl-NL" dirty="0"/>
-          </a:p>
-          <a:p>
-            <a:r>
-              <a:rPr lang="nl-NL" u="sng" dirty="0"/>
-              <a:t>A posteriori</a:t>
-            </a:r>
-            <a:r>
-              <a:rPr lang="nl-NL" dirty="0"/>
-              <a:t> faalkans in 2075, inclusief bewezen sterkte:</a:t>
-            </a:r>
-          </a:p>
-          <a:p>
-            <a:endParaRPr lang="nl-NL" dirty="0"/>
-          </a:p>
-          <a:p>
-            <a:endParaRPr lang="nl-NL" dirty="0"/>
-          </a:p>
-          <a:p>
-            <a:endParaRPr lang="nl-NL" dirty="0"/>
-          </a:p>
-        </p:txBody>
-      </p:sp>
-      <p:sp>
-        <p:nvSpPr>
-          <p:cNvPr id="4" name="Date Placeholder 3">
-            <a:extLst>
-              <a:ext uri="{FF2B5EF4-FFF2-40B4-BE49-F238E27FC236}">
-                <a16:creationId xmlns:a16="http://schemas.microsoft.com/office/drawing/2014/main" id="{F6876C7A-DA7C-F595-5200-79E455DEE595}"/>
-              </a:ext>
-            </a:extLst>
-          </p:cNvPr>
-          <p:cNvSpPr>
-            <a:spLocks noGrp="1"/>
-          </p:cNvSpPr>
-          <p:nvPr>
-            <p:ph type="dt" sz="half" idx="10"/>
-          </p:nvPr>
-        </p:nvSpPr>
-        <p:spPr/>
-        <p:txBody>
-          <a:bodyPr/>
-          <a:lstStyle/>
-          <a:p>
-            <a:r>
-              <a:rPr lang="nl-NL"/>
-              <a:t> 28 november 2019</a:t>
-            </a:r>
-          </a:p>
-        </p:txBody>
-      </p:sp>
-      <p:sp>
-        <p:nvSpPr>
-          <p:cNvPr id="5" name="Footer Placeholder 4">
-            <a:extLst>
-              <a:ext uri="{FF2B5EF4-FFF2-40B4-BE49-F238E27FC236}">
-                <a16:creationId xmlns:a16="http://schemas.microsoft.com/office/drawing/2014/main" id="{461FCAB7-233B-6577-B002-336AFFF727AC}"/>
-              </a:ext>
-            </a:extLst>
-          </p:cNvPr>
-          <p:cNvSpPr>
-            <a:spLocks noGrp="1"/>
-          </p:cNvSpPr>
-          <p:nvPr>
-            <p:ph type="ftr" sz="quarter" idx="11"/>
-          </p:nvPr>
-        </p:nvSpPr>
-        <p:spPr/>
-        <p:txBody>
-          <a:bodyPr/>
-          <a:lstStyle/>
-          <a:p>
-            <a:r>
-              <a:rPr lang="nl-NL"/>
-              <a:t>Voettekst van de presentatie</a:t>
-            </a:r>
-          </a:p>
-        </p:txBody>
-      </p:sp>
-      <p:sp>
-        <p:nvSpPr>
-          <p:cNvPr id="6" name="Slide Number Placeholder 5">
-            <a:extLst>
-              <a:ext uri="{FF2B5EF4-FFF2-40B4-BE49-F238E27FC236}">
-                <a16:creationId xmlns:a16="http://schemas.microsoft.com/office/drawing/2014/main" id="{709238F8-5AB9-33A7-80BD-184EE1935D44}"/>
-              </a:ext>
-            </a:extLst>
-          </p:cNvPr>
-          <p:cNvSpPr>
-            <a:spLocks noGrp="1"/>
-          </p:cNvSpPr>
-          <p:nvPr>
-            <p:ph type="sldNum" sz="quarter" idx="12"/>
-          </p:nvPr>
-        </p:nvSpPr>
-        <p:spPr/>
-        <p:txBody>
-          <a:bodyPr/>
-          <a:lstStyle/>
-          <a:p>
-            <a:fld id="{F42B3F14-D836-496B-80A2-23BE75BD68CB}" type="slidenum">
-              <a:rPr lang="nl-NL" smtClean="0"/>
-              <a:t>18</a:t>
-            </a:fld>
-            <a:endParaRPr lang="nl-NL"/>
-          </a:p>
-        </p:txBody>
-      </p:sp>
-      <mc:AlternateContent xmlns:mc="http://schemas.openxmlformats.org/markup-compatibility/2006" xmlns:a14="http://schemas.microsoft.com/office/drawing/2010/main">
-        <mc:Choice Requires="a14">
+      <mc:AlternateContent xmlns:mc="http://schemas.openxmlformats.org/markup-compatibility/2006">
+        <mc:Choice xmlns:a14="http://schemas.microsoft.com/office/drawing/2010/main" Requires="a14">
           <p:sp>
             <p:nvSpPr>
-              <p:cNvPr id="7" name="TextBox 6">
+              <p:cNvPr id="3" name="Content Placeholder 2">
                 <a:extLst>
                   <a:ext uri="{FF2B5EF4-FFF2-40B4-BE49-F238E27FC236}">
-                    <a16:creationId xmlns:a16="http://schemas.microsoft.com/office/drawing/2014/main" id="{89A9B65B-075B-3609-69AB-3AFBFDBD7A1E}"/>
+                    <a16:creationId xmlns:a16="http://schemas.microsoft.com/office/drawing/2014/main" id="{A3FC3904-ED0A-03E9-A36E-E6D56EC64572}"/>
                   </a:ext>
                 </a:extLst>
               </p:cNvPr>
-              <p:cNvSpPr txBox="1"/>
-              <p:nvPr/>
+              <p:cNvSpPr>
+                <a:spLocks noGrp="1"/>
+              </p:cNvSpPr>
+              <p:nvPr>
+                <p:ph idx="1"/>
+              </p:nvPr>
             </p:nvSpPr>
-            <p:spPr>
-              <a:xfrm>
-                <a:off x="995437" y="2205799"/>
-                <a:ext cx="2931187" cy="298415"/>
-              </a:xfrm>
-              <a:prstGeom prst="rect">
-                <a:avLst/>
-              </a:prstGeom>
-              <a:noFill/>
-            </p:spPr>
+            <p:spPr/>
             <p:txBody>
-              <a:bodyPr wrap="none" lIns="0" tIns="0" rIns="0" bIns="0" rtlCol="0">
-                <a:spAutoFit/>
-              </a:bodyPr>
+              <a:bodyPr/>
               <a:lstStyle/>
               <a:p>
-                <a:pPr/>
+                <a:r>
+                  <a:rPr lang="nl-NL" u="sng" dirty="0"/>
+                  <a:t>A priori</a:t>
+                </a:r>
+                <a:r>
+                  <a:rPr lang="nl-NL" dirty="0"/>
+                  <a:t> faalkans in 2075, zonder aanvullende informatie</a:t>
+                </a:r>
+              </a:p>
+              <a:p>
                 <a14:m>
-                  <m:oMathPara xmlns:m="http://schemas.openxmlformats.org/officeDocument/2006/math">
-                    <m:oMathParaPr>
-                      <m:jc m:val="centerGroup"/>
-                    </m:oMathParaPr>
-                    <m:oMath xmlns:m="http://schemas.openxmlformats.org/officeDocument/2006/math">
-                      <m:sSub>
-                        <m:sSubPr>
-                          <m:ctrlPr>
-                            <a:rPr lang="nl-NL" i="1" smtClean="0">
-                              <a:solidFill>
-                                <a:schemeClr val="tx2">
-                                  <a:lumMod val="60000"/>
-                                  <a:lumOff val="40000"/>
-                                </a:schemeClr>
-                              </a:solidFill>
-                              <a:latin typeface="Cambria Math" panose="02040503050406030204" pitchFamily="18" charset="0"/>
-                            </a:rPr>
-                          </m:ctrlPr>
-                        </m:sSubPr>
-                        <m:e>
-                          <m:r>
-                            <a:rPr lang="nl-NL" b="0" i="1" smtClean="0">
-                              <a:solidFill>
-                                <a:schemeClr val="tx2">
-                                  <a:lumMod val="60000"/>
-                                  <a:lumOff val="40000"/>
-                                </a:schemeClr>
-                              </a:solidFill>
-                              <a:latin typeface="Cambria Math" panose="02040503050406030204" pitchFamily="18" charset="0"/>
-                            </a:rPr>
-                            <m:t>𝑃</m:t>
-                          </m:r>
-                          <m:r>
-                            <a:rPr lang="nl-NL" b="0" i="1" smtClean="0">
-                              <a:solidFill>
-                                <a:schemeClr val="tx2">
-                                  <a:lumMod val="60000"/>
-                                  <a:lumOff val="40000"/>
-                                </a:schemeClr>
-                              </a:solidFill>
-                              <a:latin typeface="Cambria Math" panose="02040503050406030204" pitchFamily="18" charset="0"/>
-                            </a:rPr>
-                            <m:t>(</m:t>
-                          </m:r>
-                          <m:r>
-                            <a:rPr lang="nl-NL" i="1">
-                              <a:solidFill>
-                                <a:schemeClr val="tx2">
-                                  <a:lumMod val="60000"/>
-                                  <a:lumOff val="40000"/>
-                                </a:schemeClr>
-                              </a:solidFill>
-                              <a:latin typeface="Cambria Math" panose="02040503050406030204" pitchFamily="18" charset="0"/>
-                            </a:rPr>
-                            <m:t>𝑍</m:t>
-                          </m:r>
-                        </m:e>
-                        <m:sub>
-                          <m:r>
-                            <a:rPr lang="nl-NL" i="1">
-                              <a:solidFill>
-                                <a:schemeClr val="tx2">
-                                  <a:lumMod val="60000"/>
-                                  <a:lumOff val="40000"/>
-                                </a:schemeClr>
-                              </a:solidFill>
-                              <a:latin typeface="Cambria Math" panose="02040503050406030204" pitchFamily="18" charset="0"/>
-                            </a:rPr>
-                            <m:t>𝑑𝑖</m:t>
-                          </m:r>
-                          <m:r>
-                            <a:rPr lang="nl-NL" b="0" i="1" smtClean="0">
-                              <a:solidFill>
-                                <a:schemeClr val="tx2">
-                                  <a:lumMod val="60000"/>
-                                  <a:lumOff val="40000"/>
-                                </a:schemeClr>
-                              </a:solidFill>
-                              <a:latin typeface="Cambria Math" panose="02040503050406030204" pitchFamily="18" charset="0"/>
-                            </a:rPr>
-                            <m:t>𝑠</m:t>
-                          </m:r>
-                          <m:r>
-                            <a:rPr lang="nl-NL" i="1">
-                              <a:solidFill>
-                                <a:schemeClr val="tx2">
-                                  <a:lumMod val="60000"/>
-                                  <a:lumOff val="40000"/>
-                                </a:schemeClr>
-                              </a:solidFill>
-                              <a:latin typeface="Cambria Math" panose="02040503050406030204" pitchFamily="18" charset="0"/>
-                            </a:rPr>
-                            <m:t>𝑝𝑙𝑎𝑐𝑒𝑚𝑒𝑛𝑡</m:t>
-                          </m:r>
-                        </m:sub>
-                      </m:sSub>
-                      <m:r>
-                        <a:rPr lang="nl-NL" b="0" i="1" smtClean="0">
-                          <a:solidFill>
-                            <a:schemeClr val="tx2">
-                              <a:lumMod val="60000"/>
-                              <a:lumOff val="40000"/>
-                            </a:schemeClr>
-                          </a:solidFill>
-                          <a:latin typeface="Cambria Math" panose="02040503050406030204" pitchFamily="18" charset="0"/>
-                        </a:rPr>
-                        <m:t> </m:t>
-                      </m:r>
-                      <m:r>
-                        <a:rPr lang="nl-NL" b="0" i="1" smtClean="0">
-                          <a:solidFill>
-                            <a:schemeClr val="tx2">
-                              <a:lumMod val="60000"/>
-                              <a:lumOff val="40000"/>
-                            </a:schemeClr>
-                          </a:solidFill>
-                          <a:latin typeface="Cambria Math" panose="02040503050406030204" pitchFamily="18" charset="0"/>
-                        </a:rPr>
-                        <m:t>𝑖𝑛</m:t>
-                      </m:r>
-                      <m:r>
-                        <a:rPr lang="nl-NL" b="0" i="1" smtClean="0">
-                          <a:solidFill>
-                            <a:schemeClr val="tx2">
-                              <a:lumMod val="60000"/>
-                              <a:lumOff val="40000"/>
-                            </a:schemeClr>
-                          </a:solidFill>
-                          <a:latin typeface="Cambria Math" panose="02040503050406030204" pitchFamily="18" charset="0"/>
-                        </a:rPr>
-                        <m:t> 2075&lt;0)</m:t>
-                      </m:r>
-                    </m:oMath>
-                  </m:oMathPara>
+                  <m:oMath xmlns:m="http://schemas.openxmlformats.org/officeDocument/2006/math">
+                    <m:sSub>
+                      <m:sSubPr>
+                        <m:ctrlPr>
+                          <a:rPr lang="nl-NL" i="1">
+                            <a:solidFill>
+                              <a:schemeClr val="tx2">
+                                <a:lumMod val="60000"/>
+                                <a:lumOff val="40000"/>
+                              </a:schemeClr>
+                            </a:solidFill>
+                            <a:latin typeface="Cambria Math" panose="02040503050406030204" pitchFamily="18" charset="0"/>
+                          </a:rPr>
+                        </m:ctrlPr>
+                      </m:sSubPr>
+                      <m:e>
+                        <m:r>
+                          <a:rPr lang="nl-NL" i="1">
+                            <a:solidFill>
+                              <a:schemeClr val="tx2">
+                                <a:lumMod val="60000"/>
+                                <a:lumOff val="40000"/>
+                              </a:schemeClr>
+                            </a:solidFill>
+                            <a:latin typeface="Cambria Math" panose="02040503050406030204" pitchFamily="18" charset="0"/>
+                          </a:rPr>
+                          <m:t>𝑃</m:t>
+                        </m:r>
+                        <m:r>
+                          <a:rPr lang="nl-NL" i="1">
+                            <a:solidFill>
+                              <a:schemeClr val="tx2">
+                                <a:lumMod val="60000"/>
+                                <a:lumOff val="40000"/>
+                              </a:schemeClr>
+                            </a:solidFill>
+                            <a:latin typeface="Cambria Math" panose="02040503050406030204" pitchFamily="18" charset="0"/>
+                          </a:rPr>
+                          <m:t>(</m:t>
+                        </m:r>
+                        <m:r>
+                          <a:rPr lang="nl-NL" i="1">
+                            <a:solidFill>
+                              <a:schemeClr val="tx2">
+                                <a:lumMod val="60000"/>
+                                <a:lumOff val="40000"/>
+                              </a:schemeClr>
+                            </a:solidFill>
+                            <a:latin typeface="Cambria Math" panose="02040503050406030204" pitchFamily="18" charset="0"/>
+                          </a:rPr>
+                          <m:t>𝑍</m:t>
+                        </m:r>
+                      </m:e>
+                      <m:sub>
+                        <m:r>
+                          <a:rPr lang="nl-NL" i="1">
+                            <a:solidFill>
+                              <a:schemeClr val="tx2">
+                                <a:lumMod val="60000"/>
+                                <a:lumOff val="40000"/>
+                              </a:schemeClr>
+                            </a:solidFill>
+                            <a:latin typeface="Cambria Math" panose="02040503050406030204" pitchFamily="18" charset="0"/>
+                          </a:rPr>
+                          <m:t>𝑑𝑖</m:t>
+                        </m:r>
+                        <m:r>
+                          <a:rPr lang="nl-NL" i="1">
+                            <a:solidFill>
+                              <a:schemeClr val="tx2">
+                                <a:lumMod val="60000"/>
+                                <a:lumOff val="40000"/>
+                              </a:schemeClr>
+                            </a:solidFill>
+                            <a:latin typeface="Cambria Math" panose="02040503050406030204" pitchFamily="18" charset="0"/>
+                          </a:rPr>
+                          <m:t>𝑠</m:t>
+                        </m:r>
+                        <m:r>
+                          <a:rPr lang="nl-NL" i="1">
+                            <a:solidFill>
+                              <a:schemeClr val="tx2">
+                                <a:lumMod val="60000"/>
+                                <a:lumOff val="40000"/>
+                              </a:schemeClr>
+                            </a:solidFill>
+                            <a:latin typeface="Cambria Math" panose="02040503050406030204" pitchFamily="18" charset="0"/>
+                          </a:rPr>
+                          <m:t>𝑝𝑙𝑎𝑐𝑒𝑚𝑒𝑛𝑡</m:t>
+                        </m:r>
+                      </m:sub>
+                    </m:sSub>
+                    <m:r>
+                      <a:rPr lang="nl-NL" i="1">
+                        <a:solidFill>
+                          <a:schemeClr val="tx2">
+                            <a:lumMod val="60000"/>
+                            <a:lumOff val="40000"/>
+                          </a:schemeClr>
+                        </a:solidFill>
+                        <a:latin typeface="Cambria Math" panose="02040503050406030204" pitchFamily="18" charset="0"/>
+                      </a:rPr>
+                      <m:t> </m:t>
+                    </m:r>
+                    <m:r>
+                      <a:rPr lang="nl-NL" i="1">
+                        <a:solidFill>
+                          <a:schemeClr val="tx2">
+                            <a:lumMod val="60000"/>
+                            <a:lumOff val="40000"/>
+                          </a:schemeClr>
+                        </a:solidFill>
+                        <a:latin typeface="Cambria Math" panose="02040503050406030204" pitchFamily="18" charset="0"/>
+                      </a:rPr>
+                      <m:t>𝑖𝑛</m:t>
+                    </m:r>
+                    <m:r>
+                      <a:rPr lang="nl-NL" i="1">
+                        <a:solidFill>
+                          <a:schemeClr val="tx2">
+                            <a:lumMod val="60000"/>
+                            <a:lumOff val="40000"/>
+                          </a:schemeClr>
+                        </a:solidFill>
+                        <a:latin typeface="Cambria Math" panose="02040503050406030204" pitchFamily="18" charset="0"/>
+                      </a:rPr>
+                      <m:t> 2075&lt;0)</m:t>
+                    </m:r>
+                  </m:oMath>
+                </a14:m>
+                <a:endParaRPr lang="nl-NL" dirty="0"/>
+              </a:p>
+              <a:p>
+                <a:endParaRPr lang="nl-NL" dirty="0"/>
+              </a:p>
+              <a:p>
+                <a:r>
+                  <a:rPr lang="nl-NL" u="sng" dirty="0"/>
+                  <a:t>Bewezen sterkte</a:t>
+                </a:r>
+                <a:r>
+                  <a:rPr lang="nl-NL" dirty="0"/>
+                  <a:t> kans in 2025</a:t>
+                </a:r>
+              </a:p>
+              <a:p>
+                <a14:m>
+                  <m:oMath xmlns:m="http://schemas.openxmlformats.org/officeDocument/2006/math">
+                    <m:sSub>
+                      <m:sSubPr>
+                        <m:ctrlPr>
+                          <a:rPr lang="nl-NL" i="1">
+                            <a:solidFill>
+                              <a:schemeClr val="tx2">
+                                <a:lumMod val="60000"/>
+                                <a:lumOff val="40000"/>
+                              </a:schemeClr>
+                            </a:solidFill>
+                            <a:latin typeface="Cambria Math" panose="02040503050406030204" pitchFamily="18" charset="0"/>
+                          </a:rPr>
+                        </m:ctrlPr>
+                      </m:sSubPr>
+                      <m:e>
+                        <m:r>
+                          <a:rPr lang="nl-NL" i="1">
+                            <a:solidFill>
+                              <a:schemeClr val="tx2">
+                                <a:lumMod val="60000"/>
+                                <a:lumOff val="40000"/>
+                              </a:schemeClr>
+                            </a:solidFill>
+                            <a:latin typeface="Cambria Math" panose="02040503050406030204" pitchFamily="18" charset="0"/>
+                          </a:rPr>
+                          <m:t>𝑃</m:t>
+                        </m:r>
+                        <m:r>
+                          <a:rPr lang="nl-NL" i="1">
+                            <a:solidFill>
+                              <a:schemeClr val="tx2">
+                                <a:lumMod val="60000"/>
+                                <a:lumOff val="40000"/>
+                              </a:schemeClr>
+                            </a:solidFill>
+                            <a:latin typeface="Cambria Math" panose="02040503050406030204" pitchFamily="18" charset="0"/>
+                          </a:rPr>
+                          <m:t>(</m:t>
+                        </m:r>
+                        <m:r>
+                          <a:rPr lang="nl-NL" i="1">
+                            <a:solidFill>
+                              <a:schemeClr val="tx2">
+                                <a:lumMod val="60000"/>
+                                <a:lumOff val="40000"/>
+                              </a:schemeClr>
+                            </a:solidFill>
+                            <a:latin typeface="Cambria Math" panose="02040503050406030204" pitchFamily="18" charset="0"/>
+                          </a:rPr>
+                          <m:t>𝑍</m:t>
+                        </m:r>
+                      </m:e>
+                      <m:sub>
+                        <m:r>
+                          <a:rPr lang="nl-NL" i="1">
+                            <a:solidFill>
+                              <a:schemeClr val="tx2">
+                                <a:lumMod val="60000"/>
+                                <a:lumOff val="40000"/>
+                              </a:schemeClr>
+                            </a:solidFill>
+                            <a:latin typeface="Cambria Math" panose="02040503050406030204" pitchFamily="18" charset="0"/>
+                          </a:rPr>
+                          <m:t>𝑑𝑖𝑠𝑝𝑙𝑎𝑐𝑒𝑚𝑒𝑛𝑡</m:t>
+                        </m:r>
+                      </m:sub>
+                    </m:sSub>
+                    <m:r>
+                      <a:rPr lang="nl-NL" i="1">
+                        <a:solidFill>
+                          <a:schemeClr val="tx2">
+                            <a:lumMod val="60000"/>
+                            <a:lumOff val="40000"/>
+                          </a:schemeClr>
+                        </a:solidFill>
+                        <a:latin typeface="Cambria Math" panose="02040503050406030204" pitchFamily="18" charset="0"/>
+                      </a:rPr>
+                      <m:t> </m:t>
+                    </m:r>
+                    <m:r>
+                      <a:rPr lang="nl-NL" i="1">
+                        <a:solidFill>
+                          <a:schemeClr val="tx2">
+                            <a:lumMod val="60000"/>
+                            <a:lumOff val="40000"/>
+                          </a:schemeClr>
+                        </a:solidFill>
+                        <a:latin typeface="Cambria Math" panose="02040503050406030204" pitchFamily="18" charset="0"/>
+                      </a:rPr>
+                      <m:t>𝑖𝑛</m:t>
+                    </m:r>
+                    <m:r>
+                      <a:rPr lang="nl-NL" i="1">
+                        <a:solidFill>
+                          <a:schemeClr val="tx2">
+                            <a:lumMod val="60000"/>
+                            <a:lumOff val="40000"/>
+                          </a:schemeClr>
+                        </a:solidFill>
+                        <a:latin typeface="Cambria Math" panose="02040503050406030204" pitchFamily="18" charset="0"/>
+                      </a:rPr>
+                      <m:t> 2025&gt;0)</m:t>
+                    </m:r>
+                  </m:oMath>
+                </a14:m>
+                <a:endParaRPr lang="nl-NL" dirty="0"/>
+              </a:p>
+              <a:p>
+                <a:endParaRPr lang="nl-NL" dirty="0"/>
+              </a:p>
+              <a:p>
+                <a:r>
+                  <a:rPr lang="nl-NL" u="sng" dirty="0"/>
+                  <a:t>A posteriori</a:t>
+                </a:r>
+                <a:r>
+                  <a:rPr lang="nl-NL" dirty="0"/>
+                  <a:t> faalkans in 2075, inclusief bewezen sterkte:</a:t>
+                </a:r>
+              </a:p>
+              <a:p>
+                <a14:m>
+                  <m:oMath xmlns:m="http://schemas.openxmlformats.org/officeDocument/2006/math">
+                    <m:sSub>
+                      <m:sSubPr>
+                        <m:ctrlPr>
+                          <a:rPr lang="nl-NL" i="1">
+                            <a:solidFill>
+                              <a:schemeClr val="tx2">
+                                <a:lumMod val="60000"/>
+                                <a:lumOff val="40000"/>
+                              </a:schemeClr>
+                            </a:solidFill>
+                            <a:latin typeface="Cambria Math" panose="02040503050406030204" pitchFamily="18" charset="0"/>
+                          </a:rPr>
+                        </m:ctrlPr>
+                      </m:sSubPr>
+                      <m:e>
+                        <m:r>
+                          <a:rPr lang="nl-NL" i="1">
+                            <a:solidFill>
+                              <a:schemeClr val="tx2">
+                                <a:lumMod val="60000"/>
+                                <a:lumOff val="40000"/>
+                              </a:schemeClr>
+                            </a:solidFill>
+                            <a:latin typeface="Cambria Math" panose="02040503050406030204" pitchFamily="18" charset="0"/>
+                          </a:rPr>
+                          <m:t>𝑃</m:t>
+                        </m:r>
+                        <m:r>
+                          <a:rPr lang="nl-NL" i="1">
+                            <a:solidFill>
+                              <a:schemeClr val="tx2">
+                                <a:lumMod val="60000"/>
+                                <a:lumOff val="40000"/>
+                              </a:schemeClr>
+                            </a:solidFill>
+                            <a:latin typeface="Cambria Math" panose="02040503050406030204" pitchFamily="18" charset="0"/>
+                          </a:rPr>
+                          <m:t>(</m:t>
+                        </m:r>
+                        <m:r>
+                          <a:rPr lang="nl-NL" i="1">
+                            <a:solidFill>
+                              <a:schemeClr val="tx2">
+                                <a:lumMod val="60000"/>
+                                <a:lumOff val="40000"/>
+                              </a:schemeClr>
+                            </a:solidFill>
+                            <a:latin typeface="Cambria Math" panose="02040503050406030204" pitchFamily="18" charset="0"/>
+                          </a:rPr>
+                          <m:t>𝑍</m:t>
+                        </m:r>
+                      </m:e>
+                      <m:sub>
+                        <m:r>
+                          <a:rPr lang="nl-NL" i="1">
+                            <a:solidFill>
+                              <a:schemeClr val="tx2">
+                                <a:lumMod val="60000"/>
+                                <a:lumOff val="40000"/>
+                              </a:schemeClr>
+                            </a:solidFill>
+                            <a:latin typeface="Cambria Math" panose="02040503050406030204" pitchFamily="18" charset="0"/>
+                          </a:rPr>
+                          <m:t>𝑑𝑖</m:t>
+                        </m:r>
+                        <m:r>
+                          <a:rPr lang="nl-NL" i="1">
+                            <a:solidFill>
+                              <a:schemeClr val="tx2">
+                                <a:lumMod val="60000"/>
+                                <a:lumOff val="40000"/>
+                              </a:schemeClr>
+                            </a:solidFill>
+                            <a:latin typeface="Cambria Math" panose="02040503050406030204" pitchFamily="18" charset="0"/>
+                          </a:rPr>
+                          <m:t>𝑠</m:t>
+                        </m:r>
+                        <m:r>
+                          <a:rPr lang="nl-NL" i="1">
+                            <a:solidFill>
+                              <a:schemeClr val="tx2">
+                                <a:lumMod val="60000"/>
+                                <a:lumOff val="40000"/>
+                              </a:schemeClr>
+                            </a:solidFill>
+                            <a:latin typeface="Cambria Math" panose="02040503050406030204" pitchFamily="18" charset="0"/>
+                          </a:rPr>
+                          <m:t>𝑝𝑙𝑎𝑐𝑒𝑚𝑒𝑛𝑡</m:t>
+                        </m:r>
+                      </m:sub>
+                    </m:sSub>
+                    <m:r>
+                      <a:rPr lang="nl-NL" i="1">
+                        <a:solidFill>
+                          <a:schemeClr val="tx2">
+                            <a:lumMod val="60000"/>
+                            <a:lumOff val="40000"/>
+                          </a:schemeClr>
+                        </a:solidFill>
+                        <a:latin typeface="Cambria Math" panose="02040503050406030204" pitchFamily="18" charset="0"/>
+                      </a:rPr>
+                      <m:t> </m:t>
+                    </m:r>
+                    <m:r>
+                      <a:rPr lang="nl-NL" i="1">
+                        <a:solidFill>
+                          <a:schemeClr val="tx2">
+                            <a:lumMod val="60000"/>
+                            <a:lumOff val="40000"/>
+                          </a:schemeClr>
+                        </a:solidFill>
+                        <a:latin typeface="Cambria Math" panose="02040503050406030204" pitchFamily="18" charset="0"/>
+                      </a:rPr>
+                      <m:t>𝑖𝑛</m:t>
+                    </m:r>
+                    <m:r>
+                      <a:rPr lang="nl-NL" i="1">
+                        <a:solidFill>
+                          <a:schemeClr val="tx2">
+                            <a:lumMod val="60000"/>
+                            <a:lumOff val="40000"/>
+                          </a:schemeClr>
+                        </a:solidFill>
+                        <a:latin typeface="Cambria Math" panose="02040503050406030204" pitchFamily="18" charset="0"/>
+                      </a:rPr>
+                      <m:t> 2075&lt;0</m:t>
+                    </m:r>
+                    <m:d>
+                      <m:dPr>
+                        <m:begChr m:val="|"/>
+                        <m:ctrlPr>
+                          <a:rPr lang="nl-NL" i="1">
+                            <a:solidFill>
+                              <a:schemeClr val="tx2">
+                                <a:lumMod val="60000"/>
+                                <a:lumOff val="40000"/>
+                              </a:schemeClr>
+                            </a:solidFill>
+                            <a:latin typeface="Cambria Math" panose="02040503050406030204" pitchFamily="18" charset="0"/>
+                          </a:rPr>
+                        </m:ctrlPr>
+                      </m:dPr>
+                      <m:e>
+                        <m:sSub>
+                          <m:sSubPr>
+                            <m:ctrlPr>
+                              <a:rPr lang="nl-NL" i="1">
+                                <a:solidFill>
+                                  <a:schemeClr val="tx2">
+                                    <a:lumMod val="60000"/>
+                                    <a:lumOff val="40000"/>
+                                  </a:schemeClr>
+                                </a:solidFill>
+                                <a:latin typeface="Cambria Math" panose="02040503050406030204" pitchFamily="18" charset="0"/>
+                              </a:rPr>
+                            </m:ctrlPr>
+                          </m:sSubPr>
+                          <m:e>
+                            <m:r>
+                              <a:rPr lang="nl-NL" i="1">
+                                <a:solidFill>
+                                  <a:schemeClr val="tx2">
+                                    <a:lumMod val="60000"/>
+                                    <a:lumOff val="40000"/>
+                                  </a:schemeClr>
+                                </a:solidFill>
+                                <a:latin typeface="Cambria Math" panose="02040503050406030204" pitchFamily="18" charset="0"/>
+                              </a:rPr>
+                              <m:t>𝑍</m:t>
+                            </m:r>
+                          </m:e>
+                          <m:sub>
+                            <m:r>
+                              <a:rPr lang="nl-NL" i="1">
+                                <a:solidFill>
+                                  <a:schemeClr val="tx2">
+                                    <a:lumMod val="60000"/>
+                                    <a:lumOff val="40000"/>
+                                  </a:schemeClr>
+                                </a:solidFill>
+                                <a:latin typeface="Cambria Math" panose="02040503050406030204" pitchFamily="18" charset="0"/>
+                              </a:rPr>
+                              <m:t>𝑑𝑖𝑠𝑝𝑙𝑎𝑐𝑒𝑚𝑒𝑛𝑡</m:t>
+                            </m:r>
+                          </m:sub>
+                        </m:sSub>
+                        <m:r>
+                          <a:rPr lang="nl-NL" i="1">
+                            <a:solidFill>
+                              <a:schemeClr val="tx2">
+                                <a:lumMod val="60000"/>
+                                <a:lumOff val="40000"/>
+                              </a:schemeClr>
+                            </a:solidFill>
+                            <a:latin typeface="Cambria Math" panose="02040503050406030204" pitchFamily="18" charset="0"/>
+                          </a:rPr>
+                          <m:t> </m:t>
+                        </m:r>
+                        <m:r>
+                          <a:rPr lang="nl-NL" i="1">
+                            <a:solidFill>
+                              <a:schemeClr val="tx2">
+                                <a:lumMod val="60000"/>
+                                <a:lumOff val="40000"/>
+                              </a:schemeClr>
+                            </a:solidFill>
+                            <a:latin typeface="Cambria Math" panose="02040503050406030204" pitchFamily="18" charset="0"/>
+                          </a:rPr>
+                          <m:t>𝑖𝑛</m:t>
+                        </m:r>
+                        <m:r>
+                          <a:rPr lang="nl-NL" i="1">
+                            <a:solidFill>
+                              <a:schemeClr val="tx2">
+                                <a:lumMod val="60000"/>
+                                <a:lumOff val="40000"/>
+                              </a:schemeClr>
+                            </a:solidFill>
+                            <a:latin typeface="Cambria Math" panose="02040503050406030204" pitchFamily="18" charset="0"/>
+                          </a:rPr>
+                          <m:t> 2025&gt;0</m:t>
+                        </m:r>
+                      </m:e>
+                    </m:d>
+                  </m:oMath>
                 </a14:m>
                 <a:endParaRPr lang="nl-NL" dirty="0">
                   <a:solidFill>
@@ -22499,36 +22660,410 @@
                   </a:solidFill>
                 </a:endParaRPr>
               </a:p>
+              <a:p>
+                <a:endParaRPr lang="nl-NL" dirty="0"/>
+              </a:p>
+              <a:p>
+                <a:r>
+                  <a:rPr lang="nl-NL" dirty="0" err="1"/>
+                  <a:t>Bayesian</a:t>
+                </a:r>
+                <a:r>
+                  <a:rPr lang="nl-NL" dirty="0"/>
+                  <a:t> updating:</a:t>
+                </a:r>
+              </a:p>
+              <a:p>
+                <a:r>
+                  <a:rPr lang="nl-NL" dirty="0"/>
+                  <a:t>=  </a:t>
+                </a:r>
+                <a14:m>
+                  <m:oMath xmlns:m="http://schemas.openxmlformats.org/officeDocument/2006/math">
+                    <m:sSub>
+                      <m:sSubPr>
+                        <m:ctrlPr>
+                          <a:rPr lang="nl-NL" i="1">
+                            <a:solidFill>
+                              <a:schemeClr val="tx2">
+                                <a:lumMod val="60000"/>
+                                <a:lumOff val="40000"/>
+                              </a:schemeClr>
+                            </a:solidFill>
+                            <a:latin typeface="Cambria Math" panose="02040503050406030204" pitchFamily="18" charset="0"/>
+                          </a:rPr>
+                        </m:ctrlPr>
+                      </m:sSubPr>
+                      <m:e>
+                        <m:r>
+                          <a:rPr lang="nl-NL" i="1">
+                            <a:solidFill>
+                              <a:schemeClr val="tx2">
+                                <a:lumMod val="60000"/>
+                                <a:lumOff val="40000"/>
+                              </a:schemeClr>
+                            </a:solidFill>
+                            <a:latin typeface="Cambria Math" panose="02040503050406030204" pitchFamily="18" charset="0"/>
+                          </a:rPr>
+                          <m:t>𝑃</m:t>
+                        </m:r>
+                        <m:r>
+                          <a:rPr lang="nl-NL" i="1">
+                            <a:solidFill>
+                              <a:schemeClr val="tx2">
+                                <a:lumMod val="60000"/>
+                                <a:lumOff val="40000"/>
+                              </a:schemeClr>
+                            </a:solidFill>
+                            <a:latin typeface="Cambria Math" panose="02040503050406030204" pitchFamily="18" charset="0"/>
+                          </a:rPr>
+                          <m:t>(</m:t>
+                        </m:r>
+                        <m:r>
+                          <a:rPr lang="nl-NL" i="1">
+                            <a:solidFill>
+                              <a:schemeClr val="tx2">
+                                <a:lumMod val="60000"/>
+                                <a:lumOff val="40000"/>
+                              </a:schemeClr>
+                            </a:solidFill>
+                            <a:latin typeface="Cambria Math" panose="02040503050406030204" pitchFamily="18" charset="0"/>
+                          </a:rPr>
+                          <m:t>𝑍</m:t>
+                        </m:r>
+                      </m:e>
+                      <m:sub>
+                        <m:r>
+                          <a:rPr lang="nl-NL" i="1">
+                            <a:solidFill>
+                              <a:schemeClr val="tx2">
+                                <a:lumMod val="60000"/>
+                                <a:lumOff val="40000"/>
+                              </a:schemeClr>
+                            </a:solidFill>
+                            <a:latin typeface="Cambria Math" panose="02040503050406030204" pitchFamily="18" charset="0"/>
+                          </a:rPr>
+                          <m:t>𝑑𝑖</m:t>
+                        </m:r>
+                        <m:r>
+                          <a:rPr lang="nl-NL" i="1">
+                            <a:solidFill>
+                              <a:schemeClr val="tx2">
+                                <a:lumMod val="60000"/>
+                                <a:lumOff val="40000"/>
+                              </a:schemeClr>
+                            </a:solidFill>
+                            <a:latin typeface="Cambria Math" panose="02040503050406030204" pitchFamily="18" charset="0"/>
+                          </a:rPr>
+                          <m:t>𝑠</m:t>
+                        </m:r>
+                        <m:r>
+                          <a:rPr lang="nl-NL" i="1">
+                            <a:solidFill>
+                              <a:schemeClr val="tx2">
+                                <a:lumMod val="60000"/>
+                                <a:lumOff val="40000"/>
+                              </a:schemeClr>
+                            </a:solidFill>
+                            <a:latin typeface="Cambria Math" panose="02040503050406030204" pitchFamily="18" charset="0"/>
+                          </a:rPr>
+                          <m:t>𝑝𝑙𝑎𝑐𝑒𝑚𝑒𝑛𝑡</m:t>
+                        </m:r>
+                      </m:sub>
+                    </m:sSub>
+                    <m:r>
+                      <a:rPr lang="nl-NL" i="1">
+                        <a:solidFill>
+                          <a:schemeClr val="tx2">
+                            <a:lumMod val="60000"/>
+                            <a:lumOff val="40000"/>
+                          </a:schemeClr>
+                        </a:solidFill>
+                        <a:latin typeface="Cambria Math" panose="02040503050406030204" pitchFamily="18" charset="0"/>
+                      </a:rPr>
+                      <m:t> </m:t>
+                    </m:r>
+                    <m:r>
+                      <a:rPr lang="nl-NL" i="1">
+                        <a:solidFill>
+                          <a:schemeClr val="tx2">
+                            <a:lumMod val="60000"/>
+                            <a:lumOff val="40000"/>
+                          </a:schemeClr>
+                        </a:solidFill>
+                        <a:latin typeface="Cambria Math" panose="02040503050406030204" pitchFamily="18" charset="0"/>
+                      </a:rPr>
+                      <m:t>𝑖𝑛</m:t>
+                    </m:r>
+                    <m:r>
+                      <a:rPr lang="nl-NL" i="1">
+                        <a:solidFill>
+                          <a:schemeClr val="tx2">
+                            <a:lumMod val="60000"/>
+                            <a:lumOff val="40000"/>
+                          </a:schemeClr>
+                        </a:solidFill>
+                        <a:latin typeface="Cambria Math" panose="02040503050406030204" pitchFamily="18" charset="0"/>
+                      </a:rPr>
+                      <m:t> 2075&lt;0 </m:t>
+                    </m:r>
+                    <m:nary>
+                      <m:naryPr>
+                        <m:chr m:val="⋂"/>
+                        <m:subHide m:val="on"/>
+                        <m:supHide m:val="on"/>
+                        <m:ctrlPr>
+                          <a:rPr lang="nl-NL" b="0" i="1" smtClean="0">
+                            <a:solidFill>
+                              <a:schemeClr val="tx2">
+                                <a:lumMod val="60000"/>
+                                <a:lumOff val="40000"/>
+                              </a:schemeClr>
+                            </a:solidFill>
+                            <a:latin typeface="Cambria Math" panose="02040503050406030204" pitchFamily="18" charset="0"/>
+                          </a:rPr>
+                        </m:ctrlPr>
+                      </m:naryPr>
+                      <m:sub/>
+                      <m:sup/>
+                      <m:e>
+                        <m:sSub>
+                          <m:sSubPr>
+                            <m:ctrlPr>
+                              <a:rPr lang="nl-NL" i="1">
+                                <a:solidFill>
+                                  <a:schemeClr val="tx2">
+                                    <a:lumMod val="60000"/>
+                                    <a:lumOff val="40000"/>
+                                  </a:schemeClr>
+                                </a:solidFill>
+                                <a:latin typeface="Cambria Math" panose="02040503050406030204" pitchFamily="18" charset="0"/>
+                              </a:rPr>
+                            </m:ctrlPr>
+                          </m:sSubPr>
+                          <m:e>
+                            <m:r>
+                              <a:rPr lang="nl-NL" i="1">
+                                <a:solidFill>
+                                  <a:schemeClr val="tx2">
+                                    <a:lumMod val="60000"/>
+                                    <a:lumOff val="40000"/>
+                                  </a:schemeClr>
+                                </a:solidFill>
+                                <a:latin typeface="Cambria Math" panose="02040503050406030204" pitchFamily="18" charset="0"/>
+                              </a:rPr>
+                              <m:t>𝑍</m:t>
+                            </m:r>
+                          </m:e>
+                          <m:sub>
+                            <m:r>
+                              <a:rPr lang="nl-NL" i="1">
+                                <a:solidFill>
+                                  <a:schemeClr val="tx2">
+                                    <a:lumMod val="60000"/>
+                                    <a:lumOff val="40000"/>
+                                  </a:schemeClr>
+                                </a:solidFill>
+                                <a:latin typeface="Cambria Math" panose="02040503050406030204" pitchFamily="18" charset="0"/>
+                              </a:rPr>
+                              <m:t>𝑑𝑖𝑠𝑝𝑙𝑎𝑐𝑒𝑚𝑒𝑛𝑡</m:t>
+                            </m:r>
+                          </m:sub>
+                        </m:sSub>
+                        <m:r>
+                          <a:rPr lang="nl-NL" i="1">
+                            <a:solidFill>
+                              <a:schemeClr val="tx2">
+                                <a:lumMod val="60000"/>
+                                <a:lumOff val="40000"/>
+                              </a:schemeClr>
+                            </a:solidFill>
+                            <a:latin typeface="Cambria Math" panose="02040503050406030204" pitchFamily="18" charset="0"/>
+                          </a:rPr>
+                          <m:t> </m:t>
+                        </m:r>
+                        <m:r>
+                          <a:rPr lang="nl-NL" i="1">
+                            <a:solidFill>
+                              <a:schemeClr val="tx2">
+                                <a:lumMod val="60000"/>
+                                <a:lumOff val="40000"/>
+                              </a:schemeClr>
+                            </a:solidFill>
+                            <a:latin typeface="Cambria Math" panose="02040503050406030204" pitchFamily="18" charset="0"/>
+                          </a:rPr>
+                          <m:t>𝑖𝑛</m:t>
+                        </m:r>
+                        <m:r>
+                          <a:rPr lang="nl-NL" i="1">
+                            <a:solidFill>
+                              <a:schemeClr val="tx2">
+                                <a:lumMod val="60000"/>
+                                <a:lumOff val="40000"/>
+                              </a:schemeClr>
+                            </a:solidFill>
+                            <a:latin typeface="Cambria Math" panose="02040503050406030204" pitchFamily="18" charset="0"/>
+                          </a:rPr>
+                          <m:t> 2025&gt;0)</m:t>
+                        </m:r>
+                      </m:e>
+                    </m:nary>
+                    <m:r>
+                      <a:rPr lang="nl-NL" b="0" i="1" smtClean="0">
+                        <a:solidFill>
+                          <a:schemeClr val="tx2">
+                            <a:lumMod val="60000"/>
+                            <a:lumOff val="40000"/>
+                          </a:schemeClr>
+                        </a:solidFill>
+                        <a:latin typeface="Cambria Math" panose="02040503050406030204" pitchFamily="18" charset="0"/>
+                      </a:rPr>
+                      <m:t>/</m:t>
+                    </m:r>
+                    <m:r>
+                      <a:rPr lang="nl-NL" b="0" i="1" smtClean="0">
+                        <a:solidFill>
+                          <a:schemeClr val="tx2">
+                            <a:lumMod val="60000"/>
+                            <a:lumOff val="40000"/>
+                          </a:schemeClr>
+                        </a:solidFill>
+                        <a:latin typeface="Cambria Math" panose="02040503050406030204" pitchFamily="18" charset="0"/>
+                      </a:rPr>
+                      <m:t>𝑃</m:t>
+                    </m:r>
+                    <m:r>
+                      <a:rPr lang="nl-NL" b="0" i="1" smtClean="0">
+                        <a:solidFill>
+                          <a:schemeClr val="tx2">
+                            <a:lumMod val="60000"/>
+                            <a:lumOff val="40000"/>
+                          </a:schemeClr>
+                        </a:solidFill>
+                        <a:latin typeface="Cambria Math" panose="02040503050406030204" pitchFamily="18" charset="0"/>
+                      </a:rPr>
+                      <m:t>(</m:t>
+                    </m:r>
+                    <m:sSub>
+                      <m:sSubPr>
+                        <m:ctrlPr>
+                          <a:rPr lang="nl-NL" i="1">
+                            <a:solidFill>
+                              <a:schemeClr val="tx2">
+                                <a:lumMod val="60000"/>
+                                <a:lumOff val="40000"/>
+                              </a:schemeClr>
+                            </a:solidFill>
+                            <a:latin typeface="Cambria Math" panose="02040503050406030204" pitchFamily="18" charset="0"/>
+                          </a:rPr>
+                        </m:ctrlPr>
+                      </m:sSubPr>
+                      <m:e>
+                        <m:r>
+                          <a:rPr lang="nl-NL" i="1">
+                            <a:solidFill>
+                              <a:schemeClr val="tx2">
+                                <a:lumMod val="60000"/>
+                                <a:lumOff val="40000"/>
+                              </a:schemeClr>
+                            </a:solidFill>
+                            <a:latin typeface="Cambria Math" panose="02040503050406030204" pitchFamily="18" charset="0"/>
+                          </a:rPr>
+                          <m:t>𝑍</m:t>
+                        </m:r>
+                      </m:e>
+                      <m:sub>
+                        <m:r>
+                          <a:rPr lang="nl-NL" i="1">
+                            <a:solidFill>
+                              <a:schemeClr val="tx2">
+                                <a:lumMod val="60000"/>
+                                <a:lumOff val="40000"/>
+                              </a:schemeClr>
+                            </a:solidFill>
+                            <a:latin typeface="Cambria Math" panose="02040503050406030204" pitchFamily="18" charset="0"/>
+                          </a:rPr>
+                          <m:t>𝑑𝑖𝑠𝑝𝑙𝑎𝑐𝑒𝑚𝑒𝑛𝑡</m:t>
+                        </m:r>
+                      </m:sub>
+                    </m:sSub>
+                    <m:r>
+                      <a:rPr lang="nl-NL" i="1">
+                        <a:solidFill>
+                          <a:schemeClr val="tx2">
+                            <a:lumMod val="60000"/>
+                            <a:lumOff val="40000"/>
+                          </a:schemeClr>
+                        </a:solidFill>
+                        <a:latin typeface="Cambria Math" panose="02040503050406030204" pitchFamily="18" charset="0"/>
+                      </a:rPr>
+                      <m:t> </m:t>
+                    </m:r>
+                    <m:r>
+                      <a:rPr lang="nl-NL" i="1">
+                        <a:solidFill>
+                          <a:schemeClr val="tx2">
+                            <a:lumMod val="60000"/>
+                            <a:lumOff val="40000"/>
+                          </a:schemeClr>
+                        </a:solidFill>
+                        <a:latin typeface="Cambria Math" panose="02040503050406030204" pitchFamily="18" charset="0"/>
+                      </a:rPr>
+                      <m:t>𝑖𝑛</m:t>
+                    </m:r>
+                    <m:r>
+                      <a:rPr lang="nl-NL" i="1">
+                        <a:solidFill>
+                          <a:schemeClr val="tx2">
+                            <a:lumMod val="60000"/>
+                            <a:lumOff val="40000"/>
+                          </a:schemeClr>
+                        </a:solidFill>
+                        <a:latin typeface="Cambria Math" panose="02040503050406030204" pitchFamily="18" charset="0"/>
+                      </a:rPr>
+                      <m:t> 2025&gt;0)</m:t>
+                    </m:r>
+                  </m:oMath>
+                </a14:m>
+                <a:endParaRPr lang="nl-NL" dirty="0"/>
+              </a:p>
+              <a:p>
+                <a:endParaRPr lang="nl-NL" dirty="0"/>
+              </a:p>
+              <a:p>
+                <a:endParaRPr lang="nl-NL" dirty="0"/>
+              </a:p>
+              <a:p>
+                <a:endParaRPr lang="nl-NL" dirty="0"/>
+              </a:p>
+              <a:p>
+                <a:endParaRPr lang="nl-NL" dirty="0"/>
+              </a:p>
             </p:txBody>
           </p:sp>
         </mc:Choice>
-        <mc:Fallback xmlns="">
+        <mc:Fallback>
           <p:sp>
             <p:nvSpPr>
-              <p:cNvPr id="7" name="TextBox 6">
+              <p:cNvPr id="3" name="Content Placeholder 2">
                 <a:extLst>
                   <a:ext uri="{FF2B5EF4-FFF2-40B4-BE49-F238E27FC236}">
-                    <a16:creationId xmlns:a16="http://schemas.microsoft.com/office/drawing/2014/main" id="{89A9B65B-075B-3609-69AB-3AFBFDBD7A1E}"/>
+                    <a16:creationId xmlns:a16="http://schemas.microsoft.com/office/drawing/2014/main" id="{A3FC3904-ED0A-03E9-A36E-E6D56EC64572}"/>
                   </a:ext>
                 </a:extLst>
               </p:cNvPr>
-              <p:cNvSpPr txBox="1">
-                <a:spLocks noRot="1" noChangeAspect="1" noMove="1" noResize="1" noEditPoints="1" noAdjustHandles="1" noChangeArrowheads="1" noChangeShapeType="1" noTextEdit="1"/>
+              <p:cNvSpPr>
+                <a:spLocks noGrp="1" noRot="1" noChangeAspect="1" noMove="1" noResize="1" noEditPoints="1" noAdjustHandles="1" noChangeArrowheads="1" noChangeShapeType="1" noTextEdit="1"/>
               </p:cNvSpPr>
-              <p:nvPr/>
+              <p:nvPr>
+                <p:ph idx="1"/>
+              </p:nvPr>
             </p:nvSpPr>
             <p:spPr>
-              <a:xfrm>
-                <a:off x="995437" y="2205799"/>
-                <a:ext cx="2931187" cy="298415"/>
-              </a:xfrm>
-              <a:prstGeom prst="rect">
-                <a:avLst/>
-              </a:prstGeom>
               <a:blipFill>
                 <a:blip r:embed="rId2"/>
                 <a:stretch>
-                  <a:fillRect l="-1247" r="-2287" b="-26531"/>
+                  <a:fillRect l="-1276" t="-2398" b="-7898"/>
                 </a:stretch>
               </a:blipFill>
             </p:spPr>
@@ -22547,309 +23082,91 @@
           </p:sp>
         </mc:Fallback>
       </mc:AlternateContent>
-      <mc:AlternateContent xmlns:mc="http://schemas.openxmlformats.org/markup-compatibility/2006" xmlns:a14="http://schemas.microsoft.com/office/drawing/2010/main">
-        <mc:Choice Requires="a14">
-          <p:sp>
-            <p:nvSpPr>
-              <p:cNvPr id="8" name="TextBox 7">
-                <a:extLst>
-                  <a:ext uri="{FF2B5EF4-FFF2-40B4-BE49-F238E27FC236}">
-                    <a16:creationId xmlns:a16="http://schemas.microsoft.com/office/drawing/2014/main" id="{8F002F35-1EB6-05C1-4B51-D8F33E37C003}"/>
-                  </a:ext>
-                </a:extLst>
-              </p:cNvPr>
-              <p:cNvSpPr txBox="1"/>
-              <p:nvPr/>
-            </p:nvSpPr>
-            <p:spPr>
-              <a:xfrm>
-                <a:off x="995437" y="3779555"/>
-                <a:ext cx="5531322" cy="298415"/>
-              </a:xfrm>
-              <a:prstGeom prst="rect">
-                <a:avLst/>
-              </a:prstGeom>
-              <a:noFill/>
-            </p:spPr>
-            <p:txBody>
-              <a:bodyPr wrap="none" lIns="0" tIns="0" rIns="0" bIns="0" rtlCol="0">
-                <a:spAutoFit/>
-              </a:bodyPr>
-              <a:lstStyle/>
-              <a:p>
-                <a:pPr/>
-                <a14:m>
-                  <m:oMathPara xmlns:m="http://schemas.openxmlformats.org/officeDocument/2006/math">
-                    <m:oMathParaPr>
-                      <m:jc m:val="centerGroup"/>
-                    </m:oMathParaPr>
-                    <m:oMath xmlns:m="http://schemas.openxmlformats.org/officeDocument/2006/math">
-                      <m:sSub>
-                        <m:sSubPr>
-                          <m:ctrlPr>
-                            <a:rPr lang="nl-NL" i="1" smtClean="0">
-                              <a:solidFill>
-                                <a:schemeClr val="tx2">
-                                  <a:lumMod val="60000"/>
-                                  <a:lumOff val="40000"/>
-                                </a:schemeClr>
-                              </a:solidFill>
-                              <a:latin typeface="Cambria Math" panose="02040503050406030204" pitchFamily="18" charset="0"/>
-                            </a:rPr>
-                          </m:ctrlPr>
-                        </m:sSubPr>
-                        <m:e>
-                          <m:r>
-                            <a:rPr lang="nl-NL" b="0" i="1" smtClean="0">
-                              <a:solidFill>
-                                <a:schemeClr val="tx2">
-                                  <a:lumMod val="60000"/>
-                                  <a:lumOff val="40000"/>
-                                </a:schemeClr>
-                              </a:solidFill>
-                              <a:latin typeface="Cambria Math" panose="02040503050406030204" pitchFamily="18" charset="0"/>
-                            </a:rPr>
-                            <m:t>𝑃</m:t>
-                          </m:r>
-                          <m:r>
-                            <a:rPr lang="nl-NL" b="0" i="1" smtClean="0">
-                              <a:solidFill>
-                                <a:schemeClr val="tx2">
-                                  <a:lumMod val="60000"/>
-                                  <a:lumOff val="40000"/>
-                                </a:schemeClr>
-                              </a:solidFill>
-                              <a:latin typeface="Cambria Math" panose="02040503050406030204" pitchFamily="18" charset="0"/>
-                            </a:rPr>
-                            <m:t>(</m:t>
-                          </m:r>
-                          <m:r>
-                            <a:rPr lang="nl-NL" i="1">
-                              <a:solidFill>
-                                <a:schemeClr val="tx2">
-                                  <a:lumMod val="60000"/>
-                                  <a:lumOff val="40000"/>
-                                </a:schemeClr>
-                              </a:solidFill>
-                              <a:latin typeface="Cambria Math" panose="02040503050406030204" pitchFamily="18" charset="0"/>
-                            </a:rPr>
-                            <m:t>𝑍</m:t>
-                          </m:r>
-                        </m:e>
-                        <m:sub>
-                          <m:r>
-                            <a:rPr lang="nl-NL" i="1">
-                              <a:solidFill>
-                                <a:schemeClr val="tx2">
-                                  <a:lumMod val="60000"/>
-                                  <a:lumOff val="40000"/>
-                                </a:schemeClr>
-                              </a:solidFill>
-                              <a:latin typeface="Cambria Math" panose="02040503050406030204" pitchFamily="18" charset="0"/>
-                            </a:rPr>
-                            <m:t>𝑑𝑖</m:t>
-                          </m:r>
-                          <m:r>
-                            <a:rPr lang="nl-NL" b="0" i="1" smtClean="0">
-                              <a:solidFill>
-                                <a:schemeClr val="tx2">
-                                  <a:lumMod val="60000"/>
-                                  <a:lumOff val="40000"/>
-                                </a:schemeClr>
-                              </a:solidFill>
-                              <a:latin typeface="Cambria Math" panose="02040503050406030204" pitchFamily="18" charset="0"/>
-                            </a:rPr>
-                            <m:t>𝑠</m:t>
-                          </m:r>
-                          <m:r>
-                            <a:rPr lang="nl-NL" i="1">
-                              <a:solidFill>
-                                <a:schemeClr val="tx2">
-                                  <a:lumMod val="60000"/>
-                                  <a:lumOff val="40000"/>
-                                </a:schemeClr>
-                              </a:solidFill>
-                              <a:latin typeface="Cambria Math" panose="02040503050406030204" pitchFamily="18" charset="0"/>
-                            </a:rPr>
-                            <m:t>𝑝𝑙𝑎𝑐𝑒𝑚𝑒𝑛𝑡</m:t>
-                          </m:r>
-                        </m:sub>
-                      </m:sSub>
-                      <m:r>
-                        <a:rPr lang="nl-NL" b="0" i="1" smtClean="0">
-                          <a:solidFill>
-                            <a:schemeClr val="tx2">
-                              <a:lumMod val="60000"/>
-                              <a:lumOff val="40000"/>
-                            </a:schemeClr>
-                          </a:solidFill>
-                          <a:latin typeface="Cambria Math" panose="02040503050406030204" pitchFamily="18" charset="0"/>
-                        </a:rPr>
-                        <m:t> </m:t>
-                      </m:r>
-                      <m:r>
-                        <a:rPr lang="nl-NL" b="0" i="1" smtClean="0">
-                          <a:solidFill>
-                            <a:schemeClr val="tx2">
-                              <a:lumMod val="60000"/>
-                              <a:lumOff val="40000"/>
-                            </a:schemeClr>
-                          </a:solidFill>
-                          <a:latin typeface="Cambria Math" panose="02040503050406030204" pitchFamily="18" charset="0"/>
-                        </a:rPr>
-                        <m:t>𝑖𝑛</m:t>
-                      </m:r>
-                      <m:r>
-                        <a:rPr lang="nl-NL" b="0" i="1" smtClean="0">
-                          <a:solidFill>
-                            <a:schemeClr val="tx2">
-                              <a:lumMod val="60000"/>
-                              <a:lumOff val="40000"/>
-                            </a:schemeClr>
-                          </a:solidFill>
-                          <a:latin typeface="Cambria Math" panose="02040503050406030204" pitchFamily="18" charset="0"/>
-                        </a:rPr>
-                        <m:t> 2075&lt;0|</m:t>
-                      </m:r>
-                      <m:sSub>
-                        <m:sSubPr>
-                          <m:ctrlPr>
-                            <a:rPr lang="nl-NL" b="0" i="1" smtClean="0">
-                              <a:solidFill>
-                                <a:schemeClr val="tx2">
-                                  <a:lumMod val="60000"/>
-                                  <a:lumOff val="40000"/>
-                                </a:schemeClr>
-                              </a:solidFill>
-                              <a:latin typeface="Cambria Math" panose="02040503050406030204" pitchFamily="18" charset="0"/>
-                            </a:rPr>
-                          </m:ctrlPr>
-                        </m:sSubPr>
-                        <m:e>
-                          <m:r>
-                            <a:rPr lang="nl-NL" b="0" i="1" smtClean="0">
-                              <a:solidFill>
-                                <a:schemeClr val="tx2">
-                                  <a:lumMod val="60000"/>
-                                  <a:lumOff val="40000"/>
-                                </a:schemeClr>
-                              </a:solidFill>
-                              <a:latin typeface="Cambria Math" panose="02040503050406030204" pitchFamily="18" charset="0"/>
-                            </a:rPr>
-                            <m:t>𝑍</m:t>
-                          </m:r>
-                        </m:e>
-                        <m:sub>
-                          <m:r>
-                            <a:rPr lang="nl-NL" b="0" i="1" smtClean="0">
-                              <a:solidFill>
-                                <a:schemeClr val="tx2">
-                                  <a:lumMod val="60000"/>
-                                  <a:lumOff val="40000"/>
-                                </a:schemeClr>
-                              </a:solidFill>
-                              <a:latin typeface="Cambria Math" panose="02040503050406030204" pitchFamily="18" charset="0"/>
-                            </a:rPr>
-                            <m:t>𝑑𝑖𝑠𝑝𝑙𝑎𝑐𝑒𝑚𝑒𝑛𝑡</m:t>
-                          </m:r>
-                        </m:sub>
-                      </m:sSub>
-                      <m:r>
-                        <a:rPr lang="nl-NL" b="0" i="1" smtClean="0">
-                          <a:solidFill>
-                            <a:schemeClr val="tx2">
-                              <a:lumMod val="60000"/>
-                              <a:lumOff val="40000"/>
-                            </a:schemeClr>
-                          </a:solidFill>
-                          <a:latin typeface="Cambria Math" panose="02040503050406030204" pitchFamily="18" charset="0"/>
-                        </a:rPr>
-                        <m:t> </m:t>
-                      </m:r>
-                      <m:r>
-                        <a:rPr lang="nl-NL" b="0" i="1" smtClean="0">
-                          <a:solidFill>
-                            <a:schemeClr val="tx2">
-                              <a:lumMod val="60000"/>
-                              <a:lumOff val="40000"/>
-                            </a:schemeClr>
-                          </a:solidFill>
-                          <a:latin typeface="Cambria Math" panose="02040503050406030204" pitchFamily="18" charset="0"/>
-                        </a:rPr>
-                        <m:t>𝑖𝑛</m:t>
-                      </m:r>
-                      <m:r>
-                        <a:rPr lang="nl-NL" b="0" i="1" smtClean="0">
-                          <a:solidFill>
-                            <a:schemeClr val="tx2">
-                              <a:lumMod val="60000"/>
-                              <a:lumOff val="40000"/>
-                            </a:schemeClr>
-                          </a:solidFill>
-                          <a:latin typeface="Cambria Math" panose="02040503050406030204" pitchFamily="18" charset="0"/>
-                        </a:rPr>
-                        <m:t> 2025&gt;0)</m:t>
-                      </m:r>
-                    </m:oMath>
-                  </m:oMathPara>
-                </a14:m>
-                <a:endParaRPr lang="nl-NL" dirty="0">
-                  <a:solidFill>
-                    <a:schemeClr val="tx2">
-                      <a:lumMod val="60000"/>
-                      <a:lumOff val="40000"/>
-                    </a:schemeClr>
-                  </a:solidFill>
-                </a:endParaRPr>
-              </a:p>
-            </p:txBody>
-          </p:sp>
-        </mc:Choice>
-        <mc:Fallback xmlns="">
-          <p:sp>
-            <p:nvSpPr>
-              <p:cNvPr id="8" name="TextBox 7">
-                <a:extLst>
-                  <a:ext uri="{FF2B5EF4-FFF2-40B4-BE49-F238E27FC236}">
-                    <a16:creationId xmlns:a16="http://schemas.microsoft.com/office/drawing/2014/main" id="{8F002F35-1EB6-05C1-4B51-D8F33E37C003}"/>
-                  </a:ext>
-                </a:extLst>
-              </p:cNvPr>
-              <p:cNvSpPr txBox="1">
-                <a:spLocks noRot="1" noChangeAspect="1" noMove="1" noResize="1" noEditPoints="1" noAdjustHandles="1" noChangeArrowheads="1" noChangeShapeType="1" noTextEdit="1"/>
-              </p:cNvSpPr>
-              <p:nvPr/>
-            </p:nvSpPr>
-            <p:spPr>
-              <a:xfrm>
-                <a:off x="995437" y="3779555"/>
-                <a:ext cx="5531322" cy="298415"/>
-              </a:xfrm>
-              <a:prstGeom prst="rect">
-                <a:avLst/>
-              </a:prstGeom>
-              <a:blipFill>
-                <a:blip r:embed="rId3"/>
-                <a:stretch>
-                  <a:fillRect l="-330" r="-881" b="-26531"/>
-                </a:stretch>
-              </a:blipFill>
-            </p:spPr>
-            <p:txBody>
-              <a:bodyPr/>
-              <a:lstStyle/>
-              <a:p>
-                <a:r>
-                  <a:rPr lang="nl-NL">
-                    <a:noFill/>
-                  </a:rPr>
-                  <a:t> </a:t>
-                </a:r>
-              </a:p>
-            </p:txBody>
-          </p:sp>
-        </mc:Fallback>
-      </mc:AlternateContent>
+      <p:sp>
+        <p:nvSpPr>
+          <p:cNvPr id="4" name="Date Placeholder 3">
+            <a:extLst>
+              <a:ext uri="{FF2B5EF4-FFF2-40B4-BE49-F238E27FC236}">
+                <a16:creationId xmlns:a16="http://schemas.microsoft.com/office/drawing/2014/main" id="{F6876C7A-DA7C-F595-5200-79E455DEE595}"/>
+              </a:ext>
+            </a:extLst>
+          </p:cNvPr>
+          <p:cNvSpPr>
+            <a:spLocks noGrp="1"/>
+          </p:cNvSpPr>
+          <p:nvPr>
+            <p:ph type="dt" sz="half" idx="10"/>
+          </p:nvPr>
+        </p:nvSpPr>
+        <p:spPr/>
+        <p:txBody>
+          <a:bodyPr/>
+          <a:lstStyle/>
+          <a:p>
+            <a:r>
+              <a:rPr lang="nl-NL"/>
+              <a:t> 28 november 2019</a:t>
+            </a:r>
+          </a:p>
+        </p:txBody>
+      </p:sp>
+      <p:sp>
+        <p:nvSpPr>
+          <p:cNvPr id="5" name="Footer Placeholder 4">
+            <a:extLst>
+              <a:ext uri="{FF2B5EF4-FFF2-40B4-BE49-F238E27FC236}">
+                <a16:creationId xmlns:a16="http://schemas.microsoft.com/office/drawing/2014/main" id="{461FCAB7-233B-6577-B002-336AFFF727AC}"/>
+              </a:ext>
+            </a:extLst>
+          </p:cNvPr>
+          <p:cNvSpPr>
+            <a:spLocks noGrp="1"/>
+          </p:cNvSpPr>
+          <p:nvPr>
+            <p:ph type="ftr" sz="quarter" idx="11"/>
+          </p:nvPr>
+        </p:nvSpPr>
+        <p:spPr/>
+        <p:txBody>
+          <a:bodyPr/>
+          <a:lstStyle/>
+          <a:p>
+            <a:r>
+              <a:rPr lang="nl-NL"/>
+              <a:t>Voettekst van de presentatie</a:t>
+            </a:r>
+          </a:p>
+        </p:txBody>
+      </p:sp>
+      <p:sp>
+        <p:nvSpPr>
+          <p:cNvPr id="6" name="Slide Number Placeholder 5">
+            <a:extLst>
+              <a:ext uri="{FF2B5EF4-FFF2-40B4-BE49-F238E27FC236}">
+                <a16:creationId xmlns:a16="http://schemas.microsoft.com/office/drawing/2014/main" id="{709238F8-5AB9-33A7-80BD-184EE1935D44}"/>
+              </a:ext>
+            </a:extLst>
+          </p:cNvPr>
+          <p:cNvSpPr>
+            <a:spLocks noGrp="1"/>
+          </p:cNvSpPr>
+          <p:nvPr>
+            <p:ph type="sldNum" sz="quarter" idx="12"/>
+          </p:nvPr>
+        </p:nvSpPr>
+        <p:spPr/>
+        <p:txBody>
+          <a:bodyPr/>
+          <a:lstStyle/>
+          <a:p>
+            <a:fld id="{F42B3F14-D836-496B-80A2-23BE75BD68CB}" type="slidenum">
+              <a:rPr lang="nl-NL" smtClean="0"/>
+              <a:t>18</a:t>
+            </a:fld>
+            <a:endParaRPr lang="nl-NL"/>
+          </a:p>
+        </p:txBody>
+      </p:sp>
     </p:spTree>
     <p:extLst>
       <p:ext uri="{BB962C8B-B14F-4D97-AF65-F5344CB8AC3E}">
@@ -23014,7 +23331,7 @@
           <p:nvPr>
             <p:extLst>
               <p:ext uri="{D42A27DB-BD31-4B8C-83A1-F6EECF244321}">
-                <p14:modId xmlns:p14="http://schemas.microsoft.com/office/powerpoint/2010/main" val="1592688489"/>
+                <p14:modId xmlns:p14="http://schemas.microsoft.com/office/powerpoint/2010/main" val="3198178972"/>
               </p:ext>
             </p:extLst>
           </p:nvPr>
@@ -23162,7 +23479,7 @@
                     <a:p>
                       <a:r>
                         <a:rPr lang="nl-NL" dirty="0"/>
-                        <a:t>Kans, bewezen sterkte</a:t>
+                        <a:t>Bewezen sterkte</a:t>
                       </a:r>
                     </a:p>
                   </a:txBody>
@@ -23210,7 +23527,7 @@
                     <a:p>
                       <a:r>
                         <a:rPr lang="nl-NL" dirty="0"/>
-                        <a:t>Gecombineerde kans (a priori en bewezen sterkte)</a:t>
+                        <a:t>Gecombineerde kans (a priori en waarneming)</a:t>
                       </a:r>
                     </a:p>
                   </a:txBody>
@@ -23350,6 +23667,45 @@
           </a:p>
         </p:txBody>
       </p:sp>
+      <p:sp>
+        <p:nvSpPr>
+          <p:cNvPr id="3" name="TextBox 2">
+            <a:extLst>
+              <a:ext uri="{FF2B5EF4-FFF2-40B4-BE49-F238E27FC236}">
+                <a16:creationId xmlns:a16="http://schemas.microsoft.com/office/drawing/2014/main" id="{E569DD5A-4C8B-28B5-BDE9-69BB3B121D6B}"/>
+              </a:ext>
+            </a:extLst>
+          </p:cNvPr>
+          <p:cNvSpPr txBox="1"/>
+          <p:nvPr/>
+        </p:nvSpPr>
+        <p:spPr>
+          <a:xfrm>
+            <a:off x="416459" y="5157843"/>
+            <a:ext cx="10557366" cy="369332"/>
+          </a:xfrm>
+          <a:prstGeom prst="rect">
+            <a:avLst/>
+          </a:prstGeom>
+          <a:noFill/>
+        </p:spPr>
+        <p:txBody>
+          <a:bodyPr wrap="square">
+            <a:spAutoFit/>
+          </a:bodyPr>
+          <a:lstStyle/>
+          <a:p>
+            <a:r>
+              <a:rPr lang="nl-NL" dirty="0">
+                <a:solidFill>
+                  <a:srgbClr val="0D38E0"/>
+                </a:solidFill>
+              </a:rPr>
+              <a:t>Aanname: Er treedt geen veroudering op in de grond- en damwandparameters</a:t>
+            </a:r>
+          </a:p>
+        </p:txBody>
+      </p:sp>
     </p:spTree>
     <p:extLst>
       <p:ext uri="{BB962C8B-B14F-4D97-AF65-F5344CB8AC3E}">
@@ -23867,7 +24223,46 @@
           <a:p>
             <a:r>
               <a:rPr lang="nl-NL" dirty="0"/>
-              <a:t>Geschreven in C++.</a:t>
+              <a:t>Eén bibliotheek voor alle toepassingen met probabilistische functionaliteit: leidt tot identieke resultaten, toepassingen binnen</a:t>
+            </a:r>
+          </a:p>
+          <a:p>
+            <a:pPr lvl="1"/>
+            <a:r>
+              <a:rPr lang="nl-NL" dirty="0"/>
+              <a:t>Veiligheidsbeoordeling van primaire waterkeringen in Nederland</a:t>
+            </a:r>
+          </a:p>
+          <a:p>
+            <a:pPr lvl="1"/>
+            <a:r>
+              <a:rPr lang="nl-NL" dirty="0"/>
+              <a:t>Geotechnische applicaties</a:t>
+            </a:r>
+          </a:p>
+          <a:p>
+            <a:pPr lvl="1"/>
+            <a:r>
+              <a:rPr lang="nl-NL" dirty="0"/>
+              <a:t>Probabilistic Toolkit </a:t>
+            </a:r>
+          </a:p>
+          <a:p>
+            <a:endParaRPr lang="nl-NL" dirty="0"/>
+          </a:p>
+          <a:p>
+            <a:r>
+              <a:rPr lang="nl-NL" dirty="0"/>
+              <a:t>Efficiënte ontwikkeling, eenduidige validatie</a:t>
+            </a:r>
+          </a:p>
+          <a:p>
+            <a:endParaRPr lang="nl-NL" dirty="0"/>
+          </a:p>
+          <a:p>
+            <a:r>
+              <a:rPr lang="nl-NL" dirty="0"/>
+              <a:t>Functionaliteit: verdelingsfuncties, correlaties, betrouwbaarheidsanalyse, onzekerheidsanalyse, gevoeligheidsanalyse, aansluiten van modellen.</a:t>
             </a:r>
           </a:p>
           <a:p>
@@ -23897,38 +24292,11 @@
           </a:p>
           <a:p>
             <a:endParaRPr lang="nl-NL" dirty="0"/>
-          </a:p>
-          <a:p>
-            <a:r>
-              <a:rPr lang="nl-NL" dirty="0"/>
-              <a:t>De bibliotheek is grondig gevalideerd. De algoritmen worden gebruikt voor de veiligheidsbeoordeling van primaire waterkeringen in Nederland en binnen de </a:t>
-            </a:r>
-            <a:r>
-              <a:rPr lang="nl-NL" dirty="0" err="1"/>
-              <a:t>Probabilistic</a:t>
-            </a:r>
-            <a:r>
-              <a:rPr lang="nl-NL" dirty="0"/>
-              <a:t> Toolkit.</a:t>
-            </a:r>
-          </a:p>
-          <a:p>
-            <a:endParaRPr lang="nl-NL" dirty="0"/>
-          </a:p>
-          <a:p>
-            <a:r>
-              <a:rPr lang="nl-NL" dirty="0"/>
-              <a:t>Functionaliteit: verdelingsfuncties, correlaties, betrouwbaarheidsanalyse, onzekerheidsanalyse, gevoeligheidsanalyse, aansluiten van modellen.</a:t>
-            </a:r>
           </a:p>
           <a:p>
             <a:pPr marL="324000" lvl="1" indent="0">
               <a:buNone/>
             </a:pPr>
-            <a:endParaRPr lang="nl-NL" dirty="0"/>
-          </a:p>
-          <a:p>
-            <a:pPr lvl="1"/>
             <a:endParaRPr lang="nl-NL" dirty="0"/>
           </a:p>
           <a:p>
@@ -24124,15 +24492,6 @@
           </a:p>
           <a:p>
             <a:r>
-              <a:rPr lang="nl-NL" dirty="0"/>
-              <a:t>Het is geschreven in C++.</a:t>
-            </a:r>
-          </a:p>
-          <a:p>
-            <a:endParaRPr lang="nl-NL" dirty="0"/>
-          </a:p>
-          <a:p>
-            <a:r>
               <a:rPr lang="nl-NL" dirty="0" err="1"/>
               <a:t>Kratos</a:t>
             </a:r>
@@ -24187,11 +24546,11 @@
             </a:r>
             <a:r>
               <a:rPr lang="nl-NL" dirty="0"/>
-              <a:t>, wat heeft geresulteerd in de </a:t>
+              <a:t>, wat onder meer heeft geresulteerd in de Geo-</a:t>
             </a:r>
             <a:r>
               <a:rPr lang="nl-NL" dirty="0" err="1"/>
-              <a:t>Geo-Mechanics</a:t>
+              <a:t>Mechanics</a:t>
             </a:r>
             <a:r>
               <a:rPr lang="nl-NL" dirty="0"/>
@@ -24419,7 +24778,7 @@
             </a:r>
             <a:r>
               <a:rPr lang="nl-NL" dirty="0" err="1"/>
-              <a:t>framwork</a:t>
+              <a:t>framework</a:t>
             </a:r>
             <a:r>
               <a:rPr lang="nl-NL" dirty="0"/>
@@ -25009,20 +25368,16 @@
           <a:p>
             <a:pPr algn="ctr"/>
             <a:r>
+              <a:rPr lang="nl-NL" dirty="0"/>
+              <a:t>Probabilistische </a:t>
+            </a:r>
+            <a:r>
               <a:rPr lang="nl-NL" dirty="0" err="1"/>
-              <a:t>Prob</a:t>
+              <a:t>bibl</a:t>
             </a:r>
             <a:r>
               <a:rPr lang="nl-NL" dirty="0"/>
-              <a:t> </a:t>
-            </a:r>
-            <a:r>
-              <a:rPr lang="nl-NL" dirty="0" err="1"/>
-              <a:t>lib</a:t>
-            </a:r>
-            <a:r>
-              <a:rPr lang="nl-NL" dirty="0"/>
-              <a:t> </a:t>
+              <a:t>. </a:t>
             </a:r>
           </a:p>
         </p:txBody>
@@ -27215,6 +27570,17 @@
 </file>
 
 <file path=customXml/item2.xml><?xml version="1.0" encoding="utf-8"?>
+<p:properties xmlns:p="http://schemas.microsoft.com/office/2006/metadata/properties" xmlns:xsi="http://www.w3.org/2001/XMLSchema-instance" xmlns:pc="http://schemas.microsoft.com/office/infopath/2007/PartnerControls">
+  <documentManagement>
+    <TaxCatchAll xmlns="dead17b3-d09a-4d17-9633-982b423f4fbc" xsi:nil="true"/>
+    <lcf76f155ced4ddcb4097134ff3c332f xmlns="edd774d5-6d8f-4b83-b098-255576e86aac">
+      <Terms xmlns="http://schemas.microsoft.com/office/infopath/2007/PartnerControls"/>
+    </lcf76f155ced4ddcb4097134ff3c332f>
+  </documentManagement>
+</p:properties>
+</file>
+
+<file path=customXml/item3.xml><?xml version="1.0" encoding="utf-8"?>
 <ct:contentTypeSchema xmlns:ct="http://schemas.microsoft.com/office/2006/metadata/contentType" xmlns:ma="http://schemas.microsoft.com/office/2006/metadata/properties/metaAttributes" ct:_="" ma:_="" ma:contentTypeName="Document" ma:contentTypeID="0x0101000B31082E7F932F4895FF772473B30116" ma:contentTypeVersion="11" ma:contentTypeDescription="Create a new document." ma:contentTypeScope="" ma:versionID="c30b5a7ebc79a8ae4b5672261524501a">
   <xsd:schema xmlns:xsd="http://www.w3.org/2001/XMLSchema" xmlns:xs="http://www.w3.org/2001/XMLSchema" xmlns:p="http://schemas.microsoft.com/office/2006/metadata/properties" xmlns:ns2="edd774d5-6d8f-4b83-b098-255576e86aac" xmlns:ns3="dead17b3-d09a-4d17-9633-982b423f4fbc" targetNamespace="http://schemas.microsoft.com/office/2006/metadata/properties" ma:root="true" ma:fieldsID="d0c78e411dc013314e83d6c65decba18" ns2:_="" ns3:_="">
     <xsd:import namespace="edd774d5-6d8f-4b83-b098-255576e86aac"/>
@@ -27425,17 +27791,6 @@
 </ct:contentTypeSchema>
 </file>
 
-<file path=customXml/item3.xml><?xml version="1.0" encoding="utf-8"?>
-<p:properties xmlns:p="http://schemas.microsoft.com/office/2006/metadata/properties" xmlns:xsi="http://www.w3.org/2001/XMLSchema-instance" xmlns:pc="http://schemas.microsoft.com/office/infopath/2007/PartnerControls">
-  <documentManagement>
-    <TaxCatchAll xmlns="dead17b3-d09a-4d17-9633-982b423f4fbc" xsi:nil="true"/>
-    <lcf76f155ced4ddcb4097134ff3c332f xmlns="edd774d5-6d8f-4b83-b098-255576e86aac">
-      <Terms xmlns="http://schemas.microsoft.com/office/infopath/2007/PartnerControls"/>
-    </lcf76f155ced4ddcb4097134ff3c332f>
-  </documentManagement>
-</p:properties>
-</file>
-
 <file path=customXml/itemProps1.xml><?xml version="1.0" encoding="utf-8"?>
 <ds:datastoreItem xmlns:ds="http://schemas.openxmlformats.org/officeDocument/2006/customXml" ds:itemID="{5636F5E9-25BB-4734-86C2-FD32BCBA5CBD}">
   <ds:schemaRefs>
@@ -27445,6 +27800,17 @@
 </file>
 
 <file path=customXml/itemProps2.xml><?xml version="1.0" encoding="utf-8"?>
+<ds:datastoreItem xmlns:ds="http://schemas.openxmlformats.org/officeDocument/2006/customXml" ds:itemID="{84338BAD-8BA4-4C42-A850-147A5D210631}">
+  <ds:schemaRefs>
+    <ds:schemaRef ds:uri="http://schemas.microsoft.com/office/2006/metadata/properties"/>
+    <ds:schemaRef ds:uri="http://schemas.microsoft.com/office/infopath/2007/PartnerControls"/>
+    <ds:schemaRef ds:uri="dead17b3-d09a-4d17-9633-982b423f4fbc"/>
+    <ds:schemaRef ds:uri="edd774d5-6d8f-4b83-b098-255576e86aac"/>
+  </ds:schemaRefs>
+</ds:datastoreItem>
+</file>
+
+<file path=customXml/itemProps3.xml><?xml version="1.0" encoding="utf-8"?>
 <ds:datastoreItem xmlns:ds="http://schemas.openxmlformats.org/officeDocument/2006/customXml" ds:itemID="{7B44D4F2-36BF-49E2-8330-5C01CEA3FA8E}">
   <ds:schemaRefs>
     <ds:schemaRef ds:uri="http://schemas.microsoft.com/office/2006/metadata/contentType"/>
@@ -27461,15 +27827,4 @@
     <ds:schemaRef ds:uri="http://schemas.microsoft.com/internal/obd"/>
   </ds:schemaRefs>
 </ds:datastoreItem>
-</file>
-
-<file path=customXml/itemProps3.xml><?xml version="1.0" encoding="utf-8"?>
-<ds:datastoreItem xmlns:ds="http://schemas.openxmlformats.org/officeDocument/2006/customXml" ds:itemID="{84338BAD-8BA4-4C42-A850-147A5D210631}">
-  <ds:schemaRefs>
-    <ds:schemaRef ds:uri="http://schemas.microsoft.com/office/2006/metadata/properties"/>
-    <ds:schemaRef ds:uri="http://schemas.microsoft.com/office/infopath/2007/PartnerControls"/>
-    <ds:schemaRef ds:uri="dead17b3-d09a-4d17-9633-982b423f4fbc"/>
-    <ds:schemaRef ds:uri="edd774d5-6d8f-4b83-b098-255576e86aac"/>
-  </ds:schemaRefs>
-</ds:datastoreItem>
 </file>
--- a/sources/Deltares.Probabilistic.PWrapper.Examples/kratos/Prob Kratos DSD.pptx
+++ b/sources/Deltares.Probabilistic.PWrapper.Examples/kratos/Prob Kratos DSD.pptx
@@ -22149,16 +22149,17 @@
                 </a:r>
                 <a:r>
                   <a:rPr lang="nl-NL" dirty="0"/>
-                  <a:t> faalkans in 2075, zonder aanvullende informatie</a:t>
+                  <a:t> faalkans in 2075, zonder aanvullende informatie: </a:t>
                 </a:r>
               </a:p>
               <a:p>
+                <a:pPr/>
                 <a14:m>
                   <m:oMath xmlns:m="http://schemas.openxmlformats.org/officeDocument/2006/math">
                     <m:sSub>
                       <m:sSubPr>
                         <m:ctrlPr>
-                          <a:rPr lang="nl-NL" i="1">
+                          <a:rPr lang="nl-NL" i="1" smtClean="0">
                             <a:solidFill>
                               <a:schemeClr val="tx2">
                                 <a:lumMod val="60000"/>
@@ -22218,31 +22219,7 @@
                             </a:solidFill>
                             <a:latin typeface="Cambria Math" panose="02040503050406030204" pitchFamily="18" charset="0"/>
                           </a:rPr>
-                          <m:t>𝑑𝑖</m:t>
-                        </m:r>
-                        <m:r>
-                          <a:rPr lang="nl-NL" i="1">
-                            <a:solidFill>
-                              <a:schemeClr val="tx2">
-                                <a:lumMod val="60000"/>
-                                <a:lumOff val="40000"/>
-                              </a:schemeClr>
-                            </a:solidFill>
-                            <a:latin typeface="Cambria Math" panose="02040503050406030204" pitchFamily="18" charset="0"/>
-                          </a:rPr>
-                          <m:t>𝑠</m:t>
-                        </m:r>
-                        <m:r>
-                          <a:rPr lang="nl-NL" i="1">
-                            <a:solidFill>
-                              <a:schemeClr val="tx2">
-                                <a:lumMod val="60000"/>
-                                <a:lumOff val="40000"/>
-                              </a:schemeClr>
-                            </a:solidFill>
-                            <a:latin typeface="Cambria Math" panose="02040503050406030204" pitchFamily="18" charset="0"/>
-                          </a:rPr>
-                          <m:t>𝑝𝑙𝑎𝑐𝑒𝑚𝑒𝑛𝑡</m:t>
+                          <m:t>𝑑𝑖𝑠𝑝𝑙𝑎𝑐𝑒𝑚𝑒𝑛𝑡</m:t>
                         </m:r>
                       </m:sub>
                     </m:sSub>
@@ -22296,7 +22273,7 @@
                 </a:r>
                 <a:r>
                   <a:rPr lang="nl-NL" dirty="0"/>
-                  <a:t> kans in 2025</a:t>
+                  <a:t> kans in 2025:</a:t>
                 </a:r>
               </a:p>
               <a:p>
@@ -22488,31 +22465,7 @@
                             </a:solidFill>
                             <a:latin typeface="Cambria Math" panose="02040503050406030204" pitchFamily="18" charset="0"/>
                           </a:rPr>
-                          <m:t>𝑑𝑖</m:t>
-                        </m:r>
-                        <m:r>
-                          <a:rPr lang="nl-NL" i="1">
-                            <a:solidFill>
-                              <a:schemeClr val="tx2">
-                                <a:lumMod val="60000"/>
-                                <a:lumOff val="40000"/>
-                              </a:schemeClr>
-                            </a:solidFill>
-                            <a:latin typeface="Cambria Math" panose="02040503050406030204" pitchFamily="18" charset="0"/>
-                          </a:rPr>
-                          <m:t>𝑠</m:t>
-                        </m:r>
-                        <m:r>
-                          <a:rPr lang="nl-NL" i="1">
-                            <a:solidFill>
-                              <a:schemeClr val="tx2">
-                                <a:lumMod val="60000"/>
-                                <a:lumOff val="40000"/>
-                              </a:schemeClr>
-                            </a:solidFill>
-                            <a:latin typeface="Cambria Math" panose="02040503050406030204" pitchFamily="18" charset="0"/>
-                          </a:rPr>
-                          <m:t>𝑝𝑙𝑎𝑐𝑒𝑚𝑒𝑛𝑡</m:t>
+                          <m:t>𝑑𝑖𝑠𝑝𝑙𝑎𝑐𝑒𝑚𝑒𝑛𝑡</m:t>
                         </m:r>
                       </m:sub>
                     </m:sSub>
@@ -22665,18 +22618,14 @@
               </a:p>
               <a:p>
                 <a:r>
-                  <a:rPr lang="nl-NL" dirty="0" err="1"/>
-                  <a:t>Bayesian</a:t>
-                </a:r>
-                <a:r>
                   <a:rPr lang="nl-NL" dirty="0"/>
-                  <a:t> updating:</a:t>
+                  <a:t>Bayesian updating:</a:t>
                 </a:r>
               </a:p>
               <a:p>
                 <a:r>
                   <a:rPr lang="nl-NL" dirty="0"/>
-                  <a:t>=  </a:t>
+                  <a:t> </a:t>
                 </a:r>
                 <a14:m>
                   <m:oMath xmlns:m="http://schemas.openxmlformats.org/officeDocument/2006/math">
@@ -22743,31 +22692,7 @@
                             </a:solidFill>
                             <a:latin typeface="Cambria Math" panose="02040503050406030204" pitchFamily="18" charset="0"/>
                           </a:rPr>
-                          <m:t>𝑑𝑖</m:t>
-                        </m:r>
-                        <m:r>
-                          <a:rPr lang="nl-NL" i="1">
-                            <a:solidFill>
-                              <a:schemeClr val="tx2">
-                                <a:lumMod val="60000"/>
-                                <a:lumOff val="40000"/>
-                              </a:schemeClr>
-                            </a:solidFill>
-                            <a:latin typeface="Cambria Math" panose="02040503050406030204" pitchFamily="18" charset="0"/>
-                          </a:rPr>
-                          <m:t>𝑠</m:t>
-                        </m:r>
-                        <m:r>
-                          <a:rPr lang="nl-NL" i="1">
-                            <a:solidFill>
-                              <a:schemeClr val="tx2">
-                                <a:lumMod val="60000"/>
-                                <a:lumOff val="40000"/>
-                              </a:schemeClr>
-                            </a:solidFill>
-                            <a:latin typeface="Cambria Math" panose="02040503050406030204" pitchFamily="18" charset="0"/>
-                          </a:rPr>
-                          <m:t>𝑝𝑙𝑎𝑐𝑒𝑚𝑒𝑛𝑡</m:t>
+                          <m:t>𝑑𝑖𝑠𝑝𝑙𝑎𝑐𝑒𝑚𝑒𝑛𝑡</m:t>
                         </m:r>
                       </m:sub>
                     </m:sSub>
@@ -23331,7 +23256,7 @@
           <p:nvPr>
             <p:extLst>
               <p:ext uri="{D42A27DB-BD31-4B8C-83A1-F6EECF244321}">
-                <p14:modId xmlns:p14="http://schemas.microsoft.com/office/powerpoint/2010/main" val="3198178972"/>
+                <p14:modId xmlns:p14="http://schemas.microsoft.com/office/powerpoint/2010/main" val="3718327147"/>
               </p:ext>
             </p:extLst>
           </p:nvPr>
@@ -23422,15 +23347,7 @@
                     <a:p>
                       <a:r>
                         <a:rPr lang="it-IT" dirty="0"/>
-                        <a:t>A priori </a:t>
-                      </a:r>
-                      <a:r>
-                        <a:rPr lang="it-IT" dirty="0" err="1"/>
-                        <a:t>faalkans</a:t>
-                      </a:r>
-                      <a:r>
-                        <a:rPr lang="it-IT" dirty="0"/>
-                        <a:t> in 2075</a:t>
+                        <a:t>A priori faalkans in 2075</a:t>
                       </a:r>
                       <a:endParaRPr lang="nl-NL" dirty="0"/>
                     </a:p>
@@ -23575,15 +23492,15 @@
                     <a:p>
                       <a:r>
                         <a:rPr lang="it-IT" dirty="0"/>
-                        <a:t>A posteriori </a:t>
+                        <a:t>A posteriori faalkans in 2075 (</a:t>
                       </a:r>
                       <a:r>
                         <a:rPr lang="it-IT" dirty="0" err="1"/>
-                        <a:t>faalkans</a:t>
+                        <a:t>Bayesian</a:t>
                       </a:r>
                       <a:r>
                         <a:rPr lang="it-IT" dirty="0"/>
-                        <a:t> in 2075</a:t>
+                        <a:t>)</a:t>
                       </a:r>
                       <a:endParaRPr lang="nl-NL" dirty="0"/>
                     </a:p>
@@ -24732,26 +24649,42 @@
           <a:lstStyle/>
           <a:p>
             <a:r>
+              <a:rPr lang="nl-NL" b="1" dirty="0"/>
+              <a:t>Fase 0:</a:t>
+            </a:r>
+            <a:r>
               <a:rPr lang="nl-NL" dirty="0"/>
-              <a:t>Fase 0: beginsituatie</a:t>
-            </a:r>
-          </a:p>
-          <a:p>
+              <a:t> beginsituatie</a:t>
+            </a:r>
+          </a:p>
+          <a:p>
+            <a:r>
+              <a:rPr lang="nl-NL" b="1" dirty="0"/>
+              <a:t>Fase 1:</a:t>
+            </a:r>
             <a:r>
               <a:rPr lang="nl-NL" dirty="0"/>
-              <a:t>Fase 1: damwand</a:t>
-            </a:r>
-          </a:p>
-          <a:p>
+              <a:t> damwand</a:t>
+            </a:r>
+          </a:p>
+          <a:p>
+            <a:r>
+              <a:rPr lang="nl-NL" b="1" dirty="0"/>
+              <a:t>Fase 2:</a:t>
+            </a:r>
             <a:r>
               <a:rPr lang="nl-NL" dirty="0"/>
-              <a:t>Fase 2: ontgraving</a:t>
-            </a:r>
-          </a:p>
-          <a:p>
+              <a:t> ontgraving</a:t>
+            </a:r>
+          </a:p>
+          <a:p>
+            <a:r>
+              <a:rPr lang="nl-NL" b="1" dirty="0"/>
+              <a:t>Fase 3:</a:t>
+            </a:r>
             <a:r>
               <a:rPr lang="nl-NL" dirty="0"/>
-              <a:t>Fase 3: met anker</a:t>
+              <a:t> met anker</a:t>
             </a:r>
           </a:p>
           <a:p>
@@ -26634,12 +26567,82 @@
           </a:p>
         </p:txBody>
       </p:sp>
+      <p:sp>
+        <p:nvSpPr>
+          <p:cNvPr id="11" name="TextBox 10">
+            <a:extLst>
+              <a:ext uri="{FF2B5EF4-FFF2-40B4-BE49-F238E27FC236}">
+                <a16:creationId xmlns:a16="http://schemas.microsoft.com/office/drawing/2014/main" id="{BF33280B-5CDA-7E53-2D01-76A356DC45F6}"/>
+              </a:ext>
+            </a:extLst>
+          </p:cNvPr>
+          <p:cNvSpPr txBox="1"/>
+          <p:nvPr/>
+        </p:nvSpPr>
+        <p:spPr>
+          <a:xfrm>
+            <a:off x="2099253" y="2378922"/>
+            <a:ext cx="2313454" cy="369332"/>
+          </a:xfrm>
+          <a:prstGeom prst="rect">
+            <a:avLst/>
+          </a:prstGeom>
+          <a:noFill/>
+        </p:spPr>
+        <p:txBody>
+          <a:bodyPr wrap="none" rtlCol="0">
+            <a:spAutoFit/>
+          </a:bodyPr>
+          <a:lstStyle/>
+          <a:p>
+            <a:r>
+              <a:rPr lang="nl-NL" b="1" dirty="0"/>
+              <a:t>Fase 2 (ontgraving)</a:t>
+            </a:r>
+          </a:p>
+        </p:txBody>
+      </p:sp>
+      <p:sp>
+        <p:nvSpPr>
+          <p:cNvPr id="12" name="TextBox 11">
+            <a:extLst>
+              <a:ext uri="{FF2B5EF4-FFF2-40B4-BE49-F238E27FC236}">
+                <a16:creationId xmlns:a16="http://schemas.microsoft.com/office/drawing/2014/main" id="{EEE70B8E-CC91-C25E-7E0F-377B2114DD32}"/>
+              </a:ext>
+            </a:extLst>
+          </p:cNvPr>
+          <p:cNvSpPr txBox="1"/>
+          <p:nvPr/>
+        </p:nvSpPr>
+        <p:spPr>
+          <a:xfrm>
+            <a:off x="8100003" y="2407828"/>
+            <a:ext cx="1736373" cy="369332"/>
+          </a:xfrm>
+          <a:prstGeom prst="rect">
+            <a:avLst/>
+          </a:prstGeom>
+          <a:noFill/>
+        </p:spPr>
+        <p:txBody>
+          <a:bodyPr wrap="none" rtlCol="0">
+            <a:spAutoFit/>
+          </a:bodyPr>
+          <a:lstStyle/>
+          <a:p>
+            <a:r>
+              <a:rPr lang="nl-NL" b="1" dirty="0"/>
+              <a:t>Fase 3 (anker)</a:t>
+            </a:r>
+          </a:p>
+        </p:txBody>
+      </p:sp>
       <p:pic>
         <p:nvPicPr>
-          <p:cNvPr id="8" name="Picture 7">
-            <a:extLst>
-              <a:ext uri="{FF2B5EF4-FFF2-40B4-BE49-F238E27FC236}">
-                <a16:creationId xmlns:a16="http://schemas.microsoft.com/office/drawing/2014/main" id="{96313DFE-6C2D-2399-BCA3-91C32807EFBA}"/>
+          <p:cNvPr id="9" name="Picture 8">
+            <a:extLst>
+              <a:ext uri="{FF2B5EF4-FFF2-40B4-BE49-F238E27FC236}">
+                <a16:creationId xmlns:a16="http://schemas.microsoft.com/office/drawing/2014/main" id="{436A4E44-7C73-DE22-546E-A102536A1681}"/>
               </a:ext>
             </a:extLst>
           </p:cNvPr>
@@ -26656,8 +26659,8 @@
         </p:blipFill>
         <p:spPr>
           <a:xfrm>
-            <a:off x="589472" y="2811880"/>
-            <a:ext cx="5424734" cy="3576978"/>
+            <a:off x="1145379" y="2858718"/>
+            <a:ext cx="4434241" cy="3311569"/>
           </a:xfrm>
           <a:prstGeom prst="rect">
             <a:avLst/>
@@ -26666,10 +26669,10 @@
       </p:pic>
       <p:pic>
         <p:nvPicPr>
-          <p:cNvPr id="10" name="Picture 9">
-            <a:extLst>
-              <a:ext uri="{FF2B5EF4-FFF2-40B4-BE49-F238E27FC236}">
-                <a16:creationId xmlns:a16="http://schemas.microsoft.com/office/drawing/2014/main" id="{A2FA873E-91C5-A387-A776-6DE0BAEE9C99}"/>
+          <p:cNvPr id="14" name="Picture 13">
+            <a:extLst>
+              <a:ext uri="{FF2B5EF4-FFF2-40B4-BE49-F238E27FC236}">
+                <a16:creationId xmlns:a16="http://schemas.microsoft.com/office/drawing/2014/main" id="{07B4B1C1-E726-192B-82EE-E107240EA73E}"/>
               </a:ext>
             </a:extLst>
           </p:cNvPr>
@@ -26686,84 +26689,14 @@
         </p:blipFill>
         <p:spPr>
           <a:xfrm>
-            <a:off x="6096000" y="2811880"/>
-            <a:ext cx="6006852" cy="3511485"/>
+            <a:off x="6679667" y="2827039"/>
+            <a:ext cx="4577043" cy="3374926"/>
           </a:xfrm>
           <a:prstGeom prst="rect">
             <a:avLst/>
           </a:prstGeom>
         </p:spPr>
       </p:pic>
-      <p:sp>
-        <p:nvSpPr>
-          <p:cNvPr id="11" name="TextBox 10">
-            <a:extLst>
-              <a:ext uri="{FF2B5EF4-FFF2-40B4-BE49-F238E27FC236}">
-                <a16:creationId xmlns:a16="http://schemas.microsoft.com/office/drawing/2014/main" id="{BF33280B-5CDA-7E53-2D01-76A356DC45F6}"/>
-              </a:ext>
-            </a:extLst>
-          </p:cNvPr>
-          <p:cNvSpPr txBox="1"/>
-          <p:nvPr/>
-        </p:nvSpPr>
-        <p:spPr>
-          <a:xfrm>
-            <a:off x="2099253" y="2378922"/>
-            <a:ext cx="2313454" cy="369332"/>
-          </a:xfrm>
-          <a:prstGeom prst="rect">
-            <a:avLst/>
-          </a:prstGeom>
-          <a:noFill/>
-        </p:spPr>
-        <p:txBody>
-          <a:bodyPr wrap="none" rtlCol="0">
-            <a:spAutoFit/>
-          </a:bodyPr>
-          <a:lstStyle/>
-          <a:p>
-            <a:r>
-              <a:rPr lang="nl-NL" b="1" dirty="0"/>
-              <a:t>Fase 2 (ontgraving)</a:t>
-            </a:r>
-          </a:p>
-        </p:txBody>
-      </p:sp>
-      <p:sp>
-        <p:nvSpPr>
-          <p:cNvPr id="12" name="TextBox 11">
-            <a:extLst>
-              <a:ext uri="{FF2B5EF4-FFF2-40B4-BE49-F238E27FC236}">
-                <a16:creationId xmlns:a16="http://schemas.microsoft.com/office/drawing/2014/main" id="{EEE70B8E-CC91-C25E-7E0F-377B2114DD32}"/>
-              </a:ext>
-            </a:extLst>
-          </p:cNvPr>
-          <p:cNvSpPr txBox="1"/>
-          <p:nvPr/>
-        </p:nvSpPr>
-        <p:spPr>
-          <a:xfrm>
-            <a:off x="8100003" y="2407828"/>
-            <a:ext cx="1736373" cy="369332"/>
-          </a:xfrm>
-          <a:prstGeom prst="rect">
-            <a:avLst/>
-          </a:prstGeom>
-          <a:noFill/>
-        </p:spPr>
-        <p:txBody>
-          <a:bodyPr wrap="none" rtlCol="0">
-            <a:spAutoFit/>
-          </a:bodyPr>
-          <a:lstStyle/>
-          <a:p>
-            <a:r>
-              <a:rPr lang="nl-NL" b="1" dirty="0"/>
-              <a:t>Fase 3 (anker)</a:t>
-            </a:r>
-          </a:p>
-        </p:txBody>
-      </p:sp>
     </p:spTree>
     <p:extLst>
       <p:ext uri="{BB962C8B-B14F-4D97-AF65-F5344CB8AC3E}">
@@ -27561,15 +27494,6 @@
 </file>
 
 <file path=customXml/item1.xml><?xml version="1.0" encoding="utf-8"?>
-<?mso-contentType ?>
-<FormTemplates xmlns="http://schemas.microsoft.com/sharepoint/v3/contenttype/forms">
-  <Display>DocumentLibraryForm</Display>
-  <Edit>DocumentLibraryForm</Edit>
-  <New>DocumentLibraryForm</New>
-</FormTemplates>
-</file>
-
-<file path=customXml/item2.xml><?xml version="1.0" encoding="utf-8"?>
 <p:properties xmlns:p="http://schemas.microsoft.com/office/2006/metadata/properties" xmlns:xsi="http://www.w3.org/2001/XMLSchema-instance" xmlns:pc="http://schemas.microsoft.com/office/infopath/2007/PartnerControls">
   <documentManagement>
     <TaxCatchAll xmlns="dead17b3-d09a-4d17-9633-982b423f4fbc" xsi:nil="true"/>
@@ -27578,6 +27502,15 @@
     </lcf76f155ced4ddcb4097134ff3c332f>
   </documentManagement>
 </p:properties>
+</file>
+
+<file path=customXml/item2.xml><?xml version="1.0" encoding="utf-8"?>
+<?mso-contentType ?>
+<FormTemplates xmlns="http://schemas.microsoft.com/sharepoint/v3/contenttype/forms">
+  <Display>DocumentLibraryForm</Display>
+  <Edit>DocumentLibraryForm</Edit>
+  <New>DocumentLibraryForm</New>
+</FormTemplates>
 </file>
 
 <file path=customXml/item3.xml><?xml version="1.0" encoding="utf-8"?>
@@ -27792,20 +27725,20 @@
 </file>
 
 <file path=customXml/itemProps1.xml><?xml version="1.0" encoding="utf-8"?>
-<ds:datastoreItem xmlns:ds="http://schemas.openxmlformats.org/officeDocument/2006/customXml" ds:itemID="{5636F5E9-25BB-4734-86C2-FD32BCBA5CBD}">
-  <ds:schemaRefs>
-    <ds:schemaRef ds:uri="http://schemas.microsoft.com/sharepoint/v3/contenttype/forms"/>
-  </ds:schemaRefs>
-</ds:datastoreItem>
-</file>
-
-<file path=customXml/itemProps2.xml><?xml version="1.0" encoding="utf-8"?>
 <ds:datastoreItem xmlns:ds="http://schemas.openxmlformats.org/officeDocument/2006/customXml" ds:itemID="{84338BAD-8BA4-4C42-A850-147A5D210631}">
   <ds:schemaRefs>
     <ds:schemaRef ds:uri="http://schemas.microsoft.com/office/2006/metadata/properties"/>
     <ds:schemaRef ds:uri="http://schemas.microsoft.com/office/infopath/2007/PartnerControls"/>
     <ds:schemaRef ds:uri="dead17b3-d09a-4d17-9633-982b423f4fbc"/>
     <ds:schemaRef ds:uri="edd774d5-6d8f-4b83-b098-255576e86aac"/>
+  </ds:schemaRefs>
+</ds:datastoreItem>
+</file>
+
+<file path=customXml/itemProps2.xml><?xml version="1.0" encoding="utf-8"?>
+<ds:datastoreItem xmlns:ds="http://schemas.openxmlformats.org/officeDocument/2006/customXml" ds:itemID="{5636F5E9-25BB-4734-86C2-FD32BCBA5CBD}">
+  <ds:schemaRefs>
+    <ds:schemaRef ds:uri="http://schemas.microsoft.com/sharepoint/v3/contenttype/forms"/>
   </ds:schemaRefs>
 </ds:datastoreItem>
 </file>

--- a/sources/Deltares.Probabilistic.PWrapper.Examples/kratos/Prob Kratos DSD.pptx
+++ b/sources/Deltares.Probabilistic.PWrapper.Examples/kratos/Prob Kratos DSD.pptx
@@ -15520,12 +15520,8 @@
           <a:lstStyle/>
           <a:p>
             <a:r>
-              <a:rPr lang="nl-NL" dirty="0" err="1"/>
-              <a:t>Grenstoetsfunctie</a:t>
-            </a:r>
-            <a:r>
               <a:rPr lang="nl-NL" dirty="0"/>
-              <a:t> voor de totale verplaatsing in x-richting (maaiveld):</a:t>
+              <a:t>Grenstoestandsfunctie voor de totale verplaatsing in x-richting (maaiveld):</a:t>
             </a:r>
           </a:p>
           <a:p>
@@ -15542,12 +15538,8 @@
           </a:p>
           <a:p>
             <a:r>
-              <a:rPr lang="nl-NL" dirty="0" err="1"/>
-              <a:t>Grenstoetsfunctie</a:t>
-            </a:r>
-            <a:r>
               <a:rPr lang="nl-NL" dirty="0"/>
-              <a:t> voor het maximale buigmoment:</a:t>
+              <a:t>Grenstoestandsfunctie voor het maximale buigmoment:</a:t>
             </a:r>
           </a:p>
         </p:txBody>
@@ -22120,8 +22112,8 @@
           </a:p>
         </p:txBody>
       </p:sp>
-      <mc:AlternateContent xmlns:mc="http://schemas.openxmlformats.org/markup-compatibility/2006">
-        <mc:Choice xmlns:a14="http://schemas.microsoft.com/office/drawing/2010/main" Requires="a14">
+      <mc:AlternateContent xmlns:mc="http://schemas.openxmlformats.org/markup-compatibility/2006" xmlns:a14="http://schemas.microsoft.com/office/drawing/2010/main">
+        <mc:Choice Requires="a14">
           <p:sp>
             <p:nvSpPr>
               <p:cNvPr id="3" name="Content Placeholder 2">
@@ -22153,7 +22145,6 @@
                 </a:r>
               </a:p>
               <a:p>
-                <a:pPr/>
                 <a14:m>
                   <m:oMath xmlns:m="http://schemas.openxmlformats.org/officeDocument/2006/math">
                     <m:sSub>
@@ -22967,7 +22958,7 @@
             </p:txBody>
           </p:sp>
         </mc:Choice>
-        <mc:Fallback>
+        <mc:Fallback xmlns="">
           <p:sp>
             <p:nvSpPr>
               <p:cNvPr id="3" name="Content Placeholder 2">
@@ -27494,6 +27485,15 @@
 </file>
 
 <file path=customXml/item1.xml><?xml version="1.0" encoding="utf-8"?>
+<?mso-contentType ?>
+<FormTemplates xmlns="http://schemas.microsoft.com/sharepoint/v3/contenttype/forms">
+  <Display>DocumentLibraryForm</Display>
+  <Edit>DocumentLibraryForm</Edit>
+  <New>DocumentLibraryForm</New>
+</FormTemplates>
+</file>
+
+<file path=customXml/item2.xml><?xml version="1.0" encoding="utf-8"?>
 <p:properties xmlns:p="http://schemas.microsoft.com/office/2006/metadata/properties" xmlns:xsi="http://www.w3.org/2001/XMLSchema-instance" xmlns:pc="http://schemas.microsoft.com/office/infopath/2007/PartnerControls">
   <documentManagement>
     <TaxCatchAll xmlns="dead17b3-d09a-4d17-9633-982b423f4fbc" xsi:nil="true"/>
@@ -27502,15 +27502,6 @@
     </lcf76f155ced4ddcb4097134ff3c332f>
   </documentManagement>
 </p:properties>
-</file>
-
-<file path=customXml/item2.xml><?xml version="1.0" encoding="utf-8"?>
-<?mso-contentType ?>
-<FormTemplates xmlns="http://schemas.microsoft.com/sharepoint/v3/contenttype/forms">
-  <Display>DocumentLibraryForm</Display>
-  <Edit>DocumentLibraryForm</Edit>
-  <New>DocumentLibraryForm</New>
-</FormTemplates>
 </file>
 
 <file path=customXml/item3.xml><?xml version="1.0" encoding="utf-8"?>
@@ -27725,20 +27716,20 @@
 </file>
 
 <file path=customXml/itemProps1.xml><?xml version="1.0" encoding="utf-8"?>
+<ds:datastoreItem xmlns:ds="http://schemas.openxmlformats.org/officeDocument/2006/customXml" ds:itemID="{5636F5E9-25BB-4734-86C2-FD32BCBA5CBD}">
+  <ds:schemaRefs>
+    <ds:schemaRef ds:uri="http://schemas.microsoft.com/sharepoint/v3/contenttype/forms"/>
+  </ds:schemaRefs>
+</ds:datastoreItem>
+</file>
+
+<file path=customXml/itemProps2.xml><?xml version="1.0" encoding="utf-8"?>
 <ds:datastoreItem xmlns:ds="http://schemas.openxmlformats.org/officeDocument/2006/customXml" ds:itemID="{84338BAD-8BA4-4C42-A850-147A5D210631}">
   <ds:schemaRefs>
     <ds:schemaRef ds:uri="http://schemas.microsoft.com/office/2006/metadata/properties"/>
     <ds:schemaRef ds:uri="http://schemas.microsoft.com/office/infopath/2007/PartnerControls"/>
     <ds:schemaRef ds:uri="dead17b3-d09a-4d17-9633-982b423f4fbc"/>
     <ds:schemaRef ds:uri="edd774d5-6d8f-4b83-b098-255576e86aac"/>
-  </ds:schemaRefs>
-</ds:datastoreItem>
-</file>
-
-<file path=customXml/itemProps2.xml><?xml version="1.0" encoding="utf-8"?>
-<ds:datastoreItem xmlns:ds="http://schemas.openxmlformats.org/officeDocument/2006/customXml" ds:itemID="{5636F5E9-25BB-4734-86C2-FD32BCBA5CBD}">
-  <ds:schemaRefs>
-    <ds:schemaRef ds:uri="http://schemas.microsoft.com/sharepoint/v3/contenttype/forms"/>
   </ds:schemaRefs>
 </ds:datastoreItem>
 </file>

--- a/sources/Deltares.Probabilistic.PWrapper.Examples/kratos/Prob Kratos DSD.pptx
+++ b/sources/Deltares.Probabilistic.PWrapper.Examples/kratos/Prob Kratos DSD.pptx
@@ -21901,7 +21901,12 @@
             <p:ph idx="1"/>
           </p:nvPr>
         </p:nvSpPr>
-        <p:spPr/>
+        <p:spPr>
+          <a:xfrm>
+            <a:off x="755650" y="1768763"/>
+            <a:ext cx="9981781" cy="4320000"/>
+          </a:xfrm>
+        </p:spPr>
         <p:txBody>
           <a:bodyPr/>
           <a:lstStyle/>
@@ -21945,7 +21950,7 @@
             </a:r>
             <a:r>
               <a:rPr lang="nl-NL" dirty="0"/>
-              <a:t> we weten dat in 2025 de verplaatsing van de damwand de kritieke waarde van -0.17 m niet overschrijdt.</a:t>
+              <a:t> we weten dat in 2025 de verplaatsing van de damwand de kritieke waarde van -0.18 m niet overschrijdt.</a:t>
             </a:r>
           </a:p>
           <a:p>
@@ -23247,7 +23252,7 @@
           <p:nvPr>
             <p:extLst>
               <p:ext uri="{D42A27DB-BD31-4B8C-83A1-F6EECF244321}">
-                <p14:modId xmlns:p14="http://schemas.microsoft.com/office/powerpoint/2010/main" val="3718327147"/>
+                <p14:modId xmlns:p14="http://schemas.microsoft.com/office/powerpoint/2010/main" val="2804431071"/>
               </p:ext>
             </p:extLst>
           </p:nvPr>
@@ -23353,7 +23358,7 @@
                       <a:pPr algn="ctr"/>
                       <a:r>
                         <a:rPr lang="nl-NL" dirty="0"/>
-                        <a:t>0.215</a:t>
+                        <a:t>0.094</a:t>
                       </a:r>
                     </a:p>
                   </a:txBody>
@@ -23367,7 +23372,7 @@
                       <a:pPr algn="ctr"/>
                       <a:r>
                         <a:rPr lang="nl-NL" dirty="0"/>
-                        <a:t>0.78</a:t>
+                        <a:t>1.32</a:t>
                       </a:r>
                     </a:p>
                   </a:txBody>
@@ -23401,7 +23406,7 @@
                       <a:pPr algn="ctr"/>
                       <a:r>
                         <a:rPr lang="nl-NL" dirty="0"/>
-                        <a:t>0.75</a:t>
+                        <a:t>0.87</a:t>
                       </a:r>
                     </a:p>
                   </a:txBody>
@@ -23415,7 +23420,7 @@
                       <a:pPr algn="ctr"/>
                       <a:r>
                         <a:rPr lang="nl-NL" dirty="0"/>
-                        <a:t>-0.68</a:t>
+                        <a:t>-1.17</a:t>
                       </a:r>
                     </a:p>
                   </a:txBody>
@@ -23449,7 +23454,7 @@
                       <a:pPr algn="ctr"/>
                       <a:r>
                         <a:rPr lang="nl-NL" dirty="0"/>
-                        <a:t>0.00167</a:t>
+                        <a:t>0.00216</a:t>
                       </a:r>
                     </a:p>
                   </a:txBody>
@@ -23463,7 +23468,7 @@
                       <a:pPr algn="ctr"/>
                       <a:r>
                         <a:rPr lang="nl-NL" dirty="0"/>
-                        <a:t>2.934</a:t>
+                        <a:t>2.85</a:t>
                       </a:r>
                     </a:p>
                   </a:txBody>
@@ -23506,7 +23511,7 @@
                       <a:pPr algn="ctr"/>
                       <a:r>
                         <a:rPr lang="nl-NL" dirty="0"/>
-                        <a:t>0.0022</a:t>
+                        <a:t>0.0024</a:t>
                       </a:r>
                     </a:p>
                   </a:txBody>
@@ -23520,7 +23525,7 @@
                       <a:pPr algn="ctr"/>
                       <a:r>
                         <a:rPr lang="nl-NL" dirty="0"/>
-                        <a:t>2.84</a:t>
+                        <a:t>2.82</a:t>
                       </a:r>
                     </a:p>
                   </a:txBody>
@@ -23570,7 +23575,7 @@
                   <a:srgbClr val="0D38E0"/>
                 </a:solidFill>
               </a:rPr>
-              <a:t>Rekening houdend met de bewezen sterkte is de faalkans in 2075 gedaald van 0.215 naar 0.0022</a:t>
+              <a:t>Rekening houdend met de bewezen sterkte is de faalkans in 2075 gedaald van 0.094 naar 0.0024</a:t>
             </a:r>
           </a:p>
         </p:txBody>
@@ -27485,15 +27490,6 @@
 </file>
 
 <file path=customXml/item1.xml><?xml version="1.0" encoding="utf-8"?>
-<?mso-contentType ?>
-<FormTemplates xmlns="http://schemas.microsoft.com/sharepoint/v3/contenttype/forms">
-  <Display>DocumentLibraryForm</Display>
-  <Edit>DocumentLibraryForm</Edit>
-  <New>DocumentLibraryForm</New>
-</FormTemplates>
-</file>
-
-<file path=customXml/item2.xml><?xml version="1.0" encoding="utf-8"?>
 <p:properties xmlns:p="http://schemas.microsoft.com/office/2006/metadata/properties" xmlns:xsi="http://www.w3.org/2001/XMLSchema-instance" xmlns:pc="http://schemas.microsoft.com/office/infopath/2007/PartnerControls">
   <documentManagement>
     <TaxCatchAll xmlns="dead17b3-d09a-4d17-9633-982b423f4fbc" xsi:nil="true"/>
@@ -27502,6 +27498,15 @@
     </lcf76f155ced4ddcb4097134ff3c332f>
   </documentManagement>
 </p:properties>
+</file>
+
+<file path=customXml/item2.xml><?xml version="1.0" encoding="utf-8"?>
+<?mso-contentType ?>
+<FormTemplates xmlns="http://schemas.microsoft.com/sharepoint/v3/contenttype/forms">
+  <Display>DocumentLibraryForm</Display>
+  <Edit>DocumentLibraryForm</Edit>
+  <New>DocumentLibraryForm</New>
+</FormTemplates>
 </file>
 
 <file path=customXml/item3.xml><?xml version="1.0" encoding="utf-8"?>
@@ -27716,20 +27721,20 @@
 </file>
 
 <file path=customXml/itemProps1.xml><?xml version="1.0" encoding="utf-8"?>
-<ds:datastoreItem xmlns:ds="http://schemas.openxmlformats.org/officeDocument/2006/customXml" ds:itemID="{5636F5E9-25BB-4734-86C2-FD32BCBA5CBD}">
-  <ds:schemaRefs>
-    <ds:schemaRef ds:uri="http://schemas.microsoft.com/sharepoint/v3/contenttype/forms"/>
-  </ds:schemaRefs>
-</ds:datastoreItem>
-</file>
-
-<file path=customXml/itemProps2.xml><?xml version="1.0" encoding="utf-8"?>
 <ds:datastoreItem xmlns:ds="http://schemas.openxmlformats.org/officeDocument/2006/customXml" ds:itemID="{84338BAD-8BA4-4C42-A850-147A5D210631}">
   <ds:schemaRefs>
     <ds:schemaRef ds:uri="http://schemas.microsoft.com/office/2006/metadata/properties"/>
     <ds:schemaRef ds:uri="http://schemas.microsoft.com/office/infopath/2007/PartnerControls"/>
     <ds:schemaRef ds:uri="dead17b3-d09a-4d17-9633-982b423f4fbc"/>
     <ds:schemaRef ds:uri="edd774d5-6d8f-4b83-b098-255576e86aac"/>
+  </ds:schemaRefs>
+</ds:datastoreItem>
+</file>
+
+<file path=customXml/itemProps2.xml><?xml version="1.0" encoding="utf-8"?>
+<ds:datastoreItem xmlns:ds="http://schemas.openxmlformats.org/officeDocument/2006/customXml" ds:itemID="{5636F5E9-25BB-4734-86C2-FD32BCBA5CBD}">
+  <ds:schemaRefs>
+    <ds:schemaRef ds:uri="http://schemas.microsoft.com/sharepoint/v3/contenttype/forms"/>
   </ds:schemaRefs>
 </ds:datastoreItem>
 </file>

--- a/sources/Deltares.Probabilistic.PWrapper.Examples/kratos/Prob Kratos DSD.pptx
+++ b/sources/Deltares.Probabilistic.PWrapper.Examples/kratos/Prob Kratos DSD.pptx
@@ -5,32 +5,31 @@
     <p:sldMasterId id="2147483648" r:id="rId4"/>
   </p:sldMasterIdLst>
   <p:notesMasterIdLst>
-    <p:notesMasterId r:id="rId25"/>
+    <p:notesMasterId r:id="rId24"/>
   </p:notesMasterIdLst>
   <p:handoutMasterIdLst>
-    <p:handoutMasterId r:id="rId26"/>
+    <p:handoutMasterId r:id="rId25"/>
   </p:handoutMasterIdLst>
   <p:sldIdLst>
     <p:sldId id="260" r:id="rId5"/>
     <p:sldId id="263" r:id="rId6"/>
-    <p:sldId id="287" r:id="rId7"/>
-    <p:sldId id="288" r:id="rId8"/>
+    <p:sldId id="305" r:id="rId7"/>
+    <p:sldId id="287" r:id="rId8"/>
     <p:sldId id="286" r:id="rId9"/>
     <p:sldId id="289" r:id="rId10"/>
     <p:sldId id="261" r:id="rId11"/>
-    <p:sldId id="290" r:id="rId12"/>
-    <p:sldId id="291" r:id="rId13"/>
-    <p:sldId id="292" r:id="rId14"/>
-    <p:sldId id="293" r:id="rId15"/>
-    <p:sldId id="294" r:id="rId16"/>
-    <p:sldId id="296" r:id="rId17"/>
-    <p:sldId id="295" r:id="rId18"/>
-    <p:sldId id="297" r:id="rId19"/>
-    <p:sldId id="298" r:id="rId20"/>
-    <p:sldId id="299" r:id="rId21"/>
-    <p:sldId id="302" r:id="rId22"/>
-    <p:sldId id="303" r:id="rId23"/>
-    <p:sldId id="300" r:id="rId24"/>
+    <p:sldId id="291" r:id="rId12"/>
+    <p:sldId id="293" r:id="rId13"/>
+    <p:sldId id="294" r:id="rId14"/>
+    <p:sldId id="296" r:id="rId15"/>
+    <p:sldId id="295" r:id="rId16"/>
+    <p:sldId id="297" r:id="rId17"/>
+    <p:sldId id="298" r:id="rId18"/>
+    <p:sldId id="304" r:id="rId19"/>
+    <p:sldId id="299" r:id="rId20"/>
+    <p:sldId id="302" r:id="rId21"/>
+    <p:sldId id="303" r:id="rId22"/>
+    <p:sldId id="300" r:id="rId23"/>
   </p:sldIdLst>
   <p:sldSz cx="12192000" cy="6858000"/>
   <p:notesSz cx="6858000" cy="9144000"/>
@@ -15453,1992 +15452,6 @@
   <p:cSld>
     <p:spTree>
       <p:nvGrpSpPr>
-        <p:cNvPr id="1" name=""/>
-        <p:cNvGrpSpPr/>
-        <p:nvPr/>
-      </p:nvGrpSpPr>
-      <p:grpSpPr>
-        <a:xfrm>
-          <a:off x="0" y="0"/>
-          <a:ext cx="0" cy="0"/>
-          <a:chOff x="0" y="0"/>
-          <a:chExt cx="0" cy="0"/>
-        </a:xfrm>
-      </p:grpSpPr>
-      <p:sp>
-        <p:nvSpPr>
-          <p:cNvPr id="2" name="Title 1">
-            <a:extLst>
-              <a:ext uri="{FF2B5EF4-FFF2-40B4-BE49-F238E27FC236}">
-                <a16:creationId xmlns:a16="http://schemas.microsoft.com/office/drawing/2014/main" id="{AC35B427-C659-4086-E469-AFB9C5D8F106}"/>
-              </a:ext>
-            </a:extLst>
-          </p:cNvPr>
-          <p:cNvSpPr>
-            <a:spLocks noGrp="1"/>
-          </p:cNvSpPr>
-          <p:nvPr>
-            <p:ph type="title"/>
-          </p:nvPr>
-        </p:nvSpPr>
-        <p:spPr/>
-        <p:txBody>
-          <a:bodyPr/>
-          <a:lstStyle/>
-          <a:p>
-            <a:r>
-              <a:rPr lang="nl-NL" dirty="0"/>
-              <a:t>Betrouwbaarheidsanalyse</a:t>
-            </a:r>
-          </a:p>
-        </p:txBody>
-      </p:sp>
-      <p:sp>
-        <p:nvSpPr>
-          <p:cNvPr id="3" name="Content Placeholder 2">
-            <a:extLst>
-              <a:ext uri="{FF2B5EF4-FFF2-40B4-BE49-F238E27FC236}">
-                <a16:creationId xmlns:a16="http://schemas.microsoft.com/office/drawing/2014/main" id="{88612F3E-7531-4103-2D75-F75F55BCB0AC}"/>
-              </a:ext>
-            </a:extLst>
-          </p:cNvPr>
-          <p:cNvSpPr>
-            <a:spLocks noGrp="1"/>
-          </p:cNvSpPr>
-          <p:nvPr>
-            <p:ph idx="1"/>
-          </p:nvPr>
-        </p:nvSpPr>
-        <p:spPr>
-          <a:xfrm>
-            <a:off x="760414" y="1740188"/>
-            <a:ext cx="10512349" cy="4320000"/>
-          </a:xfrm>
-        </p:spPr>
-        <p:txBody>
-          <a:bodyPr/>
-          <a:lstStyle/>
-          <a:p>
-            <a:r>
-              <a:rPr lang="nl-NL" dirty="0"/>
-              <a:t>Grenstoestandsfunctie voor de totale verplaatsing in x-richting (maaiveld):</a:t>
-            </a:r>
-          </a:p>
-          <a:p>
-            <a:endParaRPr lang="nl-NL" dirty="0"/>
-          </a:p>
-          <a:p>
-            <a:endParaRPr lang="nl-NL" dirty="0"/>
-          </a:p>
-          <a:p>
-            <a:endParaRPr lang="nl-NL" dirty="0"/>
-          </a:p>
-          <a:p>
-            <a:endParaRPr lang="nl-NL" dirty="0"/>
-          </a:p>
-          <a:p>
-            <a:r>
-              <a:rPr lang="nl-NL" dirty="0"/>
-              <a:t>Grenstoestandsfunctie voor het maximale buigmoment:</a:t>
-            </a:r>
-          </a:p>
-        </p:txBody>
-      </p:sp>
-      <p:sp>
-        <p:nvSpPr>
-          <p:cNvPr id="4" name="Date Placeholder 3">
-            <a:extLst>
-              <a:ext uri="{FF2B5EF4-FFF2-40B4-BE49-F238E27FC236}">
-                <a16:creationId xmlns:a16="http://schemas.microsoft.com/office/drawing/2014/main" id="{F3B056E6-318C-47BE-9F1A-CE8BE6497269}"/>
-              </a:ext>
-            </a:extLst>
-          </p:cNvPr>
-          <p:cNvSpPr>
-            <a:spLocks noGrp="1"/>
-          </p:cNvSpPr>
-          <p:nvPr>
-            <p:ph type="dt" sz="half" idx="10"/>
-          </p:nvPr>
-        </p:nvSpPr>
-        <p:spPr/>
-        <p:txBody>
-          <a:bodyPr/>
-          <a:lstStyle/>
-          <a:p>
-            <a:r>
-              <a:rPr lang="nl-NL"/>
-              <a:t> 28 november 2019</a:t>
-            </a:r>
-          </a:p>
-        </p:txBody>
-      </p:sp>
-      <p:sp>
-        <p:nvSpPr>
-          <p:cNvPr id="5" name="Footer Placeholder 4">
-            <a:extLst>
-              <a:ext uri="{FF2B5EF4-FFF2-40B4-BE49-F238E27FC236}">
-                <a16:creationId xmlns:a16="http://schemas.microsoft.com/office/drawing/2014/main" id="{EE98F3F1-5044-0817-1A63-2D3924623C9E}"/>
-              </a:ext>
-            </a:extLst>
-          </p:cNvPr>
-          <p:cNvSpPr>
-            <a:spLocks noGrp="1"/>
-          </p:cNvSpPr>
-          <p:nvPr>
-            <p:ph type="ftr" sz="quarter" idx="11"/>
-          </p:nvPr>
-        </p:nvSpPr>
-        <p:spPr/>
-        <p:txBody>
-          <a:bodyPr/>
-          <a:lstStyle/>
-          <a:p>
-            <a:r>
-              <a:rPr lang="nl-NL"/>
-              <a:t>Voettekst van de presentatie</a:t>
-            </a:r>
-          </a:p>
-        </p:txBody>
-      </p:sp>
-      <p:sp>
-        <p:nvSpPr>
-          <p:cNvPr id="6" name="Slide Number Placeholder 5">
-            <a:extLst>
-              <a:ext uri="{FF2B5EF4-FFF2-40B4-BE49-F238E27FC236}">
-                <a16:creationId xmlns:a16="http://schemas.microsoft.com/office/drawing/2014/main" id="{812D6065-1870-C739-1F3F-287F4A6EB2AE}"/>
-              </a:ext>
-            </a:extLst>
-          </p:cNvPr>
-          <p:cNvSpPr>
-            <a:spLocks noGrp="1"/>
-          </p:cNvSpPr>
-          <p:nvPr>
-            <p:ph type="sldNum" sz="quarter" idx="12"/>
-          </p:nvPr>
-        </p:nvSpPr>
-        <p:spPr/>
-        <p:txBody>
-          <a:bodyPr/>
-          <a:lstStyle/>
-          <a:p>
-            <a:fld id="{F42B3F14-D836-496B-80A2-23BE75BD68CB}" type="slidenum">
-              <a:rPr lang="nl-NL" smtClean="0"/>
-              <a:t>10</a:t>
-            </a:fld>
-            <a:endParaRPr lang="nl-NL"/>
-          </a:p>
-        </p:txBody>
-      </p:sp>
-      <mc:AlternateContent xmlns:mc="http://schemas.openxmlformats.org/markup-compatibility/2006" xmlns:a14="http://schemas.microsoft.com/office/drawing/2010/main">
-        <mc:Choice Requires="a14">
-          <p:sp>
-            <p:nvSpPr>
-              <p:cNvPr id="7" name="TextBox 6">
-                <a:extLst>
-                  <a:ext uri="{FF2B5EF4-FFF2-40B4-BE49-F238E27FC236}">
-                    <a16:creationId xmlns:a16="http://schemas.microsoft.com/office/drawing/2014/main" id="{D2B60E87-1A3B-7090-B6E1-ECD3B1A21BFB}"/>
-                  </a:ext>
-                </a:extLst>
-              </p:cNvPr>
-              <p:cNvSpPr txBox="1"/>
-              <p:nvPr/>
-            </p:nvSpPr>
-            <p:spPr>
-              <a:xfrm>
-                <a:off x="1053719" y="2240759"/>
-                <a:ext cx="6380080" cy="298415"/>
-              </a:xfrm>
-              <a:prstGeom prst="rect">
-                <a:avLst/>
-              </a:prstGeom>
-              <a:noFill/>
-            </p:spPr>
-            <p:txBody>
-              <a:bodyPr wrap="none" lIns="0" tIns="0" rIns="0" bIns="0" rtlCol="0">
-                <a:spAutoFit/>
-              </a:bodyPr>
-              <a:lstStyle/>
-              <a:p>
-                <a:pPr/>
-                <a14:m>
-                  <m:oMathPara xmlns:m="http://schemas.openxmlformats.org/officeDocument/2006/math">
-                    <m:oMathParaPr>
-                      <m:jc m:val="centerGroup"/>
-                    </m:oMathParaPr>
-                    <m:oMath xmlns:m="http://schemas.openxmlformats.org/officeDocument/2006/math">
-                      <m:sSub>
-                        <m:sSubPr>
-                          <m:ctrlPr>
-                            <a:rPr lang="nl-NL" b="0" i="1" smtClean="0">
-                              <a:solidFill>
-                                <a:schemeClr val="tx2">
-                                  <a:lumMod val="60000"/>
-                                  <a:lumOff val="40000"/>
-                                </a:schemeClr>
-                              </a:solidFill>
-                              <a:latin typeface="Cambria Math" panose="02040503050406030204" pitchFamily="18" charset="0"/>
-                            </a:rPr>
-                          </m:ctrlPr>
-                        </m:sSubPr>
-                        <m:e>
-                          <m:r>
-                            <a:rPr lang="nl-NL" b="0" i="1" smtClean="0">
-                              <a:solidFill>
-                                <a:schemeClr val="tx2">
-                                  <a:lumMod val="60000"/>
-                                  <a:lumOff val="40000"/>
-                                </a:schemeClr>
-                              </a:solidFill>
-                              <a:latin typeface="Cambria Math" panose="02040503050406030204" pitchFamily="18" charset="0"/>
-                            </a:rPr>
-                            <m:t>𝑍</m:t>
-                          </m:r>
-                        </m:e>
-                        <m:sub>
-                          <m:r>
-                            <a:rPr lang="nl-NL" b="0" i="1" smtClean="0">
-                              <a:solidFill>
-                                <a:schemeClr val="tx2">
-                                  <a:lumMod val="60000"/>
-                                  <a:lumOff val="40000"/>
-                                </a:schemeClr>
-                              </a:solidFill>
-                              <a:latin typeface="Cambria Math" panose="02040503050406030204" pitchFamily="18" charset="0"/>
-                            </a:rPr>
-                            <m:t>𝑑𝑖𝑠𝑝𝑙𝑎𝑐𝑒𝑚𝑒𝑛𝑡</m:t>
-                          </m:r>
-                        </m:sub>
-                      </m:sSub>
-                      <m:r>
-                        <a:rPr lang="nl-NL" b="0" i="1" smtClean="0">
-                          <a:solidFill>
-                            <a:schemeClr val="tx2">
-                              <a:lumMod val="60000"/>
-                              <a:lumOff val="40000"/>
-                            </a:schemeClr>
-                          </a:solidFill>
-                          <a:latin typeface="Cambria Math" panose="02040503050406030204" pitchFamily="18" charset="0"/>
-                        </a:rPr>
-                        <m:t>=</m:t>
-                      </m:r>
-                      <m:r>
-                        <a:rPr lang="nl-NL" b="0" i="1" smtClean="0">
-                          <a:solidFill>
-                            <a:schemeClr val="tx2">
-                              <a:lumMod val="60000"/>
-                              <a:lumOff val="40000"/>
-                            </a:schemeClr>
-                          </a:solidFill>
-                          <a:latin typeface="Cambria Math" panose="02040503050406030204" pitchFamily="18" charset="0"/>
-                        </a:rPr>
-                        <m:t>𝑐𝑟𝑖𝑡𝑖𝑐𝑎𝑙</m:t>
-                      </m:r>
-                      <m:r>
-                        <a:rPr lang="nl-NL" b="0" i="1" smtClean="0">
-                          <a:solidFill>
-                            <a:schemeClr val="tx2">
-                              <a:lumMod val="60000"/>
-                              <a:lumOff val="40000"/>
-                            </a:schemeClr>
-                          </a:solidFill>
-                          <a:latin typeface="Cambria Math" panose="02040503050406030204" pitchFamily="18" charset="0"/>
-                        </a:rPr>
-                        <m:t> </m:t>
-                      </m:r>
-                      <m:r>
-                        <a:rPr lang="nl-NL" b="0" i="1" smtClean="0">
-                          <a:solidFill>
-                            <a:schemeClr val="tx2">
-                              <a:lumMod val="60000"/>
-                              <a:lumOff val="40000"/>
-                            </a:schemeClr>
-                          </a:solidFill>
-                          <a:latin typeface="Cambria Math" panose="02040503050406030204" pitchFamily="18" charset="0"/>
-                        </a:rPr>
-                        <m:t>𝑑𝑖𝑠𝑝𝑙𝑎𝑐𝑒𝑚𝑒𝑛𝑡</m:t>
-                      </m:r>
-                      <m:r>
-                        <a:rPr lang="nl-NL" b="0" i="1" smtClean="0">
-                          <a:solidFill>
-                            <a:schemeClr val="tx2">
-                              <a:lumMod val="60000"/>
-                              <a:lumOff val="40000"/>
-                            </a:schemeClr>
-                          </a:solidFill>
-                          <a:latin typeface="Cambria Math" panose="02040503050406030204" pitchFamily="18" charset="0"/>
-                        </a:rPr>
-                        <m:t> − </m:t>
-                      </m:r>
-                      <m:r>
-                        <a:rPr lang="nl-NL" b="0" i="1" smtClean="0">
-                          <a:solidFill>
-                            <a:schemeClr val="tx2">
-                              <a:lumMod val="60000"/>
-                              <a:lumOff val="40000"/>
-                            </a:schemeClr>
-                          </a:solidFill>
-                          <a:latin typeface="Cambria Math" panose="02040503050406030204" pitchFamily="18" charset="0"/>
-                        </a:rPr>
-                        <m:t>𝑡𝑜𝑡𝑎𝑙</m:t>
-                      </m:r>
-                      <m:r>
-                        <a:rPr lang="nl-NL" b="0" i="1" smtClean="0">
-                          <a:solidFill>
-                            <a:schemeClr val="tx2">
-                              <a:lumMod val="60000"/>
-                              <a:lumOff val="40000"/>
-                            </a:schemeClr>
-                          </a:solidFill>
-                          <a:latin typeface="Cambria Math" panose="02040503050406030204" pitchFamily="18" charset="0"/>
-                        </a:rPr>
-                        <m:t> </m:t>
-                      </m:r>
-                      <m:r>
-                        <a:rPr lang="nl-NL" b="0" i="1" smtClean="0">
-                          <a:solidFill>
-                            <a:schemeClr val="tx2">
-                              <a:lumMod val="60000"/>
-                              <a:lumOff val="40000"/>
-                            </a:schemeClr>
-                          </a:solidFill>
-                          <a:latin typeface="Cambria Math" panose="02040503050406030204" pitchFamily="18" charset="0"/>
-                        </a:rPr>
-                        <m:t>𝑑𝑖𝑠𝑝𝑙𝑎𝑐𝑒𝑚𝑒𝑛𝑡</m:t>
-                      </m:r>
-                      <m:r>
-                        <a:rPr lang="nl-NL" b="0" i="1" smtClean="0">
-                          <a:solidFill>
-                            <a:schemeClr val="tx2">
-                              <a:lumMod val="60000"/>
-                              <a:lumOff val="40000"/>
-                            </a:schemeClr>
-                          </a:solidFill>
-                          <a:latin typeface="Cambria Math" panose="02040503050406030204" pitchFamily="18" charset="0"/>
-                        </a:rPr>
-                        <m:t> </m:t>
-                      </m:r>
-                      <m:r>
-                        <a:rPr lang="nl-NL" b="0" i="1" smtClean="0">
-                          <a:solidFill>
-                            <a:schemeClr val="tx2">
-                              <a:lumMod val="60000"/>
-                              <a:lumOff val="40000"/>
-                            </a:schemeClr>
-                          </a:solidFill>
-                          <a:latin typeface="Cambria Math" panose="02040503050406030204" pitchFamily="18" charset="0"/>
-                        </a:rPr>
-                        <m:t>𝑥</m:t>
-                      </m:r>
-                    </m:oMath>
-                  </m:oMathPara>
-                </a14:m>
-                <a:endParaRPr lang="nl-NL" dirty="0">
-                  <a:solidFill>
-                    <a:schemeClr val="tx2">
-                      <a:lumMod val="60000"/>
-                      <a:lumOff val="40000"/>
-                    </a:schemeClr>
-                  </a:solidFill>
-                </a:endParaRPr>
-              </a:p>
-            </p:txBody>
-          </p:sp>
-        </mc:Choice>
-        <mc:Fallback xmlns="">
-          <p:sp>
-            <p:nvSpPr>
-              <p:cNvPr id="7" name="TextBox 6">
-                <a:extLst>
-                  <a:ext uri="{FF2B5EF4-FFF2-40B4-BE49-F238E27FC236}">
-                    <a16:creationId xmlns:a16="http://schemas.microsoft.com/office/drawing/2014/main" id="{D2B60E87-1A3B-7090-B6E1-ECD3B1A21BFB}"/>
-                  </a:ext>
-                </a:extLst>
-              </p:cNvPr>
-              <p:cNvSpPr txBox="1">
-                <a:spLocks noRot="1" noChangeAspect="1" noMove="1" noResize="1" noEditPoints="1" noAdjustHandles="1" noChangeArrowheads="1" noChangeShapeType="1" noTextEdit="1"/>
-              </p:cNvSpPr>
-              <p:nvPr/>
-            </p:nvSpPr>
-            <p:spPr>
-              <a:xfrm>
-                <a:off x="1053719" y="2240759"/>
-                <a:ext cx="6380080" cy="298415"/>
-              </a:xfrm>
-              <a:prstGeom prst="rect">
-                <a:avLst/>
-              </a:prstGeom>
-              <a:blipFill>
-                <a:blip r:embed="rId2"/>
-                <a:stretch>
-                  <a:fillRect l="-382" t="-2041" b="-26531"/>
-                </a:stretch>
-              </a:blipFill>
-            </p:spPr>
-            <p:txBody>
-              <a:bodyPr/>
-              <a:lstStyle/>
-              <a:p>
-                <a:r>
-                  <a:rPr lang="nl-NL">
-                    <a:noFill/>
-                  </a:rPr>
-                  <a:t> </a:t>
-                </a:r>
-              </a:p>
-            </p:txBody>
-          </p:sp>
-        </mc:Fallback>
-      </mc:AlternateContent>
-      <mc:AlternateContent xmlns:mc="http://schemas.openxmlformats.org/markup-compatibility/2006" xmlns:a14="http://schemas.microsoft.com/office/drawing/2010/main">
-        <mc:Choice Requires="a14">
-          <p:sp>
-            <p:nvSpPr>
-              <p:cNvPr id="8" name="TextBox 7">
-                <a:extLst>
-                  <a:ext uri="{FF2B5EF4-FFF2-40B4-BE49-F238E27FC236}">
-                    <a16:creationId xmlns:a16="http://schemas.microsoft.com/office/drawing/2014/main" id="{26BC8870-2886-B307-D71B-C93C516604DB}"/>
-                  </a:ext>
-                </a:extLst>
-              </p:cNvPr>
-              <p:cNvSpPr txBox="1"/>
-              <p:nvPr/>
-            </p:nvSpPr>
-            <p:spPr>
-              <a:xfrm>
-                <a:off x="1053719" y="4233101"/>
-                <a:ext cx="6839501" cy="299569"/>
-              </a:xfrm>
-              <a:prstGeom prst="rect">
-                <a:avLst/>
-              </a:prstGeom>
-              <a:noFill/>
-            </p:spPr>
-            <p:txBody>
-              <a:bodyPr wrap="none" lIns="0" tIns="0" rIns="0" bIns="0" rtlCol="0">
-                <a:spAutoFit/>
-              </a:bodyPr>
-              <a:lstStyle/>
-              <a:p>
-                <a:pPr/>
-                <a14:m>
-                  <m:oMathPara xmlns:m="http://schemas.openxmlformats.org/officeDocument/2006/math">
-                    <m:oMathParaPr>
-                      <m:jc m:val="centerGroup"/>
-                    </m:oMathParaPr>
-                    <m:oMath xmlns:m="http://schemas.openxmlformats.org/officeDocument/2006/math">
-                      <m:sSub>
-                        <m:sSubPr>
-                          <m:ctrlPr>
-                            <a:rPr lang="nl-NL" b="0" i="1" smtClean="0">
-                              <a:solidFill>
-                                <a:schemeClr val="tx2">
-                                  <a:lumMod val="60000"/>
-                                  <a:lumOff val="40000"/>
-                                </a:schemeClr>
-                              </a:solidFill>
-                              <a:latin typeface="Cambria Math" panose="02040503050406030204" pitchFamily="18" charset="0"/>
-                            </a:rPr>
-                          </m:ctrlPr>
-                        </m:sSubPr>
-                        <m:e>
-                          <m:r>
-                            <a:rPr lang="nl-NL" b="0" i="1" smtClean="0">
-                              <a:solidFill>
-                                <a:schemeClr val="tx2">
-                                  <a:lumMod val="60000"/>
-                                  <a:lumOff val="40000"/>
-                                </a:schemeClr>
-                              </a:solidFill>
-                              <a:latin typeface="Cambria Math" panose="02040503050406030204" pitchFamily="18" charset="0"/>
-                            </a:rPr>
-                            <m:t>𝑍</m:t>
-                          </m:r>
-                        </m:e>
-                        <m:sub>
-                          <m:r>
-                            <a:rPr lang="nl-NL" b="0" i="1" smtClean="0">
-                              <a:solidFill>
-                                <a:schemeClr val="tx2">
-                                  <a:lumMod val="60000"/>
-                                  <a:lumOff val="40000"/>
-                                </a:schemeClr>
-                              </a:solidFill>
-                              <a:latin typeface="Cambria Math" panose="02040503050406030204" pitchFamily="18" charset="0"/>
-                            </a:rPr>
-                            <m:t>𝑏𝑒𝑛𝑑𝑖𝑛𝑔</m:t>
-                          </m:r>
-                        </m:sub>
-                      </m:sSub>
-                      <m:r>
-                        <a:rPr lang="nl-NL" b="0" i="1" smtClean="0">
-                          <a:solidFill>
-                            <a:schemeClr val="tx2">
-                              <a:lumMod val="60000"/>
-                              <a:lumOff val="40000"/>
-                            </a:schemeClr>
-                          </a:solidFill>
-                          <a:latin typeface="Cambria Math" panose="02040503050406030204" pitchFamily="18" charset="0"/>
-                        </a:rPr>
-                        <m:t>=</m:t>
-                      </m:r>
-                      <m:r>
-                        <a:rPr lang="nl-NL" b="0" i="1" smtClean="0">
-                          <a:solidFill>
-                            <a:schemeClr val="tx2">
-                              <a:lumMod val="60000"/>
-                              <a:lumOff val="40000"/>
-                            </a:schemeClr>
-                          </a:solidFill>
-                          <a:latin typeface="Cambria Math" panose="02040503050406030204" pitchFamily="18" charset="0"/>
-                        </a:rPr>
-                        <m:t>𝑐𝑟𝑖𝑡𝑖𝑐𝑎𝑙</m:t>
-                      </m:r>
-                      <m:r>
-                        <a:rPr lang="nl-NL" b="0" i="1" smtClean="0">
-                          <a:solidFill>
-                            <a:schemeClr val="tx2">
-                              <a:lumMod val="60000"/>
-                              <a:lumOff val="40000"/>
-                            </a:schemeClr>
-                          </a:solidFill>
-                          <a:latin typeface="Cambria Math" panose="02040503050406030204" pitchFamily="18" charset="0"/>
-                        </a:rPr>
-                        <m:t> </m:t>
-                      </m:r>
-                      <m:r>
-                        <a:rPr lang="nl-NL" b="0" i="1" smtClean="0">
-                          <a:solidFill>
-                            <a:schemeClr val="tx2">
-                              <a:lumMod val="60000"/>
-                              <a:lumOff val="40000"/>
-                            </a:schemeClr>
-                          </a:solidFill>
-                          <a:latin typeface="Cambria Math" panose="02040503050406030204" pitchFamily="18" charset="0"/>
-                        </a:rPr>
-                        <m:t>𝑏𝑒𝑛𝑑𝑖𝑛𝑔</m:t>
-                      </m:r>
-                      <m:r>
-                        <a:rPr lang="nl-NL" b="0" i="1" smtClean="0">
-                          <a:solidFill>
-                            <a:schemeClr val="tx2">
-                              <a:lumMod val="60000"/>
-                              <a:lumOff val="40000"/>
-                            </a:schemeClr>
-                          </a:solidFill>
-                          <a:latin typeface="Cambria Math" panose="02040503050406030204" pitchFamily="18" charset="0"/>
-                        </a:rPr>
-                        <m:t> </m:t>
-                      </m:r>
-                      <m:r>
-                        <a:rPr lang="nl-NL" b="0" i="1" smtClean="0">
-                          <a:solidFill>
-                            <a:schemeClr val="tx2">
-                              <a:lumMod val="60000"/>
-                              <a:lumOff val="40000"/>
-                            </a:schemeClr>
-                          </a:solidFill>
-                          <a:latin typeface="Cambria Math" panose="02040503050406030204" pitchFamily="18" charset="0"/>
-                        </a:rPr>
-                        <m:t>𝑚𝑜𝑚𝑒𝑛𝑡</m:t>
-                      </m:r>
-                      <m:r>
-                        <a:rPr lang="nl-NL" b="0" i="1" smtClean="0">
-                          <a:solidFill>
-                            <a:schemeClr val="tx2">
-                              <a:lumMod val="60000"/>
-                              <a:lumOff val="40000"/>
-                            </a:schemeClr>
-                          </a:solidFill>
-                          <a:latin typeface="Cambria Math" panose="02040503050406030204" pitchFamily="18" charset="0"/>
-                        </a:rPr>
-                        <m:t> −</m:t>
-                      </m:r>
-                      <m:r>
-                        <a:rPr lang="nl-NL" b="0" i="1" smtClean="0">
-                          <a:solidFill>
-                            <a:schemeClr val="tx2">
-                              <a:lumMod val="60000"/>
-                              <a:lumOff val="40000"/>
-                            </a:schemeClr>
-                          </a:solidFill>
-                          <a:latin typeface="Cambria Math" panose="02040503050406030204" pitchFamily="18" charset="0"/>
-                        </a:rPr>
-                        <m:t>𝑚𝑎𝑥𝑖𝑚𝑎𝑙</m:t>
-                      </m:r>
-                      <m:r>
-                        <a:rPr lang="nl-NL" b="0" i="1" smtClean="0">
-                          <a:solidFill>
-                            <a:schemeClr val="tx2">
-                              <a:lumMod val="60000"/>
-                              <a:lumOff val="40000"/>
-                            </a:schemeClr>
-                          </a:solidFill>
-                          <a:latin typeface="Cambria Math" panose="02040503050406030204" pitchFamily="18" charset="0"/>
-                        </a:rPr>
-                        <m:t> </m:t>
-                      </m:r>
-                      <m:r>
-                        <a:rPr lang="nl-NL" b="0" i="1" smtClean="0">
-                          <a:solidFill>
-                            <a:schemeClr val="tx2">
-                              <a:lumMod val="60000"/>
-                              <a:lumOff val="40000"/>
-                            </a:schemeClr>
-                          </a:solidFill>
-                          <a:latin typeface="Cambria Math" panose="02040503050406030204" pitchFamily="18" charset="0"/>
-                        </a:rPr>
-                        <m:t>𝑏𝑒𝑛𝑑𝑖𝑛𝑔</m:t>
-                      </m:r>
-                      <m:r>
-                        <a:rPr lang="nl-NL" b="0" i="1" smtClean="0">
-                          <a:solidFill>
-                            <a:schemeClr val="tx2">
-                              <a:lumMod val="60000"/>
-                              <a:lumOff val="40000"/>
-                            </a:schemeClr>
-                          </a:solidFill>
-                          <a:latin typeface="Cambria Math" panose="02040503050406030204" pitchFamily="18" charset="0"/>
-                        </a:rPr>
-                        <m:t> </m:t>
-                      </m:r>
-                      <m:r>
-                        <a:rPr lang="nl-NL" b="0" i="1" smtClean="0">
-                          <a:solidFill>
-                            <a:schemeClr val="tx2">
-                              <a:lumMod val="60000"/>
-                              <a:lumOff val="40000"/>
-                            </a:schemeClr>
-                          </a:solidFill>
-                          <a:latin typeface="Cambria Math" panose="02040503050406030204" pitchFamily="18" charset="0"/>
-                        </a:rPr>
-                        <m:t>𝑚𝑜𝑚𝑒𝑛𝑡</m:t>
-                      </m:r>
-                    </m:oMath>
-                  </m:oMathPara>
-                </a14:m>
-                <a:endParaRPr lang="nl-NL" dirty="0">
-                  <a:solidFill>
-                    <a:schemeClr val="tx2">
-                      <a:lumMod val="60000"/>
-                      <a:lumOff val="40000"/>
-                    </a:schemeClr>
-                  </a:solidFill>
-                </a:endParaRPr>
-              </a:p>
-            </p:txBody>
-          </p:sp>
-        </mc:Choice>
-        <mc:Fallback xmlns="">
-          <p:sp>
-            <p:nvSpPr>
-              <p:cNvPr id="8" name="TextBox 7">
-                <a:extLst>
-                  <a:ext uri="{FF2B5EF4-FFF2-40B4-BE49-F238E27FC236}">
-                    <a16:creationId xmlns:a16="http://schemas.microsoft.com/office/drawing/2014/main" id="{26BC8870-2886-B307-D71B-C93C516604DB}"/>
-                  </a:ext>
-                </a:extLst>
-              </p:cNvPr>
-              <p:cNvSpPr txBox="1">
-                <a:spLocks noRot="1" noChangeAspect="1" noMove="1" noResize="1" noEditPoints="1" noAdjustHandles="1" noChangeArrowheads="1" noChangeShapeType="1" noTextEdit="1"/>
-              </p:cNvSpPr>
-              <p:nvPr/>
-            </p:nvSpPr>
-            <p:spPr>
-              <a:xfrm>
-                <a:off x="1053719" y="4233101"/>
-                <a:ext cx="6839501" cy="299569"/>
-              </a:xfrm>
-              <a:prstGeom prst="rect">
-                <a:avLst/>
-              </a:prstGeom>
-              <a:blipFill>
-                <a:blip r:embed="rId3"/>
-                <a:stretch>
-                  <a:fillRect l="-267" r="-89" b="-28000"/>
-                </a:stretch>
-              </a:blipFill>
-            </p:spPr>
-            <p:txBody>
-              <a:bodyPr/>
-              <a:lstStyle/>
-              <a:p>
-                <a:r>
-                  <a:rPr lang="nl-NL">
-                    <a:noFill/>
-                  </a:rPr>
-                  <a:t> </a:t>
-                </a:r>
-              </a:p>
-            </p:txBody>
-          </p:sp>
-        </mc:Fallback>
-      </mc:AlternateContent>
-    </p:spTree>
-    <p:extLst>
-      <p:ext uri="{BB962C8B-B14F-4D97-AF65-F5344CB8AC3E}">
-        <p14:creationId xmlns:p14="http://schemas.microsoft.com/office/powerpoint/2010/main" val="3195220940"/>
-      </p:ext>
-    </p:extLst>
-  </p:cSld>
-  <p:clrMapOvr>
-    <a:masterClrMapping/>
-  </p:clrMapOvr>
-</p:sld>
-</file>
-
-<file path=ppt/slides/slide11.xml><?xml version="1.0" encoding="utf-8"?>
-<p:sld xmlns:a="http://schemas.openxmlformats.org/drawingml/2006/main" xmlns:r="http://schemas.openxmlformats.org/officeDocument/2006/relationships" xmlns:p="http://schemas.openxmlformats.org/presentationml/2006/main">
-  <p:cSld>
-    <p:spTree>
-      <p:nvGrpSpPr>
-        <p:cNvPr id="1" name="">
-          <a:extLst>
-            <a:ext uri="{FF2B5EF4-FFF2-40B4-BE49-F238E27FC236}">
-              <a16:creationId xmlns:a16="http://schemas.microsoft.com/office/drawing/2014/main" id="{E645AF7E-B229-BEC8-5736-7BE44875139F}"/>
-            </a:ext>
-          </a:extLst>
-        </p:cNvPr>
-        <p:cNvGrpSpPr/>
-        <p:nvPr/>
-      </p:nvGrpSpPr>
-      <p:grpSpPr>
-        <a:xfrm>
-          <a:off x="0" y="0"/>
-          <a:ext cx="0" cy="0"/>
-          <a:chOff x="0" y="0"/>
-          <a:chExt cx="0" cy="0"/>
-        </a:xfrm>
-      </p:grpSpPr>
-      <p:sp>
-        <p:nvSpPr>
-          <p:cNvPr id="2" name="Title 1">
-            <a:extLst>
-              <a:ext uri="{FF2B5EF4-FFF2-40B4-BE49-F238E27FC236}">
-                <a16:creationId xmlns:a16="http://schemas.microsoft.com/office/drawing/2014/main" id="{37ED96F2-4961-E248-31F3-66F003D2765F}"/>
-              </a:ext>
-            </a:extLst>
-          </p:cNvPr>
-          <p:cNvSpPr>
-            <a:spLocks noGrp="1"/>
-          </p:cNvSpPr>
-          <p:nvPr>
-            <p:ph type="title"/>
-          </p:nvPr>
-        </p:nvSpPr>
-        <p:spPr/>
-        <p:txBody>
-          <a:bodyPr/>
-          <a:lstStyle/>
-          <a:p>
-            <a:r>
-              <a:rPr lang="nl-NL" dirty="0"/>
-              <a:t>Betrouwbaarheidsanalyse</a:t>
-            </a:r>
-          </a:p>
-        </p:txBody>
-      </p:sp>
-      <p:sp>
-        <p:nvSpPr>
-          <p:cNvPr id="3" name="Content Placeholder 2">
-            <a:extLst>
-              <a:ext uri="{FF2B5EF4-FFF2-40B4-BE49-F238E27FC236}">
-                <a16:creationId xmlns:a16="http://schemas.microsoft.com/office/drawing/2014/main" id="{62C22BDA-BD2F-FDDD-0014-00E7D0F7565D}"/>
-              </a:ext>
-            </a:extLst>
-          </p:cNvPr>
-          <p:cNvSpPr>
-            <a:spLocks noGrp="1"/>
-          </p:cNvSpPr>
-          <p:nvPr>
-            <p:ph idx="1"/>
-          </p:nvPr>
-        </p:nvSpPr>
-        <p:spPr>
-          <a:xfrm>
-            <a:off x="760414" y="1740188"/>
-            <a:ext cx="10512349" cy="4320000"/>
-          </a:xfrm>
-        </p:spPr>
-        <p:txBody>
-          <a:bodyPr/>
-          <a:lstStyle/>
-          <a:p>
-            <a:pPr marL="342900" indent="-342900">
-              <a:buFont typeface="+mj-lt"/>
-              <a:buAutoNum type="arabicPeriod"/>
-            </a:pPr>
-            <a:r>
-              <a:rPr lang="nl-NL" dirty="0"/>
-              <a:t>Faalkans voor de verplaatsing:</a:t>
-            </a:r>
-          </a:p>
-          <a:p>
-            <a:pPr marL="342900" indent="-342900">
-              <a:buFont typeface="+mj-lt"/>
-              <a:buAutoNum type="arabicPeriod"/>
-            </a:pPr>
-            <a:endParaRPr lang="nl-NL" dirty="0"/>
-          </a:p>
-          <a:p>
-            <a:pPr marL="342900" indent="-342900">
-              <a:buFont typeface="+mj-lt"/>
-              <a:buAutoNum type="arabicPeriod"/>
-            </a:pPr>
-            <a:endParaRPr lang="nl-NL" dirty="0"/>
-          </a:p>
-          <a:p>
-            <a:pPr marL="342900" indent="-342900">
-              <a:buFont typeface="+mj-lt"/>
-              <a:buAutoNum type="arabicPeriod"/>
-            </a:pPr>
-            <a:endParaRPr lang="nl-NL" dirty="0"/>
-          </a:p>
-          <a:p>
-            <a:pPr marL="342900" indent="-342900">
-              <a:buFont typeface="+mj-lt"/>
-              <a:buAutoNum type="arabicPeriod"/>
-            </a:pPr>
-            <a:r>
-              <a:rPr lang="nl-NL" dirty="0"/>
-              <a:t>Faalkans voor het maximale buigmoment:</a:t>
-            </a:r>
-          </a:p>
-          <a:p>
-            <a:pPr marL="342900" indent="-342900">
-              <a:buFont typeface="+mj-lt"/>
-              <a:buAutoNum type="arabicPeriod"/>
-            </a:pPr>
-            <a:endParaRPr lang="nl-NL" dirty="0"/>
-          </a:p>
-          <a:p>
-            <a:pPr marL="342900" indent="-342900">
-              <a:buFont typeface="+mj-lt"/>
-              <a:buAutoNum type="arabicPeriod"/>
-            </a:pPr>
-            <a:endParaRPr lang="nl-NL" dirty="0"/>
-          </a:p>
-          <a:p>
-            <a:pPr marL="342900" indent="-342900">
-              <a:buFont typeface="+mj-lt"/>
-              <a:buAutoNum type="arabicPeriod"/>
-            </a:pPr>
-            <a:endParaRPr lang="nl-NL" dirty="0"/>
-          </a:p>
-          <a:p>
-            <a:pPr marL="342900" indent="-342900">
-              <a:buFont typeface="+mj-lt"/>
-              <a:buAutoNum type="arabicPeriod"/>
-            </a:pPr>
-            <a:r>
-              <a:rPr lang="nl-NL" dirty="0"/>
-              <a:t>Gecombineerde kans:</a:t>
-            </a:r>
-          </a:p>
-          <a:p>
-            <a:pPr marL="0" indent="0">
-              <a:buNone/>
-            </a:pPr>
-            <a:endParaRPr lang="nl-NL" dirty="0"/>
-          </a:p>
-          <a:p>
-            <a:endParaRPr lang="nl-NL" dirty="0"/>
-          </a:p>
-        </p:txBody>
-      </p:sp>
-      <p:sp>
-        <p:nvSpPr>
-          <p:cNvPr id="4" name="Date Placeholder 3">
-            <a:extLst>
-              <a:ext uri="{FF2B5EF4-FFF2-40B4-BE49-F238E27FC236}">
-                <a16:creationId xmlns:a16="http://schemas.microsoft.com/office/drawing/2014/main" id="{3C76BDC9-7A7D-CF0E-6B3E-237DC7EB9A63}"/>
-              </a:ext>
-            </a:extLst>
-          </p:cNvPr>
-          <p:cNvSpPr>
-            <a:spLocks noGrp="1"/>
-          </p:cNvSpPr>
-          <p:nvPr>
-            <p:ph type="dt" sz="half" idx="10"/>
-          </p:nvPr>
-        </p:nvSpPr>
-        <p:spPr/>
-        <p:txBody>
-          <a:bodyPr/>
-          <a:lstStyle/>
-          <a:p>
-            <a:r>
-              <a:rPr lang="nl-NL"/>
-              <a:t> 28 november 2019</a:t>
-            </a:r>
-          </a:p>
-        </p:txBody>
-      </p:sp>
-      <p:sp>
-        <p:nvSpPr>
-          <p:cNvPr id="5" name="Footer Placeholder 4">
-            <a:extLst>
-              <a:ext uri="{FF2B5EF4-FFF2-40B4-BE49-F238E27FC236}">
-                <a16:creationId xmlns:a16="http://schemas.microsoft.com/office/drawing/2014/main" id="{BCD0515D-FAA6-458D-C15C-1CB4CD33F5CA}"/>
-              </a:ext>
-            </a:extLst>
-          </p:cNvPr>
-          <p:cNvSpPr>
-            <a:spLocks noGrp="1"/>
-          </p:cNvSpPr>
-          <p:nvPr>
-            <p:ph type="ftr" sz="quarter" idx="11"/>
-          </p:nvPr>
-        </p:nvSpPr>
-        <p:spPr/>
-        <p:txBody>
-          <a:bodyPr/>
-          <a:lstStyle/>
-          <a:p>
-            <a:r>
-              <a:rPr lang="nl-NL"/>
-              <a:t>Voettekst van de presentatie</a:t>
-            </a:r>
-          </a:p>
-        </p:txBody>
-      </p:sp>
-      <p:sp>
-        <p:nvSpPr>
-          <p:cNvPr id="6" name="Slide Number Placeholder 5">
-            <a:extLst>
-              <a:ext uri="{FF2B5EF4-FFF2-40B4-BE49-F238E27FC236}">
-                <a16:creationId xmlns:a16="http://schemas.microsoft.com/office/drawing/2014/main" id="{48862C42-6FDC-9298-29E5-940CAD266BEF}"/>
-              </a:ext>
-            </a:extLst>
-          </p:cNvPr>
-          <p:cNvSpPr>
-            <a:spLocks noGrp="1"/>
-          </p:cNvSpPr>
-          <p:nvPr>
-            <p:ph type="sldNum" sz="quarter" idx="12"/>
-          </p:nvPr>
-        </p:nvSpPr>
-        <p:spPr/>
-        <p:txBody>
-          <a:bodyPr/>
-          <a:lstStyle/>
-          <a:p>
-            <a:fld id="{F42B3F14-D836-496B-80A2-23BE75BD68CB}" type="slidenum">
-              <a:rPr lang="nl-NL" smtClean="0"/>
-              <a:t>11</a:t>
-            </a:fld>
-            <a:endParaRPr lang="nl-NL"/>
-          </a:p>
-        </p:txBody>
-      </p:sp>
-      <mc:AlternateContent xmlns:mc="http://schemas.openxmlformats.org/markup-compatibility/2006" xmlns:a14="http://schemas.microsoft.com/office/drawing/2010/main">
-        <mc:Choice Requires="a14">
-          <p:sp>
-            <p:nvSpPr>
-              <p:cNvPr id="7" name="TextBox 6">
-                <a:extLst>
-                  <a:ext uri="{FF2B5EF4-FFF2-40B4-BE49-F238E27FC236}">
-                    <a16:creationId xmlns:a16="http://schemas.microsoft.com/office/drawing/2014/main" id="{EE642758-385A-B04A-0D94-8086DEDC39B3}"/>
-                  </a:ext>
-                </a:extLst>
-              </p:cNvPr>
-              <p:cNvSpPr txBox="1"/>
-              <p:nvPr/>
-            </p:nvSpPr>
-            <p:spPr>
-              <a:xfrm>
-                <a:off x="995437" y="2205799"/>
-                <a:ext cx="7465377" cy="298415"/>
-              </a:xfrm>
-              <a:prstGeom prst="rect">
-                <a:avLst/>
-              </a:prstGeom>
-              <a:noFill/>
-            </p:spPr>
-            <p:txBody>
-              <a:bodyPr wrap="none" lIns="0" tIns="0" rIns="0" bIns="0" rtlCol="0">
-                <a:spAutoFit/>
-              </a:bodyPr>
-              <a:lstStyle/>
-              <a:p>
-                <a:pPr/>
-                <a14:m>
-                  <m:oMathPara xmlns:m="http://schemas.openxmlformats.org/officeDocument/2006/math">
-                    <m:oMathParaPr>
-                      <m:jc m:val="centerGroup"/>
-                    </m:oMathParaPr>
-                    <m:oMath xmlns:m="http://schemas.openxmlformats.org/officeDocument/2006/math">
-                      <m:sSub>
-                        <m:sSubPr>
-                          <m:ctrlPr>
-                            <a:rPr lang="nl-NL" i="1" smtClean="0">
-                              <a:solidFill>
-                                <a:schemeClr val="tx2">
-                                  <a:lumMod val="60000"/>
-                                  <a:lumOff val="40000"/>
-                                </a:schemeClr>
-                              </a:solidFill>
-                              <a:latin typeface="Cambria Math" panose="02040503050406030204" pitchFamily="18" charset="0"/>
-                            </a:rPr>
-                          </m:ctrlPr>
-                        </m:sSubPr>
-                        <m:e>
-                          <m:r>
-                            <a:rPr lang="nl-NL" b="0" i="1" smtClean="0">
-                              <a:solidFill>
-                                <a:schemeClr val="tx2">
-                                  <a:lumMod val="60000"/>
-                                  <a:lumOff val="40000"/>
-                                </a:schemeClr>
-                              </a:solidFill>
-                              <a:latin typeface="Cambria Math" panose="02040503050406030204" pitchFamily="18" charset="0"/>
-                            </a:rPr>
-                            <m:t>𝑃</m:t>
-                          </m:r>
-                          <m:r>
-                            <a:rPr lang="nl-NL" b="0" i="1" smtClean="0">
-                              <a:solidFill>
-                                <a:schemeClr val="tx2">
-                                  <a:lumMod val="60000"/>
-                                  <a:lumOff val="40000"/>
-                                </a:schemeClr>
-                              </a:solidFill>
-                              <a:latin typeface="Cambria Math" panose="02040503050406030204" pitchFamily="18" charset="0"/>
-                            </a:rPr>
-                            <m:t>(</m:t>
-                          </m:r>
-                          <m:r>
-                            <a:rPr lang="nl-NL" i="1">
-                              <a:solidFill>
-                                <a:schemeClr val="tx2">
-                                  <a:lumMod val="60000"/>
-                                  <a:lumOff val="40000"/>
-                                </a:schemeClr>
-                              </a:solidFill>
-                              <a:latin typeface="Cambria Math" panose="02040503050406030204" pitchFamily="18" charset="0"/>
-                            </a:rPr>
-                            <m:t>𝑍</m:t>
-                          </m:r>
-                        </m:e>
-                        <m:sub>
-                          <m:r>
-                            <a:rPr lang="nl-NL" i="1">
-                              <a:solidFill>
-                                <a:schemeClr val="tx2">
-                                  <a:lumMod val="60000"/>
-                                  <a:lumOff val="40000"/>
-                                </a:schemeClr>
-                              </a:solidFill>
-                              <a:latin typeface="Cambria Math" panose="02040503050406030204" pitchFamily="18" charset="0"/>
-                            </a:rPr>
-                            <m:t>𝑑𝑖</m:t>
-                          </m:r>
-                          <m:r>
-                            <a:rPr lang="nl-NL" b="0" i="1" smtClean="0">
-                              <a:solidFill>
-                                <a:schemeClr val="tx2">
-                                  <a:lumMod val="60000"/>
-                                  <a:lumOff val="40000"/>
-                                </a:schemeClr>
-                              </a:solidFill>
-                              <a:latin typeface="Cambria Math" panose="02040503050406030204" pitchFamily="18" charset="0"/>
-                            </a:rPr>
-                            <m:t>𝑠</m:t>
-                          </m:r>
-                          <m:r>
-                            <a:rPr lang="nl-NL" i="1">
-                              <a:solidFill>
-                                <a:schemeClr val="tx2">
-                                  <a:lumMod val="60000"/>
-                                  <a:lumOff val="40000"/>
-                                </a:schemeClr>
-                              </a:solidFill>
-                              <a:latin typeface="Cambria Math" panose="02040503050406030204" pitchFamily="18" charset="0"/>
-                            </a:rPr>
-                            <m:t>𝑝𝑙𝑎𝑐𝑒𝑚𝑒𝑛𝑡</m:t>
-                          </m:r>
-                        </m:sub>
-                      </m:sSub>
-                      <m:r>
-                        <a:rPr lang="nl-NL" i="1">
-                          <a:solidFill>
-                            <a:schemeClr val="tx2">
-                              <a:lumMod val="60000"/>
-                              <a:lumOff val="40000"/>
-                            </a:schemeClr>
-                          </a:solidFill>
-                          <a:latin typeface="Cambria Math" panose="02040503050406030204" pitchFamily="18" charset="0"/>
-                        </a:rPr>
-                        <m:t>&lt;0</m:t>
-                      </m:r>
-                      <m:r>
-                        <a:rPr lang="nl-NL" b="0" i="1" smtClean="0">
-                          <a:solidFill>
-                            <a:schemeClr val="tx2">
-                              <a:lumMod val="60000"/>
-                              <a:lumOff val="40000"/>
-                            </a:schemeClr>
-                          </a:solidFill>
-                          <a:latin typeface="Cambria Math" panose="02040503050406030204" pitchFamily="18" charset="0"/>
-                        </a:rPr>
-                        <m:t>)=</m:t>
-                      </m:r>
-                      <m:r>
-                        <a:rPr lang="nl-NL" b="0" i="1" smtClean="0">
-                          <a:solidFill>
-                            <a:schemeClr val="tx2">
-                              <a:lumMod val="60000"/>
-                              <a:lumOff val="40000"/>
-                            </a:schemeClr>
-                          </a:solidFill>
-                          <a:latin typeface="Cambria Math" panose="02040503050406030204" pitchFamily="18" charset="0"/>
-                        </a:rPr>
-                        <m:t>𝑃</m:t>
-                      </m:r>
-                      <m:r>
-                        <a:rPr lang="nl-NL" b="0" i="1" smtClean="0">
-                          <a:solidFill>
-                            <a:schemeClr val="tx2">
-                              <a:lumMod val="60000"/>
-                              <a:lumOff val="40000"/>
-                            </a:schemeClr>
-                          </a:solidFill>
-                          <a:latin typeface="Cambria Math" panose="02040503050406030204" pitchFamily="18" charset="0"/>
-                        </a:rPr>
-                        <m:t>(</m:t>
-                      </m:r>
-                      <m:r>
-                        <a:rPr lang="nl-NL" b="0" i="1" smtClean="0">
-                          <a:solidFill>
-                            <a:schemeClr val="tx2">
-                              <a:lumMod val="60000"/>
-                              <a:lumOff val="40000"/>
-                            </a:schemeClr>
-                          </a:solidFill>
-                          <a:latin typeface="Cambria Math" panose="02040503050406030204" pitchFamily="18" charset="0"/>
-                        </a:rPr>
-                        <m:t>𝑐𝑟𝑖𝑡𝑖𝑐𝑎𝑙</m:t>
-                      </m:r>
-                      <m:r>
-                        <a:rPr lang="nl-NL" b="0" i="1" smtClean="0">
-                          <a:solidFill>
-                            <a:schemeClr val="tx2">
-                              <a:lumMod val="60000"/>
-                              <a:lumOff val="40000"/>
-                            </a:schemeClr>
-                          </a:solidFill>
-                          <a:latin typeface="Cambria Math" panose="02040503050406030204" pitchFamily="18" charset="0"/>
-                        </a:rPr>
-                        <m:t> </m:t>
-                      </m:r>
-                      <m:r>
-                        <a:rPr lang="nl-NL" b="0" i="1" smtClean="0">
-                          <a:solidFill>
-                            <a:schemeClr val="tx2">
-                              <a:lumMod val="60000"/>
-                              <a:lumOff val="40000"/>
-                            </a:schemeClr>
-                          </a:solidFill>
-                          <a:latin typeface="Cambria Math" panose="02040503050406030204" pitchFamily="18" charset="0"/>
-                        </a:rPr>
-                        <m:t>𝑑𝑖𝑠𝑝𝑙𝑎𝑐𝑒𝑚𝑒𝑛𝑡</m:t>
-                      </m:r>
-                      <m:r>
-                        <a:rPr lang="nl-NL" b="0" i="1" smtClean="0">
-                          <a:solidFill>
-                            <a:schemeClr val="tx2">
-                              <a:lumMod val="60000"/>
-                              <a:lumOff val="40000"/>
-                            </a:schemeClr>
-                          </a:solidFill>
-                          <a:latin typeface="Cambria Math" panose="02040503050406030204" pitchFamily="18" charset="0"/>
-                        </a:rPr>
-                        <m:t>&lt; </m:t>
-                      </m:r>
-                      <m:r>
-                        <a:rPr lang="nl-NL" b="0" i="1" smtClean="0">
-                          <a:solidFill>
-                            <a:schemeClr val="tx2">
-                              <a:lumMod val="60000"/>
-                              <a:lumOff val="40000"/>
-                            </a:schemeClr>
-                          </a:solidFill>
-                          <a:latin typeface="Cambria Math" panose="02040503050406030204" pitchFamily="18" charset="0"/>
-                        </a:rPr>
-                        <m:t>𝑡𝑜𝑡𝑎𝑙</m:t>
-                      </m:r>
-                      <m:r>
-                        <a:rPr lang="nl-NL" b="0" i="1" smtClean="0">
-                          <a:solidFill>
-                            <a:schemeClr val="tx2">
-                              <a:lumMod val="60000"/>
-                              <a:lumOff val="40000"/>
-                            </a:schemeClr>
-                          </a:solidFill>
-                          <a:latin typeface="Cambria Math" panose="02040503050406030204" pitchFamily="18" charset="0"/>
-                        </a:rPr>
-                        <m:t> </m:t>
-                      </m:r>
-                      <m:r>
-                        <a:rPr lang="nl-NL" b="0" i="1" smtClean="0">
-                          <a:solidFill>
-                            <a:schemeClr val="tx2">
-                              <a:lumMod val="60000"/>
-                              <a:lumOff val="40000"/>
-                            </a:schemeClr>
-                          </a:solidFill>
-                          <a:latin typeface="Cambria Math" panose="02040503050406030204" pitchFamily="18" charset="0"/>
-                        </a:rPr>
-                        <m:t>𝑑𝑖𝑠𝑝𝑙𝑎𝑐𝑒𝑚𝑒𝑛𝑡</m:t>
-                      </m:r>
-                      <m:r>
-                        <a:rPr lang="nl-NL" b="0" i="1" smtClean="0">
-                          <a:solidFill>
-                            <a:schemeClr val="tx2">
-                              <a:lumMod val="60000"/>
-                              <a:lumOff val="40000"/>
-                            </a:schemeClr>
-                          </a:solidFill>
-                          <a:latin typeface="Cambria Math" panose="02040503050406030204" pitchFamily="18" charset="0"/>
-                        </a:rPr>
-                        <m:t> </m:t>
-                      </m:r>
-                      <m:r>
-                        <a:rPr lang="nl-NL" b="0" i="1" smtClean="0">
-                          <a:solidFill>
-                            <a:schemeClr val="tx2">
-                              <a:lumMod val="60000"/>
-                              <a:lumOff val="40000"/>
-                            </a:schemeClr>
-                          </a:solidFill>
-                          <a:latin typeface="Cambria Math" panose="02040503050406030204" pitchFamily="18" charset="0"/>
-                        </a:rPr>
-                        <m:t>𝑥</m:t>
-                      </m:r>
-                      <m:r>
-                        <a:rPr lang="nl-NL" b="0" i="1" smtClean="0">
-                          <a:solidFill>
-                            <a:schemeClr val="tx2">
-                              <a:lumMod val="60000"/>
-                              <a:lumOff val="40000"/>
-                            </a:schemeClr>
-                          </a:solidFill>
-                          <a:latin typeface="Cambria Math" panose="02040503050406030204" pitchFamily="18" charset="0"/>
-                        </a:rPr>
-                        <m:t>)</m:t>
-                      </m:r>
-                    </m:oMath>
-                  </m:oMathPara>
-                </a14:m>
-                <a:endParaRPr lang="nl-NL" dirty="0">
-                  <a:solidFill>
-                    <a:schemeClr val="tx2">
-                      <a:lumMod val="60000"/>
-                      <a:lumOff val="40000"/>
-                    </a:schemeClr>
-                  </a:solidFill>
-                </a:endParaRPr>
-              </a:p>
-            </p:txBody>
-          </p:sp>
-        </mc:Choice>
-        <mc:Fallback xmlns="">
-          <p:sp>
-            <p:nvSpPr>
-              <p:cNvPr id="7" name="TextBox 6">
-                <a:extLst>
-                  <a:ext uri="{FF2B5EF4-FFF2-40B4-BE49-F238E27FC236}">
-                    <a16:creationId xmlns:a16="http://schemas.microsoft.com/office/drawing/2014/main" id="{EE642758-385A-B04A-0D94-8086DEDC39B3}"/>
-                  </a:ext>
-                </a:extLst>
-              </p:cNvPr>
-              <p:cNvSpPr txBox="1">
-                <a:spLocks noRot="1" noChangeAspect="1" noMove="1" noResize="1" noEditPoints="1" noAdjustHandles="1" noChangeArrowheads="1" noChangeShapeType="1" noTextEdit="1"/>
-              </p:cNvSpPr>
-              <p:nvPr/>
-            </p:nvSpPr>
-            <p:spPr>
-              <a:xfrm>
-                <a:off x="995437" y="2205799"/>
-                <a:ext cx="7465377" cy="298415"/>
-              </a:xfrm>
-              <a:prstGeom prst="rect">
-                <a:avLst/>
-              </a:prstGeom>
-              <a:blipFill>
-                <a:blip r:embed="rId2"/>
-                <a:stretch>
-                  <a:fillRect l="-163" r="-571" b="-26531"/>
-                </a:stretch>
-              </a:blipFill>
-            </p:spPr>
-            <p:txBody>
-              <a:bodyPr/>
-              <a:lstStyle/>
-              <a:p>
-                <a:r>
-                  <a:rPr lang="nl-NL">
-                    <a:noFill/>
-                  </a:rPr>
-                  <a:t> </a:t>
-                </a:r>
-              </a:p>
-            </p:txBody>
-          </p:sp>
-        </mc:Fallback>
-      </mc:AlternateContent>
-      <mc:AlternateContent xmlns:mc="http://schemas.openxmlformats.org/markup-compatibility/2006" xmlns:a14="http://schemas.microsoft.com/office/drawing/2010/main">
-        <mc:Choice Requires="a14">
-          <p:sp>
-            <p:nvSpPr>
-              <p:cNvPr id="8" name="TextBox 7">
-                <a:extLst>
-                  <a:ext uri="{FF2B5EF4-FFF2-40B4-BE49-F238E27FC236}">
-                    <a16:creationId xmlns:a16="http://schemas.microsoft.com/office/drawing/2014/main" id="{6DC21BBF-D9F7-3BF8-BC94-A547B99AECE3}"/>
-                  </a:ext>
-                </a:extLst>
-              </p:cNvPr>
-              <p:cNvSpPr txBox="1"/>
-              <p:nvPr/>
-            </p:nvSpPr>
-            <p:spPr>
-              <a:xfrm>
-                <a:off x="995437" y="3750403"/>
-                <a:ext cx="7950445" cy="299569"/>
-              </a:xfrm>
-              <a:prstGeom prst="rect">
-                <a:avLst/>
-              </a:prstGeom>
-              <a:noFill/>
-            </p:spPr>
-            <p:txBody>
-              <a:bodyPr wrap="none" lIns="0" tIns="0" rIns="0" bIns="0" rtlCol="0">
-                <a:spAutoFit/>
-              </a:bodyPr>
-              <a:lstStyle/>
-              <a:p>
-                <a:pPr/>
-                <a14:m>
-                  <m:oMathPara xmlns:m="http://schemas.openxmlformats.org/officeDocument/2006/math">
-                    <m:oMathParaPr>
-                      <m:jc m:val="centerGroup"/>
-                    </m:oMathParaPr>
-                    <m:oMath xmlns:m="http://schemas.openxmlformats.org/officeDocument/2006/math">
-                      <m:sSub>
-                        <m:sSubPr>
-                          <m:ctrlPr>
-                            <a:rPr lang="nl-NL" b="0" i="1" smtClean="0">
-                              <a:solidFill>
-                                <a:schemeClr val="tx2">
-                                  <a:lumMod val="60000"/>
-                                  <a:lumOff val="40000"/>
-                                </a:schemeClr>
-                              </a:solidFill>
-                              <a:latin typeface="Cambria Math" panose="02040503050406030204" pitchFamily="18" charset="0"/>
-                            </a:rPr>
-                          </m:ctrlPr>
-                        </m:sSubPr>
-                        <m:e>
-                          <m:r>
-                            <a:rPr lang="nl-NL" b="0" i="1" smtClean="0">
-                              <a:solidFill>
-                                <a:schemeClr val="tx2">
-                                  <a:lumMod val="60000"/>
-                                  <a:lumOff val="40000"/>
-                                </a:schemeClr>
-                              </a:solidFill>
-                              <a:latin typeface="Cambria Math" panose="02040503050406030204" pitchFamily="18" charset="0"/>
-                            </a:rPr>
-                            <m:t>𝑃</m:t>
-                          </m:r>
-                          <m:r>
-                            <a:rPr lang="nl-NL" b="0" i="1" smtClean="0">
-                              <a:solidFill>
-                                <a:schemeClr val="tx2">
-                                  <a:lumMod val="60000"/>
-                                  <a:lumOff val="40000"/>
-                                </a:schemeClr>
-                              </a:solidFill>
-                              <a:latin typeface="Cambria Math" panose="02040503050406030204" pitchFamily="18" charset="0"/>
-                            </a:rPr>
-                            <m:t>(</m:t>
-                          </m:r>
-                          <m:r>
-                            <a:rPr lang="nl-NL" b="0" i="1" smtClean="0">
-                              <a:solidFill>
-                                <a:schemeClr val="tx2">
-                                  <a:lumMod val="60000"/>
-                                  <a:lumOff val="40000"/>
-                                </a:schemeClr>
-                              </a:solidFill>
-                              <a:latin typeface="Cambria Math" panose="02040503050406030204" pitchFamily="18" charset="0"/>
-                            </a:rPr>
-                            <m:t>𝑍</m:t>
-                          </m:r>
-                        </m:e>
-                        <m:sub>
-                          <m:r>
-                            <a:rPr lang="nl-NL" b="0" i="1" smtClean="0">
-                              <a:solidFill>
-                                <a:schemeClr val="tx2">
-                                  <a:lumMod val="60000"/>
-                                  <a:lumOff val="40000"/>
-                                </a:schemeClr>
-                              </a:solidFill>
-                              <a:latin typeface="Cambria Math" panose="02040503050406030204" pitchFamily="18" charset="0"/>
-                            </a:rPr>
-                            <m:t>𝑏𝑒𝑛𝑑𝑖𝑛𝑔</m:t>
-                          </m:r>
-                        </m:sub>
-                      </m:sSub>
-                      <m:r>
-                        <a:rPr lang="nl-NL" b="0" i="1" smtClean="0">
-                          <a:solidFill>
-                            <a:schemeClr val="tx2">
-                              <a:lumMod val="60000"/>
-                              <a:lumOff val="40000"/>
-                            </a:schemeClr>
-                          </a:solidFill>
-                          <a:latin typeface="Cambria Math" panose="02040503050406030204" pitchFamily="18" charset="0"/>
-                        </a:rPr>
-                        <m:t>&lt;0)=</m:t>
-                      </m:r>
-                      <m:r>
-                        <a:rPr lang="nl-NL" b="0" i="1" smtClean="0">
-                          <a:solidFill>
-                            <a:schemeClr val="tx2">
-                              <a:lumMod val="60000"/>
-                              <a:lumOff val="40000"/>
-                            </a:schemeClr>
-                          </a:solidFill>
-                          <a:latin typeface="Cambria Math" panose="02040503050406030204" pitchFamily="18" charset="0"/>
-                        </a:rPr>
-                        <m:t>𝑃</m:t>
-                      </m:r>
-                      <m:r>
-                        <a:rPr lang="nl-NL" b="0" i="1" smtClean="0">
-                          <a:solidFill>
-                            <a:schemeClr val="tx2">
-                              <a:lumMod val="60000"/>
-                              <a:lumOff val="40000"/>
-                            </a:schemeClr>
-                          </a:solidFill>
-                          <a:latin typeface="Cambria Math" panose="02040503050406030204" pitchFamily="18" charset="0"/>
-                        </a:rPr>
-                        <m:t>(</m:t>
-                      </m:r>
-                      <m:r>
-                        <a:rPr lang="nl-NL" b="0" i="1" smtClean="0">
-                          <a:solidFill>
-                            <a:schemeClr val="tx2">
-                              <a:lumMod val="60000"/>
-                              <a:lumOff val="40000"/>
-                            </a:schemeClr>
-                          </a:solidFill>
-                          <a:latin typeface="Cambria Math" panose="02040503050406030204" pitchFamily="18" charset="0"/>
-                        </a:rPr>
-                        <m:t>𝑐𝑟𝑖𝑡𝑖𝑐𝑎𝑙</m:t>
-                      </m:r>
-                      <m:r>
-                        <a:rPr lang="nl-NL" b="0" i="1" smtClean="0">
-                          <a:solidFill>
-                            <a:schemeClr val="tx2">
-                              <a:lumMod val="60000"/>
-                              <a:lumOff val="40000"/>
-                            </a:schemeClr>
-                          </a:solidFill>
-                          <a:latin typeface="Cambria Math" panose="02040503050406030204" pitchFamily="18" charset="0"/>
-                        </a:rPr>
-                        <m:t> </m:t>
-                      </m:r>
-                      <m:r>
-                        <a:rPr lang="nl-NL" b="0" i="1" smtClean="0">
-                          <a:solidFill>
-                            <a:schemeClr val="tx2">
-                              <a:lumMod val="60000"/>
-                              <a:lumOff val="40000"/>
-                            </a:schemeClr>
-                          </a:solidFill>
-                          <a:latin typeface="Cambria Math" panose="02040503050406030204" pitchFamily="18" charset="0"/>
-                        </a:rPr>
-                        <m:t>𝑏𝑒𝑛𝑑𝑖𝑛𝑔</m:t>
-                      </m:r>
-                      <m:r>
-                        <a:rPr lang="nl-NL" b="0" i="1" smtClean="0">
-                          <a:solidFill>
-                            <a:schemeClr val="tx2">
-                              <a:lumMod val="60000"/>
-                              <a:lumOff val="40000"/>
-                            </a:schemeClr>
-                          </a:solidFill>
-                          <a:latin typeface="Cambria Math" panose="02040503050406030204" pitchFamily="18" charset="0"/>
-                        </a:rPr>
-                        <m:t> </m:t>
-                      </m:r>
-                      <m:r>
-                        <a:rPr lang="nl-NL" b="0" i="1" smtClean="0">
-                          <a:solidFill>
-                            <a:schemeClr val="tx2">
-                              <a:lumMod val="60000"/>
-                              <a:lumOff val="40000"/>
-                            </a:schemeClr>
-                          </a:solidFill>
-                          <a:latin typeface="Cambria Math" panose="02040503050406030204" pitchFamily="18" charset="0"/>
-                        </a:rPr>
-                        <m:t>𝑚𝑜𝑚𝑒𝑛𝑡</m:t>
-                      </m:r>
-                      <m:r>
-                        <a:rPr lang="nl-NL" b="0" i="1" smtClean="0">
-                          <a:solidFill>
-                            <a:schemeClr val="tx2">
-                              <a:lumMod val="60000"/>
-                              <a:lumOff val="40000"/>
-                            </a:schemeClr>
-                          </a:solidFill>
-                          <a:latin typeface="Cambria Math" panose="02040503050406030204" pitchFamily="18" charset="0"/>
-                        </a:rPr>
-                        <m:t>&lt;</m:t>
-                      </m:r>
-                      <m:r>
-                        <a:rPr lang="nl-NL" b="0" i="1" smtClean="0">
-                          <a:solidFill>
-                            <a:schemeClr val="tx2">
-                              <a:lumMod val="60000"/>
-                              <a:lumOff val="40000"/>
-                            </a:schemeClr>
-                          </a:solidFill>
-                          <a:latin typeface="Cambria Math" panose="02040503050406030204" pitchFamily="18" charset="0"/>
-                        </a:rPr>
-                        <m:t>𝑚𝑎𝑥𝑖𝑚𝑎𝑙</m:t>
-                      </m:r>
-                      <m:r>
-                        <a:rPr lang="nl-NL" b="0" i="1" smtClean="0">
-                          <a:solidFill>
-                            <a:schemeClr val="tx2">
-                              <a:lumMod val="60000"/>
-                              <a:lumOff val="40000"/>
-                            </a:schemeClr>
-                          </a:solidFill>
-                          <a:latin typeface="Cambria Math" panose="02040503050406030204" pitchFamily="18" charset="0"/>
-                        </a:rPr>
-                        <m:t> </m:t>
-                      </m:r>
-                      <m:r>
-                        <a:rPr lang="nl-NL" b="0" i="1" smtClean="0">
-                          <a:solidFill>
-                            <a:schemeClr val="tx2">
-                              <a:lumMod val="60000"/>
-                              <a:lumOff val="40000"/>
-                            </a:schemeClr>
-                          </a:solidFill>
-                          <a:latin typeface="Cambria Math" panose="02040503050406030204" pitchFamily="18" charset="0"/>
-                        </a:rPr>
-                        <m:t>𝑏𝑒𝑛𝑑𝑖𝑛𝑔</m:t>
-                      </m:r>
-                      <m:r>
-                        <a:rPr lang="nl-NL" b="0" i="1" smtClean="0">
-                          <a:solidFill>
-                            <a:schemeClr val="tx2">
-                              <a:lumMod val="60000"/>
-                              <a:lumOff val="40000"/>
-                            </a:schemeClr>
-                          </a:solidFill>
-                          <a:latin typeface="Cambria Math" panose="02040503050406030204" pitchFamily="18" charset="0"/>
-                        </a:rPr>
-                        <m:t> </m:t>
-                      </m:r>
-                      <m:r>
-                        <a:rPr lang="nl-NL" b="0" i="1" smtClean="0">
-                          <a:solidFill>
-                            <a:schemeClr val="tx2">
-                              <a:lumMod val="60000"/>
-                              <a:lumOff val="40000"/>
-                            </a:schemeClr>
-                          </a:solidFill>
-                          <a:latin typeface="Cambria Math" panose="02040503050406030204" pitchFamily="18" charset="0"/>
-                        </a:rPr>
-                        <m:t>𝑚𝑜𝑚𝑒𝑛𝑡</m:t>
-                      </m:r>
-                      <m:r>
-                        <a:rPr lang="nl-NL" b="0" i="1" smtClean="0">
-                          <a:solidFill>
-                            <a:schemeClr val="tx2">
-                              <a:lumMod val="60000"/>
-                              <a:lumOff val="40000"/>
-                            </a:schemeClr>
-                          </a:solidFill>
-                          <a:latin typeface="Cambria Math" panose="02040503050406030204" pitchFamily="18" charset="0"/>
-                        </a:rPr>
-                        <m:t>)</m:t>
-                      </m:r>
-                    </m:oMath>
-                  </m:oMathPara>
-                </a14:m>
-                <a:endParaRPr lang="nl-NL" dirty="0">
-                  <a:solidFill>
-                    <a:schemeClr val="tx2">
-                      <a:lumMod val="60000"/>
-                      <a:lumOff val="40000"/>
-                    </a:schemeClr>
-                  </a:solidFill>
-                </a:endParaRPr>
-              </a:p>
-            </p:txBody>
-          </p:sp>
-        </mc:Choice>
-        <mc:Fallback xmlns="">
-          <p:sp>
-            <p:nvSpPr>
-              <p:cNvPr id="8" name="TextBox 7">
-                <a:extLst>
-                  <a:ext uri="{FF2B5EF4-FFF2-40B4-BE49-F238E27FC236}">
-                    <a16:creationId xmlns:a16="http://schemas.microsoft.com/office/drawing/2014/main" id="{6DC21BBF-D9F7-3BF8-BC94-A547B99AECE3}"/>
-                  </a:ext>
-                </a:extLst>
-              </p:cNvPr>
-              <p:cNvSpPr txBox="1">
-                <a:spLocks noRot="1" noChangeAspect="1" noMove="1" noResize="1" noEditPoints="1" noAdjustHandles="1" noChangeArrowheads="1" noChangeShapeType="1" noTextEdit="1"/>
-              </p:cNvSpPr>
-              <p:nvPr/>
-            </p:nvSpPr>
-            <p:spPr>
-              <a:xfrm>
-                <a:off x="995437" y="3750403"/>
-                <a:ext cx="7950445" cy="299569"/>
-              </a:xfrm>
-              <a:prstGeom prst="rect">
-                <a:avLst/>
-              </a:prstGeom>
-              <a:blipFill>
-                <a:blip r:embed="rId3"/>
-                <a:stretch>
-                  <a:fillRect r="-307" b="-30612"/>
-                </a:stretch>
-              </a:blipFill>
-            </p:spPr>
-            <p:txBody>
-              <a:bodyPr/>
-              <a:lstStyle/>
-              <a:p>
-                <a:r>
-                  <a:rPr lang="nl-NL">
-                    <a:noFill/>
-                  </a:rPr>
-                  <a:t> </a:t>
-                </a:r>
-              </a:p>
-            </p:txBody>
-          </p:sp>
-        </mc:Fallback>
-      </mc:AlternateContent>
-      <mc:AlternateContent xmlns:mc="http://schemas.openxmlformats.org/markup-compatibility/2006" xmlns:a14="http://schemas.microsoft.com/office/drawing/2010/main">
-        <mc:Choice Requires="a14">
-          <p:sp>
-            <p:nvSpPr>
-              <p:cNvPr id="9" name="TextBox 8">
-                <a:extLst>
-                  <a:ext uri="{FF2B5EF4-FFF2-40B4-BE49-F238E27FC236}">
-                    <a16:creationId xmlns:a16="http://schemas.microsoft.com/office/drawing/2014/main" id="{591B327D-5064-9AE7-C2C3-2605D103F585}"/>
-                  </a:ext>
-                </a:extLst>
-              </p:cNvPr>
-              <p:cNvSpPr txBox="1"/>
-              <p:nvPr/>
-            </p:nvSpPr>
-            <p:spPr>
-              <a:xfrm>
-                <a:off x="995437" y="5243780"/>
-                <a:ext cx="3704219" cy="299569"/>
-              </a:xfrm>
-              <a:prstGeom prst="rect">
-                <a:avLst/>
-              </a:prstGeom>
-              <a:noFill/>
-            </p:spPr>
-            <p:txBody>
-              <a:bodyPr wrap="none" lIns="0" tIns="0" rIns="0" bIns="0" rtlCol="0">
-                <a:spAutoFit/>
-              </a:bodyPr>
-              <a:lstStyle/>
-              <a:p>
-                <a:pPr/>
-                <a14:m>
-                  <m:oMathPara xmlns:m="http://schemas.openxmlformats.org/officeDocument/2006/math">
-                    <m:oMathParaPr>
-                      <m:jc m:val="centerGroup"/>
-                    </m:oMathParaPr>
-                    <m:oMath xmlns:m="http://schemas.openxmlformats.org/officeDocument/2006/math">
-                      <m:sSub>
-                        <m:sSubPr>
-                          <m:ctrlPr>
-                            <a:rPr lang="nl-NL" b="0" i="1" smtClean="0">
-                              <a:solidFill>
-                                <a:schemeClr val="tx2">
-                                  <a:lumMod val="60000"/>
-                                  <a:lumOff val="40000"/>
-                                </a:schemeClr>
-                              </a:solidFill>
-                              <a:latin typeface="Cambria Math" panose="02040503050406030204" pitchFamily="18" charset="0"/>
-                            </a:rPr>
-                          </m:ctrlPr>
-                        </m:sSubPr>
-                        <m:e>
-                          <m:r>
-                            <a:rPr lang="nl-NL" b="0" i="1" smtClean="0">
-                              <a:solidFill>
-                                <a:schemeClr val="tx2">
-                                  <a:lumMod val="60000"/>
-                                  <a:lumOff val="40000"/>
-                                </a:schemeClr>
-                              </a:solidFill>
-                              <a:latin typeface="Cambria Math" panose="02040503050406030204" pitchFamily="18" charset="0"/>
-                            </a:rPr>
-                            <m:t>𝑃</m:t>
-                          </m:r>
-                          <m:r>
-                            <a:rPr lang="nl-NL" b="0" i="1" smtClean="0">
-                              <a:solidFill>
-                                <a:schemeClr val="tx2">
-                                  <a:lumMod val="60000"/>
-                                  <a:lumOff val="40000"/>
-                                </a:schemeClr>
-                              </a:solidFill>
-                              <a:latin typeface="Cambria Math" panose="02040503050406030204" pitchFamily="18" charset="0"/>
-                            </a:rPr>
-                            <m:t>(</m:t>
-                          </m:r>
-                          <m:sSub>
-                            <m:sSubPr>
-                              <m:ctrlPr>
-                                <a:rPr lang="nl-NL" i="1">
-                                  <a:solidFill>
-                                    <a:schemeClr val="tx2">
-                                      <a:lumMod val="60000"/>
-                                      <a:lumOff val="40000"/>
-                                    </a:schemeClr>
-                                  </a:solidFill>
-                                  <a:latin typeface="Cambria Math" panose="02040503050406030204" pitchFamily="18" charset="0"/>
-                                </a:rPr>
-                              </m:ctrlPr>
-                            </m:sSubPr>
-                            <m:e>
-                              <m:r>
-                                <a:rPr lang="nl-NL" i="1">
-                                  <a:solidFill>
-                                    <a:schemeClr val="tx2">
-                                      <a:lumMod val="60000"/>
-                                      <a:lumOff val="40000"/>
-                                    </a:schemeClr>
-                                  </a:solidFill>
-                                  <a:latin typeface="Cambria Math" panose="02040503050406030204" pitchFamily="18" charset="0"/>
-                                </a:rPr>
-                                <m:t>𝑍</m:t>
-                              </m:r>
-                            </m:e>
-                            <m:sub>
-                              <m:r>
-                                <a:rPr lang="nl-NL" i="1">
-                                  <a:solidFill>
-                                    <a:schemeClr val="tx2">
-                                      <a:lumMod val="60000"/>
-                                      <a:lumOff val="40000"/>
-                                    </a:schemeClr>
-                                  </a:solidFill>
-                                  <a:latin typeface="Cambria Math" panose="02040503050406030204" pitchFamily="18" charset="0"/>
-                                </a:rPr>
-                                <m:t>𝑑𝑖</m:t>
-                              </m:r>
-                              <m:r>
-                                <a:rPr lang="nl-NL" b="0" i="1" smtClean="0">
-                                  <a:solidFill>
-                                    <a:schemeClr val="tx2">
-                                      <a:lumMod val="60000"/>
-                                      <a:lumOff val="40000"/>
-                                    </a:schemeClr>
-                                  </a:solidFill>
-                                  <a:latin typeface="Cambria Math" panose="02040503050406030204" pitchFamily="18" charset="0"/>
-                                </a:rPr>
-                                <m:t>𝑠</m:t>
-                              </m:r>
-                              <m:r>
-                                <a:rPr lang="nl-NL" i="1">
-                                  <a:solidFill>
-                                    <a:schemeClr val="tx2">
-                                      <a:lumMod val="60000"/>
-                                      <a:lumOff val="40000"/>
-                                    </a:schemeClr>
-                                  </a:solidFill>
-                                  <a:latin typeface="Cambria Math" panose="02040503050406030204" pitchFamily="18" charset="0"/>
-                                </a:rPr>
-                                <m:t>𝑝𝑙𝑎𝑐𝑒𝑚𝑒𝑛𝑡</m:t>
-                              </m:r>
-                            </m:sub>
-                          </m:sSub>
-                          <m:r>
-                            <a:rPr lang="nl-NL" i="1">
-                              <a:solidFill>
-                                <a:schemeClr val="tx2">
-                                  <a:lumMod val="60000"/>
-                                  <a:lumOff val="40000"/>
-                                </a:schemeClr>
-                              </a:solidFill>
-                              <a:latin typeface="Cambria Math" panose="02040503050406030204" pitchFamily="18" charset="0"/>
-                            </a:rPr>
-                            <m:t>&lt;0</m:t>
-                          </m:r>
-                          <m:r>
-                            <a:rPr lang="nl-NL" b="0" i="1" smtClean="0">
-                              <a:solidFill>
-                                <a:schemeClr val="tx2">
-                                  <a:lumMod val="60000"/>
-                                  <a:lumOff val="40000"/>
-                                </a:schemeClr>
-                              </a:solidFill>
-                              <a:latin typeface="Cambria Math" panose="02040503050406030204" pitchFamily="18" charset="0"/>
-                            </a:rPr>
-                            <m:t> </m:t>
-                          </m:r>
-                          <m:r>
-                            <a:rPr lang="nl-NL" b="0" i="1" smtClean="0">
-                              <a:solidFill>
-                                <a:schemeClr val="tx2">
-                                  <a:lumMod val="60000"/>
-                                  <a:lumOff val="40000"/>
-                                </a:schemeClr>
-                              </a:solidFill>
-                              <a:latin typeface="Cambria Math" panose="02040503050406030204" pitchFamily="18" charset="0"/>
-                            </a:rPr>
-                            <m:t>𝑜𝑟</m:t>
-                          </m:r>
-                          <m:r>
-                            <a:rPr lang="nl-NL" b="0" i="1" smtClean="0">
-                              <a:solidFill>
-                                <a:schemeClr val="tx2">
-                                  <a:lumMod val="60000"/>
-                                  <a:lumOff val="40000"/>
-                                </a:schemeClr>
-                              </a:solidFill>
-                              <a:latin typeface="Cambria Math" panose="02040503050406030204" pitchFamily="18" charset="0"/>
-                            </a:rPr>
-                            <m:t> </m:t>
-                          </m:r>
-                          <m:r>
-                            <a:rPr lang="nl-NL" b="0" i="1" smtClean="0">
-                              <a:solidFill>
-                                <a:schemeClr val="tx2">
-                                  <a:lumMod val="60000"/>
-                                  <a:lumOff val="40000"/>
-                                </a:schemeClr>
-                              </a:solidFill>
-                              <a:latin typeface="Cambria Math" panose="02040503050406030204" pitchFamily="18" charset="0"/>
-                            </a:rPr>
-                            <m:t>𝑍</m:t>
-                          </m:r>
-                        </m:e>
-                        <m:sub>
-                          <m:r>
-                            <a:rPr lang="nl-NL" b="0" i="1" smtClean="0">
-                              <a:solidFill>
-                                <a:schemeClr val="tx2">
-                                  <a:lumMod val="60000"/>
-                                  <a:lumOff val="40000"/>
-                                </a:schemeClr>
-                              </a:solidFill>
-                              <a:latin typeface="Cambria Math" panose="02040503050406030204" pitchFamily="18" charset="0"/>
-                            </a:rPr>
-                            <m:t>𝑏𝑒𝑛𝑑𝑖𝑛𝑔</m:t>
-                          </m:r>
-                        </m:sub>
-                      </m:sSub>
-                      <m:r>
-                        <a:rPr lang="nl-NL" b="0" i="1" smtClean="0">
-                          <a:solidFill>
-                            <a:schemeClr val="tx2">
-                              <a:lumMod val="60000"/>
-                              <a:lumOff val="40000"/>
-                            </a:schemeClr>
-                          </a:solidFill>
-                          <a:latin typeface="Cambria Math" panose="02040503050406030204" pitchFamily="18" charset="0"/>
-                        </a:rPr>
-                        <m:t>&lt;0)</m:t>
-                      </m:r>
-                    </m:oMath>
-                  </m:oMathPara>
-                </a14:m>
-                <a:endParaRPr lang="nl-NL" dirty="0">
-                  <a:solidFill>
-                    <a:schemeClr val="tx2">
-                      <a:lumMod val="60000"/>
-                      <a:lumOff val="40000"/>
-                    </a:schemeClr>
-                  </a:solidFill>
-                </a:endParaRPr>
-              </a:p>
-            </p:txBody>
-          </p:sp>
-        </mc:Choice>
-        <mc:Fallback xmlns="">
-          <p:sp>
-            <p:nvSpPr>
-              <p:cNvPr id="9" name="TextBox 8">
-                <a:extLst>
-                  <a:ext uri="{FF2B5EF4-FFF2-40B4-BE49-F238E27FC236}">
-                    <a16:creationId xmlns:a16="http://schemas.microsoft.com/office/drawing/2014/main" id="{591B327D-5064-9AE7-C2C3-2605D103F585}"/>
-                  </a:ext>
-                </a:extLst>
-              </p:cNvPr>
-              <p:cNvSpPr txBox="1">
-                <a:spLocks noRot="1" noChangeAspect="1" noMove="1" noResize="1" noEditPoints="1" noAdjustHandles="1" noChangeArrowheads="1" noChangeShapeType="1" noTextEdit="1"/>
-              </p:cNvSpPr>
-              <p:nvPr/>
-            </p:nvSpPr>
-            <p:spPr>
-              <a:xfrm>
-                <a:off x="995437" y="5243780"/>
-                <a:ext cx="3704219" cy="299569"/>
-              </a:xfrm>
-              <a:prstGeom prst="rect">
-                <a:avLst/>
-              </a:prstGeom>
-              <a:blipFill>
-                <a:blip r:embed="rId4"/>
-                <a:stretch>
-                  <a:fillRect l="-822" r="-1645" b="-30612"/>
-                </a:stretch>
-              </a:blipFill>
-            </p:spPr>
-            <p:txBody>
-              <a:bodyPr/>
-              <a:lstStyle/>
-              <a:p>
-                <a:r>
-                  <a:rPr lang="nl-NL">
-                    <a:noFill/>
-                  </a:rPr>
-                  <a:t> </a:t>
-                </a:r>
-              </a:p>
-            </p:txBody>
-          </p:sp>
-        </mc:Fallback>
-      </mc:AlternateContent>
-    </p:spTree>
-    <p:extLst>
-      <p:ext uri="{BB962C8B-B14F-4D97-AF65-F5344CB8AC3E}">
-        <p14:creationId xmlns:p14="http://schemas.microsoft.com/office/powerpoint/2010/main" val="275679830"/>
-      </p:ext>
-    </p:extLst>
-  </p:cSld>
-  <p:clrMapOvr>
-    <a:masterClrMapping/>
-  </p:clrMapOvr>
-</p:sld>
-</file>
-
-<file path=ppt/slides/slide12.xml><?xml version="1.0" encoding="utf-8"?>
-<p:sld xmlns:a="http://schemas.openxmlformats.org/drawingml/2006/main" xmlns:r="http://schemas.openxmlformats.org/officeDocument/2006/relationships" xmlns:p="http://schemas.openxmlformats.org/presentationml/2006/main">
-  <p:cSld>
-    <p:spTree>
-      <p:nvGrpSpPr>
         <p:cNvPr id="1" name="">
           <a:extLst>
             <a:ext uri="{FF2B5EF4-FFF2-40B4-BE49-F238E27FC236}">
@@ -17604,7 +15617,7 @@
           <a:p>
             <a:fld id="{F42B3F14-D836-496B-80A2-23BE75BD68CB}" type="slidenum">
               <a:rPr lang="nl-NL" smtClean="0"/>
-              <a:t>12</a:t>
+              <a:t>10</a:t>
             </a:fld>
             <a:endParaRPr lang="nl-NL"/>
           </a:p>
@@ -18797,7 +16810,7 @@
 </p:sld>
 </file>
 
-<file path=ppt/slides/slide13.xml><?xml version="1.0" encoding="utf-8"?>
+<file path=ppt/slides/slide11.xml><?xml version="1.0" encoding="utf-8"?>
 <p:sld xmlns:a="http://schemas.openxmlformats.org/drawingml/2006/main" xmlns:r="http://schemas.openxmlformats.org/officeDocument/2006/relationships" xmlns:p="http://schemas.openxmlformats.org/presentationml/2006/main">
   <p:cSld>
     <p:spTree>
@@ -18876,7 +16889,7 @@
           <a:p>
             <a:r>
               <a:rPr lang="nl-NL" dirty="0"/>
-              <a:t>Kritieke verplaatsing = -0,19 m:</a:t>
+              <a:t>Kritieke verplaatsing = -0.19 m:</a:t>
             </a:r>
           </a:p>
         </p:txBody>
@@ -18960,7 +16973,7 @@
           <a:p>
             <a:fld id="{F42B3F14-D836-496B-80A2-23BE75BD68CB}" type="slidenum">
               <a:rPr lang="nl-NL" smtClean="0"/>
-              <a:t>13</a:t>
+              <a:t>11</a:t>
             </a:fld>
             <a:endParaRPr lang="nl-NL"/>
           </a:p>
@@ -19039,7 +17052,7 @@
 </p:sld>
 </file>
 
-<file path=ppt/slides/slide14.xml><?xml version="1.0" encoding="utf-8"?>
+<file path=ppt/slides/slide12.xml><?xml version="1.0" encoding="utf-8"?>
 <p:sld xmlns:a="http://schemas.openxmlformats.org/drawingml/2006/main" xmlns:r="http://schemas.openxmlformats.org/officeDocument/2006/relationships" xmlns:p="http://schemas.openxmlformats.org/presentationml/2006/main">
   <p:cSld>
     <p:spTree>
@@ -19209,7 +17222,7 @@
           <a:p>
             <a:fld id="{F42B3F14-D836-496B-80A2-23BE75BD68CB}" type="slidenum">
               <a:rPr lang="nl-NL" smtClean="0"/>
-              <a:t>14</a:t>
+              <a:t>12</a:t>
             </a:fld>
             <a:endParaRPr lang="nl-NL"/>
           </a:p>
@@ -20381,7 +18394,7 @@
 </p:sld>
 </file>
 
-<file path=ppt/slides/slide15.xml><?xml version="1.0" encoding="utf-8"?>
+<file path=ppt/slides/slide13.xml><?xml version="1.0" encoding="utf-8"?>
 <p:sld xmlns:a="http://schemas.openxmlformats.org/drawingml/2006/main" xmlns:r="http://schemas.openxmlformats.org/officeDocument/2006/relationships" xmlns:p="http://schemas.openxmlformats.org/presentationml/2006/main">
   <p:cSld>
     <p:spTree>
@@ -20551,7 +18564,7 @@
           <a:p>
             <a:fld id="{F42B3F14-D836-496B-80A2-23BE75BD68CB}" type="slidenum">
               <a:rPr lang="nl-NL" smtClean="0"/>
-              <a:t>15</a:t>
+              <a:t>13</a:t>
             </a:fld>
             <a:endParaRPr lang="nl-NL"/>
           </a:p>
@@ -20630,7 +18643,7 @@
 </p:sld>
 </file>
 
-<file path=ppt/slides/slide16.xml><?xml version="1.0" encoding="utf-8"?>
+<file path=ppt/slides/slide14.xml><?xml version="1.0" encoding="utf-8"?>
 <p:sld xmlns:a="http://schemas.openxmlformats.org/drawingml/2006/main" xmlns:r="http://schemas.openxmlformats.org/officeDocument/2006/relationships" xmlns:p="http://schemas.openxmlformats.org/presentationml/2006/main">
   <p:cSld>
     <p:spTree>
@@ -20791,7 +18804,7 @@
           <a:p>
             <a:fld id="{F42B3F14-D836-496B-80A2-23BE75BD68CB}" type="slidenum">
               <a:rPr lang="nl-NL" smtClean="0"/>
-              <a:t>16</a:t>
+              <a:t>14</a:t>
             </a:fld>
             <a:endParaRPr lang="nl-NL"/>
           </a:p>
@@ -21840,7 +19853,7 @@
 </p:sld>
 </file>
 
-<file path=ppt/slides/slide17.xml><?xml version="1.0" encoding="utf-8"?>
+<file path=ppt/slides/slide15.xml><?xml version="1.0" encoding="utf-8"?>
 <p:sld xmlns:a="http://schemas.openxmlformats.org/drawingml/2006/main" xmlns:r="http://schemas.openxmlformats.org/officeDocument/2006/relationships" xmlns:p="http://schemas.openxmlformats.org/presentationml/2006/main">
   <p:cSld>
     <p:spTree>
@@ -21862,6 +19875,220 @@
           <p:cNvPr id="2" name="Title 1">
             <a:extLst>
               <a:ext uri="{FF2B5EF4-FFF2-40B4-BE49-F238E27FC236}">
+                <a16:creationId xmlns:a16="http://schemas.microsoft.com/office/drawing/2014/main" id="{DDC76FB1-2A0E-A63E-17F5-583F6B990B70}"/>
+              </a:ext>
+            </a:extLst>
+          </p:cNvPr>
+          <p:cNvSpPr>
+            <a:spLocks noGrp="1"/>
+          </p:cNvSpPr>
+          <p:nvPr>
+            <p:ph type="title"/>
+          </p:nvPr>
+        </p:nvSpPr>
+        <p:spPr/>
+        <p:txBody>
+          <a:bodyPr/>
+          <a:lstStyle/>
+          <a:p>
+            <a:r>
+              <a:rPr lang="nl-NL" dirty="0"/>
+              <a:t>Betrouwbaarheidsanalyse</a:t>
+            </a:r>
+          </a:p>
+        </p:txBody>
+      </p:sp>
+      <p:sp>
+        <p:nvSpPr>
+          <p:cNvPr id="3" name="Content Placeholder 2">
+            <a:extLst>
+              <a:ext uri="{FF2B5EF4-FFF2-40B4-BE49-F238E27FC236}">
+                <a16:creationId xmlns:a16="http://schemas.microsoft.com/office/drawing/2014/main" id="{8007D671-A722-91EB-6D18-E4675FC3049D}"/>
+              </a:ext>
+            </a:extLst>
+          </p:cNvPr>
+          <p:cNvSpPr>
+            <a:spLocks noGrp="1"/>
+          </p:cNvSpPr>
+          <p:nvPr>
+            <p:ph idx="1"/>
+          </p:nvPr>
+        </p:nvSpPr>
+        <p:spPr>
+          <a:xfrm>
+            <a:off x="355974" y="1623229"/>
+            <a:ext cx="4864096" cy="4320000"/>
+          </a:xfrm>
+        </p:spPr>
+        <p:txBody>
+          <a:bodyPr/>
+          <a:lstStyle/>
+          <a:p>
+            <a:r>
+              <a:rPr lang="nl-NL" dirty="0"/>
+              <a:t>Ontwerppunt</a:t>
+            </a:r>
+          </a:p>
+          <a:p>
+            <a:r>
+              <a:rPr lang="nl-NL" dirty="0"/>
+              <a:t>Totale verplaatsing in de x-richting, fase 3</a:t>
+            </a:r>
+          </a:p>
+          <a:p>
+            <a:endParaRPr lang="nl-NL" dirty="0"/>
+          </a:p>
+        </p:txBody>
+      </p:sp>
+      <p:sp>
+        <p:nvSpPr>
+          <p:cNvPr id="4" name="Date Placeholder 3">
+            <a:extLst>
+              <a:ext uri="{FF2B5EF4-FFF2-40B4-BE49-F238E27FC236}">
+                <a16:creationId xmlns:a16="http://schemas.microsoft.com/office/drawing/2014/main" id="{2D5C78D6-FD6B-08FB-77DF-27BF2037CC2D}"/>
+              </a:ext>
+            </a:extLst>
+          </p:cNvPr>
+          <p:cNvSpPr>
+            <a:spLocks noGrp="1"/>
+          </p:cNvSpPr>
+          <p:nvPr>
+            <p:ph type="dt" sz="half" idx="10"/>
+          </p:nvPr>
+        </p:nvSpPr>
+        <p:spPr/>
+        <p:txBody>
+          <a:bodyPr/>
+          <a:lstStyle/>
+          <a:p>
+            <a:r>
+              <a:rPr lang="nl-NL"/>
+              <a:t> 28 november 2019</a:t>
+            </a:r>
+          </a:p>
+        </p:txBody>
+      </p:sp>
+      <p:sp>
+        <p:nvSpPr>
+          <p:cNvPr id="5" name="Footer Placeholder 4">
+            <a:extLst>
+              <a:ext uri="{FF2B5EF4-FFF2-40B4-BE49-F238E27FC236}">
+                <a16:creationId xmlns:a16="http://schemas.microsoft.com/office/drawing/2014/main" id="{B2ED5825-9CAB-F76A-09E0-21A29D0553C0}"/>
+              </a:ext>
+            </a:extLst>
+          </p:cNvPr>
+          <p:cNvSpPr>
+            <a:spLocks noGrp="1"/>
+          </p:cNvSpPr>
+          <p:nvPr>
+            <p:ph type="ftr" sz="quarter" idx="11"/>
+          </p:nvPr>
+        </p:nvSpPr>
+        <p:spPr/>
+        <p:txBody>
+          <a:bodyPr/>
+          <a:lstStyle/>
+          <a:p>
+            <a:r>
+              <a:rPr lang="nl-NL"/>
+              <a:t>Voettekst van de presentatie</a:t>
+            </a:r>
+          </a:p>
+        </p:txBody>
+      </p:sp>
+      <p:sp>
+        <p:nvSpPr>
+          <p:cNvPr id="6" name="Slide Number Placeholder 5">
+            <a:extLst>
+              <a:ext uri="{FF2B5EF4-FFF2-40B4-BE49-F238E27FC236}">
+                <a16:creationId xmlns:a16="http://schemas.microsoft.com/office/drawing/2014/main" id="{41A458BD-16CC-FEE9-CF9F-8486B01A72C1}"/>
+              </a:ext>
+            </a:extLst>
+          </p:cNvPr>
+          <p:cNvSpPr>
+            <a:spLocks noGrp="1"/>
+          </p:cNvSpPr>
+          <p:nvPr>
+            <p:ph type="sldNum" sz="quarter" idx="12"/>
+          </p:nvPr>
+        </p:nvSpPr>
+        <p:spPr/>
+        <p:txBody>
+          <a:bodyPr/>
+          <a:lstStyle/>
+          <a:p>
+            <a:fld id="{F42B3F14-D836-496B-80A2-23BE75BD68CB}" type="slidenum">
+              <a:rPr lang="nl-NL" smtClean="0"/>
+              <a:t>15</a:t>
+            </a:fld>
+            <a:endParaRPr lang="nl-NL"/>
+          </a:p>
+        </p:txBody>
+      </p:sp>
+      <p:pic>
+        <p:nvPicPr>
+          <p:cNvPr id="8" name="Picture 7">
+            <a:extLst>
+              <a:ext uri="{FF2B5EF4-FFF2-40B4-BE49-F238E27FC236}">
+                <a16:creationId xmlns:a16="http://schemas.microsoft.com/office/drawing/2014/main" id="{26BB642B-6D4F-DDFB-E165-7D4F60DBD077}"/>
+              </a:ext>
+            </a:extLst>
+          </p:cNvPr>
+          <p:cNvPicPr>
+            <a:picLocks noChangeAspect="1"/>
+          </p:cNvPicPr>
+          <p:nvPr/>
+        </p:nvPicPr>
+        <p:blipFill>
+          <a:blip r:embed="rId2"/>
+          <a:srcRect l="6989"/>
+          <a:stretch/>
+        </p:blipFill>
+        <p:spPr>
+          <a:xfrm>
+            <a:off x="4872459" y="1392750"/>
+            <a:ext cx="6963567" cy="4780958"/>
+          </a:xfrm>
+          <a:prstGeom prst="rect">
+            <a:avLst/>
+          </a:prstGeom>
+        </p:spPr>
+      </p:pic>
+    </p:spTree>
+    <p:extLst>
+      <p:ext uri="{BB962C8B-B14F-4D97-AF65-F5344CB8AC3E}">
+        <p14:creationId xmlns:p14="http://schemas.microsoft.com/office/powerpoint/2010/main" val="1376514637"/>
+      </p:ext>
+    </p:extLst>
+  </p:cSld>
+  <p:clrMapOvr>
+    <a:masterClrMapping/>
+  </p:clrMapOvr>
+</p:sld>
+</file>
+
+<file path=ppt/slides/slide16.xml><?xml version="1.0" encoding="utf-8"?>
+<p:sld xmlns:a="http://schemas.openxmlformats.org/drawingml/2006/main" xmlns:r="http://schemas.openxmlformats.org/officeDocument/2006/relationships" xmlns:p="http://schemas.openxmlformats.org/presentationml/2006/main">
+  <p:cSld>
+    <p:spTree>
+      <p:nvGrpSpPr>
+        <p:cNvPr id="1" name=""/>
+        <p:cNvGrpSpPr/>
+        <p:nvPr/>
+      </p:nvGrpSpPr>
+      <p:grpSpPr>
+        <a:xfrm>
+          <a:off x="0" y="0"/>
+          <a:ext cx="0" cy="0"/>
+          <a:chOff x="0" y="0"/>
+          <a:chExt cx="0" cy="0"/>
+        </a:xfrm>
+      </p:grpSpPr>
+      <p:sp>
+        <p:nvSpPr>
+          <p:cNvPr id="2" name="Title 1">
+            <a:extLst>
+              <a:ext uri="{FF2B5EF4-FFF2-40B4-BE49-F238E27FC236}">
                 <a16:creationId xmlns:a16="http://schemas.microsoft.com/office/drawing/2014/main" id="{6C38F79D-344B-5447-2044-1D5C6438F8B1}"/>
               </a:ext>
             </a:extLst>
@@ -22047,7 +20274,7 @@
           <a:p>
             <a:fld id="{F42B3F14-D836-496B-80A2-23BE75BD68CB}" type="slidenum">
               <a:rPr lang="nl-NL" smtClean="0"/>
-              <a:t>17</a:t>
+              <a:t>16</a:t>
             </a:fld>
             <a:endParaRPr lang="nl-NL"/>
           </a:p>
@@ -22066,7 +20293,7 @@
 </p:sld>
 </file>
 
-<file path=ppt/slides/slide18.xml><?xml version="1.0" encoding="utf-8"?>
+<file path=ppt/slides/slide17.xml><?xml version="1.0" encoding="utf-8"?>
 <p:sld xmlns:a="http://schemas.openxmlformats.org/drawingml/2006/main" xmlns:r="http://schemas.openxmlformats.org/officeDocument/2006/relationships" xmlns:p="http://schemas.openxmlformats.org/presentationml/2006/main">
   <p:cSld>
     <p:spTree>
@@ -22117,874 +20344,339 @@
           </a:p>
         </p:txBody>
       </p:sp>
-      <mc:AlternateContent xmlns:mc="http://schemas.openxmlformats.org/markup-compatibility/2006" xmlns:a14="http://schemas.microsoft.com/office/drawing/2010/main">
-        <mc:Choice Requires="a14">
+      <p:sp>
+        <p:nvSpPr>
+          <p:cNvPr id="3" name="Content Placeholder 2">
+            <a:extLst>
+              <a:ext uri="{FF2B5EF4-FFF2-40B4-BE49-F238E27FC236}">
+                <a16:creationId xmlns:a16="http://schemas.microsoft.com/office/drawing/2014/main" id="{A3FC3904-ED0A-03E9-A36E-E6D56EC64572}"/>
+              </a:ext>
+            </a:extLst>
+          </p:cNvPr>
+          <p:cNvSpPr>
+            <a:spLocks noGrp="1"/>
+          </p:cNvSpPr>
+          <p:nvPr>
+            <p:ph idx="1"/>
+          </p:nvPr>
+        </p:nvSpPr>
+        <p:spPr/>
+        <p:txBody>
+          <a:bodyPr/>
+          <a:lstStyle/>
+          <a:p>
+            <a:r>
+              <a:rPr lang="nl-NL" u="sng" dirty="0"/>
+              <a:t>A priori</a:t>
+            </a:r>
+            <a:r>
+              <a:rPr lang="nl-NL" dirty="0"/>
+              <a:t> faalkans in 2075, zonder aanvullende informatie:</a:t>
+            </a:r>
+          </a:p>
+          <a:p>
+            <a:pPr marL="0" indent="0">
+              <a:buNone/>
+            </a:pPr>
+            <a:endParaRPr lang="nl-NL" dirty="0"/>
+          </a:p>
+          <a:p>
+            <a:pPr marL="0" indent="0">
+              <a:buNone/>
+            </a:pPr>
+            <a:endParaRPr lang="nl-NL" dirty="0"/>
+          </a:p>
+          <a:p>
+            <a:r>
+              <a:rPr lang="nl-NL" u="sng" dirty="0"/>
+              <a:t>Bewezen sterkte</a:t>
+            </a:r>
+            <a:r>
+              <a:rPr lang="nl-NL" dirty="0"/>
+              <a:t> kans in 2025:</a:t>
+            </a:r>
+          </a:p>
+          <a:p>
+            <a:pPr marL="0" indent="0">
+              <a:buNone/>
+            </a:pPr>
+            <a:endParaRPr lang="nl-NL" dirty="0"/>
+          </a:p>
+          <a:p>
+            <a:pPr marL="0" indent="0">
+              <a:buNone/>
+            </a:pPr>
+            <a:endParaRPr lang="nl-NL" dirty="0"/>
+          </a:p>
+          <a:p>
+            <a:r>
+              <a:rPr lang="nl-NL" u="sng" dirty="0"/>
+              <a:t>A posteriori</a:t>
+            </a:r>
+            <a:r>
+              <a:rPr lang="nl-NL" dirty="0"/>
+              <a:t> faalkans in 2075, inclusief bewezen sterkte:</a:t>
+            </a:r>
+          </a:p>
+          <a:p>
+            <a:endParaRPr lang="nl-NL" dirty="0"/>
+          </a:p>
+          <a:p>
+            <a:endParaRPr lang="nl-NL" dirty="0"/>
+          </a:p>
+          <a:p>
+            <a:r>
+              <a:rPr lang="nl-NL" dirty="0"/>
+              <a:t>Bayesian updating</a:t>
+            </a:r>
+          </a:p>
+          <a:p>
+            <a:endParaRPr lang="nl-NL" dirty="0"/>
+          </a:p>
+          <a:p>
+            <a:endParaRPr lang="nl-NL" dirty="0"/>
+          </a:p>
+          <a:p>
+            <a:endParaRPr lang="nl-NL" dirty="0"/>
+          </a:p>
+          <a:p>
+            <a:endParaRPr lang="nl-NL" dirty="0"/>
+          </a:p>
+          <a:p>
+            <a:endParaRPr lang="nl-NL" dirty="0"/>
+          </a:p>
+        </p:txBody>
+      </p:sp>
+      <p:sp>
+        <p:nvSpPr>
+          <p:cNvPr id="4" name="Date Placeholder 3">
+            <a:extLst>
+              <a:ext uri="{FF2B5EF4-FFF2-40B4-BE49-F238E27FC236}">
+                <a16:creationId xmlns:a16="http://schemas.microsoft.com/office/drawing/2014/main" id="{F6876C7A-DA7C-F595-5200-79E455DEE595}"/>
+              </a:ext>
+            </a:extLst>
+          </p:cNvPr>
+          <p:cNvSpPr>
+            <a:spLocks noGrp="1"/>
+          </p:cNvSpPr>
+          <p:nvPr>
+            <p:ph type="dt" sz="half" idx="10"/>
+          </p:nvPr>
+        </p:nvSpPr>
+        <p:spPr/>
+        <p:txBody>
+          <a:bodyPr/>
+          <a:lstStyle/>
+          <a:p>
+            <a:r>
+              <a:rPr lang="nl-NL"/>
+              <a:t> 28 november 2019</a:t>
+            </a:r>
+          </a:p>
+        </p:txBody>
+      </p:sp>
+      <p:sp>
+        <p:nvSpPr>
+          <p:cNvPr id="5" name="Footer Placeholder 4">
+            <a:extLst>
+              <a:ext uri="{FF2B5EF4-FFF2-40B4-BE49-F238E27FC236}">
+                <a16:creationId xmlns:a16="http://schemas.microsoft.com/office/drawing/2014/main" id="{461FCAB7-233B-6577-B002-336AFFF727AC}"/>
+              </a:ext>
+            </a:extLst>
+          </p:cNvPr>
+          <p:cNvSpPr>
+            <a:spLocks noGrp="1"/>
+          </p:cNvSpPr>
+          <p:nvPr>
+            <p:ph type="ftr" sz="quarter" idx="11"/>
+          </p:nvPr>
+        </p:nvSpPr>
+        <p:spPr/>
+        <p:txBody>
+          <a:bodyPr/>
+          <a:lstStyle/>
+          <a:p>
+            <a:r>
+              <a:rPr lang="nl-NL"/>
+              <a:t>Voettekst van de presentatie</a:t>
+            </a:r>
+          </a:p>
+        </p:txBody>
+      </p:sp>
+      <p:sp>
+        <p:nvSpPr>
+          <p:cNvPr id="6" name="Slide Number Placeholder 5">
+            <a:extLst>
+              <a:ext uri="{FF2B5EF4-FFF2-40B4-BE49-F238E27FC236}">
+                <a16:creationId xmlns:a16="http://schemas.microsoft.com/office/drawing/2014/main" id="{709238F8-5AB9-33A7-80BD-184EE1935D44}"/>
+              </a:ext>
+            </a:extLst>
+          </p:cNvPr>
+          <p:cNvSpPr>
+            <a:spLocks noGrp="1"/>
+          </p:cNvSpPr>
+          <p:nvPr>
+            <p:ph type="sldNum" sz="quarter" idx="12"/>
+          </p:nvPr>
+        </p:nvSpPr>
+        <p:spPr/>
+        <p:txBody>
+          <a:bodyPr/>
+          <a:lstStyle/>
+          <a:p>
+            <a:fld id="{F42B3F14-D836-496B-80A2-23BE75BD68CB}" type="slidenum">
+              <a:rPr lang="nl-NL" smtClean="0"/>
+              <a:t>17</a:t>
+            </a:fld>
+            <a:endParaRPr lang="nl-NL"/>
+          </a:p>
+        </p:txBody>
+      </p:sp>
+      <mc:AlternateContent xmlns:mc="http://schemas.openxmlformats.org/markup-compatibility/2006">
+        <mc:Choice xmlns:a14="http://schemas.microsoft.com/office/drawing/2010/main" Requires="a14">
           <p:sp>
             <p:nvSpPr>
-              <p:cNvPr id="3" name="Content Placeholder 2">
+              <p:cNvPr id="8" name="TextBox 7">
                 <a:extLst>
                   <a:ext uri="{FF2B5EF4-FFF2-40B4-BE49-F238E27FC236}">
-                    <a16:creationId xmlns:a16="http://schemas.microsoft.com/office/drawing/2014/main" id="{A3FC3904-ED0A-03E9-A36E-E6D56EC64572}"/>
+                    <a16:creationId xmlns:a16="http://schemas.microsoft.com/office/drawing/2014/main" id="{3F94963F-9A54-101E-A5D6-9773B7043D55}"/>
                   </a:ext>
                 </a:extLst>
               </p:cNvPr>
-              <p:cNvSpPr>
-                <a:spLocks noGrp="1"/>
-              </p:cNvSpPr>
-              <p:nvPr>
-                <p:ph idx="1"/>
-              </p:nvPr>
+              <p:cNvSpPr txBox="1"/>
+              <p:nvPr/>
             </p:nvSpPr>
-            <p:spPr/>
+            <p:spPr>
+              <a:xfrm>
+                <a:off x="1058942" y="2246493"/>
+                <a:ext cx="2879891" cy="298415"/>
+              </a:xfrm>
+              <a:prstGeom prst="rect">
+                <a:avLst/>
+              </a:prstGeom>
+              <a:noFill/>
+            </p:spPr>
             <p:txBody>
-              <a:bodyPr/>
+              <a:bodyPr wrap="none" lIns="0" tIns="0" rIns="0" bIns="0" rtlCol="0">
+                <a:spAutoFit/>
+              </a:bodyPr>
               <a:lstStyle/>
               <a:p>
-                <a:r>
-                  <a:rPr lang="nl-NL" u="sng" dirty="0"/>
-                  <a:t>A priori</a:t>
-                </a:r>
-                <a:r>
-                  <a:rPr lang="nl-NL" dirty="0"/>
-                  <a:t> faalkans in 2075, zonder aanvullende informatie: </a:t>
-                </a:r>
-              </a:p>
-              <a:p>
                 <a14:m>
-                  <m:oMath xmlns:m="http://schemas.openxmlformats.org/officeDocument/2006/math">
-                    <m:sSub>
-                      <m:sSubPr>
-                        <m:ctrlPr>
-                          <a:rPr lang="nl-NL" i="1" smtClean="0">
-                            <a:solidFill>
-                              <a:schemeClr val="tx2">
-                                <a:lumMod val="60000"/>
-                                <a:lumOff val="40000"/>
-                              </a:schemeClr>
-                            </a:solidFill>
-                            <a:latin typeface="Cambria Math" panose="02040503050406030204" pitchFamily="18" charset="0"/>
-                          </a:rPr>
-                        </m:ctrlPr>
-                      </m:sSubPr>
-                      <m:e>
-                        <m:r>
-                          <a:rPr lang="nl-NL" i="1">
-                            <a:solidFill>
-                              <a:schemeClr val="tx2">
-                                <a:lumMod val="60000"/>
-                                <a:lumOff val="40000"/>
-                              </a:schemeClr>
-                            </a:solidFill>
-                            <a:latin typeface="Cambria Math" panose="02040503050406030204" pitchFamily="18" charset="0"/>
-                          </a:rPr>
-                          <m:t>𝑃</m:t>
-                        </m:r>
-                        <m:r>
-                          <a:rPr lang="nl-NL" i="1">
-                            <a:solidFill>
-                              <a:schemeClr val="tx2">
-                                <a:lumMod val="60000"/>
-                                <a:lumOff val="40000"/>
-                              </a:schemeClr>
-                            </a:solidFill>
-                            <a:latin typeface="Cambria Math" panose="02040503050406030204" pitchFamily="18" charset="0"/>
-                          </a:rPr>
-                          <m:t>(</m:t>
-                        </m:r>
-                        <m:r>
-                          <a:rPr lang="nl-NL" i="1">
-                            <a:solidFill>
-                              <a:schemeClr val="tx2">
-                                <a:lumMod val="60000"/>
-                                <a:lumOff val="40000"/>
-                              </a:schemeClr>
-                            </a:solidFill>
-                            <a:latin typeface="Cambria Math" panose="02040503050406030204" pitchFamily="18" charset="0"/>
-                          </a:rPr>
-                          <m:t>𝑍</m:t>
-                        </m:r>
-                      </m:e>
-                      <m:sub>
-                        <m:r>
-                          <a:rPr lang="nl-NL" i="1">
-                            <a:solidFill>
-                              <a:schemeClr val="tx2">
-                                <a:lumMod val="60000"/>
-                                <a:lumOff val="40000"/>
-                              </a:schemeClr>
-                            </a:solidFill>
-                            <a:latin typeface="Cambria Math" panose="02040503050406030204" pitchFamily="18" charset="0"/>
-                          </a:rPr>
-                          <m:t>𝑑𝑖𝑠𝑝𝑙𝑎𝑐𝑒𝑚𝑒𝑛𝑡</m:t>
-                        </m:r>
-                      </m:sub>
-                    </m:sSub>
-                    <m:r>
-                      <a:rPr lang="nl-NL" i="1">
-                        <a:solidFill>
-                          <a:schemeClr val="tx2">
-                            <a:lumMod val="60000"/>
-                            <a:lumOff val="40000"/>
-                          </a:schemeClr>
-                        </a:solidFill>
-                        <a:latin typeface="Cambria Math" panose="02040503050406030204" pitchFamily="18" charset="0"/>
-                      </a:rPr>
-                      <m:t> </m:t>
-                    </m:r>
-                    <m:r>
-                      <a:rPr lang="nl-NL" i="1">
-                        <a:solidFill>
-                          <a:schemeClr val="tx2">
-                            <a:lumMod val="60000"/>
-                            <a:lumOff val="40000"/>
-                          </a:schemeClr>
-                        </a:solidFill>
-                        <a:latin typeface="Cambria Math" panose="02040503050406030204" pitchFamily="18" charset="0"/>
-                      </a:rPr>
-                      <m:t>𝑖𝑛</m:t>
-                    </m:r>
-                    <m:r>
-                      <a:rPr lang="nl-NL" i="1">
-                        <a:solidFill>
-                          <a:schemeClr val="tx2">
-                            <a:lumMod val="60000"/>
-                            <a:lumOff val="40000"/>
-                          </a:schemeClr>
-                        </a:solidFill>
-                        <a:latin typeface="Cambria Math" panose="02040503050406030204" pitchFamily="18" charset="0"/>
-                      </a:rPr>
-                      <m:t> 2075&lt;0)</m:t>
-                    </m:r>
-                  </m:oMath>
-                </a14:m>
-                <a:endParaRPr lang="nl-NL" dirty="0"/>
-              </a:p>
-              <a:p>
-                <a:endParaRPr lang="nl-NL" dirty="0"/>
-              </a:p>
-              <a:p>
-                <a:r>
-                  <a:rPr lang="nl-NL" u="sng" dirty="0"/>
-                  <a:t>Bewezen sterkte</a:t>
-                </a:r>
-                <a:r>
-                  <a:rPr lang="nl-NL" dirty="0"/>
-                  <a:t> kans in 2025:</a:t>
-                </a:r>
-              </a:p>
-              <a:p>
-                <a14:m>
-                  <m:oMath xmlns:m="http://schemas.openxmlformats.org/officeDocument/2006/math">
-                    <m:sSub>
-                      <m:sSubPr>
-                        <m:ctrlPr>
-                          <a:rPr lang="nl-NL" i="1">
-                            <a:solidFill>
-                              <a:schemeClr val="tx2">
-                                <a:lumMod val="60000"/>
-                                <a:lumOff val="40000"/>
-                              </a:schemeClr>
-                            </a:solidFill>
-                            <a:latin typeface="Cambria Math" panose="02040503050406030204" pitchFamily="18" charset="0"/>
-                          </a:rPr>
-                        </m:ctrlPr>
-                      </m:sSubPr>
-                      <m:e>
-                        <m:r>
-                          <a:rPr lang="nl-NL" i="1">
-                            <a:solidFill>
-                              <a:schemeClr val="tx2">
-                                <a:lumMod val="60000"/>
-                                <a:lumOff val="40000"/>
-                              </a:schemeClr>
-                            </a:solidFill>
-                            <a:latin typeface="Cambria Math" panose="02040503050406030204" pitchFamily="18" charset="0"/>
-                          </a:rPr>
-                          <m:t>𝑃</m:t>
-                        </m:r>
-                        <m:r>
-                          <a:rPr lang="nl-NL" i="1">
-                            <a:solidFill>
-                              <a:schemeClr val="tx2">
-                                <a:lumMod val="60000"/>
-                                <a:lumOff val="40000"/>
-                              </a:schemeClr>
-                            </a:solidFill>
-                            <a:latin typeface="Cambria Math" panose="02040503050406030204" pitchFamily="18" charset="0"/>
-                          </a:rPr>
-                          <m:t>(</m:t>
-                        </m:r>
-                        <m:r>
-                          <a:rPr lang="nl-NL" i="1">
-                            <a:solidFill>
-                              <a:schemeClr val="tx2">
-                                <a:lumMod val="60000"/>
-                                <a:lumOff val="40000"/>
-                              </a:schemeClr>
-                            </a:solidFill>
-                            <a:latin typeface="Cambria Math" panose="02040503050406030204" pitchFamily="18" charset="0"/>
-                          </a:rPr>
-                          <m:t>𝑍</m:t>
-                        </m:r>
-                      </m:e>
-                      <m:sub>
-                        <m:r>
-                          <a:rPr lang="nl-NL" i="1">
-                            <a:solidFill>
-                              <a:schemeClr val="tx2">
-                                <a:lumMod val="60000"/>
-                                <a:lumOff val="40000"/>
-                              </a:schemeClr>
-                            </a:solidFill>
-                            <a:latin typeface="Cambria Math" panose="02040503050406030204" pitchFamily="18" charset="0"/>
-                          </a:rPr>
-                          <m:t>𝑑𝑖𝑠𝑝𝑙𝑎𝑐𝑒𝑚𝑒𝑛𝑡</m:t>
-                        </m:r>
-                      </m:sub>
-                    </m:sSub>
-                    <m:r>
-                      <a:rPr lang="nl-NL" i="1">
-                        <a:solidFill>
-                          <a:schemeClr val="tx2">
-                            <a:lumMod val="60000"/>
-                            <a:lumOff val="40000"/>
-                          </a:schemeClr>
-                        </a:solidFill>
-                        <a:latin typeface="Cambria Math" panose="02040503050406030204" pitchFamily="18" charset="0"/>
-                      </a:rPr>
-                      <m:t> </m:t>
-                    </m:r>
-                    <m:r>
-                      <a:rPr lang="nl-NL" i="1">
-                        <a:solidFill>
-                          <a:schemeClr val="tx2">
-                            <a:lumMod val="60000"/>
-                            <a:lumOff val="40000"/>
-                          </a:schemeClr>
-                        </a:solidFill>
-                        <a:latin typeface="Cambria Math" panose="02040503050406030204" pitchFamily="18" charset="0"/>
-                      </a:rPr>
-                      <m:t>𝑖𝑛</m:t>
-                    </m:r>
-                    <m:r>
-                      <a:rPr lang="nl-NL" i="1">
-                        <a:solidFill>
-                          <a:schemeClr val="tx2">
-                            <a:lumMod val="60000"/>
-                            <a:lumOff val="40000"/>
-                          </a:schemeClr>
-                        </a:solidFill>
-                        <a:latin typeface="Cambria Math" panose="02040503050406030204" pitchFamily="18" charset="0"/>
-                      </a:rPr>
-                      <m:t> 2025&gt;0)</m:t>
-                    </m:r>
-                  </m:oMath>
-                </a14:m>
-                <a:endParaRPr lang="nl-NL" dirty="0"/>
-              </a:p>
-              <a:p>
-                <a:endParaRPr lang="nl-NL" dirty="0"/>
-              </a:p>
-              <a:p>
-                <a:r>
-                  <a:rPr lang="nl-NL" u="sng" dirty="0"/>
-                  <a:t>A posteriori</a:t>
-                </a:r>
-                <a:r>
-                  <a:rPr lang="nl-NL" dirty="0"/>
-                  <a:t> faalkans in 2075, inclusief bewezen sterkte:</a:t>
-                </a:r>
-              </a:p>
-              <a:p>
-                <a14:m>
-                  <m:oMath xmlns:m="http://schemas.openxmlformats.org/officeDocument/2006/math">
-                    <m:sSub>
-                      <m:sSubPr>
-                        <m:ctrlPr>
-                          <a:rPr lang="nl-NL" i="1">
-                            <a:solidFill>
-                              <a:schemeClr val="tx2">
-                                <a:lumMod val="60000"/>
-                                <a:lumOff val="40000"/>
-                              </a:schemeClr>
-                            </a:solidFill>
-                            <a:latin typeface="Cambria Math" panose="02040503050406030204" pitchFamily="18" charset="0"/>
-                          </a:rPr>
-                        </m:ctrlPr>
-                      </m:sSubPr>
-                      <m:e>
-                        <m:r>
-                          <a:rPr lang="nl-NL" i="1">
-                            <a:solidFill>
-                              <a:schemeClr val="tx2">
-                                <a:lumMod val="60000"/>
-                                <a:lumOff val="40000"/>
-                              </a:schemeClr>
-                            </a:solidFill>
-                            <a:latin typeface="Cambria Math" panose="02040503050406030204" pitchFamily="18" charset="0"/>
-                          </a:rPr>
-                          <m:t>𝑃</m:t>
-                        </m:r>
-                        <m:r>
-                          <a:rPr lang="nl-NL" i="1">
-                            <a:solidFill>
-                              <a:schemeClr val="tx2">
-                                <a:lumMod val="60000"/>
-                                <a:lumOff val="40000"/>
-                              </a:schemeClr>
-                            </a:solidFill>
-                            <a:latin typeface="Cambria Math" panose="02040503050406030204" pitchFamily="18" charset="0"/>
-                          </a:rPr>
-                          <m:t>(</m:t>
-                        </m:r>
-                        <m:r>
-                          <a:rPr lang="nl-NL" i="1">
-                            <a:solidFill>
-                              <a:schemeClr val="tx2">
-                                <a:lumMod val="60000"/>
-                                <a:lumOff val="40000"/>
-                              </a:schemeClr>
-                            </a:solidFill>
-                            <a:latin typeface="Cambria Math" panose="02040503050406030204" pitchFamily="18" charset="0"/>
-                          </a:rPr>
-                          <m:t>𝑍</m:t>
-                        </m:r>
-                      </m:e>
-                      <m:sub>
-                        <m:r>
-                          <a:rPr lang="nl-NL" i="1">
-                            <a:solidFill>
-                              <a:schemeClr val="tx2">
-                                <a:lumMod val="60000"/>
-                                <a:lumOff val="40000"/>
-                              </a:schemeClr>
-                            </a:solidFill>
-                            <a:latin typeface="Cambria Math" panose="02040503050406030204" pitchFamily="18" charset="0"/>
-                          </a:rPr>
-                          <m:t>𝑑𝑖𝑠𝑝𝑙𝑎𝑐𝑒𝑚𝑒𝑛𝑡</m:t>
-                        </m:r>
-                      </m:sub>
-                    </m:sSub>
-                    <m:r>
-                      <a:rPr lang="nl-NL" i="1">
-                        <a:solidFill>
-                          <a:schemeClr val="tx2">
-                            <a:lumMod val="60000"/>
-                            <a:lumOff val="40000"/>
-                          </a:schemeClr>
-                        </a:solidFill>
-                        <a:latin typeface="Cambria Math" panose="02040503050406030204" pitchFamily="18" charset="0"/>
-                      </a:rPr>
-                      <m:t> </m:t>
-                    </m:r>
-                    <m:r>
-                      <a:rPr lang="nl-NL" i="1">
-                        <a:solidFill>
-                          <a:schemeClr val="tx2">
-                            <a:lumMod val="60000"/>
-                            <a:lumOff val="40000"/>
-                          </a:schemeClr>
-                        </a:solidFill>
-                        <a:latin typeface="Cambria Math" panose="02040503050406030204" pitchFamily="18" charset="0"/>
-                      </a:rPr>
-                      <m:t>𝑖𝑛</m:t>
-                    </m:r>
-                    <m:r>
-                      <a:rPr lang="nl-NL" i="1">
-                        <a:solidFill>
-                          <a:schemeClr val="tx2">
-                            <a:lumMod val="60000"/>
-                            <a:lumOff val="40000"/>
-                          </a:schemeClr>
-                        </a:solidFill>
-                        <a:latin typeface="Cambria Math" panose="02040503050406030204" pitchFamily="18" charset="0"/>
-                      </a:rPr>
-                      <m:t> 2075&lt;0</m:t>
-                    </m:r>
-                    <m:d>
-                      <m:dPr>
-                        <m:begChr m:val="|"/>
-                        <m:ctrlPr>
-                          <a:rPr lang="nl-NL" i="1">
-                            <a:solidFill>
-                              <a:schemeClr val="tx2">
-                                <a:lumMod val="60000"/>
-                                <a:lumOff val="40000"/>
-                              </a:schemeClr>
-                            </a:solidFill>
-                            <a:latin typeface="Cambria Math" panose="02040503050406030204" pitchFamily="18" charset="0"/>
-                          </a:rPr>
-                        </m:ctrlPr>
-                      </m:dPr>
-                      <m:e>
-                        <m:sSub>
-                          <m:sSubPr>
-                            <m:ctrlPr>
-                              <a:rPr lang="nl-NL" i="1">
-                                <a:solidFill>
-                                  <a:schemeClr val="tx2">
-                                    <a:lumMod val="60000"/>
-                                    <a:lumOff val="40000"/>
-                                  </a:schemeClr>
-                                </a:solidFill>
-                                <a:latin typeface="Cambria Math" panose="02040503050406030204" pitchFamily="18" charset="0"/>
-                              </a:rPr>
-                            </m:ctrlPr>
-                          </m:sSubPr>
-                          <m:e>
-                            <m:r>
-                              <a:rPr lang="nl-NL" i="1">
-                                <a:solidFill>
-                                  <a:schemeClr val="tx2">
-                                    <a:lumMod val="60000"/>
-                                    <a:lumOff val="40000"/>
-                                  </a:schemeClr>
-                                </a:solidFill>
-                                <a:latin typeface="Cambria Math" panose="02040503050406030204" pitchFamily="18" charset="0"/>
-                              </a:rPr>
-                              <m:t>𝑍</m:t>
-                            </m:r>
-                          </m:e>
-                          <m:sub>
-                            <m:r>
-                              <a:rPr lang="nl-NL" i="1">
-                                <a:solidFill>
-                                  <a:schemeClr val="tx2">
-                                    <a:lumMod val="60000"/>
-                                    <a:lumOff val="40000"/>
-                                  </a:schemeClr>
-                                </a:solidFill>
-                                <a:latin typeface="Cambria Math" panose="02040503050406030204" pitchFamily="18" charset="0"/>
-                              </a:rPr>
-                              <m:t>𝑑𝑖𝑠𝑝𝑙𝑎𝑐𝑒𝑚𝑒𝑛𝑡</m:t>
-                            </m:r>
-                          </m:sub>
-                        </m:sSub>
-                        <m:r>
-                          <a:rPr lang="nl-NL" i="1">
-                            <a:solidFill>
-                              <a:schemeClr val="tx2">
-                                <a:lumMod val="60000"/>
-                                <a:lumOff val="40000"/>
-                              </a:schemeClr>
-                            </a:solidFill>
-                            <a:latin typeface="Cambria Math" panose="02040503050406030204" pitchFamily="18" charset="0"/>
-                          </a:rPr>
-                          <m:t> </m:t>
-                        </m:r>
-                        <m:r>
-                          <a:rPr lang="nl-NL" i="1">
-                            <a:solidFill>
-                              <a:schemeClr val="tx2">
-                                <a:lumMod val="60000"/>
-                                <a:lumOff val="40000"/>
-                              </a:schemeClr>
-                            </a:solidFill>
-                            <a:latin typeface="Cambria Math" panose="02040503050406030204" pitchFamily="18" charset="0"/>
-                          </a:rPr>
-                          <m:t>𝑖𝑛</m:t>
-                        </m:r>
-                        <m:r>
-                          <a:rPr lang="nl-NL" i="1">
-                            <a:solidFill>
-                              <a:schemeClr val="tx2">
-                                <a:lumMod val="60000"/>
-                                <a:lumOff val="40000"/>
-                              </a:schemeClr>
-                            </a:solidFill>
-                            <a:latin typeface="Cambria Math" panose="02040503050406030204" pitchFamily="18" charset="0"/>
-                          </a:rPr>
-                          <m:t> 2025&gt;0</m:t>
-                        </m:r>
-                      </m:e>
-                    </m:d>
-                  </m:oMath>
+                  <m:oMathPara xmlns:m="http://schemas.openxmlformats.org/officeDocument/2006/math">
+                    <m:oMathParaPr>
+                      <m:jc m:val="centerGroup"/>
+                    </m:oMathParaPr>
+                    <m:oMath xmlns:m="http://schemas.openxmlformats.org/officeDocument/2006/math">
+                      <m:r>
+                        <a:rPr lang="nl-NL" b="0" i="1" smtClean="0">
+                          <a:solidFill>
+                            <a:srgbClr val="0D38E0"/>
+                          </a:solidFill>
+                          <a:latin typeface="Cambria Math" panose="02040503050406030204" pitchFamily="18" charset="0"/>
+                        </a:rPr>
+                        <m:t>𝑃</m:t>
+                      </m:r>
+                      <m:r>
+                        <a:rPr lang="nl-NL" b="0" i="1" smtClean="0">
+                          <a:solidFill>
+                            <a:srgbClr val="0D38E0"/>
+                          </a:solidFill>
+                          <a:latin typeface="Cambria Math" panose="02040503050406030204" pitchFamily="18" charset="0"/>
+                        </a:rPr>
+                        <m:t>(</m:t>
+                      </m:r>
+                      <m:sSub>
+                        <m:sSubPr>
+                          <m:ctrlPr>
+                            <a:rPr lang="nl-NL" b="0" i="1" smtClean="0">
+                              <a:solidFill>
+                                <a:srgbClr val="0D38E0"/>
+                              </a:solidFill>
+                              <a:latin typeface="Cambria Math" panose="02040503050406030204" pitchFamily="18" charset="0"/>
+                            </a:rPr>
+                          </m:ctrlPr>
+                        </m:sSubPr>
+                        <m:e>
+                          <m:r>
+                            <a:rPr lang="nl-NL" b="0" i="1" smtClean="0">
+                              <a:solidFill>
+                                <a:srgbClr val="0D38E0"/>
+                              </a:solidFill>
+                              <a:latin typeface="Cambria Math" panose="02040503050406030204" pitchFamily="18" charset="0"/>
+                            </a:rPr>
+                            <m:t>𝑍</m:t>
+                          </m:r>
+                        </m:e>
+                        <m:sub>
+                          <m:r>
+                            <a:rPr lang="nl-NL" b="0" i="1" smtClean="0">
+                              <a:solidFill>
+                                <a:srgbClr val="0D38E0"/>
+                              </a:solidFill>
+                              <a:latin typeface="Cambria Math" panose="02040503050406030204" pitchFamily="18" charset="0"/>
+                            </a:rPr>
+                            <m:t>𝑑𝑖𝑠𝑝𝑙𝑎𝑐𝑒𝑚𝑒𝑛𝑡</m:t>
+                          </m:r>
+                        </m:sub>
+                      </m:sSub>
+                      <m:r>
+                        <a:rPr lang="nl-NL" b="0" i="1" smtClean="0">
+                          <a:solidFill>
+                            <a:srgbClr val="0D38E0"/>
+                          </a:solidFill>
+                          <a:latin typeface="Cambria Math" panose="02040503050406030204" pitchFamily="18" charset="0"/>
+                        </a:rPr>
+                        <m:t>𝑖𝑛</m:t>
+                      </m:r>
+                      <m:r>
+                        <a:rPr lang="nl-NL" b="0" i="1" smtClean="0">
+                          <a:solidFill>
+                            <a:srgbClr val="0D38E0"/>
+                          </a:solidFill>
+                          <a:latin typeface="Cambria Math" panose="02040503050406030204" pitchFamily="18" charset="0"/>
+                        </a:rPr>
+                        <m:t> 2075&lt;0)</m:t>
+                      </m:r>
+                    </m:oMath>
+                  </m:oMathPara>
                 </a14:m>
                 <a:endParaRPr lang="nl-NL" dirty="0">
                   <a:solidFill>
-                    <a:schemeClr val="tx2">
-                      <a:lumMod val="60000"/>
-                      <a:lumOff val="40000"/>
-                    </a:schemeClr>
+                    <a:srgbClr val="0D38E0"/>
                   </a:solidFill>
                 </a:endParaRPr>
-              </a:p>
-              <a:p>
-                <a:endParaRPr lang="nl-NL" dirty="0"/>
-              </a:p>
-              <a:p>
-                <a:r>
-                  <a:rPr lang="nl-NL" dirty="0"/>
-                  <a:t>Bayesian updating:</a:t>
-                </a:r>
-              </a:p>
-              <a:p>
-                <a:r>
-                  <a:rPr lang="nl-NL" dirty="0"/>
-                  <a:t> </a:t>
-                </a:r>
-                <a14:m>
-                  <m:oMath xmlns:m="http://schemas.openxmlformats.org/officeDocument/2006/math">
-                    <m:sSub>
-                      <m:sSubPr>
-                        <m:ctrlPr>
-                          <a:rPr lang="nl-NL" i="1">
-                            <a:solidFill>
-                              <a:schemeClr val="tx2">
-                                <a:lumMod val="60000"/>
-                                <a:lumOff val="40000"/>
-                              </a:schemeClr>
-                            </a:solidFill>
-                            <a:latin typeface="Cambria Math" panose="02040503050406030204" pitchFamily="18" charset="0"/>
-                          </a:rPr>
-                        </m:ctrlPr>
-                      </m:sSubPr>
-                      <m:e>
-                        <m:r>
-                          <a:rPr lang="nl-NL" i="1">
-                            <a:solidFill>
-                              <a:schemeClr val="tx2">
-                                <a:lumMod val="60000"/>
-                                <a:lumOff val="40000"/>
-                              </a:schemeClr>
-                            </a:solidFill>
-                            <a:latin typeface="Cambria Math" panose="02040503050406030204" pitchFamily="18" charset="0"/>
-                          </a:rPr>
-                          <m:t>𝑃</m:t>
-                        </m:r>
-                        <m:r>
-                          <a:rPr lang="nl-NL" i="1">
-                            <a:solidFill>
-                              <a:schemeClr val="tx2">
-                                <a:lumMod val="60000"/>
-                                <a:lumOff val="40000"/>
-                              </a:schemeClr>
-                            </a:solidFill>
-                            <a:latin typeface="Cambria Math" panose="02040503050406030204" pitchFamily="18" charset="0"/>
-                          </a:rPr>
-                          <m:t>(</m:t>
-                        </m:r>
-                        <m:r>
-                          <a:rPr lang="nl-NL" i="1">
-                            <a:solidFill>
-                              <a:schemeClr val="tx2">
-                                <a:lumMod val="60000"/>
-                                <a:lumOff val="40000"/>
-                              </a:schemeClr>
-                            </a:solidFill>
-                            <a:latin typeface="Cambria Math" panose="02040503050406030204" pitchFamily="18" charset="0"/>
-                          </a:rPr>
-                          <m:t>𝑍</m:t>
-                        </m:r>
-                      </m:e>
-                      <m:sub>
-                        <m:r>
-                          <a:rPr lang="nl-NL" i="1">
-                            <a:solidFill>
-                              <a:schemeClr val="tx2">
-                                <a:lumMod val="60000"/>
-                                <a:lumOff val="40000"/>
-                              </a:schemeClr>
-                            </a:solidFill>
-                            <a:latin typeface="Cambria Math" panose="02040503050406030204" pitchFamily="18" charset="0"/>
-                          </a:rPr>
-                          <m:t>𝑑𝑖𝑠𝑝𝑙𝑎𝑐𝑒𝑚𝑒𝑛𝑡</m:t>
-                        </m:r>
-                      </m:sub>
-                    </m:sSub>
-                    <m:r>
-                      <a:rPr lang="nl-NL" i="1">
-                        <a:solidFill>
-                          <a:schemeClr val="tx2">
-                            <a:lumMod val="60000"/>
-                            <a:lumOff val="40000"/>
-                          </a:schemeClr>
-                        </a:solidFill>
-                        <a:latin typeface="Cambria Math" panose="02040503050406030204" pitchFamily="18" charset="0"/>
-                      </a:rPr>
-                      <m:t> </m:t>
-                    </m:r>
-                    <m:r>
-                      <a:rPr lang="nl-NL" i="1">
-                        <a:solidFill>
-                          <a:schemeClr val="tx2">
-                            <a:lumMod val="60000"/>
-                            <a:lumOff val="40000"/>
-                          </a:schemeClr>
-                        </a:solidFill>
-                        <a:latin typeface="Cambria Math" panose="02040503050406030204" pitchFamily="18" charset="0"/>
-                      </a:rPr>
-                      <m:t>𝑖𝑛</m:t>
-                    </m:r>
-                    <m:r>
-                      <a:rPr lang="nl-NL" i="1">
-                        <a:solidFill>
-                          <a:schemeClr val="tx2">
-                            <a:lumMod val="60000"/>
-                            <a:lumOff val="40000"/>
-                          </a:schemeClr>
-                        </a:solidFill>
-                        <a:latin typeface="Cambria Math" panose="02040503050406030204" pitchFamily="18" charset="0"/>
-                      </a:rPr>
-                      <m:t> 2075&lt;0 </m:t>
-                    </m:r>
-                    <m:nary>
-                      <m:naryPr>
-                        <m:chr m:val="⋂"/>
-                        <m:subHide m:val="on"/>
-                        <m:supHide m:val="on"/>
-                        <m:ctrlPr>
-                          <a:rPr lang="nl-NL" b="0" i="1" smtClean="0">
-                            <a:solidFill>
-                              <a:schemeClr val="tx2">
-                                <a:lumMod val="60000"/>
-                                <a:lumOff val="40000"/>
-                              </a:schemeClr>
-                            </a:solidFill>
-                            <a:latin typeface="Cambria Math" panose="02040503050406030204" pitchFamily="18" charset="0"/>
-                          </a:rPr>
-                        </m:ctrlPr>
-                      </m:naryPr>
-                      <m:sub/>
-                      <m:sup/>
-                      <m:e>
-                        <m:sSub>
-                          <m:sSubPr>
-                            <m:ctrlPr>
-                              <a:rPr lang="nl-NL" i="1">
-                                <a:solidFill>
-                                  <a:schemeClr val="tx2">
-                                    <a:lumMod val="60000"/>
-                                    <a:lumOff val="40000"/>
-                                  </a:schemeClr>
-                                </a:solidFill>
-                                <a:latin typeface="Cambria Math" panose="02040503050406030204" pitchFamily="18" charset="0"/>
-                              </a:rPr>
-                            </m:ctrlPr>
-                          </m:sSubPr>
-                          <m:e>
-                            <m:r>
-                              <a:rPr lang="nl-NL" i="1">
-                                <a:solidFill>
-                                  <a:schemeClr val="tx2">
-                                    <a:lumMod val="60000"/>
-                                    <a:lumOff val="40000"/>
-                                  </a:schemeClr>
-                                </a:solidFill>
-                                <a:latin typeface="Cambria Math" panose="02040503050406030204" pitchFamily="18" charset="0"/>
-                              </a:rPr>
-                              <m:t>𝑍</m:t>
-                            </m:r>
-                          </m:e>
-                          <m:sub>
-                            <m:r>
-                              <a:rPr lang="nl-NL" i="1">
-                                <a:solidFill>
-                                  <a:schemeClr val="tx2">
-                                    <a:lumMod val="60000"/>
-                                    <a:lumOff val="40000"/>
-                                  </a:schemeClr>
-                                </a:solidFill>
-                                <a:latin typeface="Cambria Math" panose="02040503050406030204" pitchFamily="18" charset="0"/>
-                              </a:rPr>
-                              <m:t>𝑑𝑖𝑠𝑝𝑙𝑎𝑐𝑒𝑚𝑒𝑛𝑡</m:t>
-                            </m:r>
-                          </m:sub>
-                        </m:sSub>
-                        <m:r>
-                          <a:rPr lang="nl-NL" i="1">
-                            <a:solidFill>
-                              <a:schemeClr val="tx2">
-                                <a:lumMod val="60000"/>
-                                <a:lumOff val="40000"/>
-                              </a:schemeClr>
-                            </a:solidFill>
-                            <a:latin typeface="Cambria Math" panose="02040503050406030204" pitchFamily="18" charset="0"/>
-                          </a:rPr>
-                          <m:t> </m:t>
-                        </m:r>
-                        <m:r>
-                          <a:rPr lang="nl-NL" i="1">
-                            <a:solidFill>
-                              <a:schemeClr val="tx2">
-                                <a:lumMod val="60000"/>
-                                <a:lumOff val="40000"/>
-                              </a:schemeClr>
-                            </a:solidFill>
-                            <a:latin typeface="Cambria Math" panose="02040503050406030204" pitchFamily="18" charset="0"/>
-                          </a:rPr>
-                          <m:t>𝑖𝑛</m:t>
-                        </m:r>
-                        <m:r>
-                          <a:rPr lang="nl-NL" i="1">
-                            <a:solidFill>
-                              <a:schemeClr val="tx2">
-                                <a:lumMod val="60000"/>
-                                <a:lumOff val="40000"/>
-                              </a:schemeClr>
-                            </a:solidFill>
-                            <a:latin typeface="Cambria Math" panose="02040503050406030204" pitchFamily="18" charset="0"/>
-                          </a:rPr>
-                          <m:t> 2025&gt;0)</m:t>
-                        </m:r>
-                      </m:e>
-                    </m:nary>
-                    <m:r>
-                      <a:rPr lang="nl-NL" b="0" i="1" smtClean="0">
-                        <a:solidFill>
-                          <a:schemeClr val="tx2">
-                            <a:lumMod val="60000"/>
-                            <a:lumOff val="40000"/>
-                          </a:schemeClr>
-                        </a:solidFill>
-                        <a:latin typeface="Cambria Math" panose="02040503050406030204" pitchFamily="18" charset="0"/>
-                      </a:rPr>
-                      <m:t>/</m:t>
-                    </m:r>
-                    <m:r>
-                      <a:rPr lang="nl-NL" b="0" i="1" smtClean="0">
-                        <a:solidFill>
-                          <a:schemeClr val="tx2">
-                            <a:lumMod val="60000"/>
-                            <a:lumOff val="40000"/>
-                          </a:schemeClr>
-                        </a:solidFill>
-                        <a:latin typeface="Cambria Math" panose="02040503050406030204" pitchFamily="18" charset="0"/>
-                      </a:rPr>
-                      <m:t>𝑃</m:t>
-                    </m:r>
-                    <m:r>
-                      <a:rPr lang="nl-NL" b="0" i="1" smtClean="0">
-                        <a:solidFill>
-                          <a:schemeClr val="tx2">
-                            <a:lumMod val="60000"/>
-                            <a:lumOff val="40000"/>
-                          </a:schemeClr>
-                        </a:solidFill>
-                        <a:latin typeface="Cambria Math" panose="02040503050406030204" pitchFamily="18" charset="0"/>
-                      </a:rPr>
-                      <m:t>(</m:t>
-                    </m:r>
-                    <m:sSub>
-                      <m:sSubPr>
-                        <m:ctrlPr>
-                          <a:rPr lang="nl-NL" i="1">
-                            <a:solidFill>
-                              <a:schemeClr val="tx2">
-                                <a:lumMod val="60000"/>
-                                <a:lumOff val="40000"/>
-                              </a:schemeClr>
-                            </a:solidFill>
-                            <a:latin typeface="Cambria Math" panose="02040503050406030204" pitchFamily="18" charset="0"/>
-                          </a:rPr>
-                        </m:ctrlPr>
-                      </m:sSubPr>
-                      <m:e>
-                        <m:r>
-                          <a:rPr lang="nl-NL" i="1">
-                            <a:solidFill>
-                              <a:schemeClr val="tx2">
-                                <a:lumMod val="60000"/>
-                                <a:lumOff val="40000"/>
-                              </a:schemeClr>
-                            </a:solidFill>
-                            <a:latin typeface="Cambria Math" panose="02040503050406030204" pitchFamily="18" charset="0"/>
-                          </a:rPr>
-                          <m:t>𝑍</m:t>
-                        </m:r>
-                      </m:e>
-                      <m:sub>
-                        <m:r>
-                          <a:rPr lang="nl-NL" i="1">
-                            <a:solidFill>
-                              <a:schemeClr val="tx2">
-                                <a:lumMod val="60000"/>
-                                <a:lumOff val="40000"/>
-                              </a:schemeClr>
-                            </a:solidFill>
-                            <a:latin typeface="Cambria Math" panose="02040503050406030204" pitchFamily="18" charset="0"/>
-                          </a:rPr>
-                          <m:t>𝑑𝑖𝑠𝑝𝑙𝑎𝑐𝑒𝑚𝑒𝑛𝑡</m:t>
-                        </m:r>
-                      </m:sub>
-                    </m:sSub>
-                    <m:r>
-                      <a:rPr lang="nl-NL" i="1">
-                        <a:solidFill>
-                          <a:schemeClr val="tx2">
-                            <a:lumMod val="60000"/>
-                            <a:lumOff val="40000"/>
-                          </a:schemeClr>
-                        </a:solidFill>
-                        <a:latin typeface="Cambria Math" panose="02040503050406030204" pitchFamily="18" charset="0"/>
-                      </a:rPr>
-                      <m:t> </m:t>
-                    </m:r>
-                    <m:r>
-                      <a:rPr lang="nl-NL" i="1">
-                        <a:solidFill>
-                          <a:schemeClr val="tx2">
-                            <a:lumMod val="60000"/>
-                            <a:lumOff val="40000"/>
-                          </a:schemeClr>
-                        </a:solidFill>
-                        <a:latin typeface="Cambria Math" panose="02040503050406030204" pitchFamily="18" charset="0"/>
-                      </a:rPr>
-                      <m:t>𝑖𝑛</m:t>
-                    </m:r>
-                    <m:r>
-                      <a:rPr lang="nl-NL" i="1">
-                        <a:solidFill>
-                          <a:schemeClr val="tx2">
-                            <a:lumMod val="60000"/>
-                            <a:lumOff val="40000"/>
-                          </a:schemeClr>
-                        </a:solidFill>
-                        <a:latin typeface="Cambria Math" panose="02040503050406030204" pitchFamily="18" charset="0"/>
-                      </a:rPr>
-                      <m:t> 2025&gt;0)</m:t>
-                    </m:r>
-                  </m:oMath>
-                </a14:m>
-                <a:endParaRPr lang="nl-NL" dirty="0"/>
-              </a:p>
-              <a:p>
-                <a:endParaRPr lang="nl-NL" dirty="0"/>
-              </a:p>
-              <a:p>
-                <a:endParaRPr lang="nl-NL" dirty="0"/>
-              </a:p>
-              <a:p>
-                <a:endParaRPr lang="nl-NL" dirty="0"/>
-              </a:p>
-              <a:p>
-                <a:endParaRPr lang="nl-NL" dirty="0"/>
               </a:p>
             </p:txBody>
           </p:sp>
         </mc:Choice>
-        <mc:Fallback xmlns="">
+        <mc:Fallback>
           <p:sp>
             <p:nvSpPr>
-              <p:cNvPr id="3" name="Content Placeholder 2">
+              <p:cNvPr id="8" name="TextBox 7">
                 <a:extLst>
                   <a:ext uri="{FF2B5EF4-FFF2-40B4-BE49-F238E27FC236}">
-                    <a16:creationId xmlns:a16="http://schemas.microsoft.com/office/drawing/2014/main" id="{A3FC3904-ED0A-03E9-A36E-E6D56EC64572}"/>
+                    <a16:creationId xmlns:a16="http://schemas.microsoft.com/office/drawing/2014/main" id="{3F94963F-9A54-101E-A5D6-9773B7043D55}"/>
                   </a:ext>
                 </a:extLst>
               </p:cNvPr>
-              <p:cNvSpPr>
-                <a:spLocks noGrp="1" noRot="1" noChangeAspect="1" noMove="1" noResize="1" noEditPoints="1" noAdjustHandles="1" noChangeArrowheads="1" noChangeShapeType="1" noTextEdit="1"/>
+              <p:cNvSpPr txBox="1">
+                <a:spLocks noRot="1" noChangeAspect="1" noMove="1" noResize="1" noEditPoints="1" noAdjustHandles="1" noChangeArrowheads="1" noChangeShapeType="1" noTextEdit="1"/>
               </p:cNvSpPr>
-              <p:nvPr>
-                <p:ph idx="1"/>
-              </p:nvPr>
+              <p:nvPr/>
             </p:nvSpPr>
             <p:spPr>
+              <a:xfrm>
+                <a:off x="1058942" y="2246493"/>
+                <a:ext cx="2879891" cy="298415"/>
+              </a:xfrm>
+              <a:prstGeom prst="rect">
+                <a:avLst/>
+              </a:prstGeom>
               <a:blipFill>
                 <a:blip r:embed="rId2"/>
                 <a:stretch>
-                  <a:fillRect l="-1276" t="-2398" b="-7898"/>
+                  <a:fillRect l="-1483" t="-2083" r="-2331" b="-29167"/>
                 </a:stretch>
               </a:blipFill>
             </p:spPr>
@@ -23003,91 +20695,693 @@
           </p:sp>
         </mc:Fallback>
       </mc:AlternateContent>
-      <p:sp>
-        <p:nvSpPr>
-          <p:cNvPr id="4" name="Date Placeholder 3">
-            <a:extLst>
-              <a:ext uri="{FF2B5EF4-FFF2-40B4-BE49-F238E27FC236}">
-                <a16:creationId xmlns:a16="http://schemas.microsoft.com/office/drawing/2014/main" id="{F6876C7A-DA7C-F595-5200-79E455DEE595}"/>
-              </a:ext>
-            </a:extLst>
-          </p:cNvPr>
-          <p:cNvSpPr>
-            <a:spLocks noGrp="1"/>
-          </p:cNvSpPr>
-          <p:nvPr>
-            <p:ph type="dt" sz="half" idx="10"/>
-          </p:nvPr>
-        </p:nvSpPr>
-        <p:spPr/>
-        <p:txBody>
-          <a:bodyPr/>
-          <a:lstStyle/>
-          <a:p>
-            <a:r>
-              <a:rPr lang="nl-NL"/>
-              <a:t> 28 november 2019</a:t>
-            </a:r>
-          </a:p>
-        </p:txBody>
-      </p:sp>
-      <p:sp>
-        <p:nvSpPr>
-          <p:cNvPr id="5" name="Footer Placeholder 4">
-            <a:extLst>
-              <a:ext uri="{FF2B5EF4-FFF2-40B4-BE49-F238E27FC236}">
-                <a16:creationId xmlns:a16="http://schemas.microsoft.com/office/drawing/2014/main" id="{461FCAB7-233B-6577-B002-336AFFF727AC}"/>
-              </a:ext>
-            </a:extLst>
-          </p:cNvPr>
-          <p:cNvSpPr>
-            <a:spLocks noGrp="1"/>
-          </p:cNvSpPr>
-          <p:nvPr>
-            <p:ph type="ftr" sz="quarter" idx="11"/>
-          </p:nvPr>
-        </p:nvSpPr>
-        <p:spPr/>
-        <p:txBody>
-          <a:bodyPr/>
-          <a:lstStyle/>
-          <a:p>
-            <a:r>
-              <a:rPr lang="nl-NL"/>
-              <a:t>Voettekst van de presentatie</a:t>
-            </a:r>
-          </a:p>
-        </p:txBody>
-      </p:sp>
-      <p:sp>
-        <p:nvSpPr>
-          <p:cNvPr id="6" name="Slide Number Placeholder 5">
-            <a:extLst>
-              <a:ext uri="{FF2B5EF4-FFF2-40B4-BE49-F238E27FC236}">
-                <a16:creationId xmlns:a16="http://schemas.microsoft.com/office/drawing/2014/main" id="{709238F8-5AB9-33A7-80BD-184EE1935D44}"/>
-              </a:ext>
-            </a:extLst>
-          </p:cNvPr>
-          <p:cNvSpPr>
-            <a:spLocks noGrp="1"/>
-          </p:cNvSpPr>
-          <p:nvPr>
-            <p:ph type="sldNum" sz="quarter" idx="12"/>
-          </p:nvPr>
-        </p:nvSpPr>
-        <p:spPr/>
-        <p:txBody>
-          <a:bodyPr/>
-          <a:lstStyle/>
-          <a:p>
-            <a:fld id="{F42B3F14-D836-496B-80A2-23BE75BD68CB}" type="slidenum">
-              <a:rPr lang="nl-NL" smtClean="0"/>
-              <a:t>18</a:t>
-            </a:fld>
-            <a:endParaRPr lang="nl-NL"/>
-          </a:p>
-        </p:txBody>
-      </p:sp>
+      <mc:AlternateContent xmlns:mc="http://schemas.openxmlformats.org/markup-compatibility/2006">
+        <mc:Choice xmlns:a14="http://schemas.microsoft.com/office/drawing/2010/main" Requires="a14">
+          <p:sp>
+            <p:nvSpPr>
+              <p:cNvPr id="9" name="TextBox 8">
+                <a:extLst>
+                  <a:ext uri="{FF2B5EF4-FFF2-40B4-BE49-F238E27FC236}">
+                    <a16:creationId xmlns:a16="http://schemas.microsoft.com/office/drawing/2014/main" id="{CD70DC51-D8FC-51C3-81D0-2A35B694B2AF}"/>
+                  </a:ext>
+                </a:extLst>
+              </p:cNvPr>
+              <p:cNvSpPr txBox="1"/>
+              <p:nvPr/>
+            </p:nvSpPr>
+            <p:spPr>
+              <a:xfrm>
+                <a:off x="1058942" y="3429000"/>
+                <a:ext cx="2879891" cy="298415"/>
+              </a:xfrm>
+              <a:prstGeom prst="rect">
+                <a:avLst/>
+              </a:prstGeom>
+              <a:noFill/>
+            </p:spPr>
+            <p:txBody>
+              <a:bodyPr wrap="none" lIns="0" tIns="0" rIns="0" bIns="0" rtlCol="0">
+                <a:spAutoFit/>
+              </a:bodyPr>
+              <a:lstStyle/>
+              <a:p>
+                <a14:m>
+                  <m:oMathPara xmlns:m="http://schemas.openxmlformats.org/officeDocument/2006/math">
+                    <m:oMathParaPr>
+                      <m:jc m:val="centerGroup"/>
+                    </m:oMathParaPr>
+                    <m:oMath xmlns:m="http://schemas.openxmlformats.org/officeDocument/2006/math">
+                      <m:r>
+                        <a:rPr lang="nl-NL" b="0" i="1" smtClean="0">
+                          <a:solidFill>
+                            <a:srgbClr val="0D38E0"/>
+                          </a:solidFill>
+                          <a:latin typeface="Cambria Math" panose="02040503050406030204" pitchFamily="18" charset="0"/>
+                        </a:rPr>
+                        <m:t>𝑃</m:t>
+                      </m:r>
+                      <m:r>
+                        <a:rPr lang="nl-NL" b="0" i="1" smtClean="0">
+                          <a:solidFill>
+                            <a:srgbClr val="0D38E0"/>
+                          </a:solidFill>
+                          <a:latin typeface="Cambria Math" panose="02040503050406030204" pitchFamily="18" charset="0"/>
+                        </a:rPr>
+                        <m:t>(</m:t>
+                      </m:r>
+                      <m:sSub>
+                        <m:sSubPr>
+                          <m:ctrlPr>
+                            <a:rPr lang="nl-NL" b="0" i="1" smtClean="0">
+                              <a:solidFill>
+                                <a:srgbClr val="0D38E0"/>
+                              </a:solidFill>
+                              <a:latin typeface="Cambria Math" panose="02040503050406030204" pitchFamily="18" charset="0"/>
+                            </a:rPr>
+                          </m:ctrlPr>
+                        </m:sSubPr>
+                        <m:e>
+                          <m:r>
+                            <a:rPr lang="nl-NL" b="0" i="1" smtClean="0">
+                              <a:solidFill>
+                                <a:srgbClr val="0D38E0"/>
+                              </a:solidFill>
+                              <a:latin typeface="Cambria Math" panose="02040503050406030204" pitchFamily="18" charset="0"/>
+                            </a:rPr>
+                            <m:t>𝑍</m:t>
+                          </m:r>
+                        </m:e>
+                        <m:sub>
+                          <m:r>
+                            <a:rPr lang="nl-NL" b="0" i="1" smtClean="0">
+                              <a:solidFill>
+                                <a:srgbClr val="0D38E0"/>
+                              </a:solidFill>
+                              <a:latin typeface="Cambria Math" panose="02040503050406030204" pitchFamily="18" charset="0"/>
+                            </a:rPr>
+                            <m:t>𝑑𝑖𝑠𝑝𝑙𝑎𝑐𝑒𝑚𝑒𝑛𝑡</m:t>
+                          </m:r>
+                        </m:sub>
+                      </m:sSub>
+                      <m:r>
+                        <a:rPr lang="nl-NL" b="0" i="1" smtClean="0">
+                          <a:solidFill>
+                            <a:srgbClr val="0D38E0"/>
+                          </a:solidFill>
+                          <a:latin typeface="Cambria Math" panose="02040503050406030204" pitchFamily="18" charset="0"/>
+                        </a:rPr>
+                        <m:t>𝑖𝑛</m:t>
+                      </m:r>
+                      <m:r>
+                        <a:rPr lang="nl-NL" b="0" i="1" smtClean="0">
+                          <a:solidFill>
+                            <a:srgbClr val="0D38E0"/>
+                          </a:solidFill>
+                          <a:latin typeface="Cambria Math" panose="02040503050406030204" pitchFamily="18" charset="0"/>
+                        </a:rPr>
+                        <m:t> 2025&gt;0)</m:t>
+                      </m:r>
+                    </m:oMath>
+                  </m:oMathPara>
+                </a14:m>
+                <a:endParaRPr lang="nl-NL" dirty="0">
+                  <a:solidFill>
+                    <a:srgbClr val="0D38E0"/>
+                  </a:solidFill>
+                </a:endParaRPr>
+              </a:p>
+            </p:txBody>
+          </p:sp>
+        </mc:Choice>
+        <mc:Fallback>
+          <p:sp>
+            <p:nvSpPr>
+              <p:cNvPr id="9" name="TextBox 8">
+                <a:extLst>
+                  <a:ext uri="{FF2B5EF4-FFF2-40B4-BE49-F238E27FC236}">
+                    <a16:creationId xmlns:a16="http://schemas.microsoft.com/office/drawing/2014/main" id="{CD70DC51-D8FC-51C3-81D0-2A35B694B2AF}"/>
+                  </a:ext>
+                </a:extLst>
+              </p:cNvPr>
+              <p:cNvSpPr txBox="1">
+                <a:spLocks noRot="1" noChangeAspect="1" noMove="1" noResize="1" noEditPoints="1" noAdjustHandles="1" noChangeArrowheads="1" noChangeShapeType="1" noTextEdit="1"/>
+              </p:cNvSpPr>
+              <p:nvPr/>
+            </p:nvSpPr>
+            <p:spPr>
+              <a:xfrm>
+                <a:off x="1058942" y="3429000"/>
+                <a:ext cx="2879891" cy="298415"/>
+              </a:xfrm>
+              <a:prstGeom prst="rect">
+                <a:avLst/>
+              </a:prstGeom>
+              <a:blipFill>
+                <a:blip r:embed="rId3"/>
+                <a:stretch>
+                  <a:fillRect l="-1483" t="-2083" r="-2331" b="-27083"/>
+                </a:stretch>
+              </a:blipFill>
+            </p:spPr>
+            <p:txBody>
+              <a:bodyPr/>
+              <a:lstStyle/>
+              <a:p>
+                <a:r>
+                  <a:rPr lang="nl-NL">
+                    <a:noFill/>
+                  </a:rPr>
+                  <a:t> </a:t>
+                </a:r>
+              </a:p>
+            </p:txBody>
+          </p:sp>
+        </mc:Fallback>
+      </mc:AlternateContent>
+      <mc:AlternateContent xmlns:mc="http://schemas.openxmlformats.org/markup-compatibility/2006">
+        <mc:Choice xmlns:a14="http://schemas.microsoft.com/office/drawing/2010/main" Requires="a14">
+          <p:sp>
+            <p:nvSpPr>
+              <p:cNvPr id="10" name="TextBox 9">
+                <a:extLst>
+                  <a:ext uri="{FF2B5EF4-FFF2-40B4-BE49-F238E27FC236}">
+                    <a16:creationId xmlns:a16="http://schemas.microsoft.com/office/drawing/2014/main" id="{ECE08453-8989-1F16-4602-6F95320D7FB7}"/>
+                  </a:ext>
+                </a:extLst>
+              </p:cNvPr>
+              <p:cNvSpPr txBox="1"/>
+              <p:nvPr/>
+            </p:nvSpPr>
+            <p:spPr>
+              <a:xfrm>
+                <a:off x="1058942" y="4500810"/>
+                <a:ext cx="5486823" cy="318164"/>
+              </a:xfrm>
+              <a:prstGeom prst="rect">
+                <a:avLst/>
+              </a:prstGeom>
+              <a:noFill/>
+            </p:spPr>
+            <p:txBody>
+              <a:bodyPr wrap="none" lIns="0" tIns="0" rIns="0" bIns="0" rtlCol="0">
+                <a:spAutoFit/>
+              </a:bodyPr>
+              <a:lstStyle/>
+              <a:p>
+                <a14:m>
+                  <m:oMathPara xmlns:m="http://schemas.openxmlformats.org/officeDocument/2006/math">
+                    <m:oMathParaPr>
+                      <m:jc m:val="centerGroup"/>
+                    </m:oMathParaPr>
+                    <m:oMath xmlns:m="http://schemas.openxmlformats.org/officeDocument/2006/math">
+                      <m:r>
+                        <a:rPr lang="nl-NL" b="0" i="1" smtClean="0">
+                          <a:solidFill>
+                            <a:srgbClr val="0D38E0"/>
+                          </a:solidFill>
+                          <a:latin typeface="Cambria Math" panose="02040503050406030204" pitchFamily="18" charset="0"/>
+                        </a:rPr>
+                        <m:t>𝑃</m:t>
+                      </m:r>
+                      <m:d>
+                        <m:dPr>
+                          <m:endChr m:val="|"/>
+                          <m:ctrlPr>
+                            <a:rPr lang="nl-NL" b="0" i="1" smtClean="0">
+                              <a:solidFill>
+                                <a:srgbClr val="0D38E0"/>
+                              </a:solidFill>
+                              <a:latin typeface="Cambria Math" panose="02040503050406030204" pitchFamily="18" charset="0"/>
+                            </a:rPr>
+                          </m:ctrlPr>
+                        </m:dPr>
+                        <m:e>
+                          <m:sSub>
+                            <m:sSubPr>
+                              <m:ctrlPr>
+                                <a:rPr lang="nl-NL" b="0" i="1" smtClean="0">
+                                  <a:solidFill>
+                                    <a:srgbClr val="0D38E0"/>
+                                  </a:solidFill>
+                                  <a:latin typeface="Cambria Math" panose="02040503050406030204" pitchFamily="18" charset="0"/>
+                                </a:rPr>
+                              </m:ctrlPr>
+                            </m:sSubPr>
+                            <m:e>
+                              <m:r>
+                                <a:rPr lang="nl-NL" b="0" i="1" smtClean="0">
+                                  <a:solidFill>
+                                    <a:srgbClr val="0D38E0"/>
+                                  </a:solidFill>
+                                  <a:latin typeface="Cambria Math" panose="02040503050406030204" pitchFamily="18" charset="0"/>
+                                </a:rPr>
+                                <m:t>𝑍</m:t>
+                              </m:r>
+                            </m:e>
+                            <m:sub>
+                              <m:r>
+                                <a:rPr lang="nl-NL" b="0" i="1" smtClean="0">
+                                  <a:solidFill>
+                                    <a:srgbClr val="0D38E0"/>
+                                  </a:solidFill>
+                                  <a:latin typeface="Cambria Math" panose="02040503050406030204" pitchFamily="18" charset="0"/>
+                                </a:rPr>
+                                <m:t>𝑑𝑖𝑠𝑝𝑙𝑎𝑐𝑒𝑚𝑒𝑛𝑡</m:t>
+                              </m:r>
+                            </m:sub>
+                          </m:sSub>
+                          <m:r>
+                            <a:rPr lang="nl-NL" b="0" i="1" smtClean="0">
+                              <a:solidFill>
+                                <a:srgbClr val="0D38E0"/>
+                              </a:solidFill>
+                              <a:latin typeface="Cambria Math" panose="02040503050406030204" pitchFamily="18" charset="0"/>
+                            </a:rPr>
+                            <m:t>𝑖𝑛</m:t>
+                          </m:r>
+                          <m:r>
+                            <a:rPr lang="nl-NL" b="0" i="1" smtClean="0">
+                              <a:solidFill>
+                                <a:srgbClr val="0D38E0"/>
+                              </a:solidFill>
+                              <a:latin typeface="Cambria Math" panose="02040503050406030204" pitchFamily="18" charset="0"/>
+                            </a:rPr>
+                            <m:t> 2075&lt;0 </m:t>
+                          </m:r>
+                        </m:e>
+                      </m:d>
+                      <m:sSub>
+                        <m:sSubPr>
+                          <m:ctrlPr>
+                            <a:rPr lang="nl-NL" b="0" i="1" smtClean="0">
+                              <a:solidFill>
+                                <a:srgbClr val="0D38E0"/>
+                              </a:solidFill>
+                              <a:latin typeface="Cambria Math" panose="02040503050406030204" pitchFamily="18" charset="0"/>
+                            </a:rPr>
+                          </m:ctrlPr>
+                        </m:sSubPr>
+                        <m:e>
+                          <m:r>
+                            <a:rPr lang="nl-NL" b="0" i="1" smtClean="0">
+                              <a:solidFill>
+                                <a:srgbClr val="0D38E0"/>
+                              </a:solidFill>
+                              <a:latin typeface="Cambria Math" panose="02040503050406030204" pitchFamily="18" charset="0"/>
+                            </a:rPr>
+                            <m:t>𝑍</m:t>
+                          </m:r>
+                        </m:e>
+                        <m:sub>
+                          <m:r>
+                            <a:rPr lang="nl-NL" b="0" i="1" smtClean="0">
+                              <a:solidFill>
+                                <a:srgbClr val="0D38E0"/>
+                              </a:solidFill>
+                              <a:latin typeface="Cambria Math" panose="02040503050406030204" pitchFamily="18" charset="0"/>
+                            </a:rPr>
+                            <m:t>𝑑𝑖𝑠𝑝𝑙𝑎𝑐𝑒𝑚𝑒𝑛𝑡</m:t>
+                          </m:r>
+                        </m:sub>
+                      </m:sSub>
+                      <m:r>
+                        <a:rPr lang="nl-NL" b="0" i="1" smtClean="0">
+                          <a:solidFill>
+                            <a:srgbClr val="0D38E0"/>
+                          </a:solidFill>
+                          <a:latin typeface="Cambria Math" panose="02040503050406030204" pitchFamily="18" charset="0"/>
+                        </a:rPr>
+                        <m:t>𝑖𝑛</m:t>
+                      </m:r>
+                      <m:r>
+                        <a:rPr lang="nl-NL" b="0" i="1" smtClean="0">
+                          <a:solidFill>
+                            <a:srgbClr val="0D38E0"/>
+                          </a:solidFill>
+                          <a:latin typeface="Cambria Math" panose="02040503050406030204" pitchFamily="18" charset="0"/>
+                        </a:rPr>
+                        <m:t> 2025&gt;0)</m:t>
+                      </m:r>
+                    </m:oMath>
+                  </m:oMathPara>
+                </a14:m>
+                <a:endParaRPr lang="nl-NL" dirty="0">
+                  <a:solidFill>
+                    <a:srgbClr val="0D38E0"/>
+                  </a:solidFill>
+                </a:endParaRPr>
+              </a:p>
+            </p:txBody>
+          </p:sp>
+        </mc:Choice>
+        <mc:Fallback>
+          <p:sp>
+            <p:nvSpPr>
+              <p:cNvPr id="10" name="TextBox 9">
+                <a:extLst>
+                  <a:ext uri="{FF2B5EF4-FFF2-40B4-BE49-F238E27FC236}">
+                    <a16:creationId xmlns:a16="http://schemas.microsoft.com/office/drawing/2014/main" id="{ECE08453-8989-1F16-4602-6F95320D7FB7}"/>
+                  </a:ext>
+                </a:extLst>
+              </p:cNvPr>
+              <p:cNvSpPr txBox="1">
+                <a:spLocks noRot="1" noChangeAspect="1" noMove="1" noResize="1" noEditPoints="1" noAdjustHandles="1" noChangeArrowheads="1" noChangeShapeType="1" noTextEdit="1"/>
+              </p:cNvSpPr>
+              <p:nvPr/>
+            </p:nvSpPr>
+            <p:spPr>
+              <a:xfrm>
+                <a:off x="1058942" y="4500810"/>
+                <a:ext cx="5486823" cy="318164"/>
+              </a:xfrm>
+              <a:prstGeom prst="rect">
+                <a:avLst/>
+              </a:prstGeom>
+              <a:blipFill>
+                <a:blip r:embed="rId4"/>
+                <a:stretch>
+                  <a:fillRect l="-444" r="-1000" b="-22642"/>
+                </a:stretch>
+              </a:blipFill>
+            </p:spPr>
+            <p:txBody>
+              <a:bodyPr/>
+              <a:lstStyle/>
+              <a:p>
+                <a:r>
+                  <a:rPr lang="nl-NL">
+                    <a:noFill/>
+                  </a:rPr>
+                  <a:t> </a:t>
+                </a:r>
+              </a:p>
+            </p:txBody>
+          </p:sp>
+        </mc:Fallback>
+      </mc:AlternateContent>
+      <mc:AlternateContent xmlns:mc="http://schemas.openxmlformats.org/markup-compatibility/2006">
+        <mc:Choice xmlns:a14="http://schemas.microsoft.com/office/drawing/2010/main" Requires="a14">
+          <p:sp>
+            <p:nvSpPr>
+              <p:cNvPr id="12" name="TextBox 11">
+                <a:extLst>
+                  <a:ext uri="{FF2B5EF4-FFF2-40B4-BE49-F238E27FC236}">
+                    <a16:creationId xmlns:a16="http://schemas.microsoft.com/office/drawing/2014/main" id="{3CF41A8A-B5D5-A1F5-1739-9BECE0580007}"/>
+                  </a:ext>
+                </a:extLst>
+              </p:cNvPr>
+              <p:cNvSpPr txBox="1"/>
+              <p:nvPr/>
+            </p:nvSpPr>
+            <p:spPr>
+              <a:xfrm>
+                <a:off x="1058942" y="5643564"/>
+                <a:ext cx="8638006" cy="298415"/>
+              </a:xfrm>
+              <a:prstGeom prst="rect">
+                <a:avLst/>
+              </a:prstGeom>
+              <a:noFill/>
+            </p:spPr>
+            <p:txBody>
+              <a:bodyPr wrap="none" lIns="0" tIns="0" rIns="0" bIns="0" rtlCol="0">
+                <a:spAutoFit/>
+              </a:bodyPr>
+              <a:lstStyle/>
+              <a:p>
+                <a14:m>
+                  <m:oMathPara xmlns:m="http://schemas.openxmlformats.org/officeDocument/2006/math">
+                    <m:oMathParaPr>
+                      <m:jc m:val="centerGroup"/>
+                    </m:oMathParaPr>
+                    <m:oMath xmlns:m="http://schemas.openxmlformats.org/officeDocument/2006/math">
+                      <m:r>
+                        <a:rPr lang="nl-NL" b="0" i="1" smtClean="0">
+                          <a:solidFill>
+                            <a:srgbClr val="0D38E0"/>
+                          </a:solidFill>
+                          <a:latin typeface="Cambria Math" panose="02040503050406030204" pitchFamily="18" charset="0"/>
+                        </a:rPr>
+                        <m:t>𝑃</m:t>
+                      </m:r>
+                      <m:r>
+                        <a:rPr lang="nl-NL" b="0" i="1" smtClean="0">
+                          <a:solidFill>
+                            <a:srgbClr val="0D38E0"/>
+                          </a:solidFill>
+                          <a:latin typeface="Cambria Math" panose="02040503050406030204" pitchFamily="18" charset="0"/>
+                        </a:rPr>
+                        <m:t>(</m:t>
+                      </m:r>
+                      <m:sSub>
+                        <m:sSubPr>
+                          <m:ctrlPr>
+                            <a:rPr lang="nl-NL" b="0" i="1" smtClean="0">
+                              <a:solidFill>
+                                <a:srgbClr val="0D38E0"/>
+                              </a:solidFill>
+                              <a:latin typeface="Cambria Math" panose="02040503050406030204" pitchFamily="18" charset="0"/>
+                            </a:rPr>
+                          </m:ctrlPr>
+                        </m:sSubPr>
+                        <m:e>
+                          <m:r>
+                            <a:rPr lang="nl-NL" b="0" i="1" smtClean="0">
+                              <a:solidFill>
+                                <a:srgbClr val="0D38E0"/>
+                              </a:solidFill>
+                              <a:latin typeface="Cambria Math" panose="02040503050406030204" pitchFamily="18" charset="0"/>
+                            </a:rPr>
+                            <m:t>𝑍</m:t>
+                          </m:r>
+                        </m:e>
+                        <m:sub>
+                          <m:r>
+                            <a:rPr lang="nl-NL" b="0" i="1" smtClean="0">
+                              <a:solidFill>
+                                <a:srgbClr val="0D38E0"/>
+                              </a:solidFill>
+                              <a:latin typeface="Cambria Math" panose="02040503050406030204" pitchFamily="18" charset="0"/>
+                            </a:rPr>
+                            <m:t>𝑑𝑖𝑠𝑝𝑙𝑎𝑐𝑒𝑚𝑒𝑛𝑡</m:t>
+                          </m:r>
+                        </m:sub>
+                      </m:sSub>
+                      <m:r>
+                        <a:rPr lang="nl-NL" b="0" i="1" smtClean="0">
+                          <a:solidFill>
+                            <a:srgbClr val="0D38E0"/>
+                          </a:solidFill>
+                          <a:latin typeface="Cambria Math" panose="02040503050406030204" pitchFamily="18" charset="0"/>
+                        </a:rPr>
+                        <m:t>𝑖𝑛</m:t>
+                      </m:r>
+                      <m:r>
+                        <a:rPr lang="nl-NL" b="0" i="1" smtClean="0">
+                          <a:solidFill>
+                            <a:srgbClr val="0D38E0"/>
+                          </a:solidFill>
+                          <a:latin typeface="Cambria Math" panose="02040503050406030204" pitchFamily="18" charset="0"/>
+                        </a:rPr>
+                        <m:t> 2075&lt;0 </m:t>
+                      </m:r>
+                      <m:r>
+                        <a:rPr lang="nl-NL" b="0" i="1" smtClean="0">
+                          <a:solidFill>
+                            <a:srgbClr val="0D38E0"/>
+                          </a:solidFill>
+                          <a:latin typeface="Cambria Math" panose="02040503050406030204" pitchFamily="18" charset="0"/>
+                        </a:rPr>
+                        <m:t>𝑒𝑛</m:t>
+                      </m:r>
+                      <m:r>
+                        <a:rPr lang="nl-NL" b="0" i="1" smtClean="0">
+                          <a:solidFill>
+                            <a:srgbClr val="0D38E0"/>
+                          </a:solidFill>
+                          <a:latin typeface="Cambria Math" panose="02040503050406030204" pitchFamily="18" charset="0"/>
+                        </a:rPr>
+                        <m:t> </m:t>
+                      </m:r>
+                      <m:sSub>
+                        <m:sSubPr>
+                          <m:ctrlPr>
+                            <a:rPr lang="nl-NL" b="0" i="1" smtClean="0">
+                              <a:solidFill>
+                                <a:srgbClr val="0D38E0"/>
+                              </a:solidFill>
+                              <a:latin typeface="Cambria Math" panose="02040503050406030204" pitchFamily="18" charset="0"/>
+                            </a:rPr>
+                          </m:ctrlPr>
+                        </m:sSubPr>
+                        <m:e>
+                          <m:r>
+                            <a:rPr lang="nl-NL" b="0" i="1" smtClean="0">
+                              <a:solidFill>
+                                <a:srgbClr val="0D38E0"/>
+                              </a:solidFill>
+                              <a:latin typeface="Cambria Math" panose="02040503050406030204" pitchFamily="18" charset="0"/>
+                            </a:rPr>
+                            <m:t>𝑍</m:t>
+                          </m:r>
+                        </m:e>
+                        <m:sub>
+                          <m:r>
+                            <a:rPr lang="nl-NL" b="0" i="1" smtClean="0">
+                              <a:solidFill>
+                                <a:srgbClr val="0D38E0"/>
+                              </a:solidFill>
+                              <a:latin typeface="Cambria Math" panose="02040503050406030204" pitchFamily="18" charset="0"/>
+                            </a:rPr>
+                            <m:t>𝑑𝑖𝑠𝑝𝑙𝑎𝑐𝑒𝑚𝑒𝑛𝑡</m:t>
+                          </m:r>
+                        </m:sub>
+                      </m:sSub>
+                      <m:r>
+                        <a:rPr lang="nl-NL" b="0" i="1" smtClean="0">
+                          <a:solidFill>
+                            <a:srgbClr val="0D38E0"/>
+                          </a:solidFill>
+                          <a:latin typeface="Cambria Math" panose="02040503050406030204" pitchFamily="18" charset="0"/>
+                        </a:rPr>
+                        <m:t>𝑖𝑛</m:t>
+                      </m:r>
+                      <m:r>
+                        <a:rPr lang="nl-NL" b="0" i="1" smtClean="0">
+                          <a:solidFill>
+                            <a:srgbClr val="0D38E0"/>
+                          </a:solidFill>
+                          <a:latin typeface="Cambria Math" panose="02040503050406030204" pitchFamily="18" charset="0"/>
+                        </a:rPr>
+                        <m:t> 2025&gt;0)/</m:t>
+                      </m:r>
+                      <m:r>
+                        <a:rPr lang="nl-NL" b="0" i="1" smtClean="0">
+                          <a:solidFill>
+                            <a:srgbClr val="0D38E0"/>
+                          </a:solidFill>
+                          <a:latin typeface="Cambria Math" panose="02040503050406030204" pitchFamily="18" charset="0"/>
+                        </a:rPr>
+                        <m:t>𝑃</m:t>
+                      </m:r>
+                      <m:r>
+                        <a:rPr lang="nl-NL" b="0" i="1" smtClean="0">
+                          <a:solidFill>
+                            <a:srgbClr val="0D38E0"/>
+                          </a:solidFill>
+                          <a:latin typeface="Cambria Math" panose="02040503050406030204" pitchFamily="18" charset="0"/>
+                        </a:rPr>
+                        <m:t>(</m:t>
+                      </m:r>
+                      <m:sSub>
+                        <m:sSubPr>
+                          <m:ctrlPr>
+                            <a:rPr lang="nl-NL" b="0" i="1" smtClean="0">
+                              <a:solidFill>
+                                <a:srgbClr val="0D38E0"/>
+                              </a:solidFill>
+                              <a:latin typeface="Cambria Math" panose="02040503050406030204" pitchFamily="18" charset="0"/>
+                            </a:rPr>
+                          </m:ctrlPr>
+                        </m:sSubPr>
+                        <m:e>
+                          <m:r>
+                            <a:rPr lang="nl-NL" b="0" i="1" smtClean="0">
+                              <a:solidFill>
+                                <a:srgbClr val="0D38E0"/>
+                              </a:solidFill>
+                              <a:latin typeface="Cambria Math" panose="02040503050406030204" pitchFamily="18" charset="0"/>
+                            </a:rPr>
+                            <m:t>𝑍</m:t>
+                          </m:r>
+                        </m:e>
+                        <m:sub>
+                          <m:r>
+                            <a:rPr lang="nl-NL" b="0" i="1" smtClean="0">
+                              <a:solidFill>
+                                <a:srgbClr val="0D38E0"/>
+                              </a:solidFill>
+                              <a:latin typeface="Cambria Math" panose="02040503050406030204" pitchFamily="18" charset="0"/>
+                            </a:rPr>
+                            <m:t>𝑑𝑖𝑠𝑝𝑙𝑎𝑐𝑒𝑚𝑒𝑛𝑡</m:t>
+                          </m:r>
+                        </m:sub>
+                      </m:sSub>
+                      <m:r>
+                        <a:rPr lang="nl-NL" b="0" i="1" smtClean="0">
+                          <a:solidFill>
+                            <a:srgbClr val="0D38E0"/>
+                          </a:solidFill>
+                          <a:latin typeface="Cambria Math" panose="02040503050406030204" pitchFamily="18" charset="0"/>
+                        </a:rPr>
+                        <m:t>𝑖𝑛</m:t>
+                      </m:r>
+                      <m:r>
+                        <a:rPr lang="nl-NL" b="0" i="1" smtClean="0">
+                          <a:solidFill>
+                            <a:srgbClr val="0D38E0"/>
+                          </a:solidFill>
+                          <a:latin typeface="Cambria Math" panose="02040503050406030204" pitchFamily="18" charset="0"/>
+                        </a:rPr>
+                        <m:t> 2025&gt;0)</m:t>
+                      </m:r>
+                    </m:oMath>
+                  </m:oMathPara>
+                </a14:m>
+                <a:endParaRPr lang="nl-NL" dirty="0">
+                  <a:solidFill>
+                    <a:srgbClr val="0D38E0"/>
+                  </a:solidFill>
+                </a:endParaRPr>
+              </a:p>
+            </p:txBody>
+          </p:sp>
+        </mc:Choice>
+        <mc:Fallback>
+          <p:sp>
+            <p:nvSpPr>
+              <p:cNvPr id="12" name="TextBox 11">
+                <a:extLst>
+                  <a:ext uri="{FF2B5EF4-FFF2-40B4-BE49-F238E27FC236}">
+                    <a16:creationId xmlns:a16="http://schemas.microsoft.com/office/drawing/2014/main" id="{3CF41A8A-B5D5-A1F5-1739-9BECE0580007}"/>
+                  </a:ext>
+                </a:extLst>
+              </p:cNvPr>
+              <p:cNvSpPr txBox="1">
+                <a:spLocks noRot="1" noChangeAspect="1" noMove="1" noResize="1" noEditPoints="1" noAdjustHandles="1" noChangeArrowheads="1" noChangeShapeType="1" noTextEdit="1"/>
+              </p:cNvSpPr>
+              <p:nvPr/>
+            </p:nvSpPr>
+            <p:spPr>
+              <a:xfrm>
+                <a:off x="1058942" y="5643564"/>
+                <a:ext cx="8638006" cy="298415"/>
+              </a:xfrm>
+              <a:prstGeom prst="rect">
+                <a:avLst/>
+              </a:prstGeom>
+              <a:blipFill>
+                <a:blip r:embed="rId5"/>
+                <a:stretch>
+                  <a:fillRect l="-141" r="-423" b="-26531"/>
+                </a:stretch>
+              </a:blipFill>
+            </p:spPr>
+            <p:txBody>
+              <a:bodyPr/>
+              <a:lstStyle/>
+              <a:p>
+                <a:r>
+                  <a:rPr lang="nl-NL">
+                    <a:noFill/>
+                  </a:rPr>
+                  <a:t> </a:t>
+                </a:r>
+              </a:p>
+            </p:txBody>
+          </p:sp>
+        </mc:Fallback>
+      </mc:AlternateContent>
     </p:spTree>
     <p:extLst>
       <p:ext uri="{BB962C8B-B14F-4D97-AF65-F5344CB8AC3E}">
@@ -23101,7 +21395,7 @@
 </p:sld>
 </file>
 
-<file path=ppt/slides/slide19.xml><?xml version="1.0" encoding="utf-8"?>
+<file path=ppt/slides/slide18.xml><?xml version="1.0" encoding="utf-8"?>
 <p:sld xmlns:a="http://schemas.openxmlformats.org/drawingml/2006/main" xmlns:r="http://schemas.openxmlformats.org/officeDocument/2006/relationships" xmlns:p="http://schemas.openxmlformats.org/presentationml/2006/main">
   <p:cSld>
     <p:spTree>
@@ -23231,7 +21525,7 @@
           <a:p>
             <a:fld id="{F42B3F14-D836-496B-80A2-23BE75BD68CB}" type="slidenum">
               <a:rPr lang="nl-NL" smtClean="0"/>
-              <a:t>19</a:t>
+              <a:t>18</a:t>
             </a:fld>
             <a:endParaRPr lang="nl-NL"/>
           </a:p>
@@ -23570,11 +21864,7 @@
           <a:lstStyle/>
           <a:p>
             <a:r>
-              <a:rPr lang="nl-NL" dirty="0">
-                <a:solidFill>
-                  <a:srgbClr val="0D38E0"/>
-                </a:solidFill>
-              </a:rPr>
+              <a:rPr lang="nl-NL" dirty="0"/>
               <a:t>Rekening houdend met de bewezen sterkte is de faalkans in 2075 gedaald van 0.094 naar 0.0024</a:t>
             </a:r>
           </a:p>
@@ -23609,11 +21899,7 @@
           <a:lstStyle/>
           <a:p>
             <a:r>
-              <a:rPr lang="nl-NL" dirty="0">
-                <a:solidFill>
-                  <a:srgbClr val="0D38E0"/>
-                </a:solidFill>
-              </a:rPr>
+              <a:rPr lang="nl-NL" dirty="0"/>
               <a:t>Aanname: Er treedt geen veroudering op in de grond- en damwandparameters</a:t>
             </a:r>
           </a:p>
@@ -23623,6 +21909,194 @@
     <p:extLst>
       <p:ext uri="{BB962C8B-B14F-4D97-AF65-F5344CB8AC3E}">
         <p14:creationId xmlns:p14="http://schemas.microsoft.com/office/powerpoint/2010/main" val="980719990"/>
+      </p:ext>
+    </p:extLst>
+  </p:cSld>
+  <p:clrMapOvr>
+    <a:masterClrMapping/>
+  </p:clrMapOvr>
+</p:sld>
+</file>
+
+<file path=ppt/slides/slide19.xml><?xml version="1.0" encoding="utf-8"?>
+<p:sld xmlns:a="http://schemas.openxmlformats.org/drawingml/2006/main" xmlns:r="http://schemas.openxmlformats.org/officeDocument/2006/relationships" xmlns:p="http://schemas.openxmlformats.org/presentationml/2006/main">
+  <p:cSld>
+    <p:spTree>
+      <p:nvGrpSpPr>
+        <p:cNvPr id="1" name=""/>
+        <p:cNvGrpSpPr/>
+        <p:nvPr/>
+      </p:nvGrpSpPr>
+      <p:grpSpPr>
+        <a:xfrm>
+          <a:off x="0" y="0"/>
+          <a:ext cx="0" cy="0"/>
+          <a:chOff x="0" y="0"/>
+          <a:chExt cx="0" cy="0"/>
+        </a:xfrm>
+      </p:grpSpPr>
+      <p:sp>
+        <p:nvSpPr>
+          <p:cNvPr id="2" name="Title 1">
+            <a:extLst>
+              <a:ext uri="{FF2B5EF4-FFF2-40B4-BE49-F238E27FC236}">
+                <a16:creationId xmlns:a16="http://schemas.microsoft.com/office/drawing/2014/main" id="{93C964CC-5AEA-357F-FA8A-67BD41ECFD3A}"/>
+              </a:ext>
+            </a:extLst>
+          </p:cNvPr>
+          <p:cNvSpPr>
+            <a:spLocks noGrp="1"/>
+          </p:cNvSpPr>
+          <p:nvPr>
+            <p:ph type="title"/>
+          </p:nvPr>
+        </p:nvSpPr>
+        <p:spPr/>
+        <p:txBody>
+          <a:bodyPr/>
+          <a:lstStyle/>
+          <a:p>
+            <a:r>
+              <a:rPr lang="nl-NL" dirty="0"/>
+              <a:t>Doe mee aan de workshop om 14:15 uur</a:t>
+            </a:r>
+          </a:p>
+        </p:txBody>
+      </p:sp>
+      <p:sp>
+        <p:nvSpPr>
+          <p:cNvPr id="3" name="Content Placeholder 2">
+            <a:extLst>
+              <a:ext uri="{FF2B5EF4-FFF2-40B4-BE49-F238E27FC236}">
+                <a16:creationId xmlns:a16="http://schemas.microsoft.com/office/drawing/2014/main" id="{ED3025C5-E00C-8F6E-E0CD-5FA237B8990A}"/>
+              </a:ext>
+            </a:extLst>
+          </p:cNvPr>
+          <p:cNvSpPr>
+            <a:spLocks noGrp="1"/>
+          </p:cNvSpPr>
+          <p:nvPr>
+            <p:ph idx="1"/>
+          </p:nvPr>
+        </p:nvSpPr>
+        <p:spPr/>
+        <p:txBody>
+          <a:bodyPr/>
+          <a:lstStyle/>
+          <a:p>
+            <a:r>
+              <a:rPr lang="nl-NL" dirty="0"/>
+              <a:t>Leer hoe je de probabilistische bibliotheek vanuit Python gebruikt</a:t>
+            </a:r>
+          </a:p>
+          <a:p>
+            <a:endParaRPr lang="nl-NL" dirty="0"/>
+          </a:p>
+          <a:p>
+            <a:r>
+              <a:rPr lang="nl-NL" dirty="0"/>
+              <a:t>Leer over de details van de probabilistische berekeningen met </a:t>
+            </a:r>
+            <a:r>
+              <a:rPr lang="nl-NL" dirty="0" err="1"/>
+              <a:t>Kratos</a:t>
+            </a:r>
+            <a:r>
+              <a:rPr lang="nl-NL" dirty="0"/>
+              <a:t> (damwand)</a:t>
+            </a:r>
+          </a:p>
+        </p:txBody>
+      </p:sp>
+      <p:sp>
+        <p:nvSpPr>
+          <p:cNvPr id="4" name="Date Placeholder 3">
+            <a:extLst>
+              <a:ext uri="{FF2B5EF4-FFF2-40B4-BE49-F238E27FC236}">
+                <a16:creationId xmlns:a16="http://schemas.microsoft.com/office/drawing/2014/main" id="{C6E027C9-2D11-1D7C-8086-D3D0329B77CA}"/>
+              </a:ext>
+            </a:extLst>
+          </p:cNvPr>
+          <p:cNvSpPr>
+            <a:spLocks noGrp="1"/>
+          </p:cNvSpPr>
+          <p:nvPr>
+            <p:ph type="dt" sz="half" idx="10"/>
+          </p:nvPr>
+        </p:nvSpPr>
+        <p:spPr/>
+        <p:txBody>
+          <a:bodyPr/>
+          <a:lstStyle/>
+          <a:p>
+            <a:r>
+              <a:rPr lang="nl-NL"/>
+              <a:t> 28 november 2019</a:t>
+            </a:r>
+          </a:p>
+        </p:txBody>
+      </p:sp>
+      <p:sp>
+        <p:nvSpPr>
+          <p:cNvPr id="5" name="Footer Placeholder 4">
+            <a:extLst>
+              <a:ext uri="{FF2B5EF4-FFF2-40B4-BE49-F238E27FC236}">
+                <a16:creationId xmlns:a16="http://schemas.microsoft.com/office/drawing/2014/main" id="{83114149-D769-B831-C838-8D04E4E01E31}"/>
+              </a:ext>
+            </a:extLst>
+          </p:cNvPr>
+          <p:cNvSpPr>
+            <a:spLocks noGrp="1"/>
+          </p:cNvSpPr>
+          <p:nvPr>
+            <p:ph type="ftr" sz="quarter" idx="11"/>
+          </p:nvPr>
+        </p:nvSpPr>
+        <p:spPr/>
+        <p:txBody>
+          <a:bodyPr/>
+          <a:lstStyle/>
+          <a:p>
+            <a:r>
+              <a:rPr lang="nl-NL"/>
+              <a:t>Voettekst van de presentatie</a:t>
+            </a:r>
+          </a:p>
+        </p:txBody>
+      </p:sp>
+      <p:sp>
+        <p:nvSpPr>
+          <p:cNvPr id="6" name="Slide Number Placeholder 5">
+            <a:extLst>
+              <a:ext uri="{FF2B5EF4-FFF2-40B4-BE49-F238E27FC236}">
+                <a16:creationId xmlns:a16="http://schemas.microsoft.com/office/drawing/2014/main" id="{A79236BF-7CE7-3A2C-D6BD-E3C83F26752A}"/>
+              </a:ext>
+            </a:extLst>
+          </p:cNvPr>
+          <p:cNvSpPr>
+            <a:spLocks noGrp="1"/>
+          </p:cNvSpPr>
+          <p:nvPr>
+            <p:ph type="sldNum" sz="quarter" idx="12"/>
+          </p:nvPr>
+        </p:nvSpPr>
+        <p:spPr/>
+        <p:txBody>
+          <a:bodyPr/>
+          <a:lstStyle/>
+          <a:p>
+            <a:fld id="{F42B3F14-D836-496B-80A2-23BE75BD68CB}" type="slidenum">
+              <a:rPr lang="nl-NL" smtClean="0"/>
+              <a:t>19</a:t>
+            </a:fld>
+            <a:endParaRPr lang="nl-NL"/>
+          </a:p>
+        </p:txBody>
+      </p:sp>
+    </p:spTree>
+    <p:extLst>
+      <p:ext uri="{BB962C8B-B14F-4D97-AF65-F5344CB8AC3E}">
+        <p14:creationId xmlns:p14="http://schemas.microsoft.com/office/powerpoint/2010/main" val="1218110497"/>
       </p:ext>
     </p:extLst>
   </p:cSld>
@@ -23701,6 +22175,15 @@
           <a:p>
             <a:r>
               <a:rPr lang="nl-NL" dirty="0"/>
+              <a:t>Doel</a:t>
+            </a:r>
+          </a:p>
+          <a:p>
+            <a:endParaRPr lang="nl-NL" dirty="0"/>
+          </a:p>
+          <a:p>
+            <a:r>
+              <a:rPr lang="nl-NL" dirty="0"/>
               <a:t>Probabilistische bibliotheek en </a:t>
             </a:r>
             <a:r>
@@ -23871,194 +22354,6 @@
     <p:extLst>
       <p:ext uri="{BB962C8B-B14F-4D97-AF65-F5344CB8AC3E}">
         <p14:creationId xmlns:p14="http://schemas.microsoft.com/office/powerpoint/2010/main" val="3477334814"/>
-      </p:ext>
-    </p:extLst>
-  </p:cSld>
-  <p:clrMapOvr>
-    <a:masterClrMapping/>
-  </p:clrMapOvr>
-</p:sld>
-</file>
-
-<file path=ppt/slides/slide20.xml><?xml version="1.0" encoding="utf-8"?>
-<p:sld xmlns:a="http://schemas.openxmlformats.org/drawingml/2006/main" xmlns:r="http://schemas.openxmlformats.org/officeDocument/2006/relationships" xmlns:p="http://schemas.openxmlformats.org/presentationml/2006/main">
-  <p:cSld>
-    <p:spTree>
-      <p:nvGrpSpPr>
-        <p:cNvPr id="1" name=""/>
-        <p:cNvGrpSpPr/>
-        <p:nvPr/>
-      </p:nvGrpSpPr>
-      <p:grpSpPr>
-        <a:xfrm>
-          <a:off x="0" y="0"/>
-          <a:ext cx="0" cy="0"/>
-          <a:chOff x="0" y="0"/>
-          <a:chExt cx="0" cy="0"/>
-        </a:xfrm>
-      </p:grpSpPr>
-      <p:sp>
-        <p:nvSpPr>
-          <p:cNvPr id="2" name="Title 1">
-            <a:extLst>
-              <a:ext uri="{FF2B5EF4-FFF2-40B4-BE49-F238E27FC236}">
-                <a16:creationId xmlns:a16="http://schemas.microsoft.com/office/drawing/2014/main" id="{93C964CC-5AEA-357F-FA8A-67BD41ECFD3A}"/>
-              </a:ext>
-            </a:extLst>
-          </p:cNvPr>
-          <p:cNvSpPr>
-            <a:spLocks noGrp="1"/>
-          </p:cNvSpPr>
-          <p:nvPr>
-            <p:ph type="title"/>
-          </p:nvPr>
-        </p:nvSpPr>
-        <p:spPr/>
-        <p:txBody>
-          <a:bodyPr/>
-          <a:lstStyle/>
-          <a:p>
-            <a:r>
-              <a:rPr lang="nl-NL" dirty="0"/>
-              <a:t>Doe mee aan de workshop om 14:15 uur</a:t>
-            </a:r>
-          </a:p>
-        </p:txBody>
-      </p:sp>
-      <p:sp>
-        <p:nvSpPr>
-          <p:cNvPr id="3" name="Content Placeholder 2">
-            <a:extLst>
-              <a:ext uri="{FF2B5EF4-FFF2-40B4-BE49-F238E27FC236}">
-                <a16:creationId xmlns:a16="http://schemas.microsoft.com/office/drawing/2014/main" id="{ED3025C5-E00C-8F6E-E0CD-5FA237B8990A}"/>
-              </a:ext>
-            </a:extLst>
-          </p:cNvPr>
-          <p:cNvSpPr>
-            <a:spLocks noGrp="1"/>
-          </p:cNvSpPr>
-          <p:nvPr>
-            <p:ph idx="1"/>
-          </p:nvPr>
-        </p:nvSpPr>
-        <p:spPr/>
-        <p:txBody>
-          <a:bodyPr/>
-          <a:lstStyle/>
-          <a:p>
-            <a:r>
-              <a:rPr lang="nl-NL" dirty="0"/>
-              <a:t>Leer hoe je de probabilistische bibliotheek vanuit Python gebruikt</a:t>
-            </a:r>
-          </a:p>
-          <a:p>
-            <a:endParaRPr lang="nl-NL" dirty="0"/>
-          </a:p>
-          <a:p>
-            <a:r>
-              <a:rPr lang="nl-NL" dirty="0"/>
-              <a:t>Leer over de details van de probabilistische berekeningen met </a:t>
-            </a:r>
-            <a:r>
-              <a:rPr lang="nl-NL" dirty="0" err="1"/>
-              <a:t>Kratos</a:t>
-            </a:r>
-            <a:r>
-              <a:rPr lang="nl-NL" dirty="0"/>
-              <a:t> (damwand)</a:t>
-            </a:r>
-          </a:p>
-        </p:txBody>
-      </p:sp>
-      <p:sp>
-        <p:nvSpPr>
-          <p:cNvPr id="4" name="Date Placeholder 3">
-            <a:extLst>
-              <a:ext uri="{FF2B5EF4-FFF2-40B4-BE49-F238E27FC236}">
-                <a16:creationId xmlns:a16="http://schemas.microsoft.com/office/drawing/2014/main" id="{C6E027C9-2D11-1D7C-8086-D3D0329B77CA}"/>
-              </a:ext>
-            </a:extLst>
-          </p:cNvPr>
-          <p:cNvSpPr>
-            <a:spLocks noGrp="1"/>
-          </p:cNvSpPr>
-          <p:nvPr>
-            <p:ph type="dt" sz="half" idx="10"/>
-          </p:nvPr>
-        </p:nvSpPr>
-        <p:spPr/>
-        <p:txBody>
-          <a:bodyPr/>
-          <a:lstStyle/>
-          <a:p>
-            <a:r>
-              <a:rPr lang="nl-NL"/>
-              <a:t> 28 november 2019</a:t>
-            </a:r>
-          </a:p>
-        </p:txBody>
-      </p:sp>
-      <p:sp>
-        <p:nvSpPr>
-          <p:cNvPr id="5" name="Footer Placeholder 4">
-            <a:extLst>
-              <a:ext uri="{FF2B5EF4-FFF2-40B4-BE49-F238E27FC236}">
-                <a16:creationId xmlns:a16="http://schemas.microsoft.com/office/drawing/2014/main" id="{83114149-D769-B831-C838-8D04E4E01E31}"/>
-              </a:ext>
-            </a:extLst>
-          </p:cNvPr>
-          <p:cNvSpPr>
-            <a:spLocks noGrp="1"/>
-          </p:cNvSpPr>
-          <p:nvPr>
-            <p:ph type="ftr" sz="quarter" idx="11"/>
-          </p:nvPr>
-        </p:nvSpPr>
-        <p:spPr/>
-        <p:txBody>
-          <a:bodyPr/>
-          <a:lstStyle/>
-          <a:p>
-            <a:r>
-              <a:rPr lang="nl-NL"/>
-              <a:t>Voettekst van de presentatie</a:t>
-            </a:r>
-          </a:p>
-        </p:txBody>
-      </p:sp>
-      <p:sp>
-        <p:nvSpPr>
-          <p:cNvPr id="6" name="Slide Number Placeholder 5">
-            <a:extLst>
-              <a:ext uri="{FF2B5EF4-FFF2-40B4-BE49-F238E27FC236}">
-                <a16:creationId xmlns:a16="http://schemas.microsoft.com/office/drawing/2014/main" id="{A79236BF-7CE7-3A2C-D6BD-E3C83F26752A}"/>
-              </a:ext>
-            </a:extLst>
-          </p:cNvPr>
-          <p:cNvSpPr>
-            <a:spLocks noGrp="1"/>
-          </p:cNvSpPr>
-          <p:nvPr>
-            <p:ph type="sldNum" sz="quarter" idx="12"/>
-          </p:nvPr>
-        </p:nvSpPr>
-        <p:spPr/>
-        <p:txBody>
-          <a:bodyPr/>
-          <a:lstStyle/>
-          <a:p>
-            <a:fld id="{F42B3F14-D836-496B-80A2-23BE75BD68CB}" type="slidenum">
-              <a:rPr lang="nl-NL" smtClean="0"/>
-              <a:t>20</a:t>
-            </a:fld>
-            <a:endParaRPr lang="nl-NL"/>
-          </a:p>
-        </p:txBody>
-      </p:sp>
-    </p:spTree>
-    <p:extLst>
-      <p:ext uri="{BB962C8B-B14F-4D97-AF65-F5344CB8AC3E}">
-        <p14:creationId xmlns:p14="http://schemas.microsoft.com/office/powerpoint/2010/main" val="1218110497"/>
       </p:ext>
     </p:extLst>
   </p:cSld>
@@ -24090,7 +22385,7 @@
           <p:cNvPr id="2" name="Title 1">
             <a:extLst>
               <a:ext uri="{FF2B5EF4-FFF2-40B4-BE49-F238E27FC236}">
-                <a16:creationId xmlns:a16="http://schemas.microsoft.com/office/drawing/2014/main" id="{E3824E9B-380F-E960-7A37-7494FF954908}"/>
+                <a16:creationId xmlns:a16="http://schemas.microsoft.com/office/drawing/2014/main" id="{B768B8C3-90E8-CBD5-0167-59BCF0F19BE4}"/>
               </a:ext>
             </a:extLst>
           </p:cNvPr>
@@ -24108,7 +22403,7 @@
           <a:p>
             <a:r>
               <a:rPr lang="nl-NL" dirty="0"/>
-              <a:t>Probabilistische bibliotheek</a:t>
+              <a:t>Doel</a:t>
             </a:r>
           </a:p>
         </p:txBody>
@@ -24118,7 +22413,7 @@
           <p:cNvPr id="3" name="Content Placeholder 2">
             <a:extLst>
               <a:ext uri="{FF2B5EF4-FFF2-40B4-BE49-F238E27FC236}">
-                <a16:creationId xmlns:a16="http://schemas.microsoft.com/office/drawing/2014/main" id="{F5486151-B450-AFC7-44A9-21DD82DC6AD0}"/>
+                <a16:creationId xmlns:a16="http://schemas.microsoft.com/office/drawing/2014/main" id="{47728006-10E8-97EF-671F-C56FF948DA13}"/>
               </a:ext>
             </a:extLst>
           </p:cNvPr>
@@ -24136,85 +22431,33 @@
           <a:p>
             <a:r>
               <a:rPr lang="nl-NL" dirty="0"/>
-              <a:t>Eén bibliotheek voor alle toepassingen met probabilistische functionaliteit: leidt tot identieke resultaten, toepassingen binnen</a:t>
-            </a:r>
-          </a:p>
-          <a:p>
-            <a:pPr lvl="1"/>
+              <a:t>Laten zien dat probabilistische berekeningen met </a:t>
+            </a:r>
+            <a:r>
+              <a:rPr lang="nl-NL" dirty="0" err="1"/>
+              <a:t>Kratos</a:t>
+            </a:r>
             <a:r>
               <a:rPr lang="nl-NL" dirty="0"/>
-              <a:t>Veiligheidsbeoordeling van primaire waterkeringen in Nederland</a:t>
-            </a:r>
-          </a:p>
-          <a:p>
-            <a:pPr lvl="1"/>
+              <a:t> mogelijk zijn.</a:t>
+            </a:r>
+          </a:p>
+          <a:p>
+            <a:endParaRPr lang="nl-NL" dirty="0"/>
+          </a:p>
+          <a:p>
             <a:r>
               <a:rPr lang="nl-NL" dirty="0"/>
-              <a:t>Geotechnische applicaties</a:t>
-            </a:r>
-          </a:p>
-          <a:p>
-            <a:pPr lvl="1"/>
+              <a:t>Koppeling leggen tussen de probabilistische bibliotheek en </a:t>
+            </a:r>
+            <a:r>
+              <a:rPr lang="nl-NL" dirty="0" err="1"/>
+              <a:t>Kratos</a:t>
+            </a:r>
             <a:r>
               <a:rPr lang="nl-NL" dirty="0"/>
-              <a:t>Probabilistic Toolkit </a:t>
-            </a:r>
-          </a:p>
-          <a:p>
-            <a:endParaRPr lang="nl-NL" dirty="0"/>
-          </a:p>
-          <a:p>
-            <a:r>
-              <a:rPr lang="nl-NL" dirty="0"/>
-              <a:t>Efficiënte ontwikkeling, eenduidige validatie</a:t>
-            </a:r>
-          </a:p>
-          <a:p>
-            <a:endParaRPr lang="nl-NL" dirty="0"/>
-          </a:p>
-          <a:p>
-            <a:r>
-              <a:rPr lang="nl-NL" dirty="0"/>
-              <a:t>Functionaliteit: verdelingsfuncties, correlaties, betrouwbaarheidsanalyse, onzekerheidsanalyse, gevoeligheidsanalyse, aansluiten van modellen.</a:t>
-            </a:r>
-          </a:p>
-          <a:p>
-            <a:endParaRPr lang="nl-NL" dirty="0"/>
-          </a:p>
-          <a:p>
-            <a:r>
-              <a:rPr lang="nl-NL" dirty="0"/>
-              <a:t>Een Python-</a:t>
-            </a:r>
-            <a:r>
-              <a:rPr lang="nl-NL" dirty="0" err="1"/>
-              <a:t>wrapper</a:t>
-            </a:r>
-            <a:r>
-              <a:rPr lang="nl-NL" dirty="0"/>
-              <a:t> en een .Net-</a:t>
-            </a:r>
-            <a:r>
-              <a:rPr lang="nl-NL" dirty="0" err="1"/>
-              <a:t>wrapper</a:t>
-            </a:r>
-            <a:r>
-              <a:rPr lang="nl-NL" dirty="0"/>
-              <a:t> zijn beschikbaar.</a:t>
-            </a:r>
-          </a:p>
-          <a:p>
-            <a:endParaRPr lang="nl-NL" dirty="0"/>
-          </a:p>
-          <a:p>
-            <a:pPr marL="324000" lvl="1" indent="0">
-              <a:buNone/>
-            </a:pPr>
-            <a:endParaRPr lang="nl-NL" dirty="0"/>
-          </a:p>
-          <a:p>
-            <a:pPr lvl="1"/>
-            <a:endParaRPr lang="nl-NL" dirty="0"/>
+              <a:t>.</a:t>
+            </a:r>
           </a:p>
         </p:txBody>
       </p:sp>
@@ -24223,7 +22466,7 @@
           <p:cNvPr id="4" name="Date Placeholder 3">
             <a:extLst>
               <a:ext uri="{FF2B5EF4-FFF2-40B4-BE49-F238E27FC236}">
-                <a16:creationId xmlns:a16="http://schemas.microsoft.com/office/drawing/2014/main" id="{5932B4DC-3C54-B463-08B6-29C1E0C3557C}"/>
+                <a16:creationId xmlns:a16="http://schemas.microsoft.com/office/drawing/2014/main" id="{83C20E53-DD92-EB11-22EE-6A381D5CD46C}"/>
               </a:ext>
             </a:extLst>
           </p:cNvPr>
@@ -24251,7 +22494,7 @@
           <p:cNvPr id="5" name="Footer Placeholder 4">
             <a:extLst>
               <a:ext uri="{FF2B5EF4-FFF2-40B4-BE49-F238E27FC236}">
-                <a16:creationId xmlns:a16="http://schemas.microsoft.com/office/drawing/2014/main" id="{DDFA4E4C-E5F6-4895-268E-3E02BFBFD7D6}"/>
+                <a16:creationId xmlns:a16="http://schemas.microsoft.com/office/drawing/2014/main" id="{CEA4C8ED-B677-B3CF-6EE6-6E69A27632BF}"/>
               </a:ext>
             </a:extLst>
           </p:cNvPr>
@@ -24279,7 +22522,7 @@
           <p:cNvPr id="6" name="Slide Number Placeholder 5">
             <a:extLst>
               <a:ext uri="{FF2B5EF4-FFF2-40B4-BE49-F238E27FC236}">
-                <a16:creationId xmlns:a16="http://schemas.microsoft.com/office/drawing/2014/main" id="{E2028401-8A89-C6F8-2F68-AFA0670B2B2A}"/>
+                <a16:creationId xmlns:a16="http://schemas.microsoft.com/office/drawing/2014/main" id="{83C22623-4C22-6320-F540-1664959335AB}"/>
               </a:ext>
             </a:extLst>
           </p:cNvPr>
@@ -24306,7 +22549,7 @@
     </p:spTree>
     <p:extLst>
       <p:ext uri="{BB962C8B-B14F-4D97-AF65-F5344CB8AC3E}">
-        <p14:creationId xmlns:p14="http://schemas.microsoft.com/office/powerpoint/2010/main" val="3293150320"/>
+        <p14:creationId xmlns:p14="http://schemas.microsoft.com/office/powerpoint/2010/main" val="2068272313"/>
       </p:ext>
     </p:extLst>
   </p:cSld>
@@ -24338,7 +22581,7 @@
           <p:cNvPr id="2" name="Title 1">
             <a:extLst>
               <a:ext uri="{FF2B5EF4-FFF2-40B4-BE49-F238E27FC236}">
-                <a16:creationId xmlns:a16="http://schemas.microsoft.com/office/drawing/2014/main" id="{B7BA5556-8B82-854A-6735-961BAF02D1EF}"/>
+                <a16:creationId xmlns:a16="http://schemas.microsoft.com/office/drawing/2014/main" id="{E3824E9B-380F-E960-7A37-7494FF954908}"/>
               </a:ext>
             </a:extLst>
           </p:cNvPr>
@@ -24355,6 +22598,10 @@
           <a:lstStyle/>
           <a:p>
             <a:r>
+              <a:rPr lang="nl-NL" dirty="0"/>
+              <a:t>Probabilistische bibliotheek en </a:t>
+            </a:r>
+            <a:r>
               <a:rPr lang="nl-NL" dirty="0" err="1"/>
               <a:t>Kratos</a:t>
             </a:r>
@@ -24367,7 +22614,7 @@
           <p:cNvPr id="3" name="Content Placeholder 2">
             <a:extLst>
               <a:ext uri="{FF2B5EF4-FFF2-40B4-BE49-F238E27FC236}">
-                <a16:creationId xmlns:a16="http://schemas.microsoft.com/office/drawing/2014/main" id="{59DD78A6-70BD-9A5E-CE21-FDC3B1BF191A}"/>
+                <a16:creationId xmlns:a16="http://schemas.microsoft.com/office/drawing/2014/main" id="{F5486151-B450-AFC7-44A9-21DD82DC6AD0}"/>
               </a:ext>
             </a:extLst>
           </p:cNvPr>
@@ -24384,12 +22631,65 @@
           <a:lstStyle/>
           <a:p>
             <a:r>
+              <a:rPr lang="nl-NL" dirty="0"/>
+              <a:t>Probabilistische bibliotheek:</a:t>
+            </a:r>
+          </a:p>
+          <a:p>
+            <a:pPr lvl="1"/>
+            <a:r>
+              <a:rPr lang="nl-NL" dirty="0"/>
+              <a:t>Toepassing: veiligheidsbeoordeling van primaire waterkeringen in Nederland, Geotechnische applicaties en </a:t>
+            </a:r>
+            <a:r>
+              <a:rPr lang="nl-NL" dirty="0" err="1"/>
+              <a:t>Probabilistic</a:t>
+            </a:r>
+            <a:r>
+              <a:rPr lang="nl-NL" dirty="0"/>
+              <a:t> Toolkit</a:t>
+            </a:r>
+          </a:p>
+          <a:p>
+            <a:pPr lvl="1"/>
+            <a:r>
+              <a:rPr lang="nl-NL" dirty="0"/>
+              <a:t>Geschreven in C++, Python en .Net </a:t>
+            </a:r>
+            <a:r>
+              <a:rPr lang="nl-NL" dirty="0" err="1"/>
+              <a:t>wrappers</a:t>
+            </a:r>
+            <a:r>
+              <a:rPr lang="nl-NL" dirty="0"/>
+              <a:t> beschikbaar</a:t>
+            </a:r>
+          </a:p>
+          <a:p>
+            <a:pPr lvl="1"/>
+            <a:r>
+              <a:rPr lang="nl-NL" dirty="0"/>
+              <a:t>Functionaliteit: verdelingsfuncties, correlaties, betrouwbaarheidsanalyse, onzekerheidsanalyse, gevoeligheidsanalyse, aansluiten van modellen</a:t>
+            </a:r>
+          </a:p>
+          <a:p>
+            <a:endParaRPr lang="nl-NL" dirty="0"/>
+          </a:p>
+          <a:p>
+            <a:r>
               <a:rPr lang="nl-NL" dirty="0" err="1"/>
               <a:t>Kratos</a:t>
             </a:r>
             <a:r>
               <a:rPr lang="nl-NL" dirty="0"/>
-              <a:t> is een open-source </a:t>
+              <a:t>:</a:t>
+            </a:r>
+          </a:p>
+          <a:p>
+            <a:pPr lvl="1"/>
+            <a:r>
+              <a:rPr lang="nl-NL" dirty="0"/>
+              <a:t>Open-source </a:t>
             </a:r>
             <a:r>
               <a:rPr lang="nl-NL" dirty="0" err="1"/>
@@ -24397,24 +22697,20 @@
             </a:r>
             <a:r>
               <a:rPr lang="nl-NL" dirty="0"/>
-              <a:t> voor de implementatie van numerieke methoden voor het oplossen van technische vraagstukken.</a:t>
-            </a:r>
-          </a:p>
-          <a:p>
-            <a:endParaRPr lang="nl-NL" dirty="0"/>
-          </a:p>
-          <a:p>
-            <a:r>
-              <a:rPr lang="nl-NL" dirty="0" err="1"/>
-              <a:t>Kratos</a:t>
-            </a:r>
+              <a:t> voor de implementatie van numerieke methoden voor het oplossen van technische vraagstukken</a:t>
+            </a:r>
+          </a:p>
+          <a:p>
+            <a:pPr lvl="1"/>
             <a:r>
               <a:rPr lang="nl-NL" dirty="0"/>
-              <a:t> maakt gebruik van een "</a:t>
-            </a:r>
-            <a:r>
-              <a:rPr lang="nl-NL" dirty="0" err="1"/>
-              <a:t>core</a:t>
+              <a:t>Deltares </a:t>
+            </a:r>
+            <a:r>
+              <a:rPr lang="nl-NL" dirty="0">
+                <a:sym typeface="Wingdings" panose="05000000000000000000" pitchFamily="2" charset="2"/>
+              </a:rPr>
+              <a:t></a:t>
             </a:r>
             <a:r>
               <a:rPr lang="nl-NL" dirty="0"/>
@@ -24422,56 +22718,28 @@
             </a:r>
             <a:r>
               <a:rPr lang="nl-NL" dirty="0" err="1"/>
-              <a:t>and</a:t>
+              <a:t>Geo-Mechanics</a:t>
             </a:r>
             <a:r>
               <a:rPr lang="nl-NL" dirty="0"/>
-              <a:t> </a:t>
-            </a:r>
-            <a:r>
-              <a:rPr lang="nl-NL" dirty="0" err="1"/>
-              <a:t>applications</a:t>
-            </a:r>
-            <a:r>
-              <a:rPr lang="nl-NL" dirty="0"/>
-              <a:t>"-benadering, waarbij "standaardtools" (databases, lineaire algebra, zoekstructuren, etc.) deel uitmaken van de kern en beschikbaar zijn als bouwstenen bij de ontwikkeling van "applicaties" die zich richten op het oplossen van specifieke vraagstukken.</a:t>
+              <a:t> Application (eindige elementen voor geotechniek)</a:t>
             </a:r>
           </a:p>
           <a:p>
             <a:endParaRPr lang="nl-NL" dirty="0"/>
           </a:p>
           <a:p>
-            <a:r>
-              <a:rPr lang="nl-NL" dirty="0"/>
-              <a:t>Bij Deltares hebben we met succes meerdere numerieke geotechnische </a:t>
-            </a:r>
-            <a:r>
-              <a:rPr lang="nl-NL" dirty="0" err="1"/>
-              <a:t>kernels</a:t>
-            </a:r>
-            <a:r>
-              <a:rPr lang="nl-NL" dirty="0"/>
-              <a:t> geïmplementeerd met behulp van dit eindige-</a:t>
-            </a:r>
-            <a:r>
-              <a:rPr lang="nl-NL" dirty="0" err="1"/>
-              <a:t>elementenframework</a:t>
-            </a:r>
-            <a:r>
-              <a:rPr lang="nl-NL" dirty="0"/>
-              <a:t>, wat onder meer heeft geresulteerd in de Geo-</a:t>
-            </a:r>
-            <a:r>
-              <a:rPr lang="nl-NL" dirty="0" err="1"/>
-              <a:t>Mechanics</a:t>
-            </a:r>
-            <a:r>
-              <a:rPr lang="nl-NL" dirty="0"/>
-              <a:t> Application.</a:t>
-            </a:r>
-          </a:p>
-          <a:p>
-            <a:endParaRPr lang="nl-NL" u="sng" dirty="0"/>
+            <a:endParaRPr lang="nl-NL" dirty="0"/>
+          </a:p>
+          <a:p>
+            <a:pPr marL="324000" lvl="1" indent="0">
+              <a:buNone/>
+            </a:pPr>
+            <a:endParaRPr lang="nl-NL" dirty="0"/>
+          </a:p>
+          <a:p>
+            <a:pPr lvl="1"/>
+            <a:endParaRPr lang="nl-NL" dirty="0"/>
           </a:p>
         </p:txBody>
       </p:sp>
@@ -24480,7 +22748,7 @@
           <p:cNvPr id="4" name="Date Placeholder 3">
             <a:extLst>
               <a:ext uri="{FF2B5EF4-FFF2-40B4-BE49-F238E27FC236}">
-                <a16:creationId xmlns:a16="http://schemas.microsoft.com/office/drawing/2014/main" id="{AAF0477A-4E7B-E8FC-DE20-AB2F6FADF767}"/>
+                <a16:creationId xmlns:a16="http://schemas.microsoft.com/office/drawing/2014/main" id="{5932B4DC-3C54-B463-08B6-29C1E0C3557C}"/>
               </a:ext>
             </a:extLst>
           </p:cNvPr>
@@ -24508,7 +22776,7 @@
           <p:cNvPr id="5" name="Footer Placeholder 4">
             <a:extLst>
               <a:ext uri="{FF2B5EF4-FFF2-40B4-BE49-F238E27FC236}">
-                <a16:creationId xmlns:a16="http://schemas.microsoft.com/office/drawing/2014/main" id="{7BBBC800-7C66-6B95-F40F-011372CA4D94}"/>
+                <a16:creationId xmlns:a16="http://schemas.microsoft.com/office/drawing/2014/main" id="{DDFA4E4C-E5F6-4895-268E-3E02BFBFD7D6}"/>
               </a:ext>
             </a:extLst>
           </p:cNvPr>
@@ -24536,7 +22804,7 @@
           <p:cNvPr id="6" name="Slide Number Placeholder 5">
             <a:extLst>
               <a:ext uri="{FF2B5EF4-FFF2-40B4-BE49-F238E27FC236}">
-                <a16:creationId xmlns:a16="http://schemas.microsoft.com/office/drawing/2014/main" id="{04B0E5CE-86F3-C214-425C-A9F36E489BD9}"/>
+                <a16:creationId xmlns:a16="http://schemas.microsoft.com/office/drawing/2014/main" id="{E2028401-8A89-C6F8-2F68-AFA0670B2B2A}"/>
               </a:ext>
             </a:extLst>
           </p:cNvPr>
@@ -24563,7 +22831,7 @@
     </p:spTree>
     <p:extLst>
       <p:ext uri="{BB962C8B-B14F-4D97-AF65-F5344CB8AC3E}">
-        <p14:creationId xmlns:p14="http://schemas.microsoft.com/office/powerpoint/2010/main" val="1153733466"/>
+        <p14:creationId xmlns:p14="http://schemas.microsoft.com/office/powerpoint/2010/main" val="3293150320"/>
       </p:ext>
     </p:extLst>
   </p:cSld>
@@ -24711,13 +22979,13 @@
             </a:r>
             <a:r>
               <a:rPr lang="nl-NL" dirty="0"/>
-              <a:t> (lineair).</a:t>
+              <a:t> (lineair elastisch).</a:t>
             </a:r>
           </a:p>
           <a:p>
             <a:r>
               <a:rPr lang="nl-NL" dirty="0"/>
-              <a:t>Op basis van de invoer kunnen we de totale verplaatsing in x-richting (maaiveld) en het maximale buigmoment berekenen.</a:t>
+              <a:t>Op basis van de invoer berekenen we de totale verplaatsing in x-richting (maaiveld) en het maximale buigmoment.</a:t>
             </a:r>
           </a:p>
           <a:p>
@@ -24812,10 +23080,10 @@
       </p:sp>
       <p:pic>
         <p:nvPicPr>
-          <p:cNvPr id="7" name="Picture 6">
-            <a:extLst>
-              <a:ext uri="{FF2B5EF4-FFF2-40B4-BE49-F238E27FC236}">
-                <a16:creationId xmlns:a16="http://schemas.microsoft.com/office/drawing/2014/main" id="{D668C83B-4451-518F-0C67-0515017825AE}"/>
+          <p:cNvPr id="10" name="Picture 9">
+            <a:extLst>
+              <a:ext uri="{FF2B5EF4-FFF2-40B4-BE49-F238E27FC236}">
+                <a16:creationId xmlns:a16="http://schemas.microsoft.com/office/drawing/2014/main" id="{46B80E4E-4DC5-E6A1-F653-7BE94F23B5CD}"/>
               </a:ext>
             </a:extLst>
           </p:cNvPr>
@@ -24832,227 +23100,14 @@
         </p:blipFill>
         <p:spPr>
           <a:xfrm>
-            <a:off x="6935869" y="1477695"/>
-            <a:ext cx="3612677" cy="3601079"/>
+            <a:off x="6596959" y="1269506"/>
+            <a:ext cx="4807780" cy="4753835"/>
           </a:xfrm>
           <a:prstGeom prst="rect">
             <a:avLst/>
           </a:prstGeom>
         </p:spPr>
       </p:pic>
-      <p:sp>
-        <p:nvSpPr>
-          <p:cNvPr id="8" name="TextBox 7">
-            <a:extLst>
-              <a:ext uri="{FF2B5EF4-FFF2-40B4-BE49-F238E27FC236}">
-                <a16:creationId xmlns:a16="http://schemas.microsoft.com/office/drawing/2014/main" id="{167D6ED5-3B34-3BB4-2950-0D400B0B4390}"/>
-              </a:ext>
-            </a:extLst>
-          </p:cNvPr>
-          <p:cNvSpPr txBox="1"/>
-          <p:nvPr/>
-        </p:nvSpPr>
-        <p:spPr>
-          <a:xfrm>
-            <a:off x="8394374" y="4503606"/>
-            <a:ext cx="723275" cy="369332"/>
-          </a:xfrm>
-          <a:prstGeom prst="rect">
-            <a:avLst/>
-          </a:prstGeom>
-          <a:noFill/>
-        </p:spPr>
-        <p:txBody>
-          <a:bodyPr wrap="none" rtlCol="0">
-            <a:spAutoFit/>
-          </a:bodyPr>
-          <a:lstStyle/>
-          <a:p>
-            <a:r>
-              <a:rPr lang="nl-NL" dirty="0"/>
-              <a:t>Sand</a:t>
-            </a:r>
-          </a:p>
-        </p:txBody>
-      </p:sp>
-      <p:sp>
-        <p:nvSpPr>
-          <p:cNvPr id="15" name="TextBox 14">
-            <a:extLst>
-              <a:ext uri="{FF2B5EF4-FFF2-40B4-BE49-F238E27FC236}">
-                <a16:creationId xmlns:a16="http://schemas.microsoft.com/office/drawing/2014/main" id="{D056BFDE-F3F2-670E-8383-2470BC7DA4E2}"/>
-              </a:ext>
-            </a:extLst>
-          </p:cNvPr>
-          <p:cNvSpPr txBox="1"/>
-          <p:nvPr/>
-        </p:nvSpPr>
-        <p:spPr>
-          <a:xfrm>
-            <a:off x="7451598" y="3634047"/>
-            <a:ext cx="723275" cy="369332"/>
-          </a:xfrm>
-          <a:prstGeom prst="rect">
-            <a:avLst/>
-          </a:prstGeom>
-          <a:noFill/>
-        </p:spPr>
-        <p:txBody>
-          <a:bodyPr wrap="none" rtlCol="0">
-            <a:spAutoFit/>
-          </a:bodyPr>
-          <a:lstStyle/>
-          <a:p>
-            <a:r>
-              <a:rPr lang="nl-NL" dirty="0"/>
-              <a:t>Sand</a:t>
-            </a:r>
-          </a:p>
-        </p:txBody>
-      </p:sp>
-      <p:sp>
-        <p:nvSpPr>
-          <p:cNvPr id="16" name="TextBox 15">
-            <a:extLst>
-              <a:ext uri="{FF2B5EF4-FFF2-40B4-BE49-F238E27FC236}">
-                <a16:creationId xmlns:a16="http://schemas.microsoft.com/office/drawing/2014/main" id="{DC220A98-D85C-C1D1-10F2-07FB97BA0B76}"/>
-              </a:ext>
-            </a:extLst>
-          </p:cNvPr>
-          <p:cNvSpPr txBox="1"/>
-          <p:nvPr/>
-        </p:nvSpPr>
-        <p:spPr>
-          <a:xfrm>
-            <a:off x="9237219" y="3634047"/>
-            <a:ext cx="723275" cy="369332"/>
-          </a:xfrm>
-          <a:prstGeom prst="rect">
-            <a:avLst/>
-          </a:prstGeom>
-          <a:noFill/>
-        </p:spPr>
-        <p:txBody>
-          <a:bodyPr wrap="none" rtlCol="0">
-            <a:spAutoFit/>
-          </a:bodyPr>
-          <a:lstStyle/>
-          <a:p>
-            <a:r>
-              <a:rPr lang="nl-NL" dirty="0"/>
-              <a:t>Sand</a:t>
-            </a:r>
-          </a:p>
-        </p:txBody>
-      </p:sp>
-      <p:sp>
-        <p:nvSpPr>
-          <p:cNvPr id="17" name="TextBox 16">
-            <a:extLst>
-              <a:ext uri="{FF2B5EF4-FFF2-40B4-BE49-F238E27FC236}">
-                <a16:creationId xmlns:a16="http://schemas.microsoft.com/office/drawing/2014/main" id="{BD5300F6-9665-C608-7E3B-8D2640EB6656}"/>
-              </a:ext>
-            </a:extLst>
-          </p:cNvPr>
-          <p:cNvSpPr txBox="1"/>
-          <p:nvPr/>
-        </p:nvSpPr>
-        <p:spPr>
-          <a:xfrm>
-            <a:off x="7469704" y="2789233"/>
-            <a:ext cx="646331" cy="369332"/>
-          </a:xfrm>
-          <a:prstGeom prst="rect">
-            <a:avLst/>
-          </a:prstGeom>
-          <a:noFill/>
-        </p:spPr>
-        <p:txBody>
-          <a:bodyPr wrap="none" rtlCol="0">
-            <a:spAutoFit/>
-          </a:bodyPr>
-          <a:lstStyle/>
-          <a:p>
-            <a:r>
-              <a:rPr lang="nl-NL" dirty="0" err="1"/>
-              <a:t>Clay</a:t>
-            </a:r>
-            <a:endParaRPr lang="nl-NL" dirty="0"/>
-          </a:p>
-        </p:txBody>
-      </p:sp>
-      <p:sp>
-        <p:nvSpPr>
-          <p:cNvPr id="18" name="TextBox 17">
-            <a:extLst>
-              <a:ext uri="{FF2B5EF4-FFF2-40B4-BE49-F238E27FC236}">
-                <a16:creationId xmlns:a16="http://schemas.microsoft.com/office/drawing/2014/main" id="{B5CD8B97-4646-FAE0-A604-5E3612D261AB}"/>
-              </a:ext>
-            </a:extLst>
-          </p:cNvPr>
-          <p:cNvSpPr txBox="1"/>
-          <p:nvPr/>
-        </p:nvSpPr>
-        <p:spPr>
-          <a:xfrm>
-            <a:off x="9228166" y="2767470"/>
-            <a:ext cx="646331" cy="369332"/>
-          </a:xfrm>
-          <a:prstGeom prst="rect">
-            <a:avLst/>
-          </a:prstGeom>
-          <a:noFill/>
-        </p:spPr>
-        <p:txBody>
-          <a:bodyPr wrap="none" rtlCol="0">
-            <a:spAutoFit/>
-          </a:bodyPr>
-          <a:lstStyle/>
-          <a:p>
-            <a:r>
-              <a:rPr lang="nl-NL" dirty="0" err="1"/>
-              <a:t>Clay</a:t>
-            </a:r>
-            <a:endParaRPr lang="nl-NL" dirty="0"/>
-          </a:p>
-        </p:txBody>
-      </p:sp>
-      <p:sp>
-        <p:nvSpPr>
-          <p:cNvPr id="19" name="TextBox 18">
-            <a:extLst>
-              <a:ext uri="{FF2B5EF4-FFF2-40B4-BE49-F238E27FC236}">
-                <a16:creationId xmlns:a16="http://schemas.microsoft.com/office/drawing/2014/main" id="{6AA7D34C-AA0C-FC08-7F21-074245C8CC8A}"/>
-              </a:ext>
-            </a:extLst>
-          </p:cNvPr>
-          <p:cNvSpPr txBox="1"/>
-          <p:nvPr/>
-        </p:nvSpPr>
-        <p:spPr>
-          <a:xfrm>
-            <a:off x="9237219" y="2107070"/>
-            <a:ext cx="646331" cy="369332"/>
-          </a:xfrm>
-          <a:prstGeom prst="rect">
-            <a:avLst/>
-          </a:prstGeom>
-          <a:noFill/>
-        </p:spPr>
-        <p:txBody>
-          <a:bodyPr wrap="none" rtlCol="0">
-            <a:spAutoFit/>
-          </a:bodyPr>
-          <a:lstStyle/>
-          <a:p>
-            <a:r>
-              <a:rPr lang="nl-NL" dirty="0" err="1"/>
-              <a:t>Clay</a:t>
-            </a:r>
-            <a:endParaRPr lang="nl-NL" dirty="0"/>
-          </a:p>
-        </p:txBody>
-      </p:sp>
     </p:spTree>
     <p:extLst>
       <p:ext uri="{BB962C8B-B14F-4D97-AF65-F5344CB8AC3E}">
@@ -25113,64 +23168,6 @@
       </p:sp>
       <p:sp>
         <p:nvSpPr>
-          <p:cNvPr id="3" name="Content Placeholder 2">
-            <a:extLst>
-              <a:ext uri="{FF2B5EF4-FFF2-40B4-BE49-F238E27FC236}">
-                <a16:creationId xmlns:a16="http://schemas.microsoft.com/office/drawing/2014/main" id="{FB9245CF-EBCE-034A-82A1-09EB18B6CA7E}"/>
-              </a:ext>
-            </a:extLst>
-          </p:cNvPr>
-          <p:cNvSpPr>
-            <a:spLocks noGrp="1"/>
-          </p:cNvSpPr>
-          <p:nvPr>
-            <p:ph idx="1"/>
-          </p:nvPr>
-        </p:nvSpPr>
-        <p:spPr/>
-        <p:txBody>
-          <a:bodyPr/>
-          <a:lstStyle/>
-          <a:p>
-            <a:r>
-              <a:rPr lang="nl-NL" dirty="0"/>
-              <a:t>Python-</a:t>
-            </a:r>
-            <a:r>
-              <a:rPr lang="nl-NL" dirty="0" err="1"/>
-              <a:t>wrapper</a:t>
-            </a:r>
-            <a:r>
-              <a:rPr lang="nl-NL" dirty="0"/>
-              <a:t> rondom </a:t>
-            </a:r>
-            <a:r>
-              <a:rPr lang="nl-NL" dirty="0" err="1"/>
-              <a:t>Kratos</a:t>
-            </a:r>
-            <a:r>
-              <a:rPr lang="nl-NL" dirty="0"/>
-              <a:t> en Python-</a:t>
-            </a:r>
-            <a:r>
-              <a:rPr lang="nl-NL" dirty="0" err="1"/>
-              <a:t>wrapper</a:t>
-            </a:r>
-            <a:r>
-              <a:rPr lang="nl-NL" dirty="0"/>
-              <a:t> van de probabilistische bibliotheek.</a:t>
-            </a:r>
-          </a:p>
-          <a:p>
-            <a:pPr marL="0" indent="0">
-              <a:buNone/>
-            </a:pPr>
-            <a:endParaRPr lang="nl-NL" dirty="0"/>
-          </a:p>
-        </p:txBody>
-      </p:sp>
-      <p:sp>
-        <p:nvSpPr>
           <p:cNvPr id="4" name="Date Placeholder 3">
             <a:extLst>
               <a:ext uri="{FF2B5EF4-FFF2-40B4-BE49-F238E27FC236}">
@@ -25256,10 +23253,10 @@
       </p:sp>
       <p:sp>
         <p:nvSpPr>
-          <p:cNvPr id="7" name="Rectangle 6">
-            <a:extLst>
-              <a:ext uri="{FF2B5EF4-FFF2-40B4-BE49-F238E27FC236}">
-                <a16:creationId xmlns:a16="http://schemas.microsoft.com/office/drawing/2014/main" id="{5F73EDE8-7A77-ED79-AE90-4D164D8D9E16}"/>
+          <p:cNvPr id="15" name="Rectangle 14">
+            <a:extLst>
+              <a:ext uri="{FF2B5EF4-FFF2-40B4-BE49-F238E27FC236}">
+                <a16:creationId xmlns:a16="http://schemas.microsoft.com/office/drawing/2014/main" id="{BF9C1E8B-B78D-277A-57ED-ADE3BC09F9B2}"/>
               </a:ext>
             </a:extLst>
           </p:cNvPr>
@@ -25268,8 +23265,8 @@
         </p:nvSpPr>
         <p:spPr>
           <a:xfrm>
-            <a:off x="2831268" y="3476090"/>
-            <a:ext cx="2163779" cy="905346"/>
+            <a:off x="3438169" y="2715925"/>
+            <a:ext cx="1455937" cy="1089734"/>
           </a:xfrm>
           <a:prstGeom prst="rect">
             <a:avLst/>
@@ -25297,26 +23294,30 @@
           <a:p>
             <a:pPr algn="ctr"/>
             <a:r>
+              <a:rPr lang="nl-NL" dirty="0" err="1"/>
+              <a:t>Prob</a:t>
+            </a:r>
+            <a:r>
               <a:rPr lang="nl-NL" dirty="0"/>
-              <a:t>Probabilistische </a:t>
+              <a:t> </a:t>
             </a:r>
             <a:r>
               <a:rPr lang="nl-NL" dirty="0" err="1"/>
-              <a:t>bibl</a:t>
+              <a:t>lib</a:t>
             </a:r>
             <a:r>
               <a:rPr lang="nl-NL" dirty="0"/>
-              <a:t>. </a:t>
-            </a:r>
-          </a:p>
-        </p:txBody>
-      </p:sp>
-      <p:sp>
-        <p:nvSpPr>
-          <p:cNvPr id="8" name="Rectangle 7">
-            <a:extLst>
-              <a:ext uri="{FF2B5EF4-FFF2-40B4-BE49-F238E27FC236}">
-                <a16:creationId xmlns:a16="http://schemas.microsoft.com/office/drawing/2014/main" id="{D439FC98-33B6-3C22-51D5-5AFED4A5A8B9}"/>
+              <a:t> (c++)</a:t>
+            </a:r>
+          </a:p>
+        </p:txBody>
+      </p:sp>
+      <p:sp>
+        <p:nvSpPr>
+          <p:cNvPr id="16" name="Rectangle 15">
+            <a:extLst>
+              <a:ext uri="{FF2B5EF4-FFF2-40B4-BE49-F238E27FC236}">
+                <a16:creationId xmlns:a16="http://schemas.microsoft.com/office/drawing/2014/main" id="{C7E023ED-CBF3-6761-8BFE-1B599EC77434}"/>
               </a:ext>
             </a:extLst>
           </p:cNvPr>
@@ -25325,8 +23326,93 @@
         </p:nvSpPr>
         <p:spPr>
           <a:xfrm>
-            <a:off x="6366097" y="3475649"/>
-            <a:ext cx="2163779" cy="905346"/>
+            <a:off x="3249228" y="1988741"/>
+            <a:ext cx="1951607" cy="2086251"/>
+          </a:xfrm>
+          <a:prstGeom prst="rect">
+            <a:avLst/>
+          </a:prstGeom>
+          <a:noFill/>
+        </p:spPr>
+        <p:style>
+          <a:lnRef idx="2">
+            <a:schemeClr val="dk1"/>
+          </a:lnRef>
+          <a:fillRef idx="1">
+            <a:schemeClr val="lt1"/>
+          </a:fillRef>
+          <a:effectRef idx="0">
+            <a:schemeClr val="dk1"/>
+          </a:effectRef>
+          <a:fontRef idx="minor">
+            <a:schemeClr val="dk1"/>
+          </a:fontRef>
+        </p:style>
+        <p:txBody>
+          <a:bodyPr rtlCol="0" anchor="ctr"/>
+          <a:lstStyle/>
+          <a:p>
+            <a:pPr algn="ctr"/>
+            <a:endParaRPr lang="nl-NL"/>
+          </a:p>
+        </p:txBody>
+      </p:sp>
+      <p:sp>
+        <p:nvSpPr>
+          <p:cNvPr id="17" name="TextBox 16">
+            <a:extLst>
+              <a:ext uri="{FF2B5EF4-FFF2-40B4-BE49-F238E27FC236}">
+                <a16:creationId xmlns:a16="http://schemas.microsoft.com/office/drawing/2014/main" id="{903315C7-2221-B017-15E5-96732AEBEF62}"/>
+              </a:ext>
+            </a:extLst>
+          </p:cNvPr>
+          <p:cNvSpPr txBox="1"/>
+          <p:nvPr/>
+        </p:nvSpPr>
+        <p:spPr>
+          <a:xfrm>
+            <a:off x="3265892" y="2055525"/>
+            <a:ext cx="1800493" cy="369332"/>
+          </a:xfrm>
+          <a:prstGeom prst="rect">
+            <a:avLst/>
+          </a:prstGeom>
+          <a:noFill/>
+        </p:spPr>
+        <p:txBody>
+          <a:bodyPr wrap="none" rtlCol="0">
+            <a:spAutoFit/>
+          </a:bodyPr>
+          <a:lstStyle/>
+          <a:p>
+            <a:r>
+              <a:rPr lang="nl-NL" dirty="0"/>
+              <a:t>Python </a:t>
+            </a:r>
+            <a:r>
+              <a:rPr lang="nl-NL" dirty="0" err="1"/>
+              <a:t>wrapper</a:t>
+            </a:r>
+            <a:endParaRPr lang="nl-NL" dirty="0"/>
+          </a:p>
+        </p:txBody>
+      </p:sp>
+      <p:sp>
+        <p:nvSpPr>
+          <p:cNvPr id="18" name="Rectangle 17">
+            <a:extLst>
+              <a:ext uri="{FF2B5EF4-FFF2-40B4-BE49-F238E27FC236}">
+                <a16:creationId xmlns:a16="http://schemas.microsoft.com/office/drawing/2014/main" id="{5F96DFF1-AC14-9B82-7845-0386DA4D7F87}"/>
+              </a:ext>
+            </a:extLst>
+          </p:cNvPr>
+          <p:cNvSpPr/>
+          <p:nvPr/>
+        </p:nvSpPr>
+        <p:spPr>
+          <a:xfrm>
+            <a:off x="6415596" y="2558272"/>
+            <a:ext cx="1951607" cy="1089734"/>
           </a:xfrm>
           <a:prstGeom prst="rect">
             <a:avLst/>
@@ -25355,7 +23441,14 @@
             <a:pPr algn="ctr"/>
             <a:r>
               <a:rPr lang="nl-NL" dirty="0"/>
-              <a:t>Damwand model (</a:t>
+              <a:t>Damwand model in Python </a:t>
+            </a:r>
+          </a:p>
+          <a:p>
+            <a:pPr algn="ctr"/>
+            <a:r>
+              <a:rPr lang="nl-NL" dirty="0"/>
+              <a:t>(</a:t>
             </a:r>
             <a:r>
               <a:rPr lang="nl-NL" dirty="0" err="1"/>
@@ -25370,30 +23463,27 @@
       </p:sp>
       <p:cxnSp>
         <p:nvCxnSpPr>
-          <p:cNvPr id="10" name="Connector: Elbow 9">
-            <a:extLst>
-              <a:ext uri="{FF2B5EF4-FFF2-40B4-BE49-F238E27FC236}">
-                <a16:creationId xmlns:a16="http://schemas.microsoft.com/office/drawing/2014/main" id="{C0531733-6F2E-A968-5FB0-1EA68EF01DD5}"/>
+          <p:cNvPr id="20" name="Straight Arrow Connector 19">
+            <a:extLst>
+              <a:ext uri="{FF2B5EF4-FFF2-40B4-BE49-F238E27FC236}">
+                <a16:creationId xmlns:a16="http://schemas.microsoft.com/office/drawing/2014/main" id="{BCAEAE22-D8B4-3291-E3FC-DC46B3B7E1D2}"/>
               </a:ext>
             </a:extLst>
           </p:cNvPr>
           <p:cNvCxnSpPr>
             <a:cxnSpLocks/>
-            <a:stCxn id="7" idx="3"/>
-            <a:endCxn id="8" idx="1"/>
           </p:cNvCxnSpPr>
           <p:nvPr/>
         </p:nvCxnSpPr>
         <p:spPr>
-          <a:xfrm flipV="1">
-            <a:off x="4995047" y="3928322"/>
-            <a:ext cx="1371050" cy="441"/>
+          <a:xfrm>
+            <a:off x="5200835" y="2840997"/>
+            <a:ext cx="1228537" cy="0"/>
           </a:xfrm>
-          <a:prstGeom prst="bentConnector3">
+          <a:prstGeom prst="straightConnector1">
             <a:avLst/>
           </a:prstGeom>
           <a:ln>
-            <a:headEnd type="triangle"/>
             <a:tailEnd type="triangle"/>
           </a:ln>
         </p:spPr>
@@ -25412,6 +23502,115 @@
           </a:fontRef>
         </p:style>
       </p:cxnSp>
+      <p:cxnSp>
+        <p:nvCxnSpPr>
+          <p:cNvPr id="25" name="Straight Arrow Connector 24">
+            <a:extLst>
+              <a:ext uri="{FF2B5EF4-FFF2-40B4-BE49-F238E27FC236}">
+                <a16:creationId xmlns:a16="http://schemas.microsoft.com/office/drawing/2014/main" id="{A4ABD86A-CEAC-F719-27EE-F2BF3EE289B0}"/>
+              </a:ext>
+            </a:extLst>
+          </p:cNvPr>
+          <p:cNvCxnSpPr/>
+          <p:nvPr/>
+        </p:nvCxnSpPr>
+        <p:spPr>
+          <a:xfrm flipH="1">
+            <a:off x="5200835" y="3462291"/>
+            <a:ext cx="1228537" cy="0"/>
+          </a:xfrm>
+          <a:prstGeom prst="straightConnector1">
+            <a:avLst/>
+          </a:prstGeom>
+          <a:ln>
+            <a:tailEnd type="triangle"/>
+          </a:ln>
+        </p:spPr>
+        <p:style>
+          <a:lnRef idx="1">
+            <a:schemeClr val="accent1"/>
+          </a:lnRef>
+          <a:fillRef idx="0">
+            <a:schemeClr val="accent1"/>
+          </a:fillRef>
+          <a:effectRef idx="0">
+            <a:schemeClr val="accent1"/>
+          </a:effectRef>
+          <a:fontRef idx="minor">
+            <a:schemeClr val="tx1"/>
+          </a:fontRef>
+        </p:style>
+      </p:cxnSp>
+      <p:sp>
+        <p:nvSpPr>
+          <p:cNvPr id="26" name="TextBox 25">
+            <a:extLst>
+              <a:ext uri="{FF2B5EF4-FFF2-40B4-BE49-F238E27FC236}">
+                <a16:creationId xmlns:a16="http://schemas.microsoft.com/office/drawing/2014/main" id="{091584BE-1A95-72C1-53AD-0059E1155D84}"/>
+              </a:ext>
+            </a:extLst>
+          </p:cNvPr>
+          <p:cNvSpPr txBox="1"/>
+          <p:nvPr/>
+        </p:nvSpPr>
+        <p:spPr>
+          <a:xfrm>
+            <a:off x="5389776" y="2482478"/>
+            <a:ext cx="813043" cy="369332"/>
+          </a:xfrm>
+          <a:prstGeom prst="rect">
+            <a:avLst/>
+          </a:prstGeom>
+          <a:noFill/>
+        </p:spPr>
+        <p:txBody>
+          <a:bodyPr wrap="none" rtlCol="0">
+            <a:spAutoFit/>
+          </a:bodyPr>
+          <a:lstStyle/>
+          <a:p>
+            <a:r>
+              <a:rPr lang="nl-NL" dirty="0"/>
+              <a:t>invoer</a:t>
+            </a:r>
+          </a:p>
+        </p:txBody>
+      </p:sp>
+      <p:sp>
+        <p:nvSpPr>
+          <p:cNvPr id="27" name="TextBox 26">
+            <a:extLst>
+              <a:ext uri="{FF2B5EF4-FFF2-40B4-BE49-F238E27FC236}">
+                <a16:creationId xmlns:a16="http://schemas.microsoft.com/office/drawing/2014/main" id="{C7F02E32-06D4-D8BE-F4F5-B9E43FB2D0C1}"/>
+              </a:ext>
+            </a:extLst>
+          </p:cNvPr>
+          <p:cNvSpPr txBox="1"/>
+          <p:nvPr/>
+        </p:nvSpPr>
+        <p:spPr>
+          <a:xfrm>
+            <a:off x="5389776" y="3103139"/>
+            <a:ext cx="877163" cy="369332"/>
+          </a:xfrm>
+          <a:prstGeom prst="rect">
+            <a:avLst/>
+          </a:prstGeom>
+          <a:noFill/>
+        </p:spPr>
+        <p:txBody>
+          <a:bodyPr wrap="none" rtlCol="0">
+            <a:spAutoFit/>
+          </a:bodyPr>
+          <a:lstStyle/>
+          <a:p>
+            <a:r>
+              <a:rPr lang="nl-NL" dirty="0"/>
+              <a:t>uitvoer</a:t>
+            </a:r>
+          </a:p>
+        </p:txBody>
+      </p:sp>
     </p:spTree>
     <p:extLst>
       <p:ext uri="{BB962C8B-B14F-4D97-AF65-F5344CB8AC3E}">
@@ -26083,7 +24282,7 @@
           <p:cNvPr id="2" name="Title 1">
             <a:extLst>
               <a:ext uri="{FF2B5EF4-FFF2-40B4-BE49-F238E27FC236}">
-                <a16:creationId xmlns:a16="http://schemas.microsoft.com/office/drawing/2014/main" id="{AD2BD5D9-C4AC-9E1B-4478-72D0CDDCF990}"/>
+                <a16:creationId xmlns:a16="http://schemas.microsoft.com/office/drawing/2014/main" id="{AE587818-5493-0187-4019-F35B18FB144B}"/>
               </a:ext>
             </a:extLst>
           </p:cNvPr>
@@ -26116,7 +24315,7 @@
           <p:cNvPr id="3" name="Content Placeholder 2">
             <a:extLst>
               <a:ext uri="{FF2B5EF4-FFF2-40B4-BE49-F238E27FC236}">
-                <a16:creationId xmlns:a16="http://schemas.microsoft.com/office/drawing/2014/main" id="{7F6C935A-2ECA-2938-8B18-0FD54061714F}"/>
+                <a16:creationId xmlns:a16="http://schemas.microsoft.com/office/drawing/2014/main" id="{C3B63E60-4B42-2D90-2AA6-93A2C68C6646}"/>
               </a:ext>
             </a:extLst>
           </p:cNvPr>
@@ -26129,8 +24328,8 @@
         </p:nvSpPr>
         <p:spPr>
           <a:xfrm>
-            <a:off x="755650" y="1511588"/>
-            <a:ext cx="10512349" cy="4320000"/>
+            <a:off x="760415" y="1477695"/>
+            <a:ext cx="10671170" cy="4320000"/>
           </a:xfrm>
         </p:spPr>
         <p:txBody>
@@ -26138,19 +24337,16 @@
           <a:lstStyle/>
           <a:p>
             <a:r>
-              <a:rPr lang="nl-NL" dirty="0"/>
-              <a:t>Totale verplaatsing in x-richting (maaiveld)</a:t>
-            </a:r>
-          </a:p>
-          <a:p>
-            <a:r>
               <a:rPr lang="nl-NL" dirty="0" err="1"/>
               <a:t>Crude</a:t>
             </a:r>
             <a:r>
               <a:rPr lang="nl-NL" dirty="0"/>
-              <a:t> Monte Carlo met 1000 trekkingen</a:t>
-            </a:r>
+              <a:t> Monte Carlo met 1000 trekkingen, fase 3</a:t>
+            </a:r>
+          </a:p>
+          <a:p>
+            <a:endParaRPr lang="nl-NL" dirty="0"/>
           </a:p>
         </p:txBody>
       </p:sp>
@@ -26159,7 +24355,7 @@
           <p:cNvPr id="4" name="Date Placeholder 3">
             <a:extLst>
               <a:ext uri="{FF2B5EF4-FFF2-40B4-BE49-F238E27FC236}">
-                <a16:creationId xmlns:a16="http://schemas.microsoft.com/office/drawing/2014/main" id="{6E5B9789-122D-7A8C-236B-62518BFEF4FD}"/>
+                <a16:creationId xmlns:a16="http://schemas.microsoft.com/office/drawing/2014/main" id="{C4C2C38B-C4BC-F6CF-3DA8-ED4C85D65475}"/>
               </a:ext>
             </a:extLst>
           </p:cNvPr>
@@ -26187,7 +24383,7 @@
           <p:cNvPr id="5" name="Footer Placeholder 4">
             <a:extLst>
               <a:ext uri="{FF2B5EF4-FFF2-40B4-BE49-F238E27FC236}">
-                <a16:creationId xmlns:a16="http://schemas.microsoft.com/office/drawing/2014/main" id="{29F3ADB5-5B69-077E-4EBE-4D4D9A100B6B}"/>
+                <a16:creationId xmlns:a16="http://schemas.microsoft.com/office/drawing/2014/main" id="{5D47FCBF-2F77-9891-3D63-C7148B7390DD}"/>
               </a:ext>
             </a:extLst>
           </p:cNvPr>
@@ -26215,7 +24411,7 @@
           <p:cNvPr id="6" name="Slide Number Placeholder 5">
             <a:extLst>
               <a:ext uri="{FF2B5EF4-FFF2-40B4-BE49-F238E27FC236}">
-                <a16:creationId xmlns:a16="http://schemas.microsoft.com/office/drawing/2014/main" id="{D9339AC0-6B39-2FEE-CBF0-A3DB587617C6}"/>
+                <a16:creationId xmlns:a16="http://schemas.microsoft.com/office/drawing/2014/main" id="{D02320AE-188E-9D8C-A2D3-435888D674FC}"/>
               </a:ext>
             </a:extLst>
           </p:cNvPr>
@@ -26241,10 +24437,10 @@
       </p:sp>
       <p:sp>
         <p:nvSpPr>
-          <p:cNvPr id="11" name="TextBox 10">
-            <a:extLst>
-              <a:ext uri="{FF2B5EF4-FFF2-40B4-BE49-F238E27FC236}">
-                <a16:creationId xmlns:a16="http://schemas.microsoft.com/office/drawing/2014/main" id="{437EC6C9-2F13-5E57-6ADC-70CD05F316AA}"/>
+          <p:cNvPr id="12" name="TextBox 11">
+            <a:extLst>
+              <a:ext uri="{FF2B5EF4-FFF2-40B4-BE49-F238E27FC236}">
+                <a16:creationId xmlns:a16="http://schemas.microsoft.com/office/drawing/2014/main" id="{EEE70B8E-CC91-C25E-7E0F-377B2114DD32}"/>
               </a:ext>
             </a:extLst>
           </p:cNvPr>
@@ -26253,8 +24449,8 @@
         </p:nvSpPr>
         <p:spPr>
           <a:xfrm>
-            <a:off x="2077558" y="2521685"/>
-            <a:ext cx="2313454" cy="369332"/>
+            <a:off x="7325477" y="2128746"/>
+            <a:ext cx="2768434" cy="369332"/>
           </a:xfrm>
           <a:prstGeom prst="rect">
             <a:avLst/>
@@ -26262,59 +24458,24 @@
           <a:noFill/>
         </p:spPr>
         <p:txBody>
-          <a:bodyPr wrap="none" rtlCol="0">
+          <a:bodyPr wrap="square" rtlCol="0">
             <a:spAutoFit/>
           </a:bodyPr>
           <a:lstStyle/>
           <a:p>
             <a:r>
               <a:rPr lang="nl-NL" b="1" dirty="0"/>
-              <a:t>Fase 2 (ontgraving)</a:t>
-            </a:r>
-          </a:p>
-        </p:txBody>
-      </p:sp>
-      <p:sp>
-        <p:nvSpPr>
-          <p:cNvPr id="12" name="TextBox 11">
-            <a:extLst>
-              <a:ext uri="{FF2B5EF4-FFF2-40B4-BE49-F238E27FC236}">
-                <a16:creationId xmlns:a16="http://schemas.microsoft.com/office/drawing/2014/main" id="{C92871AE-57A8-9B57-ADCC-8EE5A66E8E3C}"/>
-              </a:ext>
-            </a:extLst>
-          </p:cNvPr>
-          <p:cNvSpPr txBox="1"/>
-          <p:nvPr/>
-        </p:nvSpPr>
-        <p:spPr>
-          <a:xfrm>
-            <a:off x="7637711" y="2574585"/>
-            <a:ext cx="1736373" cy="369332"/>
-          </a:xfrm>
-          <a:prstGeom prst="rect">
-            <a:avLst/>
-          </a:prstGeom>
-          <a:noFill/>
-        </p:spPr>
-        <p:txBody>
-          <a:bodyPr wrap="none" rtlCol="0">
-            <a:spAutoFit/>
-          </a:bodyPr>
-          <a:lstStyle/>
-          <a:p>
-            <a:r>
-              <a:rPr lang="nl-NL" b="1" dirty="0"/>
-              <a:t>Fase 3 (anker)</a:t>
+              <a:t>Maximaal buigmoment</a:t>
             </a:r>
           </a:p>
         </p:txBody>
       </p:sp>
       <p:pic>
         <p:nvPicPr>
-          <p:cNvPr id="9" name="Picture 8">
-            <a:extLst>
-              <a:ext uri="{FF2B5EF4-FFF2-40B4-BE49-F238E27FC236}">
-                <a16:creationId xmlns:a16="http://schemas.microsoft.com/office/drawing/2014/main" id="{8AF7F711-25C0-9DC5-A8D1-FA1836405DA3}"/>
+          <p:cNvPr id="14" name="Picture 13">
+            <a:extLst>
+              <a:ext uri="{FF2B5EF4-FFF2-40B4-BE49-F238E27FC236}">
+                <a16:creationId xmlns:a16="http://schemas.microsoft.com/office/drawing/2014/main" id="{07B4B1C1-E726-192B-82EE-E107240EA73E}"/>
               </a:ext>
             </a:extLst>
           </p:cNvPr>
@@ -26331,17 +24492,52 @@
         </p:blipFill>
         <p:spPr>
           <a:xfrm>
-            <a:off x="924001" y="3092629"/>
-            <a:ext cx="4620568" cy="3192508"/>
+            <a:off x="6121529" y="2498078"/>
+            <a:ext cx="5310056" cy="3915420"/>
           </a:xfrm>
           <a:prstGeom prst="rect">
             <a:avLst/>
           </a:prstGeom>
         </p:spPr>
       </p:pic>
+      <p:sp>
+        <p:nvSpPr>
+          <p:cNvPr id="7" name="TextBox 6">
+            <a:extLst>
+              <a:ext uri="{FF2B5EF4-FFF2-40B4-BE49-F238E27FC236}">
+                <a16:creationId xmlns:a16="http://schemas.microsoft.com/office/drawing/2014/main" id="{C92871AE-57A8-9B57-ADCC-8EE5A66E8E3C}"/>
+              </a:ext>
+            </a:extLst>
+          </p:cNvPr>
+          <p:cNvSpPr txBox="1"/>
+          <p:nvPr/>
+        </p:nvSpPr>
+        <p:spPr>
+          <a:xfrm>
+            <a:off x="879936" y="2128746"/>
+            <a:ext cx="4977022" cy="369332"/>
+          </a:xfrm>
+          <a:prstGeom prst="rect">
+            <a:avLst/>
+          </a:prstGeom>
+          <a:noFill/>
+        </p:spPr>
+        <p:txBody>
+          <a:bodyPr wrap="square" rtlCol="0">
+            <a:spAutoFit/>
+          </a:bodyPr>
+          <a:lstStyle/>
+          <a:p>
+            <a:r>
+              <a:rPr lang="nl-NL" b="1" dirty="0"/>
+              <a:t>Totale verplaatsing in x-richting (maaiveld)</a:t>
+            </a:r>
+          </a:p>
+        </p:txBody>
+      </p:sp>
       <p:pic>
         <p:nvPicPr>
-          <p:cNvPr id="14" name="Picture 13">
+          <p:cNvPr id="8" name="Picture 7">
             <a:extLst>
               <a:ext uri="{FF2B5EF4-FFF2-40B4-BE49-F238E27FC236}">
                 <a16:creationId xmlns:a16="http://schemas.microsoft.com/office/drawing/2014/main" id="{E923AED5-622A-0F28-8ECF-2EF5E7D348AA}"/>
@@ -26361,8 +24557,8 @@
         </p:blipFill>
         <p:spPr>
           <a:xfrm>
-            <a:off x="6215495" y="3092628"/>
-            <a:ext cx="4620567" cy="3249137"/>
+            <a:off x="497024" y="2628365"/>
+            <a:ext cx="5312927" cy="3735998"/>
           </a:xfrm>
           <a:prstGeom prst="rect">
             <a:avLst/>
@@ -26372,7 +24568,7 @@
     </p:spTree>
     <p:extLst>
       <p:ext uri="{BB962C8B-B14F-4D97-AF65-F5344CB8AC3E}">
-        <p14:creationId xmlns:p14="http://schemas.microsoft.com/office/powerpoint/2010/main" val="2909249011"/>
+        <p14:creationId xmlns:p14="http://schemas.microsoft.com/office/powerpoint/2010/main" val="280293110"/>
       </p:ext>
     </p:extLst>
   </p:cSld>
@@ -26387,7 +24583,13 @@
   <p:cSld>
     <p:spTree>
       <p:nvGrpSpPr>
-        <p:cNvPr id="1" name=""/>
+        <p:cNvPr id="1" name="">
+          <a:extLst>
+            <a:ext uri="{FF2B5EF4-FFF2-40B4-BE49-F238E27FC236}">
+              <a16:creationId xmlns:a16="http://schemas.microsoft.com/office/drawing/2014/main" id="{E645AF7E-B229-BEC8-5736-7BE44875139F}"/>
+            </a:ext>
+          </a:extLst>
+        </p:cNvPr>
         <p:cNvGrpSpPr/>
         <p:nvPr/>
       </p:nvGrpSpPr>
@@ -26404,7 +24606,7 @@
           <p:cNvPr id="2" name="Title 1">
             <a:extLst>
               <a:ext uri="{FF2B5EF4-FFF2-40B4-BE49-F238E27FC236}">
-                <a16:creationId xmlns:a16="http://schemas.microsoft.com/office/drawing/2014/main" id="{AE587818-5493-0187-4019-F35B18FB144B}"/>
+                <a16:creationId xmlns:a16="http://schemas.microsoft.com/office/drawing/2014/main" id="{37ED96F2-4961-E248-31F3-66F003D2765F}"/>
               </a:ext>
             </a:extLst>
           </p:cNvPr>
@@ -26421,14 +24623,9 @@
           <a:lstStyle/>
           <a:p>
             <a:r>
-              <a:rPr lang="nl-NL" noProof="0" dirty="0"/>
-              <a:t>O</a:t>
-            </a:r>
-            <a:r>
-              <a:rPr lang="nl-NL" dirty="0" err="1"/>
-              <a:t>nzekerheidsanalyse</a:t>
-            </a:r>
-            <a:endParaRPr lang="nl-NL" dirty="0"/>
+              <a:rPr lang="nl-NL" dirty="0"/>
+              <a:t>Betrouwbaarheidsanalyse</a:t>
+            </a:r>
           </a:p>
         </p:txBody>
       </p:sp>
@@ -26437,7 +24634,7 @@
           <p:cNvPr id="3" name="Content Placeholder 2">
             <a:extLst>
               <a:ext uri="{FF2B5EF4-FFF2-40B4-BE49-F238E27FC236}">
-                <a16:creationId xmlns:a16="http://schemas.microsoft.com/office/drawing/2014/main" id="{C3B63E60-4B42-2D90-2AA6-93A2C68C6646}"/>
+                <a16:creationId xmlns:a16="http://schemas.microsoft.com/office/drawing/2014/main" id="{62C22BDA-BD2F-FDDD-0014-00E7D0F7565D}"/>
               </a:ext>
             </a:extLst>
           </p:cNvPr>
@@ -26450,7 +24647,7 @@
         </p:nvSpPr>
         <p:spPr>
           <a:xfrm>
-            <a:off x="760414" y="1477695"/>
+            <a:off x="760414" y="1740188"/>
             <a:ext cx="10512349" cy="4320000"/>
           </a:xfrm>
         </p:spPr>
@@ -26458,24 +24655,86 @@
           <a:bodyPr/>
           <a:lstStyle/>
           <a:p>
+            <a:pPr marL="342900" indent="-342900">
+              <a:buFont typeface="+mj-lt"/>
+              <a:buAutoNum type="arabicPeriod"/>
+            </a:pPr>
             <a:r>
               <a:rPr lang="nl-NL" dirty="0"/>
-              <a:t>Maximaal buigmoment </a:t>
-            </a:r>
-          </a:p>
-          <a:p>
-            <a:r>
-              <a:rPr lang="nl-NL" dirty="0" err="1"/>
-              <a:t>Crude</a:t>
-            </a:r>
+              <a:t>Faalkans voor de verplaatsing:</a:t>
+            </a:r>
+          </a:p>
+          <a:p>
+            <a:pPr marL="342900" indent="-342900">
+              <a:buFont typeface="+mj-lt"/>
+              <a:buAutoNum type="arabicPeriod"/>
+            </a:pPr>
+            <a:endParaRPr lang="nl-NL" dirty="0"/>
+          </a:p>
+          <a:p>
+            <a:pPr marL="342900" indent="-342900">
+              <a:buFont typeface="+mj-lt"/>
+              <a:buAutoNum type="arabicPeriod"/>
+            </a:pPr>
+            <a:endParaRPr lang="nl-NL" dirty="0"/>
+          </a:p>
+          <a:p>
+            <a:pPr marL="342900" indent="-342900">
+              <a:buFont typeface="+mj-lt"/>
+              <a:buAutoNum type="arabicPeriod"/>
+            </a:pPr>
+            <a:endParaRPr lang="nl-NL" dirty="0"/>
+          </a:p>
+          <a:p>
+            <a:pPr marL="342900" indent="-342900">
+              <a:buFont typeface="+mj-lt"/>
+              <a:buAutoNum type="arabicPeriod"/>
+            </a:pPr>
             <a:r>
               <a:rPr lang="nl-NL" dirty="0"/>
-              <a:t> Monte Carlo met 1000 trekkingen</a:t>
-            </a:r>
-          </a:p>
-          <a:p>
+              <a:t>Faalkans voor het maximale buigmoment:</a:t>
+            </a:r>
+          </a:p>
+          <a:p>
+            <a:pPr marL="342900" indent="-342900">
+              <a:buFont typeface="+mj-lt"/>
+              <a:buAutoNum type="arabicPeriod"/>
+            </a:pPr>
             <a:endParaRPr lang="nl-NL" dirty="0"/>
           </a:p>
+          <a:p>
+            <a:pPr marL="342900" indent="-342900">
+              <a:buFont typeface="+mj-lt"/>
+              <a:buAutoNum type="arabicPeriod"/>
+            </a:pPr>
+            <a:endParaRPr lang="nl-NL" dirty="0"/>
+          </a:p>
+          <a:p>
+            <a:pPr marL="342900" indent="-342900">
+              <a:buFont typeface="+mj-lt"/>
+              <a:buAutoNum type="arabicPeriod"/>
+            </a:pPr>
+            <a:endParaRPr lang="nl-NL" dirty="0"/>
+          </a:p>
+          <a:p>
+            <a:pPr marL="342900" indent="-342900">
+              <a:buFont typeface="+mj-lt"/>
+              <a:buAutoNum type="arabicPeriod"/>
+            </a:pPr>
+            <a:r>
+              <a:rPr lang="nl-NL" dirty="0"/>
+              <a:t>Gecombineerde kans:</a:t>
+            </a:r>
+          </a:p>
+          <a:p>
+            <a:pPr marL="0" indent="0">
+              <a:buNone/>
+            </a:pPr>
+            <a:endParaRPr lang="nl-NL" dirty="0"/>
+          </a:p>
+          <a:p>
+            <a:endParaRPr lang="nl-NL" dirty="0"/>
+          </a:p>
         </p:txBody>
       </p:sp>
       <p:sp>
@@ -26483,7 +24742,7 @@
           <p:cNvPr id="4" name="Date Placeholder 3">
             <a:extLst>
               <a:ext uri="{FF2B5EF4-FFF2-40B4-BE49-F238E27FC236}">
-                <a16:creationId xmlns:a16="http://schemas.microsoft.com/office/drawing/2014/main" id="{C4C2C38B-C4BC-F6CF-3DA8-ED4C85D65475}"/>
+                <a16:creationId xmlns:a16="http://schemas.microsoft.com/office/drawing/2014/main" id="{3C76BDC9-7A7D-CF0E-6B3E-237DC7EB9A63}"/>
               </a:ext>
             </a:extLst>
           </p:cNvPr>
@@ -26511,7 +24770,7 @@
           <p:cNvPr id="5" name="Footer Placeholder 4">
             <a:extLst>
               <a:ext uri="{FF2B5EF4-FFF2-40B4-BE49-F238E27FC236}">
-                <a16:creationId xmlns:a16="http://schemas.microsoft.com/office/drawing/2014/main" id="{5D47FCBF-2F77-9891-3D63-C7148B7390DD}"/>
+                <a16:creationId xmlns:a16="http://schemas.microsoft.com/office/drawing/2014/main" id="{BCD0515D-FAA6-458D-C15C-1CB4CD33F5CA}"/>
               </a:ext>
             </a:extLst>
           </p:cNvPr>
@@ -26539,7 +24798,7 @@
           <p:cNvPr id="6" name="Slide Number Placeholder 5">
             <a:extLst>
               <a:ext uri="{FF2B5EF4-FFF2-40B4-BE49-F238E27FC236}">
-                <a16:creationId xmlns:a16="http://schemas.microsoft.com/office/drawing/2014/main" id="{D02320AE-188E-9D8C-A2D3-435888D674FC}"/>
+                <a16:creationId xmlns:a16="http://schemas.microsoft.com/office/drawing/2014/main" id="{48862C42-6FDC-9298-29E5-940CAD266BEF}"/>
               </a:ext>
             </a:extLst>
           </p:cNvPr>
@@ -26563,140 +24822,1001 @@
           </a:p>
         </p:txBody>
       </p:sp>
-      <p:sp>
-        <p:nvSpPr>
-          <p:cNvPr id="11" name="TextBox 10">
-            <a:extLst>
-              <a:ext uri="{FF2B5EF4-FFF2-40B4-BE49-F238E27FC236}">
-                <a16:creationId xmlns:a16="http://schemas.microsoft.com/office/drawing/2014/main" id="{BF33280B-5CDA-7E53-2D01-76A356DC45F6}"/>
-              </a:ext>
-            </a:extLst>
-          </p:cNvPr>
-          <p:cNvSpPr txBox="1"/>
-          <p:nvPr/>
-        </p:nvSpPr>
-        <p:spPr>
-          <a:xfrm>
-            <a:off x="2099253" y="2378922"/>
-            <a:ext cx="2313454" cy="369332"/>
-          </a:xfrm>
-          <a:prstGeom prst="rect">
-            <a:avLst/>
-          </a:prstGeom>
-          <a:noFill/>
-        </p:spPr>
-        <p:txBody>
-          <a:bodyPr wrap="none" rtlCol="0">
-            <a:spAutoFit/>
-          </a:bodyPr>
-          <a:lstStyle/>
-          <a:p>
-            <a:r>
-              <a:rPr lang="nl-NL" b="1" dirty="0"/>
-              <a:t>Fase 2 (ontgraving)</a:t>
-            </a:r>
-          </a:p>
-        </p:txBody>
-      </p:sp>
-      <p:sp>
-        <p:nvSpPr>
-          <p:cNvPr id="12" name="TextBox 11">
-            <a:extLst>
-              <a:ext uri="{FF2B5EF4-FFF2-40B4-BE49-F238E27FC236}">
-                <a16:creationId xmlns:a16="http://schemas.microsoft.com/office/drawing/2014/main" id="{EEE70B8E-CC91-C25E-7E0F-377B2114DD32}"/>
-              </a:ext>
-            </a:extLst>
-          </p:cNvPr>
-          <p:cNvSpPr txBox="1"/>
-          <p:nvPr/>
-        </p:nvSpPr>
-        <p:spPr>
-          <a:xfrm>
-            <a:off x="8100003" y="2407828"/>
-            <a:ext cx="1736373" cy="369332"/>
-          </a:xfrm>
-          <a:prstGeom prst="rect">
-            <a:avLst/>
-          </a:prstGeom>
-          <a:noFill/>
-        </p:spPr>
-        <p:txBody>
-          <a:bodyPr wrap="none" rtlCol="0">
-            <a:spAutoFit/>
-          </a:bodyPr>
-          <a:lstStyle/>
-          <a:p>
-            <a:r>
-              <a:rPr lang="nl-NL" b="1" dirty="0"/>
-              <a:t>Fase 3 (anker)</a:t>
-            </a:r>
-          </a:p>
-        </p:txBody>
-      </p:sp>
-      <p:pic>
-        <p:nvPicPr>
-          <p:cNvPr id="9" name="Picture 8">
-            <a:extLst>
-              <a:ext uri="{FF2B5EF4-FFF2-40B4-BE49-F238E27FC236}">
-                <a16:creationId xmlns:a16="http://schemas.microsoft.com/office/drawing/2014/main" id="{436A4E44-7C73-DE22-546E-A102536A1681}"/>
-              </a:ext>
-            </a:extLst>
-          </p:cNvPr>
-          <p:cNvPicPr>
-            <a:picLocks noChangeAspect="1"/>
-          </p:cNvPicPr>
-          <p:nvPr/>
-        </p:nvPicPr>
-        <p:blipFill>
-          <a:blip r:embed="rId2"/>
-          <a:stretch>
-            <a:fillRect/>
-          </a:stretch>
-        </p:blipFill>
-        <p:spPr>
-          <a:xfrm>
-            <a:off x="1145379" y="2858718"/>
-            <a:ext cx="4434241" cy="3311569"/>
-          </a:xfrm>
-          <a:prstGeom prst="rect">
-            <a:avLst/>
-          </a:prstGeom>
-        </p:spPr>
-      </p:pic>
-      <p:pic>
-        <p:nvPicPr>
-          <p:cNvPr id="14" name="Picture 13">
-            <a:extLst>
-              <a:ext uri="{FF2B5EF4-FFF2-40B4-BE49-F238E27FC236}">
-                <a16:creationId xmlns:a16="http://schemas.microsoft.com/office/drawing/2014/main" id="{07B4B1C1-E726-192B-82EE-E107240EA73E}"/>
-              </a:ext>
-            </a:extLst>
-          </p:cNvPr>
-          <p:cNvPicPr>
-            <a:picLocks noChangeAspect="1"/>
-          </p:cNvPicPr>
-          <p:nvPr/>
-        </p:nvPicPr>
-        <p:blipFill>
-          <a:blip r:embed="rId3"/>
-          <a:stretch>
-            <a:fillRect/>
-          </a:stretch>
-        </p:blipFill>
-        <p:spPr>
-          <a:xfrm>
-            <a:off x="6679667" y="2827039"/>
-            <a:ext cx="4577043" cy="3374926"/>
-          </a:xfrm>
-          <a:prstGeom prst="rect">
-            <a:avLst/>
-          </a:prstGeom>
-        </p:spPr>
-      </p:pic>
+      <mc:AlternateContent xmlns:mc="http://schemas.openxmlformats.org/markup-compatibility/2006" xmlns:a14="http://schemas.microsoft.com/office/drawing/2010/main">
+        <mc:Choice Requires="a14">
+          <p:sp>
+            <p:nvSpPr>
+              <p:cNvPr id="7" name="TextBox 6">
+                <a:extLst>
+                  <a:ext uri="{FF2B5EF4-FFF2-40B4-BE49-F238E27FC236}">
+                    <a16:creationId xmlns:a16="http://schemas.microsoft.com/office/drawing/2014/main" id="{EE642758-385A-B04A-0D94-8086DEDC39B3}"/>
+                  </a:ext>
+                </a:extLst>
+              </p:cNvPr>
+              <p:cNvSpPr txBox="1"/>
+              <p:nvPr/>
+            </p:nvSpPr>
+            <p:spPr>
+              <a:xfrm>
+                <a:off x="995437" y="2205799"/>
+                <a:ext cx="7465377" cy="298415"/>
+              </a:xfrm>
+              <a:prstGeom prst="rect">
+                <a:avLst/>
+              </a:prstGeom>
+              <a:noFill/>
+            </p:spPr>
+            <p:txBody>
+              <a:bodyPr wrap="none" lIns="0" tIns="0" rIns="0" bIns="0" rtlCol="0">
+                <a:spAutoFit/>
+              </a:bodyPr>
+              <a:lstStyle/>
+              <a:p>
+                <a:pPr/>
+                <a14:m>
+                  <m:oMathPara xmlns:m="http://schemas.openxmlformats.org/officeDocument/2006/math">
+                    <m:oMathParaPr>
+                      <m:jc m:val="centerGroup"/>
+                    </m:oMathParaPr>
+                    <m:oMath xmlns:m="http://schemas.openxmlformats.org/officeDocument/2006/math">
+                      <m:sSub>
+                        <m:sSubPr>
+                          <m:ctrlPr>
+                            <a:rPr lang="nl-NL" i="1" smtClean="0">
+                              <a:solidFill>
+                                <a:schemeClr val="tx2">
+                                  <a:lumMod val="60000"/>
+                                  <a:lumOff val="40000"/>
+                                </a:schemeClr>
+                              </a:solidFill>
+                              <a:latin typeface="Cambria Math" panose="02040503050406030204" pitchFamily="18" charset="0"/>
+                            </a:rPr>
+                          </m:ctrlPr>
+                        </m:sSubPr>
+                        <m:e>
+                          <m:r>
+                            <a:rPr lang="nl-NL" b="0" i="1" smtClean="0">
+                              <a:solidFill>
+                                <a:schemeClr val="tx2">
+                                  <a:lumMod val="60000"/>
+                                  <a:lumOff val="40000"/>
+                                </a:schemeClr>
+                              </a:solidFill>
+                              <a:latin typeface="Cambria Math" panose="02040503050406030204" pitchFamily="18" charset="0"/>
+                            </a:rPr>
+                            <m:t>𝑃</m:t>
+                          </m:r>
+                          <m:r>
+                            <a:rPr lang="nl-NL" b="0" i="1" smtClean="0">
+                              <a:solidFill>
+                                <a:schemeClr val="tx2">
+                                  <a:lumMod val="60000"/>
+                                  <a:lumOff val="40000"/>
+                                </a:schemeClr>
+                              </a:solidFill>
+                              <a:latin typeface="Cambria Math" panose="02040503050406030204" pitchFamily="18" charset="0"/>
+                            </a:rPr>
+                            <m:t>(</m:t>
+                          </m:r>
+                          <m:r>
+                            <a:rPr lang="nl-NL" i="1">
+                              <a:solidFill>
+                                <a:schemeClr val="tx2">
+                                  <a:lumMod val="60000"/>
+                                  <a:lumOff val="40000"/>
+                                </a:schemeClr>
+                              </a:solidFill>
+                              <a:latin typeface="Cambria Math" panose="02040503050406030204" pitchFamily="18" charset="0"/>
+                            </a:rPr>
+                            <m:t>𝑍</m:t>
+                          </m:r>
+                        </m:e>
+                        <m:sub>
+                          <m:r>
+                            <a:rPr lang="nl-NL" i="1">
+                              <a:solidFill>
+                                <a:schemeClr val="tx2">
+                                  <a:lumMod val="60000"/>
+                                  <a:lumOff val="40000"/>
+                                </a:schemeClr>
+                              </a:solidFill>
+                              <a:latin typeface="Cambria Math" panose="02040503050406030204" pitchFamily="18" charset="0"/>
+                            </a:rPr>
+                            <m:t>𝑑𝑖</m:t>
+                          </m:r>
+                          <m:r>
+                            <a:rPr lang="nl-NL" b="0" i="1" smtClean="0">
+                              <a:solidFill>
+                                <a:schemeClr val="tx2">
+                                  <a:lumMod val="60000"/>
+                                  <a:lumOff val="40000"/>
+                                </a:schemeClr>
+                              </a:solidFill>
+                              <a:latin typeface="Cambria Math" panose="02040503050406030204" pitchFamily="18" charset="0"/>
+                            </a:rPr>
+                            <m:t>𝑠</m:t>
+                          </m:r>
+                          <m:r>
+                            <a:rPr lang="nl-NL" i="1">
+                              <a:solidFill>
+                                <a:schemeClr val="tx2">
+                                  <a:lumMod val="60000"/>
+                                  <a:lumOff val="40000"/>
+                                </a:schemeClr>
+                              </a:solidFill>
+                              <a:latin typeface="Cambria Math" panose="02040503050406030204" pitchFamily="18" charset="0"/>
+                            </a:rPr>
+                            <m:t>𝑝𝑙𝑎𝑐𝑒𝑚𝑒𝑛𝑡</m:t>
+                          </m:r>
+                        </m:sub>
+                      </m:sSub>
+                      <m:r>
+                        <a:rPr lang="nl-NL" i="1">
+                          <a:solidFill>
+                            <a:schemeClr val="tx2">
+                              <a:lumMod val="60000"/>
+                              <a:lumOff val="40000"/>
+                            </a:schemeClr>
+                          </a:solidFill>
+                          <a:latin typeface="Cambria Math" panose="02040503050406030204" pitchFamily="18" charset="0"/>
+                        </a:rPr>
+                        <m:t>&lt;0</m:t>
+                      </m:r>
+                      <m:r>
+                        <a:rPr lang="nl-NL" b="0" i="1" smtClean="0">
+                          <a:solidFill>
+                            <a:schemeClr val="tx2">
+                              <a:lumMod val="60000"/>
+                              <a:lumOff val="40000"/>
+                            </a:schemeClr>
+                          </a:solidFill>
+                          <a:latin typeface="Cambria Math" panose="02040503050406030204" pitchFamily="18" charset="0"/>
+                        </a:rPr>
+                        <m:t>)=</m:t>
+                      </m:r>
+                      <m:r>
+                        <a:rPr lang="nl-NL" b="0" i="1" smtClean="0">
+                          <a:solidFill>
+                            <a:schemeClr val="tx2">
+                              <a:lumMod val="60000"/>
+                              <a:lumOff val="40000"/>
+                            </a:schemeClr>
+                          </a:solidFill>
+                          <a:latin typeface="Cambria Math" panose="02040503050406030204" pitchFamily="18" charset="0"/>
+                        </a:rPr>
+                        <m:t>𝑃</m:t>
+                      </m:r>
+                      <m:r>
+                        <a:rPr lang="nl-NL" b="0" i="1" smtClean="0">
+                          <a:solidFill>
+                            <a:schemeClr val="tx2">
+                              <a:lumMod val="60000"/>
+                              <a:lumOff val="40000"/>
+                            </a:schemeClr>
+                          </a:solidFill>
+                          <a:latin typeface="Cambria Math" panose="02040503050406030204" pitchFamily="18" charset="0"/>
+                        </a:rPr>
+                        <m:t>(</m:t>
+                      </m:r>
+                      <m:r>
+                        <a:rPr lang="nl-NL" b="0" i="1" smtClean="0">
+                          <a:solidFill>
+                            <a:schemeClr val="tx2">
+                              <a:lumMod val="60000"/>
+                              <a:lumOff val="40000"/>
+                            </a:schemeClr>
+                          </a:solidFill>
+                          <a:latin typeface="Cambria Math" panose="02040503050406030204" pitchFamily="18" charset="0"/>
+                        </a:rPr>
+                        <m:t>𝑐𝑟𝑖𝑡𝑖𝑐𝑎𝑙</m:t>
+                      </m:r>
+                      <m:r>
+                        <a:rPr lang="nl-NL" b="0" i="1" smtClean="0">
+                          <a:solidFill>
+                            <a:schemeClr val="tx2">
+                              <a:lumMod val="60000"/>
+                              <a:lumOff val="40000"/>
+                            </a:schemeClr>
+                          </a:solidFill>
+                          <a:latin typeface="Cambria Math" panose="02040503050406030204" pitchFamily="18" charset="0"/>
+                        </a:rPr>
+                        <m:t> </m:t>
+                      </m:r>
+                      <m:r>
+                        <a:rPr lang="nl-NL" b="0" i="1" smtClean="0">
+                          <a:solidFill>
+                            <a:schemeClr val="tx2">
+                              <a:lumMod val="60000"/>
+                              <a:lumOff val="40000"/>
+                            </a:schemeClr>
+                          </a:solidFill>
+                          <a:latin typeface="Cambria Math" panose="02040503050406030204" pitchFamily="18" charset="0"/>
+                        </a:rPr>
+                        <m:t>𝑑𝑖𝑠𝑝𝑙𝑎𝑐𝑒𝑚𝑒𝑛𝑡</m:t>
+                      </m:r>
+                      <m:r>
+                        <a:rPr lang="nl-NL" b="0" i="1" smtClean="0">
+                          <a:solidFill>
+                            <a:schemeClr val="tx2">
+                              <a:lumMod val="60000"/>
+                              <a:lumOff val="40000"/>
+                            </a:schemeClr>
+                          </a:solidFill>
+                          <a:latin typeface="Cambria Math" panose="02040503050406030204" pitchFamily="18" charset="0"/>
+                        </a:rPr>
+                        <m:t>&lt; </m:t>
+                      </m:r>
+                      <m:r>
+                        <a:rPr lang="nl-NL" b="0" i="1" smtClean="0">
+                          <a:solidFill>
+                            <a:schemeClr val="tx2">
+                              <a:lumMod val="60000"/>
+                              <a:lumOff val="40000"/>
+                            </a:schemeClr>
+                          </a:solidFill>
+                          <a:latin typeface="Cambria Math" panose="02040503050406030204" pitchFamily="18" charset="0"/>
+                        </a:rPr>
+                        <m:t>𝑡𝑜𝑡𝑎𝑙</m:t>
+                      </m:r>
+                      <m:r>
+                        <a:rPr lang="nl-NL" b="0" i="1" smtClean="0">
+                          <a:solidFill>
+                            <a:schemeClr val="tx2">
+                              <a:lumMod val="60000"/>
+                              <a:lumOff val="40000"/>
+                            </a:schemeClr>
+                          </a:solidFill>
+                          <a:latin typeface="Cambria Math" panose="02040503050406030204" pitchFamily="18" charset="0"/>
+                        </a:rPr>
+                        <m:t> </m:t>
+                      </m:r>
+                      <m:r>
+                        <a:rPr lang="nl-NL" b="0" i="1" smtClean="0">
+                          <a:solidFill>
+                            <a:schemeClr val="tx2">
+                              <a:lumMod val="60000"/>
+                              <a:lumOff val="40000"/>
+                            </a:schemeClr>
+                          </a:solidFill>
+                          <a:latin typeface="Cambria Math" panose="02040503050406030204" pitchFamily="18" charset="0"/>
+                        </a:rPr>
+                        <m:t>𝑑𝑖𝑠𝑝𝑙𝑎𝑐𝑒𝑚𝑒𝑛𝑡</m:t>
+                      </m:r>
+                      <m:r>
+                        <a:rPr lang="nl-NL" b="0" i="1" smtClean="0">
+                          <a:solidFill>
+                            <a:schemeClr val="tx2">
+                              <a:lumMod val="60000"/>
+                              <a:lumOff val="40000"/>
+                            </a:schemeClr>
+                          </a:solidFill>
+                          <a:latin typeface="Cambria Math" panose="02040503050406030204" pitchFamily="18" charset="0"/>
+                        </a:rPr>
+                        <m:t> </m:t>
+                      </m:r>
+                      <m:r>
+                        <a:rPr lang="nl-NL" b="0" i="1" smtClean="0">
+                          <a:solidFill>
+                            <a:schemeClr val="tx2">
+                              <a:lumMod val="60000"/>
+                              <a:lumOff val="40000"/>
+                            </a:schemeClr>
+                          </a:solidFill>
+                          <a:latin typeface="Cambria Math" panose="02040503050406030204" pitchFamily="18" charset="0"/>
+                        </a:rPr>
+                        <m:t>𝑥</m:t>
+                      </m:r>
+                      <m:r>
+                        <a:rPr lang="nl-NL" b="0" i="1" smtClean="0">
+                          <a:solidFill>
+                            <a:schemeClr val="tx2">
+                              <a:lumMod val="60000"/>
+                              <a:lumOff val="40000"/>
+                            </a:schemeClr>
+                          </a:solidFill>
+                          <a:latin typeface="Cambria Math" panose="02040503050406030204" pitchFamily="18" charset="0"/>
+                        </a:rPr>
+                        <m:t>)</m:t>
+                      </m:r>
+                    </m:oMath>
+                  </m:oMathPara>
+                </a14:m>
+                <a:endParaRPr lang="nl-NL" dirty="0">
+                  <a:solidFill>
+                    <a:schemeClr val="tx2">
+                      <a:lumMod val="60000"/>
+                      <a:lumOff val="40000"/>
+                    </a:schemeClr>
+                  </a:solidFill>
+                </a:endParaRPr>
+              </a:p>
+            </p:txBody>
+          </p:sp>
+        </mc:Choice>
+        <mc:Fallback xmlns="">
+          <p:sp>
+            <p:nvSpPr>
+              <p:cNvPr id="7" name="TextBox 6">
+                <a:extLst>
+                  <a:ext uri="{FF2B5EF4-FFF2-40B4-BE49-F238E27FC236}">
+                    <a16:creationId xmlns:a16="http://schemas.microsoft.com/office/drawing/2014/main" id="{EE642758-385A-B04A-0D94-8086DEDC39B3}"/>
+                  </a:ext>
+                </a:extLst>
+              </p:cNvPr>
+              <p:cNvSpPr txBox="1">
+                <a:spLocks noRot="1" noChangeAspect="1" noMove="1" noResize="1" noEditPoints="1" noAdjustHandles="1" noChangeArrowheads="1" noChangeShapeType="1" noTextEdit="1"/>
+              </p:cNvSpPr>
+              <p:nvPr/>
+            </p:nvSpPr>
+            <p:spPr>
+              <a:xfrm>
+                <a:off x="995437" y="2205799"/>
+                <a:ext cx="7465377" cy="298415"/>
+              </a:xfrm>
+              <a:prstGeom prst="rect">
+                <a:avLst/>
+              </a:prstGeom>
+              <a:blipFill>
+                <a:blip r:embed="rId2"/>
+                <a:stretch>
+                  <a:fillRect l="-163" r="-571" b="-26531"/>
+                </a:stretch>
+              </a:blipFill>
+            </p:spPr>
+            <p:txBody>
+              <a:bodyPr/>
+              <a:lstStyle/>
+              <a:p>
+                <a:r>
+                  <a:rPr lang="nl-NL">
+                    <a:noFill/>
+                  </a:rPr>
+                  <a:t> </a:t>
+                </a:r>
+              </a:p>
+            </p:txBody>
+          </p:sp>
+        </mc:Fallback>
+      </mc:AlternateContent>
+      <mc:AlternateContent xmlns:mc="http://schemas.openxmlformats.org/markup-compatibility/2006" xmlns:a14="http://schemas.microsoft.com/office/drawing/2010/main">
+        <mc:Choice Requires="a14">
+          <p:sp>
+            <p:nvSpPr>
+              <p:cNvPr id="8" name="TextBox 7">
+                <a:extLst>
+                  <a:ext uri="{FF2B5EF4-FFF2-40B4-BE49-F238E27FC236}">
+                    <a16:creationId xmlns:a16="http://schemas.microsoft.com/office/drawing/2014/main" id="{6DC21BBF-D9F7-3BF8-BC94-A547B99AECE3}"/>
+                  </a:ext>
+                </a:extLst>
+              </p:cNvPr>
+              <p:cNvSpPr txBox="1"/>
+              <p:nvPr/>
+            </p:nvSpPr>
+            <p:spPr>
+              <a:xfrm>
+                <a:off x="995437" y="3750403"/>
+                <a:ext cx="7950445" cy="299569"/>
+              </a:xfrm>
+              <a:prstGeom prst="rect">
+                <a:avLst/>
+              </a:prstGeom>
+              <a:noFill/>
+            </p:spPr>
+            <p:txBody>
+              <a:bodyPr wrap="none" lIns="0" tIns="0" rIns="0" bIns="0" rtlCol="0">
+                <a:spAutoFit/>
+              </a:bodyPr>
+              <a:lstStyle/>
+              <a:p>
+                <a:pPr/>
+                <a14:m>
+                  <m:oMathPara xmlns:m="http://schemas.openxmlformats.org/officeDocument/2006/math">
+                    <m:oMathParaPr>
+                      <m:jc m:val="centerGroup"/>
+                    </m:oMathParaPr>
+                    <m:oMath xmlns:m="http://schemas.openxmlformats.org/officeDocument/2006/math">
+                      <m:sSub>
+                        <m:sSubPr>
+                          <m:ctrlPr>
+                            <a:rPr lang="nl-NL" b="0" i="1" smtClean="0">
+                              <a:solidFill>
+                                <a:schemeClr val="tx2">
+                                  <a:lumMod val="60000"/>
+                                  <a:lumOff val="40000"/>
+                                </a:schemeClr>
+                              </a:solidFill>
+                              <a:latin typeface="Cambria Math" panose="02040503050406030204" pitchFamily="18" charset="0"/>
+                            </a:rPr>
+                          </m:ctrlPr>
+                        </m:sSubPr>
+                        <m:e>
+                          <m:r>
+                            <a:rPr lang="nl-NL" b="0" i="1" smtClean="0">
+                              <a:solidFill>
+                                <a:schemeClr val="tx2">
+                                  <a:lumMod val="60000"/>
+                                  <a:lumOff val="40000"/>
+                                </a:schemeClr>
+                              </a:solidFill>
+                              <a:latin typeface="Cambria Math" panose="02040503050406030204" pitchFamily="18" charset="0"/>
+                            </a:rPr>
+                            <m:t>𝑃</m:t>
+                          </m:r>
+                          <m:r>
+                            <a:rPr lang="nl-NL" b="0" i="1" smtClean="0">
+                              <a:solidFill>
+                                <a:schemeClr val="tx2">
+                                  <a:lumMod val="60000"/>
+                                  <a:lumOff val="40000"/>
+                                </a:schemeClr>
+                              </a:solidFill>
+                              <a:latin typeface="Cambria Math" panose="02040503050406030204" pitchFamily="18" charset="0"/>
+                            </a:rPr>
+                            <m:t>(</m:t>
+                          </m:r>
+                          <m:r>
+                            <a:rPr lang="nl-NL" b="0" i="1" smtClean="0">
+                              <a:solidFill>
+                                <a:schemeClr val="tx2">
+                                  <a:lumMod val="60000"/>
+                                  <a:lumOff val="40000"/>
+                                </a:schemeClr>
+                              </a:solidFill>
+                              <a:latin typeface="Cambria Math" panose="02040503050406030204" pitchFamily="18" charset="0"/>
+                            </a:rPr>
+                            <m:t>𝑍</m:t>
+                          </m:r>
+                        </m:e>
+                        <m:sub>
+                          <m:r>
+                            <a:rPr lang="nl-NL" b="0" i="1" smtClean="0">
+                              <a:solidFill>
+                                <a:schemeClr val="tx2">
+                                  <a:lumMod val="60000"/>
+                                  <a:lumOff val="40000"/>
+                                </a:schemeClr>
+                              </a:solidFill>
+                              <a:latin typeface="Cambria Math" panose="02040503050406030204" pitchFamily="18" charset="0"/>
+                            </a:rPr>
+                            <m:t>𝑏𝑒𝑛𝑑𝑖𝑛𝑔</m:t>
+                          </m:r>
+                        </m:sub>
+                      </m:sSub>
+                      <m:r>
+                        <a:rPr lang="nl-NL" b="0" i="1" smtClean="0">
+                          <a:solidFill>
+                            <a:schemeClr val="tx2">
+                              <a:lumMod val="60000"/>
+                              <a:lumOff val="40000"/>
+                            </a:schemeClr>
+                          </a:solidFill>
+                          <a:latin typeface="Cambria Math" panose="02040503050406030204" pitchFamily="18" charset="0"/>
+                        </a:rPr>
+                        <m:t>&lt;0)=</m:t>
+                      </m:r>
+                      <m:r>
+                        <a:rPr lang="nl-NL" b="0" i="1" smtClean="0">
+                          <a:solidFill>
+                            <a:schemeClr val="tx2">
+                              <a:lumMod val="60000"/>
+                              <a:lumOff val="40000"/>
+                            </a:schemeClr>
+                          </a:solidFill>
+                          <a:latin typeface="Cambria Math" panose="02040503050406030204" pitchFamily="18" charset="0"/>
+                        </a:rPr>
+                        <m:t>𝑃</m:t>
+                      </m:r>
+                      <m:r>
+                        <a:rPr lang="nl-NL" b="0" i="1" smtClean="0">
+                          <a:solidFill>
+                            <a:schemeClr val="tx2">
+                              <a:lumMod val="60000"/>
+                              <a:lumOff val="40000"/>
+                            </a:schemeClr>
+                          </a:solidFill>
+                          <a:latin typeface="Cambria Math" panose="02040503050406030204" pitchFamily="18" charset="0"/>
+                        </a:rPr>
+                        <m:t>(</m:t>
+                      </m:r>
+                      <m:r>
+                        <a:rPr lang="nl-NL" b="0" i="1" smtClean="0">
+                          <a:solidFill>
+                            <a:schemeClr val="tx2">
+                              <a:lumMod val="60000"/>
+                              <a:lumOff val="40000"/>
+                            </a:schemeClr>
+                          </a:solidFill>
+                          <a:latin typeface="Cambria Math" panose="02040503050406030204" pitchFamily="18" charset="0"/>
+                        </a:rPr>
+                        <m:t>𝑐𝑟𝑖𝑡𝑖𝑐𝑎𝑙</m:t>
+                      </m:r>
+                      <m:r>
+                        <a:rPr lang="nl-NL" b="0" i="1" smtClean="0">
+                          <a:solidFill>
+                            <a:schemeClr val="tx2">
+                              <a:lumMod val="60000"/>
+                              <a:lumOff val="40000"/>
+                            </a:schemeClr>
+                          </a:solidFill>
+                          <a:latin typeface="Cambria Math" panose="02040503050406030204" pitchFamily="18" charset="0"/>
+                        </a:rPr>
+                        <m:t> </m:t>
+                      </m:r>
+                      <m:r>
+                        <a:rPr lang="nl-NL" b="0" i="1" smtClean="0">
+                          <a:solidFill>
+                            <a:schemeClr val="tx2">
+                              <a:lumMod val="60000"/>
+                              <a:lumOff val="40000"/>
+                            </a:schemeClr>
+                          </a:solidFill>
+                          <a:latin typeface="Cambria Math" panose="02040503050406030204" pitchFamily="18" charset="0"/>
+                        </a:rPr>
+                        <m:t>𝑏𝑒𝑛𝑑𝑖𝑛𝑔</m:t>
+                      </m:r>
+                      <m:r>
+                        <a:rPr lang="nl-NL" b="0" i="1" smtClean="0">
+                          <a:solidFill>
+                            <a:schemeClr val="tx2">
+                              <a:lumMod val="60000"/>
+                              <a:lumOff val="40000"/>
+                            </a:schemeClr>
+                          </a:solidFill>
+                          <a:latin typeface="Cambria Math" panose="02040503050406030204" pitchFamily="18" charset="0"/>
+                        </a:rPr>
+                        <m:t> </m:t>
+                      </m:r>
+                      <m:r>
+                        <a:rPr lang="nl-NL" b="0" i="1" smtClean="0">
+                          <a:solidFill>
+                            <a:schemeClr val="tx2">
+                              <a:lumMod val="60000"/>
+                              <a:lumOff val="40000"/>
+                            </a:schemeClr>
+                          </a:solidFill>
+                          <a:latin typeface="Cambria Math" panose="02040503050406030204" pitchFamily="18" charset="0"/>
+                        </a:rPr>
+                        <m:t>𝑚𝑜𝑚𝑒𝑛𝑡</m:t>
+                      </m:r>
+                      <m:r>
+                        <a:rPr lang="nl-NL" b="0" i="1" smtClean="0">
+                          <a:solidFill>
+                            <a:schemeClr val="tx2">
+                              <a:lumMod val="60000"/>
+                              <a:lumOff val="40000"/>
+                            </a:schemeClr>
+                          </a:solidFill>
+                          <a:latin typeface="Cambria Math" panose="02040503050406030204" pitchFamily="18" charset="0"/>
+                        </a:rPr>
+                        <m:t>&lt;</m:t>
+                      </m:r>
+                      <m:r>
+                        <a:rPr lang="nl-NL" b="0" i="1" smtClean="0">
+                          <a:solidFill>
+                            <a:schemeClr val="tx2">
+                              <a:lumMod val="60000"/>
+                              <a:lumOff val="40000"/>
+                            </a:schemeClr>
+                          </a:solidFill>
+                          <a:latin typeface="Cambria Math" panose="02040503050406030204" pitchFamily="18" charset="0"/>
+                        </a:rPr>
+                        <m:t>𝑚𝑎𝑥𝑖𝑚𝑎𝑙</m:t>
+                      </m:r>
+                      <m:r>
+                        <a:rPr lang="nl-NL" b="0" i="1" smtClean="0">
+                          <a:solidFill>
+                            <a:schemeClr val="tx2">
+                              <a:lumMod val="60000"/>
+                              <a:lumOff val="40000"/>
+                            </a:schemeClr>
+                          </a:solidFill>
+                          <a:latin typeface="Cambria Math" panose="02040503050406030204" pitchFamily="18" charset="0"/>
+                        </a:rPr>
+                        <m:t> </m:t>
+                      </m:r>
+                      <m:r>
+                        <a:rPr lang="nl-NL" b="0" i="1" smtClean="0">
+                          <a:solidFill>
+                            <a:schemeClr val="tx2">
+                              <a:lumMod val="60000"/>
+                              <a:lumOff val="40000"/>
+                            </a:schemeClr>
+                          </a:solidFill>
+                          <a:latin typeface="Cambria Math" panose="02040503050406030204" pitchFamily="18" charset="0"/>
+                        </a:rPr>
+                        <m:t>𝑏𝑒𝑛𝑑𝑖𝑛𝑔</m:t>
+                      </m:r>
+                      <m:r>
+                        <a:rPr lang="nl-NL" b="0" i="1" smtClean="0">
+                          <a:solidFill>
+                            <a:schemeClr val="tx2">
+                              <a:lumMod val="60000"/>
+                              <a:lumOff val="40000"/>
+                            </a:schemeClr>
+                          </a:solidFill>
+                          <a:latin typeface="Cambria Math" panose="02040503050406030204" pitchFamily="18" charset="0"/>
+                        </a:rPr>
+                        <m:t> </m:t>
+                      </m:r>
+                      <m:r>
+                        <a:rPr lang="nl-NL" b="0" i="1" smtClean="0">
+                          <a:solidFill>
+                            <a:schemeClr val="tx2">
+                              <a:lumMod val="60000"/>
+                              <a:lumOff val="40000"/>
+                            </a:schemeClr>
+                          </a:solidFill>
+                          <a:latin typeface="Cambria Math" panose="02040503050406030204" pitchFamily="18" charset="0"/>
+                        </a:rPr>
+                        <m:t>𝑚𝑜𝑚𝑒𝑛𝑡</m:t>
+                      </m:r>
+                      <m:r>
+                        <a:rPr lang="nl-NL" b="0" i="1" smtClean="0">
+                          <a:solidFill>
+                            <a:schemeClr val="tx2">
+                              <a:lumMod val="60000"/>
+                              <a:lumOff val="40000"/>
+                            </a:schemeClr>
+                          </a:solidFill>
+                          <a:latin typeface="Cambria Math" panose="02040503050406030204" pitchFamily="18" charset="0"/>
+                        </a:rPr>
+                        <m:t>)</m:t>
+                      </m:r>
+                    </m:oMath>
+                  </m:oMathPara>
+                </a14:m>
+                <a:endParaRPr lang="nl-NL" dirty="0">
+                  <a:solidFill>
+                    <a:schemeClr val="tx2">
+                      <a:lumMod val="60000"/>
+                      <a:lumOff val="40000"/>
+                    </a:schemeClr>
+                  </a:solidFill>
+                </a:endParaRPr>
+              </a:p>
+            </p:txBody>
+          </p:sp>
+        </mc:Choice>
+        <mc:Fallback xmlns="">
+          <p:sp>
+            <p:nvSpPr>
+              <p:cNvPr id="8" name="TextBox 7">
+                <a:extLst>
+                  <a:ext uri="{FF2B5EF4-FFF2-40B4-BE49-F238E27FC236}">
+                    <a16:creationId xmlns:a16="http://schemas.microsoft.com/office/drawing/2014/main" id="{6DC21BBF-D9F7-3BF8-BC94-A547B99AECE3}"/>
+                  </a:ext>
+                </a:extLst>
+              </p:cNvPr>
+              <p:cNvSpPr txBox="1">
+                <a:spLocks noRot="1" noChangeAspect="1" noMove="1" noResize="1" noEditPoints="1" noAdjustHandles="1" noChangeArrowheads="1" noChangeShapeType="1" noTextEdit="1"/>
+              </p:cNvSpPr>
+              <p:nvPr/>
+            </p:nvSpPr>
+            <p:spPr>
+              <a:xfrm>
+                <a:off x="995437" y="3750403"/>
+                <a:ext cx="7950445" cy="299569"/>
+              </a:xfrm>
+              <a:prstGeom prst="rect">
+                <a:avLst/>
+              </a:prstGeom>
+              <a:blipFill>
+                <a:blip r:embed="rId3"/>
+                <a:stretch>
+                  <a:fillRect r="-307" b="-30612"/>
+                </a:stretch>
+              </a:blipFill>
+            </p:spPr>
+            <p:txBody>
+              <a:bodyPr/>
+              <a:lstStyle/>
+              <a:p>
+                <a:r>
+                  <a:rPr lang="nl-NL">
+                    <a:noFill/>
+                  </a:rPr>
+                  <a:t> </a:t>
+                </a:r>
+              </a:p>
+            </p:txBody>
+          </p:sp>
+        </mc:Fallback>
+      </mc:AlternateContent>
+      <mc:AlternateContent xmlns:mc="http://schemas.openxmlformats.org/markup-compatibility/2006" xmlns:a14="http://schemas.microsoft.com/office/drawing/2010/main">
+        <mc:Choice Requires="a14">
+          <p:sp>
+            <p:nvSpPr>
+              <p:cNvPr id="9" name="TextBox 8">
+                <a:extLst>
+                  <a:ext uri="{FF2B5EF4-FFF2-40B4-BE49-F238E27FC236}">
+                    <a16:creationId xmlns:a16="http://schemas.microsoft.com/office/drawing/2014/main" id="{591B327D-5064-9AE7-C2C3-2605D103F585}"/>
+                  </a:ext>
+                </a:extLst>
+              </p:cNvPr>
+              <p:cNvSpPr txBox="1"/>
+              <p:nvPr/>
+            </p:nvSpPr>
+            <p:spPr>
+              <a:xfrm>
+                <a:off x="995437" y="5243780"/>
+                <a:ext cx="3704219" cy="299569"/>
+              </a:xfrm>
+              <a:prstGeom prst="rect">
+                <a:avLst/>
+              </a:prstGeom>
+              <a:noFill/>
+            </p:spPr>
+            <p:txBody>
+              <a:bodyPr wrap="none" lIns="0" tIns="0" rIns="0" bIns="0" rtlCol="0">
+                <a:spAutoFit/>
+              </a:bodyPr>
+              <a:lstStyle/>
+              <a:p>
+                <a:pPr/>
+                <a14:m>
+                  <m:oMathPara xmlns:m="http://schemas.openxmlformats.org/officeDocument/2006/math">
+                    <m:oMathParaPr>
+                      <m:jc m:val="centerGroup"/>
+                    </m:oMathParaPr>
+                    <m:oMath xmlns:m="http://schemas.openxmlformats.org/officeDocument/2006/math">
+                      <m:sSub>
+                        <m:sSubPr>
+                          <m:ctrlPr>
+                            <a:rPr lang="nl-NL" b="0" i="1" smtClean="0">
+                              <a:solidFill>
+                                <a:schemeClr val="tx2">
+                                  <a:lumMod val="60000"/>
+                                  <a:lumOff val="40000"/>
+                                </a:schemeClr>
+                              </a:solidFill>
+                              <a:latin typeface="Cambria Math" panose="02040503050406030204" pitchFamily="18" charset="0"/>
+                            </a:rPr>
+                          </m:ctrlPr>
+                        </m:sSubPr>
+                        <m:e>
+                          <m:r>
+                            <a:rPr lang="nl-NL" b="0" i="1" smtClean="0">
+                              <a:solidFill>
+                                <a:schemeClr val="tx2">
+                                  <a:lumMod val="60000"/>
+                                  <a:lumOff val="40000"/>
+                                </a:schemeClr>
+                              </a:solidFill>
+                              <a:latin typeface="Cambria Math" panose="02040503050406030204" pitchFamily="18" charset="0"/>
+                            </a:rPr>
+                            <m:t>𝑃</m:t>
+                          </m:r>
+                          <m:r>
+                            <a:rPr lang="nl-NL" b="0" i="1" smtClean="0">
+                              <a:solidFill>
+                                <a:schemeClr val="tx2">
+                                  <a:lumMod val="60000"/>
+                                  <a:lumOff val="40000"/>
+                                </a:schemeClr>
+                              </a:solidFill>
+                              <a:latin typeface="Cambria Math" panose="02040503050406030204" pitchFamily="18" charset="0"/>
+                            </a:rPr>
+                            <m:t>(</m:t>
+                          </m:r>
+                          <m:sSub>
+                            <m:sSubPr>
+                              <m:ctrlPr>
+                                <a:rPr lang="nl-NL" i="1">
+                                  <a:solidFill>
+                                    <a:schemeClr val="tx2">
+                                      <a:lumMod val="60000"/>
+                                      <a:lumOff val="40000"/>
+                                    </a:schemeClr>
+                                  </a:solidFill>
+                                  <a:latin typeface="Cambria Math" panose="02040503050406030204" pitchFamily="18" charset="0"/>
+                                </a:rPr>
+                              </m:ctrlPr>
+                            </m:sSubPr>
+                            <m:e>
+                              <m:r>
+                                <a:rPr lang="nl-NL" i="1">
+                                  <a:solidFill>
+                                    <a:schemeClr val="tx2">
+                                      <a:lumMod val="60000"/>
+                                      <a:lumOff val="40000"/>
+                                    </a:schemeClr>
+                                  </a:solidFill>
+                                  <a:latin typeface="Cambria Math" panose="02040503050406030204" pitchFamily="18" charset="0"/>
+                                </a:rPr>
+                                <m:t>𝑍</m:t>
+                              </m:r>
+                            </m:e>
+                            <m:sub>
+                              <m:r>
+                                <a:rPr lang="nl-NL" i="1">
+                                  <a:solidFill>
+                                    <a:schemeClr val="tx2">
+                                      <a:lumMod val="60000"/>
+                                      <a:lumOff val="40000"/>
+                                    </a:schemeClr>
+                                  </a:solidFill>
+                                  <a:latin typeface="Cambria Math" panose="02040503050406030204" pitchFamily="18" charset="0"/>
+                                </a:rPr>
+                                <m:t>𝑑𝑖</m:t>
+                              </m:r>
+                              <m:r>
+                                <a:rPr lang="nl-NL" b="0" i="1" smtClean="0">
+                                  <a:solidFill>
+                                    <a:schemeClr val="tx2">
+                                      <a:lumMod val="60000"/>
+                                      <a:lumOff val="40000"/>
+                                    </a:schemeClr>
+                                  </a:solidFill>
+                                  <a:latin typeface="Cambria Math" panose="02040503050406030204" pitchFamily="18" charset="0"/>
+                                </a:rPr>
+                                <m:t>𝑠</m:t>
+                              </m:r>
+                              <m:r>
+                                <a:rPr lang="nl-NL" i="1">
+                                  <a:solidFill>
+                                    <a:schemeClr val="tx2">
+                                      <a:lumMod val="60000"/>
+                                      <a:lumOff val="40000"/>
+                                    </a:schemeClr>
+                                  </a:solidFill>
+                                  <a:latin typeface="Cambria Math" panose="02040503050406030204" pitchFamily="18" charset="0"/>
+                                </a:rPr>
+                                <m:t>𝑝𝑙𝑎𝑐𝑒𝑚𝑒𝑛𝑡</m:t>
+                              </m:r>
+                            </m:sub>
+                          </m:sSub>
+                          <m:r>
+                            <a:rPr lang="nl-NL" i="1">
+                              <a:solidFill>
+                                <a:schemeClr val="tx2">
+                                  <a:lumMod val="60000"/>
+                                  <a:lumOff val="40000"/>
+                                </a:schemeClr>
+                              </a:solidFill>
+                              <a:latin typeface="Cambria Math" panose="02040503050406030204" pitchFamily="18" charset="0"/>
+                            </a:rPr>
+                            <m:t>&lt;0</m:t>
+                          </m:r>
+                          <m:r>
+                            <a:rPr lang="nl-NL" b="0" i="1" smtClean="0">
+                              <a:solidFill>
+                                <a:schemeClr val="tx2">
+                                  <a:lumMod val="60000"/>
+                                  <a:lumOff val="40000"/>
+                                </a:schemeClr>
+                              </a:solidFill>
+                              <a:latin typeface="Cambria Math" panose="02040503050406030204" pitchFamily="18" charset="0"/>
+                            </a:rPr>
+                            <m:t> </m:t>
+                          </m:r>
+                          <m:r>
+                            <a:rPr lang="nl-NL" b="0" i="1" smtClean="0">
+                              <a:solidFill>
+                                <a:schemeClr val="tx2">
+                                  <a:lumMod val="60000"/>
+                                  <a:lumOff val="40000"/>
+                                </a:schemeClr>
+                              </a:solidFill>
+                              <a:latin typeface="Cambria Math" panose="02040503050406030204" pitchFamily="18" charset="0"/>
+                            </a:rPr>
+                            <m:t>𝑜𝑟</m:t>
+                          </m:r>
+                          <m:r>
+                            <a:rPr lang="nl-NL" b="0" i="1" smtClean="0">
+                              <a:solidFill>
+                                <a:schemeClr val="tx2">
+                                  <a:lumMod val="60000"/>
+                                  <a:lumOff val="40000"/>
+                                </a:schemeClr>
+                              </a:solidFill>
+                              <a:latin typeface="Cambria Math" panose="02040503050406030204" pitchFamily="18" charset="0"/>
+                            </a:rPr>
+                            <m:t> </m:t>
+                          </m:r>
+                          <m:r>
+                            <a:rPr lang="nl-NL" b="0" i="1" smtClean="0">
+                              <a:solidFill>
+                                <a:schemeClr val="tx2">
+                                  <a:lumMod val="60000"/>
+                                  <a:lumOff val="40000"/>
+                                </a:schemeClr>
+                              </a:solidFill>
+                              <a:latin typeface="Cambria Math" panose="02040503050406030204" pitchFamily="18" charset="0"/>
+                            </a:rPr>
+                            <m:t>𝑍</m:t>
+                          </m:r>
+                        </m:e>
+                        <m:sub>
+                          <m:r>
+                            <a:rPr lang="nl-NL" b="0" i="1" smtClean="0">
+                              <a:solidFill>
+                                <a:schemeClr val="tx2">
+                                  <a:lumMod val="60000"/>
+                                  <a:lumOff val="40000"/>
+                                </a:schemeClr>
+                              </a:solidFill>
+                              <a:latin typeface="Cambria Math" panose="02040503050406030204" pitchFamily="18" charset="0"/>
+                            </a:rPr>
+                            <m:t>𝑏𝑒𝑛𝑑𝑖𝑛𝑔</m:t>
+                          </m:r>
+                        </m:sub>
+                      </m:sSub>
+                      <m:r>
+                        <a:rPr lang="nl-NL" b="0" i="1" smtClean="0">
+                          <a:solidFill>
+                            <a:schemeClr val="tx2">
+                              <a:lumMod val="60000"/>
+                              <a:lumOff val="40000"/>
+                            </a:schemeClr>
+                          </a:solidFill>
+                          <a:latin typeface="Cambria Math" panose="02040503050406030204" pitchFamily="18" charset="0"/>
+                        </a:rPr>
+                        <m:t>&lt;0)</m:t>
+                      </m:r>
+                    </m:oMath>
+                  </m:oMathPara>
+                </a14:m>
+                <a:endParaRPr lang="nl-NL" dirty="0">
+                  <a:solidFill>
+                    <a:schemeClr val="tx2">
+                      <a:lumMod val="60000"/>
+                      <a:lumOff val="40000"/>
+                    </a:schemeClr>
+                  </a:solidFill>
+                </a:endParaRPr>
+              </a:p>
+            </p:txBody>
+          </p:sp>
+        </mc:Choice>
+        <mc:Fallback xmlns="">
+          <p:sp>
+            <p:nvSpPr>
+              <p:cNvPr id="9" name="TextBox 8">
+                <a:extLst>
+                  <a:ext uri="{FF2B5EF4-FFF2-40B4-BE49-F238E27FC236}">
+                    <a16:creationId xmlns:a16="http://schemas.microsoft.com/office/drawing/2014/main" id="{591B327D-5064-9AE7-C2C3-2605D103F585}"/>
+                  </a:ext>
+                </a:extLst>
+              </p:cNvPr>
+              <p:cNvSpPr txBox="1">
+                <a:spLocks noRot="1" noChangeAspect="1" noMove="1" noResize="1" noEditPoints="1" noAdjustHandles="1" noChangeArrowheads="1" noChangeShapeType="1" noTextEdit="1"/>
+              </p:cNvSpPr>
+              <p:nvPr/>
+            </p:nvSpPr>
+            <p:spPr>
+              <a:xfrm>
+                <a:off x="995437" y="5243780"/>
+                <a:ext cx="3704219" cy="299569"/>
+              </a:xfrm>
+              <a:prstGeom prst="rect">
+                <a:avLst/>
+              </a:prstGeom>
+              <a:blipFill>
+                <a:blip r:embed="rId4"/>
+                <a:stretch>
+                  <a:fillRect l="-822" r="-1645" b="-30612"/>
+                </a:stretch>
+              </a:blipFill>
+            </p:spPr>
+            <p:txBody>
+              <a:bodyPr/>
+              <a:lstStyle/>
+              <a:p>
+                <a:r>
+                  <a:rPr lang="nl-NL">
+                    <a:noFill/>
+                  </a:rPr>
+                  <a:t> </a:t>
+                </a:r>
+              </a:p>
+            </p:txBody>
+          </p:sp>
+        </mc:Fallback>
+      </mc:AlternateContent>
     </p:spTree>
     <p:extLst>
       <p:ext uri="{BB962C8B-B14F-4D97-AF65-F5344CB8AC3E}">
-        <p14:creationId xmlns:p14="http://schemas.microsoft.com/office/powerpoint/2010/main" val="280293110"/>
+        <p14:creationId xmlns:p14="http://schemas.microsoft.com/office/powerpoint/2010/main" val="275679830"/>
       </p:ext>
     </p:extLst>
   </p:cSld>
@@ -27490,6 +26610,15 @@
 </file>
 
 <file path=customXml/item1.xml><?xml version="1.0" encoding="utf-8"?>
+<?mso-contentType ?>
+<FormTemplates xmlns="http://schemas.microsoft.com/sharepoint/v3/contenttype/forms">
+  <Display>DocumentLibraryForm</Display>
+  <Edit>DocumentLibraryForm</Edit>
+  <New>DocumentLibraryForm</New>
+</FormTemplates>
+</file>
+
+<file path=customXml/item2.xml><?xml version="1.0" encoding="utf-8"?>
 <p:properties xmlns:p="http://schemas.microsoft.com/office/2006/metadata/properties" xmlns:xsi="http://www.w3.org/2001/XMLSchema-instance" xmlns:pc="http://schemas.microsoft.com/office/infopath/2007/PartnerControls">
   <documentManagement>
     <TaxCatchAll xmlns="dead17b3-d09a-4d17-9633-982b423f4fbc" xsi:nil="true"/>
@@ -27498,15 +26627,6 @@
     </lcf76f155ced4ddcb4097134ff3c332f>
   </documentManagement>
 </p:properties>
-</file>
-
-<file path=customXml/item2.xml><?xml version="1.0" encoding="utf-8"?>
-<?mso-contentType ?>
-<FormTemplates xmlns="http://schemas.microsoft.com/sharepoint/v3/contenttype/forms">
-  <Display>DocumentLibraryForm</Display>
-  <Edit>DocumentLibraryForm</Edit>
-  <New>DocumentLibraryForm</New>
-</FormTemplates>
 </file>
 
 <file path=customXml/item3.xml><?xml version="1.0" encoding="utf-8"?>
@@ -27721,20 +26841,20 @@
 </file>
 
 <file path=customXml/itemProps1.xml><?xml version="1.0" encoding="utf-8"?>
+<ds:datastoreItem xmlns:ds="http://schemas.openxmlformats.org/officeDocument/2006/customXml" ds:itemID="{5636F5E9-25BB-4734-86C2-FD32BCBA5CBD}">
+  <ds:schemaRefs>
+    <ds:schemaRef ds:uri="http://schemas.microsoft.com/sharepoint/v3/contenttype/forms"/>
+  </ds:schemaRefs>
+</ds:datastoreItem>
+</file>
+
+<file path=customXml/itemProps2.xml><?xml version="1.0" encoding="utf-8"?>
 <ds:datastoreItem xmlns:ds="http://schemas.openxmlformats.org/officeDocument/2006/customXml" ds:itemID="{84338BAD-8BA4-4C42-A850-147A5D210631}">
   <ds:schemaRefs>
     <ds:schemaRef ds:uri="http://schemas.microsoft.com/office/2006/metadata/properties"/>
     <ds:schemaRef ds:uri="http://schemas.microsoft.com/office/infopath/2007/PartnerControls"/>
     <ds:schemaRef ds:uri="dead17b3-d09a-4d17-9633-982b423f4fbc"/>
     <ds:schemaRef ds:uri="edd774d5-6d8f-4b83-b098-255576e86aac"/>
-  </ds:schemaRefs>
-</ds:datastoreItem>
-</file>
-
-<file path=customXml/itemProps2.xml><?xml version="1.0" encoding="utf-8"?>
-<ds:datastoreItem xmlns:ds="http://schemas.openxmlformats.org/officeDocument/2006/customXml" ds:itemID="{5636F5E9-25BB-4734-86C2-FD32BCBA5CBD}">
-  <ds:schemaRefs>
-    <ds:schemaRef ds:uri="http://schemas.microsoft.com/sharepoint/v3/contenttype/forms"/>
   </ds:schemaRefs>
 </ds:datastoreItem>
 </file>

--- a/sources/Deltares.Probabilistic.PWrapper.Examples/kratos/Prob Kratos DSD.pptx
+++ b/sources/Deltares.Probabilistic.PWrapper.Examples/kratos/Prob Kratos DSD.pptx
@@ -20532,8 +20532,8 @@
           </a:p>
         </p:txBody>
       </p:sp>
-      <mc:AlternateContent xmlns:mc="http://schemas.openxmlformats.org/markup-compatibility/2006">
-        <mc:Choice xmlns:a14="http://schemas.microsoft.com/office/drawing/2010/main" Requires="a14">
+      <mc:AlternateContent xmlns:mc="http://schemas.openxmlformats.org/markup-compatibility/2006" xmlns:a14="http://schemas.microsoft.com/office/drawing/2010/main">
+        <mc:Choice Requires="a14">
           <p:sp>
             <p:nvSpPr>
               <p:cNvPr id="8" name="TextBox 7">
@@ -20562,6 +20562,7 @@
               </a:bodyPr>
               <a:lstStyle/>
               <a:p>
+                <a:pPr/>
                 <a14:m>
                   <m:oMathPara xmlns:m="http://schemas.openxmlformats.org/officeDocument/2006/math">
                     <m:oMathParaPr>
@@ -20650,7 +20651,7 @@
             </p:txBody>
           </p:sp>
         </mc:Choice>
-        <mc:Fallback>
+        <mc:Fallback xmlns="">
           <p:sp>
             <p:nvSpPr>
               <p:cNvPr id="8" name="TextBox 7">
@@ -20695,8 +20696,8 @@
           </p:sp>
         </mc:Fallback>
       </mc:AlternateContent>
-      <mc:AlternateContent xmlns:mc="http://schemas.openxmlformats.org/markup-compatibility/2006">
-        <mc:Choice xmlns:a14="http://schemas.microsoft.com/office/drawing/2010/main" Requires="a14">
+      <mc:AlternateContent xmlns:mc="http://schemas.openxmlformats.org/markup-compatibility/2006" xmlns:a14="http://schemas.microsoft.com/office/drawing/2010/main">
+        <mc:Choice Requires="a14">
           <p:sp>
             <p:nvSpPr>
               <p:cNvPr id="9" name="TextBox 8">
@@ -20725,6 +20726,7 @@
               </a:bodyPr>
               <a:lstStyle/>
               <a:p>
+                <a:pPr/>
                 <a14:m>
                   <m:oMathPara xmlns:m="http://schemas.openxmlformats.org/officeDocument/2006/math">
                     <m:oMathParaPr>
@@ -20813,7 +20815,7 @@
             </p:txBody>
           </p:sp>
         </mc:Choice>
-        <mc:Fallback>
+        <mc:Fallback xmlns="">
           <p:sp>
             <p:nvSpPr>
               <p:cNvPr id="9" name="TextBox 8">
@@ -20858,8 +20860,8 @@
           </p:sp>
         </mc:Fallback>
       </mc:AlternateContent>
-      <mc:AlternateContent xmlns:mc="http://schemas.openxmlformats.org/markup-compatibility/2006">
-        <mc:Choice xmlns:a14="http://schemas.microsoft.com/office/drawing/2010/main" Requires="a14">
+      <mc:AlternateContent xmlns:mc="http://schemas.openxmlformats.org/markup-compatibility/2006" xmlns:a14="http://schemas.microsoft.com/office/drawing/2010/main">
+        <mc:Choice Requires="a14">
           <p:sp>
             <p:nvSpPr>
               <p:cNvPr id="10" name="TextBox 9">
@@ -20888,6 +20890,7 @@
               </a:bodyPr>
               <a:lstStyle/>
               <a:p>
+                <a:pPr/>
                 <a14:m>
                   <m:oMathPara xmlns:m="http://schemas.openxmlformats.org/officeDocument/2006/math">
                     <m:oMathParaPr>
@@ -21034,7 +21037,7 @@
             </p:txBody>
           </p:sp>
         </mc:Choice>
-        <mc:Fallback>
+        <mc:Fallback xmlns="">
           <p:sp>
             <p:nvSpPr>
               <p:cNvPr id="10" name="TextBox 9">
@@ -21079,8 +21082,8 @@
           </p:sp>
         </mc:Fallback>
       </mc:AlternateContent>
-      <mc:AlternateContent xmlns:mc="http://schemas.openxmlformats.org/markup-compatibility/2006">
-        <mc:Choice xmlns:a14="http://schemas.microsoft.com/office/drawing/2010/main" Requires="a14">
+      <mc:AlternateContent xmlns:mc="http://schemas.openxmlformats.org/markup-compatibility/2006" xmlns:a14="http://schemas.microsoft.com/office/drawing/2010/main">
+        <mc:Choice Requires="a14">
           <p:sp>
             <p:nvSpPr>
               <p:cNvPr id="12" name="TextBox 11">
@@ -21109,6 +21112,7 @@
               </a:bodyPr>
               <a:lstStyle/>
               <a:p>
+                <a:pPr/>
                 <a14:m>
                   <m:oMathPara xmlns:m="http://schemas.openxmlformats.org/officeDocument/2006/math">
                     <m:oMathParaPr>
@@ -21337,7 +21341,7 @@
             </p:txBody>
           </p:sp>
         </mc:Choice>
-        <mc:Fallback>
+        <mc:Fallback xmlns="">
           <p:sp>
             <p:nvSpPr>
               <p:cNvPr id="12" name="TextBox 11">
@@ -22006,6 +22010,16 @@
               <a:t> (damwand)</a:t>
             </a:r>
           </a:p>
+          <a:p>
+            <a:pPr lvl="1"/>
+            <a:r>
+              <a:rPr lang="nl-NL" dirty="0"/>
+              <a:t>Inclusief voorbeeld bewezen sterkte</a:t>
+            </a:r>
+          </a:p>
+          <a:p>
+            <a:endParaRPr lang="nl-NL" dirty="0"/>
+          </a:p>
         </p:txBody>
       </p:sp>
       <p:sp>
@@ -23138,6 +23152,36 @@
           <a:chExt cx="0" cy="0"/>
         </a:xfrm>
       </p:grpSpPr>
+      <p:pic>
+        <p:nvPicPr>
+          <p:cNvPr id="10" name="Picture 9">
+            <a:extLst>
+              <a:ext uri="{FF2B5EF4-FFF2-40B4-BE49-F238E27FC236}">
+                <a16:creationId xmlns:a16="http://schemas.microsoft.com/office/drawing/2014/main" id="{74FF655D-822E-1C21-2807-27D2C10A6BBE}"/>
+              </a:ext>
+            </a:extLst>
+          </p:cNvPr>
+          <p:cNvPicPr>
+            <a:picLocks noChangeAspect="1"/>
+          </p:cNvPicPr>
+          <p:nvPr/>
+        </p:nvPicPr>
+        <p:blipFill>
+          <a:blip r:embed="rId2"/>
+          <a:stretch>
+            <a:fillRect/>
+          </a:stretch>
+        </p:blipFill>
+        <p:spPr>
+          <a:xfrm>
+            <a:off x="4831291" y="2639513"/>
+            <a:ext cx="1790950" cy="1143160"/>
+          </a:xfrm>
+          <a:prstGeom prst="rect">
+            <a:avLst/>
+          </a:prstGeom>
+        </p:spPr>
+      </p:pic>
       <p:sp>
         <p:nvSpPr>
           <p:cNvPr id="2" name="Title 1">
@@ -23161,7 +23205,14 @@
           <a:p>
             <a:r>
               <a:rPr lang="nl-NL" dirty="0"/>
-              <a:t>Damwand model</a:t>
+              <a:t>Damwand model gekoppeld aan</a:t>
+            </a:r>
+            <a:br>
+              <a:rPr lang="nl-NL" dirty="0"/>
+            </a:br>
+            <a:r>
+              <a:rPr lang="nl-NL" dirty="0"/>
+              <a:t>probabilistische bibliotheek</a:t>
             </a:r>
           </a:p>
         </p:txBody>
@@ -23516,7 +23567,7 @@
         </p:nvCxnSpPr>
         <p:spPr>
           <a:xfrm flipH="1">
-            <a:off x="5200835" y="3462291"/>
+            <a:off x="5200834" y="3508588"/>
             <a:ext cx="1228537" cy="0"/>
           </a:xfrm>
           <a:prstGeom prst="straightConnector1">
@@ -23590,7 +23641,7 @@
         </p:nvSpPr>
         <p:spPr>
           <a:xfrm>
-            <a:off x="5389776" y="3103139"/>
+            <a:off x="5432044" y="3508588"/>
             <a:ext cx="877163" cy="369332"/>
           </a:xfrm>
           <a:prstGeom prst="rect">
@@ -26610,15 +26661,6 @@
 </file>
 
 <file path=customXml/item1.xml><?xml version="1.0" encoding="utf-8"?>
-<?mso-contentType ?>
-<FormTemplates xmlns="http://schemas.microsoft.com/sharepoint/v3/contenttype/forms">
-  <Display>DocumentLibraryForm</Display>
-  <Edit>DocumentLibraryForm</Edit>
-  <New>DocumentLibraryForm</New>
-</FormTemplates>
-</file>
-
-<file path=customXml/item2.xml><?xml version="1.0" encoding="utf-8"?>
 <p:properties xmlns:p="http://schemas.microsoft.com/office/2006/metadata/properties" xmlns:xsi="http://www.w3.org/2001/XMLSchema-instance" xmlns:pc="http://schemas.microsoft.com/office/infopath/2007/PartnerControls">
   <documentManagement>
     <TaxCatchAll xmlns="dead17b3-d09a-4d17-9633-982b423f4fbc" xsi:nil="true"/>
@@ -26627,6 +26669,15 @@
     </lcf76f155ced4ddcb4097134ff3c332f>
   </documentManagement>
 </p:properties>
+</file>
+
+<file path=customXml/item2.xml><?xml version="1.0" encoding="utf-8"?>
+<?mso-contentType ?>
+<FormTemplates xmlns="http://schemas.microsoft.com/sharepoint/v3/contenttype/forms">
+  <Display>DocumentLibraryForm</Display>
+  <Edit>DocumentLibraryForm</Edit>
+  <New>DocumentLibraryForm</New>
+</FormTemplates>
 </file>
 
 <file path=customXml/item3.xml><?xml version="1.0" encoding="utf-8"?>
@@ -26841,20 +26892,20 @@
 </file>
 
 <file path=customXml/itemProps1.xml><?xml version="1.0" encoding="utf-8"?>
-<ds:datastoreItem xmlns:ds="http://schemas.openxmlformats.org/officeDocument/2006/customXml" ds:itemID="{5636F5E9-25BB-4734-86C2-FD32BCBA5CBD}">
-  <ds:schemaRefs>
-    <ds:schemaRef ds:uri="http://schemas.microsoft.com/sharepoint/v3/contenttype/forms"/>
-  </ds:schemaRefs>
-</ds:datastoreItem>
-</file>
-
-<file path=customXml/itemProps2.xml><?xml version="1.0" encoding="utf-8"?>
 <ds:datastoreItem xmlns:ds="http://schemas.openxmlformats.org/officeDocument/2006/customXml" ds:itemID="{84338BAD-8BA4-4C42-A850-147A5D210631}">
   <ds:schemaRefs>
     <ds:schemaRef ds:uri="http://schemas.microsoft.com/office/2006/metadata/properties"/>
     <ds:schemaRef ds:uri="http://schemas.microsoft.com/office/infopath/2007/PartnerControls"/>
     <ds:schemaRef ds:uri="dead17b3-d09a-4d17-9633-982b423f4fbc"/>
     <ds:schemaRef ds:uri="edd774d5-6d8f-4b83-b098-255576e86aac"/>
+  </ds:schemaRefs>
+</ds:datastoreItem>
+</file>
+
+<file path=customXml/itemProps2.xml><?xml version="1.0" encoding="utf-8"?>
+<ds:datastoreItem xmlns:ds="http://schemas.openxmlformats.org/officeDocument/2006/customXml" ds:itemID="{5636F5E9-25BB-4734-86C2-FD32BCBA5CBD}">
+  <ds:schemaRefs>
+    <ds:schemaRef ds:uri="http://schemas.microsoft.com/sharepoint/v3/contenttype/forms"/>
   </ds:schemaRefs>
 </ds:datastoreItem>
 </file>

--- a/sources/Deltares.Probabilistic.PWrapper.Examples/kratos/Prob Kratos DSD.pptx
+++ b/sources/Deltares.Probabilistic.PWrapper.Examples/kratos/Prob Kratos DSD.pptx
@@ -5,10 +5,10 @@
     <p:sldMasterId id="2147483648" r:id="rId4"/>
   </p:sldMasterIdLst>
   <p:notesMasterIdLst>
-    <p:notesMasterId r:id="rId24"/>
+    <p:notesMasterId r:id="rId27"/>
   </p:notesMasterIdLst>
   <p:handoutMasterIdLst>
-    <p:handoutMasterId r:id="rId25"/>
+    <p:handoutMasterId r:id="rId28"/>
   </p:handoutMasterIdLst>
   <p:sldIdLst>
     <p:sldId id="260" r:id="rId5"/>
@@ -26,10 +26,13 @@
     <p:sldId id="297" r:id="rId17"/>
     <p:sldId id="298" r:id="rId18"/>
     <p:sldId id="304" r:id="rId19"/>
-    <p:sldId id="299" r:id="rId20"/>
-    <p:sldId id="302" r:id="rId21"/>
-    <p:sldId id="303" r:id="rId22"/>
-    <p:sldId id="300" r:id="rId23"/>
+    <p:sldId id="300" r:id="rId20"/>
+    <p:sldId id="306" r:id="rId21"/>
+    <p:sldId id="307" r:id="rId22"/>
+    <p:sldId id="308" r:id="rId23"/>
+    <p:sldId id="299" r:id="rId24"/>
+    <p:sldId id="302" r:id="rId25"/>
+    <p:sldId id="303" r:id="rId26"/>
   </p:sldIdLst>
   <p:sldSz cx="12192000" cy="6858000"/>
   <p:notesSz cx="6858000" cy="9144000"/>
@@ -15973,7 +15976,7 @@
           <p:nvPr>
             <p:extLst>
               <p:ext uri="{D42A27DB-BD31-4B8C-83A1-F6EECF244321}">
-                <p14:modId xmlns:p14="http://schemas.microsoft.com/office/powerpoint/2010/main" val="227736681"/>
+                <p14:modId xmlns:p14="http://schemas.microsoft.com/office/powerpoint/2010/main" val="3947209315"/>
               </p:ext>
             </p:extLst>
           </p:nvPr>
@@ -16069,7 +16072,7 @@
                       <a:pPr algn="ctr"/>
                       <a:r>
                         <a:rPr lang="nl-NL" dirty="0"/>
-                        <a:t>-0.19</a:t>
+                        <a:t>-0.18</a:t>
                       </a:r>
                     </a:p>
                   </a:txBody>
@@ -16083,7 +16086,7 @@
                       <a:pPr algn="ctr"/>
                       <a:r>
                         <a:rPr lang="nl-NL" dirty="0"/>
-                        <a:t>0.02</a:t>
+                        <a:t>0.11</a:t>
                       </a:r>
                     </a:p>
                   </a:txBody>
@@ -16097,7 +16100,7 @@
                       <a:pPr algn="ctr"/>
                       <a:r>
                         <a:rPr lang="nl-NL" dirty="0"/>
-                        <a:t>1.99</a:t>
+                        <a:t>1.19</a:t>
                       </a:r>
                     </a:p>
                   </a:txBody>
@@ -16163,7 +16166,7 @@
                           <a:ea typeface="+mn-ea"/>
                           <a:cs typeface="+mn-cs"/>
                         </a:rPr>
-                        <a:t>0.72</a:t>
+                        <a:t>0.70</a:t>
                       </a:r>
                       <a:endParaRPr lang="nl-NL" dirty="0"/>
                     </a:p>
@@ -16310,7 +16313,7 @@
         </p:nvSpPr>
         <p:spPr>
           <a:xfrm>
-            <a:off x="1117600" y="3543300"/>
+            <a:off x="1123090" y="3545588"/>
             <a:ext cx="8614875" cy="304800"/>
           </a:xfrm>
           <a:custGeom>
@@ -16889,7 +16892,7 @@
           <a:p>
             <a:r>
               <a:rPr lang="nl-NL" dirty="0"/>
-              <a:t>Kritieke verplaatsing = -0.19 m:</a:t>
+              <a:t>Kritieke verplaatsing = -0.18 m:</a:t>
             </a:r>
           </a:p>
         </p:txBody>
@@ -16981,10 +16984,10 @@
       </p:sp>
       <p:pic>
         <p:nvPicPr>
-          <p:cNvPr id="14" name="Picture 13">
-            <a:extLst>
-              <a:ext uri="{FF2B5EF4-FFF2-40B4-BE49-F238E27FC236}">
-                <a16:creationId xmlns:a16="http://schemas.microsoft.com/office/drawing/2014/main" id="{6A577AED-29D9-D55D-57DE-39A678280F35}"/>
+          <p:cNvPr id="8" name="Picture 7">
+            <a:extLst>
+              <a:ext uri="{FF2B5EF4-FFF2-40B4-BE49-F238E27FC236}">
+                <a16:creationId xmlns:a16="http://schemas.microsoft.com/office/drawing/2014/main" id="{6D196104-64ED-9437-F548-48C7261471A6}"/>
               </a:ext>
             </a:extLst>
           </p:cNvPr>
@@ -17001,8 +17004,8 @@
         </p:blipFill>
         <p:spPr>
           <a:xfrm>
-            <a:off x="711651" y="2737982"/>
-            <a:ext cx="5180132" cy="2838761"/>
+            <a:off x="755650" y="2545744"/>
+            <a:ext cx="5671776" cy="2925107"/>
           </a:xfrm>
           <a:prstGeom prst="rect">
             <a:avLst/>
@@ -17011,10 +17014,10 @@
       </p:pic>
       <p:pic>
         <p:nvPicPr>
-          <p:cNvPr id="16" name="Picture 15">
-            <a:extLst>
-              <a:ext uri="{FF2B5EF4-FFF2-40B4-BE49-F238E27FC236}">
-                <a16:creationId xmlns:a16="http://schemas.microsoft.com/office/drawing/2014/main" id="{E2B8585E-3F96-AAE3-3975-560CE5A04772}"/>
+          <p:cNvPr id="10" name="Picture 9">
+            <a:extLst>
+              <a:ext uri="{FF2B5EF4-FFF2-40B4-BE49-F238E27FC236}">
+                <a16:creationId xmlns:a16="http://schemas.microsoft.com/office/drawing/2014/main" id="{0282CAC8-8A91-9E20-D9B1-478D56C330D8}"/>
               </a:ext>
             </a:extLst>
           </p:cNvPr>
@@ -17031,8 +17034,8 @@
         </p:blipFill>
         <p:spPr>
           <a:xfrm>
-            <a:off x="6508392" y="2499857"/>
-            <a:ext cx="4764371" cy="3496486"/>
+            <a:off x="6725920" y="2396376"/>
+            <a:ext cx="4735213" cy="3223845"/>
           </a:xfrm>
           <a:prstGeom prst="rect">
             <a:avLst/>
@@ -17587,7 +17590,7 @@
           <p:nvPr>
             <p:extLst>
               <p:ext uri="{D42A27DB-BD31-4B8C-83A1-F6EECF244321}">
-                <p14:modId xmlns:p14="http://schemas.microsoft.com/office/powerpoint/2010/main" val="3275110240"/>
+                <p14:modId xmlns:p14="http://schemas.microsoft.com/office/powerpoint/2010/main" val="1828868461"/>
               </p:ext>
             </p:extLst>
           </p:nvPr>
@@ -17697,7 +17700,7 @@
                       <a:pPr algn="ctr"/>
                       <a:r>
                         <a:rPr lang="nl-NL" dirty="0"/>
-                        <a:t>0.231</a:t>
+                        <a:t>0.27</a:t>
                       </a:r>
                     </a:p>
                   </a:txBody>
@@ -17719,7 +17722,7 @@
                           <a:ea typeface="+mn-ea"/>
                           <a:cs typeface="+mn-cs"/>
                         </a:rPr>
-                        <a:t>0.74</a:t>
+                        <a:t>0.60</a:t>
                       </a:r>
                       <a:endParaRPr lang="nl-NL" dirty="0"/>
                     </a:p>
@@ -17763,7 +17766,7 @@
                           <a:ea typeface="+mn-ea"/>
                           <a:cs typeface="+mn-cs"/>
                         </a:rPr>
-                        <a:t>0.12</a:t>
+                        <a:t>0.17</a:t>
                       </a:r>
                       <a:endParaRPr lang="nl-NL" dirty="0"/>
                     </a:p>
@@ -17786,7 +17789,7 @@
                           <a:ea typeface="+mn-ea"/>
                           <a:cs typeface="+mn-cs"/>
                         </a:rPr>
-                        <a:t>1.17</a:t>
+                        <a:t>0.95</a:t>
                       </a:r>
                       <a:endParaRPr lang="nl-NL" dirty="0"/>
                     </a:p>
@@ -17830,7 +17833,7 @@
                           <a:ea typeface="+mn-ea"/>
                           <a:cs typeface="+mn-cs"/>
                         </a:rPr>
-                        <a:t>0.047</a:t>
+                        <a:t>0.09</a:t>
                       </a:r>
                       <a:endParaRPr lang="nl-NL" dirty="0"/>
                     </a:p>
@@ -17853,7 +17856,7 @@
                           <a:ea typeface="+mn-ea"/>
                           <a:cs typeface="+mn-cs"/>
                         </a:rPr>
-                        <a:t>1.67</a:t>
+                        <a:t>1.35</a:t>
                       </a:r>
                       <a:endParaRPr lang="nl-NL" dirty="0"/>
                     </a:p>
@@ -18572,10 +18575,10 @@
       </p:sp>
       <p:pic>
         <p:nvPicPr>
-          <p:cNvPr id="14" name="Picture 13">
-            <a:extLst>
-              <a:ext uri="{FF2B5EF4-FFF2-40B4-BE49-F238E27FC236}">
-                <a16:creationId xmlns:a16="http://schemas.microsoft.com/office/drawing/2014/main" id="{034841A2-53A5-7B99-C84B-20D8D552CE29}"/>
+          <p:cNvPr id="8" name="Picture 7">
+            <a:extLst>
+              <a:ext uri="{FF2B5EF4-FFF2-40B4-BE49-F238E27FC236}">
+                <a16:creationId xmlns:a16="http://schemas.microsoft.com/office/drawing/2014/main" id="{0A580028-C41E-6003-27E7-E46427BC5722}"/>
               </a:ext>
             </a:extLst>
           </p:cNvPr>
@@ -18592,8 +18595,8 @@
         </p:blipFill>
         <p:spPr>
           <a:xfrm>
-            <a:off x="383674" y="2590287"/>
-            <a:ext cx="5472665" cy="3134764"/>
+            <a:off x="584946" y="2542119"/>
+            <a:ext cx="5511054" cy="3231100"/>
           </a:xfrm>
           <a:prstGeom prst="rect">
             <a:avLst/>
@@ -18602,10 +18605,10 @@
       </p:pic>
       <p:pic>
         <p:nvPicPr>
-          <p:cNvPr id="16" name="Picture 15">
-            <a:extLst>
-              <a:ext uri="{FF2B5EF4-FFF2-40B4-BE49-F238E27FC236}">
-                <a16:creationId xmlns:a16="http://schemas.microsoft.com/office/drawing/2014/main" id="{030AEA2B-E17F-B5B6-73D0-0E60DCCD5719}"/>
+          <p:cNvPr id="10" name="Picture 9">
+            <a:extLst>
+              <a:ext uri="{FF2B5EF4-FFF2-40B4-BE49-F238E27FC236}">
+                <a16:creationId xmlns:a16="http://schemas.microsoft.com/office/drawing/2014/main" id="{84A827CC-A314-0695-29BE-BBB98B348DC8}"/>
               </a:ext>
             </a:extLst>
           </p:cNvPr>
@@ -18622,8 +18625,8 @@
         </p:blipFill>
         <p:spPr>
           <a:xfrm>
-            <a:off x="6529640" y="2345361"/>
-            <a:ext cx="4982992" cy="3624615"/>
+            <a:off x="6543707" y="2473358"/>
+            <a:ext cx="4904524" cy="3568739"/>
           </a:xfrm>
           <a:prstGeom prst="rect">
             <a:avLst/>
@@ -18720,7 +18723,7 @@
           <a:p>
             <a:r>
               <a:rPr lang="nl-NL" dirty="0"/>
-              <a:t>Kritieke verplaatsing = -0.19 m, kritiek buigmoment = 40,000 Nm</a:t>
+              <a:t>Kritieke verplaatsing = -0.18 m, kritiek buigmoment = 40,000 Nm</a:t>
             </a:r>
           </a:p>
         </p:txBody>
@@ -19101,8 +19104,8 @@
           </p:sp>
         </mc:Fallback>
       </mc:AlternateContent>
-      <mc:AlternateContent xmlns:mc="http://schemas.openxmlformats.org/markup-compatibility/2006" xmlns:a14="http://schemas.microsoft.com/office/drawing/2010/main">
-        <mc:Choice Requires="a14">
+      <mc:AlternateContent xmlns:mc="http://schemas.openxmlformats.org/markup-compatibility/2006">
+        <mc:Choice xmlns:a14="http://schemas.microsoft.com/office/drawing/2010/main" Requires="a14">
           <p:graphicFrame>
             <p:nvGraphicFramePr>
               <p:cNvPr id="8" name="Table 7">
@@ -19118,13 +19121,13 @@
               <p:nvPr>
                 <p:extLst>
                   <p:ext uri="{D42A27DB-BD31-4B8C-83A1-F6EECF244321}">
-                    <p14:modId xmlns:p14="http://schemas.microsoft.com/office/powerpoint/2010/main" val="3151633705"/>
+                    <p14:modId xmlns:p14="http://schemas.microsoft.com/office/powerpoint/2010/main" val="1073988104"/>
                   </p:ext>
                 </p:extLst>
               </p:nvPr>
             </p:nvGraphicFramePr>
             <p:xfrm>
-              <a:off x="1041400" y="3301383"/>
+              <a:off x="686294" y="3287718"/>
               <a:ext cx="10394950" cy="1534033"/>
             </p:xfrm>
             <a:graphic>
@@ -19273,7 +19276,7 @@
                           <a:pPr algn="ctr"/>
                           <a:r>
                             <a:rPr lang="nl-NL" dirty="0"/>
-                            <a:t>0.02</a:t>
+                            <a:t>0.11</a:t>
                           </a:r>
                         </a:p>
                       </a:txBody>
@@ -19287,7 +19290,7 @@
                           <a:pPr algn="ctr"/>
                           <a:r>
                             <a:rPr lang="nl-NL" dirty="0"/>
-                            <a:t>1.99</a:t>
+                            <a:t>1.19</a:t>
                           </a:r>
                         </a:p>
                       </a:txBody>
@@ -19379,7 +19382,7 @@
                               <a:ea typeface="+mn-ea"/>
                               <a:cs typeface="+mn-cs"/>
                             </a:rPr>
-                            <a:t>0.047</a:t>
+                            <a:t>0.09</a:t>
                           </a:r>
                           <a:endParaRPr lang="nl-NL" dirty="0"/>
                         </a:p>
@@ -19402,7 +19405,7 @@
                               <a:ea typeface="+mn-ea"/>
                               <a:cs typeface="+mn-cs"/>
                             </a:rPr>
-                            <a:t>1.67</a:t>
+                            <a:t>1.35</a:t>
                           </a:r>
                           <a:endParaRPr lang="nl-NL" dirty="0"/>
                         </a:p>
@@ -19530,7 +19533,7 @@
                           <a:pPr algn="ctr"/>
                           <a:r>
                             <a:rPr lang="nl-NL" dirty="0"/>
-                            <a:t>0.069</a:t>
+                            <a:t>0.19</a:t>
                           </a:r>
                         </a:p>
                       </a:txBody>
@@ -19544,7 +19547,7 @@
                           <a:pPr algn="ctr"/>
                           <a:r>
                             <a:rPr lang="nl-NL" dirty="0"/>
-                            <a:t>1.48</a:t>
+                            <a:t>0.85</a:t>
                           </a:r>
                         </a:p>
                       </a:txBody>
@@ -19561,7 +19564,7 @@
             </a:graphic>
           </p:graphicFrame>
         </mc:Choice>
-        <mc:Fallback xmlns="">
+        <mc:Fallback>
           <p:graphicFrame>
             <p:nvGraphicFramePr>
               <p:cNvPr id="8" name="Table 7">
@@ -19577,13 +19580,13 @@
               <p:nvPr>
                 <p:extLst>
                   <p:ext uri="{D42A27DB-BD31-4B8C-83A1-F6EECF244321}">
-                    <p14:modId xmlns:p14="http://schemas.microsoft.com/office/powerpoint/2010/main" val="3151633705"/>
+                    <p14:modId xmlns:p14="http://schemas.microsoft.com/office/powerpoint/2010/main" val="1073988104"/>
                   </p:ext>
                 </p:extLst>
               </p:nvPr>
             </p:nvGraphicFramePr>
             <p:xfrm>
-              <a:off x="1041400" y="3301383"/>
+              <a:off x="686294" y="3287718"/>
               <a:ext cx="10394950" cy="1534033"/>
             </p:xfrm>
             <a:graphic>
@@ -19673,7 +19676,7 @@
                         <a:blipFill>
                           <a:blip r:embed="rId3"/>
                           <a:stretch>
-                            <a:fillRect l="-149" t="-103125" r="-154613" b="-218750"/>
+                            <a:fillRect l="-149" t="-104762" r="-154464" b="-222222"/>
                           </a:stretch>
                         </a:blipFill>
                       </a:tcPr>
@@ -19686,7 +19689,7 @@
                           <a:pPr algn="ctr"/>
                           <a:r>
                             <a:rPr lang="nl-NL" dirty="0"/>
-                            <a:t>0.02</a:t>
+                            <a:t>0.11</a:t>
                           </a:r>
                         </a:p>
                       </a:txBody>
@@ -19700,7 +19703,7 @@
                           <a:pPr algn="ctr"/>
                           <a:r>
                             <a:rPr lang="nl-NL" dirty="0"/>
-                            <a:t>1.99</a:t>
+                            <a:t>1.19</a:t>
                           </a:r>
                         </a:p>
                       </a:txBody>
@@ -19725,7 +19728,7 @@
                         <a:blipFill>
                           <a:blip r:embed="rId3"/>
                           <a:stretch>
-                            <a:fillRect l="-149" t="-203125" r="-154613" b="-118750"/>
+                            <a:fillRect l="-149" t="-201563" r="-154464" b="-118750"/>
                           </a:stretch>
                         </a:blipFill>
                       </a:tcPr>
@@ -19746,7 +19749,7 @@
                               <a:ea typeface="+mn-ea"/>
                               <a:cs typeface="+mn-cs"/>
                             </a:rPr>
-                            <a:t>0.047</a:t>
+                            <a:t>0.09</a:t>
                           </a:r>
                           <a:endParaRPr lang="nl-NL" dirty="0"/>
                         </a:p>
@@ -19769,7 +19772,7 @@
                               <a:ea typeface="+mn-ea"/>
                               <a:cs typeface="+mn-cs"/>
                             </a:rPr>
-                            <a:t>1.67</a:t>
+                            <a:t>1.35</a:t>
                           </a:r>
                           <a:endParaRPr lang="nl-NL" dirty="0"/>
                         </a:p>
@@ -19795,7 +19798,7 @@
                         <a:blipFill>
                           <a:blip r:embed="rId3"/>
                           <a:stretch>
-                            <a:fillRect l="-149" t="-303125" r="-154613" b="-18750"/>
+                            <a:fillRect l="-149" t="-301563" r="-154464" b="-18750"/>
                           </a:stretch>
                         </a:blipFill>
                       </a:tcPr>
@@ -19808,7 +19811,7 @@
                           <a:pPr algn="ctr"/>
                           <a:r>
                             <a:rPr lang="nl-NL" dirty="0"/>
-                            <a:t>0.069</a:t>
+                            <a:t>0.19</a:t>
                           </a:r>
                         </a:p>
                       </a:txBody>
@@ -19822,7 +19825,7 @@
                           <a:pPr algn="ctr"/>
                           <a:r>
                             <a:rPr lang="nl-NL" dirty="0"/>
-                            <a:t>1.48</a:t>
+                            <a:t>0.85</a:t>
                           </a:r>
                         </a:p>
                       </a:txBody>
@@ -20089,7 +20092,7 @@
           <p:cNvPr id="2" name="Title 1">
             <a:extLst>
               <a:ext uri="{FF2B5EF4-FFF2-40B4-BE49-F238E27FC236}">
-                <a16:creationId xmlns:a16="http://schemas.microsoft.com/office/drawing/2014/main" id="{6C38F79D-344B-5447-2044-1D5C6438F8B1}"/>
+                <a16:creationId xmlns:a16="http://schemas.microsoft.com/office/drawing/2014/main" id="{93C964CC-5AEA-357F-FA8A-67BD41ECFD3A}"/>
               </a:ext>
             </a:extLst>
           </p:cNvPr>
@@ -20107,6 +20110,544 @@
           <a:p>
             <a:r>
               <a:rPr lang="nl-NL" dirty="0"/>
+              <a:t>Doe mee aan de workshop om 14:15 uur</a:t>
+            </a:r>
+          </a:p>
+        </p:txBody>
+      </p:sp>
+      <p:sp>
+        <p:nvSpPr>
+          <p:cNvPr id="3" name="Content Placeholder 2">
+            <a:extLst>
+              <a:ext uri="{FF2B5EF4-FFF2-40B4-BE49-F238E27FC236}">
+                <a16:creationId xmlns:a16="http://schemas.microsoft.com/office/drawing/2014/main" id="{ED3025C5-E00C-8F6E-E0CD-5FA237B8990A}"/>
+              </a:ext>
+            </a:extLst>
+          </p:cNvPr>
+          <p:cNvSpPr>
+            <a:spLocks noGrp="1"/>
+          </p:cNvSpPr>
+          <p:nvPr>
+            <p:ph idx="1"/>
+          </p:nvPr>
+        </p:nvSpPr>
+        <p:spPr/>
+        <p:txBody>
+          <a:bodyPr/>
+          <a:lstStyle/>
+          <a:p>
+            <a:r>
+              <a:rPr lang="nl-NL" dirty="0"/>
+              <a:t>Leer hoe je de probabilistische bibliotheek vanuit Python gebruikt</a:t>
+            </a:r>
+          </a:p>
+          <a:p>
+            <a:endParaRPr lang="nl-NL" dirty="0"/>
+          </a:p>
+          <a:p>
+            <a:r>
+              <a:rPr lang="nl-NL" dirty="0"/>
+              <a:t>Leer over de details van de probabilistische berekeningen met </a:t>
+            </a:r>
+            <a:r>
+              <a:rPr lang="nl-NL" dirty="0" err="1"/>
+              <a:t>Kratos</a:t>
+            </a:r>
+            <a:r>
+              <a:rPr lang="nl-NL" dirty="0"/>
+              <a:t> (damwand)</a:t>
+            </a:r>
+          </a:p>
+          <a:p>
+            <a:pPr lvl="1"/>
+            <a:r>
+              <a:rPr lang="nl-NL" dirty="0"/>
+              <a:t>Inclusief voorbeeld bewezen sterkte</a:t>
+            </a:r>
+          </a:p>
+          <a:p>
+            <a:endParaRPr lang="nl-NL" dirty="0"/>
+          </a:p>
+        </p:txBody>
+      </p:sp>
+      <p:sp>
+        <p:nvSpPr>
+          <p:cNvPr id="4" name="Date Placeholder 3">
+            <a:extLst>
+              <a:ext uri="{FF2B5EF4-FFF2-40B4-BE49-F238E27FC236}">
+                <a16:creationId xmlns:a16="http://schemas.microsoft.com/office/drawing/2014/main" id="{C6E027C9-2D11-1D7C-8086-D3D0329B77CA}"/>
+              </a:ext>
+            </a:extLst>
+          </p:cNvPr>
+          <p:cNvSpPr>
+            <a:spLocks noGrp="1"/>
+          </p:cNvSpPr>
+          <p:nvPr>
+            <p:ph type="dt" sz="half" idx="10"/>
+          </p:nvPr>
+        </p:nvSpPr>
+        <p:spPr/>
+        <p:txBody>
+          <a:bodyPr/>
+          <a:lstStyle/>
+          <a:p>
+            <a:r>
+              <a:rPr lang="nl-NL"/>
+              <a:t> 28 november 2019</a:t>
+            </a:r>
+          </a:p>
+        </p:txBody>
+      </p:sp>
+      <p:sp>
+        <p:nvSpPr>
+          <p:cNvPr id="5" name="Footer Placeholder 4">
+            <a:extLst>
+              <a:ext uri="{FF2B5EF4-FFF2-40B4-BE49-F238E27FC236}">
+                <a16:creationId xmlns:a16="http://schemas.microsoft.com/office/drawing/2014/main" id="{83114149-D769-B831-C838-8D04E4E01E31}"/>
+              </a:ext>
+            </a:extLst>
+          </p:cNvPr>
+          <p:cNvSpPr>
+            <a:spLocks noGrp="1"/>
+          </p:cNvSpPr>
+          <p:nvPr>
+            <p:ph type="ftr" sz="quarter" idx="11"/>
+          </p:nvPr>
+        </p:nvSpPr>
+        <p:spPr/>
+        <p:txBody>
+          <a:bodyPr/>
+          <a:lstStyle/>
+          <a:p>
+            <a:r>
+              <a:rPr lang="nl-NL"/>
+              <a:t>Voettekst van de presentatie</a:t>
+            </a:r>
+          </a:p>
+        </p:txBody>
+      </p:sp>
+      <p:sp>
+        <p:nvSpPr>
+          <p:cNvPr id="6" name="Slide Number Placeholder 5">
+            <a:extLst>
+              <a:ext uri="{FF2B5EF4-FFF2-40B4-BE49-F238E27FC236}">
+                <a16:creationId xmlns:a16="http://schemas.microsoft.com/office/drawing/2014/main" id="{A79236BF-7CE7-3A2C-D6BD-E3C83F26752A}"/>
+              </a:ext>
+            </a:extLst>
+          </p:cNvPr>
+          <p:cNvSpPr>
+            <a:spLocks noGrp="1"/>
+          </p:cNvSpPr>
+          <p:nvPr>
+            <p:ph type="sldNum" sz="quarter" idx="12"/>
+          </p:nvPr>
+        </p:nvSpPr>
+        <p:spPr/>
+        <p:txBody>
+          <a:bodyPr/>
+          <a:lstStyle/>
+          <a:p>
+            <a:fld id="{F42B3F14-D836-496B-80A2-23BE75BD68CB}" type="slidenum">
+              <a:rPr lang="nl-NL" smtClean="0"/>
+              <a:t>16</a:t>
+            </a:fld>
+            <a:endParaRPr lang="nl-NL"/>
+          </a:p>
+        </p:txBody>
+      </p:sp>
+    </p:spTree>
+    <p:extLst>
+      <p:ext uri="{BB962C8B-B14F-4D97-AF65-F5344CB8AC3E}">
+        <p14:creationId xmlns:p14="http://schemas.microsoft.com/office/powerpoint/2010/main" val="1218110497"/>
+      </p:ext>
+    </p:extLst>
+  </p:cSld>
+  <p:clrMapOvr>
+    <a:masterClrMapping/>
+  </p:clrMapOvr>
+</p:sld>
+</file>
+
+<file path=ppt/slides/slide17.xml><?xml version="1.0" encoding="utf-8"?>
+<p:sld xmlns:a="http://schemas.openxmlformats.org/drawingml/2006/main" xmlns:r="http://schemas.openxmlformats.org/officeDocument/2006/relationships" xmlns:p="http://schemas.openxmlformats.org/presentationml/2006/main">
+  <p:cSld>
+    <p:spTree>
+      <p:nvGrpSpPr>
+        <p:cNvPr id="1" name=""/>
+        <p:cNvGrpSpPr/>
+        <p:nvPr/>
+      </p:nvGrpSpPr>
+      <p:grpSpPr>
+        <a:xfrm>
+          <a:off x="0" y="0"/>
+          <a:ext cx="0" cy="0"/>
+          <a:chOff x="0" y="0"/>
+          <a:chExt cx="0" cy="0"/>
+        </a:xfrm>
+      </p:grpSpPr>
+      <p:sp>
+        <p:nvSpPr>
+          <p:cNvPr id="2" name="Title 1">
+            <a:extLst>
+              <a:ext uri="{FF2B5EF4-FFF2-40B4-BE49-F238E27FC236}">
+                <a16:creationId xmlns:a16="http://schemas.microsoft.com/office/drawing/2014/main" id="{1975AD39-E9DA-FE63-1A88-D7D60B3258DF}"/>
+              </a:ext>
+            </a:extLst>
+          </p:cNvPr>
+          <p:cNvSpPr>
+            <a:spLocks noGrp="1"/>
+          </p:cNvSpPr>
+          <p:nvPr>
+            <p:ph type="title"/>
+          </p:nvPr>
+        </p:nvSpPr>
+        <p:spPr/>
+        <p:txBody>
+          <a:bodyPr/>
+          <a:lstStyle/>
+          <a:p>
+            <a:r>
+              <a:rPr lang="en-GB" dirty="0"/>
+              <a:t>Workshop</a:t>
+            </a:r>
+            <a:endParaRPr lang="nl-NL" dirty="0"/>
+          </a:p>
+        </p:txBody>
+      </p:sp>
+      <p:sp>
+        <p:nvSpPr>
+          <p:cNvPr id="4" name="Date Placeholder 3">
+            <a:extLst>
+              <a:ext uri="{FF2B5EF4-FFF2-40B4-BE49-F238E27FC236}">
+                <a16:creationId xmlns:a16="http://schemas.microsoft.com/office/drawing/2014/main" id="{0CE5F8FE-A11C-ED0D-568F-8D9DB1E2AE24}"/>
+              </a:ext>
+            </a:extLst>
+          </p:cNvPr>
+          <p:cNvSpPr>
+            <a:spLocks noGrp="1"/>
+          </p:cNvSpPr>
+          <p:nvPr>
+            <p:ph type="dt" sz="half" idx="10"/>
+          </p:nvPr>
+        </p:nvSpPr>
+        <p:spPr/>
+        <p:txBody>
+          <a:bodyPr/>
+          <a:lstStyle/>
+          <a:p>
+            <a:r>
+              <a:rPr lang="nl-NL"/>
+              <a:t> 28 november 2019</a:t>
+            </a:r>
+          </a:p>
+        </p:txBody>
+      </p:sp>
+      <p:sp>
+        <p:nvSpPr>
+          <p:cNvPr id="5" name="Footer Placeholder 4">
+            <a:extLst>
+              <a:ext uri="{FF2B5EF4-FFF2-40B4-BE49-F238E27FC236}">
+                <a16:creationId xmlns:a16="http://schemas.microsoft.com/office/drawing/2014/main" id="{A9C1D297-D895-3814-7B93-00D4B8356597}"/>
+              </a:ext>
+            </a:extLst>
+          </p:cNvPr>
+          <p:cNvSpPr>
+            <a:spLocks noGrp="1"/>
+          </p:cNvSpPr>
+          <p:nvPr>
+            <p:ph type="ftr" sz="quarter" idx="11"/>
+          </p:nvPr>
+        </p:nvSpPr>
+        <p:spPr/>
+        <p:txBody>
+          <a:bodyPr/>
+          <a:lstStyle/>
+          <a:p>
+            <a:r>
+              <a:rPr lang="nl-NL"/>
+              <a:t>Voettekst van de presentatie</a:t>
+            </a:r>
+          </a:p>
+        </p:txBody>
+      </p:sp>
+      <p:sp>
+        <p:nvSpPr>
+          <p:cNvPr id="6" name="Slide Number Placeholder 5">
+            <a:extLst>
+              <a:ext uri="{FF2B5EF4-FFF2-40B4-BE49-F238E27FC236}">
+                <a16:creationId xmlns:a16="http://schemas.microsoft.com/office/drawing/2014/main" id="{1E8D8E11-03BE-7389-362B-1E233600A27C}"/>
+              </a:ext>
+            </a:extLst>
+          </p:cNvPr>
+          <p:cNvSpPr>
+            <a:spLocks noGrp="1"/>
+          </p:cNvSpPr>
+          <p:nvPr>
+            <p:ph type="sldNum" sz="quarter" idx="12"/>
+          </p:nvPr>
+        </p:nvSpPr>
+        <p:spPr/>
+        <p:txBody>
+          <a:bodyPr/>
+          <a:lstStyle/>
+          <a:p>
+            <a:fld id="{F42B3F14-D836-496B-80A2-23BE75BD68CB}" type="slidenum">
+              <a:rPr lang="nl-NL" smtClean="0"/>
+              <a:pPr/>
+              <a:t>17</a:t>
+            </a:fld>
+            <a:endParaRPr lang="nl-NL"/>
+          </a:p>
+        </p:txBody>
+      </p:sp>
+    </p:spTree>
+    <p:extLst>
+      <p:ext uri="{BB962C8B-B14F-4D97-AF65-F5344CB8AC3E}">
+        <p14:creationId xmlns:p14="http://schemas.microsoft.com/office/powerpoint/2010/main" val="3145414659"/>
+      </p:ext>
+    </p:extLst>
+  </p:cSld>
+  <p:clrMapOvr>
+    <a:masterClrMapping/>
+  </p:clrMapOvr>
+</p:sld>
+</file>
+
+<file path=ppt/slides/slide18.xml><?xml version="1.0" encoding="utf-8"?>
+<p:sld xmlns:a="http://schemas.openxmlformats.org/drawingml/2006/main" xmlns:r="http://schemas.openxmlformats.org/officeDocument/2006/relationships" xmlns:p="http://schemas.openxmlformats.org/presentationml/2006/main">
+  <p:cSld>
+    <p:spTree>
+      <p:nvGrpSpPr>
+        <p:cNvPr id="1" name=""/>
+        <p:cNvGrpSpPr/>
+        <p:nvPr/>
+      </p:nvGrpSpPr>
+      <p:grpSpPr>
+        <a:xfrm>
+          <a:off x="0" y="0"/>
+          <a:ext cx="0" cy="0"/>
+          <a:chOff x="0" y="0"/>
+          <a:chExt cx="0" cy="0"/>
+        </a:xfrm>
+      </p:grpSpPr>
+      <p:sp>
+        <p:nvSpPr>
+          <p:cNvPr id="2" name="Title 1">
+            <a:extLst>
+              <a:ext uri="{FF2B5EF4-FFF2-40B4-BE49-F238E27FC236}">
+                <a16:creationId xmlns:a16="http://schemas.microsoft.com/office/drawing/2014/main" id="{A7FEE077-B27C-5318-B7A1-A6DAD1A41F97}"/>
+              </a:ext>
+            </a:extLst>
+          </p:cNvPr>
+          <p:cNvSpPr>
+            <a:spLocks noGrp="1"/>
+          </p:cNvSpPr>
+          <p:nvPr>
+            <p:ph type="title"/>
+          </p:nvPr>
+        </p:nvSpPr>
+        <p:spPr/>
+        <p:txBody>
+          <a:bodyPr/>
+          <a:lstStyle/>
+          <a:p>
+            <a:r>
+              <a:rPr lang="en-GB" dirty="0" err="1"/>
+              <a:t>Overzicht</a:t>
+            </a:r>
+            <a:endParaRPr lang="nl-NL" dirty="0"/>
+          </a:p>
+        </p:txBody>
+      </p:sp>
+      <p:sp>
+        <p:nvSpPr>
+          <p:cNvPr id="3" name="Content Placeholder 2">
+            <a:extLst>
+              <a:ext uri="{FF2B5EF4-FFF2-40B4-BE49-F238E27FC236}">
+                <a16:creationId xmlns:a16="http://schemas.microsoft.com/office/drawing/2014/main" id="{690934CD-04BD-3BCF-4B9C-FAFCE55B20E0}"/>
+              </a:ext>
+            </a:extLst>
+          </p:cNvPr>
+          <p:cNvSpPr>
+            <a:spLocks noGrp="1"/>
+          </p:cNvSpPr>
+          <p:nvPr>
+            <p:ph idx="1"/>
+          </p:nvPr>
+        </p:nvSpPr>
+        <p:spPr/>
+        <p:txBody>
+          <a:bodyPr/>
+          <a:lstStyle/>
+          <a:p>
+            <a:r>
+              <a:rPr lang="nl-NL" dirty="0"/>
+              <a:t>DEMO probabilistische bibliotheek (model in Python)</a:t>
+            </a:r>
+          </a:p>
+          <a:p>
+            <a:endParaRPr lang="nl-NL" dirty="0"/>
+          </a:p>
+          <a:p>
+            <a:r>
+              <a:rPr lang="nl-NL" dirty="0"/>
+              <a:t>DEMO probabilistische berekeningen met </a:t>
+            </a:r>
+            <a:r>
+              <a:rPr lang="nl-NL" dirty="0" err="1"/>
+              <a:t>Kratos</a:t>
+            </a:r>
+            <a:r>
+              <a:rPr lang="nl-NL" dirty="0"/>
+              <a:t>, incl. bewezen sterkte</a:t>
+            </a:r>
+          </a:p>
+        </p:txBody>
+      </p:sp>
+      <p:sp>
+        <p:nvSpPr>
+          <p:cNvPr id="4" name="Date Placeholder 3">
+            <a:extLst>
+              <a:ext uri="{FF2B5EF4-FFF2-40B4-BE49-F238E27FC236}">
+                <a16:creationId xmlns:a16="http://schemas.microsoft.com/office/drawing/2014/main" id="{86E6E64F-A92B-8519-705A-63F48427FD92}"/>
+              </a:ext>
+            </a:extLst>
+          </p:cNvPr>
+          <p:cNvSpPr>
+            <a:spLocks noGrp="1"/>
+          </p:cNvSpPr>
+          <p:nvPr>
+            <p:ph type="dt" sz="half" idx="10"/>
+          </p:nvPr>
+        </p:nvSpPr>
+        <p:spPr/>
+        <p:txBody>
+          <a:bodyPr/>
+          <a:lstStyle/>
+          <a:p>
+            <a:r>
+              <a:rPr lang="nl-NL"/>
+              <a:t> 28 november 2019</a:t>
+            </a:r>
+          </a:p>
+        </p:txBody>
+      </p:sp>
+      <p:sp>
+        <p:nvSpPr>
+          <p:cNvPr id="5" name="Footer Placeholder 4">
+            <a:extLst>
+              <a:ext uri="{FF2B5EF4-FFF2-40B4-BE49-F238E27FC236}">
+                <a16:creationId xmlns:a16="http://schemas.microsoft.com/office/drawing/2014/main" id="{C2896454-D20D-CD1C-18EA-15849D62AA31}"/>
+              </a:ext>
+            </a:extLst>
+          </p:cNvPr>
+          <p:cNvSpPr>
+            <a:spLocks noGrp="1"/>
+          </p:cNvSpPr>
+          <p:nvPr>
+            <p:ph type="ftr" sz="quarter" idx="11"/>
+          </p:nvPr>
+        </p:nvSpPr>
+        <p:spPr/>
+        <p:txBody>
+          <a:bodyPr/>
+          <a:lstStyle/>
+          <a:p>
+            <a:r>
+              <a:rPr lang="nl-NL"/>
+              <a:t>Voettekst van de presentatie</a:t>
+            </a:r>
+          </a:p>
+        </p:txBody>
+      </p:sp>
+      <p:sp>
+        <p:nvSpPr>
+          <p:cNvPr id="6" name="Slide Number Placeholder 5">
+            <a:extLst>
+              <a:ext uri="{FF2B5EF4-FFF2-40B4-BE49-F238E27FC236}">
+                <a16:creationId xmlns:a16="http://schemas.microsoft.com/office/drawing/2014/main" id="{F0A72D62-85D2-C9EE-E44B-C6475874A398}"/>
+              </a:ext>
+            </a:extLst>
+          </p:cNvPr>
+          <p:cNvSpPr>
+            <a:spLocks noGrp="1"/>
+          </p:cNvSpPr>
+          <p:nvPr>
+            <p:ph type="sldNum" sz="quarter" idx="12"/>
+          </p:nvPr>
+        </p:nvSpPr>
+        <p:spPr/>
+        <p:txBody>
+          <a:bodyPr/>
+          <a:lstStyle/>
+          <a:p>
+            <a:fld id="{F42B3F14-D836-496B-80A2-23BE75BD68CB}" type="slidenum">
+              <a:rPr lang="nl-NL" smtClean="0"/>
+              <a:t>18</a:t>
+            </a:fld>
+            <a:endParaRPr lang="nl-NL"/>
+          </a:p>
+        </p:txBody>
+      </p:sp>
+    </p:spTree>
+    <p:extLst>
+      <p:ext uri="{BB962C8B-B14F-4D97-AF65-F5344CB8AC3E}">
+        <p14:creationId xmlns:p14="http://schemas.microsoft.com/office/powerpoint/2010/main" val="1887325309"/>
+      </p:ext>
+    </p:extLst>
+  </p:cSld>
+  <p:clrMapOvr>
+    <a:masterClrMapping/>
+  </p:clrMapOvr>
+</p:sld>
+</file>
+
+<file path=ppt/slides/slide19.xml><?xml version="1.0" encoding="utf-8"?>
+<p:sld xmlns:a="http://schemas.openxmlformats.org/drawingml/2006/main" xmlns:r="http://schemas.openxmlformats.org/officeDocument/2006/relationships" xmlns:p="http://schemas.openxmlformats.org/presentationml/2006/main" show="0">
+  <p:cSld>
+    <p:spTree>
+      <p:nvGrpSpPr>
+        <p:cNvPr id="1" name="">
+          <a:extLst>
+            <a:ext uri="{FF2B5EF4-FFF2-40B4-BE49-F238E27FC236}">
+              <a16:creationId xmlns:a16="http://schemas.microsoft.com/office/drawing/2014/main" id="{DC6E02AE-39D4-86C0-C0D6-C9A80CA5959C}"/>
+            </a:ext>
+          </a:extLst>
+        </p:cNvPr>
+        <p:cNvGrpSpPr/>
+        <p:nvPr/>
+      </p:nvGrpSpPr>
+      <p:grpSpPr>
+        <a:xfrm>
+          <a:off x="0" y="0"/>
+          <a:ext cx="0" cy="0"/>
+          <a:chOff x="0" y="0"/>
+          <a:chExt cx="0" cy="0"/>
+        </a:xfrm>
+      </p:grpSpPr>
+      <p:sp>
+        <p:nvSpPr>
+          <p:cNvPr id="2" name="Title 1">
+            <a:extLst>
+              <a:ext uri="{FF2B5EF4-FFF2-40B4-BE49-F238E27FC236}">
+                <a16:creationId xmlns:a16="http://schemas.microsoft.com/office/drawing/2014/main" id="{E5C535A4-68E7-FF4B-9538-C2F4FC81C5B6}"/>
+              </a:ext>
+            </a:extLst>
+          </p:cNvPr>
+          <p:cNvSpPr>
+            <a:spLocks noGrp="1"/>
+          </p:cNvSpPr>
+          <p:nvPr>
+            <p:ph type="title"/>
+          </p:nvPr>
+        </p:nvSpPr>
+        <p:spPr/>
+        <p:txBody>
+          <a:bodyPr/>
+          <a:lstStyle/>
+          <a:p>
+            <a:r>
+              <a:rPr lang="nl-NL" dirty="0"/>
               <a:t>Bewezen sterkte</a:t>
             </a:r>
           </a:p>
@@ -20117,7 +20658,7 @@
           <p:cNvPr id="3" name="Content Placeholder 2">
             <a:extLst>
               <a:ext uri="{FF2B5EF4-FFF2-40B4-BE49-F238E27FC236}">
-                <a16:creationId xmlns:a16="http://schemas.microsoft.com/office/drawing/2014/main" id="{7EA0643A-F3D7-D819-D1EB-C8890A2B9F0A}"/>
+                <a16:creationId xmlns:a16="http://schemas.microsoft.com/office/drawing/2014/main" id="{09A3B44A-2299-CADA-73EC-62A9493BEA08}"/>
               </a:ext>
             </a:extLst>
           </p:cNvPr>
@@ -20140,11 +20681,689 @@
           <a:p>
             <a:r>
               <a:rPr lang="nl-NL" dirty="0"/>
-              <a:t>De dikte van de damwand neemt in de loop van de tijd af</a:t>
-            </a:r>
-          </a:p>
-          <a:p>
+              <a:t>De dikte van de damwand neemt in de loop van de tijd af.</a:t>
+            </a:r>
+          </a:p>
+        </p:txBody>
+      </p:sp>
+      <p:sp>
+        <p:nvSpPr>
+          <p:cNvPr id="4" name="Date Placeholder 3">
+            <a:extLst>
+              <a:ext uri="{FF2B5EF4-FFF2-40B4-BE49-F238E27FC236}">
+                <a16:creationId xmlns:a16="http://schemas.microsoft.com/office/drawing/2014/main" id="{99CF35EC-2479-52BB-12FA-5DCCB20EFD94}"/>
+              </a:ext>
+            </a:extLst>
+          </p:cNvPr>
+          <p:cNvSpPr>
+            <a:spLocks noGrp="1"/>
+          </p:cNvSpPr>
+          <p:nvPr>
+            <p:ph type="dt" sz="half" idx="10"/>
+          </p:nvPr>
+        </p:nvSpPr>
+        <p:spPr/>
+        <p:txBody>
+          <a:bodyPr/>
+          <a:lstStyle/>
+          <a:p>
+            <a:r>
+              <a:rPr lang="nl-NL"/>
+              <a:t> 28 november 2019</a:t>
+            </a:r>
+          </a:p>
+        </p:txBody>
+      </p:sp>
+      <p:sp>
+        <p:nvSpPr>
+          <p:cNvPr id="5" name="Footer Placeholder 4">
+            <a:extLst>
+              <a:ext uri="{FF2B5EF4-FFF2-40B4-BE49-F238E27FC236}">
+                <a16:creationId xmlns:a16="http://schemas.microsoft.com/office/drawing/2014/main" id="{845CE926-11C6-3E3B-C333-8119524A33F9}"/>
+              </a:ext>
+            </a:extLst>
+          </p:cNvPr>
+          <p:cNvSpPr>
+            <a:spLocks noGrp="1"/>
+          </p:cNvSpPr>
+          <p:nvPr>
+            <p:ph type="ftr" sz="quarter" idx="11"/>
+          </p:nvPr>
+        </p:nvSpPr>
+        <p:spPr/>
+        <p:txBody>
+          <a:bodyPr/>
+          <a:lstStyle/>
+          <a:p>
+            <a:r>
+              <a:rPr lang="nl-NL"/>
+              <a:t>Voettekst van de presentatie</a:t>
+            </a:r>
+          </a:p>
+        </p:txBody>
+      </p:sp>
+      <p:sp>
+        <p:nvSpPr>
+          <p:cNvPr id="6" name="Slide Number Placeholder 5">
+            <a:extLst>
+              <a:ext uri="{FF2B5EF4-FFF2-40B4-BE49-F238E27FC236}">
+                <a16:creationId xmlns:a16="http://schemas.microsoft.com/office/drawing/2014/main" id="{DC07AAC9-4C16-B951-5A44-8A6114476BD6}"/>
+              </a:ext>
+            </a:extLst>
+          </p:cNvPr>
+          <p:cNvSpPr>
+            <a:spLocks noGrp="1"/>
+          </p:cNvSpPr>
+          <p:nvPr>
+            <p:ph type="sldNum" sz="quarter" idx="12"/>
+          </p:nvPr>
+        </p:nvSpPr>
+        <p:spPr/>
+        <p:txBody>
+          <a:bodyPr/>
+          <a:lstStyle/>
+          <a:p>
+            <a:fld id="{F42B3F14-D836-496B-80A2-23BE75BD68CB}" type="slidenum">
+              <a:rPr lang="nl-NL" smtClean="0"/>
+              <a:t>19</a:t>
+            </a:fld>
+            <a:endParaRPr lang="nl-NL"/>
+          </a:p>
+        </p:txBody>
+      </p:sp>
+      <p:graphicFrame>
+        <p:nvGraphicFramePr>
+          <p:cNvPr id="7" name="Table 6">
+            <a:extLst>
+              <a:ext uri="{FF2B5EF4-FFF2-40B4-BE49-F238E27FC236}">
+                <a16:creationId xmlns:a16="http://schemas.microsoft.com/office/drawing/2014/main" id="{D5E4FD28-BE39-90AB-116C-AF89F865F6B2}"/>
+              </a:ext>
+            </a:extLst>
+          </p:cNvPr>
+          <p:cNvGraphicFramePr>
+            <a:graphicFrameLocks noGrp="1"/>
+          </p:cNvGraphicFramePr>
+          <p:nvPr>
+            <p:extLst>
+              <p:ext uri="{D42A27DB-BD31-4B8C-83A1-F6EECF244321}">
+                <p14:modId xmlns:p14="http://schemas.microsoft.com/office/powerpoint/2010/main" val="871532582"/>
+              </p:ext>
+            </p:extLst>
+          </p:nvPr>
+        </p:nvGraphicFramePr>
+        <p:xfrm>
+          <a:off x="2431496" y="2488948"/>
+          <a:ext cx="6978836" cy="2494280"/>
+        </p:xfrm>
+        <a:graphic>
+          <a:graphicData uri="http://schemas.openxmlformats.org/drawingml/2006/table">
+            <a:tbl>
+              <a:tblPr firstRow="1" bandRow="1">
+                <a:tableStyleId>{5C22544A-7EE6-4342-B048-85BDC9FD1C3A}</a:tableStyleId>
+              </a:tblPr>
+              <a:tblGrid>
+                <a:gridCol w="3489418">
+                  <a:extLst>
+                    <a:ext uri="{9D8B030D-6E8A-4147-A177-3AD203B41FA5}">
+                      <a16:colId xmlns:a16="http://schemas.microsoft.com/office/drawing/2014/main" val="3227878487"/>
+                    </a:ext>
+                  </a:extLst>
+                </a:gridCol>
+                <a:gridCol w="3489418">
+                  <a:extLst>
+                    <a:ext uri="{9D8B030D-6E8A-4147-A177-3AD203B41FA5}">
+                      <a16:colId xmlns:a16="http://schemas.microsoft.com/office/drawing/2014/main" val="164570856"/>
+                    </a:ext>
+                  </a:extLst>
+                </a:gridCol>
+              </a:tblGrid>
+              <a:tr h="370840">
+                <a:tc>
+                  <a:txBody>
+                    <a:bodyPr/>
+                    <a:lstStyle/>
+                    <a:p>
+                      <a:pPr algn="ctr"/>
+                      <a:r>
+                        <a:rPr lang="nl-NL" dirty="0"/>
+                        <a:t>Dikte damwand [m]</a:t>
+                      </a:r>
+                    </a:p>
+                  </a:txBody>
+                  <a:tcPr/>
+                </a:tc>
+                <a:tc>
+                  <a:txBody>
+                    <a:bodyPr/>
+                    <a:lstStyle/>
+                    <a:p>
+                      <a:pPr algn="ctr"/>
+                      <a:r>
+                        <a:rPr lang="nl-NL" dirty="0"/>
+                        <a:t>Betrouwbaarheidsindex (totale verplaatsing)</a:t>
+                      </a:r>
+                    </a:p>
+                  </a:txBody>
+                  <a:tcPr/>
+                </a:tc>
+                <a:extLst>
+                  <a:ext uri="{0D108BD9-81ED-4DB2-BD59-A6C34878D82A}">
+                    <a16:rowId xmlns:a16="http://schemas.microsoft.com/office/drawing/2014/main" val="2306135638"/>
+                  </a:ext>
+                </a:extLst>
+              </a:tr>
+              <a:tr h="370840">
+                <a:tc>
+                  <a:txBody>
+                    <a:bodyPr/>
+                    <a:lstStyle/>
+                    <a:p>
+                      <a:pPr algn="ctr"/>
+                      <a:r>
+                        <a:rPr lang="nl-NL" dirty="0"/>
+                        <a:t>0.01</a:t>
+                      </a:r>
+                    </a:p>
+                  </a:txBody>
+                  <a:tcPr/>
+                </a:tc>
+                <a:tc>
+                  <a:txBody>
+                    <a:bodyPr/>
+                    <a:lstStyle/>
+                    <a:p>
+                      <a:pPr algn="ctr"/>
+                      <a:r>
+                        <a:rPr lang="nl-NL" dirty="0"/>
+                        <a:t>1.40</a:t>
+                      </a:r>
+                    </a:p>
+                  </a:txBody>
+                  <a:tcPr/>
+                </a:tc>
+                <a:extLst>
+                  <a:ext uri="{0D108BD9-81ED-4DB2-BD59-A6C34878D82A}">
+                    <a16:rowId xmlns:a16="http://schemas.microsoft.com/office/drawing/2014/main" val="3937175539"/>
+                  </a:ext>
+                </a:extLst>
+              </a:tr>
+              <a:tr h="370840">
+                <a:tc>
+                  <a:txBody>
+                    <a:bodyPr/>
+                    <a:lstStyle/>
+                    <a:p>
+                      <a:pPr algn="ctr"/>
+                      <a:r>
+                        <a:rPr lang="nl-NL" dirty="0"/>
+                        <a:t>0.015</a:t>
+                      </a:r>
+                    </a:p>
+                  </a:txBody>
+                  <a:tcPr/>
+                </a:tc>
+                <a:tc>
+                  <a:txBody>
+                    <a:bodyPr/>
+                    <a:lstStyle/>
+                    <a:p>
+                      <a:pPr algn="ctr"/>
+                      <a:r>
+                        <a:rPr lang="nl-NL" dirty="0"/>
+                        <a:t>1.29</a:t>
+                      </a:r>
+                    </a:p>
+                  </a:txBody>
+                  <a:tcPr/>
+                </a:tc>
+                <a:extLst>
+                  <a:ext uri="{0D108BD9-81ED-4DB2-BD59-A6C34878D82A}">
+                    <a16:rowId xmlns:a16="http://schemas.microsoft.com/office/drawing/2014/main" val="3793687271"/>
+                  </a:ext>
+                </a:extLst>
+              </a:tr>
+              <a:tr h="370840">
+                <a:tc>
+                  <a:txBody>
+                    <a:bodyPr/>
+                    <a:lstStyle/>
+                    <a:p>
+                      <a:pPr algn="ctr"/>
+                      <a:r>
+                        <a:rPr lang="nl-NL" dirty="0"/>
+                        <a:t>0.02</a:t>
+                      </a:r>
+                    </a:p>
+                  </a:txBody>
+                  <a:tcPr/>
+                </a:tc>
+                <a:tc>
+                  <a:txBody>
+                    <a:bodyPr/>
+                    <a:lstStyle/>
+                    <a:p>
+                      <a:pPr algn="ctr"/>
+                      <a:r>
+                        <a:rPr lang="nl-NL" dirty="0"/>
+                        <a:t>1.21</a:t>
+                      </a:r>
+                    </a:p>
+                  </a:txBody>
+                  <a:tcPr/>
+                </a:tc>
+                <a:extLst>
+                  <a:ext uri="{0D108BD9-81ED-4DB2-BD59-A6C34878D82A}">
+                    <a16:rowId xmlns:a16="http://schemas.microsoft.com/office/drawing/2014/main" val="1596850235"/>
+                  </a:ext>
+                </a:extLst>
+              </a:tr>
+              <a:tr h="370840">
+                <a:tc>
+                  <a:txBody>
+                    <a:bodyPr/>
+                    <a:lstStyle/>
+                    <a:p>
+                      <a:pPr algn="ctr"/>
+                      <a:r>
+                        <a:rPr lang="nl-NL" dirty="0"/>
+                        <a:t>0.025</a:t>
+                      </a:r>
+                    </a:p>
+                  </a:txBody>
+                  <a:tcPr/>
+                </a:tc>
+                <a:tc>
+                  <a:txBody>
+                    <a:bodyPr/>
+                    <a:lstStyle/>
+                    <a:p>
+                      <a:pPr algn="ctr"/>
+                      <a:r>
+                        <a:rPr lang="nl-NL" dirty="0"/>
+                        <a:t>1.15</a:t>
+                      </a:r>
+                    </a:p>
+                  </a:txBody>
+                  <a:tcPr/>
+                </a:tc>
+                <a:extLst>
+                  <a:ext uri="{0D108BD9-81ED-4DB2-BD59-A6C34878D82A}">
+                    <a16:rowId xmlns:a16="http://schemas.microsoft.com/office/drawing/2014/main" val="1842944202"/>
+                  </a:ext>
+                </a:extLst>
+              </a:tr>
+              <a:tr h="370840">
+                <a:tc>
+                  <a:txBody>
+                    <a:bodyPr/>
+                    <a:lstStyle/>
+                    <a:p>
+                      <a:pPr algn="ctr"/>
+                      <a:r>
+                        <a:rPr lang="nl-NL" dirty="0"/>
+                        <a:t>0.03</a:t>
+                      </a:r>
+                    </a:p>
+                  </a:txBody>
+                  <a:tcPr/>
+                </a:tc>
+                <a:tc>
+                  <a:txBody>
+                    <a:bodyPr/>
+                    <a:lstStyle/>
+                    <a:p>
+                      <a:pPr algn="ctr"/>
+                      <a:r>
+                        <a:rPr lang="nl-NL" dirty="0"/>
+                        <a:t>1.09</a:t>
+                      </a:r>
+                    </a:p>
+                  </a:txBody>
+                  <a:tcPr/>
+                </a:tc>
+                <a:extLst>
+                  <a:ext uri="{0D108BD9-81ED-4DB2-BD59-A6C34878D82A}">
+                    <a16:rowId xmlns:a16="http://schemas.microsoft.com/office/drawing/2014/main" val="1150664438"/>
+                  </a:ext>
+                </a:extLst>
+              </a:tr>
+            </a:tbl>
+          </a:graphicData>
+        </a:graphic>
+      </p:graphicFrame>
+    </p:spTree>
+    <p:extLst>
+      <p:ext uri="{BB962C8B-B14F-4D97-AF65-F5344CB8AC3E}">
+        <p14:creationId xmlns:p14="http://schemas.microsoft.com/office/powerpoint/2010/main" val="1901618963"/>
+      </p:ext>
+    </p:extLst>
+  </p:cSld>
+  <p:clrMapOvr>
+    <a:masterClrMapping/>
+  </p:clrMapOvr>
+</p:sld>
+</file>
+
+<file path=ppt/slides/slide2.xml><?xml version="1.0" encoding="utf-8"?>
+<p:sld xmlns:a="http://schemas.openxmlformats.org/drawingml/2006/main" xmlns:r="http://schemas.openxmlformats.org/officeDocument/2006/relationships" xmlns:p="http://schemas.openxmlformats.org/presentationml/2006/main">
+  <p:cSld>
+    <p:spTree>
+      <p:nvGrpSpPr>
+        <p:cNvPr id="1" name=""/>
+        <p:cNvGrpSpPr/>
+        <p:nvPr/>
+      </p:nvGrpSpPr>
+      <p:grpSpPr>
+        <a:xfrm>
+          <a:off x="0" y="0"/>
+          <a:ext cx="0" cy="0"/>
+          <a:chOff x="0" y="0"/>
+          <a:chExt cx="0" cy="0"/>
+        </a:xfrm>
+      </p:grpSpPr>
+      <p:sp>
+        <p:nvSpPr>
+          <p:cNvPr id="2" name="Title 1">
+            <a:extLst>
+              <a:ext uri="{FF2B5EF4-FFF2-40B4-BE49-F238E27FC236}">
+                <a16:creationId xmlns:a16="http://schemas.microsoft.com/office/drawing/2014/main" id="{72F9412A-07C7-DE29-F08F-84DC8AA070F4}"/>
+              </a:ext>
+            </a:extLst>
+          </p:cNvPr>
+          <p:cNvSpPr>
+            <a:spLocks noGrp="1"/>
+          </p:cNvSpPr>
+          <p:nvPr>
+            <p:ph type="title"/>
+          </p:nvPr>
+        </p:nvSpPr>
+        <p:spPr/>
+        <p:txBody>
+          <a:bodyPr/>
+          <a:lstStyle/>
+          <a:p>
+            <a:r>
+              <a:rPr lang="en-GB" dirty="0" err="1"/>
+              <a:t>Overzicht</a:t>
+            </a:r>
             <a:endParaRPr lang="nl-NL" dirty="0"/>
+          </a:p>
+        </p:txBody>
+      </p:sp>
+      <p:sp>
+        <p:nvSpPr>
+          <p:cNvPr id="3" name="Content Placeholder 2">
+            <a:extLst>
+              <a:ext uri="{FF2B5EF4-FFF2-40B4-BE49-F238E27FC236}">
+                <a16:creationId xmlns:a16="http://schemas.microsoft.com/office/drawing/2014/main" id="{8B1D33DE-AEEB-6AC7-BC22-1D3D8F4DDB27}"/>
+              </a:ext>
+            </a:extLst>
+          </p:cNvPr>
+          <p:cNvSpPr>
+            <a:spLocks noGrp="1"/>
+          </p:cNvSpPr>
+          <p:nvPr>
+            <p:ph idx="1"/>
+          </p:nvPr>
+        </p:nvSpPr>
+        <p:spPr/>
+        <p:txBody>
+          <a:bodyPr/>
+          <a:lstStyle/>
+          <a:p>
+            <a:r>
+              <a:rPr lang="nl-NL" dirty="0"/>
+              <a:t>Doel</a:t>
+            </a:r>
+          </a:p>
+          <a:p>
+            <a:r>
+              <a:rPr lang="nl-NL" dirty="0"/>
+              <a:t>Probabilistische bibliotheek en </a:t>
+            </a:r>
+            <a:r>
+              <a:rPr lang="nl-NL" dirty="0" err="1"/>
+              <a:t>Kratos</a:t>
+            </a:r>
+            <a:endParaRPr lang="nl-NL" dirty="0"/>
+          </a:p>
+          <a:p>
+            <a:r>
+              <a:rPr lang="nl-NL" dirty="0"/>
+              <a:t>Damwand model</a:t>
+            </a:r>
+          </a:p>
+          <a:p>
+            <a:r>
+              <a:rPr lang="nl-NL" dirty="0"/>
+              <a:t>Probabilistische berekeningen met </a:t>
+            </a:r>
+            <a:r>
+              <a:rPr lang="nl-NL" dirty="0" err="1"/>
+              <a:t>Kratos</a:t>
+            </a:r>
+            <a:r>
+              <a:rPr lang="nl-NL" dirty="0"/>
+              <a:t>:</a:t>
+            </a:r>
+          </a:p>
+          <a:p>
+            <a:pPr lvl="1"/>
+            <a:r>
+              <a:rPr lang="nl-NL" dirty="0"/>
+              <a:t>Input en output parameters</a:t>
+            </a:r>
+          </a:p>
+          <a:p>
+            <a:pPr lvl="1"/>
+            <a:r>
+              <a:rPr lang="nl-NL" dirty="0"/>
+              <a:t>Onzekerheidsanalyse</a:t>
+            </a:r>
+          </a:p>
+          <a:p>
+            <a:pPr lvl="1"/>
+            <a:r>
+              <a:rPr lang="nl-NL" dirty="0"/>
+              <a:t>Betrouwbaarheidsanalyse</a:t>
+            </a:r>
+          </a:p>
+          <a:p>
+            <a:pPr lvl="1"/>
+            <a:endParaRPr lang="nl-NL" dirty="0"/>
+          </a:p>
+          <a:p>
+            <a:endParaRPr lang="nl-NL" dirty="0"/>
+          </a:p>
+          <a:p>
+            <a:endParaRPr lang="nl-NL" dirty="0"/>
+          </a:p>
+          <a:p>
+            <a:endParaRPr lang="nl-NL" dirty="0"/>
+          </a:p>
+          <a:p>
+            <a:pPr lvl="1"/>
+            <a:endParaRPr lang="nl-NL" dirty="0"/>
+          </a:p>
+        </p:txBody>
+      </p:sp>
+      <p:sp>
+        <p:nvSpPr>
+          <p:cNvPr id="4" name="Date Placeholder 3">
+            <a:extLst>
+              <a:ext uri="{FF2B5EF4-FFF2-40B4-BE49-F238E27FC236}">
+                <a16:creationId xmlns:a16="http://schemas.microsoft.com/office/drawing/2014/main" id="{9C510F70-4ED8-586E-F24E-36E305D537E1}"/>
+              </a:ext>
+            </a:extLst>
+          </p:cNvPr>
+          <p:cNvSpPr>
+            <a:spLocks noGrp="1"/>
+          </p:cNvSpPr>
+          <p:nvPr>
+            <p:ph type="dt" sz="half" idx="10"/>
+          </p:nvPr>
+        </p:nvSpPr>
+        <p:spPr/>
+        <p:txBody>
+          <a:bodyPr/>
+          <a:lstStyle/>
+          <a:p>
+            <a:r>
+              <a:rPr lang="nl-NL"/>
+              <a:t> 28 november 2019</a:t>
+            </a:r>
+          </a:p>
+        </p:txBody>
+      </p:sp>
+      <p:sp>
+        <p:nvSpPr>
+          <p:cNvPr id="5" name="Footer Placeholder 4">
+            <a:extLst>
+              <a:ext uri="{FF2B5EF4-FFF2-40B4-BE49-F238E27FC236}">
+                <a16:creationId xmlns:a16="http://schemas.microsoft.com/office/drawing/2014/main" id="{D8C8333A-629D-A3D8-C6E0-320EB9299240}"/>
+              </a:ext>
+            </a:extLst>
+          </p:cNvPr>
+          <p:cNvSpPr>
+            <a:spLocks noGrp="1"/>
+          </p:cNvSpPr>
+          <p:nvPr>
+            <p:ph type="ftr" sz="quarter" idx="11"/>
+          </p:nvPr>
+        </p:nvSpPr>
+        <p:spPr/>
+        <p:txBody>
+          <a:bodyPr/>
+          <a:lstStyle/>
+          <a:p>
+            <a:r>
+              <a:rPr lang="nl-NL"/>
+              <a:t>Voettekst van de presentatie</a:t>
+            </a:r>
+          </a:p>
+        </p:txBody>
+      </p:sp>
+      <p:sp>
+        <p:nvSpPr>
+          <p:cNvPr id="6" name="Slide Number Placeholder 5">
+            <a:extLst>
+              <a:ext uri="{FF2B5EF4-FFF2-40B4-BE49-F238E27FC236}">
+                <a16:creationId xmlns:a16="http://schemas.microsoft.com/office/drawing/2014/main" id="{2FA51C3C-6E3A-C89A-2793-7B0B71505CF4}"/>
+              </a:ext>
+            </a:extLst>
+          </p:cNvPr>
+          <p:cNvSpPr>
+            <a:spLocks noGrp="1"/>
+          </p:cNvSpPr>
+          <p:nvPr>
+            <p:ph type="sldNum" sz="quarter" idx="12"/>
+          </p:nvPr>
+        </p:nvSpPr>
+        <p:spPr/>
+        <p:txBody>
+          <a:bodyPr/>
+          <a:lstStyle/>
+          <a:p>
+            <a:fld id="{F42B3F14-D836-496B-80A2-23BE75BD68CB}" type="slidenum">
+              <a:rPr lang="nl-NL" smtClean="0"/>
+              <a:t>2</a:t>
+            </a:fld>
+            <a:endParaRPr lang="nl-NL"/>
+          </a:p>
+        </p:txBody>
+      </p:sp>
+    </p:spTree>
+    <p:extLst>
+      <p:ext uri="{BB962C8B-B14F-4D97-AF65-F5344CB8AC3E}">
+        <p14:creationId xmlns:p14="http://schemas.microsoft.com/office/powerpoint/2010/main" val="3477334814"/>
+      </p:ext>
+    </p:extLst>
+  </p:cSld>
+  <p:clrMapOvr>
+    <a:masterClrMapping/>
+  </p:clrMapOvr>
+</p:sld>
+</file>
+
+<file path=ppt/slides/slide20.xml><?xml version="1.0" encoding="utf-8"?>
+<p:sld xmlns:a="http://schemas.openxmlformats.org/drawingml/2006/main" xmlns:r="http://schemas.openxmlformats.org/officeDocument/2006/relationships" xmlns:p="http://schemas.openxmlformats.org/presentationml/2006/main">
+  <p:cSld>
+    <p:spTree>
+      <p:nvGrpSpPr>
+        <p:cNvPr id="1" name=""/>
+        <p:cNvGrpSpPr/>
+        <p:nvPr/>
+      </p:nvGrpSpPr>
+      <p:grpSpPr>
+        <a:xfrm>
+          <a:off x="0" y="0"/>
+          <a:ext cx="0" cy="0"/>
+          <a:chOff x="0" y="0"/>
+          <a:chExt cx="0" cy="0"/>
+        </a:xfrm>
+      </p:grpSpPr>
+      <p:sp>
+        <p:nvSpPr>
+          <p:cNvPr id="2" name="Title 1">
+            <a:extLst>
+              <a:ext uri="{FF2B5EF4-FFF2-40B4-BE49-F238E27FC236}">
+                <a16:creationId xmlns:a16="http://schemas.microsoft.com/office/drawing/2014/main" id="{6C38F79D-344B-5447-2044-1D5C6438F8B1}"/>
+              </a:ext>
+            </a:extLst>
+          </p:cNvPr>
+          <p:cNvSpPr>
+            <a:spLocks noGrp="1"/>
+          </p:cNvSpPr>
+          <p:nvPr>
+            <p:ph type="title"/>
+          </p:nvPr>
+        </p:nvSpPr>
+        <p:spPr/>
+        <p:txBody>
+          <a:bodyPr/>
+          <a:lstStyle/>
+          <a:p>
+            <a:r>
+              <a:rPr lang="nl-NL" dirty="0"/>
+              <a:t>Bewezen sterkte</a:t>
+            </a:r>
+          </a:p>
+        </p:txBody>
+      </p:sp>
+      <p:sp>
+        <p:nvSpPr>
+          <p:cNvPr id="3" name="Content Placeholder 2">
+            <a:extLst>
+              <a:ext uri="{FF2B5EF4-FFF2-40B4-BE49-F238E27FC236}">
+                <a16:creationId xmlns:a16="http://schemas.microsoft.com/office/drawing/2014/main" id="{7EA0643A-F3D7-D819-D1EB-C8890A2B9F0A}"/>
+              </a:ext>
+            </a:extLst>
+          </p:cNvPr>
+          <p:cNvSpPr>
+            <a:spLocks noGrp="1"/>
+          </p:cNvSpPr>
+          <p:nvPr>
+            <p:ph idx="1"/>
+          </p:nvPr>
+        </p:nvSpPr>
+        <p:spPr>
+          <a:xfrm>
+            <a:off x="755650" y="1768763"/>
+            <a:ext cx="9981781" cy="4320000"/>
+          </a:xfrm>
+        </p:spPr>
+        <p:txBody>
+          <a:bodyPr/>
+          <a:lstStyle/>
+          <a:p>
+            <a:r>
+              <a:rPr lang="nl-NL" dirty="0"/>
+              <a:t>De dikte van de damwand neemt in de loop van de tijd af.</a:t>
+            </a:r>
+            <a:endParaRPr lang="nl-NL" b="1" dirty="0"/>
+          </a:p>
+          <a:p>
+            <a:endParaRPr lang="nl-NL" b="1" dirty="0"/>
           </a:p>
           <a:p>
             <a:r>
@@ -20274,7 +21493,7 @@
           <a:p>
             <a:fld id="{F42B3F14-D836-496B-80A2-23BE75BD68CB}" type="slidenum">
               <a:rPr lang="nl-NL" smtClean="0"/>
-              <a:t>16</a:t>
+              <a:t>20</a:t>
             </a:fld>
             <a:endParaRPr lang="nl-NL"/>
           </a:p>
@@ -20293,7 +21512,7 @@
 </p:sld>
 </file>
 
-<file path=ppt/slides/slide17.xml><?xml version="1.0" encoding="utf-8"?>
+<file path=ppt/slides/slide21.xml><?xml version="1.0" encoding="utf-8"?>
 <p:sld xmlns:a="http://schemas.openxmlformats.org/drawingml/2006/main" xmlns:r="http://schemas.openxmlformats.org/officeDocument/2006/relationships" xmlns:p="http://schemas.openxmlformats.org/presentationml/2006/main">
   <p:cSld>
     <p:spTree>
@@ -20426,8 +21645,12 @@
           </a:p>
           <a:p>
             <a:r>
+              <a:rPr lang="nl-NL" dirty="0" err="1"/>
+              <a:t>Bayesian</a:t>
+            </a:r>
+            <a:r>
               <a:rPr lang="nl-NL" dirty="0"/>
-              <a:t>Bayesian updating</a:t>
+              <a:t> updating:</a:t>
             </a:r>
           </a:p>
           <a:p>
@@ -20526,7 +21749,7 @@
           <a:p>
             <a:fld id="{F42B3F14-D836-496B-80A2-23BE75BD68CB}" type="slidenum">
               <a:rPr lang="nl-NL" smtClean="0"/>
-              <a:t>17</a:t>
+              <a:t>21</a:t>
             </a:fld>
             <a:endParaRPr lang="nl-NL"/>
           </a:p>
@@ -21399,7 +22622,7 @@
 </p:sld>
 </file>
 
-<file path=ppt/slides/slide18.xml><?xml version="1.0" encoding="utf-8"?>
+<file path=ppt/slides/slide22.xml><?xml version="1.0" encoding="utf-8"?>
 <p:sld xmlns:a="http://schemas.openxmlformats.org/drawingml/2006/main" xmlns:r="http://schemas.openxmlformats.org/officeDocument/2006/relationships" xmlns:p="http://schemas.openxmlformats.org/presentationml/2006/main">
   <p:cSld>
     <p:spTree>
@@ -21529,7 +22752,7 @@
           <a:p>
             <a:fld id="{F42B3F14-D836-496B-80A2-23BE75BD68CB}" type="slidenum">
               <a:rPr lang="nl-NL" smtClean="0"/>
-              <a:t>18</a:t>
+              <a:t>22</a:t>
             </a:fld>
             <a:endParaRPr lang="nl-NL"/>
           </a:p>
@@ -21550,13 +22773,13 @@
           <p:nvPr>
             <p:extLst>
               <p:ext uri="{D42A27DB-BD31-4B8C-83A1-F6EECF244321}">
-                <p14:modId xmlns:p14="http://schemas.microsoft.com/office/powerpoint/2010/main" val="2804431071"/>
+                <p14:modId xmlns:p14="http://schemas.microsoft.com/office/powerpoint/2010/main" val="2658195323"/>
               </p:ext>
             </p:extLst>
           </p:nvPr>
         </p:nvGraphicFramePr>
         <p:xfrm>
-          <a:off x="398352" y="2050525"/>
+          <a:off x="416459" y="1574800"/>
           <a:ext cx="10924012" cy="1854200"/>
         </p:xfrm>
         <a:graphic>
@@ -21594,7 +22817,10 @@
                     <a:bodyPr/>
                     <a:lstStyle/>
                     <a:p>
-                      <a:endParaRPr lang="nl-NL"/>
+                      <a:r>
+                        <a:rPr lang="nl-NL" dirty="0"/>
+                        <a:t>Stappen</a:t>
+                      </a:r>
                     </a:p>
                   </a:txBody>
                   <a:tcPr/>
@@ -21656,7 +22882,7 @@
                       <a:pPr algn="ctr"/>
                       <a:r>
                         <a:rPr lang="nl-NL" dirty="0"/>
-                        <a:t>0.094</a:t>
+                        <a:t>0.098</a:t>
                       </a:r>
                     </a:p>
                   </a:txBody>
@@ -21670,7 +22896,7 @@
                       <a:pPr algn="ctr"/>
                       <a:r>
                         <a:rPr lang="nl-NL" dirty="0"/>
-                        <a:t>1.32</a:t>
+                        <a:t>1.29</a:t>
                       </a:r>
                     </a:p>
                   </a:txBody>
@@ -21690,7 +22916,7 @@
                     <a:p>
                       <a:r>
                         <a:rPr lang="nl-NL" dirty="0"/>
-                        <a:t>Bewezen sterkte</a:t>
+                        <a:t>Bewezen sterkte in 2025</a:t>
                       </a:r>
                     </a:p>
                   </a:txBody>
@@ -21718,7 +22944,7 @@
                       <a:pPr algn="ctr"/>
                       <a:r>
                         <a:rPr lang="nl-NL" dirty="0"/>
-                        <a:t>-1.17</a:t>
+                        <a:t>-1.16</a:t>
                       </a:r>
                     </a:p>
                   </a:txBody>
@@ -21752,7 +22978,7 @@
                       <a:pPr algn="ctr"/>
                       <a:r>
                         <a:rPr lang="nl-NL" dirty="0"/>
-                        <a:t>0.00216</a:t>
+                        <a:t>0.0013</a:t>
                       </a:r>
                     </a:p>
                   </a:txBody>
@@ -21766,7 +22992,7 @@
                       <a:pPr algn="ctr"/>
                       <a:r>
                         <a:rPr lang="nl-NL" dirty="0"/>
-                        <a:t>2.85</a:t>
+                        <a:t>3.009</a:t>
                       </a:r>
                     </a:p>
                   </a:txBody>
@@ -21809,7 +23035,7 @@
                       <a:pPr algn="ctr"/>
                       <a:r>
                         <a:rPr lang="nl-NL" dirty="0"/>
-                        <a:t>0.0024</a:t>
+                        <a:t>0.0015</a:t>
                       </a:r>
                     </a:p>
                   </a:txBody>
@@ -21823,7 +23049,7 @@
                       <a:pPr algn="ctr"/>
                       <a:r>
                         <a:rPr lang="nl-NL" dirty="0"/>
-                        <a:t>2.82</a:t>
+                        <a:t>2.96</a:t>
                       </a:r>
                     </a:p>
                   </a:txBody>
@@ -21853,7 +23079,7 @@
         </p:nvSpPr>
         <p:spPr>
           <a:xfrm>
-            <a:off x="416459" y="4531284"/>
+            <a:off x="416459" y="4157669"/>
             <a:ext cx="10557366" cy="369332"/>
           </a:xfrm>
           <a:prstGeom prst="rect">
@@ -21869,7 +23095,7 @@
           <a:p>
             <a:r>
               <a:rPr lang="nl-NL" dirty="0"/>
-              <a:t>Rekening houdend met de bewezen sterkte is de faalkans in 2075 gedaald van 0.094 naar 0.0024</a:t>
+              <a:t>Rekening houdend met de bewezen sterkte is de faalkans in 2075 gedaald van 0.098 naar 0.0015</a:t>
             </a:r>
           </a:p>
         </p:txBody>
@@ -21888,7 +23114,7 @@
         </p:nvSpPr>
         <p:spPr>
           <a:xfrm>
-            <a:off x="416459" y="5157843"/>
+            <a:off x="416459" y="4784228"/>
             <a:ext cx="10557366" cy="369332"/>
           </a:xfrm>
           <a:prstGeom prst="rect">
@@ -21913,461 +23139,6 @@
     <p:extLst>
       <p:ext uri="{BB962C8B-B14F-4D97-AF65-F5344CB8AC3E}">
         <p14:creationId xmlns:p14="http://schemas.microsoft.com/office/powerpoint/2010/main" val="980719990"/>
-      </p:ext>
-    </p:extLst>
-  </p:cSld>
-  <p:clrMapOvr>
-    <a:masterClrMapping/>
-  </p:clrMapOvr>
-</p:sld>
-</file>
-
-<file path=ppt/slides/slide19.xml><?xml version="1.0" encoding="utf-8"?>
-<p:sld xmlns:a="http://schemas.openxmlformats.org/drawingml/2006/main" xmlns:r="http://schemas.openxmlformats.org/officeDocument/2006/relationships" xmlns:p="http://schemas.openxmlformats.org/presentationml/2006/main">
-  <p:cSld>
-    <p:spTree>
-      <p:nvGrpSpPr>
-        <p:cNvPr id="1" name=""/>
-        <p:cNvGrpSpPr/>
-        <p:nvPr/>
-      </p:nvGrpSpPr>
-      <p:grpSpPr>
-        <a:xfrm>
-          <a:off x="0" y="0"/>
-          <a:ext cx="0" cy="0"/>
-          <a:chOff x="0" y="0"/>
-          <a:chExt cx="0" cy="0"/>
-        </a:xfrm>
-      </p:grpSpPr>
-      <p:sp>
-        <p:nvSpPr>
-          <p:cNvPr id="2" name="Title 1">
-            <a:extLst>
-              <a:ext uri="{FF2B5EF4-FFF2-40B4-BE49-F238E27FC236}">
-                <a16:creationId xmlns:a16="http://schemas.microsoft.com/office/drawing/2014/main" id="{93C964CC-5AEA-357F-FA8A-67BD41ECFD3A}"/>
-              </a:ext>
-            </a:extLst>
-          </p:cNvPr>
-          <p:cNvSpPr>
-            <a:spLocks noGrp="1"/>
-          </p:cNvSpPr>
-          <p:nvPr>
-            <p:ph type="title"/>
-          </p:nvPr>
-        </p:nvSpPr>
-        <p:spPr/>
-        <p:txBody>
-          <a:bodyPr/>
-          <a:lstStyle/>
-          <a:p>
-            <a:r>
-              <a:rPr lang="nl-NL" dirty="0"/>
-              <a:t>Doe mee aan de workshop om 14:15 uur</a:t>
-            </a:r>
-          </a:p>
-        </p:txBody>
-      </p:sp>
-      <p:sp>
-        <p:nvSpPr>
-          <p:cNvPr id="3" name="Content Placeholder 2">
-            <a:extLst>
-              <a:ext uri="{FF2B5EF4-FFF2-40B4-BE49-F238E27FC236}">
-                <a16:creationId xmlns:a16="http://schemas.microsoft.com/office/drawing/2014/main" id="{ED3025C5-E00C-8F6E-E0CD-5FA237B8990A}"/>
-              </a:ext>
-            </a:extLst>
-          </p:cNvPr>
-          <p:cNvSpPr>
-            <a:spLocks noGrp="1"/>
-          </p:cNvSpPr>
-          <p:nvPr>
-            <p:ph idx="1"/>
-          </p:nvPr>
-        </p:nvSpPr>
-        <p:spPr/>
-        <p:txBody>
-          <a:bodyPr/>
-          <a:lstStyle/>
-          <a:p>
-            <a:r>
-              <a:rPr lang="nl-NL" dirty="0"/>
-              <a:t>Leer hoe je de probabilistische bibliotheek vanuit Python gebruikt</a:t>
-            </a:r>
-          </a:p>
-          <a:p>
-            <a:endParaRPr lang="nl-NL" dirty="0"/>
-          </a:p>
-          <a:p>
-            <a:r>
-              <a:rPr lang="nl-NL" dirty="0"/>
-              <a:t>Leer over de details van de probabilistische berekeningen met </a:t>
-            </a:r>
-            <a:r>
-              <a:rPr lang="nl-NL" dirty="0" err="1"/>
-              <a:t>Kratos</a:t>
-            </a:r>
-            <a:r>
-              <a:rPr lang="nl-NL" dirty="0"/>
-              <a:t> (damwand)</a:t>
-            </a:r>
-          </a:p>
-          <a:p>
-            <a:pPr lvl="1"/>
-            <a:r>
-              <a:rPr lang="nl-NL" dirty="0"/>
-              <a:t>Inclusief voorbeeld bewezen sterkte</a:t>
-            </a:r>
-          </a:p>
-          <a:p>
-            <a:endParaRPr lang="nl-NL" dirty="0"/>
-          </a:p>
-        </p:txBody>
-      </p:sp>
-      <p:sp>
-        <p:nvSpPr>
-          <p:cNvPr id="4" name="Date Placeholder 3">
-            <a:extLst>
-              <a:ext uri="{FF2B5EF4-FFF2-40B4-BE49-F238E27FC236}">
-                <a16:creationId xmlns:a16="http://schemas.microsoft.com/office/drawing/2014/main" id="{C6E027C9-2D11-1D7C-8086-D3D0329B77CA}"/>
-              </a:ext>
-            </a:extLst>
-          </p:cNvPr>
-          <p:cNvSpPr>
-            <a:spLocks noGrp="1"/>
-          </p:cNvSpPr>
-          <p:nvPr>
-            <p:ph type="dt" sz="half" idx="10"/>
-          </p:nvPr>
-        </p:nvSpPr>
-        <p:spPr/>
-        <p:txBody>
-          <a:bodyPr/>
-          <a:lstStyle/>
-          <a:p>
-            <a:r>
-              <a:rPr lang="nl-NL"/>
-              <a:t> 28 november 2019</a:t>
-            </a:r>
-          </a:p>
-        </p:txBody>
-      </p:sp>
-      <p:sp>
-        <p:nvSpPr>
-          <p:cNvPr id="5" name="Footer Placeholder 4">
-            <a:extLst>
-              <a:ext uri="{FF2B5EF4-FFF2-40B4-BE49-F238E27FC236}">
-                <a16:creationId xmlns:a16="http://schemas.microsoft.com/office/drawing/2014/main" id="{83114149-D769-B831-C838-8D04E4E01E31}"/>
-              </a:ext>
-            </a:extLst>
-          </p:cNvPr>
-          <p:cNvSpPr>
-            <a:spLocks noGrp="1"/>
-          </p:cNvSpPr>
-          <p:nvPr>
-            <p:ph type="ftr" sz="quarter" idx="11"/>
-          </p:nvPr>
-        </p:nvSpPr>
-        <p:spPr/>
-        <p:txBody>
-          <a:bodyPr/>
-          <a:lstStyle/>
-          <a:p>
-            <a:r>
-              <a:rPr lang="nl-NL"/>
-              <a:t>Voettekst van de presentatie</a:t>
-            </a:r>
-          </a:p>
-        </p:txBody>
-      </p:sp>
-      <p:sp>
-        <p:nvSpPr>
-          <p:cNvPr id="6" name="Slide Number Placeholder 5">
-            <a:extLst>
-              <a:ext uri="{FF2B5EF4-FFF2-40B4-BE49-F238E27FC236}">
-                <a16:creationId xmlns:a16="http://schemas.microsoft.com/office/drawing/2014/main" id="{A79236BF-7CE7-3A2C-D6BD-E3C83F26752A}"/>
-              </a:ext>
-            </a:extLst>
-          </p:cNvPr>
-          <p:cNvSpPr>
-            <a:spLocks noGrp="1"/>
-          </p:cNvSpPr>
-          <p:nvPr>
-            <p:ph type="sldNum" sz="quarter" idx="12"/>
-          </p:nvPr>
-        </p:nvSpPr>
-        <p:spPr/>
-        <p:txBody>
-          <a:bodyPr/>
-          <a:lstStyle/>
-          <a:p>
-            <a:fld id="{F42B3F14-D836-496B-80A2-23BE75BD68CB}" type="slidenum">
-              <a:rPr lang="nl-NL" smtClean="0"/>
-              <a:t>19</a:t>
-            </a:fld>
-            <a:endParaRPr lang="nl-NL"/>
-          </a:p>
-        </p:txBody>
-      </p:sp>
-    </p:spTree>
-    <p:extLst>
-      <p:ext uri="{BB962C8B-B14F-4D97-AF65-F5344CB8AC3E}">
-        <p14:creationId xmlns:p14="http://schemas.microsoft.com/office/powerpoint/2010/main" val="1218110497"/>
-      </p:ext>
-    </p:extLst>
-  </p:cSld>
-  <p:clrMapOvr>
-    <a:masterClrMapping/>
-  </p:clrMapOvr>
-</p:sld>
-</file>
-
-<file path=ppt/slides/slide2.xml><?xml version="1.0" encoding="utf-8"?>
-<p:sld xmlns:a="http://schemas.openxmlformats.org/drawingml/2006/main" xmlns:r="http://schemas.openxmlformats.org/officeDocument/2006/relationships" xmlns:p="http://schemas.openxmlformats.org/presentationml/2006/main">
-  <p:cSld>
-    <p:spTree>
-      <p:nvGrpSpPr>
-        <p:cNvPr id="1" name=""/>
-        <p:cNvGrpSpPr/>
-        <p:nvPr/>
-      </p:nvGrpSpPr>
-      <p:grpSpPr>
-        <a:xfrm>
-          <a:off x="0" y="0"/>
-          <a:ext cx="0" cy="0"/>
-          <a:chOff x="0" y="0"/>
-          <a:chExt cx="0" cy="0"/>
-        </a:xfrm>
-      </p:grpSpPr>
-      <p:sp>
-        <p:nvSpPr>
-          <p:cNvPr id="2" name="Title 1">
-            <a:extLst>
-              <a:ext uri="{FF2B5EF4-FFF2-40B4-BE49-F238E27FC236}">
-                <a16:creationId xmlns:a16="http://schemas.microsoft.com/office/drawing/2014/main" id="{72F9412A-07C7-DE29-F08F-84DC8AA070F4}"/>
-              </a:ext>
-            </a:extLst>
-          </p:cNvPr>
-          <p:cNvSpPr>
-            <a:spLocks noGrp="1"/>
-          </p:cNvSpPr>
-          <p:nvPr>
-            <p:ph type="title"/>
-          </p:nvPr>
-        </p:nvSpPr>
-        <p:spPr/>
-        <p:txBody>
-          <a:bodyPr/>
-          <a:lstStyle/>
-          <a:p>
-            <a:r>
-              <a:rPr lang="en-GB" dirty="0"/>
-              <a:t>Overview</a:t>
-            </a:r>
-            <a:endParaRPr lang="nl-NL" dirty="0"/>
-          </a:p>
-        </p:txBody>
-      </p:sp>
-      <p:sp>
-        <p:nvSpPr>
-          <p:cNvPr id="3" name="Content Placeholder 2">
-            <a:extLst>
-              <a:ext uri="{FF2B5EF4-FFF2-40B4-BE49-F238E27FC236}">
-                <a16:creationId xmlns:a16="http://schemas.microsoft.com/office/drawing/2014/main" id="{8B1D33DE-AEEB-6AC7-BC22-1D3D8F4DDB27}"/>
-              </a:ext>
-            </a:extLst>
-          </p:cNvPr>
-          <p:cNvSpPr>
-            <a:spLocks noGrp="1"/>
-          </p:cNvSpPr>
-          <p:nvPr>
-            <p:ph idx="1"/>
-          </p:nvPr>
-        </p:nvSpPr>
-        <p:spPr/>
-        <p:txBody>
-          <a:bodyPr/>
-          <a:lstStyle/>
-          <a:p>
-            <a:r>
-              <a:rPr lang="nl-NL" dirty="0"/>
-              <a:t>Doel</a:t>
-            </a:r>
-          </a:p>
-          <a:p>
-            <a:endParaRPr lang="nl-NL" dirty="0"/>
-          </a:p>
-          <a:p>
-            <a:r>
-              <a:rPr lang="nl-NL" dirty="0"/>
-              <a:t>Probabilistische bibliotheek en </a:t>
-            </a:r>
-            <a:r>
-              <a:rPr lang="nl-NL" dirty="0" err="1"/>
-              <a:t>Kratos</a:t>
-            </a:r>
-            <a:endParaRPr lang="nl-NL" dirty="0"/>
-          </a:p>
-          <a:p>
-            <a:endParaRPr lang="nl-NL" dirty="0"/>
-          </a:p>
-          <a:p>
-            <a:r>
-              <a:rPr lang="nl-NL" dirty="0"/>
-              <a:t>Damwand model</a:t>
-            </a:r>
-          </a:p>
-          <a:p>
-            <a:endParaRPr lang="nl-NL" dirty="0"/>
-          </a:p>
-          <a:p>
-            <a:r>
-              <a:rPr lang="nl-NL" dirty="0"/>
-              <a:t>Probabilistische berekeningen met </a:t>
-            </a:r>
-            <a:r>
-              <a:rPr lang="nl-NL" dirty="0" err="1"/>
-              <a:t>Kratos</a:t>
-            </a:r>
-            <a:r>
-              <a:rPr lang="nl-NL" dirty="0"/>
-              <a:t>:</a:t>
-            </a:r>
-          </a:p>
-          <a:p>
-            <a:pPr lvl="1"/>
-            <a:r>
-              <a:rPr lang="nl-NL" dirty="0"/>
-              <a:t>Input en output parameters</a:t>
-            </a:r>
-          </a:p>
-          <a:p>
-            <a:pPr lvl="1"/>
-            <a:r>
-              <a:rPr lang="nl-NL" dirty="0"/>
-              <a:t>Onzekerheidsanalyse</a:t>
-            </a:r>
-          </a:p>
-          <a:p>
-            <a:pPr lvl="1"/>
-            <a:r>
-              <a:rPr lang="nl-NL" dirty="0"/>
-              <a:t>Betrouwbaarheidsanalyse</a:t>
-            </a:r>
-          </a:p>
-          <a:p>
-            <a:pPr lvl="1"/>
-            <a:r>
-              <a:rPr lang="nl-NL" dirty="0"/>
-              <a:t>Bewezen sterkte</a:t>
-            </a:r>
-          </a:p>
-          <a:p>
-            <a:pPr lvl="1"/>
-            <a:endParaRPr lang="nl-NL" dirty="0"/>
-          </a:p>
-          <a:p>
-            <a:endParaRPr lang="nl-NL" dirty="0"/>
-          </a:p>
-          <a:p>
-            <a:endParaRPr lang="nl-NL" dirty="0"/>
-          </a:p>
-          <a:p>
-            <a:endParaRPr lang="nl-NL" dirty="0"/>
-          </a:p>
-          <a:p>
-            <a:pPr lvl="1"/>
-            <a:endParaRPr lang="nl-NL" dirty="0"/>
-          </a:p>
-        </p:txBody>
-      </p:sp>
-      <p:sp>
-        <p:nvSpPr>
-          <p:cNvPr id="4" name="Date Placeholder 3">
-            <a:extLst>
-              <a:ext uri="{FF2B5EF4-FFF2-40B4-BE49-F238E27FC236}">
-                <a16:creationId xmlns:a16="http://schemas.microsoft.com/office/drawing/2014/main" id="{9C510F70-4ED8-586E-F24E-36E305D537E1}"/>
-              </a:ext>
-            </a:extLst>
-          </p:cNvPr>
-          <p:cNvSpPr>
-            <a:spLocks noGrp="1"/>
-          </p:cNvSpPr>
-          <p:nvPr>
-            <p:ph type="dt" sz="half" idx="10"/>
-          </p:nvPr>
-        </p:nvSpPr>
-        <p:spPr/>
-        <p:txBody>
-          <a:bodyPr/>
-          <a:lstStyle/>
-          <a:p>
-            <a:r>
-              <a:rPr lang="nl-NL"/>
-              <a:t> 28 november 2019</a:t>
-            </a:r>
-          </a:p>
-        </p:txBody>
-      </p:sp>
-      <p:sp>
-        <p:nvSpPr>
-          <p:cNvPr id="5" name="Footer Placeholder 4">
-            <a:extLst>
-              <a:ext uri="{FF2B5EF4-FFF2-40B4-BE49-F238E27FC236}">
-                <a16:creationId xmlns:a16="http://schemas.microsoft.com/office/drawing/2014/main" id="{D8C8333A-629D-A3D8-C6E0-320EB9299240}"/>
-              </a:ext>
-            </a:extLst>
-          </p:cNvPr>
-          <p:cNvSpPr>
-            <a:spLocks noGrp="1"/>
-          </p:cNvSpPr>
-          <p:nvPr>
-            <p:ph type="ftr" sz="quarter" idx="11"/>
-          </p:nvPr>
-        </p:nvSpPr>
-        <p:spPr/>
-        <p:txBody>
-          <a:bodyPr/>
-          <a:lstStyle/>
-          <a:p>
-            <a:r>
-              <a:rPr lang="nl-NL"/>
-              <a:t>Voettekst van de presentatie</a:t>
-            </a:r>
-          </a:p>
-        </p:txBody>
-      </p:sp>
-      <p:sp>
-        <p:nvSpPr>
-          <p:cNvPr id="6" name="Slide Number Placeholder 5">
-            <a:extLst>
-              <a:ext uri="{FF2B5EF4-FFF2-40B4-BE49-F238E27FC236}">
-                <a16:creationId xmlns:a16="http://schemas.microsoft.com/office/drawing/2014/main" id="{2FA51C3C-6E3A-C89A-2793-7B0B71505CF4}"/>
-              </a:ext>
-            </a:extLst>
-          </p:cNvPr>
-          <p:cNvSpPr>
-            <a:spLocks noGrp="1"/>
-          </p:cNvSpPr>
-          <p:nvPr>
-            <p:ph type="sldNum" sz="quarter" idx="12"/>
-          </p:nvPr>
-        </p:nvSpPr>
-        <p:spPr/>
-        <p:txBody>
-          <a:bodyPr/>
-          <a:lstStyle/>
-          <a:p>
-            <a:fld id="{F42B3F14-D836-496B-80A2-23BE75BD68CB}" type="slidenum">
-              <a:rPr lang="nl-NL" smtClean="0"/>
-              <a:t>2</a:t>
-            </a:fld>
-            <a:endParaRPr lang="nl-NL"/>
-          </a:p>
-        </p:txBody>
-      </p:sp>
-    </p:spTree>
-    <p:extLst>
-      <p:ext uri="{BB962C8B-B14F-4D97-AF65-F5344CB8AC3E}">
-        <p14:creationId xmlns:p14="http://schemas.microsoft.com/office/powerpoint/2010/main" val="3477334814"/>
       </p:ext>
     </p:extLst>
   </p:cSld>
@@ -22471,6 +23242,15 @@
             <a:r>
               <a:rPr lang="nl-NL" dirty="0"/>
               <a:t>.</a:t>
+            </a:r>
+          </a:p>
+          <a:p>
+            <a:endParaRPr lang="nl-NL" dirty="0"/>
+          </a:p>
+          <a:p>
+            <a:r>
+              <a:rPr lang="nl-NL" dirty="0"/>
+              <a:t>Semi-realistische case.</a:t>
             </a:r>
           </a:p>
         </p:txBody>
@@ -22653,7 +23433,7 @@
             <a:pPr lvl="1"/>
             <a:r>
               <a:rPr lang="nl-NL" dirty="0"/>
-              <a:t>Toepassing: veiligheidsbeoordeling van primaire waterkeringen in Nederland, Geotechnische applicaties en </a:t>
+              <a:t>Toepassing: veiligheidsbeoordeling van primaire waterkeringen in Nederland, geotechnische applicaties en </a:t>
             </a:r>
             <a:r>
               <a:rPr lang="nl-NL" dirty="0" err="1"/>
@@ -22676,7 +23456,7 @@
             </a:r>
             <a:r>
               <a:rPr lang="nl-NL" dirty="0"/>
-              <a:t> beschikbaar</a:t>
+              <a:t> zijn beschikbaar</a:t>
             </a:r>
           </a:p>
           <a:p>
@@ -22712,6 +23492,13 @@
             <a:r>
               <a:rPr lang="nl-NL" dirty="0"/>
               <a:t> voor de implementatie van numerieke methoden voor het oplossen van technische vraagstukken</a:t>
+            </a:r>
+          </a:p>
+          <a:p>
+            <a:pPr lvl="1"/>
+            <a:r>
+              <a:rPr lang="nl-NL" dirty="0"/>
+              <a:t>Geschreven in C++</a:t>
             </a:r>
           </a:p>
           <a:p>
@@ -22731,12 +23518,16 @@
               <a:t> </a:t>
             </a:r>
             <a:r>
-              <a:rPr lang="nl-NL" dirty="0" err="1"/>
+              <a:rPr lang="nl-NL" u="sng" dirty="0" err="1"/>
               <a:t>Geo-Mechanics</a:t>
             </a:r>
             <a:r>
+              <a:rPr lang="nl-NL" u="sng" dirty="0"/>
+              <a:t> Application</a:t>
+            </a:r>
+            <a:r>
               <a:rPr lang="nl-NL" dirty="0"/>
-              <a:t> Application (eindige elementen voor geotechniek)</a:t>
+              <a:t> (eindige elementen methode voor geotechnische vraagstukken)</a:t>
             </a:r>
           </a:p>
           <a:p>
@@ -22999,7 +23790,7 @@
           <a:p>
             <a:r>
               <a:rPr lang="nl-NL" dirty="0"/>
-              <a:t>Op basis van de invoer berekenen we de totale verplaatsing in x-richting (maaiveld) en het maximale buigmoment.</a:t>
+              <a:t>Op basis van de invoer worden de totale verplaatsing in x-richting (maaiveld) en het maximale buigmoment berekend.</a:t>
             </a:r>
           </a:p>
           <a:p>
@@ -23174,7 +23965,7 @@
         </p:blipFill>
         <p:spPr>
           <a:xfrm>
-            <a:off x="4831291" y="2639513"/>
+            <a:off x="4822238" y="3218935"/>
             <a:ext cx="1790950" cy="1143160"/>
           </a:xfrm>
           <a:prstGeom prst="rect">
@@ -23316,7 +24107,7 @@
         </p:nvSpPr>
         <p:spPr>
           <a:xfrm>
-            <a:off x="3438169" y="2715925"/>
+            <a:off x="3429116" y="3295347"/>
             <a:ext cx="1455937" cy="1089734"/>
           </a:xfrm>
           <a:prstGeom prst="rect">
@@ -23324,19 +24115,17 @@
           </a:prstGeom>
         </p:spPr>
         <p:style>
-          <a:lnRef idx="2">
-            <a:schemeClr val="accent1">
-              <a:shade val="15000"/>
-            </a:schemeClr>
+          <a:lnRef idx="1">
+            <a:schemeClr val="accent2"/>
           </a:lnRef>
-          <a:fillRef idx="1">
-            <a:schemeClr val="accent1"/>
+          <a:fillRef idx="2">
+            <a:schemeClr val="accent2"/>
           </a:fillRef>
-          <a:effectRef idx="0">
-            <a:schemeClr val="accent1"/>
+          <a:effectRef idx="1">
+            <a:schemeClr val="accent2"/>
           </a:effectRef>
           <a:fontRef idx="minor">
-            <a:schemeClr val="lt1"/>
+            <a:schemeClr val="dk1"/>
           </a:fontRef>
         </p:style>
         <p:txBody>
@@ -23358,7 +24147,7 @@
             </a:r>
             <a:r>
               <a:rPr lang="nl-NL" dirty="0"/>
-              <a:t> (c++)</a:t>
+              <a:t> (C++)</a:t>
             </a:r>
           </a:p>
         </p:txBody>
@@ -23377,7 +24166,7 @@
         </p:nvSpPr>
         <p:spPr>
           <a:xfrm>
-            <a:off x="3249228" y="1988741"/>
+            <a:off x="3240175" y="2568163"/>
             <a:ext cx="1951607" cy="2086251"/>
           </a:xfrm>
           <a:prstGeom prst="rect">
@@ -23387,13 +24176,13 @@
         </p:spPr>
         <p:style>
           <a:lnRef idx="2">
-            <a:schemeClr val="dk1"/>
+            <a:schemeClr val="accent3"/>
           </a:lnRef>
           <a:fillRef idx="1">
             <a:schemeClr val="lt1"/>
           </a:fillRef>
           <a:effectRef idx="0">
-            <a:schemeClr val="dk1"/>
+            <a:schemeClr val="accent3"/>
           </a:effectRef>
           <a:fontRef idx="minor">
             <a:schemeClr val="dk1"/>
@@ -23422,7 +24211,7 @@
         </p:nvSpPr>
         <p:spPr>
           <a:xfrm>
-            <a:off x="3265892" y="2055525"/>
+            <a:off x="3256839" y="2634947"/>
             <a:ext cx="1800493" cy="369332"/>
           </a:xfrm>
           <a:prstGeom prst="rect">
@@ -23438,13 +24227,8 @@
           <a:p>
             <a:r>
               <a:rPr lang="nl-NL" dirty="0"/>
-              <a:t>Python </a:t>
-            </a:r>
-            <a:r>
-              <a:rPr lang="nl-NL" dirty="0" err="1"/>
-              <a:t>wrapper</a:t>
-            </a:r>
-            <a:endParaRPr lang="nl-NL" dirty="0"/>
+              <a:t>Python wrapper</a:t>
+            </a:r>
           </a:p>
         </p:txBody>
       </p:sp>
@@ -23462,7 +24246,7 @@
         </p:nvSpPr>
         <p:spPr>
           <a:xfrm>
-            <a:off x="6415596" y="2558272"/>
+            <a:off x="6406543" y="3137694"/>
             <a:ext cx="1951607" cy="1089734"/>
           </a:xfrm>
           <a:prstGeom prst="rect">
@@ -23470,19 +24254,17 @@
           </a:prstGeom>
         </p:spPr>
         <p:style>
-          <a:lnRef idx="2">
-            <a:schemeClr val="accent1">
-              <a:shade val="15000"/>
-            </a:schemeClr>
+          <a:lnRef idx="1">
+            <a:schemeClr val="accent4"/>
           </a:lnRef>
-          <a:fillRef idx="1">
-            <a:schemeClr val="accent1"/>
+          <a:fillRef idx="2">
+            <a:schemeClr val="accent4"/>
           </a:fillRef>
-          <a:effectRef idx="0">
-            <a:schemeClr val="accent1"/>
+          <a:effectRef idx="1">
+            <a:schemeClr val="accent4"/>
           </a:effectRef>
           <a:fontRef idx="minor">
-            <a:schemeClr val="lt1"/>
+            <a:schemeClr val="dk1"/>
           </a:fontRef>
         </p:style>
         <p:txBody>
@@ -23528,7 +24310,7 @@
         </p:nvCxnSpPr>
         <p:spPr>
           <a:xfrm>
-            <a:off x="5200835" y="2840997"/>
+            <a:off x="5191782" y="3420419"/>
             <a:ext cx="1228537" cy="0"/>
           </a:xfrm>
           <a:prstGeom prst="straightConnector1">
@@ -23567,7 +24349,7 @@
         </p:nvCxnSpPr>
         <p:spPr>
           <a:xfrm flipH="1">
-            <a:off x="5200834" y="3508588"/>
+            <a:off x="5191781" y="4088010"/>
             <a:ext cx="1228537" cy="0"/>
           </a:xfrm>
           <a:prstGeom prst="straightConnector1">
@@ -23606,7 +24388,7 @@
         </p:nvSpPr>
         <p:spPr>
           <a:xfrm>
-            <a:off x="5389776" y="2482478"/>
+            <a:off x="5380723" y="3061900"/>
             <a:ext cx="813043" cy="369332"/>
           </a:xfrm>
           <a:prstGeom prst="rect">
@@ -23641,7 +24423,7 @@
         </p:nvSpPr>
         <p:spPr>
           <a:xfrm>
-            <a:off x="5432044" y="3508588"/>
+            <a:off x="5422991" y="4088010"/>
             <a:ext cx="877163" cy="369332"/>
           </a:xfrm>
           <a:prstGeom prst="rect">
@@ -23820,7 +24602,7 @@
           <p:nvPr>
             <p:extLst>
               <p:ext uri="{D42A27DB-BD31-4B8C-83A1-F6EECF244321}">
-                <p14:modId xmlns:p14="http://schemas.microsoft.com/office/powerpoint/2010/main" val="2304114087"/>
+                <p14:modId xmlns:p14="http://schemas.microsoft.com/office/powerpoint/2010/main" val="1199799720"/>
               </p:ext>
             </p:extLst>
           </p:nvPr>
@@ -23865,9 +24647,14 @@
                     <a:lstStyle/>
                     <a:p>
                       <a:r>
-                        <a:rPr lang="nl-NL" noProof="0" dirty="0"/>
-                        <a:t>Variabel</a:t>
+                        <a:rPr lang="en-GB" noProof="0" dirty="0"/>
+                        <a:t>P</a:t>
                       </a:r>
+                      <a:r>
+                        <a:rPr lang="nl-NL" noProof="0" dirty="0" err="1"/>
+                        <a:t>arameter</a:t>
+                      </a:r>
+                      <a:endParaRPr lang="nl-NL" noProof="0" dirty="0"/>
                     </a:p>
                   </a:txBody>
                   <a:tcPr/>
@@ -24388,12 +25175,8 @@
           <a:lstStyle/>
           <a:p>
             <a:r>
-              <a:rPr lang="nl-NL" dirty="0" err="1"/>
-              <a:t>Crude</a:t>
-            </a:r>
-            <a:r>
               <a:rPr lang="nl-NL" dirty="0"/>
-              <a:t> Monte Carlo met 1000 trekkingen, fase 3</a:t>
+              <a:t>Monte Carlo met 1000 trekkingen, fase 3</a:t>
             </a:r>
           </a:p>
           <a:p>
@@ -24712,7 +25495,7 @@
             </a:pPr>
             <a:r>
               <a:rPr lang="nl-NL" dirty="0"/>
-              <a:t>Faalkans voor de verplaatsing:</a:t>
+              <a:t>Kans dat de totale verplaatsing een kritieke waarde overschrijdt:</a:t>
             </a:r>
           </a:p>
           <a:p>
@@ -24743,7 +25526,7 @@
             </a:pPr>
             <a:r>
               <a:rPr lang="nl-NL" dirty="0"/>
-              <a:t>Faalkans voor het maximale buigmoment:</a:t>
+              <a:t>Kans voor het maximale buigmoment een kritieke waarde overschrijdt:</a:t>
             </a:r>
           </a:p>
           <a:p>
@@ -24774,7 +25557,7 @@
             </a:pPr>
             <a:r>
               <a:rPr lang="nl-NL" dirty="0"/>
-              <a:t>Gecombineerde kans:</a:t>
+              <a:t>Gecombineerde kans (een van de twee mogelijkheden):</a:t>
             </a:r>
           </a:p>
           <a:p>
@@ -26661,6 +27444,15 @@
 </file>
 
 <file path=customXml/item1.xml><?xml version="1.0" encoding="utf-8"?>
+<?mso-contentType ?>
+<FormTemplates xmlns="http://schemas.microsoft.com/sharepoint/v3/contenttype/forms">
+  <Display>DocumentLibraryForm</Display>
+  <Edit>DocumentLibraryForm</Edit>
+  <New>DocumentLibraryForm</New>
+</FormTemplates>
+</file>
+
+<file path=customXml/item2.xml><?xml version="1.0" encoding="utf-8"?>
 <p:properties xmlns:p="http://schemas.microsoft.com/office/2006/metadata/properties" xmlns:xsi="http://www.w3.org/2001/XMLSchema-instance" xmlns:pc="http://schemas.microsoft.com/office/infopath/2007/PartnerControls">
   <documentManagement>
     <TaxCatchAll xmlns="dead17b3-d09a-4d17-9633-982b423f4fbc" xsi:nil="true"/>
@@ -26669,15 +27461,6 @@
     </lcf76f155ced4ddcb4097134ff3c332f>
   </documentManagement>
 </p:properties>
-</file>
-
-<file path=customXml/item2.xml><?xml version="1.0" encoding="utf-8"?>
-<?mso-contentType ?>
-<FormTemplates xmlns="http://schemas.microsoft.com/sharepoint/v3/contenttype/forms">
-  <Display>DocumentLibraryForm</Display>
-  <Edit>DocumentLibraryForm</Edit>
-  <New>DocumentLibraryForm</New>
-</FormTemplates>
 </file>
 
 <file path=customXml/item3.xml><?xml version="1.0" encoding="utf-8"?>
@@ -26892,20 +27675,20 @@
 </file>
 
 <file path=customXml/itemProps1.xml><?xml version="1.0" encoding="utf-8"?>
+<ds:datastoreItem xmlns:ds="http://schemas.openxmlformats.org/officeDocument/2006/customXml" ds:itemID="{5636F5E9-25BB-4734-86C2-FD32BCBA5CBD}">
+  <ds:schemaRefs>
+    <ds:schemaRef ds:uri="http://schemas.microsoft.com/sharepoint/v3/contenttype/forms"/>
+  </ds:schemaRefs>
+</ds:datastoreItem>
+</file>
+
+<file path=customXml/itemProps2.xml><?xml version="1.0" encoding="utf-8"?>
 <ds:datastoreItem xmlns:ds="http://schemas.openxmlformats.org/officeDocument/2006/customXml" ds:itemID="{84338BAD-8BA4-4C42-A850-147A5D210631}">
   <ds:schemaRefs>
     <ds:schemaRef ds:uri="http://schemas.microsoft.com/office/2006/metadata/properties"/>
     <ds:schemaRef ds:uri="http://schemas.microsoft.com/office/infopath/2007/PartnerControls"/>
     <ds:schemaRef ds:uri="dead17b3-d09a-4d17-9633-982b423f4fbc"/>
     <ds:schemaRef ds:uri="edd774d5-6d8f-4b83-b098-255576e86aac"/>
-  </ds:schemaRefs>
-</ds:datastoreItem>
-</file>
-
-<file path=customXml/itemProps2.xml><?xml version="1.0" encoding="utf-8"?>
-<ds:datastoreItem xmlns:ds="http://schemas.openxmlformats.org/officeDocument/2006/customXml" ds:itemID="{5636F5E9-25BB-4734-86C2-FD32BCBA5CBD}">
-  <ds:schemaRefs>
-    <ds:schemaRef ds:uri="http://schemas.microsoft.com/sharepoint/v3/contenttype/forms"/>
   </ds:schemaRefs>
 </ds:datastoreItem>
 </file>

--- a/sources/Deltares.Probabilistic.PWrapper.Examples/kratos/Prob Kratos DSD.pptx
+++ b/sources/Deltares.Probabilistic.PWrapper.Examples/kratos/Prob Kratos DSD.pptx
@@ -19104,8 +19104,8 @@
           </p:sp>
         </mc:Fallback>
       </mc:AlternateContent>
-      <mc:AlternateContent xmlns:mc="http://schemas.openxmlformats.org/markup-compatibility/2006">
-        <mc:Choice xmlns:a14="http://schemas.microsoft.com/office/drawing/2010/main" Requires="a14">
+      <mc:AlternateContent xmlns:mc="http://schemas.openxmlformats.org/markup-compatibility/2006" xmlns:a14="http://schemas.microsoft.com/office/drawing/2010/main">
+        <mc:Choice Requires="a14">
           <p:graphicFrame>
             <p:nvGraphicFramePr>
               <p:cNvPr id="8" name="Table 7">
@@ -19564,7 +19564,7 @@
             </a:graphic>
           </p:graphicFrame>
         </mc:Choice>
-        <mc:Fallback>
+        <mc:Fallback xmlns="">
           <p:graphicFrame>
             <p:nvGraphicFramePr>
               <p:cNvPr id="8" name="Table 7">
@@ -27444,15 +27444,6 @@
 </file>
 
 <file path=customXml/item1.xml><?xml version="1.0" encoding="utf-8"?>
-<?mso-contentType ?>
-<FormTemplates xmlns="http://schemas.microsoft.com/sharepoint/v3/contenttype/forms">
-  <Display>DocumentLibraryForm</Display>
-  <Edit>DocumentLibraryForm</Edit>
-  <New>DocumentLibraryForm</New>
-</FormTemplates>
-</file>
-
-<file path=customXml/item2.xml><?xml version="1.0" encoding="utf-8"?>
 <p:properties xmlns:p="http://schemas.microsoft.com/office/2006/metadata/properties" xmlns:xsi="http://www.w3.org/2001/XMLSchema-instance" xmlns:pc="http://schemas.microsoft.com/office/infopath/2007/PartnerControls">
   <documentManagement>
     <TaxCatchAll xmlns="dead17b3-d09a-4d17-9633-982b423f4fbc" xsi:nil="true"/>
@@ -27461,6 +27452,15 @@
     </lcf76f155ced4ddcb4097134ff3c332f>
   </documentManagement>
 </p:properties>
+</file>
+
+<file path=customXml/item2.xml><?xml version="1.0" encoding="utf-8"?>
+<?mso-contentType ?>
+<FormTemplates xmlns="http://schemas.microsoft.com/sharepoint/v3/contenttype/forms">
+  <Display>DocumentLibraryForm</Display>
+  <Edit>DocumentLibraryForm</Edit>
+  <New>DocumentLibraryForm</New>
+</FormTemplates>
 </file>
 
 <file path=customXml/item3.xml><?xml version="1.0" encoding="utf-8"?>
@@ -27675,20 +27675,20 @@
 </file>
 
 <file path=customXml/itemProps1.xml><?xml version="1.0" encoding="utf-8"?>
-<ds:datastoreItem xmlns:ds="http://schemas.openxmlformats.org/officeDocument/2006/customXml" ds:itemID="{5636F5E9-25BB-4734-86C2-FD32BCBA5CBD}">
-  <ds:schemaRefs>
-    <ds:schemaRef ds:uri="http://schemas.microsoft.com/sharepoint/v3/contenttype/forms"/>
-  </ds:schemaRefs>
-</ds:datastoreItem>
-</file>
-
-<file path=customXml/itemProps2.xml><?xml version="1.0" encoding="utf-8"?>
 <ds:datastoreItem xmlns:ds="http://schemas.openxmlformats.org/officeDocument/2006/customXml" ds:itemID="{84338BAD-8BA4-4C42-A850-147A5D210631}">
   <ds:schemaRefs>
     <ds:schemaRef ds:uri="http://schemas.microsoft.com/office/2006/metadata/properties"/>
     <ds:schemaRef ds:uri="http://schemas.microsoft.com/office/infopath/2007/PartnerControls"/>
     <ds:schemaRef ds:uri="dead17b3-d09a-4d17-9633-982b423f4fbc"/>
     <ds:schemaRef ds:uri="edd774d5-6d8f-4b83-b098-255576e86aac"/>
+  </ds:schemaRefs>
+</ds:datastoreItem>
+</file>
+
+<file path=customXml/itemProps2.xml><?xml version="1.0" encoding="utf-8"?>
+<ds:datastoreItem xmlns:ds="http://schemas.openxmlformats.org/officeDocument/2006/customXml" ds:itemID="{5636F5E9-25BB-4734-86C2-FD32BCBA5CBD}">
+  <ds:schemaRefs>
+    <ds:schemaRef ds:uri="http://schemas.microsoft.com/sharepoint/v3/contenttype/forms"/>
   </ds:schemaRefs>
 </ds:datastoreItem>
 </file>

--- a/sources/Deltares.Probabilistic.PWrapper.Examples/kratos/Prob Kratos DSD.pptx
+++ b/sources/Deltares.Probabilistic.PWrapper.Examples/kratos/Prob Kratos DSD.pptx
@@ -5,10 +5,10 @@
     <p:sldMasterId id="2147483648" r:id="rId4"/>
   </p:sldMasterIdLst>
   <p:notesMasterIdLst>
-    <p:notesMasterId r:id="rId27"/>
+    <p:notesMasterId r:id="rId26"/>
   </p:notesMasterIdLst>
   <p:handoutMasterIdLst>
-    <p:handoutMasterId r:id="rId28"/>
+    <p:handoutMasterId r:id="rId27"/>
   </p:handoutMasterIdLst>
   <p:sldIdLst>
     <p:sldId id="260" r:id="rId5"/>
@@ -26,13 +26,12 @@
     <p:sldId id="297" r:id="rId17"/>
     <p:sldId id="298" r:id="rId18"/>
     <p:sldId id="304" r:id="rId19"/>
-    <p:sldId id="300" r:id="rId20"/>
-    <p:sldId id="306" r:id="rId21"/>
-    <p:sldId id="307" r:id="rId22"/>
-    <p:sldId id="308" r:id="rId23"/>
-    <p:sldId id="299" r:id="rId24"/>
-    <p:sldId id="302" r:id="rId25"/>
-    <p:sldId id="303" r:id="rId26"/>
+    <p:sldId id="306" r:id="rId20"/>
+    <p:sldId id="307" r:id="rId21"/>
+    <p:sldId id="308" r:id="rId22"/>
+    <p:sldId id="299" r:id="rId23"/>
+    <p:sldId id="302" r:id="rId24"/>
+    <p:sldId id="303" r:id="rId25"/>
   </p:sldIdLst>
   <p:sldSz cx="12192000" cy="6858000"/>
   <p:notesSz cx="6858000" cy="9144000"/>
@@ -15529,7 +15528,7 @@
           <a:p>
             <a:r>
               <a:rPr lang="nl-NL" dirty="0"/>
-              <a:t>Faalkans voor de verplaatsing, FORM:</a:t>
+              <a:t>Kans dat de totale verplaatsing in de x-richting (maaiveld) een kritieke waarde overschrijdt, FORM:</a:t>
             </a:r>
           </a:p>
           <a:p>
@@ -15626,341 +15625,6 @@
           </a:p>
         </p:txBody>
       </p:sp>
-      <mc:AlternateContent xmlns:mc="http://schemas.openxmlformats.org/markup-compatibility/2006" xmlns:a14="http://schemas.microsoft.com/office/drawing/2010/main">
-        <mc:Choice Requires="a14">
-          <p:sp>
-            <p:nvSpPr>
-              <p:cNvPr id="7" name="TextBox 6">
-                <a:extLst>
-                  <a:ext uri="{FF2B5EF4-FFF2-40B4-BE49-F238E27FC236}">
-                    <a16:creationId xmlns:a16="http://schemas.microsoft.com/office/drawing/2014/main" id="{1A80786F-018F-5881-15C2-AA5FBB84AB56}"/>
-                  </a:ext>
-                </a:extLst>
-              </p:cNvPr>
-              <p:cNvSpPr txBox="1"/>
-              <p:nvPr/>
-            </p:nvSpPr>
-            <p:spPr>
-              <a:xfrm>
-                <a:off x="987044" y="2205799"/>
-                <a:ext cx="7533473" cy="298415"/>
-              </a:xfrm>
-              <a:prstGeom prst="rect">
-                <a:avLst/>
-              </a:prstGeom>
-              <a:noFill/>
-            </p:spPr>
-            <p:txBody>
-              <a:bodyPr wrap="none" lIns="0" tIns="0" rIns="0" bIns="0" rtlCol="0">
-                <a:spAutoFit/>
-              </a:bodyPr>
-              <a:lstStyle/>
-              <a:p>
-                <a:pPr/>
-                <a14:m>
-                  <m:oMathPara xmlns:m="http://schemas.openxmlformats.org/officeDocument/2006/math">
-                    <m:oMathParaPr>
-                      <m:jc m:val="centerGroup"/>
-                    </m:oMathParaPr>
-                    <m:oMath xmlns:m="http://schemas.openxmlformats.org/officeDocument/2006/math">
-                      <m:r>
-                        <m:rPr>
-                          <m:sty m:val="p"/>
-                        </m:rPr>
-                        <a:rPr lang="nl-NL" b="0" i="0" smtClean="0">
-                          <a:solidFill>
-                            <a:schemeClr val="tx2">
-                              <a:lumMod val="60000"/>
-                              <a:lumOff val="40000"/>
-                            </a:schemeClr>
-                          </a:solidFill>
-                          <a:latin typeface="Cambria Math" panose="02040503050406030204" pitchFamily="18" charset="0"/>
-                        </a:rPr>
-                        <m:t>P</m:t>
-                      </m:r>
-                      <m:r>
-                        <a:rPr lang="nl-NL" b="0" i="0" smtClean="0">
-                          <a:solidFill>
-                            <a:schemeClr val="tx2">
-                              <a:lumMod val="60000"/>
-                              <a:lumOff val="40000"/>
-                            </a:schemeClr>
-                          </a:solidFill>
-                          <a:latin typeface="Cambria Math" panose="02040503050406030204" pitchFamily="18" charset="0"/>
-                        </a:rPr>
-                        <m:t>(</m:t>
-                      </m:r>
-                      <m:sSub>
-                        <m:sSubPr>
-                          <m:ctrlPr>
-                            <a:rPr lang="nl-NL" i="1">
-                              <a:solidFill>
-                                <a:schemeClr val="tx2">
-                                  <a:lumMod val="60000"/>
-                                  <a:lumOff val="40000"/>
-                                </a:schemeClr>
-                              </a:solidFill>
-                              <a:latin typeface="Cambria Math" panose="02040503050406030204" pitchFamily="18" charset="0"/>
-                            </a:rPr>
-                          </m:ctrlPr>
-                        </m:sSubPr>
-                        <m:e>
-                          <m:r>
-                            <a:rPr lang="nl-NL" i="1">
-                              <a:solidFill>
-                                <a:schemeClr val="tx2">
-                                  <a:lumMod val="60000"/>
-                                  <a:lumOff val="40000"/>
-                                </a:schemeClr>
-                              </a:solidFill>
-                              <a:latin typeface="Cambria Math" panose="02040503050406030204" pitchFamily="18" charset="0"/>
-                            </a:rPr>
-                            <m:t>𝑍</m:t>
-                          </m:r>
-                        </m:e>
-                        <m:sub>
-                          <m:r>
-                            <a:rPr lang="nl-NL" i="1">
-                              <a:solidFill>
-                                <a:schemeClr val="tx2">
-                                  <a:lumMod val="60000"/>
-                                  <a:lumOff val="40000"/>
-                                </a:schemeClr>
-                              </a:solidFill>
-                              <a:latin typeface="Cambria Math" panose="02040503050406030204" pitchFamily="18" charset="0"/>
-                            </a:rPr>
-                            <m:t>𝑑𝑖𝑝𝑙𝑎𝑐𝑒𝑚𝑒𝑛𝑡</m:t>
-                          </m:r>
-                        </m:sub>
-                      </m:sSub>
-                      <m:r>
-                        <a:rPr lang="nl-NL" i="1">
-                          <a:solidFill>
-                            <a:schemeClr val="tx2">
-                              <a:lumMod val="60000"/>
-                              <a:lumOff val="40000"/>
-                            </a:schemeClr>
-                          </a:solidFill>
-                          <a:latin typeface="Cambria Math" panose="02040503050406030204" pitchFamily="18" charset="0"/>
-                        </a:rPr>
-                        <m:t>&lt;0</m:t>
-                      </m:r>
-                      <m:r>
-                        <a:rPr lang="nl-NL" b="0" i="1" smtClean="0">
-                          <a:solidFill>
-                            <a:schemeClr val="tx2">
-                              <a:lumMod val="60000"/>
-                              <a:lumOff val="40000"/>
-                            </a:schemeClr>
-                          </a:solidFill>
-                          <a:latin typeface="Cambria Math" panose="02040503050406030204" pitchFamily="18" charset="0"/>
-                        </a:rPr>
-                        <m:t>)=</m:t>
-                      </m:r>
-                      <m:r>
-                        <a:rPr lang="nl-NL" b="0" i="1" smtClean="0">
-                          <a:solidFill>
-                            <a:schemeClr val="tx2">
-                              <a:lumMod val="60000"/>
-                              <a:lumOff val="40000"/>
-                            </a:schemeClr>
-                          </a:solidFill>
-                          <a:latin typeface="Cambria Math" panose="02040503050406030204" pitchFamily="18" charset="0"/>
-                        </a:rPr>
-                        <m:t>𝑃</m:t>
-                      </m:r>
-                      <m:r>
-                        <a:rPr lang="nl-NL" b="0" i="1" smtClean="0">
-                          <a:solidFill>
-                            <a:schemeClr val="tx2">
-                              <a:lumMod val="60000"/>
-                              <a:lumOff val="40000"/>
-                            </a:schemeClr>
-                          </a:solidFill>
-                          <a:latin typeface="Cambria Math" panose="02040503050406030204" pitchFamily="18" charset="0"/>
-                        </a:rPr>
-                        <m:t>(</m:t>
-                      </m:r>
-                      <m:r>
-                        <a:rPr lang="nl-NL" b="0" i="1" smtClean="0">
-                          <a:solidFill>
-                            <a:schemeClr val="tx2">
-                              <a:lumMod val="60000"/>
-                              <a:lumOff val="40000"/>
-                            </a:schemeClr>
-                          </a:solidFill>
-                          <a:latin typeface="Cambria Math" panose="02040503050406030204" pitchFamily="18" charset="0"/>
-                        </a:rPr>
-                        <m:t>𝑐𝑟𝑖𝑡𝑖𝑐𝑎𝑙</m:t>
-                      </m:r>
-                      <m:r>
-                        <a:rPr lang="nl-NL" b="0" i="1" smtClean="0">
-                          <a:solidFill>
-                            <a:schemeClr val="tx2">
-                              <a:lumMod val="60000"/>
-                              <a:lumOff val="40000"/>
-                            </a:schemeClr>
-                          </a:solidFill>
-                          <a:latin typeface="Cambria Math" panose="02040503050406030204" pitchFamily="18" charset="0"/>
-                        </a:rPr>
-                        <m:t> </m:t>
-                      </m:r>
-                      <m:r>
-                        <a:rPr lang="nl-NL" b="0" i="1" smtClean="0">
-                          <a:solidFill>
-                            <a:schemeClr val="tx2">
-                              <a:lumMod val="60000"/>
-                              <a:lumOff val="40000"/>
-                            </a:schemeClr>
-                          </a:solidFill>
-                          <a:latin typeface="Cambria Math" panose="02040503050406030204" pitchFamily="18" charset="0"/>
-                        </a:rPr>
-                        <m:t>𝑑𝑖𝑠𝑝𝑙𝑎𝑐𝑒𝑚𝑒𝑛𝑡</m:t>
-                      </m:r>
-                      <m:r>
-                        <a:rPr lang="nl-NL" b="0" i="1" smtClean="0">
-                          <a:solidFill>
-                            <a:schemeClr val="tx2">
-                              <a:lumMod val="60000"/>
-                              <a:lumOff val="40000"/>
-                            </a:schemeClr>
-                          </a:solidFill>
-                          <a:latin typeface="Cambria Math" panose="02040503050406030204" pitchFamily="18" charset="0"/>
-                        </a:rPr>
-                        <m:t>&lt; </m:t>
-                      </m:r>
-                      <m:r>
-                        <a:rPr lang="nl-NL" b="0" i="1" smtClean="0">
-                          <a:solidFill>
-                            <a:schemeClr val="tx2">
-                              <a:lumMod val="60000"/>
-                              <a:lumOff val="40000"/>
-                            </a:schemeClr>
-                          </a:solidFill>
-                          <a:latin typeface="Cambria Math" panose="02040503050406030204" pitchFamily="18" charset="0"/>
-                        </a:rPr>
-                        <m:t>𝑡𝑜𝑡𝑎𝑙</m:t>
-                      </m:r>
-                      <m:r>
-                        <a:rPr lang="nl-NL" b="0" i="1" smtClean="0">
-                          <a:solidFill>
-                            <a:schemeClr val="tx2">
-                              <a:lumMod val="60000"/>
-                              <a:lumOff val="40000"/>
-                            </a:schemeClr>
-                          </a:solidFill>
-                          <a:latin typeface="Cambria Math" panose="02040503050406030204" pitchFamily="18" charset="0"/>
-                        </a:rPr>
-                        <m:t> </m:t>
-                      </m:r>
-                      <m:r>
-                        <a:rPr lang="nl-NL" b="0" i="1" smtClean="0">
-                          <a:solidFill>
-                            <a:schemeClr val="tx2">
-                              <a:lumMod val="60000"/>
-                              <a:lumOff val="40000"/>
-                            </a:schemeClr>
-                          </a:solidFill>
-                          <a:latin typeface="Cambria Math" panose="02040503050406030204" pitchFamily="18" charset="0"/>
-                        </a:rPr>
-                        <m:t>𝑑𝑖𝑠𝑝𝑙𝑎𝑐𝑒𝑚𝑒𝑛𝑡</m:t>
-                      </m:r>
-                      <m:r>
-                        <a:rPr lang="nl-NL" b="0" i="1" smtClean="0">
-                          <a:solidFill>
-                            <a:schemeClr val="tx2">
-                              <a:lumMod val="60000"/>
-                              <a:lumOff val="40000"/>
-                            </a:schemeClr>
-                          </a:solidFill>
-                          <a:latin typeface="Cambria Math" panose="02040503050406030204" pitchFamily="18" charset="0"/>
-                        </a:rPr>
-                        <m:t> </m:t>
-                      </m:r>
-                      <m:r>
-                        <a:rPr lang="nl-NL" b="0" i="1" smtClean="0">
-                          <a:solidFill>
-                            <a:schemeClr val="tx2">
-                              <a:lumMod val="60000"/>
-                              <a:lumOff val="40000"/>
-                            </a:schemeClr>
-                          </a:solidFill>
-                          <a:latin typeface="Cambria Math" panose="02040503050406030204" pitchFamily="18" charset="0"/>
-                        </a:rPr>
-                        <m:t>𝑥</m:t>
-                      </m:r>
-                      <m:r>
-                        <a:rPr lang="nl-NL" b="0" i="1" smtClean="0">
-                          <a:solidFill>
-                            <a:schemeClr val="tx2">
-                              <a:lumMod val="60000"/>
-                              <a:lumOff val="40000"/>
-                            </a:schemeClr>
-                          </a:solidFill>
-                          <a:latin typeface="Cambria Math" panose="02040503050406030204" pitchFamily="18" charset="0"/>
-                        </a:rPr>
-                        <m:t>)</m:t>
-                      </m:r>
-                    </m:oMath>
-                  </m:oMathPara>
-                </a14:m>
-                <a:endParaRPr lang="nl-NL" dirty="0">
-                  <a:solidFill>
-                    <a:schemeClr val="tx2">
-                      <a:lumMod val="60000"/>
-                      <a:lumOff val="40000"/>
-                    </a:schemeClr>
-                  </a:solidFill>
-                </a:endParaRPr>
-              </a:p>
-            </p:txBody>
-          </p:sp>
-        </mc:Choice>
-        <mc:Fallback xmlns="">
-          <p:sp>
-            <p:nvSpPr>
-              <p:cNvPr id="7" name="TextBox 6">
-                <a:extLst>
-                  <a:ext uri="{FF2B5EF4-FFF2-40B4-BE49-F238E27FC236}">
-                    <a16:creationId xmlns:a16="http://schemas.microsoft.com/office/drawing/2014/main" id="{1A80786F-018F-5881-15C2-AA5FBB84AB56}"/>
-                  </a:ext>
-                </a:extLst>
-              </p:cNvPr>
-              <p:cNvSpPr txBox="1">
-                <a:spLocks noRot="1" noChangeAspect="1" noMove="1" noResize="1" noEditPoints="1" noAdjustHandles="1" noChangeArrowheads="1" noChangeShapeType="1" noTextEdit="1"/>
-              </p:cNvSpPr>
-              <p:nvPr/>
-            </p:nvSpPr>
-            <p:spPr>
-              <a:xfrm>
-                <a:off x="987044" y="2205799"/>
-                <a:ext cx="7533473" cy="298415"/>
-              </a:xfrm>
-              <a:prstGeom prst="rect">
-                <a:avLst/>
-              </a:prstGeom>
-              <a:blipFill>
-                <a:blip r:embed="rId2"/>
-                <a:stretch>
-                  <a:fillRect b="-26531"/>
-                </a:stretch>
-              </a:blipFill>
-            </p:spPr>
-            <p:txBody>
-              <a:bodyPr/>
-              <a:lstStyle/>
-              <a:p>
-                <a:r>
-                  <a:rPr lang="nl-NL">
-                    <a:noFill/>
-                  </a:rPr>
-                  <a:t> </a:t>
-                </a:r>
-              </a:p>
-            </p:txBody>
-          </p:sp>
-        </mc:Fallback>
-      </mc:AlternateContent>
       <p:graphicFrame>
         <p:nvGraphicFramePr>
           <p:cNvPr id="11" name="Table 10">
@@ -15976,14 +15640,14 @@
           <p:nvPr>
             <p:extLst>
               <p:ext uri="{D42A27DB-BD31-4B8C-83A1-F6EECF244321}">
-                <p14:modId xmlns:p14="http://schemas.microsoft.com/office/powerpoint/2010/main" val="3947209315"/>
+                <p14:modId xmlns:p14="http://schemas.microsoft.com/office/powerpoint/2010/main" val="3328482024"/>
               </p:ext>
             </p:extLst>
           </p:nvPr>
         </p:nvGraphicFramePr>
         <p:xfrm>
-          <a:off x="1117600" y="3158508"/>
-          <a:ext cx="8614875" cy="1854200"/>
+          <a:off x="1036119" y="2504440"/>
+          <a:ext cx="8614875" cy="1849120"/>
         </p:xfrm>
         <a:graphic>
           <a:graphicData uri="http://schemas.openxmlformats.org/drawingml/2006/table">
@@ -16072,7 +15736,7 @@
                       <a:pPr algn="ctr"/>
                       <a:r>
                         <a:rPr lang="nl-NL" dirty="0"/>
-                        <a:t>-0.18</a:t>
+                        <a:t>-0.19</a:t>
                       </a:r>
                     </a:p>
                   </a:txBody>
@@ -16086,7 +15750,7 @@
                       <a:pPr algn="ctr"/>
                       <a:r>
                         <a:rPr lang="nl-NL" dirty="0"/>
-                        <a:t>0.11</a:t>
+                        <a:t>0.022</a:t>
                       </a:r>
                     </a:p>
                   </a:txBody>
@@ -16100,7 +15764,7 @@
                       <a:pPr algn="ctr"/>
                       <a:r>
                         <a:rPr lang="nl-NL" dirty="0"/>
-                        <a:t>1.19</a:t>
+                        <a:t>1.99</a:t>
                       </a:r>
                     </a:p>
                   </a:txBody>
@@ -16134,18 +15798,9 @@
                     <a:p>
                       <a:pPr algn="ctr"/>
                       <a:r>
-                        <a:rPr lang="nl-NL" sz="1800" b="0" i="0" kern="1200" dirty="0">
-                          <a:solidFill>
-                            <a:schemeClr val="dk1"/>
-                          </a:solidFill>
-                          <a:effectLst/>
-                          <a:latin typeface="+mn-lt"/>
-                          <a:ea typeface="+mn-ea"/>
-                          <a:cs typeface="+mn-cs"/>
-                        </a:rPr>
+                        <a:rPr lang="nl-NL" dirty="0"/>
                         <a:t>0.24</a:t>
                       </a:r>
-                      <a:endParaRPr lang="nl-NL" dirty="0"/>
                     </a:p>
                   </a:txBody>
                   <a:tcPr/>
@@ -16157,18 +15812,9 @@
                     <a:p>
                       <a:pPr algn="ctr"/>
                       <a:r>
-                        <a:rPr lang="nl-NL" sz="1800" b="0" i="0" kern="1200" dirty="0">
-                          <a:solidFill>
-                            <a:schemeClr val="dk1"/>
-                          </a:solidFill>
-                          <a:effectLst/>
-                          <a:latin typeface="+mn-lt"/>
-                          <a:ea typeface="+mn-ea"/>
-                          <a:cs typeface="+mn-cs"/>
-                        </a:rPr>
-                        <a:t>0.70</a:t>
+                        <a:rPr lang="nl-NL" dirty="0"/>
+                        <a:t>0.72</a:t>
                       </a:r>
-                      <a:endParaRPr lang="nl-NL" dirty="0"/>
                     </a:p>
                   </a:txBody>
                   <a:tcPr/>
@@ -16201,18 +15847,9 @@
                     <a:p>
                       <a:pPr algn="ctr"/>
                       <a:r>
-                        <a:rPr lang="nl-NL" sz="1800" b="0" i="0" kern="1200" dirty="0">
-                          <a:solidFill>
-                            <a:schemeClr val="dk1"/>
-                          </a:solidFill>
-                          <a:effectLst/>
-                          <a:latin typeface="+mn-lt"/>
-                          <a:ea typeface="+mn-ea"/>
-                          <a:cs typeface="+mn-cs"/>
-                        </a:rPr>
+                        <a:rPr lang="nl-NL" dirty="0"/>
                         <a:t>0.55</a:t>
                       </a:r>
-                      <a:endParaRPr lang="nl-NL" dirty="0"/>
                     </a:p>
                   </a:txBody>
                   <a:tcPr/>
@@ -16224,18 +15861,9 @@
                     <a:p>
                       <a:pPr algn="ctr"/>
                       <a:r>
-                        <a:rPr lang="nl-NL" sz="1800" b="0" i="0" kern="1200" dirty="0">
-                          <a:solidFill>
-                            <a:schemeClr val="dk1"/>
-                          </a:solidFill>
-                          <a:effectLst/>
-                          <a:latin typeface="+mn-lt"/>
-                          <a:ea typeface="+mn-ea"/>
-                          <a:cs typeface="+mn-cs"/>
-                        </a:rPr>
+                        <a:rPr lang="nl-NL" dirty="0"/>
                         <a:t>-0.14</a:t>
                       </a:r>
-                      <a:endParaRPr lang="nl-NL" dirty="0"/>
                     </a:p>
                   </a:txBody>
                   <a:tcPr/>
@@ -16246,7 +15874,7 @@
                   </a:ext>
                 </a:extLst>
               </a:tr>
-              <a:tr h="370840">
+              <a:tr h="267589">
                 <a:tc>
                   <a:txBody>
                     <a:bodyPr/>
@@ -16313,7 +15941,7 @@
         </p:nvSpPr>
         <p:spPr>
           <a:xfrm>
-            <a:off x="1123090" y="3545588"/>
+            <a:off x="1057890" y="2903115"/>
             <a:ext cx="8614875" cy="304800"/>
           </a:xfrm>
           <a:custGeom>
@@ -16892,7 +16520,7 @@
           <a:p>
             <a:r>
               <a:rPr lang="nl-NL" dirty="0"/>
-              <a:t>Kritieke verplaatsing = -0.18 m:</a:t>
+              <a:t>Kritieke verplaatsing = -0.19 m:</a:t>
             </a:r>
           </a:p>
         </p:txBody>
@@ -16984,10 +16612,10 @@
       </p:sp>
       <p:pic>
         <p:nvPicPr>
-          <p:cNvPr id="8" name="Picture 7">
-            <a:extLst>
-              <a:ext uri="{FF2B5EF4-FFF2-40B4-BE49-F238E27FC236}">
-                <a16:creationId xmlns:a16="http://schemas.microsoft.com/office/drawing/2014/main" id="{6D196104-64ED-9437-F548-48C7261471A6}"/>
+          <p:cNvPr id="9" name="Picture 8">
+            <a:extLst>
+              <a:ext uri="{FF2B5EF4-FFF2-40B4-BE49-F238E27FC236}">
+                <a16:creationId xmlns:a16="http://schemas.microsoft.com/office/drawing/2014/main" id="{C01B3E09-BDF7-2F4C-4D4B-97A90F6202E7}"/>
               </a:ext>
             </a:extLst>
           </p:cNvPr>
@@ -17004,8 +16632,8 @@
         </p:blipFill>
         <p:spPr>
           <a:xfrm>
-            <a:off x="755650" y="2545744"/>
-            <a:ext cx="5671776" cy="2925107"/>
+            <a:off x="313897" y="2581168"/>
+            <a:ext cx="5405363" cy="2978984"/>
           </a:xfrm>
           <a:prstGeom prst="rect">
             <a:avLst/>
@@ -17014,10 +16642,10 @@
       </p:pic>
       <p:pic>
         <p:nvPicPr>
-          <p:cNvPr id="10" name="Picture 9">
-            <a:extLst>
-              <a:ext uri="{FF2B5EF4-FFF2-40B4-BE49-F238E27FC236}">
-                <a16:creationId xmlns:a16="http://schemas.microsoft.com/office/drawing/2014/main" id="{0282CAC8-8A91-9E20-D9B1-478D56C330D8}"/>
+          <p:cNvPr id="12" name="Picture 11">
+            <a:extLst>
+              <a:ext uri="{FF2B5EF4-FFF2-40B4-BE49-F238E27FC236}">
+                <a16:creationId xmlns:a16="http://schemas.microsoft.com/office/drawing/2014/main" id="{F94FF95B-5FCD-1AA8-8795-A6E01524819A}"/>
               </a:ext>
             </a:extLst>
           </p:cNvPr>
@@ -17034,8 +16662,8 @@
         </p:blipFill>
         <p:spPr>
           <a:xfrm>
-            <a:off x="6725920" y="2396376"/>
-            <a:ext cx="4735213" cy="3223845"/>
+            <a:off x="6252852" y="2008173"/>
+            <a:ext cx="5448150" cy="4020358"/>
           </a:xfrm>
           <a:prstGeom prst="rect">
             <a:avLst/>
@@ -17134,7 +16762,7 @@
           <a:p>
             <a:r>
               <a:rPr lang="nl-NL" dirty="0"/>
-              <a:t>Faalkans voor het maximale buigmoment, FORM:</a:t>
+              <a:t>Kans voor het maximale buigmoment een kritieke waarde overschrijdt, FORM:</a:t>
             </a:r>
           </a:p>
           <a:p>
@@ -17231,350 +16859,6 @@
           </a:p>
         </p:txBody>
       </p:sp>
-      <mc:AlternateContent xmlns:mc="http://schemas.openxmlformats.org/markup-compatibility/2006" xmlns:a14="http://schemas.microsoft.com/office/drawing/2010/main">
-        <mc:Choice Requires="a14">
-          <p:sp>
-            <p:nvSpPr>
-              <p:cNvPr id="8" name="TextBox 7">
-                <a:extLst>
-                  <a:ext uri="{FF2B5EF4-FFF2-40B4-BE49-F238E27FC236}">
-                    <a16:creationId xmlns:a16="http://schemas.microsoft.com/office/drawing/2014/main" id="{94A6CE48-CD2A-1EAB-3ECA-5B245B29DF7D}"/>
-                  </a:ext>
-                </a:extLst>
-              </p:cNvPr>
-              <p:cNvSpPr txBox="1"/>
-              <p:nvPr/>
-            </p:nvSpPr>
-            <p:spPr>
-              <a:xfrm>
-                <a:off x="1004962" y="2299564"/>
-                <a:ext cx="7950445" cy="299569"/>
-              </a:xfrm>
-              <a:prstGeom prst="rect">
-                <a:avLst/>
-              </a:prstGeom>
-              <a:noFill/>
-            </p:spPr>
-            <p:txBody>
-              <a:bodyPr wrap="none" lIns="0" tIns="0" rIns="0" bIns="0" rtlCol="0">
-                <a:spAutoFit/>
-              </a:bodyPr>
-              <a:lstStyle/>
-              <a:p>
-                <a:pPr/>
-                <a14:m>
-                  <m:oMathPara xmlns:m="http://schemas.openxmlformats.org/officeDocument/2006/math">
-                    <m:oMathParaPr>
-                      <m:jc m:val="centerGroup"/>
-                    </m:oMathParaPr>
-                    <m:oMath xmlns:m="http://schemas.openxmlformats.org/officeDocument/2006/math">
-                      <m:sSub>
-                        <m:sSubPr>
-                          <m:ctrlPr>
-                            <a:rPr lang="nl-NL" b="0" i="1" smtClean="0">
-                              <a:solidFill>
-                                <a:schemeClr val="tx2">
-                                  <a:lumMod val="60000"/>
-                                  <a:lumOff val="40000"/>
-                                </a:schemeClr>
-                              </a:solidFill>
-                              <a:latin typeface="Cambria Math" panose="02040503050406030204" pitchFamily="18" charset="0"/>
-                            </a:rPr>
-                          </m:ctrlPr>
-                        </m:sSubPr>
-                        <m:e>
-                          <m:r>
-                            <a:rPr lang="nl-NL" b="0" i="1" smtClean="0">
-                              <a:solidFill>
-                                <a:schemeClr val="tx2">
-                                  <a:lumMod val="60000"/>
-                                  <a:lumOff val="40000"/>
-                                </a:schemeClr>
-                              </a:solidFill>
-                              <a:latin typeface="Cambria Math" panose="02040503050406030204" pitchFamily="18" charset="0"/>
-                            </a:rPr>
-                            <m:t>𝑃</m:t>
-                          </m:r>
-                          <m:r>
-                            <a:rPr lang="nl-NL" b="0" i="1" smtClean="0">
-                              <a:solidFill>
-                                <a:schemeClr val="tx2">
-                                  <a:lumMod val="60000"/>
-                                  <a:lumOff val="40000"/>
-                                </a:schemeClr>
-                              </a:solidFill>
-                              <a:latin typeface="Cambria Math" panose="02040503050406030204" pitchFamily="18" charset="0"/>
-                            </a:rPr>
-                            <m:t>(</m:t>
-                          </m:r>
-                          <m:r>
-                            <a:rPr lang="nl-NL" b="0" i="1" smtClean="0">
-                              <a:solidFill>
-                                <a:schemeClr val="tx2">
-                                  <a:lumMod val="60000"/>
-                                  <a:lumOff val="40000"/>
-                                </a:schemeClr>
-                              </a:solidFill>
-                              <a:latin typeface="Cambria Math" panose="02040503050406030204" pitchFamily="18" charset="0"/>
-                            </a:rPr>
-                            <m:t>𝑍</m:t>
-                          </m:r>
-                        </m:e>
-                        <m:sub>
-                          <m:r>
-                            <a:rPr lang="nl-NL" b="0" i="1" smtClean="0">
-                              <a:solidFill>
-                                <a:schemeClr val="tx2">
-                                  <a:lumMod val="60000"/>
-                                  <a:lumOff val="40000"/>
-                                </a:schemeClr>
-                              </a:solidFill>
-                              <a:latin typeface="Cambria Math" panose="02040503050406030204" pitchFamily="18" charset="0"/>
-                            </a:rPr>
-                            <m:t>𝑏𝑒𝑛𝑑𝑖𝑛𝑔</m:t>
-                          </m:r>
-                        </m:sub>
-                      </m:sSub>
-                      <m:r>
-                        <a:rPr lang="nl-NL" b="0" i="1" smtClean="0">
-                          <a:solidFill>
-                            <a:schemeClr val="tx2">
-                              <a:lumMod val="60000"/>
-                              <a:lumOff val="40000"/>
-                            </a:schemeClr>
-                          </a:solidFill>
-                          <a:latin typeface="Cambria Math" panose="02040503050406030204" pitchFamily="18" charset="0"/>
-                        </a:rPr>
-                        <m:t>&lt;0)=</m:t>
-                      </m:r>
-                      <m:r>
-                        <a:rPr lang="nl-NL" b="0" i="1" smtClean="0">
-                          <a:solidFill>
-                            <a:schemeClr val="tx2">
-                              <a:lumMod val="60000"/>
-                              <a:lumOff val="40000"/>
-                            </a:schemeClr>
-                          </a:solidFill>
-                          <a:latin typeface="Cambria Math" panose="02040503050406030204" pitchFamily="18" charset="0"/>
-                        </a:rPr>
-                        <m:t>𝑃</m:t>
-                      </m:r>
-                      <m:r>
-                        <a:rPr lang="nl-NL" b="0" i="1" smtClean="0">
-                          <a:solidFill>
-                            <a:schemeClr val="tx2">
-                              <a:lumMod val="60000"/>
-                              <a:lumOff val="40000"/>
-                            </a:schemeClr>
-                          </a:solidFill>
-                          <a:latin typeface="Cambria Math" panose="02040503050406030204" pitchFamily="18" charset="0"/>
-                        </a:rPr>
-                        <m:t>(</m:t>
-                      </m:r>
-                      <m:r>
-                        <a:rPr lang="nl-NL" b="0" i="1" smtClean="0">
-                          <a:solidFill>
-                            <a:schemeClr val="tx2">
-                              <a:lumMod val="60000"/>
-                              <a:lumOff val="40000"/>
-                            </a:schemeClr>
-                          </a:solidFill>
-                          <a:latin typeface="Cambria Math" panose="02040503050406030204" pitchFamily="18" charset="0"/>
-                        </a:rPr>
-                        <m:t>𝑐𝑟𝑖𝑡𝑖𝑐𝑎𝑙</m:t>
-                      </m:r>
-                      <m:r>
-                        <a:rPr lang="nl-NL" b="0" i="1" smtClean="0">
-                          <a:solidFill>
-                            <a:schemeClr val="tx2">
-                              <a:lumMod val="60000"/>
-                              <a:lumOff val="40000"/>
-                            </a:schemeClr>
-                          </a:solidFill>
-                          <a:latin typeface="Cambria Math" panose="02040503050406030204" pitchFamily="18" charset="0"/>
-                        </a:rPr>
-                        <m:t> </m:t>
-                      </m:r>
-                      <m:r>
-                        <a:rPr lang="nl-NL" b="0" i="1" smtClean="0">
-                          <a:solidFill>
-                            <a:schemeClr val="tx2">
-                              <a:lumMod val="60000"/>
-                              <a:lumOff val="40000"/>
-                            </a:schemeClr>
-                          </a:solidFill>
-                          <a:latin typeface="Cambria Math" panose="02040503050406030204" pitchFamily="18" charset="0"/>
-                        </a:rPr>
-                        <m:t>𝑏𝑒𝑛𝑑𝑖𝑛𝑔</m:t>
-                      </m:r>
-                      <m:r>
-                        <a:rPr lang="nl-NL" b="0" i="1" smtClean="0">
-                          <a:solidFill>
-                            <a:schemeClr val="tx2">
-                              <a:lumMod val="60000"/>
-                              <a:lumOff val="40000"/>
-                            </a:schemeClr>
-                          </a:solidFill>
-                          <a:latin typeface="Cambria Math" panose="02040503050406030204" pitchFamily="18" charset="0"/>
-                        </a:rPr>
-                        <m:t> </m:t>
-                      </m:r>
-                      <m:r>
-                        <a:rPr lang="nl-NL" b="0" i="1" smtClean="0">
-                          <a:solidFill>
-                            <a:schemeClr val="tx2">
-                              <a:lumMod val="60000"/>
-                              <a:lumOff val="40000"/>
-                            </a:schemeClr>
-                          </a:solidFill>
-                          <a:latin typeface="Cambria Math" panose="02040503050406030204" pitchFamily="18" charset="0"/>
-                        </a:rPr>
-                        <m:t>𝑚𝑜𝑚𝑒𝑛𝑡</m:t>
-                      </m:r>
-                      <m:r>
-                        <a:rPr lang="nl-NL" b="0" i="1" smtClean="0">
-                          <a:solidFill>
-                            <a:schemeClr val="tx2">
-                              <a:lumMod val="60000"/>
-                              <a:lumOff val="40000"/>
-                            </a:schemeClr>
-                          </a:solidFill>
-                          <a:latin typeface="Cambria Math" panose="02040503050406030204" pitchFamily="18" charset="0"/>
-                        </a:rPr>
-                        <m:t>&lt;</m:t>
-                      </m:r>
-                      <m:r>
-                        <a:rPr lang="nl-NL" b="0" i="1" smtClean="0">
-                          <a:solidFill>
-                            <a:schemeClr val="tx2">
-                              <a:lumMod val="60000"/>
-                              <a:lumOff val="40000"/>
-                            </a:schemeClr>
-                          </a:solidFill>
-                          <a:latin typeface="Cambria Math" panose="02040503050406030204" pitchFamily="18" charset="0"/>
-                        </a:rPr>
-                        <m:t>𝑚𝑎𝑥𝑖𝑚𝑎𝑙</m:t>
-                      </m:r>
-                      <m:r>
-                        <a:rPr lang="nl-NL" b="0" i="1" smtClean="0">
-                          <a:solidFill>
-                            <a:schemeClr val="tx2">
-                              <a:lumMod val="60000"/>
-                              <a:lumOff val="40000"/>
-                            </a:schemeClr>
-                          </a:solidFill>
-                          <a:latin typeface="Cambria Math" panose="02040503050406030204" pitchFamily="18" charset="0"/>
-                        </a:rPr>
-                        <m:t> </m:t>
-                      </m:r>
-                      <m:r>
-                        <a:rPr lang="nl-NL" b="0" i="1" smtClean="0">
-                          <a:solidFill>
-                            <a:schemeClr val="tx2">
-                              <a:lumMod val="60000"/>
-                              <a:lumOff val="40000"/>
-                            </a:schemeClr>
-                          </a:solidFill>
-                          <a:latin typeface="Cambria Math" panose="02040503050406030204" pitchFamily="18" charset="0"/>
-                        </a:rPr>
-                        <m:t>𝑏𝑒𝑛𝑑𝑖𝑛𝑔</m:t>
-                      </m:r>
-                      <m:r>
-                        <a:rPr lang="nl-NL" b="0" i="1" smtClean="0">
-                          <a:solidFill>
-                            <a:schemeClr val="tx2">
-                              <a:lumMod val="60000"/>
-                              <a:lumOff val="40000"/>
-                            </a:schemeClr>
-                          </a:solidFill>
-                          <a:latin typeface="Cambria Math" panose="02040503050406030204" pitchFamily="18" charset="0"/>
-                        </a:rPr>
-                        <m:t> </m:t>
-                      </m:r>
-                      <m:r>
-                        <a:rPr lang="nl-NL" b="0" i="1" smtClean="0">
-                          <a:solidFill>
-                            <a:schemeClr val="tx2">
-                              <a:lumMod val="60000"/>
-                              <a:lumOff val="40000"/>
-                            </a:schemeClr>
-                          </a:solidFill>
-                          <a:latin typeface="Cambria Math" panose="02040503050406030204" pitchFamily="18" charset="0"/>
-                        </a:rPr>
-                        <m:t>𝑚𝑜𝑚𝑒𝑛𝑡</m:t>
-                      </m:r>
-                      <m:r>
-                        <a:rPr lang="nl-NL" b="0" i="1" smtClean="0">
-                          <a:solidFill>
-                            <a:schemeClr val="tx2">
-                              <a:lumMod val="60000"/>
-                              <a:lumOff val="40000"/>
-                            </a:schemeClr>
-                          </a:solidFill>
-                          <a:latin typeface="Cambria Math" panose="02040503050406030204" pitchFamily="18" charset="0"/>
-                        </a:rPr>
-                        <m:t>)</m:t>
-                      </m:r>
-                    </m:oMath>
-                  </m:oMathPara>
-                </a14:m>
-                <a:endParaRPr lang="nl-NL" dirty="0">
-                  <a:solidFill>
-                    <a:schemeClr val="tx2">
-                      <a:lumMod val="60000"/>
-                      <a:lumOff val="40000"/>
-                    </a:schemeClr>
-                  </a:solidFill>
-                </a:endParaRPr>
-              </a:p>
-            </p:txBody>
-          </p:sp>
-        </mc:Choice>
-        <mc:Fallback xmlns="">
-          <p:sp>
-            <p:nvSpPr>
-              <p:cNvPr id="8" name="TextBox 7">
-                <a:extLst>
-                  <a:ext uri="{FF2B5EF4-FFF2-40B4-BE49-F238E27FC236}">
-                    <a16:creationId xmlns:a16="http://schemas.microsoft.com/office/drawing/2014/main" id="{94A6CE48-CD2A-1EAB-3ECA-5B245B29DF7D}"/>
-                  </a:ext>
-                </a:extLst>
-              </p:cNvPr>
-              <p:cNvSpPr txBox="1">
-                <a:spLocks noRot="1" noChangeAspect="1" noMove="1" noResize="1" noEditPoints="1" noAdjustHandles="1" noChangeArrowheads="1" noChangeShapeType="1" noTextEdit="1"/>
-              </p:cNvSpPr>
-              <p:nvPr/>
-            </p:nvSpPr>
-            <p:spPr>
-              <a:xfrm>
-                <a:off x="1004962" y="2299564"/>
-                <a:ext cx="7950445" cy="299569"/>
-              </a:xfrm>
-              <a:prstGeom prst="rect">
-                <a:avLst/>
-              </a:prstGeom>
-              <a:blipFill>
-                <a:blip r:embed="rId2"/>
-                <a:stretch>
-                  <a:fillRect r="-383" b="-30612"/>
-                </a:stretch>
-              </a:blipFill>
-            </p:spPr>
-            <p:txBody>
-              <a:bodyPr/>
-              <a:lstStyle/>
-              <a:p>
-                <a:r>
-                  <a:rPr lang="nl-NL">
-                    <a:noFill/>
-                  </a:rPr>
-                  <a:t> </a:t>
-                </a:r>
-              </a:p>
-            </p:txBody>
-          </p:sp>
-        </mc:Fallback>
-      </mc:AlternateContent>
       <p:graphicFrame>
         <p:nvGraphicFramePr>
           <p:cNvPr id="9" name="Table 8">
@@ -17590,13 +16874,13 @@
           <p:nvPr>
             <p:extLst>
               <p:ext uri="{D42A27DB-BD31-4B8C-83A1-F6EECF244321}">
-                <p14:modId xmlns:p14="http://schemas.microsoft.com/office/powerpoint/2010/main" val="1828868461"/>
+                <p14:modId xmlns:p14="http://schemas.microsoft.com/office/powerpoint/2010/main" val="2522245567"/>
               </p:ext>
             </p:extLst>
           </p:nvPr>
         </p:nvGraphicFramePr>
         <p:xfrm>
-          <a:off x="1117600" y="3158508"/>
+          <a:off x="1135707" y="2542872"/>
           <a:ext cx="8940800" cy="1483360"/>
         </p:xfrm>
         <a:graphic>
@@ -17713,18 +16997,9 @@
                     <a:p>
                       <a:pPr algn="ctr"/>
                       <a:r>
-                        <a:rPr lang="nl-NL" sz="1800" b="0" i="0" kern="1200" dirty="0">
-                          <a:solidFill>
-                            <a:schemeClr val="dk1"/>
-                          </a:solidFill>
-                          <a:effectLst/>
-                          <a:latin typeface="+mn-lt"/>
-                          <a:ea typeface="+mn-ea"/>
-                          <a:cs typeface="+mn-cs"/>
-                        </a:rPr>
-                        <a:t>0.60</a:t>
+                        <a:rPr lang="nl-NL" dirty="0"/>
+                        <a:t>0.59</a:t>
                       </a:r>
-                      <a:endParaRPr lang="nl-NL" dirty="0"/>
                     </a:p>
                   </a:txBody>
                   <a:tcPr/>
@@ -17757,18 +17032,9 @@
                     <a:p>
                       <a:pPr algn="ctr"/>
                       <a:r>
-                        <a:rPr lang="nl-NL" sz="1800" b="0" i="0" kern="1200" dirty="0">
-                          <a:solidFill>
-                            <a:schemeClr val="dk1"/>
-                          </a:solidFill>
-                          <a:effectLst/>
-                          <a:latin typeface="+mn-lt"/>
-                          <a:ea typeface="+mn-ea"/>
-                          <a:cs typeface="+mn-cs"/>
-                        </a:rPr>
+                        <a:rPr lang="nl-NL" dirty="0"/>
                         <a:t>0.17</a:t>
                       </a:r>
-                      <a:endParaRPr lang="nl-NL" dirty="0"/>
                     </a:p>
                   </a:txBody>
                   <a:tcPr/>
@@ -17780,18 +17046,9 @@
                     <a:p>
                       <a:pPr algn="ctr"/>
                       <a:r>
-                        <a:rPr lang="nl-NL" sz="1800" b="0" i="0" kern="1200" dirty="0">
-                          <a:solidFill>
-                            <a:schemeClr val="dk1"/>
-                          </a:solidFill>
-                          <a:effectLst/>
-                          <a:latin typeface="+mn-lt"/>
-                          <a:ea typeface="+mn-ea"/>
-                          <a:cs typeface="+mn-cs"/>
-                        </a:rPr>
-                        <a:t>0.95</a:t>
+                        <a:rPr lang="nl-NL" dirty="0"/>
+                        <a:t>0.93</a:t>
                       </a:r>
-                      <a:endParaRPr lang="nl-NL" dirty="0"/>
                     </a:p>
                   </a:txBody>
                   <a:tcPr/>
@@ -17824,18 +17081,9 @@
                     <a:p>
                       <a:pPr algn="ctr"/>
                       <a:r>
-                        <a:rPr lang="nl-NL" sz="1800" b="0" i="0" kern="1200" dirty="0">
-                          <a:solidFill>
-                            <a:schemeClr val="dk1"/>
-                          </a:solidFill>
-                          <a:effectLst/>
-                          <a:latin typeface="+mn-lt"/>
-                          <a:ea typeface="+mn-ea"/>
-                          <a:cs typeface="+mn-cs"/>
-                        </a:rPr>
+                        <a:rPr lang="nl-NL" dirty="0"/>
                         <a:t>0.09</a:t>
                       </a:r>
-                      <a:endParaRPr lang="nl-NL" dirty="0"/>
                     </a:p>
                   </a:txBody>
                   <a:tcPr/>
@@ -17847,18 +17095,9 @@
                     <a:p>
                       <a:pPr algn="ctr"/>
                       <a:r>
-                        <a:rPr lang="nl-NL" sz="1800" b="0" i="0" kern="1200" dirty="0">
-                          <a:solidFill>
-                            <a:schemeClr val="dk1"/>
-                          </a:solidFill>
-                          <a:effectLst/>
-                          <a:latin typeface="+mn-lt"/>
-                          <a:ea typeface="+mn-ea"/>
-                          <a:cs typeface="+mn-cs"/>
-                        </a:rPr>
-                        <a:t>1.35</a:t>
+                        <a:rPr lang="nl-NL" dirty="0"/>
+                        <a:t>1.34</a:t>
                       </a:r>
-                      <a:endParaRPr lang="nl-NL" dirty="0"/>
                     </a:p>
                   </a:txBody>
                   <a:tcPr/>
@@ -17887,7 +17126,7 @@
         </p:nvSpPr>
         <p:spPr>
           <a:xfrm>
-            <a:off x="1257300" y="4295775"/>
+            <a:off x="1135707" y="3653623"/>
             <a:ext cx="8601075" cy="346093"/>
           </a:xfrm>
           <a:custGeom>
@@ -18575,10 +17814,10 @@
       </p:sp>
       <p:pic>
         <p:nvPicPr>
-          <p:cNvPr id="8" name="Picture 7">
-            <a:extLst>
-              <a:ext uri="{FF2B5EF4-FFF2-40B4-BE49-F238E27FC236}">
-                <a16:creationId xmlns:a16="http://schemas.microsoft.com/office/drawing/2014/main" id="{0A580028-C41E-6003-27E7-E46427BC5722}"/>
+          <p:cNvPr id="9" name="Picture 8">
+            <a:extLst>
+              <a:ext uri="{FF2B5EF4-FFF2-40B4-BE49-F238E27FC236}">
+                <a16:creationId xmlns:a16="http://schemas.microsoft.com/office/drawing/2014/main" id="{EF8E5B29-C19E-E23B-A1BE-1FF255A2707A}"/>
               </a:ext>
             </a:extLst>
           </p:cNvPr>
@@ -18595,8 +17834,8 @@
         </p:blipFill>
         <p:spPr>
           <a:xfrm>
-            <a:off x="584946" y="2542119"/>
-            <a:ext cx="5511054" cy="3231100"/>
+            <a:off x="626616" y="2316812"/>
+            <a:ext cx="5387590" cy="3166751"/>
           </a:xfrm>
           <a:prstGeom prst="rect">
             <a:avLst/>
@@ -18605,10 +17844,10 @@
       </p:pic>
       <p:pic>
         <p:nvPicPr>
-          <p:cNvPr id="10" name="Picture 9">
-            <a:extLst>
-              <a:ext uri="{FF2B5EF4-FFF2-40B4-BE49-F238E27FC236}">
-                <a16:creationId xmlns:a16="http://schemas.microsoft.com/office/drawing/2014/main" id="{84A827CC-A314-0695-29BE-BBB98B348DC8}"/>
+          <p:cNvPr id="12" name="Picture 11">
+            <a:extLst>
+              <a:ext uri="{FF2B5EF4-FFF2-40B4-BE49-F238E27FC236}">
+                <a16:creationId xmlns:a16="http://schemas.microsoft.com/office/drawing/2014/main" id="{8499A50A-74D2-4B1E-8F66-FBAFA1B2DCDE}"/>
               </a:ext>
             </a:extLst>
           </p:cNvPr>
@@ -18625,8 +17864,8 @@
         </p:blipFill>
         <p:spPr>
           <a:xfrm>
-            <a:off x="6543707" y="2473358"/>
-            <a:ext cx="4904524" cy="3568739"/>
+            <a:off x="6282234" y="2123287"/>
+            <a:ext cx="5418768" cy="3936901"/>
           </a:xfrm>
           <a:prstGeom prst="rect">
             <a:avLst/>
@@ -18723,7 +17962,7 @@
           <a:p>
             <a:r>
               <a:rPr lang="nl-NL" dirty="0"/>
-              <a:t>Kritieke verplaatsing = -0.18 m, kritiek buigmoment = 40,000 Nm</a:t>
+              <a:t>Kritieke verplaatsing = -0.19 m, kritiek buigmoment = 40,000 Nm</a:t>
             </a:r>
           </a:p>
         </p:txBody>
@@ -19121,7 +18360,7 @@
               <p:nvPr>
                 <p:extLst>
                   <p:ext uri="{D42A27DB-BD31-4B8C-83A1-F6EECF244321}">
-                    <p14:modId xmlns:p14="http://schemas.microsoft.com/office/powerpoint/2010/main" val="1073988104"/>
+                    <p14:modId xmlns:p14="http://schemas.microsoft.com/office/powerpoint/2010/main" val="2524405012"/>
                   </p:ext>
                 </p:extLst>
               </p:nvPr>
@@ -19276,7 +18515,7 @@
                           <a:pPr algn="ctr"/>
                           <a:r>
                             <a:rPr lang="nl-NL" dirty="0"/>
-                            <a:t>0.11</a:t>
+                            <a:t>0.022</a:t>
                           </a:r>
                         </a:p>
                       </a:txBody>
@@ -19290,7 +18529,7 @@
                           <a:pPr algn="ctr"/>
                           <a:r>
                             <a:rPr lang="nl-NL" dirty="0"/>
-                            <a:t>1.19</a:t>
+                            <a:t>1.99</a:t>
                           </a:r>
                         </a:p>
                       </a:txBody>
@@ -19405,7 +18644,7 @@
                               <a:ea typeface="+mn-ea"/>
                               <a:cs typeface="+mn-cs"/>
                             </a:rPr>
-                            <a:t>1.35</a:t>
+                            <a:t>1.34</a:t>
                           </a:r>
                           <a:endParaRPr lang="nl-NL" dirty="0"/>
                         </a:p>
@@ -19533,7 +18772,7 @@
                           <a:pPr algn="ctr"/>
                           <a:r>
                             <a:rPr lang="nl-NL" dirty="0"/>
-                            <a:t>0.19</a:t>
+                            <a:t>0.11</a:t>
                           </a:r>
                         </a:p>
                       </a:txBody>
@@ -19547,7 +18786,7 @@
                           <a:pPr algn="ctr"/>
                           <a:r>
                             <a:rPr lang="nl-NL" dirty="0"/>
-                            <a:t>0.85</a:t>
+                            <a:t>1.21</a:t>
                           </a:r>
                         </a:p>
                       </a:txBody>
@@ -19580,7 +18819,7 @@
               <p:nvPr>
                 <p:extLst>
                   <p:ext uri="{D42A27DB-BD31-4B8C-83A1-F6EECF244321}">
-                    <p14:modId xmlns:p14="http://schemas.microsoft.com/office/powerpoint/2010/main" val="1073988104"/>
+                    <p14:modId xmlns:p14="http://schemas.microsoft.com/office/powerpoint/2010/main" val="2524405012"/>
                   </p:ext>
                 </p:extLst>
               </p:nvPr>
@@ -19689,7 +18928,7 @@
                           <a:pPr algn="ctr"/>
                           <a:r>
                             <a:rPr lang="nl-NL" dirty="0"/>
-                            <a:t>0.11</a:t>
+                            <a:t>0.022</a:t>
                           </a:r>
                         </a:p>
                       </a:txBody>
@@ -19703,7 +18942,7 @@
                           <a:pPr algn="ctr"/>
                           <a:r>
                             <a:rPr lang="nl-NL" dirty="0"/>
-                            <a:t>1.19</a:t>
+                            <a:t>1.99</a:t>
                           </a:r>
                         </a:p>
                       </a:txBody>
@@ -19772,7 +19011,7 @@
                               <a:ea typeface="+mn-ea"/>
                               <a:cs typeface="+mn-cs"/>
                             </a:rPr>
-                            <a:t>1.35</a:t>
+                            <a:t>1.34</a:t>
                           </a:r>
                           <a:endParaRPr lang="nl-NL" dirty="0"/>
                         </a:p>
@@ -19811,7 +19050,7 @@
                           <a:pPr algn="ctr"/>
                           <a:r>
                             <a:rPr lang="nl-NL" dirty="0"/>
-                            <a:t>0.19</a:t>
+                            <a:t>0.11</a:t>
                           </a:r>
                         </a:p>
                       </a:txBody>
@@ -19825,7 +19064,7 @@
                           <a:pPr algn="ctr"/>
                           <a:r>
                             <a:rPr lang="nl-NL" dirty="0"/>
-                            <a:t>0.85</a:t>
+                            <a:t>1.21</a:t>
                           </a:r>
                         </a:p>
                       </a:txBody>
@@ -20092,7 +19331,7 @@
           <p:cNvPr id="2" name="Title 1">
             <a:extLst>
               <a:ext uri="{FF2B5EF4-FFF2-40B4-BE49-F238E27FC236}">
-                <a16:creationId xmlns:a16="http://schemas.microsoft.com/office/drawing/2014/main" id="{93C964CC-5AEA-357F-FA8A-67BD41ECFD3A}"/>
+                <a16:creationId xmlns:a16="http://schemas.microsoft.com/office/drawing/2014/main" id="{1975AD39-E9DA-FE63-1A88-D7D60B3258DF}"/>
               </a:ext>
             </a:extLst>
           </p:cNvPr>
@@ -20109,26 +19348,27 @@
           <a:lstStyle/>
           <a:p>
             <a:r>
-              <a:rPr lang="nl-NL" dirty="0"/>
-              <a:t>Doe mee aan de workshop om 14:15 uur</a:t>
-            </a:r>
-          </a:p>
-        </p:txBody>
-      </p:sp>
-      <p:sp>
-        <p:nvSpPr>
-          <p:cNvPr id="3" name="Content Placeholder 2">
-            <a:extLst>
-              <a:ext uri="{FF2B5EF4-FFF2-40B4-BE49-F238E27FC236}">
-                <a16:creationId xmlns:a16="http://schemas.microsoft.com/office/drawing/2014/main" id="{ED3025C5-E00C-8F6E-E0CD-5FA237B8990A}"/>
-              </a:ext>
-            </a:extLst>
-          </p:cNvPr>
-          <p:cNvSpPr>
-            <a:spLocks noGrp="1"/>
-          </p:cNvSpPr>
-          <p:nvPr>
-            <p:ph idx="1"/>
+              <a:rPr lang="en-GB" dirty="0"/>
+              <a:t>Workshop</a:t>
+            </a:r>
+            <a:endParaRPr lang="nl-NL" dirty="0"/>
+          </a:p>
+        </p:txBody>
+      </p:sp>
+      <p:sp>
+        <p:nvSpPr>
+          <p:cNvPr id="4" name="Date Placeholder 3">
+            <a:extLst>
+              <a:ext uri="{FF2B5EF4-FFF2-40B4-BE49-F238E27FC236}">
+                <a16:creationId xmlns:a16="http://schemas.microsoft.com/office/drawing/2014/main" id="{0CE5F8FE-A11C-ED0D-568F-8D9DB1E2AE24}"/>
+              </a:ext>
+            </a:extLst>
+          </p:cNvPr>
+          <p:cNvSpPr>
+            <a:spLocks noGrp="1"/>
+          </p:cNvSpPr>
+          <p:nvPr>
+            <p:ph type="dt" sz="half" idx="10"/>
           </p:nvPr>
         </p:nvSpPr>
         <p:spPr/>
@@ -20137,53 +19377,26 @@
           <a:lstStyle/>
           <a:p>
             <a:r>
-              <a:rPr lang="nl-NL" dirty="0"/>
-              <a:t>Leer hoe je de probabilistische bibliotheek vanuit Python gebruikt</a:t>
-            </a:r>
-          </a:p>
-          <a:p>
-            <a:endParaRPr lang="nl-NL" dirty="0"/>
-          </a:p>
-          <a:p>
-            <a:r>
-              <a:rPr lang="nl-NL" dirty="0"/>
-              <a:t>Leer over de details van de probabilistische berekeningen met </a:t>
-            </a:r>
-            <a:r>
-              <a:rPr lang="nl-NL" dirty="0" err="1"/>
-              <a:t>Kratos</a:t>
-            </a:r>
-            <a:r>
-              <a:rPr lang="nl-NL" dirty="0"/>
-              <a:t> (damwand)</a:t>
-            </a:r>
-          </a:p>
-          <a:p>
-            <a:pPr lvl="1"/>
-            <a:r>
-              <a:rPr lang="nl-NL" dirty="0"/>
-              <a:t>Inclusief voorbeeld bewezen sterkte</a:t>
-            </a:r>
-          </a:p>
-          <a:p>
-            <a:endParaRPr lang="nl-NL" dirty="0"/>
-          </a:p>
-        </p:txBody>
-      </p:sp>
-      <p:sp>
-        <p:nvSpPr>
-          <p:cNvPr id="4" name="Date Placeholder 3">
-            <a:extLst>
-              <a:ext uri="{FF2B5EF4-FFF2-40B4-BE49-F238E27FC236}">
-                <a16:creationId xmlns:a16="http://schemas.microsoft.com/office/drawing/2014/main" id="{C6E027C9-2D11-1D7C-8086-D3D0329B77CA}"/>
-              </a:ext>
-            </a:extLst>
-          </p:cNvPr>
-          <p:cNvSpPr>
-            <a:spLocks noGrp="1"/>
-          </p:cNvSpPr>
-          <p:nvPr>
-            <p:ph type="dt" sz="half" idx="10"/>
+              <a:rPr lang="nl-NL"/>
+              <a:t> 28 november 2019</a:t>
+            </a:r>
+          </a:p>
+        </p:txBody>
+      </p:sp>
+      <p:sp>
+        <p:nvSpPr>
+          <p:cNvPr id="5" name="Footer Placeholder 4">
+            <a:extLst>
+              <a:ext uri="{FF2B5EF4-FFF2-40B4-BE49-F238E27FC236}">
+                <a16:creationId xmlns:a16="http://schemas.microsoft.com/office/drawing/2014/main" id="{A9C1D297-D895-3814-7B93-00D4B8356597}"/>
+              </a:ext>
+            </a:extLst>
+          </p:cNvPr>
+          <p:cNvSpPr>
+            <a:spLocks noGrp="1"/>
+          </p:cNvSpPr>
+          <p:nvPr>
+            <p:ph type="ftr" sz="quarter" idx="11"/>
           </p:nvPr>
         </p:nvSpPr>
         <p:spPr/>
@@ -20193,25 +19406,25 @@
           <a:p>
             <a:r>
               <a:rPr lang="nl-NL"/>
-              <a:t> 28 november 2019</a:t>
-            </a:r>
-          </a:p>
-        </p:txBody>
-      </p:sp>
-      <p:sp>
-        <p:nvSpPr>
-          <p:cNvPr id="5" name="Footer Placeholder 4">
-            <a:extLst>
-              <a:ext uri="{FF2B5EF4-FFF2-40B4-BE49-F238E27FC236}">
-                <a16:creationId xmlns:a16="http://schemas.microsoft.com/office/drawing/2014/main" id="{83114149-D769-B831-C838-8D04E4E01E31}"/>
-              </a:ext>
-            </a:extLst>
-          </p:cNvPr>
-          <p:cNvSpPr>
-            <a:spLocks noGrp="1"/>
-          </p:cNvSpPr>
-          <p:nvPr>
-            <p:ph type="ftr" sz="quarter" idx="11"/>
+              <a:t>Voettekst van de presentatie</a:t>
+            </a:r>
+          </a:p>
+        </p:txBody>
+      </p:sp>
+      <p:sp>
+        <p:nvSpPr>
+          <p:cNvPr id="6" name="Slide Number Placeholder 5">
+            <a:extLst>
+              <a:ext uri="{FF2B5EF4-FFF2-40B4-BE49-F238E27FC236}">
+                <a16:creationId xmlns:a16="http://schemas.microsoft.com/office/drawing/2014/main" id="{1E8D8E11-03BE-7389-362B-1E233600A27C}"/>
+              </a:ext>
+            </a:extLst>
+          </p:cNvPr>
+          <p:cNvSpPr>
+            <a:spLocks noGrp="1"/>
+          </p:cNvSpPr>
+          <p:nvPr>
+            <p:ph type="sldNum" sz="quarter" idx="12"/>
           </p:nvPr>
         </p:nvSpPr>
         <p:spPr/>
@@ -20219,36 +19432,9 @@
           <a:bodyPr/>
           <a:lstStyle/>
           <a:p>
-            <a:r>
-              <a:rPr lang="nl-NL"/>
-              <a:t>Voettekst van de presentatie</a:t>
-            </a:r>
-          </a:p>
-        </p:txBody>
-      </p:sp>
-      <p:sp>
-        <p:nvSpPr>
-          <p:cNvPr id="6" name="Slide Number Placeholder 5">
-            <a:extLst>
-              <a:ext uri="{FF2B5EF4-FFF2-40B4-BE49-F238E27FC236}">
-                <a16:creationId xmlns:a16="http://schemas.microsoft.com/office/drawing/2014/main" id="{A79236BF-7CE7-3A2C-D6BD-E3C83F26752A}"/>
-              </a:ext>
-            </a:extLst>
-          </p:cNvPr>
-          <p:cNvSpPr>
-            <a:spLocks noGrp="1"/>
-          </p:cNvSpPr>
-          <p:nvPr>
-            <p:ph type="sldNum" sz="quarter" idx="12"/>
-          </p:nvPr>
-        </p:nvSpPr>
-        <p:spPr/>
-        <p:txBody>
-          <a:bodyPr/>
-          <a:lstStyle/>
-          <a:p>
             <a:fld id="{F42B3F14-D836-496B-80A2-23BE75BD68CB}" type="slidenum">
               <a:rPr lang="nl-NL" smtClean="0"/>
+              <a:pPr/>
               <a:t>16</a:t>
             </a:fld>
             <a:endParaRPr lang="nl-NL"/>
@@ -20258,7 +19444,7 @@
     </p:spTree>
     <p:extLst>
       <p:ext uri="{BB962C8B-B14F-4D97-AF65-F5344CB8AC3E}">
-        <p14:creationId xmlns:p14="http://schemas.microsoft.com/office/powerpoint/2010/main" val="1218110497"/>
+        <p14:creationId xmlns:p14="http://schemas.microsoft.com/office/powerpoint/2010/main" val="3145414659"/>
       </p:ext>
     </p:extLst>
   </p:cSld>
@@ -20290,7 +19476,7 @@
           <p:cNvPr id="2" name="Title 1">
             <a:extLst>
               <a:ext uri="{FF2B5EF4-FFF2-40B4-BE49-F238E27FC236}">
-                <a16:creationId xmlns:a16="http://schemas.microsoft.com/office/drawing/2014/main" id="{1975AD39-E9DA-FE63-1A88-D7D60B3258DF}"/>
+                <a16:creationId xmlns:a16="http://schemas.microsoft.com/office/drawing/2014/main" id="{A7FEE077-B27C-5318-B7A1-A6DAD1A41F97}"/>
               </a:ext>
             </a:extLst>
           </p:cNvPr>
@@ -20307,8 +19493,8 @@
           <a:lstStyle/>
           <a:p>
             <a:r>
-              <a:rPr lang="en-GB" dirty="0"/>
-              <a:t>Workshop</a:t>
+              <a:rPr lang="en-GB" dirty="0" err="1"/>
+              <a:t>Overzicht</a:t>
             </a:r>
             <a:endParaRPr lang="nl-NL" dirty="0"/>
           </a:p>
@@ -20316,18 +19502,18 @@
       </p:sp>
       <p:sp>
         <p:nvSpPr>
-          <p:cNvPr id="4" name="Date Placeholder 3">
-            <a:extLst>
-              <a:ext uri="{FF2B5EF4-FFF2-40B4-BE49-F238E27FC236}">
-                <a16:creationId xmlns:a16="http://schemas.microsoft.com/office/drawing/2014/main" id="{0CE5F8FE-A11C-ED0D-568F-8D9DB1E2AE24}"/>
-              </a:ext>
-            </a:extLst>
-          </p:cNvPr>
-          <p:cNvSpPr>
-            <a:spLocks noGrp="1"/>
-          </p:cNvSpPr>
-          <p:nvPr>
-            <p:ph type="dt" sz="half" idx="10"/>
+          <p:cNvPr id="3" name="Content Placeholder 2">
+            <a:extLst>
+              <a:ext uri="{FF2B5EF4-FFF2-40B4-BE49-F238E27FC236}">
+                <a16:creationId xmlns:a16="http://schemas.microsoft.com/office/drawing/2014/main" id="{690934CD-04BD-3BCF-4B9C-FAFCE55B20E0}"/>
+              </a:ext>
+            </a:extLst>
+          </p:cNvPr>
+          <p:cNvSpPr>
+            <a:spLocks noGrp="1"/>
+          </p:cNvSpPr>
+          <p:nvPr>
+            <p:ph idx="1"/>
           </p:nvPr>
         </p:nvSpPr>
         <p:spPr/>
@@ -20336,6 +19522,51 @@
           <a:lstStyle/>
           <a:p>
             <a:r>
+              <a:rPr lang="nl-NL" dirty="0"/>
+              <a:t>DEMO probabilistische bibliotheek (model in Python)</a:t>
+            </a:r>
+          </a:p>
+          <a:p>
+            <a:endParaRPr lang="nl-NL" dirty="0"/>
+          </a:p>
+          <a:p>
+            <a:r>
+              <a:rPr lang="nl-NL" dirty="0"/>
+              <a:t>DEMO probabilistische berekeningen met </a:t>
+            </a:r>
+            <a:r>
+              <a:rPr lang="nl-NL" dirty="0" err="1"/>
+              <a:t>Kratos</a:t>
+            </a:r>
+            <a:r>
+              <a:rPr lang="nl-NL" dirty="0"/>
+              <a:t>, incl. bewezen sterkte</a:t>
+            </a:r>
+          </a:p>
+        </p:txBody>
+      </p:sp>
+      <p:sp>
+        <p:nvSpPr>
+          <p:cNvPr id="4" name="Date Placeholder 3">
+            <a:extLst>
+              <a:ext uri="{FF2B5EF4-FFF2-40B4-BE49-F238E27FC236}">
+                <a16:creationId xmlns:a16="http://schemas.microsoft.com/office/drawing/2014/main" id="{86E6E64F-A92B-8519-705A-63F48427FD92}"/>
+              </a:ext>
+            </a:extLst>
+          </p:cNvPr>
+          <p:cNvSpPr>
+            <a:spLocks noGrp="1"/>
+          </p:cNvSpPr>
+          <p:nvPr>
+            <p:ph type="dt" sz="half" idx="10"/>
+          </p:nvPr>
+        </p:nvSpPr>
+        <p:spPr/>
+        <p:txBody>
+          <a:bodyPr/>
+          <a:lstStyle/>
+          <a:p>
+            <a:r>
               <a:rPr lang="nl-NL"/>
               <a:t> 28 november 2019</a:t>
             </a:r>
@@ -20347,7 +19578,7 @@
           <p:cNvPr id="5" name="Footer Placeholder 4">
             <a:extLst>
               <a:ext uri="{FF2B5EF4-FFF2-40B4-BE49-F238E27FC236}">
-                <a16:creationId xmlns:a16="http://schemas.microsoft.com/office/drawing/2014/main" id="{A9C1D297-D895-3814-7B93-00D4B8356597}"/>
+                <a16:creationId xmlns:a16="http://schemas.microsoft.com/office/drawing/2014/main" id="{C2896454-D20D-CD1C-18EA-15849D62AA31}"/>
               </a:ext>
             </a:extLst>
           </p:cNvPr>
@@ -20375,7 +19606,7 @@
           <p:cNvPr id="6" name="Slide Number Placeholder 5">
             <a:extLst>
               <a:ext uri="{FF2B5EF4-FFF2-40B4-BE49-F238E27FC236}">
-                <a16:creationId xmlns:a16="http://schemas.microsoft.com/office/drawing/2014/main" id="{1E8D8E11-03BE-7389-362B-1E233600A27C}"/>
+                <a16:creationId xmlns:a16="http://schemas.microsoft.com/office/drawing/2014/main" id="{F0A72D62-85D2-C9EE-E44B-C6475874A398}"/>
               </a:ext>
             </a:extLst>
           </p:cNvPr>
@@ -20393,197 +19624,7 @@
           <a:p>
             <a:fld id="{F42B3F14-D836-496B-80A2-23BE75BD68CB}" type="slidenum">
               <a:rPr lang="nl-NL" smtClean="0"/>
-              <a:pPr/>
               <a:t>17</a:t>
-            </a:fld>
-            <a:endParaRPr lang="nl-NL"/>
-          </a:p>
-        </p:txBody>
-      </p:sp>
-    </p:spTree>
-    <p:extLst>
-      <p:ext uri="{BB962C8B-B14F-4D97-AF65-F5344CB8AC3E}">
-        <p14:creationId xmlns:p14="http://schemas.microsoft.com/office/powerpoint/2010/main" val="3145414659"/>
-      </p:ext>
-    </p:extLst>
-  </p:cSld>
-  <p:clrMapOvr>
-    <a:masterClrMapping/>
-  </p:clrMapOvr>
-</p:sld>
-</file>
-
-<file path=ppt/slides/slide18.xml><?xml version="1.0" encoding="utf-8"?>
-<p:sld xmlns:a="http://schemas.openxmlformats.org/drawingml/2006/main" xmlns:r="http://schemas.openxmlformats.org/officeDocument/2006/relationships" xmlns:p="http://schemas.openxmlformats.org/presentationml/2006/main">
-  <p:cSld>
-    <p:spTree>
-      <p:nvGrpSpPr>
-        <p:cNvPr id="1" name=""/>
-        <p:cNvGrpSpPr/>
-        <p:nvPr/>
-      </p:nvGrpSpPr>
-      <p:grpSpPr>
-        <a:xfrm>
-          <a:off x="0" y="0"/>
-          <a:ext cx="0" cy="0"/>
-          <a:chOff x="0" y="0"/>
-          <a:chExt cx="0" cy="0"/>
-        </a:xfrm>
-      </p:grpSpPr>
-      <p:sp>
-        <p:nvSpPr>
-          <p:cNvPr id="2" name="Title 1">
-            <a:extLst>
-              <a:ext uri="{FF2B5EF4-FFF2-40B4-BE49-F238E27FC236}">
-                <a16:creationId xmlns:a16="http://schemas.microsoft.com/office/drawing/2014/main" id="{A7FEE077-B27C-5318-B7A1-A6DAD1A41F97}"/>
-              </a:ext>
-            </a:extLst>
-          </p:cNvPr>
-          <p:cNvSpPr>
-            <a:spLocks noGrp="1"/>
-          </p:cNvSpPr>
-          <p:nvPr>
-            <p:ph type="title"/>
-          </p:nvPr>
-        </p:nvSpPr>
-        <p:spPr/>
-        <p:txBody>
-          <a:bodyPr/>
-          <a:lstStyle/>
-          <a:p>
-            <a:r>
-              <a:rPr lang="en-GB" dirty="0" err="1"/>
-              <a:t>Overzicht</a:t>
-            </a:r>
-            <a:endParaRPr lang="nl-NL" dirty="0"/>
-          </a:p>
-        </p:txBody>
-      </p:sp>
-      <p:sp>
-        <p:nvSpPr>
-          <p:cNvPr id="3" name="Content Placeholder 2">
-            <a:extLst>
-              <a:ext uri="{FF2B5EF4-FFF2-40B4-BE49-F238E27FC236}">
-                <a16:creationId xmlns:a16="http://schemas.microsoft.com/office/drawing/2014/main" id="{690934CD-04BD-3BCF-4B9C-FAFCE55B20E0}"/>
-              </a:ext>
-            </a:extLst>
-          </p:cNvPr>
-          <p:cNvSpPr>
-            <a:spLocks noGrp="1"/>
-          </p:cNvSpPr>
-          <p:nvPr>
-            <p:ph idx="1"/>
-          </p:nvPr>
-        </p:nvSpPr>
-        <p:spPr/>
-        <p:txBody>
-          <a:bodyPr/>
-          <a:lstStyle/>
-          <a:p>
-            <a:r>
-              <a:rPr lang="nl-NL" dirty="0"/>
-              <a:t>DEMO probabilistische bibliotheek (model in Python)</a:t>
-            </a:r>
-          </a:p>
-          <a:p>
-            <a:endParaRPr lang="nl-NL" dirty="0"/>
-          </a:p>
-          <a:p>
-            <a:r>
-              <a:rPr lang="nl-NL" dirty="0"/>
-              <a:t>DEMO probabilistische berekeningen met </a:t>
-            </a:r>
-            <a:r>
-              <a:rPr lang="nl-NL" dirty="0" err="1"/>
-              <a:t>Kratos</a:t>
-            </a:r>
-            <a:r>
-              <a:rPr lang="nl-NL" dirty="0"/>
-              <a:t>, incl. bewezen sterkte</a:t>
-            </a:r>
-          </a:p>
-        </p:txBody>
-      </p:sp>
-      <p:sp>
-        <p:nvSpPr>
-          <p:cNvPr id="4" name="Date Placeholder 3">
-            <a:extLst>
-              <a:ext uri="{FF2B5EF4-FFF2-40B4-BE49-F238E27FC236}">
-                <a16:creationId xmlns:a16="http://schemas.microsoft.com/office/drawing/2014/main" id="{86E6E64F-A92B-8519-705A-63F48427FD92}"/>
-              </a:ext>
-            </a:extLst>
-          </p:cNvPr>
-          <p:cNvSpPr>
-            <a:spLocks noGrp="1"/>
-          </p:cNvSpPr>
-          <p:nvPr>
-            <p:ph type="dt" sz="half" idx="10"/>
-          </p:nvPr>
-        </p:nvSpPr>
-        <p:spPr/>
-        <p:txBody>
-          <a:bodyPr/>
-          <a:lstStyle/>
-          <a:p>
-            <a:r>
-              <a:rPr lang="nl-NL"/>
-              <a:t> 28 november 2019</a:t>
-            </a:r>
-          </a:p>
-        </p:txBody>
-      </p:sp>
-      <p:sp>
-        <p:nvSpPr>
-          <p:cNvPr id="5" name="Footer Placeholder 4">
-            <a:extLst>
-              <a:ext uri="{FF2B5EF4-FFF2-40B4-BE49-F238E27FC236}">
-                <a16:creationId xmlns:a16="http://schemas.microsoft.com/office/drawing/2014/main" id="{C2896454-D20D-CD1C-18EA-15849D62AA31}"/>
-              </a:ext>
-            </a:extLst>
-          </p:cNvPr>
-          <p:cNvSpPr>
-            <a:spLocks noGrp="1"/>
-          </p:cNvSpPr>
-          <p:nvPr>
-            <p:ph type="ftr" sz="quarter" idx="11"/>
-          </p:nvPr>
-        </p:nvSpPr>
-        <p:spPr/>
-        <p:txBody>
-          <a:bodyPr/>
-          <a:lstStyle/>
-          <a:p>
-            <a:r>
-              <a:rPr lang="nl-NL"/>
-              <a:t>Voettekst van de presentatie</a:t>
-            </a:r>
-          </a:p>
-        </p:txBody>
-      </p:sp>
-      <p:sp>
-        <p:nvSpPr>
-          <p:cNvPr id="6" name="Slide Number Placeholder 5">
-            <a:extLst>
-              <a:ext uri="{FF2B5EF4-FFF2-40B4-BE49-F238E27FC236}">
-                <a16:creationId xmlns:a16="http://schemas.microsoft.com/office/drawing/2014/main" id="{F0A72D62-85D2-C9EE-E44B-C6475874A398}"/>
-              </a:ext>
-            </a:extLst>
-          </p:cNvPr>
-          <p:cNvSpPr>
-            <a:spLocks noGrp="1"/>
-          </p:cNvSpPr>
-          <p:nvPr>
-            <p:ph type="sldNum" sz="quarter" idx="12"/>
-          </p:nvPr>
-        </p:nvSpPr>
-        <p:spPr/>
-        <p:txBody>
-          <a:bodyPr/>
-          <a:lstStyle/>
-          <a:p>
-            <a:fld id="{F42B3F14-D836-496B-80A2-23BE75BD68CB}" type="slidenum">
-              <a:rPr lang="nl-NL" smtClean="0"/>
-              <a:t>18</a:t>
             </a:fld>
             <a:endParaRPr lang="nl-NL"/>
           </a:p>
@@ -20602,7 +19643,7 @@
 </p:sld>
 </file>
 
-<file path=ppt/slides/slide19.xml><?xml version="1.0" encoding="utf-8"?>
+<file path=ppt/slides/slide18.xml><?xml version="1.0" encoding="utf-8"?>
 <p:sld xmlns:a="http://schemas.openxmlformats.org/drawingml/2006/main" xmlns:r="http://schemas.openxmlformats.org/officeDocument/2006/relationships" xmlns:p="http://schemas.openxmlformats.org/presentationml/2006/main" show="0">
   <p:cSld>
     <p:spTree>
@@ -20765,7 +19806,7 @@
           <a:p>
             <a:fld id="{F42B3F14-D836-496B-80A2-23BE75BD68CB}" type="slidenum">
               <a:rPr lang="nl-NL" smtClean="0"/>
-              <a:t>19</a:t>
+              <a:t>18</a:t>
             </a:fld>
             <a:endParaRPr lang="nl-NL"/>
           </a:p>
@@ -21044,6 +20085,233 @@
 </p:sld>
 </file>
 
+<file path=ppt/slides/slide19.xml><?xml version="1.0" encoding="utf-8"?>
+<p:sld xmlns:a="http://schemas.openxmlformats.org/drawingml/2006/main" xmlns:r="http://schemas.openxmlformats.org/officeDocument/2006/relationships" xmlns:p="http://schemas.openxmlformats.org/presentationml/2006/main">
+  <p:cSld>
+    <p:spTree>
+      <p:nvGrpSpPr>
+        <p:cNvPr id="1" name=""/>
+        <p:cNvGrpSpPr/>
+        <p:nvPr/>
+      </p:nvGrpSpPr>
+      <p:grpSpPr>
+        <a:xfrm>
+          <a:off x="0" y="0"/>
+          <a:ext cx="0" cy="0"/>
+          <a:chOff x="0" y="0"/>
+          <a:chExt cx="0" cy="0"/>
+        </a:xfrm>
+      </p:grpSpPr>
+      <p:sp>
+        <p:nvSpPr>
+          <p:cNvPr id="2" name="Title 1">
+            <a:extLst>
+              <a:ext uri="{FF2B5EF4-FFF2-40B4-BE49-F238E27FC236}">
+                <a16:creationId xmlns:a16="http://schemas.microsoft.com/office/drawing/2014/main" id="{6C38F79D-344B-5447-2044-1D5C6438F8B1}"/>
+              </a:ext>
+            </a:extLst>
+          </p:cNvPr>
+          <p:cNvSpPr>
+            <a:spLocks noGrp="1"/>
+          </p:cNvSpPr>
+          <p:nvPr>
+            <p:ph type="title"/>
+          </p:nvPr>
+        </p:nvSpPr>
+        <p:spPr/>
+        <p:txBody>
+          <a:bodyPr/>
+          <a:lstStyle/>
+          <a:p>
+            <a:r>
+              <a:rPr lang="nl-NL" dirty="0"/>
+              <a:t>Bewezen sterkte</a:t>
+            </a:r>
+          </a:p>
+        </p:txBody>
+      </p:sp>
+      <p:sp>
+        <p:nvSpPr>
+          <p:cNvPr id="3" name="Content Placeholder 2">
+            <a:extLst>
+              <a:ext uri="{FF2B5EF4-FFF2-40B4-BE49-F238E27FC236}">
+                <a16:creationId xmlns:a16="http://schemas.microsoft.com/office/drawing/2014/main" id="{7EA0643A-F3D7-D819-D1EB-C8890A2B9F0A}"/>
+              </a:ext>
+            </a:extLst>
+          </p:cNvPr>
+          <p:cNvSpPr>
+            <a:spLocks noGrp="1"/>
+          </p:cNvSpPr>
+          <p:nvPr>
+            <p:ph idx="1"/>
+          </p:nvPr>
+        </p:nvSpPr>
+        <p:spPr>
+          <a:xfrm>
+            <a:off x="755650" y="1768763"/>
+            <a:ext cx="9981781" cy="4320000"/>
+          </a:xfrm>
+        </p:spPr>
+        <p:txBody>
+          <a:bodyPr/>
+          <a:lstStyle/>
+          <a:p>
+            <a:r>
+              <a:rPr lang="nl-NL" dirty="0"/>
+              <a:t>De dikte van de damwand neemt in de loop van de tijd af.</a:t>
+            </a:r>
+            <a:endParaRPr lang="nl-NL" b="1" dirty="0"/>
+          </a:p>
+          <a:p>
+            <a:endParaRPr lang="nl-NL" b="1" dirty="0"/>
+          </a:p>
+          <a:p>
+            <a:r>
+              <a:rPr lang="nl-NL" b="1" dirty="0"/>
+              <a:t>Neem aan dat: </a:t>
+            </a:r>
+          </a:p>
+          <a:p>
+            <a:pPr lvl="1"/>
+            <a:r>
+              <a:rPr lang="nl-NL" dirty="0"/>
+              <a:t>Dikte in 2025 = 0.025 m</a:t>
+            </a:r>
+          </a:p>
+          <a:p>
+            <a:pPr lvl="1"/>
+            <a:r>
+              <a:rPr lang="nl-NL" dirty="0"/>
+              <a:t>Verwachte dikte in 2075 = 0.015 m</a:t>
+            </a:r>
+          </a:p>
+          <a:p>
+            <a:pPr lvl="1"/>
+            <a:endParaRPr lang="nl-NL" dirty="0"/>
+          </a:p>
+          <a:p>
+            <a:r>
+              <a:rPr lang="nl-NL" b="1" dirty="0"/>
+              <a:t>Bewezen sterkte:</a:t>
+            </a:r>
+            <a:r>
+              <a:rPr lang="nl-NL" dirty="0"/>
+              <a:t> we weten dat in 2025 de verplaatsing van de damwand de kritieke waarde van -0.18 m niet overschrijdt.</a:t>
+            </a:r>
+          </a:p>
+          <a:p>
+            <a:endParaRPr lang="nl-NL" dirty="0"/>
+          </a:p>
+          <a:p>
+            <a:r>
+              <a:rPr lang="nl-NL" b="1" dirty="0"/>
+              <a:t>Vraag:</a:t>
+            </a:r>
+            <a:r>
+              <a:rPr lang="nl-NL" dirty="0"/>
+              <a:t> wat is de faalkans in 2075, gegeven dat de damwand in 2025 stabiel is?</a:t>
+            </a:r>
+          </a:p>
+        </p:txBody>
+      </p:sp>
+      <p:sp>
+        <p:nvSpPr>
+          <p:cNvPr id="4" name="Date Placeholder 3">
+            <a:extLst>
+              <a:ext uri="{FF2B5EF4-FFF2-40B4-BE49-F238E27FC236}">
+                <a16:creationId xmlns:a16="http://schemas.microsoft.com/office/drawing/2014/main" id="{C82592CE-DAAD-0E31-9A78-FCBF42E3AF7A}"/>
+              </a:ext>
+            </a:extLst>
+          </p:cNvPr>
+          <p:cNvSpPr>
+            <a:spLocks noGrp="1"/>
+          </p:cNvSpPr>
+          <p:nvPr>
+            <p:ph type="dt" sz="half" idx="10"/>
+          </p:nvPr>
+        </p:nvSpPr>
+        <p:spPr/>
+        <p:txBody>
+          <a:bodyPr/>
+          <a:lstStyle/>
+          <a:p>
+            <a:r>
+              <a:rPr lang="nl-NL"/>
+              <a:t> 28 november 2019</a:t>
+            </a:r>
+          </a:p>
+        </p:txBody>
+      </p:sp>
+      <p:sp>
+        <p:nvSpPr>
+          <p:cNvPr id="5" name="Footer Placeholder 4">
+            <a:extLst>
+              <a:ext uri="{FF2B5EF4-FFF2-40B4-BE49-F238E27FC236}">
+                <a16:creationId xmlns:a16="http://schemas.microsoft.com/office/drawing/2014/main" id="{07ED03A9-59B2-1C29-EAAE-9673010D60E4}"/>
+              </a:ext>
+            </a:extLst>
+          </p:cNvPr>
+          <p:cNvSpPr>
+            <a:spLocks noGrp="1"/>
+          </p:cNvSpPr>
+          <p:nvPr>
+            <p:ph type="ftr" sz="quarter" idx="11"/>
+          </p:nvPr>
+        </p:nvSpPr>
+        <p:spPr/>
+        <p:txBody>
+          <a:bodyPr/>
+          <a:lstStyle/>
+          <a:p>
+            <a:r>
+              <a:rPr lang="nl-NL"/>
+              <a:t>Voettekst van de presentatie</a:t>
+            </a:r>
+          </a:p>
+        </p:txBody>
+      </p:sp>
+      <p:sp>
+        <p:nvSpPr>
+          <p:cNvPr id="6" name="Slide Number Placeholder 5">
+            <a:extLst>
+              <a:ext uri="{FF2B5EF4-FFF2-40B4-BE49-F238E27FC236}">
+                <a16:creationId xmlns:a16="http://schemas.microsoft.com/office/drawing/2014/main" id="{21CB0768-68FD-5808-E6DC-FBD766258088}"/>
+              </a:ext>
+            </a:extLst>
+          </p:cNvPr>
+          <p:cNvSpPr>
+            <a:spLocks noGrp="1"/>
+          </p:cNvSpPr>
+          <p:nvPr>
+            <p:ph type="sldNum" sz="quarter" idx="12"/>
+          </p:nvPr>
+        </p:nvSpPr>
+        <p:spPr/>
+        <p:txBody>
+          <a:bodyPr/>
+          <a:lstStyle/>
+          <a:p>
+            <a:fld id="{F42B3F14-D836-496B-80A2-23BE75BD68CB}" type="slidenum">
+              <a:rPr lang="nl-NL" smtClean="0"/>
+              <a:t>19</a:t>
+            </a:fld>
+            <a:endParaRPr lang="nl-NL"/>
+          </a:p>
+        </p:txBody>
+      </p:sp>
+    </p:spTree>
+    <p:extLst>
+      <p:ext uri="{BB962C8B-B14F-4D97-AF65-F5344CB8AC3E}">
+        <p14:creationId xmlns:p14="http://schemas.microsoft.com/office/powerpoint/2010/main" val="1135368548"/>
+      </p:ext>
+    </p:extLst>
+  </p:cSld>
+  <p:clrMapOvr>
+    <a:masterClrMapping/>
+  </p:clrMapOvr>
+</p:sld>
+</file>
+
 <file path=ppt/slides/slide2.xml><?xml version="1.0" encoding="utf-8"?>
 <p:sld xmlns:a="http://schemas.openxmlformats.org/drawingml/2006/main" xmlns:r="http://schemas.openxmlformats.org/officeDocument/2006/relationships" xmlns:p="http://schemas.openxmlformats.org/presentationml/2006/main">
   <p:cSld>
@@ -21119,13 +20387,8 @@
           <a:p>
             <a:r>
               <a:rPr lang="nl-NL" dirty="0"/>
-              <a:t>Probabilistische bibliotheek en </a:t>
-            </a:r>
-            <a:r>
-              <a:rPr lang="nl-NL" dirty="0" err="1"/>
-              <a:t>Kratos</a:t>
-            </a:r>
-            <a:endParaRPr lang="nl-NL" dirty="0"/>
+              <a:t>Probabilistische bibliotheek van Deltares</a:t>
+            </a:r>
           </a:p>
           <a:p>
             <a:r>
@@ -21286,233 +20549,6 @@
 </file>
 
 <file path=ppt/slides/slide20.xml><?xml version="1.0" encoding="utf-8"?>
-<p:sld xmlns:a="http://schemas.openxmlformats.org/drawingml/2006/main" xmlns:r="http://schemas.openxmlformats.org/officeDocument/2006/relationships" xmlns:p="http://schemas.openxmlformats.org/presentationml/2006/main">
-  <p:cSld>
-    <p:spTree>
-      <p:nvGrpSpPr>
-        <p:cNvPr id="1" name=""/>
-        <p:cNvGrpSpPr/>
-        <p:nvPr/>
-      </p:nvGrpSpPr>
-      <p:grpSpPr>
-        <a:xfrm>
-          <a:off x="0" y="0"/>
-          <a:ext cx="0" cy="0"/>
-          <a:chOff x="0" y="0"/>
-          <a:chExt cx="0" cy="0"/>
-        </a:xfrm>
-      </p:grpSpPr>
-      <p:sp>
-        <p:nvSpPr>
-          <p:cNvPr id="2" name="Title 1">
-            <a:extLst>
-              <a:ext uri="{FF2B5EF4-FFF2-40B4-BE49-F238E27FC236}">
-                <a16:creationId xmlns:a16="http://schemas.microsoft.com/office/drawing/2014/main" id="{6C38F79D-344B-5447-2044-1D5C6438F8B1}"/>
-              </a:ext>
-            </a:extLst>
-          </p:cNvPr>
-          <p:cNvSpPr>
-            <a:spLocks noGrp="1"/>
-          </p:cNvSpPr>
-          <p:nvPr>
-            <p:ph type="title"/>
-          </p:nvPr>
-        </p:nvSpPr>
-        <p:spPr/>
-        <p:txBody>
-          <a:bodyPr/>
-          <a:lstStyle/>
-          <a:p>
-            <a:r>
-              <a:rPr lang="nl-NL" dirty="0"/>
-              <a:t>Bewezen sterkte</a:t>
-            </a:r>
-          </a:p>
-        </p:txBody>
-      </p:sp>
-      <p:sp>
-        <p:nvSpPr>
-          <p:cNvPr id="3" name="Content Placeholder 2">
-            <a:extLst>
-              <a:ext uri="{FF2B5EF4-FFF2-40B4-BE49-F238E27FC236}">
-                <a16:creationId xmlns:a16="http://schemas.microsoft.com/office/drawing/2014/main" id="{7EA0643A-F3D7-D819-D1EB-C8890A2B9F0A}"/>
-              </a:ext>
-            </a:extLst>
-          </p:cNvPr>
-          <p:cNvSpPr>
-            <a:spLocks noGrp="1"/>
-          </p:cNvSpPr>
-          <p:nvPr>
-            <p:ph idx="1"/>
-          </p:nvPr>
-        </p:nvSpPr>
-        <p:spPr>
-          <a:xfrm>
-            <a:off x="755650" y="1768763"/>
-            <a:ext cx="9981781" cy="4320000"/>
-          </a:xfrm>
-        </p:spPr>
-        <p:txBody>
-          <a:bodyPr/>
-          <a:lstStyle/>
-          <a:p>
-            <a:r>
-              <a:rPr lang="nl-NL" dirty="0"/>
-              <a:t>De dikte van de damwand neemt in de loop van de tijd af.</a:t>
-            </a:r>
-            <a:endParaRPr lang="nl-NL" b="1" dirty="0"/>
-          </a:p>
-          <a:p>
-            <a:endParaRPr lang="nl-NL" b="1" dirty="0"/>
-          </a:p>
-          <a:p>
-            <a:r>
-              <a:rPr lang="nl-NL" b="1" dirty="0"/>
-              <a:t>Neem aan dat: </a:t>
-            </a:r>
-          </a:p>
-          <a:p>
-            <a:pPr lvl="1"/>
-            <a:r>
-              <a:rPr lang="nl-NL" dirty="0"/>
-              <a:t>Dikte in 2025 = 0.025 m</a:t>
-            </a:r>
-          </a:p>
-          <a:p>
-            <a:pPr lvl="1"/>
-            <a:r>
-              <a:rPr lang="nl-NL" dirty="0"/>
-              <a:t>Verwachte dikte in 2075 = 0.015 m</a:t>
-            </a:r>
-          </a:p>
-          <a:p>
-            <a:pPr lvl="1"/>
-            <a:endParaRPr lang="nl-NL" dirty="0"/>
-          </a:p>
-          <a:p>
-            <a:r>
-              <a:rPr lang="nl-NL" b="1" dirty="0"/>
-              <a:t>Bewezen sterkte:</a:t>
-            </a:r>
-            <a:r>
-              <a:rPr lang="nl-NL" dirty="0"/>
-              <a:t> we weten dat in 2025 de verplaatsing van de damwand de kritieke waarde van -0.18 m niet overschrijdt.</a:t>
-            </a:r>
-          </a:p>
-          <a:p>
-            <a:endParaRPr lang="nl-NL" dirty="0"/>
-          </a:p>
-          <a:p>
-            <a:r>
-              <a:rPr lang="nl-NL" b="1" dirty="0"/>
-              <a:t>Vraag:</a:t>
-            </a:r>
-            <a:r>
-              <a:rPr lang="nl-NL" dirty="0"/>
-              <a:t> wat is de faalkans in 2075, gegeven dat de damwand in 2025 stabiel is?</a:t>
-            </a:r>
-          </a:p>
-        </p:txBody>
-      </p:sp>
-      <p:sp>
-        <p:nvSpPr>
-          <p:cNvPr id="4" name="Date Placeholder 3">
-            <a:extLst>
-              <a:ext uri="{FF2B5EF4-FFF2-40B4-BE49-F238E27FC236}">
-                <a16:creationId xmlns:a16="http://schemas.microsoft.com/office/drawing/2014/main" id="{C82592CE-DAAD-0E31-9A78-FCBF42E3AF7A}"/>
-              </a:ext>
-            </a:extLst>
-          </p:cNvPr>
-          <p:cNvSpPr>
-            <a:spLocks noGrp="1"/>
-          </p:cNvSpPr>
-          <p:nvPr>
-            <p:ph type="dt" sz="half" idx="10"/>
-          </p:nvPr>
-        </p:nvSpPr>
-        <p:spPr/>
-        <p:txBody>
-          <a:bodyPr/>
-          <a:lstStyle/>
-          <a:p>
-            <a:r>
-              <a:rPr lang="nl-NL"/>
-              <a:t> 28 november 2019</a:t>
-            </a:r>
-          </a:p>
-        </p:txBody>
-      </p:sp>
-      <p:sp>
-        <p:nvSpPr>
-          <p:cNvPr id="5" name="Footer Placeholder 4">
-            <a:extLst>
-              <a:ext uri="{FF2B5EF4-FFF2-40B4-BE49-F238E27FC236}">
-                <a16:creationId xmlns:a16="http://schemas.microsoft.com/office/drawing/2014/main" id="{07ED03A9-59B2-1C29-EAAE-9673010D60E4}"/>
-              </a:ext>
-            </a:extLst>
-          </p:cNvPr>
-          <p:cNvSpPr>
-            <a:spLocks noGrp="1"/>
-          </p:cNvSpPr>
-          <p:nvPr>
-            <p:ph type="ftr" sz="quarter" idx="11"/>
-          </p:nvPr>
-        </p:nvSpPr>
-        <p:spPr/>
-        <p:txBody>
-          <a:bodyPr/>
-          <a:lstStyle/>
-          <a:p>
-            <a:r>
-              <a:rPr lang="nl-NL"/>
-              <a:t>Voettekst van de presentatie</a:t>
-            </a:r>
-          </a:p>
-        </p:txBody>
-      </p:sp>
-      <p:sp>
-        <p:nvSpPr>
-          <p:cNvPr id="6" name="Slide Number Placeholder 5">
-            <a:extLst>
-              <a:ext uri="{FF2B5EF4-FFF2-40B4-BE49-F238E27FC236}">
-                <a16:creationId xmlns:a16="http://schemas.microsoft.com/office/drawing/2014/main" id="{21CB0768-68FD-5808-E6DC-FBD766258088}"/>
-              </a:ext>
-            </a:extLst>
-          </p:cNvPr>
-          <p:cNvSpPr>
-            <a:spLocks noGrp="1"/>
-          </p:cNvSpPr>
-          <p:nvPr>
-            <p:ph type="sldNum" sz="quarter" idx="12"/>
-          </p:nvPr>
-        </p:nvSpPr>
-        <p:spPr/>
-        <p:txBody>
-          <a:bodyPr/>
-          <a:lstStyle/>
-          <a:p>
-            <a:fld id="{F42B3F14-D836-496B-80A2-23BE75BD68CB}" type="slidenum">
-              <a:rPr lang="nl-NL" smtClean="0"/>
-              <a:t>20</a:t>
-            </a:fld>
-            <a:endParaRPr lang="nl-NL"/>
-          </a:p>
-        </p:txBody>
-      </p:sp>
-    </p:spTree>
-    <p:extLst>
-      <p:ext uri="{BB962C8B-B14F-4D97-AF65-F5344CB8AC3E}">
-        <p14:creationId xmlns:p14="http://schemas.microsoft.com/office/powerpoint/2010/main" val="1135368548"/>
-      </p:ext>
-    </p:extLst>
-  </p:cSld>
-  <p:clrMapOvr>
-    <a:masterClrMapping/>
-  </p:clrMapOvr>
-</p:sld>
-</file>
-
-<file path=ppt/slides/slide21.xml><?xml version="1.0" encoding="utf-8"?>
 <p:sld xmlns:a="http://schemas.openxmlformats.org/drawingml/2006/main" xmlns:r="http://schemas.openxmlformats.org/officeDocument/2006/relationships" xmlns:p="http://schemas.openxmlformats.org/presentationml/2006/main">
   <p:cSld>
     <p:spTree>
@@ -21749,7 +20785,7 @@
           <a:p>
             <a:fld id="{F42B3F14-D836-496B-80A2-23BE75BD68CB}" type="slidenum">
               <a:rPr lang="nl-NL" smtClean="0"/>
-              <a:t>21</a:t>
+              <a:t>20</a:t>
             </a:fld>
             <a:endParaRPr lang="nl-NL"/>
           </a:p>
@@ -22622,7 +21658,7 @@
 </p:sld>
 </file>
 
-<file path=ppt/slides/slide22.xml><?xml version="1.0" encoding="utf-8"?>
+<file path=ppt/slides/slide21.xml><?xml version="1.0" encoding="utf-8"?>
 <p:sld xmlns:a="http://schemas.openxmlformats.org/drawingml/2006/main" xmlns:r="http://schemas.openxmlformats.org/officeDocument/2006/relationships" xmlns:p="http://schemas.openxmlformats.org/presentationml/2006/main">
   <p:cSld>
     <p:spTree>
@@ -22752,7 +21788,7 @@
           <a:p>
             <a:fld id="{F42B3F14-D836-496B-80A2-23BE75BD68CB}" type="slidenum">
               <a:rPr lang="nl-NL" smtClean="0"/>
-              <a:t>22</a:t>
+              <a:t>21</a:t>
             </a:fld>
             <a:endParaRPr lang="nl-NL"/>
           </a:p>
@@ -22773,7 +21809,7 @@
           <p:nvPr>
             <p:extLst>
               <p:ext uri="{D42A27DB-BD31-4B8C-83A1-F6EECF244321}">
-                <p14:modId xmlns:p14="http://schemas.microsoft.com/office/powerpoint/2010/main" val="2658195323"/>
+                <p14:modId xmlns:p14="http://schemas.microsoft.com/office/powerpoint/2010/main" val="3749939806"/>
               </p:ext>
             </p:extLst>
           </p:nvPr>
@@ -22882,7 +21918,7 @@
                       <a:pPr algn="ctr"/>
                       <a:r>
                         <a:rPr lang="nl-NL" dirty="0"/>
-                        <a:t>0.098</a:t>
+                        <a:t>0.09</a:t>
                       </a:r>
                     </a:p>
                   </a:txBody>
@@ -22896,7 +21932,7 @@
                       <a:pPr algn="ctr"/>
                       <a:r>
                         <a:rPr lang="nl-NL" dirty="0"/>
-                        <a:t>1.29</a:t>
+                        <a:t>1.31</a:t>
                       </a:r>
                     </a:p>
                   </a:txBody>
@@ -22978,7 +22014,7 @@
                       <a:pPr algn="ctr"/>
                       <a:r>
                         <a:rPr lang="nl-NL" dirty="0"/>
-                        <a:t>0.0013</a:t>
+                        <a:t>0.002</a:t>
                       </a:r>
                     </a:p>
                   </a:txBody>
@@ -22992,7 +22028,7 @@
                       <a:pPr algn="ctr"/>
                       <a:r>
                         <a:rPr lang="nl-NL" dirty="0"/>
-                        <a:t>3.009</a:t>
+                        <a:t>2.853</a:t>
                       </a:r>
                     </a:p>
                   </a:txBody>
@@ -23035,7 +22071,7 @@
                       <a:pPr algn="ctr"/>
                       <a:r>
                         <a:rPr lang="nl-NL" dirty="0"/>
-                        <a:t>0.0015</a:t>
+                        <a:t>0.0024</a:t>
                       </a:r>
                     </a:p>
                   </a:txBody>
@@ -23049,7 +22085,7 @@
                       <a:pPr algn="ctr"/>
                       <a:r>
                         <a:rPr lang="nl-NL" dirty="0"/>
-                        <a:t>2.96</a:t>
+                        <a:t>2.82</a:t>
                       </a:r>
                     </a:p>
                   </a:txBody>
@@ -23095,7 +22131,7 @@
           <a:p>
             <a:r>
               <a:rPr lang="nl-NL" dirty="0"/>
-              <a:t>Rekening houdend met de bewezen sterkte is de faalkans in 2075 gedaald van 0.098 naar 0.0015</a:t>
+              <a:t>Rekening houdend met de bewezen sterkte is de faalkans in 2075 gedaald van 0.09 naar 0.0024</a:t>
             </a:r>
           </a:p>
         </p:txBody>
@@ -23216,7 +22252,7 @@
           <a:p>
             <a:r>
               <a:rPr lang="nl-NL" dirty="0"/>
-              <a:t>Laten zien dat probabilistische berekeningen met </a:t>
+              <a:t>Koppeling leggen tussen de probabilistische bibliotheek en </a:t>
             </a:r>
             <a:r>
               <a:rPr lang="nl-NL" dirty="0" err="1"/>
@@ -23224,24 +22260,7 @@
             </a:r>
             <a:r>
               <a:rPr lang="nl-NL" dirty="0"/>
-              <a:t> mogelijk zijn.</a:t>
-            </a:r>
-          </a:p>
-          <a:p>
-            <a:endParaRPr lang="nl-NL" dirty="0"/>
-          </a:p>
-          <a:p>
-            <a:r>
-              <a:rPr lang="nl-NL" dirty="0"/>
-              <a:t>Koppeling leggen tussen de probabilistische bibliotheek en </a:t>
-            </a:r>
-            <a:r>
-              <a:rPr lang="nl-NL" dirty="0" err="1"/>
-              <a:t>Kratos</a:t>
-            </a:r>
-            <a:r>
-              <a:rPr lang="nl-NL" dirty="0"/>
-              <a:t>.</a:t>
+              <a:t> (in Python).</a:t>
             </a:r>
           </a:p>
           <a:p>
@@ -23393,13 +22412,8 @@
           <a:p>
             <a:r>
               <a:rPr lang="nl-NL" dirty="0"/>
-              <a:t>Probabilistische bibliotheek en </a:t>
-            </a:r>
-            <a:r>
-              <a:rPr lang="nl-NL" dirty="0" err="1"/>
-              <a:t>Kratos</a:t>
-            </a:r>
-            <a:endParaRPr lang="nl-NL" dirty="0"/>
+              <a:t>Probabilistische bibliotheek van Deltares</a:t>
+            </a:r>
           </a:p>
         </p:txBody>
       </p:sp>
@@ -23426,15 +22440,25 @@
           <a:p>
             <a:r>
               <a:rPr lang="nl-NL" dirty="0"/>
-              <a:t>Probabilistische bibliotheek:</a:t>
+              <a:t>Toepassing:</a:t>
             </a:r>
           </a:p>
           <a:p>
             <a:pPr lvl="1"/>
             <a:r>
               <a:rPr lang="nl-NL" dirty="0"/>
-              <a:t>Toepassing: veiligheidsbeoordeling van primaire waterkeringen in Nederland, geotechnische applicaties en </a:t>
-            </a:r>
+              <a:t>Veiligheidsbeoordeling van primaire waterkeringen in Nederland</a:t>
+            </a:r>
+          </a:p>
+          <a:p>
+            <a:pPr lvl="1"/>
+            <a:r>
+              <a:rPr lang="nl-NL" dirty="0"/>
+              <a:t>Geotechnische applicaties</a:t>
+            </a:r>
+          </a:p>
+          <a:p>
+            <a:pPr lvl="1"/>
             <a:r>
               <a:rPr lang="nl-NL" dirty="0" err="1"/>
               <a:t>Probabilistic</a:t>
@@ -23445,7 +22469,9 @@
             </a:r>
           </a:p>
           <a:p>
-            <a:pPr lvl="1"/>
+            <a:endParaRPr lang="nl-NL" dirty="0"/>
+          </a:p>
+          <a:p>
             <a:r>
               <a:rPr lang="nl-NL" dirty="0"/>
               <a:t>Geschreven in C++, Python en .Net </a:t>
@@ -23460,75 +22486,63 @@
             </a:r>
           </a:p>
           <a:p>
+            <a:endParaRPr lang="nl-NL" dirty="0"/>
+          </a:p>
+          <a:p>
+            <a:r>
+              <a:rPr lang="nl-NL" dirty="0"/>
+              <a:t>Functionaliteit: </a:t>
+            </a:r>
+          </a:p>
+          <a:p>
             <a:pPr lvl="1"/>
             <a:r>
               <a:rPr lang="nl-NL" dirty="0"/>
-              <a:t>Functionaliteit: verdelingsfuncties, correlaties, betrouwbaarheidsanalyse, onzekerheidsanalyse, gevoeligheidsanalyse, aansluiten van modellen</a:t>
+              <a:t>Verdelingsfuncties en correlaties</a:t>
+            </a:r>
+          </a:p>
+          <a:p>
+            <a:pPr lvl="1"/>
+            <a:r>
+              <a:rPr lang="nl-NL" dirty="0"/>
+              <a:t>Betrouwbaarheidsanalyse </a:t>
+            </a:r>
+          </a:p>
+          <a:p>
+            <a:pPr lvl="1"/>
+            <a:r>
+              <a:rPr lang="nl-NL" dirty="0"/>
+              <a:t>Onzekerheidsanalyse</a:t>
+            </a:r>
+          </a:p>
+          <a:p>
+            <a:pPr lvl="1"/>
+            <a:r>
+              <a:rPr lang="nl-NL" dirty="0"/>
+              <a:t>Gevoeligheidsanalyse </a:t>
+            </a:r>
+          </a:p>
+          <a:p>
+            <a:pPr lvl="1"/>
+            <a:r>
+              <a:rPr lang="nl-NL" dirty="0"/>
+              <a:t>Aansluiten van modellen</a:t>
             </a:r>
           </a:p>
           <a:p>
             <a:endParaRPr lang="nl-NL" dirty="0"/>
           </a:p>
           <a:p>
-            <a:r>
-              <a:rPr lang="nl-NL" dirty="0" err="1"/>
-              <a:t>Kratos</a:t>
-            </a:r>
-            <a:r>
-              <a:rPr lang="nl-NL" dirty="0"/>
-              <a:t>:</a:t>
-            </a:r>
-          </a:p>
-          <a:p>
             <a:pPr lvl="1"/>
-            <a:r>
-              <a:rPr lang="nl-NL" dirty="0"/>
-              <a:t>Open-source </a:t>
-            </a:r>
-            <a:r>
-              <a:rPr lang="nl-NL" dirty="0" err="1"/>
-              <a:t>framework</a:t>
-            </a:r>
-            <a:r>
-              <a:rPr lang="nl-NL" dirty="0"/>
-              <a:t> voor de implementatie van numerieke methoden voor het oplossen van technische vraagstukken</a:t>
-            </a:r>
+            <a:endParaRPr lang="nl-NL" dirty="0"/>
           </a:p>
           <a:p>
             <a:pPr lvl="1"/>
-            <a:r>
-              <a:rPr lang="nl-NL" dirty="0"/>
-              <a:t>Geschreven in C++</a:t>
-            </a:r>
+            <a:endParaRPr lang="nl-NL" dirty="0"/>
           </a:p>
           <a:p>
             <a:pPr lvl="1"/>
-            <a:r>
-              <a:rPr lang="nl-NL" dirty="0"/>
-              <a:t>Deltares </a:t>
-            </a:r>
-            <a:r>
-              <a:rPr lang="nl-NL" dirty="0">
-                <a:sym typeface="Wingdings" panose="05000000000000000000" pitchFamily="2" charset="2"/>
-              </a:rPr>
-              <a:t></a:t>
-            </a:r>
-            <a:r>
-              <a:rPr lang="nl-NL" dirty="0"/>
-              <a:t> </a:t>
-            </a:r>
-            <a:r>
-              <a:rPr lang="nl-NL" u="sng" dirty="0" err="1"/>
-              <a:t>Geo-Mechanics</a:t>
-            </a:r>
-            <a:r>
-              <a:rPr lang="nl-NL" u="sng" dirty="0"/>
-              <a:t> Application</a:t>
-            </a:r>
-            <a:r>
-              <a:rPr lang="nl-NL" dirty="0"/>
-              <a:t> (eindige elementen methode voor geotechnische vraagstukken)</a:t>
-            </a:r>
+            <a:endParaRPr lang="nl-NL" dirty="0"/>
           </a:p>
           <a:p>
             <a:endParaRPr lang="nl-NL" dirty="0"/>
@@ -25495,7 +24509,7 @@
             </a:pPr>
             <a:r>
               <a:rPr lang="nl-NL" dirty="0"/>
-              <a:t>Kans dat de totale verplaatsing een kritieke waarde overschrijdt:</a:t>
+              <a:t>Kans dat de totale verplaatsing in de x-richting (maaiveld) een kritieke waarde overschrijdt:</a:t>
             </a:r>
           </a:p>
           <a:p>
@@ -27444,26 +26458,6 @@
 </file>
 
 <file path=customXml/item1.xml><?xml version="1.0" encoding="utf-8"?>
-<p:properties xmlns:p="http://schemas.microsoft.com/office/2006/metadata/properties" xmlns:xsi="http://www.w3.org/2001/XMLSchema-instance" xmlns:pc="http://schemas.microsoft.com/office/infopath/2007/PartnerControls">
-  <documentManagement>
-    <TaxCatchAll xmlns="dead17b3-d09a-4d17-9633-982b423f4fbc" xsi:nil="true"/>
-    <lcf76f155ced4ddcb4097134ff3c332f xmlns="edd774d5-6d8f-4b83-b098-255576e86aac">
-      <Terms xmlns="http://schemas.microsoft.com/office/infopath/2007/PartnerControls"/>
-    </lcf76f155ced4ddcb4097134ff3c332f>
-  </documentManagement>
-</p:properties>
-</file>
-
-<file path=customXml/item2.xml><?xml version="1.0" encoding="utf-8"?>
-<?mso-contentType ?>
-<FormTemplates xmlns="http://schemas.microsoft.com/sharepoint/v3/contenttype/forms">
-  <Display>DocumentLibraryForm</Display>
-  <Edit>DocumentLibraryForm</Edit>
-  <New>DocumentLibraryForm</New>
-</FormTemplates>
-</file>
-
-<file path=customXml/item3.xml><?xml version="1.0" encoding="utf-8"?>
 <ct:contentTypeSchema xmlns:ct="http://schemas.microsoft.com/office/2006/metadata/contentType" xmlns:ma="http://schemas.microsoft.com/office/2006/metadata/properties/metaAttributes" ct:_="" ma:_="" ma:contentTypeName="Document" ma:contentTypeID="0x0101000B31082E7F932F4895FF772473B30116" ma:contentTypeVersion="11" ma:contentTypeDescription="Create a new document." ma:contentTypeScope="" ma:versionID="c30b5a7ebc79a8ae4b5672261524501a">
   <xsd:schema xmlns:xsd="http://www.w3.org/2001/XMLSchema" xmlns:xs="http://www.w3.org/2001/XMLSchema" xmlns:p="http://schemas.microsoft.com/office/2006/metadata/properties" xmlns:ns2="edd774d5-6d8f-4b83-b098-255576e86aac" xmlns:ns3="dead17b3-d09a-4d17-9633-982b423f4fbc" targetNamespace="http://schemas.microsoft.com/office/2006/metadata/properties" ma:root="true" ma:fieldsID="d0c78e411dc013314e83d6c65decba18" ns2:_="" ns3:_="">
     <xsd:import namespace="edd774d5-6d8f-4b83-b098-255576e86aac"/>
@@ -27674,26 +26668,27 @@
 </ct:contentTypeSchema>
 </file>
 
-<file path=customXml/itemProps1.xml><?xml version="1.0" encoding="utf-8"?>
-<ds:datastoreItem xmlns:ds="http://schemas.openxmlformats.org/officeDocument/2006/customXml" ds:itemID="{84338BAD-8BA4-4C42-A850-147A5D210631}">
-  <ds:schemaRefs>
-    <ds:schemaRef ds:uri="http://schemas.microsoft.com/office/2006/metadata/properties"/>
-    <ds:schemaRef ds:uri="http://schemas.microsoft.com/office/infopath/2007/PartnerControls"/>
-    <ds:schemaRef ds:uri="dead17b3-d09a-4d17-9633-982b423f4fbc"/>
-    <ds:schemaRef ds:uri="edd774d5-6d8f-4b83-b098-255576e86aac"/>
-  </ds:schemaRefs>
-</ds:datastoreItem>
+<file path=customXml/item2.xml><?xml version="1.0" encoding="utf-8"?>
+<?mso-contentType ?>
+<FormTemplates xmlns="http://schemas.microsoft.com/sharepoint/v3/contenttype/forms">
+  <Display>DocumentLibraryForm</Display>
+  <Edit>DocumentLibraryForm</Edit>
+  <New>DocumentLibraryForm</New>
+</FormTemplates>
 </file>
 
-<file path=customXml/itemProps2.xml><?xml version="1.0" encoding="utf-8"?>
-<ds:datastoreItem xmlns:ds="http://schemas.openxmlformats.org/officeDocument/2006/customXml" ds:itemID="{5636F5E9-25BB-4734-86C2-FD32BCBA5CBD}">
-  <ds:schemaRefs>
-    <ds:schemaRef ds:uri="http://schemas.microsoft.com/sharepoint/v3/contenttype/forms"/>
-  </ds:schemaRefs>
-</ds:datastoreItem>
+<file path=customXml/item3.xml><?xml version="1.0" encoding="utf-8"?>
+<p:properties xmlns:p="http://schemas.microsoft.com/office/2006/metadata/properties" xmlns:xsi="http://www.w3.org/2001/XMLSchema-instance" xmlns:pc="http://schemas.microsoft.com/office/infopath/2007/PartnerControls">
+  <documentManagement>
+    <TaxCatchAll xmlns="dead17b3-d09a-4d17-9633-982b423f4fbc" xsi:nil="true"/>
+    <lcf76f155ced4ddcb4097134ff3c332f xmlns="edd774d5-6d8f-4b83-b098-255576e86aac">
+      <Terms xmlns="http://schemas.microsoft.com/office/infopath/2007/PartnerControls"/>
+    </lcf76f155ced4ddcb4097134ff3c332f>
+  </documentManagement>
+</p:properties>
 </file>
 
-<file path=customXml/itemProps3.xml><?xml version="1.0" encoding="utf-8"?>
+<file path=customXml/itemProps1.xml><?xml version="1.0" encoding="utf-8"?>
 <ds:datastoreItem xmlns:ds="http://schemas.openxmlformats.org/officeDocument/2006/customXml" ds:itemID="{7B44D4F2-36BF-49E2-8330-5C01CEA3FA8E}">
   <ds:schemaRefs>
     <ds:schemaRef ds:uri="http://schemas.microsoft.com/office/2006/metadata/contentType"/>
@@ -27710,4 +26705,23 @@
     <ds:schemaRef ds:uri="http://schemas.microsoft.com/internal/obd"/>
   </ds:schemaRefs>
 </ds:datastoreItem>
+</file>
+
+<file path=customXml/itemProps2.xml><?xml version="1.0" encoding="utf-8"?>
+<ds:datastoreItem xmlns:ds="http://schemas.openxmlformats.org/officeDocument/2006/customXml" ds:itemID="{5636F5E9-25BB-4734-86C2-FD32BCBA5CBD}">
+  <ds:schemaRefs>
+    <ds:schemaRef ds:uri="http://schemas.microsoft.com/sharepoint/v3/contenttype/forms"/>
+  </ds:schemaRefs>
+</ds:datastoreItem>
+</file>
+
+<file path=customXml/itemProps3.xml><?xml version="1.0" encoding="utf-8"?>
+<ds:datastoreItem xmlns:ds="http://schemas.openxmlformats.org/officeDocument/2006/customXml" ds:itemID="{84338BAD-8BA4-4C42-A850-147A5D210631}">
+  <ds:schemaRefs>
+    <ds:schemaRef ds:uri="http://schemas.microsoft.com/office/2006/metadata/properties"/>
+    <ds:schemaRef ds:uri="http://schemas.microsoft.com/office/infopath/2007/PartnerControls"/>
+    <ds:schemaRef ds:uri="dead17b3-d09a-4d17-9633-982b423f4fbc"/>
+    <ds:schemaRef ds:uri="edd774d5-6d8f-4b83-b098-255576e86aac"/>
+  </ds:schemaRefs>
+</ds:datastoreItem>
 </file>
--- a/sources/Deltares.Probabilistic.PWrapper.Examples/kratos/Prob Kratos DSD.pptx
+++ b/sources/Deltares.Probabilistic.PWrapper.Examples/kratos/Prob Kratos DSD.pptx
@@ -5,10 +5,10 @@
     <p:sldMasterId id="2147483648" r:id="rId4"/>
   </p:sldMasterIdLst>
   <p:notesMasterIdLst>
-    <p:notesMasterId r:id="rId26"/>
+    <p:notesMasterId r:id="rId25"/>
   </p:notesMasterIdLst>
   <p:handoutMasterIdLst>
-    <p:handoutMasterId r:id="rId27"/>
+    <p:handoutMasterId r:id="rId26"/>
   </p:handoutMasterIdLst>
   <p:sldIdLst>
     <p:sldId id="260" r:id="rId5"/>
@@ -28,10 +28,9 @@
     <p:sldId id="304" r:id="rId19"/>
     <p:sldId id="306" r:id="rId20"/>
     <p:sldId id="307" r:id="rId21"/>
-    <p:sldId id="308" r:id="rId22"/>
-    <p:sldId id="299" r:id="rId23"/>
-    <p:sldId id="302" r:id="rId24"/>
-    <p:sldId id="303" r:id="rId25"/>
+    <p:sldId id="299" r:id="rId22"/>
+    <p:sldId id="302" r:id="rId23"/>
+    <p:sldId id="303" r:id="rId24"/>
   </p:sldIdLst>
   <p:sldSz cx="12192000" cy="6858000"/>
   <p:notesSz cx="6858000" cy="9144000"/>
@@ -19644,448 +19643,6 @@
 </file>
 
 <file path=ppt/slides/slide18.xml><?xml version="1.0" encoding="utf-8"?>
-<p:sld xmlns:a="http://schemas.openxmlformats.org/drawingml/2006/main" xmlns:r="http://schemas.openxmlformats.org/officeDocument/2006/relationships" xmlns:p="http://schemas.openxmlformats.org/presentationml/2006/main" show="0">
-  <p:cSld>
-    <p:spTree>
-      <p:nvGrpSpPr>
-        <p:cNvPr id="1" name="">
-          <a:extLst>
-            <a:ext uri="{FF2B5EF4-FFF2-40B4-BE49-F238E27FC236}">
-              <a16:creationId xmlns:a16="http://schemas.microsoft.com/office/drawing/2014/main" id="{DC6E02AE-39D4-86C0-C0D6-C9A80CA5959C}"/>
-            </a:ext>
-          </a:extLst>
-        </p:cNvPr>
-        <p:cNvGrpSpPr/>
-        <p:nvPr/>
-      </p:nvGrpSpPr>
-      <p:grpSpPr>
-        <a:xfrm>
-          <a:off x="0" y="0"/>
-          <a:ext cx="0" cy="0"/>
-          <a:chOff x="0" y="0"/>
-          <a:chExt cx="0" cy="0"/>
-        </a:xfrm>
-      </p:grpSpPr>
-      <p:sp>
-        <p:nvSpPr>
-          <p:cNvPr id="2" name="Title 1">
-            <a:extLst>
-              <a:ext uri="{FF2B5EF4-FFF2-40B4-BE49-F238E27FC236}">
-                <a16:creationId xmlns:a16="http://schemas.microsoft.com/office/drawing/2014/main" id="{E5C535A4-68E7-FF4B-9538-C2F4FC81C5B6}"/>
-              </a:ext>
-            </a:extLst>
-          </p:cNvPr>
-          <p:cNvSpPr>
-            <a:spLocks noGrp="1"/>
-          </p:cNvSpPr>
-          <p:nvPr>
-            <p:ph type="title"/>
-          </p:nvPr>
-        </p:nvSpPr>
-        <p:spPr/>
-        <p:txBody>
-          <a:bodyPr/>
-          <a:lstStyle/>
-          <a:p>
-            <a:r>
-              <a:rPr lang="nl-NL" dirty="0"/>
-              <a:t>Bewezen sterkte</a:t>
-            </a:r>
-          </a:p>
-        </p:txBody>
-      </p:sp>
-      <p:sp>
-        <p:nvSpPr>
-          <p:cNvPr id="3" name="Content Placeholder 2">
-            <a:extLst>
-              <a:ext uri="{FF2B5EF4-FFF2-40B4-BE49-F238E27FC236}">
-                <a16:creationId xmlns:a16="http://schemas.microsoft.com/office/drawing/2014/main" id="{09A3B44A-2299-CADA-73EC-62A9493BEA08}"/>
-              </a:ext>
-            </a:extLst>
-          </p:cNvPr>
-          <p:cNvSpPr>
-            <a:spLocks noGrp="1"/>
-          </p:cNvSpPr>
-          <p:nvPr>
-            <p:ph idx="1"/>
-          </p:nvPr>
-        </p:nvSpPr>
-        <p:spPr>
-          <a:xfrm>
-            <a:off x="755650" y="1768763"/>
-            <a:ext cx="9981781" cy="4320000"/>
-          </a:xfrm>
-        </p:spPr>
-        <p:txBody>
-          <a:bodyPr/>
-          <a:lstStyle/>
-          <a:p>
-            <a:r>
-              <a:rPr lang="nl-NL" dirty="0"/>
-              <a:t>De dikte van de damwand neemt in de loop van de tijd af.</a:t>
-            </a:r>
-          </a:p>
-        </p:txBody>
-      </p:sp>
-      <p:sp>
-        <p:nvSpPr>
-          <p:cNvPr id="4" name="Date Placeholder 3">
-            <a:extLst>
-              <a:ext uri="{FF2B5EF4-FFF2-40B4-BE49-F238E27FC236}">
-                <a16:creationId xmlns:a16="http://schemas.microsoft.com/office/drawing/2014/main" id="{99CF35EC-2479-52BB-12FA-5DCCB20EFD94}"/>
-              </a:ext>
-            </a:extLst>
-          </p:cNvPr>
-          <p:cNvSpPr>
-            <a:spLocks noGrp="1"/>
-          </p:cNvSpPr>
-          <p:nvPr>
-            <p:ph type="dt" sz="half" idx="10"/>
-          </p:nvPr>
-        </p:nvSpPr>
-        <p:spPr/>
-        <p:txBody>
-          <a:bodyPr/>
-          <a:lstStyle/>
-          <a:p>
-            <a:r>
-              <a:rPr lang="nl-NL"/>
-              <a:t> 28 november 2019</a:t>
-            </a:r>
-          </a:p>
-        </p:txBody>
-      </p:sp>
-      <p:sp>
-        <p:nvSpPr>
-          <p:cNvPr id="5" name="Footer Placeholder 4">
-            <a:extLst>
-              <a:ext uri="{FF2B5EF4-FFF2-40B4-BE49-F238E27FC236}">
-                <a16:creationId xmlns:a16="http://schemas.microsoft.com/office/drawing/2014/main" id="{845CE926-11C6-3E3B-C333-8119524A33F9}"/>
-              </a:ext>
-            </a:extLst>
-          </p:cNvPr>
-          <p:cNvSpPr>
-            <a:spLocks noGrp="1"/>
-          </p:cNvSpPr>
-          <p:nvPr>
-            <p:ph type="ftr" sz="quarter" idx="11"/>
-          </p:nvPr>
-        </p:nvSpPr>
-        <p:spPr/>
-        <p:txBody>
-          <a:bodyPr/>
-          <a:lstStyle/>
-          <a:p>
-            <a:r>
-              <a:rPr lang="nl-NL"/>
-              <a:t>Voettekst van de presentatie</a:t>
-            </a:r>
-          </a:p>
-        </p:txBody>
-      </p:sp>
-      <p:sp>
-        <p:nvSpPr>
-          <p:cNvPr id="6" name="Slide Number Placeholder 5">
-            <a:extLst>
-              <a:ext uri="{FF2B5EF4-FFF2-40B4-BE49-F238E27FC236}">
-                <a16:creationId xmlns:a16="http://schemas.microsoft.com/office/drawing/2014/main" id="{DC07AAC9-4C16-B951-5A44-8A6114476BD6}"/>
-              </a:ext>
-            </a:extLst>
-          </p:cNvPr>
-          <p:cNvSpPr>
-            <a:spLocks noGrp="1"/>
-          </p:cNvSpPr>
-          <p:nvPr>
-            <p:ph type="sldNum" sz="quarter" idx="12"/>
-          </p:nvPr>
-        </p:nvSpPr>
-        <p:spPr/>
-        <p:txBody>
-          <a:bodyPr/>
-          <a:lstStyle/>
-          <a:p>
-            <a:fld id="{F42B3F14-D836-496B-80A2-23BE75BD68CB}" type="slidenum">
-              <a:rPr lang="nl-NL" smtClean="0"/>
-              <a:t>18</a:t>
-            </a:fld>
-            <a:endParaRPr lang="nl-NL"/>
-          </a:p>
-        </p:txBody>
-      </p:sp>
-      <p:graphicFrame>
-        <p:nvGraphicFramePr>
-          <p:cNvPr id="7" name="Table 6">
-            <a:extLst>
-              <a:ext uri="{FF2B5EF4-FFF2-40B4-BE49-F238E27FC236}">
-                <a16:creationId xmlns:a16="http://schemas.microsoft.com/office/drawing/2014/main" id="{D5E4FD28-BE39-90AB-116C-AF89F865F6B2}"/>
-              </a:ext>
-            </a:extLst>
-          </p:cNvPr>
-          <p:cNvGraphicFramePr>
-            <a:graphicFrameLocks noGrp="1"/>
-          </p:cNvGraphicFramePr>
-          <p:nvPr>
-            <p:extLst>
-              <p:ext uri="{D42A27DB-BD31-4B8C-83A1-F6EECF244321}">
-                <p14:modId xmlns:p14="http://schemas.microsoft.com/office/powerpoint/2010/main" val="871532582"/>
-              </p:ext>
-            </p:extLst>
-          </p:nvPr>
-        </p:nvGraphicFramePr>
-        <p:xfrm>
-          <a:off x="2431496" y="2488948"/>
-          <a:ext cx="6978836" cy="2494280"/>
-        </p:xfrm>
-        <a:graphic>
-          <a:graphicData uri="http://schemas.openxmlformats.org/drawingml/2006/table">
-            <a:tbl>
-              <a:tblPr firstRow="1" bandRow="1">
-                <a:tableStyleId>{5C22544A-7EE6-4342-B048-85BDC9FD1C3A}</a:tableStyleId>
-              </a:tblPr>
-              <a:tblGrid>
-                <a:gridCol w="3489418">
-                  <a:extLst>
-                    <a:ext uri="{9D8B030D-6E8A-4147-A177-3AD203B41FA5}">
-                      <a16:colId xmlns:a16="http://schemas.microsoft.com/office/drawing/2014/main" val="3227878487"/>
-                    </a:ext>
-                  </a:extLst>
-                </a:gridCol>
-                <a:gridCol w="3489418">
-                  <a:extLst>
-                    <a:ext uri="{9D8B030D-6E8A-4147-A177-3AD203B41FA5}">
-                      <a16:colId xmlns:a16="http://schemas.microsoft.com/office/drawing/2014/main" val="164570856"/>
-                    </a:ext>
-                  </a:extLst>
-                </a:gridCol>
-              </a:tblGrid>
-              <a:tr h="370840">
-                <a:tc>
-                  <a:txBody>
-                    <a:bodyPr/>
-                    <a:lstStyle/>
-                    <a:p>
-                      <a:pPr algn="ctr"/>
-                      <a:r>
-                        <a:rPr lang="nl-NL" dirty="0"/>
-                        <a:t>Dikte damwand [m]</a:t>
-                      </a:r>
-                    </a:p>
-                  </a:txBody>
-                  <a:tcPr/>
-                </a:tc>
-                <a:tc>
-                  <a:txBody>
-                    <a:bodyPr/>
-                    <a:lstStyle/>
-                    <a:p>
-                      <a:pPr algn="ctr"/>
-                      <a:r>
-                        <a:rPr lang="nl-NL" dirty="0"/>
-                        <a:t>Betrouwbaarheidsindex (totale verplaatsing)</a:t>
-                      </a:r>
-                    </a:p>
-                  </a:txBody>
-                  <a:tcPr/>
-                </a:tc>
-                <a:extLst>
-                  <a:ext uri="{0D108BD9-81ED-4DB2-BD59-A6C34878D82A}">
-                    <a16:rowId xmlns:a16="http://schemas.microsoft.com/office/drawing/2014/main" val="2306135638"/>
-                  </a:ext>
-                </a:extLst>
-              </a:tr>
-              <a:tr h="370840">
-                <a:tc>
-                  <a:txBody>
-                    <a:bodyPr/>
-                    <a:lstStyle/>
-                    <a:p>
-                      <a:pPr algn="ctr"/>
-                      <a:r>
-                        <a:rPr lang="nl-NL" dirty="0"/>
-                        <a:t>0.01</a:t>
-                      </a:r>
-                    </a:p>
-                  </a:txBody>
-                  <a:tcPr/>
-                </a:tc>
-                <a:tc>
-                  <a:txBody>
-                    <a:bodyPr/>
-                    <a:lstStyle/>
-                    <a:p>
-                      <a:pPr algn="ctr"/>
-                      <a:r>
-                        <a:rPr lang="nl-NL" dirty="0"/>
-                        <a:t>1.40</a:t>
-                      </a:r>
-                    </a:p>
-                  </a:txBody>
-                  <a:tcPr/>
-                </a:tc>
-                <a:extLst>
-                  <a:ext uri="{0D108BD9-81ED-4DB2-BD59-A6C34878D82A}">
-                    <a16:rowId xmlns:a16="http://schemas.microsoft.com/office/drawing/2014/main" val="3937175539"/>
-                  </a:ext>
-                </a:extLst>
-              </a:tr>
-              <a:tr h="370840">
-                <a:tc>
-                  <a:txBody>
-                    <a:bodyPr/>
-                    <a:lstStyle/>
-                    <a:p>
-                      <a:pPr algn="ctr"/>
-                      <a:r>
-                        <a:rPr lang="nl-NL" dirty="0"/>
-                        <a:t>0.015</a:t>
-                      </a:r>
-                    </a:p>
-                  </a:txBody>
-                  <a:tcPr/>
-                </a:tc>
-                <a:tc>
-                  <a:txBody>
-                    <a:bodyPr/>
-                    <a:lstStyle/>
-                    <a:p>
-                      <a:pPr algn="ctr"/>
-                      <a:r>
-                        <a:rPr lang="nl-NL" dirty="0"/>
-                        <a:t>1.29</a:t>
-                      </a:r>
-                    </a:p>
-                  </a:txBody>
-                  <a:tcPr/>
-                </a:tc>
-                <a:extLst>
-                  <a:ext uri="{0D108BD9-81ED-4DB2-BD59-A6C34878D82A}">
-                    <a16:rowId xmlns:a16="http://schemas.microsoft.com/office/drawing/2014/main" val="3793687271"/>
-                  </a:ext>
-                </a:extLst>
-              </a:tr>
-              <a:tr h="370840">
-                <a:tc>
-                  <a:txBody>
-                    <a:bodyPr/>
-                    <a:lstStyle/>
-                    <a:p>
-                      <a:pPr algn="ctr"/>
-                      <a:r>
-                        <a:rPr lang="nl-NL" dirty="0"/>
-                        <a:t>0.02</a:t>
-                      </a:r>
-                    </a:p>
-                  </a:txBody>
-                  <a:tcPr/>
-                </a:tc>
-                <a:tc>
-                  <a:txBody>
-                    <a:bodyPr/>
-                    <a:lstStyle/>
-                    <a:p>
-                      <a:pPr algn="ctr"/>
-                      <a:r>
-                        <a:rPr lang="nl-NL" dirty="0"/>
-                        <a:t>1.21</a:t>
-                      </a:r>
-                    </a:p>
-                  </a:txBody>
-                  <a:tcPr/>
-                </a:tc>
-                <a:extLst>
-                  <a:ext uri="{0D108BD9-81ED-4DB2-BD59-A6C34878D82A}">
-                    <a16:rowId xmlns:a16="http://schemas.microsoft.com/office/drawing/2014/main" val="1596850235"/>
-                  </a:ext>
-                </a:extLst>
-              </a:tr>
-              <a:tr h="370840">
-                <a:tc>
-                  <a:txBody>
-                    <a:bodyPr/>
-                    <a:lstStyle/>
-                    <a:p>
-                      <a:pPr algn="ctr"/>
-                      <a:r>
-                        <a:rPr lang="nl-NL" dirty="0"/>
-                        <a:t>0.025</a:t>
-                      </a:r>
-                    </a:p>
-                  </a:txBody>
-                  <a:tcPr/>
-                </a:tc>
-                <a:tc>
-                  <a:txBody>
-                    <a:bodyPr/>
-                    <a:lstStyle/>
-                    <a:p>
-                      <a:pPr algn="ctr"/>
-                      <a:r>
-                        <a:rPr lang="nl-NL" dirty="0"/>
-                        <a:t>1.15</a:t>
-                      </a:r>
-                    </a:p>
-                  </a:txBody>
-                  <a:tcPr/>
-                </a:tc>
-                <a:extLst>
-                  <a:ext uri="{0D108BD9-81ED-4DB2-BD59-A6C34878D82A}">
-                    <a16:rowId xmlns:a16="http://schemas.microsoft.com/office/drawing/2014/main" val="1842944202"/>
-                  </a:ext>
-                </a:extLst>
-              </a:tr>
-              <a:tr h="370840">
-                <a:tc>
-                  <a:txBody>
-                    <a:bodyPr/>
-                    <a:lstStyle/>
-                    <a:p>
-                      <a:pPr algn="ctr"/>
-                      <a:r>
-                        <a:rPr lang="nl-NL" dirty="0"/>
-                        <a:t>0.03</a:t>
-                      </a:r>
-                    </a:p>
-                  </a:txBody>
-                  <a:tcPr/>
-                </a:tc>
-                <a:tc>
-                  <a:txBody>
-                    <a:bodyPr/>
-                    <a:lstStyle/>
-                    <a:p>
-                      <a:pPr algn="ctr"/>
-                      <a:r>
-                        <a:rPr lang="nl-NL" dirty="0"/>
-                        <a:t>1.09</a:t>
-                      </a:r>
-                    </a:p>
-                  </a:txBody>
-                  <a:tcPr/>
-                </a:tc>
-                <a:extLst>
-                  <a:ext uri="{0D108BD9-81ED-4DB2-BD59-A6C34878D82A}">
-                    <a16:rowId xmlns:a16="http://schemas.microsoft.com/office/drawing/2014/main" val="1150664438"/>
-                  </a:ext>
-                </a:extLst>
-              </a:tr>
-            </a:tbl>
-          </a:graphicData>
-        </a:graphic>
-      </p:graphicFrame>
-    </p:spTree>
-    <p:extLst>
-      <p:ext uri="{BB962C8B-B14F-4D97-AF65-F5344CB8AC3E}">
-        <p14:creationId xmlns:p14="http://schemas.microsoft.com/office/powerpoint/2010/main" val="1901618963"/>
-      </p:ext>
-    </p:extLst>
-  </p:cSld>
-  <p:clrMapOvr>
-    <a:masterClrMapping/>
-  </p:clrMapOvr>
-</p:sld>
-</file>
-
-<file path=ppt/slides/slide19.xml><?xml version="1.0" encoding="utf-8"?>
 <p:sld xmlns:a="http://schemas.openxmlformats.org/drawingml/2006/main" xmlns:r="http://schemas.openxmlformats.org/officeDocument/2006/relationships" xmlns:p="http://schemas.openxmlformats.org/presentationml/2006/main">
   <p:cSld>
     <p:spTree>
@@ -20293,7 +19850,7 @@
           <a:p>
             <a:fld id="{F42B3F14-D836-496B-80A2-23BE75BD68CB}" type="slidenum">
               <a:rPr lang="nl-NL" smtClean="0"/>
-              <a:t>19</a:t>
+              <a:t>18</a:t>
             </a:fld>
             <a:endParaRPr lang="nl-NL"/>
           </a:p>
@@ -20312,243 +19869,7 @@
 </p:sld>
 </file>
 
-<file path=ppt/slides/slide2.xml><?xml version="1.0" encoding="utf-8"?>
-<p:sld xmlns:a="http://schemas.openxmlformats.org/drawingml/2006/main" xmlns:r="http://schemas.openxmlformats.org/officeDocument/2006/relationships" xmlns:p="http://schemas.openxmlformats.org/presentationml/2006/main">
-  <p:cSld>
-    <p:spTree>
-      <p:nvGrpSpPr>
-        <p:cNvPr id="1" name=""/>
-        <p:cNvGrpSpPr/>
-        <p:nvPr/>
-      </p:nvGrpSpPr>
-      <p:grpSpPr>
-        <a:xfrm>
-          <a:off x="0" y="0"/>
-          <a:ext cx="0" cy="0"/>
-          <a:chOff x="0" y="0"/>
-          <a:chExt cx="0" cy="0"/>
-        </a:xfrm>
-      </p:grpSpPr>
-      <p:sp>
-        <p:nvSpPr>
-          <p:cNvPr id="2" name="Title 1">
-            <a:extLst>
-              <a:ext uri="{FF2B5EF4-FFF2-40B4-BE49-F238E27FC236}">
-                <a16:creationId xmlns:a16="http://schemas.microsoft.com/office/drawing/2014/main" id="{72F9412A-07C7-DE29-F08F-84DC8AA070F4}"/>
-              </a:ext>
-            </a:extLst>
-          </p:cNvPr>
-          <p:cNvSpPr>
-            <a:spLocks noGrp="1"/>
-          </p:cNvSpPr>
-          <p:nvPr>
-            <p:ph type="title"/>
-          </p:nvPr>
-        </p:nvSpPr>
-        <p:spPr/>
-        <p:txBody>
-          <a:bodyPr/>
-          <a:lstStyle/>
-          <a:p>
-            <a:r>
-              <a:rPr lang="en-GB" dirty="0" err="1"/>
-              <a:t>Overzicht</a:t>
-            </a:r>
-            <a:endParaRPr lang="nl-NL" dirty="0"/>
-          </a:p>
-        </p:txBody>
-      </p:sp>
-      <p:sp>
-        <p:nvSpPr>
-          <p:cNvPr id="3" name="Content Placeholder 2">
-            <a:extLst>
-              <a:ext uri="{FF2B5EF4-FFF2-40B4-BE49-F238E27FC236}">
-                <a16:creationId xmlns:a16="http://schemas.microsoft.com/office/drawing/2014/main" id="{8B1D33DE-AEEB-6AC7-BC22-1D3D8F4DDB27}"/>
-              </a:ext>
-            </a:extLst>
-          </p:cNvPr>
-          <p:cNvSpPr>
-            <a:spLocks noGrp="1"/>
-          </p:cNvSpPr>
-          <p:nvPr>
-            <p:ph idx="1"/>
-          </p:nvPr>
-        </p:nvSpPr>
-        <p:spPr/>
-        <p:txBody>
-          <a:bodyPr/>
-          <a:lstStyle/>
-          <a:p>
-            <a:r>
-              <a:rPr lang="nl-NL" dirty="0"/>
-              <a:t>Doel</a:t>
-            </a:r>
-          </a:p>
-          <a:p>
-            <a:r>
-              <a:rPr lang="nl-NL" dirty="0"/>
-              <a:t>Probabilistische bibliotheek van Deltares</a:t>
-            </a:r>
-          </a:p>
-          <a:p>
-            <a:r>
-              <a:rPr lang="nl-NL" dirty="0"/>
-              <a:t>Damwand model</a:t>
-            </a:r>
-          </a:p>
-          <a:p>
-            <a:r>
-              <a:rPr lang="nl-NL" dirty="0"/>
-              <a:t>Probabilistische berekeningen met </a:t>
-            </a:r>
-            <a:r>
-              <a:rPr lang="nl-NL" dirty="0" err="1"/>
-              <a:t>Kratos</a:t>
-            </a:r>
-            <a:r>
-              <a:rPr lang="nl-NL" dirty="0"/>
-              <a:t>:</a:t>
-            </a:r>
-          </a:p>
-          <a:p>
-            <a:pPr lvl="1"/>
-            <a:r>
-              <a:rPr lang="nl-NL" dirty="0"/>
-              <a:t>Input en output parameters</a:t>
-            </a:r>
-          </a:p>
-          <a:p>
-            <a:pPr lvl="1"/>
-            <a:r>
-              <a:rPr lang="nl-NL" dirty="0"/>
-              <a:t>Onzekerheidsanalyse</a:t>
-            </a:r>
-          </a:p>
-          <a:p>
-            <a:pPr lvl="1"/>
-            <a:r>
-              <a:rPr lang="nl-NL" dirty="0"/>
-              <a:t>Betrouwbaarheidsanalyse</a:t>
-            </a:r>
-          </a:p>
-          <a:p>
-            <a:pPr lvl="1"/>
-            <a:endParaRPr lang="nl-NL" dirty="0"/>
-          </a:p>
-          <a:p>
-            <a:endParaRPr lang="nl-NL" dirty="0"/>
-          </a:p>
-          <a:p>
-            <a:endParaRPr lang="nl-NL" dirty="0"/>
-          </a:p>
-          <a:p>
-            <a:endParaRPr lang="nl-NL" dirty="0"/>
-          </a:p>
-          <a:p>
-            <a:pPr lvl="1"/>
-            <a:endParaRPr lang="nl-NL" dirty="0"/>
-          </a:p>
-        </p:txBody>
-      </p:sp>
-      <p:sp>
-        <p:nvSpPr>
-          <p:cNvPr id="4" name="Date Placeholder 3">
-            <a:extLst>
-              <a:ext uri="{FF2B5EF4-FFF2-40B4-BE49-F238E27FC236}">
-                <a16:creationId xmlns:a16="http://schemas.microsoft.com/office/drawing/2014/main" id="{9C510F70-4ED8-586E-F24E-36E305D537E1}"/>
-              </a:ext>
-            </a:extLst>
-          </p:cNvPr>
-          <p:cNvSpPr>
-            <a:spLocks noGrp="1"/>
-          </p:cNvSpPr>
-          <p:nvPr>
-            <p:ph type="dt" sz="half" idx="10"/>
-          </p:nvPr>
-        </p:nvSpPr>
-        <p:spPr/>
-        <p:txBody>
-          <a:bodyPr/>
-          <a:lstStyle/>
-          <a:p>
-            <a:r>
-              <a:rPr lang="nl-NL"/>
-              <a:t> 28 november 2019</a:t>
-            </a:r>
-          </a:p>
-        </p:txBody>
-      </p:sp>
-      <p:sp>
-        <p:nvSpPr>
-          <p:cNvPr id="5" name="Footer Placeholder 4">
-            <a:extLst>
-              <a:ext uri="{FF2B5EF4-FFF2-40B4-BE49-F238E27FC236}">
-                <a16:creationId xmlns:a16="http://schemas.microsoft.com/office/drawing/2014/main" id="{D8C8333A-629D-A3D8-C6E0-320EB9299240}"/>
-              </a:ext>
-            </a:extLst>
-          </p:cNvPr>
-          <p:cNvSpPr>
-            <a:spLocks noGrp="1"/>
-          </p:cNvSpPr>
-          <p:nvPr>
-            <p:ph type="ftr" sz="quarter" idx="11"/>
-          </p:nvPr>
-        </p:nvSpPr>
-        <p:spPr/>
-        <p:txBody>
-          <a:bodyPr/>
-          <a:lstStyle/>
-          <a:p>
-            <a:r>
-              <a:rPr lang="nl-NL"/>
-              <a:t>Voettekst van de presentatie</a:t>
-            </a:r>
-          </a:p>
-        </p:txBody>
-      </p:sp>
-      <p:sp>
-        <p:nvSpPr>
-          <p:cNvPr id="6" name="Slide Number Placeholder 5">
-            <a:extLst>
-              <a:ext uri="{FF2B5EF4-FFF2-40B4-BE49-F238E27FC236}">
-                <a16:creationId xmlns:a16="http://schemas.microsoft.com/office/drawing/2014/main" id="{2FA51C3C-6E3A-C89A-2793-7B0B71505CF4}"/>
-              </a:ext>
-            </a:extLst>
-          </p:cNvPr>
-          <p:cNvSpPr>
-            <a:spLocks noGrp="1"/>
-          </p:cNvSpPr>
-          <p:nvPr>
-            <p:ph type="sldNum" sz="quarter" idx="12"/>
-          </p:nvPr>
-        </p:nvSpPr>
-        <p:spPr/>
-        <p:txBody>
-          <a:bodyPr/>
-          <a:lstStyle/>
-          <a:p>
-            <a:fld id="{F42B3F14-D836-496B-80A2-23BE75BD68CB}" type="slidenum">
-              <a:rPr lang="nl-NL" smtClean="0"/>
-              <a:t>2</a:t>
-            </a:fld>
-            <a:endParaRPr lang="nl-NL"/>
-          </a:p>
-        </p:txBody>
-      </p:sp>
-    </p:spTree>
-    <p:extLst>
-      <p:ext uri="{BB962C8B-B14F-4D97-AF65-F5344CB8AC3E}">
-        <p14:creationId xmlns:p14="http://schemas.microsoft.com/office/powerpoint/2010/main" val="3477334814"/>
-      </p:ext>
-    </p:extLst>
-  </p:cSld>
-  <p:clrMapOvr>
-    <a:masterClrMapping/>
-  </p:clrMapOvr>
-</p:sld>
-</file>
-
-<file path=ppt/slides/slide20.xml><?xml version="1.0" encoding="utf-8"?>
+<file path=ppt/slides/slide19.xml><?xml version="1.0" encoding="utf-8"?>
 <p:sld xmlns:a="http://schemas.openxmlformats.org/drawingml/2006/main" xmlns:r="http://schemas.openxmlformats.org/officeDocument/2006/relationships" xmlns:p="http://schemas.openxmlformats.org/presentationml/2006/main">
   <p:cSld>
     <p:spTree>
@@ -20785,7 +20106,7 @@
           <a:p>
             <a:fld id="{F42B3F14-D836-496B-80A2-23BE75BD68CB}" type="slidenum">
               <a:rPr lang="nl-NL" smtClean="0"/>
-              <a:t>20</a:t>
+              <a:t>19</a:t>
             </a:fld>
             <a:endParaRPr lang="nl-NL"/>
           </a:p>
@@ -21658,7 +20979,243 @@
 </p:sld>
 </file>
 
-<file path=ppt/slides/slide21.xml><?xml version="1.0" encoding="utf-8"?>
+<file path=ppt/slides/slide2.xml><?xml version="1.0" encoding="utf-8"?>
+<p:sld xmlns:a="http://schemas.openxmlformats.org/drawingml/2006/main" xmlns:r="http://schemas.openxmlformats.org/officeDocument/2006/relationships" xmlns:p="http://schemas.openxmlformats.org/presentationml/2006/main">
+  <p:cSld>
+    <p:spTree>
+      <p:nvGrpSpPr>
+        <p:cNvPr id="1" name=""/>
+        <p:cNvGrpSpPr/>
+        <p:nvPr/>
+      </p:nvGrpSpPr>
+      <p:grpSpPr>
+        <a:xfrm>
+          <a:off x="0" y="0"/>
+          <a:ext cx="0" cy="0"/>
+          <a:chOff x="0" y="0"/>
+          <a:chExt cx="0" cy="0"/>
+        </a:xfrm>
+      </p:grpSpPr>
+      <p:sp>
+        <p:nvSpPr>
+          <p:cNvPr id="2" name="Title 1">
+            <a:extLst>
+              <a:ext uri="{FF2B5EF4-FFF2-40B4-BE49-F238E27FC236}">
+                <a16:creationId xmlns:a16="http://schemas.microsoft.com/office/drawing/2014/main" id="{72F9412A-07C7-DE29-F08F-84DC8AA070F4}"/>
+              </a:ext>
+            </a:extLst>
+          </p:cNvPr>
+          <p:cNvSpPr>
+            <a:spLocks noGrp="1"/>
+          </p:cNvSpPr>
+          <p:nvPr>
+            <p:ph type="title"/>
+          </p:nvPr>
+        </p:nvSpPr>
+        <p:spPr/>
+        <p:txBody>
+          <a:bodyPr/>
+          <a:lstStyle/>
+          <a:p>
+            <a:r>
+              <a:rPr lang="en-GB" dirty="0" err="1"/>
+              <a:t>Overzicht</a:t>
+            </a:r>
+            <a:endParaRPr lang="nl-NL" dirty="0"/>
+          </a:p>
+        </p:txBody>
+      </p:sp>
+      <p:sp>
+        <p:nvSpPr>
+          <p:cNvPr id="3" name="Content Placeholder 2">
+            <a:extLst>
+              <a:ext uri="{FF2B5EF4-FFF2-40B4-BE49-F238E27FC236}">
+                <a16:creationId xmlns:a16="http://schemas.microsoft.com/office/drawing/2014/main" id="{8B1D33DE-AEEB-6AC7-BC22-1D3D8F4DDB27}"/>
+              </a:ext>
+            </a:extLst>
+          </p:cNvPr>
+          <p:cNvSpPr>
+            <a:spLocks noGrp="1"/>
+          </p:cNvSpPr>
+          <p:nvPr>
+            <p:ph idx="1"/>
+          </p:nvPr>
+        </p:nvSpPr>
+        <p:spPr/>
+        <p:txBody>
+          <a:bodyPr/>
+          <a:lstStyle/>
+          <a:p>
+            <a:r>
+              <a:rPr lang="nl-NL" dirty="0"/>
+              <a:t>Doel</a:t>
+            </a:r>
+          </a:p>
+          <a:p>
+            <a:r>
+              <a:rPr lang="nl-NL" dirty="0"/>
+              <a:t>Probabilistische bibliotheek van Deltares</a:t>
+            </a:r>
+          </a:p>
+          <a:p>
+            <a:r>
+              <a:rPr lang="nl-NL" dirty="0"/>
+              <a:t>Damwand model</a:t>
+            </a:r>
+          </a:p>
+          <a:p>
+            <a:r>
+              <a:rPr lang="nl-NL" dirty="0"/>
+              <a:t>Probabilistische berekeningen met </a:t>
+            </a:r>
+            <a:r>
+              <a:rPr lang="nl-NL" dirty="0" err="1"/>
+              <a:t>Kratos</a:t>
+            </a:r>
+            <a:r>
+              <a:rPr lang="nl-NL" dirty="0"/>
+              <a:t>:</a:t>
+            </a:r>
+          </a:p>
+          <a:p>
+            <a:pPr lvl="1"/>
+            <a:r>
+              <a:rPr lang="nl-NL" dirty="0"/>
+              <a:t>Input en output parameters</a:t>
+            </a:r>
+          </a:p>
+          <a:p>
+            <a:pPr lvl="1"/>
+            <a:r>
+              <a:rPr lang="nl-NL" dirty="0"/>
+              <a:t>Onzekerheidsanalyse</a:t>
+            </a:r>
+          </a:p>
+          <a:p>
+            <a:pPr lvl="1"/>
+            <a:r>
+              <a:rPr lang="nl-NL" dirty="0"/>
+              <a:t>Betrouwbaarheidsanalyse</a:t>
+            </a:r>
+          </a:p>
+          <a:p>
+            <a:pPr lvl="1"/>
+            <a:endParaRPr lang="nl-NL" dirty="0"/>
+          </a:p>
+          <a:p>
+            <a:endParaRPr lang="nl-NL" dirty="0"/>
+          </a:p>
+          <a:p>
+            <a:endParaRPr lang="nl-NL" dirty="0"/>
+          </a:p>
+          <a:p>
+            <a:endParaRPr lang="nl-NL" dirty="0"/>
+          </a:p>
+          <a:p>
+            <a:pPr lvl="1"/>
+            <a:endParaRPr lang="nl-NL" dirty="0"/>
+          </a:p>
+        </p:txBody>
+      </p:sp>
+      <p:sp>
+        <p:nvSpPr>
+          <p:cNvPr id="4" name="Date Placeholder 3">
+            <a:extLst>
+              <a:ext uri="{FF2B5EF4-FFF2-40B4-BE49-F238E27FC236}">
+                <a16:creationId xmlns:a16="http://schemas.microsoft.com/office/drawing/2014/main" id="{9C510F70-4ED8-586E-F24E-36E305D537E1}"/>
+              </a:ext>
+            </a:extLst>
+          </p:cNvPr>
+          <p:cNvSpPr>
+            <a:spLocks noGrp="1"/>
+          </p:cNvSpPr>
+          <p:nvPr>
+            <p:ph type="dt" sz="half" idx="10"/>
+          </p:nvPr>
+        </p:nvSpPr>
+        <p:spPr/>
+        <p:txBody>
+          <a:bodyPr/>
+          <a:lstStyle/>
+          <a:p>
+            <a:r>
+              <a:rPr lang="nl-NL"/>
+              <a:t> 28 november 2019</a:t>
+            </a:r>
+          </a:p>
+        </p:txBody>
+      </p:sp>
+      <p:sp>
+        <p:nvSpPr>
+          <p:cNvPr id="5" name="Footer Placeholder 4">
+            <a:extLst>
+              <a:ext uri="{FF2B5EF4-FFF2-40B4-BE49-F238E27FC236}">
+                <a16:creationId xmlns:a16="http://schemas.microsoft.com/office/drawing/2014/main" id="{D8C8333A-629D-A3D8-C6E0-320EB9299240}"/>
+              </a:ext>
+            </a:extLst>
+          </p:cNvPr>
+          <p:cNvSpPr>
+            <a:spLocks noGrp="1"/>
+          </p:cNvSpPr>
+          <p:nvPr>
+            <p:ph type="ftr" sz="quarter" idx="11"/>
+          </p:nvPr>
+        </p:nvSpPr>
+        <p:spPr/>
+        <p:txBody>
+          <a:bodyPr/>
+          <a:lstStyle/>
+          <a:p>
+            <a:r>
+              <a:rPr lang="nl-NL"/>
+              <a:t>Voettekst van de presentatie</a:t>
+            </a:r>
+          </a:p>
+        </p:txBody>
+      </p:sp>
+      <p:sp>
+        <p:nvSpPr>
+          <p:cNvPr id="6" name="Slide Number Placeholder 5">
+            <a:extLst>
+              <a:ext uri="{FF2B5EF4-FFF2-40B4-BE49-F238E27FC236}">
+                <a16:creationId xmlns:a16="http://schemas.microsoft.com/office/drawing/2014/main" id="{2FA51C3C-6E3A-C89A-2793-7B0B71505CF4}"/>
+              </a:ext>
+            </a:extLst>
+          </p:cNvPr>
+          <p:cNvSpPr>
+            <a:spLocks noGrp="1"/>
+          </p:cNvSpPr>
+          <p:nvPr>
+            <p:ph type="sldNum" sz="quarter" idx="12"/>
+          </p:nvPr>
+        </p:nvSpPr>
+        <p:spPr/>
+        <p:txBody>
+          <a:bodyPr/>
+          <a:lstStyle/>
+          <a:p>
+            <a:fld id="{F42B3F14-D836-496B-80A2-23BE75BD68CB}" type="slidenum">
+              <a:rPr lang="nl-NL" smtClean="0"/>
+              <a:t>2</a:t>
+            </a:fld>
+            <a:endParaRPr lang="nl-NL"/>
+          </a:p>
+        </p:txBody>
+      </p:sp>
+    </p:spTree>
+    <p:extLst>
+      <p:ext uri="{BB962C8B-B14F-4D97-AF65-F5344CB8AC3E}">
+        <p14:creationId xmlns:p14="http://schemas.microsoft.com/office/powerpoint/2010/main" val="3477334814"/>
+      </p:ext>
+    </p:extLst>
+  </p:cSld>
+  <p:clrMapOvr>
+    <a:masterClrMapping/>
+  </p:clrMapOvr>
+</p:sld>
+</file>
+
+<file path=ppt/slides/slide20.xml><?xml version="1.0" encoding="utf-8"?>
 <p:sld xmlns:a="http://schemas.openxmlformats.org/drawingml/2006/main" xmlns:r="http://schemas.openxmlformats.org/officeDocument/2006/relationships" xmlns:p="http://schemas.openxmlformats.org/presentationml/2006/main">
   <p:cSld>
     <p:spTree>
@@ -21788,7 +21345,7 @@
           <a:p>
             <a:fld id="{F42B3F14-D836-496B-80A2-23BE75BD68CB}" type="slidenum">
               <a:rPr lang="nl-NL" smtClean="0"/>
-              <a:t>21</a:t>
+              <a:t>20</a:t>
             </a:fld>
             <a:endParaRPr lang="nl-NL"/>
           </a:p>
@@ -26458,6 +26015,15 @@
 </file>
 
 <file path=customXml/item1.xml><?xml version="1.0" encoding="utf-8"?>
+<?mso-contentType ?>
+<FormTemplates xmlns="http://schemas.microsoft.com/sharepoint/v3/contenttype/forms">
+  <Display>DocumentLibraryForm</Display>
+  <Edit>DocumentLibraryForm</Edit>
+  <New>DocumentLibraryForm</New>
+</FormTemplates>
+</file>
+
+<file path=customXml/item2.xml><?xml version="1.0" encoding="utf-8"?>
 <ct:contentTypeSchema xmlns:ct="http://schemas.microsoft.com/office/2006/metadata/contentType" xmlns:ma="http://schemas.microsoft.com/office/2006/metadata/properties/metaAttributes" ct:_="" ma:_="" ma:contentTypeName="Document" ma:contentTypeID="0x0101000B31082E7F932F4895FF772473B30116" ma:contentTypeVersion="11" ma:contentTypeDescription="Create a new document." ma:contentTypeScope="" ma:versionID="c30b5a7ebc79a8ae4b5672261524501a">
   <xsd:schema xmlns:xsd="http://www.w3.org/2001/XMLSchema" xmlns:xs="http://www.w3.org/2001/XMLSchema" xmlns:p="http://schemas.microsoft.com/office/2006/metadata/properties" xmlns:ns2="edd774d5-6d8f-4b83-b098-255576e86aac" xmlns:ns3="dead17b3-d09a-4d17-9633-982b423f4fbc" targetNamespace="http://schemas.microsoft.com/office/2006/metadata/properties" ma:root="true" ma:fieldsID="d0c78e411dc013314e83d6c65decba18" ns2:_="" ns3:_="">
     <xsd:import namespace="edd774d5-6d8f-4b83-b098-255576e86aac"/>
@@ -26668,15 +26234,6 @@
 </ct:contentTypeSchema>
 </file>
 
-<file path=customXml/item2.xml><?xml version="1.0" encoding="utf-8"?>
-<?mso-contentType ?>
-<FormTemplates xmlns="http://schemas.microsoft.com/sharepoint/v3/contenttype/forms">
-  <Display>DocumentLibraryForm</Display>
-  <Edit>DocumentLibraryForm</Edit>
-  <New>DocumentLibraryForm</New>
-</FormTemplates>
-</file>
-
 <file path=customXml/item3.xml><?xml version="1.0" encoding="utf-8"?>
 <p:properties xmlns:p="http://schemas.microsoft.com/office/2006/metadata/properties" xmlns:xsi="http://www.w3.org/2001/XMLSchema-instance" xmlns:pc="http://schemas.microsoft.com/office/infopath/2007/PartnerControls">
   <documentManagement>
@@ -26689,6 +26246,14 @@
 </file>
 
 <file path=customXml/itemProps1.xml><?xml version="1.0" encoding="utf-8"?>
+<ds:datastoreItem xmlns:ds="http://schemas.openxmlformats.org/officeDocument/2006/customXml" ds:itemID="{5636F5E9-25BB-4734-86C2-FD32BCBA5CBD}">
+  <ds:schemaRefs>
+    <ds:schemaRef ds:uri="http://schemas.microsoft.com/sharepoint/v3/contenttype/forms"/>
+  </ds:schemaRefs>
+</ds:datastoreItem>
+</file>
+
+<file path=customXml/itemProps2.xml><?xml version="1.0" encoding="utf-8"?>
 <ds:datastoreItem xmlns:ds="http://schemas.openxmlformats.org/officeDocument/2006/customXml" ds:itemID="{7B44D4F2-36BF-49E2-8330-5C01CEA3FA8E}">
   <ds:schemaRefs>
     <ds:schemaRef ds:uri="http://schemas.microsoft.com/office/2006/metadata/contentType"/>
@@ -26707,14 +26272,6 @@
 </ds:datastoreItem>
 </file>
 
-<file path=customXml/itemProps2.xml><?xml version="1.0" encoding="utf-8"?>
-<ds:datastoreItem xmlns:ds="http://schemas.openxmlformats.org/officeDocument/2006/customXml" ds:itemID="{5636F5E9-25BB-4734-86C2-FD32BCBA5CBD}">
-  <ds:schemaRefs>
-    <ds:schemaRef ds:uri="http://schemas.microsoft.com/sharepoint/v3/contenttype/forms"/>
-  </ds:schemaRefs>
-</ds:datastoreItem>
-</file>
-
 <file path=customXml/itemProps3.xml><?xml version="1.0" encoding="utf-8"?>
 <ds:datastoreItem xmlns:ds="http://schemas.openxmlformats.org/officeDocument/2006/customXml" ds:itemID="{84338BAD-8BA4-4C42-A850-147A5D210631}">
   <ds:schemaRefs>
